--- a/Documents/MapGenClassLibrary.pptx
+++ b/Documents/MapGenClassLibrary.pptx
@@ -20,9 +20,13 @@
     <p:sldId id="489" r:id="rId14"/>
     <p:sldId id="490" r:id="rId15"/>
     <p:sldId id="460" r:id="rId16"/>
-    <p:sldId id="493" r:id="rId17"/>
-    <p:sldId id="494" r:id="rId18"/>
-    <p:sldId id="495" r:id="rId19"/>
+    <p:sldId id="497" r:id="rId17"/>
+    <p:sldId id="493" r:id="rId18"/>
+    <p:sldId id="496" r:id="rId19"/>
+    <p:sldId id="499" r:id="rId20"/>
+    <p:sldId id="500" r:id="rId21"/>
+    <p:sldId id="494" r:id="rId22"/>
+    <p:sldId id="495" r:id="rId23"/>
   </p:sldIdLst>
   <p:sldSz cx="12192000" cy="6858000"/>
   <p:notesSz cx="6858000" cy="9144000"/>
@@ -157,7 +161,11 @@
         <p14:section name="Converting polytope tiles to separated polytopes" id="{86EAC484-9D77-412B-98FB-1213CAD128B9}">
           <p14:sldIdLst>
             <p14:sldId id="460"/>
+            <p14:sldId id="497"/>
             <p14:sldId id="493"/>
+            <p14:sldId id="496"/>
+            <p14:sldId id="499"/>
+            <p14:sldId id="500"/>
           </p14:sldIdLst>
         </p14:section>
         <p14:section name="Map Plotting" id="{84E5192F-FEE5-47D4-941B-3C29C67F303C}">
@@ -173,6 +181,14 @@
     </p:ext>
   </p:extLst>
 </p:presentation>
+</file>
+
+<file path=ppt/revisionInfo.xml><?xml version="1.0" encoding="utf-8"?>
+<p1510:revInfo xmlns:a="http://schemas.openxmlformats.org/drawingml/2006/main" xmlns:r="http://schemas.openxmlformats.org/officeDocument/2006/relationships" xmlns:p1510="http://schemas.microsoft.com/office/powerpoint/2015/10/main">
+  <p1510:revLst>
+    <p1510:client id="{951D1DCD-C2F6-3274-E915-1D7099145DCA}" v="895" dt="2021-09-10T02:19:31.036"/>
+  </p1510:revLst>
+</p1510:revInfo>
 </file>
 
 <file path=ppt/slideLayouts/slideLayout1.xml><?xml version="1.0" encoding="utf-8"?>
@@ -322,7 +338,7 @@
           <a:p>
             <a:fld id="{ADCEBF8C-22C0-4323-9BBB-9413232198F8}" type="datetimeFigureOut">
               <a:rPr lang="en-US" smtClean="0"/>
-              <a:t>6/10/2021</a:t>
+              <a:t>9/9/2021</a:t>
             </a:fld>
             <a:endParaRPr lang="en-US"/>
           </a:p>
@@ -520,7 +536,7 @@
           <a:p>
             <a:fld id="{ADCEBF8C-22C0-4323-9BBB-9413232198F8}" type="datetimeFigureOut">
               <a:rPr lang="en-US" smtClean="0"/>
-              <a:t>6/10/2021</a:t>
+              <a:t>9/9/2021</a:t>
             </a:fld>
             <a:endParaRPr lang="en-US"/>
           </a:p>
@@ -728,7 +744,7 @@
           <a:p>
             <a:fld id="{ADCEBF8C-22C0-4323-9BBB-9413232198F8}" type="datetimeFigureOut">
               <a:rPr lang="en-US" smtClean="0"/>
-              <a:t>6/10/2021</a:t>
+              <a:t>9/9/2021</a:t>
             </a:fld>
             <a:endParaRPr lang="en-US"/>
           </a:p>
@@ -926,7 +942,7 @@
           <a:p>
             <a:fld id="{ADCEBF8C-22C0-4323-9BBB-9413232198F8}" type="datetimeFigureOut">
               <a:rPr lang="en-US" smtClean="0"/>
-              <a:t>6/10/2021</a:t>
+              <a:t>9/9/2021</a:t>
             </a:fld>
             <a:endParaRPr lang="en-US"/>
           </a:p>
@@ -1201,7 +1217,7 @@
           <a:p>
             <a:fld id="{ADCEBF8C-22C0-4323-9BBB-9413232198F8}" type="datetimeFigureOut">
               <a:rPr lang="en-US" smtClean="0"/>
-              <a:t>6/10/2021</a:t>
+              <a:t>9/9/2021</a:t>
             </a:fld>
             <a:endParaRPr lang="en-US"/>
           </a:p>
@@ -1466,7 +1482,7 @@
           <a:p>
             <a:fld id="{ADCEBF8C-22C0-4323-9BBB-9413232198F8}" type="datetimeFigureOut">
               <a:rPr lang="en-US" smtClean="0"/>
-              <a:t>6/10/2021</a:t>
+              <a:t>9/9/2021</a:t>
             </a:fld>
             <a:endParaRPr lang="en-US"/>
           </a:p>
@@ -1878,7 +1894,7 @@
           <a:p>
             <a:fld id="{ADCEBF8C-22C0-4323-9BBB-9413232198F8}" type="datetimeFigureOut">
               <a:rPr lang="en-US" smtClean="0"/>
-              <a:t>6/10/2021</a:t>
+              <a:t>9/9/2021</a:t>
             </a:fld>
             <a:endParaRPr lang="en-US"/>
           </a:p>
@@ -2019,7 +2035,7 @@
           <a:p>
             <a:fld id="{ADCEBF8C-22C0-4323-9BBB-9413232198F8}" type="datetimeFigureOut">
               <a:rPr lang="en-US" smtClean="0"/>
-              <a:t>6/10/2021</a:t>
+              <a:t>9/9/2021</a:t>
             </a:fld>
             <a:endParaRPr lang="en-US"/>
           </a:p>
@@ -2132,7 +2148,7 @@
           <a:p>
             <a:fld id="{ADCEBF8C-22C0-4323-9BBB-9413232198F8}" type="datetimeFigureOut">
               <a:rPr lang="en-US" smtClean="0"/>
-              <a:t>6/10/2021</a:t>
+              <a:t>9/9/2021</a:t>
             </a:fld>
             <a:endParaRPr lang="en-US"/>
           </a:p>
@@ -2443,7 +2459,7 @@
           <a:p>
             <a:fld id="{ADCEBF8C-22C0-4323-9BBB-9413232198F8}" type="datetimeFigureOut">
               <a:rPr lang="en-US" smtClean="0"/>
-              <a:t>6/10/2021</a:t>
+              <a:t>9/9/2021</a:t>
             </a:fld>
             <a:endParaRPr lang="en-US"/>
           </a:p>
@@ -2731,7 +2747,7 @@
           <a:p>
             <a:fld id="{ADCEBF8C-22C0-4323-9BBB-9413232198F8}" type="datetimeFigureOut">
               <a:rPr lang="en-US" smtClean="0"/>
-              <a:t>6/10/2021</a:t>
+              <a:t>9/9/2021</a:t>
             </a:fld>
             <a:endParaRPr lang="en-US"/>
           </a:p>
@@ -2972,7 +2988,7 @@
           <a:p>
             <a:fld id="{ADCEBF8C-22C0-4323-9BBB-9413232198F8}" type="datetimeFigureOut">
               <a:rPr lang="en-US" smtClean="0"/>
-              <a:t>6/10/2021</a:t>
+              <a:t>9/9/2021</a:t>
             </a:fld>
             <a:endParaRPr lang="en-US"/>
           </a:p>
@@ -5899,6 +5915,204 @@
           <p:cNvPr id="2" name="Title 1">
             <a:extLst>
               <a:ext uri="{FF2B5EF4-FFF2-40B4-BE49-F238E27FC236}">
+                <a16:creationId xmlns:a16="http://schemas.microsoft.com/office/drawing/2014/main" id="{C52E4A42-771F-473D-A7D1-F032DA798E2B}"/>
+              </a:ext>
+            </a:extLst>
+          </p:cNvPr>
+          <p:cNvSpPr>
+            <a:spLocks noGrp="1"/>
+          </p:cNvSpPr>
+          <p:nvPr>
+            <p:ph type="title"/>
+          </p:nvPr>
+        </p:nvSpPr>
+        <p:spPr>
+          <a:xfrm>
+            <a:off x="838200" y="365125"/>
+            <a:ext cx="10515600" cy="2628337"/>
+          </a:xfrm>
+        </p:spPr>
+        <p:txBody>
+          <a:bodyPr vert="horz" lIns="91440" tIns="45720" rIns="91440" bIns="45720" rtlCol="0" anchor="ctr">
+            <a:noAutofit/>
+          </a:bodyPr>
+          <a:lstStyle/>
+          <a:p>
+            <a:r>
+              <a:rPr lang="en-US" sz="3200">
+                <a:cs typeface="Calibri Light"/>
+              </a:rPr>
+              <a:t>Individual polytopes are shrunk with </a:t>
+            </a:r>
+            <a:r>
+              <a:rPr lang="en-US" sz="3200">
+                <a:solidFill>
+                  <a:srgbClr val="00B050"/>
+                </a:solidFill>
+                <a:latin typeface="Courier New"/>
+                <a:cs typeface="Courier New"/>
+              </a:rPr>
+              <a:t>fcn_MapGen_polytopeShrinkToRadius </a:t>
+            </a:r>
+            <a:r>
+              <a:rPr lang="en-US" sz="3200">
+                <a:cs typeface="Calibri Light"/>
+              </a:rPr>
+              <a:t>by moving all verticies towards the centroid by some scalar multiplier, derived from the desired final max radius.  Max radius is the distance from the centroid to the furthest vertex. </a:t>
+            </a:r>
+          </a:p>
+        </p:txBody>
+      </p:sp>
+      <p:sp>
+        <p:nvSpPr>
+          <p:cNvPr id="5" name="Rectangle 4">
+            <a:extLst>
+              <a:ext uri="{FF2B5EF4-FFF2-40B4-BE49-F238E27FC236}">
+                <a16:creationId xmlns:a16="http://schemas.microsoft.com/office/drawing/2014/main" id="{DAD36BB6-5195-4557-9528-BAFE14B7A978}"/>
+              </a:ext>
+            </a:extLst>
+          </p:cNvPr>
+          <p:cNvSpPr/>
+          <p:nvPr/>
+        </p:nvSpPr>
+        <p:spPr>
+          <a:xfrm>
+            <a:off x="2659627" y="3928814"/>
+            <a:ext cx="6569962" cy="1015663"/>
+          </a:xfrm>
+          <a:prstGeom prst="rect">
+            <a:avLst/>
+          </a:prstGeom>
+          <a:solidFill>
+            <a:schemeClr val="accent4">
+              <a:lumMod val="20000"/>
+              <a:lumOff val="80000"/>
+            </a:schemeClr>
+          </a:solidFill>
+        </p:spPr>
+        <p:txBody>
+          <a:bodyPr wrap="square" lIns="91440" tIns="45720" rIns="91440" bIns="45720" anchor="t">
+            <a:spAutoFit/>
+          </a:bodyPr>
+          <a:lstStyle/>
+          <a:p>
+            <a:r>
+              <a:rPr lang="en-US" sz="1200">
+                <a:solidFill>
+                  <a:srgbClr val="028009"/>
+                </a:solidFill>
+                <a:latin typeface="Courier New"/>
+                <a:cs typeface="Courier New"/>
+              </a:rPr>
+              <a:t>% determine scale factor</a:t>
+            </a:r>
+            <a:endParaRPr lang="en-US" sz="1200">
+              <a:solidFill>
+                <a:srgbClr val="028009"/>
+              </a:solidFill>
+              <a:latin typeface="Courier New" panose="02070309020205020404" pitchFamily="49" charset="0"/>
+              <a:cs typeface="Courier New"/>
+            </a:endParaRPr>
+          </a:p>
+          <a:p>
+            <a:r>
+              <a:rPr lang="en-US" sz="1200">
+                <a:solidFill>
+                  <a:srgbClr val="000000"/>
+                </a:solidFill>
+                <a:latin typeface="Courier New"/>
+                <a:cs typeface="Courier New"/>
+              </a:rPr>
+              <a:t>scale = new_radius/rad;</a:t>
+            </a:r>
+            <a:endParaRPr lang="en-US" sz="1200">
+              <a:solidFill>
+                <a:srgbClr val="000000"/>
+              </a:solidFill>
+              <a:latin typeface="Courier New" panose="02070309020205020404" pitchFamily="49" charset="0"/>
+              <a:cs typeface="Courier New"/>
+            </a:endParaRPr>
+          </a:p>
+          <a:p>
+            <a:r>
+              <a:rPr lang="en-US" sz="1200">
+                <a:solidFill>
+                  <a:srgbClr val="000000"/>
+                </a:solidFill>
+                <a:latin typeface="Courier New"/>
+                <a:cs typeface="Courier New"/>
+              </a:rPr>
+              <a:t>…</a:t>
+            </a:r>
+          </a:p>
+          <a:p>
+            <a:r>
+              <a:rPr lang="en-US" sz="1200">
+                <a:solidFill>
+                  <a:srgbClr val="028009"/>
+                </a:solidFill>
+                <a:latin typeface="Courier New"/>
+                <a:cs typeface="Courier New"/>
+              </a:rPr>
+              <a:t>% find new vertices</a:t>
+            </a:r>
+            <a:endParaRPr lang="en-US" sz="1200">
+              <a:latin typeface="Courier New"/>
+              <a:ea typeface="+mn-lt"/>
+              <a:cs typeface="+mn-lt"/>
+            </a:endParaRPr>
+          </a:p>
+          <a:p>
+            <a:r>
+              <a:rPr lang="en-US" sz="1200">
+                <a:latin typeface="Courier New"/>
+                <a:ea typeface="+mn-lt"/>
+                <a:cs typeface="+mn-lt"/>
+              </a:rPr>
+              <a:t>new_vert = centroid + scale*(vertices-centroid);</a:t>
+            </a:r>
+            <a:endParaRPr lang="en-US" sz="1200">
+              <a:latin typeface="Calibri" panose="020F0502020204030204"/>
+              <a:cs typeface="Calibri" panose="020F0502020204030204"/>
+            </a:endParaRPr>
+          </a:p>
+        </p:txBody>
+      </p:sp>
+    </p:spTree>
+    <p:extLst>
+      <p:ext uri="{BB962C8B-B14F-4D97-AF65-F5344CB8AC3E}">
+        <p14:creationId xmlns:p14="http://schemas.microsoft.com/office/powerpoint/2010/main" val="2986685731"/>
+      </p:ext>
+    </p:extLst>
+  </p:cSld>
+  <p:clrMapOvr>
+    <a:masterClrMapping/>
+  </p:clrMapOvr>
+</p:sld>
+</file>
+
+<file path=ppt/slides/slide17.xml><?xml version="1.0" encoding="utf-8"?>
+<p:sld xmlns:a="http://schemas.openxmlformats.org/drawingml/2006/main" xmlns:r="http://schemas.openxmlformats.org/officeDocument/2006/relationships" xmlns:p="http://schemas.openxmlformats.org/presentationml/2006/main">
+  <p:cSld>
+    <p:spTree>
+      <p:nvGrpSpPr>
+        <p:cNvPr id="1" name=""/>
+        <p:cNvGrpSpPr/>
+        <p:nvPr/>
+      </p:nvGrpSpPr>
+      <p:grpSpPr>
+        <a:xfrm>
+          <a:off x="0" y="0"/>
+          <a:ext cx="0" cy="0"/>
+          <a:chOff x="0" y="0"/>
+          <a:chExt cx="0" cy="0"/>
+        </a:xfrm>
+      </p:grpSpPr>
+      <p:sp>
+        <p:nvSpPr>
+          <p:cNvPr id="2" name="Title 1">
+            <a:extLst>
+              <a:ext uri="{FF2B5EF4-FFF2-40B4-BE49-F238E27FC236}">
                 <a16:creationId xmlns:a16="http://schemas.microsoft.com/office/drawing/2014/main" id="{3E9ADC98-84CB-4771-882B-988B9197E7B2}"/>
               </a:ext>
             </a:extLst>
@@ -6026,7 +6240,1258 @@
 </p:sld>
 </file>
 
-<file path=ppt/slides/slide17.xml><?xml version="1.0" encoding="utf-8"?>
+<file path=ppt/slides/slide18.xml><?xml version="1.0" encoding="utf-8"?>
+<p:sld xmlns:a="http://schemas.openxmlformats.org/drawingml/2006/main" xmlns:r="http://schemas.openxmlformats.org/officeDocument/2006/relationships" xmlns:p="http://schemas.openxmlformats.org/presentationml/2006/main">
+  <p:cSld>
+    <p:spTree>
+      <p:nvGrpSpPr>
+        <p:cNvPr id="1" name=""/>
+        <p:cNvGrpSpPr/>
+        <p:nvPr/>
+      </p:nvGrpSpPr>
+      <p:grpSpPr>
+        <a:xfrm>
+          <a:off x="0" y="0"/>
+          <a:ext cx="0" cy="0"/>
+          <a:chOff x="0" y="0"/>
+          <a:chExt cx="0" cy="0"/>
+        </a:xfrm>
+      </p:grpSpPr>
+      <p:sp>
+        <p:nvSpPr>
+          <p:cNvPr id="2" name="Title 1">
+            <a:extLst>
+              <a:ext uri="{FF2B5EF4-FFF2-40B4-BE49-F238E27FC236}">
+                <a16:creationId xmlns:a16="http://schemas.microsoft.com/office/drawing/2014/main" id="{7489FDBE-1F28-4E43-829E-C7286CA0F6D6}"/>
+              </a:ext>
+            </a:extLst>
+          </p:cNvPr>
+          <p:cNvSpPr>
+            <a:spLocks noGrp="1"/>
+          </p:cNvSpPr>
+          <p:nvPr>
+            <p:ph type="title"/>
+          </p:nvPr>
+        </p:nvSpPr>
+        <p:spPr>
+          <a:xfrm>
+            <a:off x="666135" y="684673"/>
+            <a:ext cx="10515600" cy="1325563"/>
+          </a:xfrm>
+        </p:spPr>
+        <p:txBody>
+          <a:bodyPr vert="horz" lIns="91440" tIns="45720" rIns="91440" bIns="45720" rtlCol="0" anchor="ctr">
+            <a:noAutofit/>
+          </a:bodyPr>
+          <a:lstStyle/>
+          <a:p>
+            <a:r>
+              <a:rPr lang="en-US" sz="2400">
+                <a:cs typeface="Calibri Light"/>
+              </a:rPr>
+              <a:t>This is achieved in </a:t>
+            </a:r>
+            <a:r>
+              <a:rPr lang="en-US" sz="2400">
+                <a:solidFill>
+                  <a:srgbClr val="00B050"/>
+                </a:solidFill>
+                <a:latin typeface="Courier New"/>
+                <a:cs typeface="Courier New"/>
+              </a:rPr>
+              <a:t>fcn_MapGen_polytopesShrinkToRadius</a:t>
+            </a:r>
+            <a:r>
+              <a:rPr lang="en-US" sz="2400">
+                <a:cs typeface="Calibri Light"/>
+              </a:rPr>
+              <a:t> by first creating a normally distributed set of radii with the desired mean and standard deviation. Then, using a user-defined minimum radius as the minimum value and the current max radius of the polytope as a maximum value, values in the distribution falling out of bounds are reset to the max or min as appropriate.</a:t>
+            </a:r>
+          </a:p>
+        </p:txBody>
+      </p:sp>
+      <p:sp>
+        <p:nvSpPr>
+          <p:cNvPr id="5" name="Rectangle 4">
+            <a:extLst>
+              <a:ext uri="{FF2B5EF4-FFF2-40B4-BE49-F238E27FC236}">
+                <a16:creationId xmlns:a16="http://schemas.microsoft.com/office/drawing/2014/main" id="{DD4D3B03-B8D5-422C-8DEC-FA9CC66E838C}"/>
+              </a:ext>
+            </a:extLst>
+          </p:cNvPr>
+          <p:cNvSpPr/>
+          <p:nvPr/>
+        </p:nvSpPr>
+        <p:spPr>
+          <a:xfrm>
+            <a:off x="2487562" y="3510942"/>
+            <a:ext cx="6569962" cy="1569660"/>
+          </a:xfrm>
+          <a:prstGeom prst="rect">
+            <a:avLst/>
+          </a:prstGeom>
+          <a:solidFill>
+            <a:schemeClr val="accent4">
+              <a:lumMod val="20000"/>
+              <a:lumOff val="80000"/>
+            </a:schemeClr>
+          </a:solidFill>
+        </p:spPr>
+        <p:txBody>
+          <a:bodyPr wrap="square" lIns="91440" tIns="45720" rIns="91440" bIns="45720" anchor="t">
+            <a:spAutoFit/>
+          </a:bodyPr>
+          <a:lstStyle/>
+          <a:p>
+            <a:r>
+              <a:rPr lang="en-US" sz="1200">
+                <a:solidFill>
+                  <a:schemeClr val="accent6">
+                    <a:lumMod val="75000"/>
+                  </a:schemeClr>
+                </a:solidFill>
+                <a:latin typeface="Courier New"/>
+                <a:cs typeface="Calibri"/>
+              </a:rPr>
+              <a:t>%</a:t>
+            </a:r>
+            <a:r>
+              <a:rPr lang="en-US" sz="1200">
+                <a:solidFill>
+                  <a:schemeClr val="accent6">
+                    <a:lumMod val="75000"/>
+                  </a:schemeClr>
+                </a:solidFill>
+                <a:latin typeface="Courier New"/>
+                <a:ea typeface="+mn-lt"/>
+                <a:cs typeface="+mn-lt"/>
+              </a:rPr>
+              <a:t> determine desired distribution</a:t>
+            </a:r>
+            <a:endParaRPr lang="en-US" sz="1200">
+              <a:solidFill>
+                <a:schemeClr val="accent6">
+                  <a:lumMod val="75000"/>
+                </a:schemeClr>
+              </a:solidFill>
+              <a:latin typeface="Courier New"/>
+              <a:cs typeface="Courier New"/>
+            </a:endParaRPr>
+          </a:p>
+          <a:p>
+            <a:r>
+              <a:rPr lang="en-US" sz="1200">
+                <a:latin typeface="Courier New"/>
+                <a:ea typeface="+mn-lt"/>
+                <a:cs typeface="+mn-lt"/>
+              </a:rPr>
+              <a:t>new_r_dist = normrnd(des_radius,sigma_radius,[Nradii,1]);</a:t>
+            </a:r>
+          </a:p>
+          <a:p>
+            <a:r>
+              <a:rPr lang="en-US" sz="1200">
+                <a:latin typeface="Courier New"/>
+                <a:cs typeface="Calibri"/>
+              </a:rPr>
+              <a:t>…</a:t>
+            </a:r>
+          </a:p>
+          <a:p>
+            <a:r>
+              <a:rPr lang="en-US" sz="1200">
+                <a:latin typeface="Courier New"/>
+                <a:ea typeface="+mn-lt"/>
+                <a:cs typeface="+mn-lt"/>
+              </a:rPr>
+              <a:t>new_r_dist(new_r_dist&gt;max_r_dist) = max_r_dist(new_r_dist&gt;max_r_dist); </a:t>
+            </a:r>
+            <a:r>
+              <a:rPr lang="en-US" sz="1200">
+                <a:solidFill>
+                  <a:schemeClr val="accent6">
+                    <a:lumMod val="75000"/>
+                  </a:schemeClr>
+                </a:solidFill>
+                <a:latin typeface="Courier New"/>
+                <a:ea typeface="+mn-lt"/>
+                <a:cs typeface="+mn-lt"/>
+              </a:rPr>
+              <a:t>% truncate any values that are too large</a:t>
+            </a:r>
+          </a:p>
+          <a:p>
+            <a:r>
+              <a:rPr lang="en-US" sz="1200">
+                <a:latin typeface="Courier New"/>
+                <a:ea typeface="+mn-lt"/>
+                <a:cs typeface="+mn-lt"/>
+              </a:rPr>
+              <a:t>new_r_dist(new_r_dist&lt;min_r_dist) = min_r_dist; </a:t>
+            </a:r>
+            <a:r>
+              <a:rPr lang="en-US" sz="1200">
+                <a:solidFill>
+                  <a:schemeClr val="accent6">
+                    <a:lumMod val="75000"/>
+                  </a:schemeClr>
+                </a:solidFill>
+                <a:latin typeface="Courier New"/>
+                <a:ea typeface="+mn-lt"/>
+                <a:cs typeface="+mn-lt"/>
+              </a:rPr>
+              <a:t>% truncate any values that are too small</a:t>
+            </a:r>
+          </a:p>
+        </p:txBody>
+      </p:sp>
+    </p:spTree>
+    <p:extLst>
+      <p:ext uri="{BB962C8B-B14F-4D97-AF65-F5344CB8AC3E}">
+        <p14:creationId xmlns:p14="http://schemas.microsoft.com/office/powerpoint/2010/main" val="3600870798"/>
+      </p:ext>
+    </p:extLst>
+  </p:cSld>
+  <p:clrMapOvr>
+    <a:masterClrMapping/>
+  </p:clrMapOvr>
+</p:sld>
+</file>
+
+<file path=ppt/slides/slide19.xml><?xml version="1.0" encoding="utf-8"?>
+<p:sld xmlns:a="http://schemas.openxmlformats.org/drawingml/2006/main" xmlns:r="http://schemas.openxmlformats.org/officeDocument/2006/relationships" xmlns:p="http://schemas.openxmlformats.org/presentationml/2006/main">
+  <p:cSld>
+    <p:spTree>
+      <p:nvGrpSpPr>
+        <p:cNvPr id="1" name=""/>
+        <p:cNvGrpSpPr/>
+        <p:nvPr/>
+      </p:nvGrpSpPr>
+      <p:grpSpPr>
+        <a:xfrm>
+          <a:off x="0" y="0"/>
+          <a:ext cx="0" cy="0"/>
+          <a:chOff x="0" y="0"/>
+          <a:chExt cx="0" cy="0"/>
+        </a:xfrm>
+      </p:grpSpPr>
+      <p:sp>
+        <p:nvSpPr>
+          <p:cNvPr id="2" name="Title 1">
+            <a:extLst>
+              <a:ext uri="{FF2B5EF4-FFF2-40B4-BE49-F238E27FC236}">
+                <a16:creationId xmlns:a16="http://schemas.microsoft.com/office/drawing/2014/main" id="{7489FDBE-1F28-4E43-829E-C7286CA0F6D6}"/>
+              </a:ext>
+            </a:extLst>
+          </p:cNvPr>
+          <p:cNvSpPr>
+            <a:spLocks noGrp="1"/>
+          </p:cNvSpPr>
+          <p:nvPr>
+            <p:ph type="title"/>
+          </p:nvPr>
+        </p:nvSpPr>
+        <p:spPr>
+          <a:xfrm>
+            <a:off x="776748" y="709254"/>
+            <a:ext cx="10515600" cy="1325563"/>
+          </a:xfrm>
+        </p:spPr>
+        <p:txBody>
+          <a:bodyPr vert="horz" lIns="91440" tIns="45720" rIns="91440" bIns="45720" rtlCol="0" anchor="ctr">
+            <a:noAutofit/>
+          </a:bodyPr>
+          <a:lstStyle/>
+          <a:p>
+            <a:r>
+              <a:rPr lang="en-US" sz="2800" dirty="0">
+                <a:cs typeface="Calibri Light"/>
+              </a:rPr>
+              <a:t>As this truncating operation may shift the mean, the values of the distribution are shifted by the delta between the current mean and the </a:t>
+            </a:r>
+            <a:r>
+              <a:rPr lang="en-US" sz="2800">
+                <a:cs typeface="Calibri Light"/>
+              </a:rPr>
+              <a:t>desired mean until the desired mean is reached.</a:t>
+            </a:r>
+            <a:endParaRPr lang="en-US"/>
+          </a:p>
+        </p:txBody>
+      </p:sp>
+      <p:sp>
+        <p:nvSpPr>
+          <p:cNvPr id="5" name="Rectangle 4">
+            <a:extLst>
+              <a:ext uri="{FF2B5EF4-FFF2-40B4-BE49-F238E27FC236}">
+                <a16:creationId xmlns:a16="http://schemas.microsoft.com/office/drawing/2014/main" id="{DD4D3B03-B8D5-422C-8DEC-FA9CC66E838C}"/>
+              </a:ext>
+            </a:extLst>
+          </p:cNvPr>
+          <p:cNvSpPr/>
+          <p:nvPr/>
+        </p:nvSpPr>
+        <p:spPr>
+          <a:xfrm>
+            <a:off x="5916561" y="2921007"/>
+            <a:ext cx="5820251" cy="830997"/>
+          </a:xfrm>
+          <a:prstGeom prst="rect">
+            <a:avLst/>
+          </a:prstGeom>
+          <a:solidFill>
+            <a:schemeClr val="accent4">
+              <a:lumMod val="20000"/>
+              <a:lumOff val="80000"/>
+            </a:schemeClr>
+          </a:solidFill>
+        </p:spPr>
+        <p:txBody>
+          <a:bodyPr wrap="square" lIns="91440" tIns="45720" rIns="91440" bIns="45720" anchor="t">
+            <a:spAutoFit/>
+          </a:bodyPr>
+          <a:lstStyle/>
+          <a:p>
+            <a:r>
+              <a:rPr lang="en-US" sz="1200">
+                <a:solidFill>
+                  <a:srgbClr val="0070C0"/>
+                </a:solidFill>
+                <a:latin typeface="Courier New"/>
+                <a:ea typeface="+mn-lt"/>
+                <a:cs typeface="+mn-lt"/>
+              </a:rPr>
+              <a:t>while </a:t>
+            </a:r>
+            <a:r>
+              <a:rPr lang="en-US" sz="1200">
+                <a:latin typeface="Courier New"/>
+                <a:ea typeface="+mn-lt"/>
+                <a:cs typeface="+mn-lt"/>
+              </a:rPr>
+              <a:t>abs(mean(new_r_dist) - des_radius) &gt; 1e-10</a:t>
+            </a:r>
+            <a:endParaRPr lang="en-US" sz="1200">
+              <a:solidFill>
+                <a:schemeClr val="accent6">
+                  <a:lumMod val="75000"/>
+                </a:schemeClr>
+              </a:solidFill>
+              <a:latin typeface="Courier New"/>
+              <a:ea typeface="+mn-lt"/>
+              <a:cs typeface="Calibri"/>
+            </a:endParaRPr>
+          </a:p>
+          <a:p>
+            <a:r>
+              <a:rPr lang="en-US" sz="1200">
+                <a:latin typeface="Courier New"/>
+                <a:ea typeface="+mn-lt"/>
+                <a:cs typeface="+mn-lt"/>
+              </a:rPr>
+              <a:t>    new_r_dist = new_r_dist + (des_radius-mean(new_r_dist));</a:t>
+            </a:r>
+            <a:endParaRPr lang="en-US" sz="1200">
+              <a:latin typeface="Courier New"/>
+              <a:cs typeface="Courier New"/>
+            </a:endParaRPr>
+          </a:p>
+          <a:p>
+            <a:r>
+              <a:rPr lang="en-US" sz="1200">
+                <a:latin typeface="Courier New"/>
+                <a:ea typeface="+mn-lt"/>
+                <a:cs typeface="Calibri"/>
+              </a:rPr>
+              <a:t>...</a:t>
+            </a:r>
+            <a:endParaRPr lang="en-US" sz="1200" dirty="0">
+              <a:latin typeface="Courier New"/>
+              <a:ea typeface="+mn-lt"/>
+              <a:cs typeface="Calibri"/>
+            </a:endParaRPr>
+          </a:p>
+          <a:p>
+            <a:r>
+              <a:rPr lang="en-US" sz="1200">
+                <a:solidFill>
+                  <a:srgbClr val="0070C0"/>
+                </a:solidFill>
+                <a:latin typeface="Courier New"/>
+                <a:ea typeface="+mn-lt"/>
+                <a:cs typeface="+mn-lt"/>
+              </a:rPr>
+              <a:t>end</a:t>
+            </a:r>
+            <a:endParaRPr lang="en-US">
+              <a:solidFill>
+                <a:srgbClr val="0070C0"/>
+              </a:solidFill>
+              <a:latin typeface="Courier New"/>
+              <a:cs typeface="Courier New"/>
+            </a:endParaRPr>
+          </a:p>
+        </p:txBody>
+      </p:sp>
+      <p:pic>
+        <p:nvPicPr>
+          <p:cNvPr id="3" name="Picture 3" descr="Chart, histogram&#10;&#10;Description automatically generated">
+            <a:extLst>
+              <a:ext uri="{FF2B5EF4-FFF2-40B4-BE49-F238E27FC236}">
+                <a16:creationId xmlns:a16="http://schemas.microsoft.com/office/drawing/2014/main" id="{5B230F35-6CAE-4223-80D2-6D1C0BE21C15}"/>
+              </a:ext>
+            </a:extLst>
+          </p:cNvPr>
+          <p:cNvPicPr>
+            <a:picLocks noChangeAspect="1"/>
+          </p:cNvPicPr>
+          <p:nvPr/>
+        </p:nvPicPr>
+        <p:blipFill>
+          <a:blip r:embed="rId2"/>
+          <a:stretch>
+            <a:fillRect/>
+          </a:stretch>
+        </p:blipFill>
+        <p:spPr>
+          <a:xfrm>
+            <a:off x="557705" y="2193787"/>
+            <a:ext cx="5029199" cy="4148737"/>
+          </a:xfrm>
+          <a:prstGeom prst="rect">
+            <a:avLst/>
+          </a:prstGeom>
+        </p:spPr>
+      </p:pic>
+    </p:spTree>
+    <p:extLst>
+      <p:ext uri="{BB962C8B-B14F-4D97-AF65-F5344CB8AC3E}">
+        <p14:creationId xmlns:p14="http://schemas.microsoft.com/office/powerpoint/2010/main" val="115580473"/>
+      </p:ext>
+    </p:extLst>
+  </p:cSld>
+  <p:clrMapOvr>
+    <a:masterClrMapping/>
+  </p:clrMapOvr>
+</p:sld>
+</file>
+
+<file path=ppt/slides/slide2.xml><?xml version="1.0" encoding="utf-8"?>
+<p:sld xmlns:a="http://schemas.openxmlformats.org/drawingml/2006/main" xmlns:r="http://schemas.openxmlformats.org/officeDocument/2006/relationships" xmlns:p="http://schemas.openxmlformats.org/presentationml/2006/main">
+  <p:cSld>
+    <p:spTree>
+      <p:nvGrpSpPr>
+        <p:cNvPr id="1" name=""/>
+        <p:cNvGrpSpPr/>
+        <p:nvPr/>
+      </p:nvGrpSpPr>
+      <p:grpSpPr>
+        <a:xfrm>
+          <a:off x="0" y="0"/>
+          <a:ext cx="0" cy="0"/>
+          <a:chOff x="0" y="0"/>
+          <a:chExt cx="0" cy="0"/>
+        </a:xfrm>
+      </p:grpSpPr>
+      <p:sp>
+        <p:nvSpPr>
+          <p:cNvPr id="2" name="Title 1">
+            <a:extLst>
+              <a:ext uri="{FF2B5EF4-FFF2-40B4-BE49-F238E27FC236}">
+                <a16:creationId xmlns:a16="http://schemas.microsoft.com/office/drawing/2014/main" id="{244E66BB-A5E7-49FD-AD30-EFCD9902B17B}"/>
+              </a:ext>
+            </a:extLst>
+          </p:cNvPr>
+          <p:cNvSpPr>
+            <a:spLocks noGrp="1"/>
+          </p:cNvSpPr>
+          <p:nvPr>
+            <p:ph type="title"/>
+          </p:nvPr>
+        </p:nvSpPr>
+        <p:spPr>
+          <a:xfrm>
+            <a:off x="838200" y="365125"/>
+            <a:ext cx="5430461" cy="2837918"/>
+          </a:xfrm>
+        </p:spPr>
+        <p:txBody>
+          <a:bodyPr>
+            <a:normAutofit fontScale="90000"/>
+          </a:bodyPr>
+          <a:lstStyle/>
+          <a:p>
+            <a:r>
+              <a:rPr lang="en-US" dirty="0"/>
+              <a:t>The </a:t>
+            </a:r>
+            <a:r>
+              <a:rPr lang="en-US" dirty="0" err="1"/>
+              <a:t>MapGen</a:t>
+            </a:r>
+            <a:r>
+              <a:rPr lang="en-US" dirty="0"/>
+              <a:t> class library hosts tools to build maps useful for studying path planning, autonomy, etc.</a:t>
+            </a:r>
+          </a:p>
+        </p:txBody>
+      </p:sp>
+      <p:sp>
+        <p:nvSpPr>
+          <p:cNvPr id="3" name="Content Placeholder 2">
+            <a:extLst>
+              <a:ext uri="{FF2B5EF4-FFF2-40B4-BE49-F238E27FC236}">
+                <a16:creationId xmlns:a16="http://schemas.microsoft.com/office/drawing/2014/main" id="{F075E6A4-EFA3-4C8C-AF03-54592386ADF5}"/>
+              </a:ext>
+            </a:extLst>
+          </p:cNvPr>
+          <p:cNvSpPr>
+            <a:spLocks noGrp="1"/>
+          </p:cNvSpPr>
+          <p:nvPr>
+            <p:ph idx="1"/>
+          </p:nvPr>
+        </p:nvSpPr>
+        <p:spPr>
+          <a:xfrm>
+            <a:off x="838200" y="3932449"/>
+            <a:ext cx="5700024" cy="2244514"/>
+          </a:xfrm>
+        </p:spPr>
+        <p:txBody>
+          <a:bodyPr/>
+          <a:lstStyle/>
+          <a:p>
+            <a:pPr marL="0" indent="0">
+              <a:buNone/>
+            </a:pPr>
+            <a:r>
+              <a:rPr lang="en-US" dirty="0"/>
+              <a:t>The result of these operations is some data representation of the expected environment.</a:t>
+            </a:r>
+          </a:p>
+        </p:txBody>
+      </p:sp>
+      <p:pic>
+        <p:nvPicPr>
+          <p:cNvPr id="5" name="Picture 4">
+            <a:extLst>
+              <a:ext uri="{FF2B5EF4-FFF2-40B4-BE49-F238E27FC236}">
+                <a16:creationId xmlns:a16="http://schemas.microsoft.com/office/drawing/2014/main" id="{4DDB510F-C9EA-427E-9563-95FC880A5598}"/>
+              </a:ext>
+            </a:extLst>
+          </p:cNvPr>
+          <p:cNvPicPr>
+            <a:picLocks noChangeAspect="1"/>
+          </p:cNvPicPr>
+          <p:nvPr/>
+        </p:nvPicPr>
+        <p:blipFill>
+          <a:blip r:embed="rId2"/>
+          <a:stretch>
+            <a:fillRect/>
+          </a:stretch>
+        </p:blipFill>
+        <p:spPr>
+          <a:xfrm>
+            <a:off x="6538224" y="762000"/>
+            <a:ext cx="5334000" cy="4000500"/>
+          </a:xfrm>
+          <a:prstGeom prst="rect">
+            <a:avLst/>
+          </a:prstGeom>
+        </p:spPr>
+      </p:pic>
+    </p:spTree>
+    <p:extLst>
+      <p:ext uri="{BB962C8B-B14F-4D97-AF65-F5344CB8AC3E}">
+        <p14:creationId xmlns:p14="http://schemas.microsoft.com/office/powerpoint/2010/main" val="2148868902"/>
+      </p:ext>
+    </p:extLst>
+  </p:cSld>
+  <p:clrMapOvr>
+    <a:masterClrMapping/>
+  </p:clrMapOvr>
+</p:sld>
+</file>
+
+<file path=ppt/slides/slide20.xml><?xml version="1.0" encoding="utf-8"?>
+<p:sld xmlns:a="http://schemas.openxmlformats.org/drawingml/2006/main" xmlns:r="http://schemas.openxmlformats.org/officeDocument/2006/relationships" xmlns:p="http://schemas.openxmlformats.org/presentationml/2006/main">
+  <p:cSld>
+    <p:spTree>
+      <p:nvGrpSpPr>
+        <p:cNvPr id="1" name=""/>
+        <p:cNvGrpSpPr/>
+        <p:nvPr/>
+      </p:nvGrpSpPr>
+      <p:grpSpPr>
+        <a:xfrm>
+          <a:off x="0" y="0"/>
+          <a:ext cx="0" cy="0"/>
+          <a:chOff x="0" y="0"/>
+          <a:chExt cx="0" cy="0"/>
+        </a:xfrm>
+      </p:grpSpPr>
+      <p:sp>
+        <p:nvSpPr>
+          <p:cNvPr id="2" name="Title 1">
+            <a:extLst>
+              <a:ext uri="{FF2B5EF4-FFF2-40B4-BE49-F238E27FC236}">
+                <a16:creationId xmlns:a16="http://schemas.microsoft.com/office/drawing/2014/main" id="{7489FDBE-1F28-4E43-829E-C7286CA0F6D6}"/>
+              </a:ext>
+            </a:extLst>
+          </p:cNvPr>
+          <p:cNvSpPr>
+            <a:spLocks noGrp="1"/>
+          </p:cNvSpPr>
+          <p:nvPr>
+            <p:ph type="title"/>
+          </p:nvPr>
+        </p:nvSpPr>
+        <p:spPr>
+          <a:xfrm>
+            <a:off x="604684" y="463447"/>
+            <a:ext cx="10515600" cy="1325563"/>
+          </a:xfrm>
+        </p:spPr>
+        <p:txBody>
+          <a:bodyPr vert="horz" lIns="91440" tIns="45720" rIns="91440" bIns="45720" rtlCol="0" anchor="ctr">
+            <a:noAutofit/>
+          </a:bodyPr>
+          <a:lstStyle/>
+          <a:p>
+            <a:r>
+              <a:rPr lang="en-US" sz="2400" dirty="0">
+                <a:cs typeface="Calibri Light"/>
+              </a:rPr>
+              <a:t>Radii changes and current polytopes are then sorted by size so the largest changes can be applied to the largest polytopes, ensuring all polytopes have enough area to be scaled down.  Polytopes are then </a:t>
+            </a:r>
+            <a:r>
+              <a:rPr lang="en-US" sz="2400">
+                <a:cs typeface="Calibri Light"/>
+              </a:rPr>
+              <a:t>looped through and scaled with the previously </a:t>
+            </a:r>
+            <a:r>
+              <a:rPr lang="en-US" sz="2400">
+                <a:solidFill>
+                  <a:srgbClr val="000000"/>
+                </a:solidFill>
+                <a:latin typeface="Calibri Light"/>
+                <a:cs typeface="Calibri Light"/>
+              </a:rPr>
+              <a:t>described function </a:t>
+            </a:r>
+            <a:r>
+              <a:rPr lang="en-US" sz="2400">
+                <a:solidFill>
+                  <a:srgbClr val="00B050"/>
+                </a:solidFill>
+                <a:latin typeface="Courier New"/>
+                <a:cs typeface="Courier New"/>
+              </a:rPr>
+              <a:t>fcn_MapGen_polytopeShrinkToRadius</a:t>
+            </a:r>
+            <a:endParaRPr lang="en-US" sz="2400" dirty="0">
+              <a:cs typeface="Calibri Light"/>
+            </a:endParaRPr>
+          </a:p>
+        </p:txBody>
+      </p:sp>
+      <p:sp>
+        <p:nvSpPr>
+          <p:cNvPr id="5" name="Rectangle 4">
+            <a:extLst>
+              <a:ext uri="{FF2B5EF4-FFF2-40B4-BE49-F238E27FC236}">
+                <a16:creationId xmlns:a16="http://schemas.microsoft.com/office/drawing/2014/main" id="{DD4D3B03-B8D5-422C-8DEC-FA9CC66E838C}"/>
+              </a:ext>
+            </a:extLst>
+          </p:cNvPr>
+          <p:cNvSpPr/>
+          <p:nvPr/>
+        </p:nvSpPr>
+        <p:spPr>
+          <a:xfrm>
+            <a:off x="5560142" y="1974652"/>
+            <a:ext cx="6336445" cy="4562788"/>
+          </a:xfrm>
+          <a:prstGeom prst="rect">
+            <a:avLst/>
+          </a:prstGeom>
+          <a:solidFill>
+            <a:schemeClr val="accent4">
+              <a:lumMod val="20000"/>
+              <a:lumOff val="80000"/>
+            </a:schemeClr>
+          </a:solidFill>
+        </p:spPr>
+        <p:txBody>
+          <a:bodyPr wrap="square" lIns="91440" tIns="45720" rIns="91440" bIns="45720" anchor="t">
+            <a:spAutoFit/>
+          </a:bodyPr>
+          <a:lstStyle/>
+          <a:p>
+            <a:r>
+              <a:rPr lang="en-US" sz="1050">
+                <a:latin typeface="Courier New"/>
+                <a:ea typeface="+mn-lt"/>
+                <a:cs typeface="+mn-lt"/>
+              </a:rPr>
+              <a:t>[new_radii_sorted,ob_index] = sort(new_r_dist); </a:t>
+            </a:r>
+            <a:endParaRPr lang="en-US" sz="1400" dirty="0">
+              <a:latin typeface="Courier New"/>
+              <a:cs typeface="Courier New"/>
+            </a:endParaRPr>
+          </a:p>
+          <a:p>
+            <a:r>
+              <a:rPr lang="en-US" sz="1050">
+                <a:solidFill>
+                  <a:schemeClr val="accent6">
+                    <a:lumMod val="75000"/>
+                  </a:schemeClr>
+                </a:solidFill>
+                <a:latin typeface="Courier New"/>
+                <a:ea typeface="+mn-lt"/>
+                <a:cs typeface="+mn-lt"/>
+              </a:rPr>
+              <a:t>% Check that the old polytopes are large enough to shrink and </a:t>
+            </a:r>
+            <a:endParaRPr lang="en-US" sz="1400">
+              <a:solidFill>
+                <a:schemeClr val="accent6">
+                  <a:lumMod val="75000"/>
+                </a:schemeClr>
+              </a:solidFill>
+              <a:latin typeface="Courier New"/>
+              <a:cs typeface="Calibri"/>
+            </a:endParaRPr>
+          </a:p>
+          <a:p>
+            <a:r>
+              <a:rPr lang="en-US" sz="1050">
+                <a:solidFill>
+                  <a:schemeClr val="accent6">
+                    <a:lumMod val="75000"/>
+                  </a:schemeClr>
+                </a:solidFill>
+                <a:latin typeface="Courier New"/>
+                <a:ea typeface="+mn-lt"/>
+                <a:cs typeface="+mn-lt"/>
+              </a:rPr>
+              <a:t>% achieve the new radius distribution. Want all the changes to be smaller</a:t>
+            </a:r>
+            <a:endParaRPr lang="en-US" sz="1400">
+              <a:solidFill>
+                <a:schemeClr val="accent6">
+                  <a:lumMod val="75000"/>
+                </a:schemeClr>
+              </a:solidFill>
+              <a:latin typeface="Courier New"/>
+              <a:cs typeface="Calibri"/>
+            </a:endParaRPr>
+          </a:p>
+          <a:p>
+            <a:r>
+              <a:rPr lang="en-US" sz="1050">
+                <a:solidFill>
+                  <a:schemeClr val="accent6">
+                    <a:lumMod val="75000"/>
+                  </a:schemeClr>
+                </a:solidFill>
+                <a:latin typeface="Courier New"/>
+                <a:ea typeface="+mn-lt"/>
+                <a:cs typeface="+mn-lt"/>
+              </a:rPr>
+              <a:t>% than -2 times the minimum radius, to ensure we do not get singular % I</a:t>
+            </a:r>
+            <a:endParaRPr lang="en-US" sz="1400">
+              <a:solidFill>
+                <a:schemeClr val="accent6">
+                  <a:lumMod val="75000"/>
+                </a:schemeClr>
+              </a:solidFill>
+              <a:latin typeface="Courier New"/>
+              <a:cs typeface="Calibri"/>
+            </a:endParaRPr>
+          </a:p>
+          <a:p>
+            <a:r>
+              <a:rPr lang="en-US" sz="1050">
+                <a:solidFill>
+                  <a:schemeClr val="accent6">
+                    <a:lumMod val="75000"/>
+                  </a:schemeClr>
+                </a:solidFill>
+                <a:latin typeface="Courier New"/>
+                <a:ea typeface="+mn-lt"/>
+                <a:cs typeface="+mn-lt"/>
+              </a:rPr>
+              <a:t>% have no idea why we do this</a:t>
+            </a:r>
+            <a:endParaRPr lang="en-US" sz="1400">
+              <a:solidFill>
+                <a:schemeClr val="accent6">
+                  <a:lumMod val="75000"/>
+                </a:schemeClr>
+              </a:solidFill>
+              <a:latin typeface="Courier New"/>
+              <a:cs typeface="Calibri"/>
+            </a:endParaRPr>
+          </a:p>
+          <a:p>
+            <a:r>
+              <a:rPr lang="en-US" sz="1050">
+                <a:solidFill>
+                  <a:schemeClr val="accent6">
+                    <a:lumMod val="75000"/>
+                  </a:schemeClr>
+                </a:solidFill>
+                <a:latin typeface="Courier New"/>
+                <a:ea typeface="+mn-lt"/>
+                <a:cs typeface="+mn-lt"/>
+              </a:rPr>
+              <a:t>% polytopes.</a:t>
+            </a:r>
+            <a:endParaRPr lang="en-US" sz="1400">
+              <a:solidFill>
+                <a:schemeClr val="accent6">
+                  <a:lumMod val="75000"/>
+                </a:schemeClr>
+              </a:solidFill>
+              <a:latin typeface="Courier New"/>
+              <a:cs typeface="Courier New"/>
+            </a:endParaRPr>
+          </a:p>
+          <a:p>
+            <a:r>
+              <a:rPr lang="en-US" sz="1050">
+                <a:latin typeface="Courier New"/>
+                <a:ea typeface="+mn-lt"/>
+                <a:cs typeface="+mn-lt"/>
+              </a:rPr>
+              <a:t>change_in_radii = sort(old_max_radii)'-sort(new_r_dist); </a:t>
+            </a:r>
+            <a:endParaRPr lang="en-US" sz="1400">
+              <a:latin typeface="Courier New"/>
+              <a:ea typeface="+mn-lt"/>
+              <a:cs typeface="+mn-lt"/>
+            </a:endParaRPr>
+          </a:p>
+          <a:p>
+            <a:r>
+              <a:rPr lang="en-US" sz="1050">
+                <a:latin typeface="Courier New"/>
+                <a:ea typeface="+mn-lt"/>
+                <a:cs typeface="+mn-lt"/>
+              </a:rPr>
+              <a:t>Num_goal_polys_smaller_than_start = sum(change_in_radii&gt;=-2*min_rad); </a:t>
+            </a:r>
+            <a:endParaRPr lang="en-US" sz="1400">
+              <a:latin typeface="Courier New"/>
+              <a:cs typeface="Calibri"/>
+            </a:endParaRPr>
+          </a:p>
+          <a:p>
+            <a:r>
+              <a:rPr lang="en-US" sz="1050">
+                <a:solidFill>
+                  <a:srgbClr val="0070C0"/>
+                </a:solidFill>
+                <a:latin typeface="Courier New"/>
+                <a:ea typeface="+mn-lt"/>
+                <a:cs typeface="+mn-lt"/>
+              </a:rPr>
+              <a:t>if  </a:t>
+            </a:r>
+            <a:r>
+              <a:rPr lang="en-US" sz="1050">
+                <a:latin typeface="Courier New"/>
+                <a:ea typeface="+mn-lt"/>
+                <a:cs typeface="+mn-lt"/>
+              </a:rPr>
+              <a:t>Num_goal_polys_smaller_than_start &lt; Nradii</a:t>
+            </a:r>
+            <a:endParaRPr lang="en-US" sz="1400" dirty="0">
+              <a:latin typeface="Courier New"/>
+              <a:cs typeface="Courier New"/>
+            </a:endParaRPr>
+          </a:p>
+          <a:p>
+            <a:r>
+              <a:rPr lang="en-US" sz="1050">
+                <a:latin typeface="Courier New"/>
+                <a:ea typeface="+mn-lt"/>
+                <a:cs typeface="+mn-lt"/>
+              </a:rPr>
+              <a:t>    error(</a:t>
+            </a:r>
+            <a:r>
+              <a:rPr lang="en-US" sz="1050">
+                <a:solidFill>
+                  <a:srgbClr val="FF0000"/>
+                </a:solidFill>
+                <a:latin typeface="Courier New"/>
+                <a:ea typeface="+mn-lt"/>
+                <a:cs typeface="+mn-lt"/>
+              </a:rPr>
+              <a:t>'distribution is unachievable with generated map'</a:t>
+            </a:r>
+            <a:r>
+              <a:rPr lang="en-US" sz="1050">
+                <a:latin typeface="Courier New"/>
+                <a:ea typeface="+mn-lt"/>
+                <a:cs typeface="+mn-lt"/>
+              </a:rPr>
+              <a:t>)</a:t>
+            </a:r>
+            <a:endParaRPr lang="en-US" sz="1400" dirty="0">
+              <a:latin typeface="Courier New"/>
+              <a:cs typeface="Courier New"/>
+            </a:endParaRPr>
+          </a:p>
+          <a:p>
+            <a:r>
+              <a:rPr lang="en-US" sz="1050">
+                <a:solidFill>
+                  <a:srgbClr val="0070C0"/>
+                </a:solidFill>
+                <a:latin typeface="Courier New"/>
+                <a:ea typeface="+mn-lt"/>
+                <a:cs typeface="+mn-lt"/>
+              </a:rPr>
+              <a:t>end</a:t>
+            </a:r>
+            <a:endParaRPr lang="en-US" sz="1400">
+              <a:solidFill>
+                <a:srgbClr val="0070C0"/>
+              </a:solidFill>
+              <a:latin typeface="Courier New"/>
+              <a:cs typeface="Courier New"/>
+            </a:endParaRPr>
+          </a:p>
+          <a:p>
+            <a:endParaRPr lang="en-US" sz="1400" dirty="0">
+              <a:latin typeface="Courier New"/>
+              <a:cs typeface="Courier New"/>
+            </a:endParaRPr>
+          </a:p>
+          <a:p>
+            <a:r>
+              <a:rPr lang="en-US" sz="1050">
+                <a:solidFill>
+                  <a:schemeClr val="accent6">
+                    <a:lumMod val="75000"/>
+                  </a:schemeClr>
+                </a:solidFill>
+                <a:latin typeface="Courier New"/>
+                <a:ea typeface="+mn-lt"/>
+                <a:cs typeface="+mn-lt"/>
+              </a:rPr>
+              <a:t>% Initialize the shrunk polytopes structure array, and tolerance for</a:t>
+            </a:r>
+            <a:endParaRPr lang="en-US" sz="1400">
+              <a:solidFill>
+                <a:schemeClr val="accent6">
+                  <a:lumMod val="75000"/>
+                </a:schemeClr>
+              </a:solidFill>
+              <a:latin typeface="Courier New"/>
+              <a:cs typeface="Calibri"/>
+            </a:endParaRPr>
+          </a:p>
+          <a:p>
+            <a:r>
+              <a:rPr lang="en-US" sz="1050">
+                <a:solidFill>
+                  <a:schemeClr val="accent6">
+                    <a:lumMod val="75000"/>
+                  </a:schemeClr>
+                </a:solidFill>
+                <a:latin typeface="Courier New"/>
+                <a:ea typeface="+mn-lt"/>
+                <a:cs typeface="+mn-lt"/>
+              </a:rPr>
+              <a:t>% distance between vertices, below which vertices are merged into one.</a:t>
+            </a:r>
+            <a:endParaRPr lang="en-US" sz="1400">
+              <a:solidFill>
+                <a:schemeClr val="accent6">
+                  <a:lumMod val="75000"/>
+                </a:schemeClr>
+              </a:solidFill>
+              <a:latin typeface="Courier New"/>
+              <a:cs typeface="Courier New"/>
+            </a:endParaRPr>
+          </a:p>
+          <a:p>
+            <a:r>
+              <a:rPr lang="en-US" sz="1050">
+                <a:latin typeface="Courier New"/>
+                <a:ea typeface="+mn-lt"/>
+                <a:cs typeface="+mn-lt"/>
+              </a:rPr>
+              <a:t>shrunk_polytopes = polytopes; </a:t>
+            </a:r>
+            <a:endParaRPr lang="en-US" sz="1400" dirty="0">
+              <a:latin typeface="Courier New"/>
+              <a:cs typeface="Courier New"/>
+            </a:endParaRPr>
+          </a:p>
+          <a:p>
+            <a:r>
+              <a:rPr lang="en-US" sz="1050">
+                <a:latin typeface="Courier New"/>
+                <a:ea typeface="+mn-lt"/>
+                <a:cs typeface="+mn-lt"/>
+              </a:rPr>
+              <a:t>tolerance = 1e-5; % Units are (implied) kilometers</a:t>
+            </a:r>
+            <a:endParaRPr lang="en-US" sz="1400" dirty="0">
+              <a:latin typeface="Courier New"/>
+              <a:cs typeface="Courier New"/>
+            </a:endParaRPr>
+          </a:p>
+          <a:p>
+            <a:endParaRPr lang="en-US" sz="1400" dirty="0">
+              <a:latin typeface="Courier New"/>
+              <a:cs typeface="Courier New"/>
+            </a:endParaRPr>
+          </a:p>
+          <a:p>
+            <a:r>
+              <a:rPr lang="en-US" sz="1050">
+                <a:solidFill>
+                  <a:schemeClr val="accent6">
+                    <a:lumMod val="75000"/>
+                  </a:schemeClr>
+                </a:solidFill>
+                <a:latin typeface="Courier New"/>
+                <a:ea typeface="+mn-lt"/>
+                <a:cs typeface="+mn-lt"/>
+              </a:rPr>
+              <a:t>% Loop through each polytope, shrinking it to the reference size</a:t>
+            </a:r>
+            <a:endParaRPr lang="en-US" sz="1400">
+              <a:solidFill>
+                <a:schemeClr val="accent6">
+                  <a:lumMod val="75000"/>
+                </a:schemeClr>
+              </a:solidFill>
+              <a:latin typeface="Courier New"/>
+              <a:cs typeface="Courier New"/>
+            </a:endParaRPr>
+          </a:p>
+          <a:p>
+            <a:r>
+              <a:rPr lang="en-US" sz="1050">
+                <a:solidFill>
+                  <a:srgbClr val="0070C0"/>
+                </a:solidFill>
+                <a:latin typeface="Courier New"/>
+                <a:ea typeface="+mn-lt"/>
+                <a:cs typeface="+mn-lt"/>
+              </a:rPr>
+              <a:t>for </a:t>
+            </a:r>
+            <a:r>
+              <a:rPr lang="en-US" sz="1050">
+                <a:latin typeface="Courier New"/>
+                <a:ea typeface="+mn-lt"/>
+                <a:cs typeface="+mn-lt"/>
+              </a:rPr>
+              <a:t>ith_radii = 1:length(new_radii_sorted)</a:t>
+            </a:r>
+            <a:endParaRPr lang="en-US" sz="1400" dirty="0">
+              <a:latin typeface="Courier New"/>
+              <a:cs typeface="Courier New"/>
+            </a:endParaRPr>
+          </a:p>
+          <a:p>
+            <a:r>
+              <a:rPr lang="en-US" sz="1050">
+                <a:latin typeface="Courier New"/>
+                <a:ea typeface="+mn-lt"/>
+                <a:cs typeface="+mn-lt"/>
+              </a:rPr>
+              <a:t>    shrinker = polytopes(ob_index(ith_radii)); % obstacle to be shrunk </a:t>
+            </a:r>
+            <a:endParaRPr lang="en-US" sz="1400" dirty="0">
+              <a:latin typeface="Courier New"/>
+              <a:cs typeface="Courier New"/>
+            </a:endParaRPr>
+          </a:p>
+          <a:p>
+            <a:r>
+              <a:rPr lang="en-US" sz="1050">
+                <a:latin typeface="Courier New"/>
+                <a:ea typeface="+mn-lt"/>
+                <a:cs typeface="+mn-lt"/>
+              </a:rPr>
+              <a:t>    des_rad = new_radii_sorted(ith_radii);</a:t>
+            </a:r>
+            <a:endParaRPr lang="en-US" sz="1400" dirty="0">
+              <a:latin typeface="Courier New"/>
+              <a:cs typeface="Courier New"/>
+            </a:endParaRPr>
+          </a:p>
+          <a:p>
+            <a:r>
+              <a:rPr lang="en-US" sz="1050" dirty="0">
+                <a:latin typeface="Courier New"/>
+                <a:ea typeface="+mn-lt"/>
+                <a:cs typeface="+mn-lt"/>
+              </a:rPr>
+              <a:t>        </a:t>
+            </a:r>
+            <a:endParaRPr lang="en-US" sz="1400" dirty="0">
+              <a:latin typeface="Courier New"/>
+              <a:cs typeface="Courier New"/>
+            </a:endParaRPr>
+          </a:p>
+          <a:p>
+            <a:r>
+              <a:rPr lang="en-US" sz="1050" dirty="0">
+                <a:latin typeface="Courier New"/>
+                <a:ea typeface="+mn-lt"/>
+                <a:cs typeface="+mn-lt"/>
+              </a:rPr>
+              <a:t>   </a:t>
+            </a:r>
+            <a:r>
+              <a:rPr lang="en-US" sz="1050">
+                <a:solidFill>
+                  <a:schemeClr val="accent6">
+                    <a:lumMod val="75000"/>
+                  </a:schemeClr>
+                </a:solidFill>
+                <a:latin typeface="Courier New"/>
+                <a:ea typeface="+mn-lt"/>
+                <a:cs typeface="+mn-lt"/>
+              </a:rPr>
+              <a:t> % assign to shrunk_polytopes</a:t>
+            </a:r>
+            <a:endParaRPr lang="en-US" sz="1400">
+              <a:solidFill>
+                <a:schemeClr val="accent6">
+                  <a:lumMod val="75000"/>
+                </a:schemeClr>
+              </a:solidFill>
+              <a:latin typeface="Courier New"/>
+              <a:cs typeface="Courier New"/>
+            </a:endParaRPr>
+          </a:p>
+          <a:p>
+            <a:r>
+              <a:rPr lang="en-US" sz="1050">
+                <a:latin typeface="Courier New"/>
+                <a:ea typeface="+mn-lt"/>
+                <a:cs typeface="+mn-lt"/>
+              </a:rPr>
+              <a:t>    shrunk_polytopes(ob_index(ith_radii)) = ...</a:t>
+            </a:r>
+            <a:endParaRPr lang="en-US" sz="1400">
+              <a:latin typeface="Courier New"/>
+              <a:ea typeface="+mn-lt"/>
+              <a:cs typeface="+mn-lt"/>
+            </a:endParaRPr>
+          </a:p>
+          <a:p>
+            <a:r>
+              <a:rPr lang="en-US" sz="1050">
+                <a:latin typeface="Courier New"/>
+                <a:ea typeface="+mn-lt"/>
+                <a:cs typeface="+mn-lt"/>
+              </a:rPr>
+              <a:t>        fcn_MapGen_polytopeShrinkToRadius(...</a:t>
+            </a:r>
+            <a:endParaRPr lang="en-US" sz="1400" dirty="0">
+              <a:latin typeface="Courier New"/>
+              <a:cs typeface="Courier New"/>
+            </a:endParaRPr>
+          </a:p>
+          <a:p>
+            <a:r>
+              <a:rPr lang="en-US" sz="1050">
+                <a:latin typeface="Courier New"/>
+                <a:ea typeface="+mn-lt"/>
+                <a:cs typeface="+mn-lt"/>
+              </a:rPr>
+              <a:t>        shrinker,des_rad,tolerance);</a:t>
+            </a:r>
+            <a:endParaRPr lang="en-US" sz="1400" dirty="0">
+              <a:latin typeface="Courier New"/>
+              <a:cs typeface="Courier New"/>
+            </a:endParaRPr>
+          </a:p>
+          <a:p>
+            <a:r>
+              <a:rPr lang="en-US" sz="1050">
+                <a:solidFill>
+                  <a:srgbClr val="0070C0"/>
+                </a:solidFill>
+                <a:latin typeface="Courier New"/>
+                <a:ea typeface="+mn-lt"/>
+                <a:cs typeface="+mn-lt"/>
+              </a:rPr>
+              <a:t>end</a:t>
+            </a:r>
+            <a:endParaRPr lang="en-US" sz="1400">
+              <a:solidFill>
+                <a:srgbClr val="0070C0"/>
+              </a:solidFill>
+              <a:latin typeface="Courier New"/>
+              <a:ea typeface="+mn-lt"/>
+              <a:cs typeface="+mn-lt"/>
+            </a:endParaRPr>
+          </a:p>
+        </p:txBody>
+      </p:sp>
+      <p:pic>
+        <p:nvPicPr>
+          <p:cNvPr id="3" name="Picture 3" descr="Diagram&#10;&#10;Description automatically generated">
+            <a:extLst>
+              <a:ext uri="{FF2B5EF4-FFF2-40B4-BE49-F238E27FC236}">
+                <a16:creationId xmlns:a16="http://schemas.microsoft.com/office/drawing/2014/main" id="{0DF79843-57EE-4986-8BA0-9EE6266DA852}"/>
+              </a:ext>
+            </a:extLst>
+          </p:cNvPr>
+          <p:cNvPicPr>
+            <a:picLocks noChangeAspect="1"/>
+          </p:cNvPicPr>
+          <p:nvPr/>
+        </p:nvPicPr>
+        <p:blipFill>
+          <a:blip r:embed="rId2"/>
+          <a:stretch>
+            <a:fillRect/>
+          </a:stretch>
+        </p:blipFill>
+        <p:spPr>
+          <a:xfrm>
+            <a:off x="209909" y="2314035"/>
+            <a:ext cx="5172973" cy="3883324"/>
+          </a:xfrm>
+          <a:prstGeom prst="rect">
+            <a:avLst/>
+          </a:prstGeom>
+        </p:spPr>
+      </p:pic>
+    </p:spTree>
+    <p:extLst>
+      <p:ext uri="{BB962C8B-B14F-4D97-AF65-F5344CB8AC3E}">
+        <p14:creationId xmlns:p14="http://schemas.microsoft.com/office/powerpoint/2010/main" val="415015596"/>
+      </p:ext>
+    </p:extLst>
+  </p:cSld>
+  <p:clrMapOvr>
+    <a:masterClrMapping/>
+  </p:clrMapOvr>
+</p:sld>
+</file>
+
+<file path=ppt/slides/slide21.xml><?xml version="1.0" encoding="utf-8"?>
 <p:sld xmlns:a="http://schemas.openxmlformats.org/drawingml/2006/main" xmlns:r="http://schemas.openxmlformats.org/officeDocument/2006/relationships" xmlns:p="http://schemas.openxmlformats.org/presentationml/2006/main">
   <p:cSld>
     <p:spTree>
@@ -6302,7 +7767,7 @@
 </p:sld>
 </file>
 
-<file path=ppt/slides/slide18.xml><?xml version="1.0" encoding="utf-8"?>
+<file path=ppt/slides/slide22.xml><?xml version="1.0" encoding="utf-8"?>
 <p:sld xmlns:a="http://schemas.openxmlformats.org/drawingml/2006/main" xmlns:r="http://schemas.openxmlformats.org/officeDocument/2006/relationships" xmlns:p="http://schemas.openxmlformats.org/presentationml/2006/main">
   <p:cSld>
     <p:spTree>
@@ -7163,145 +8628,6 @@
     <p:extLst>
       <p:ext uri="{BB962C8B-B14F-4D97-AF65-F5344CB8AC3E}">
         <p14:creationId xmlns:p14="http://schemas.microsoft.com/office/powerpoint/2010/main" val="2787833700"/>
-      </p:ext>
-    </p:extLst>
-  </p:cSld>
-  <p:clrMapOvr>
-    <a:masterClrMapping/>
-  </p:clrMapOvr>
-</p:sld>
-</file>
-
-<file path=ppt/slides/slide2.xml><?xml version="1.0" encoding="utf-8"?>
-<p:sld xmlns:a="http://schemas.openxmlformats.org/drawingml/2006/main" xmlns:r="http://schemas.openxmlformats.org/officeDocument/2006/relationships" xmlns:p="http://schemas.openxmlformats.org/presentationml/2006/main">
-  <p:cSld>
-    <p:spTree>
-      <p:nvGrpSpPr>
-        <p:cNvPr id="1" name=""/>
-        <p:cNvGrpSpPr/>
-        <p:nvPr/>
-      </p:nvGrpSpPr>
-      <p:grpSpPr>
-        <a:xfrm>
-          <a:off x="0" y="0"/>
-          <a:ext cx="0" cy="0"/>
-          <a:chOff x="0" y="0"/>
-          <a:chExt cx="0" cy="0"/>
-        </a:xfrm>
-      </p:grpSpPr>
-      <p:sp>
-        <p:nvSpPr>
-          <p:cNvPr id="2" name="Title 1">
-            <a:extLst>
-              <a:ext uri="{FF2B5EF4-FFF2-40B4-BE49-F238E27FC236}">
-                <a16:creationId xmlns:a16="http://schemas.microsoft.com/office/drawing/2014/main" id="{244E66BB-A5E7-49FD-AD30-EFCD9902B17B}"/>
-              </a:ext>
-            </a:extLst>
-          </p:cNvPr>
-          <p:cNvSpPr>
-            <a:spLocks noGrp="1"/>
-          </p:cNvSpPr>
-          <p:nvPr>
-            <p:ph type="title"/>
-          </p:nvPr>
-        </p:nvSpPr>
-        <p:spPr>
-          <a:xfrm>
-            <a:off x="838200" y="365125"/>
-            <a:ext cx="5430461" cy="2837918"/>
-          </a:xfrm>
-        </p:spPr>
-        <p:txBody>
-          <a:bodyPr>
-            <a:normAutofit fontScale="90000"/>
-          </a:bodyPr>
-          <a:lstStyle/>
-          <a:p>
-            <a:r>
-              <a:rPr lang="en-US" dirty="0"/>
-              <a:t>The </a:t>
-            </a:r>
-            <a:r>
-              <a:rPr lang="en-US" dirty="0" err="1"/>
-              <a:t>MapGen</a:t>
-            </a:r>
-            <a:r>
-              <a:rPr lang="en-US" dirty="0"/>
-              <a:t> class library hosts tools to build maps useful for studying path planning, autonomy, etc.</a:t>
-            </a:r>
-          </a:p>
-        </p:txBody>
-      </p:sp>
-      <p:sp>
-        <p:nvSpPr>
-          <p:cNvPr id="3" name="Content Placeholder 2">
-            <a:extLst>
-              <a:ext uri="{FF2B5EF4-FFF2-40B4-BE49-F238E27FC236}">
-                <a16:creationId xmlns:a16="http://schemas.microsoft.com/office/drawing/2014/main" id="{F075E6A4-EFA3-4C8C-AF03-54592386ADF5}"/>
-              </a:ext>
-            </a:extLst>
-          </p:cNvPr>
-          <p:cNvSpPr>
-            <a:spLocks noGrp="1"/>
-          </p:cNvSpPr>
-          <p:nvPr>
-            <p:ph idx="1"/>
-          </p:nvPr>
-        </p:nvSpPr>
-        <p:spPr>
-          <a:xfrm>
-            <a:off x="838200" y="3932449"/>
-            <a:ext cx="5700024" cy="2244514"/>
-          </a:xfrm>
-        </p:spPr>
-        <p:txBody>
-          <a:bodyPr/>
-          <a:lstStyle/>
-          <a:p>
-            <a:pPr marL="0" indent="0">
-              <a:buNone/>
-            </a:pPr>
-            <a:r>
-              <a:rPr lang="en-US" dirty="0"/>
-              <a:t>The result of these operations is some data representation of the expected environment.</a:t>
-            </a:r>
-          </a:p>
-        </p:txBody>
-      </p:sp>
-      <p:pic>
-        <p:nvPicPr>
-          <p:cNvPr id="5" name="Picture 4">
-            <a:extLst>
-              <a:ext uri="{FF2B5EF4-FFF2-40B4-BE49-F238E27FC236}">
-                <a16:creationId xmlns:a16="http://schemas.microsoft.com/office/drawing/2014/main" id="{4DDB510F-C9EA-427E-9563-95FC880A5598}"/>
-              </a:ext>
-            </a:extLst>
-          </p:cNvPr>
-          <p:cNvPicPr>
-            <a:picLocks noChangeAspect="1"/>
-          </p:cNvPicPr>
-          <p:nvPr/>
-        </p:nvPicPr>
-        <p:blipFill>
-          <a:blip r:embed="rId2"/>
-          <a:stretch>
-            <a:fillRect/>
-          </a:stretch>
-        </p:blipFill>
-        <p:spPr>
-          <a:xfrm>
-            <a:off x="6538224" y="762000"/>
-            <a:ext cx="5334000" cy="4000500"/>
-          </a:xfrm>
-          <a:prstGeom prst="rect">
-            <a:avLst/>
-          </a:prstGeom>
-        </p:spPr>
-      </p:pic>
-    </p:spTree>
-    <p:extLst>
-      <p:ext uri="{BB962C8B-B14F-4D97-AF65-F5344CB8AC3E}">
-        <p14:creationId xmlns:p14="http://schemas.microsoft.com/office/powerpoint/2010/main" val="2148868902"/>
       </p:ext>
     </p:extLst>
   </p:cSld>

--- a/Documents/MapGenClassLibrary.pptx
+++ b/Documents/MapGenClassLibrary.pptx
@@ -43,6 +43,25 @@
     <p:sldId id="519" r:id="rId37"/>
     <p:sldId id="494" r:id="rId38"/>
     <p:sldId id="495" r:id="rId39"/>
+    <p:sldId id="344" r:id="rId40"/>
+    <p:sldId id="343" r:id="rId41"/>
+    <p:sldId id="345" r:id="rId42"/>
+    <p:sldId id="342" r:id="rId43"/>
+    <p:sldId id="346" r:id="rId44"/>
+    <p:sldId id="325" r:id="rId45"/>
+    <p:sldId id="326" r:id="rId46"/>
+    <p:sldId id="328" r:id="rId47"/>
+    <p:sldId id="339" r:id="rId48"/>
+    <p:sldId id="330" r:id="rId49"/>
+    <p:sldId id="329" r:id="rId50"/>
+    <p:sldId id="331" r:id="rId51"/>
+    <p:sldId id="333" r:id="rId52"/>
+    <p:sldId id="334" r:id="rId53"/>
+    <p:sldId id="337" r:id="rId54"/>
+    <p:sldId id="520" r:id="rId55"/>
+    <p:sldId id="336" r:id="rId56"/>
+    <p:sldId id="340" r:id="rId57"/>
+    <p:sldId id="341" r:id="rId58"/>
   </p:sldIdLst>
   <p:sldSz cx="12192000" cy="6858000"/>
   <p:notesSz cx="6858000" cy="9144000"/>
@@ -210,6 +229,29 @@
             <p14:sldId id="495"/>
           </p14:sldIdLst>
         </p14:section>
+        <p14:section name="Occupancy Estimates" id="{2F78C57D-2874-48D1-BF23-D3B95736042D}">
+          <p14:sldIdLst>
+            <p14:sldId id="344"/>
+            <p14:sldId id="343"/>
+            <p14:sldId id="345"/>
+            <p14:sldId id="342"/>
+            <p14:sldId id="346"/>
+            <p14:sldId id="325"/>
+            <p14:sldId id="326"/>
+            <p14:sldId id="328"/>
+            <p14:sldId id="339"/>
+            <p14:sldId id="330"/>
+            <p14:sldId id="329"/>
+            <p14:sldId id="331"/>
+            <p14:sldId id="333"/>
+            <p14:sldId id="334"/>
+            <p14:sldId id="337"/>
+            <p14:sldId id="520"/>
+            <p14:sldId id="336"/>
+            <p14:sldId id="340"/>
+            <p14:sldId id="341"/>
+          </p14:sldIdLst>
+        </p14:section>
       </p14:sectionLst>
     </p:ext>
     <p:ext uri="{EFAFB233-063F-42B5-8137-9DF3F51BA10A}">
@@ -374,7 +416,7 @@
           <a:p>
             <a:fld id="{ADCEBF8C-22C0-4323-9BBB-9413232198F8}" type="datetimeFigureOut">
               <a:rPr lang="en-US" smtClean="0"/>
-              <a:t>2/15/2022</a:t>
+              <a:t>25-May-22</a:t>
             </a:fld>
             <a:endParaRPr lang="en-US"/>
           </a:p>
@@ -572,7 +614,7 @@
           <a:p>
             <a:fld id="{ADCEBF8C-22C0-4323-9BBB-9413232198F8}" type="datetimeFigureOut">
               <a:rPr lang="en-US" smtClean="0"/>
-              <a:t>2/15/2022</a:t>
+              <a:t>25-May-22</a:t>
             </a:fld>
             <a:endParaRPr lang="en-US"/>
           </a:p>
@@ -780,7 +822,7 @@
           <a:p>
             <a:fld id="{ADCEBF8C-22C0-4323-9BBB-9413232198F8}" type="datetimeFigureOut">
               <a:rPr lang="en-US" smtClean="0"/>
-              <a:t>2/15/2022</a:t>
+              <a:t>25-May-22</a:t>
             </a:fld>
             <a:endParaRPr lang="en-US"/>
           </a:p>
@@ -978,7 +1020,7 @@
           <a:p>
             <a:fld id="{ADCEBF8C-22C0-4323-9BBB-9413232198F8}" type="datetimeFigureOut">
               <a:rPr lang="en-US" smtClean="0"/>
-              <a:t>2/15/2022</a:t>
+              <a:t>25-May-22</a:t>
             </a:fld>
             <a:endParaRPr lang="en-US"/>
           </a:p>
@@ -1253,7 +1295,7 @@
           <a:p>
             <a:fld id="{ADCEBF8C-22C0-4323-9BBB-9413232198F8}" type="datetimeFigureOut">
               <a:rPr lang="en-US" smtClean="0"/>
-              <a:t>2/15/2022</a:t>
+              <a:t>25-May-22</a:t>
             </a:fld>
             <a:endParaRPr lang="en-US"/>
           </a:p>
@@ -1518,7 +1560,7 @@
           <a:p>
             <a:fld id="{ADCEBF8C-22C0-4323-9BBB-9413232198F8}" type="datetimeFigureOut">
               <a:rPr lang="en-US" smtClean="0"/>
-              <a:t>2/15/2022</a:t>
+              <a:t>25-May-22</a:t>
             </a:fld>
             <a:endParaRPr lang="en-US"/>
           </a:p>
@@ -1930,7 +1972,7 @@
           <a:p>
             <a:fld id="{ADCEBF8C-22C0-4323-9BBB-9413232198F8}" type="datetimeFigureOut">
               <a:rPr lang="en-US" smtClean="0"/>
-              <a:t>2/15/2022</a:t>
+              <a:t>25-May-22</a:t>
             </a:fld>
             <a:endParaRPr lang="en-US"/>
           </a:p>
@@ -2071,7 +2113,7 @@
           <a:p>
             <a:fld id="{ADCEBF8C-22C0-4323-9BBB-9413232198F8}" type="datetimeFigureOut">
               <a:rPr lang="en-US" smtClean="0"/>
-              <a:t>2/15/2022</a:t>
+              <a:t>25-May-22</a:t>
             </a:fld>
             <a:endParaRPr lang="en-US"/>
           </a:p>
@@ -2184,7 +2226,7 @@
           <a:p>
             <a:fld id="{ADCEBF8C-22C0-4323-9BBB-9413232198F8}" type="datetimeFigureOut">
               <a:rPr lang="en-US" smtClean="0"/>
-              <a:t>2/15/2022</a:t>
+              <a:t>25-May-22</a:t>
             </a:fld>
             <a:endParaRPr lang="en-US"/>
           </a:p>
@@ -2495,7 +2537,7 @@
           <a:p>
             <a:fld id="{ADCEBF8C-22C0-4323-9BBB-9413232198F8}" type="datetimeFigureOut">
               <a:rPr lang="en-US" smtClean="0"/>
-              <a:t>2/15/2022</a:t>
+              <a:t>25-May-22</a:t>
             </a:fld>
             <a:endParaRPr lang="en-US"/>
           </a:p>
@@ -2783,7 +2825,7 @@
           <a:p>
             <a:fld id="{ADCEBF8C-22C0-4323-9BBB-9413232198F8}" type="datetimeFigureOut">
               <a:rPr lang="en-US" smtClean="0"/>
-              <a:t>2/15/2022</a:t>
+              <a:t>25-May-22</a:t>
             </a:fld>
             <a:endParaRPr lang="en-US"/>
           </a:p>
@@ -3024,7 +3066,7 @@
           <a:p>
             <a:fld id="{ADCEBF8C-22C0-4323-9BBB-9413232198F8}" type="datetimeFigureOut">
               <a:rPr lang="en-US" smtClean="0"/>
-              <a:t>2/15/2022</a:t>
+              <a:t>25-May-22</a:t>
             </a:fld>
             <a:endParaRPr lang="en-US"/>
           </a:p>
@@ -8466,8 +8508,8 @@
           <a:chExt cx="0" cy="0"/>
         </a:xfrm>
       </p:grpSpPr>
-      <mc:AlternateContent xmlns:mc="http://schemas.openxmlformats.org/markup-compatibility/2006">
-        <mc:Choice xmlns:a14="http://schemas.microsoft.com/office/drawing/2010/main" Requires="a14">
+      <mc:AlternateContent xmlns:mc="http://schemas.openxmlformats.org/markup-compatibility/2006" xmlns:a14="http://schemas.microsoft.com/office/drawing/2010/main">
+        <mc:Choice Requires="a14">
           <p:sp>
             <p:nvSpPr>
               <p:cNvPr id="48" name="TextBox 47">
@@ -8498,6 +8540,7 @@
               </a:bodyPr>
               <a:lstStyle/>
               <a:p>
+                <a:pPr/>
                 <a14:m>
                   <m:oMathPara xmlns:m="http://schemas.openxmlformats.org/officeDocument/2006/math">
                     <m:oMathParaPr>
@@ -8550,7 +8593,7 @@
             </p:txBody>
           </p:sp>
         </mc:Choice>
-        <mc:Fallback>
+        <mc:Fallback xmlns="">
           <p:sp>
             <p:nvSpPr>
               <p:cNvPr id="48" name="TextBox 47">
@@ -8595,8 +8638,8 @@
           </p:sp>
         </mc:Fallback>
       </mc:AlternateContent>
-      <mc:AlternateContent xmlns:mc="http://schemas.openxmlformats.org/markup-compatibility/2006">
-        <mc:Choice xmlns:a14="http://schemas.microsoft.com/office/drawing/2010/main" Requires="a14">
+      <mc:AlternateContent xmlns:mc="http://schemas.openxmlformats.org/markup-compatibility/2006" xmlns:a14="http://schemas.microsoft.com/office/drawing/2010/main">
+        <mc:Choice Requires="a14">
           <p:sp>
             <p:nvSpPr>
               <p:cNvPr id="49" name="TextBox 48">
@@ -8627,6 +8670,7 @@
               </a:bodyPr>
               <a:lstStyle/>
               <a:p>
+                <a:pPr/>
                 <a14:m>
                   <m:oMathPara xmlns:m="http://schemas.openxmlformats.org/officeDocument/2006/math">
                     <m:oMathParaPr>
@@ -8679,7 +8723,7 @@
             </p:txBody>
           </p:sp>
         </mc:Choice>
-        <mc:Fallback>
+        <mc:Fallback xmlns="">
           <p:sp>
             <p:nvSpPr>
               <p:cNvPr id="49" name="TextBox 48">
@@ -8724,8 +8768,8 @@
           </p:sp>
         </mc:Fallback>
       </mc:AlternateContent>
-      <mc:AlternateContent xmlns:mc="http://schemas.openxmlformats.org/markup-compatibility/2006">
-        <mc:Choice xmlns:a14="http://schemas.microsoft.com/office/drawing/2010/main" Requires="a14">
+      <mc:AlternateContent xmlns:mc="http://schemas.openxmlformats.org/markup-compatibility/2006" xmlns:a14="http://schemas.microsoft.com/office/drawing/2010/main">
+        <mc:Choice Requires="a14">
           <p:sp>
             <p:nvSpPr>
               <p:cNvPr id="2" name="Title 1">
@@ -8802,7 +8846,7 @@
             </p:txBody>
           </p:sp>
         </mc:Choice>
-        <mc:Fallback>
+        <mc:Fallback xmlns="">
           <p:sp>
             <p:nvSpPr>
               <p:cNvPr id="2" name="Title 1">
@@ -9121,8 +9165,8 @@
           </a:fontRef>
         </p:style>
       </p:cxnSp>
-      <mc:AlternateContent xmlns:mc="http://schemas.openxmlformats.org/markup-compatibility/2006">
-        <mc:Choice xmlns:a14="http://schemas.microsoft.com/office/drawing/2010/main" Requires="a14">
+      <mc:AlternateContent xmlns:mc="http://schemas.openxmlformats.org/markup-compatibility/2006" xmlns:a14="http://schemas.microsoft.com/office/drawing/2010/main">
+        <mc:Choice Requires="a14">
           <p:sp>
             <p:nvSpPr>
               <p:cNvPr id="35" name="TextBox 34">
@@ -9153,6 +9197,7 @@
               </a:bodyPr>
               <a:lstStyle/>
               <a:p>
+                <a:pPr/>
                 <a14:m>
                   <m:oMathPara xmlns:m="http://schemas.openxmlformats.org/officeDocument/2006/math">
                     <m:oMathParaPr>
@@ -9205,7 +9250,7 @@
             </p:txBody>
           </p:sp>
         </mc:Choice>
-        <mc:Fallback>
+        <mc:Fallback xmlns="">
           <p:sp>
             <p:nvSpPr>
               <p:cNvPr id="35" name="TextBox 34">
@@ -9250,8 +9295,8 @@
           </p:sp>
         </mc:Fallback>
       </mc:AlternateContent>
-      <mc:AlternateContent xmlns:mc="http://schemas.openxmlformats.org/markup-compatibility/2006">
-        <mc:Choice xmlns:a14="http://schemas.microsoft.com/office/drawing/2010/main" Requires="a14">
+      <mc:AlternateContent xmlns:mc="http://schemas.openxmlformats.org/markup-compatibility/2006" xmlns:a14="http://schemas.microsoft.com/office/drawing/2010/main">
+        <mc:Choice Requires="a14">
           <p:sp>
             <p:nvSpPr>
               <p:cNvPr id="36" name="TextBox 35">
@@ -9282,6 +9327,7 @@
               </a:bodyPr>
               <a:lstStyle/>
               <a:p>
+                <a:pPr/>
                 <a14:m>
                   <m:oMathPara xmlns:m="http://schemas.openxmlformats.org/officeDocument/2006/math">
                     <m:oMathParaPr>
@@ -9334,7 +9380,7 @@
             </p:txBody>
           </p:sp>
         </mc:Choice>
-        <mc:Fallback>
+        <mc:Fallback xmlns="">
           <p:sp>
             <p:nvSpPr>
               <p:cNvPr id="36" name="TextBox 35">
@@ -9415,8 +9461,8 @@
           </a:fontRef>
         </p:style>
       </p:cxnSp>
-      <mc:AlternateContent xmlns:mc="http://schemas.openxmlformats.org/markup-compatibility/2006">
-        <mc:Choice xmlns:a14="http://schemas.microsoft.com/office/drawing/2010/main" Requires="a14">
+      <mc:AlternateContent xmlns:mc="http://schemas.openxmlformats.org/markup-compatibility/2006" xmlns:a14="http://schemas.microsoft.com/office/drawing/2010/main">
+        <mc:Choice Requires="a14">
           <p:sp>
             <p:nvSpPr>
               <p:cNvPr id="39" name="TextBox 38">
@@ -9447,6 +9493,7 @@
               </a:bodyPr>
               <a:lstStyle/>
               <a:p>
+                <a:pPr/>
                 <a14:m>
                   <m:oMathPara xmlns:m="http://schemas.openxmlformats.org/officeDocument/2006/math">
                     <m:oMathParaPr>
@@ -9499,7 +9546,7 @@
             </p:txBody>
           </p:sp>
         </mc:Choice>
-        <mc:Fallback>
+        <mc:Fallback xmlns="">
           <p:sp>
             <p:nvSpPr>
               <p:cNvPr id="39" name="TextBox 38">
@@ -9544,8 +9591,8 @@
           </p:sp>
         </mc:Fallback>
       </mc:AlternateContent>
-      <mc:AlternateContent xmlns:mc="http://schemas.openxmlformats.org/markup-compatibility/2006">
-        <mc:Choice xmlns:a14="http://schemas.microsoft.com/office/drawing/2010/main" Requires="a14">
+      <mc:AlternateContent xmlns:mc="http://schemas.openxmlformats.org/markup-compatibility/2006" xmlns:a14="http://schemas.microsoft.com/office/drawing/2010/main">
+        <mc:Choice Requires="a14">
           <p:sp>
             <p:nvSpPr>
               <p:cNvPr id="40" name="TextBox 39">
@@ -9576,6 +9623,7 @@
               </a:bodyPr>
               <a:lstStyle/>
               <a:p>
+                <a:pPr/>
                 <a14:m>
                   <m:oMathPara xmlns:m="http://schemas.openxmlformats.org/officeDocument/2006/math">
                     <m:oMathParaPr>
@@ -9603,7 +9651,7 @@
             </p:txBody>
           </p:sp>
         </mc:Choice>
-        <mc:Fallback>
+        <mc:Fallback xmlns="">
           <p:sp>
             <p:nvSpPr>
               <p:cNvPr id="40" name="TextBox 39">
@@ -9648,8 +9696,8 @@
           </p:sp>
         </mc:Fallback>
       </mc:AlternateContent>
-      <mc:AlternateContent xmlns:mc="http://schemas.openxmlformats.org/markup-compatibility/2006">
-        <mc:Choice xmlns:a14="http://schemas.microsoft.com/office/drawing/2010/main" Requires="a14">
+      <mc:AlternateContent xmlns:mc="http://schemas.openxmlformats.org/markup-compatibility/2006" xmlns:a14="http://schemas.microsoft.com/office/drawing/2010/main">
+        <mc:Choice Requires="a14">
           <p:sp>
             <p:nvSpPr>
               <p:cNvPr id="41" name="TextBox 40">
@@ -9680,6 +9728,7 @@
               </a:bodyPr>
               <a:lstStyle/>
               <a:p>
+                <a:pPr/>
                 <a14:m>
                   <m:oMathPara xmlns:m="http://schemas.openxmlformats.org/officeDocument/2006/math">
                     <m:oMathParaPr>
@@ -9707,7 +9756,7 @@
             </p:txBody>
           </p:sp>
         </mc:Choice>
-        <mc:Fallback>
+        <mc:Fallback xmlns="">
           <p:sp>
             <p:nvSpPr>
               <p:cNvPr id="41" name="TextBox 40">
@@ -9904,8 +9953,8 @@
           </a:p>
         </p:txBody>
       </p:sp>
-      <mc:AlternateContent xmlns:mc="http://schemas.openxmlformats.org/markup-compatibility/2006">
-        <mc:Choice xmlns:a14="http://schemas.microsoft.com/office/drawing/2010/main" Requires="a14">
+      <mc:AlternateContent xmlns:mc="http://schemas.openxmlformats.org/markup-compatibility/2006" xmlns:a14="http://schemas.microsoft.com/office/drawing/2010/main">
+        <mc:Choice Requires="a14">
           <p:sp>
             <p:nvSpPr>
               <p:cNvPr id="46" name="TextBox 45">
@@ -9936,6 +9985,7 @@
               </a:bodyPr>
               <a:lstStyle/>
               <a:p>
+                <a:pPr/>
                 <a14:m>
                   <m:oMathPara xmlns:m="http://schemas.openxmlformats.org/officeDocument/2006/math">
                     <m:oMathParaPr>
@@ -9988,7 +10038,7 @@
             </p:txBody>
           </p:sp>
         </mc:Choice>
-        <mc:Fallback>
+        <mc:Fallback xmlns="">
           <p:sp>
             <p:nvSpPr>
               <p:cNvPr id="46" name="TextBox 45">
@@ -10033,8 +10083,8 @@
           </p:sp>
         </mc:Fallback>
       </mc:AlternateContent>
-      <mc:AlternateContent xmlns:mc="http://schemas.openxmlformats.org/markup-compatibility/2006">
-        <mc:Choice xmlns:a14="http://schemas.microsoft.com/office/drawing/2010/main" Requires="a14">
+      <mc:AlternateContent xmlns:mc="http://schemas.openxmlformats.org/markup-compatibility/2006" xmlns:a14="http://schemas.microsoft.com/office/drawing/2010/main">
+        <mc:Choice Requires="a14">
           <p:sp>
             <p:nvSpPr>
               <p:cNvPr id="47" name="TextBox 46">
@@ -10065,6 +10115,7 @@
               </a:bodyPr>
               <a:lstStyle/>
               <a:p>
+                <a:pPr/>
                 <a14:m>
                   <m:oMathPara xmlns:m="http://schemas.openxmlformats.org/officeDocument/2006/math">
                     <m:oMathParaPr>
@@ -10104,7 +10155,7 @@
             </p:txBody>
           </p:sp>
         </mc:Choice>
-        <mc:Fallback>
+        <mc:Fallback xmlns="">
           <p:sp>
             <p:nvSpPr>
               <p:cNvPr id="47" name="TextBox 46">
@@ -10225,8 +10276,8 @@
           </a:fontRef>
         </p:style>
       </p:cxnSp>
-      <mc:AlternateContent xmlns:mc="http://schemas.openxmlformats.org/markup-compatibility/2006">
-        <mc:Choice xmlns:a14="http://schemas.microsoft.com/office/drawing/2010/main" Requires="a14">
+      <mc:AlternateContent xmlns:mc="http://schemas.openxmlformats.org/markup-compatibility/2006" xmlns:a14="http://schemas.microsoft.com/office/drawing/2010/main">
+        <mc:Choice Requires="a14">
           <p:sp>
             <p:nvSpPr>
               <p:cNvPr id="50" name="TextBox 49">
@@ -10255,6 +10306,7 @@
               </a:bodyPr>
               <a:lstStyle/>
               <a:p>
+                <a:pPr/>
                 <a14:m>
                   <m:oMathPara xmlns:m="http://schemas.openxmlformats.org/officeDocument/2006/math">
                     <m:oMathParaPr>
@@ -10431,7 +10483,7 @@
             </p:txBody>
           </p:sp>
         </mc:Choice>
-        <mc:Fallback>
+        <mc:Fallback xmlns="">
           <p:sp>
             <p:nvSpPr>
               <p:cNvPr id="50" name="TextBox 49">
@@ -10476,8 +10528,8 @@
           </p:sp>
         </mc:Fallback>
       </mc:AlternateContent>
-      <mc:AlternateContent xmlns:mc="http://schemas.openxmlformats.org/markup-compatibility/2006">
-        <mc:Choice xmlns:a14="http://schemas.microsoft.com/office/drawing/2010/main" Requires="a14">
+      <mc:AlternateContent xmlns:mc="http://schemas.openxmlformats.org/markup-compatibility/2006" xmlns:a14="http://schemas.microsoft.com/office/drawing/2010/main">
+        <mc:Choice Requires="a14">
           <p:sp>
             <p:nvSpPr>
               <p:cNvPr id="51" name="TextBox 50">
@@ -10506,6 +10558,7 @@
               </a:bodyPr>
               <a:lstStyle/>
               <a:p>
+                <a:pPr/>
                 <a14:m>
                   <m:oMathPara xmlns:m="http://schemas.openxmlformats.org/officeDocument/2006/math">
                     <m:oMathParaPr>
@@ -10689,7 +10742,7 @@
             </p:txBody>
           </p:sp>
         </mc:Choice>
-        <mc:Fallback>
+        <mc:Fallback xmlns="">
           <p:sp>
             <p:nvSpPr>
               <p:cNvPr id="51" name="TextBox 50">
@@ -10734,8 +10787,8 @@
           </p:sp>
         </mc:Fallback>
       </mc:AlternateContent>
-      <mc:AlternateContent xmlns:mc="http://schemas.openxmlformats.org/markup-compatibility/2006">
-        <mc:Choice xmlns:a14="http://schemas.microsoft.com/office/drawing/2010/main" Requires="a14">
+      <mc:AlternateContent xmlns:mc="http://schemas.openxmlformats.org/markup-compatibility/2006" xmlns:a14="http://schemas.microsoft.com/office/drawing/2010/main">
+        <mc:Choice Requires="a14">
           <p:sp>
             <p:nvSpPr>
               <p:cNvPr id="52" name="TextBox 51">
@@ -10764,6 +10817,7 @@
               </a:bodyPr>
               <a:lstStyle/>
               <a:p>
+                <a:pPr/>
                 <a14:m>
                   <m:oMathPara xmlns:m="http://schemas.openxmlformats.org/officeDocument/2006/math">
                     <m:oMathParaPr>
@@ -10846,7 +10900,7 @@
             </p:txBody>
           </p:sp>
         </mc:Choice>
-        <mc:Fallback>
+        <mc:Fallback xmlns="">
           <p:sp>
             <p:nvSpPr>
               <p:cNvPr id="52" name="TextBox 51">
@@ -10891,8 +10945,8 @@
           </p:sp>
         </mc:Fallback>
       </mc:AlternateContent>
-      <mc:AlternateContent xmlns:mc="http://schemas.openxmlformats.org/markup-compatibility/2006">
-        <mc:Choice xmlns:a14="http://schemas.microsoft.com/office/drawing/2010/main" Requires="a14">
+      <mc:AlternateContent xmlns:mc="http://schemas.openxmlformats.org/markup-compatibility/2006" xmlns:a14="http://schemas.microsoft.com/office/drawing/2010/main">
+        <mc:Choice Requires="a14">
           <p:sp>
             <p:nvSpPr>
               <p:cNvPr id="53" name="TextBox 52">
@@ -10921,6 +10975,7 @@
               </a:bodyPr>
               <a:lstStyle/>
               <a:p>
+                <a:pPr/>
                 <a14:m>
                   <m:oMathPara xmlns:m="http://schemas.openxmlformats.org/officeDocument/2006/math">
                     <m:oMathParaPr>
@@ -11127,7 +11182,7 @@
             </p:txBody>
           </p:sp>
         </mc:Choice>
-        <mc:Fallback>
+        <mc:Fallback xmlns="">
           <p:sp>
             <p:nvSpPr>
               <p:cNvPr id="53" name="TextBox 52">
@@ -11214,8 +11269,8 @@
           </a:fontRef>
         </p:style>
       </p:cxnSp>
-      <mc:AlternateContent xmlns:mc="http://schemas.openxmlformats.org/markup-compatibility/2006">
-        <mc:Choice xmlns:a14="http://schemas.microsoft.com/office/drawing/2010/main" Requires="a14">
+      <mc:AlternateContent xmlns:mc="http://schemas.openxmlformats.org/markup-compatibility/2006" xmlns:a14="http://schemas.microsoft.com/office/drawing/2010/main">
+        <mc:Choice Requires="a14">
           <p:sp>
             <p:nvSpPr>
               <p:cNvPr id="57" name="TextBox 56">
@@ -11244,6 +11299,7 @@
               </a:bodyPr>
               <a:lstStyle/>
               <a:p>
+                <a:pPr/>
                 <a14:m>
                   <m:oMathPara xmlns:m="http://schemas.openxmlformats.org/officeDocument/2006/math">
                     <m:oMathParaPr>
@@ -11389,7 +11445,7 @@
             </p:txBody>
           </p:sp>
         </mc:Choice>
-        <mc:Fallback>
+        <mc:Fallback xmlns="">
           <p:sp>
             <p:nvSpPr>
               <p:cNvPr id="57" name="TextBox 56">
@@ -11434,8 +11490,8 @@
           </p:sp>
         </mc:Fallback>
       </mc:AlternateContent>
-      <mc:AlternateContent xmlns:mc="http://schemas.openxmlformats.org/markup-compatibility/2006">
-        <mc:Choice xmlns:a14="http://schemas.microsoft.com/office/drawing/2010/main" Requires="a14">
+      <mc:AlternateContent xmlns:mc="http://schemas.openxmlformats.org/markup-compatibility/2006" xmlns:a14="http://schemas.microsoft.com/office/drawing/2010/main">
+        <mc:Choice Requires="a14">
           <p:sp>
             <p:nvSpPr>
               <p:cNvPr id="59" name="TextBox 58">
@@ -11464,6 +11520,7 @@
               </a:bodyPr>
               <a:lstStyle/>
               <a:p>
+                <a:pPr/>
                 <a14:m>
                   <m:oMathPara xmlns:m="http://schemas.openxmlformats.org/officeDocument/2006/math">
                     <m:oMathParaPr>
@@ -11552,7 +11609,7 @@
             </p:txBody>
           </p:sp>
         </mc:Choice>
-        <mc:Fallback>
+        <mc:Fallback xmlns="">
           <p:sp>
             <p:nvSpPr>
               <p:cNvPr id="59" name="TextBox 58">
@@ -11597,8 +11654,8 @@
           </p:sp>
         </mc:Fallback>
       </mc:AlternateContent>
-      <mc:AlternateContent xmlns:mc="http://schemas.openxmlformats.org/markup-compatibility/2006">
-        <mc:Choice xmlns:a14="http://schemas.microsoft.com/office/drawing/2010/main" Requires="a14">
+      <mc:AlternateContent xmlns:mc="http://schemas.openxmlformats.org/markup-compatibility/2006" xmlns:a14="http://schemas.microsoft.com/office/drawing/2010/main">
+        <mc:Choice Requires="a14">
           <p:sp>
             <p:nvSpPr>
               <p:cNvPr id="61" name="TextBox 60">
@@ -11629,6 +11686,7 @@
               </a:bodyPr>
               <a:lstStyle/>
               <a:p>
+                <a:pPr/>
                 <a14:m>
                   <m:oMathPara xmlns:m="http://schemas.openxmlformats.org/officeDocument/2006/math">
                     <m:oMathParaPr>
@@ -11681,7 +11739,7 @@
             </p:txBody>
           </p:sp>
         </mc:Choice>
-        <mc:Fallback>
+        <mc:Fallback xmlns="">
           <p:sp>
             <p:nvSpPr>
               <p:cNvPr id="61" name="TextBox 60">
@@ -11726,8 +11784,8 @@
           </p:sp>
         </mc:Fallback>
       </mc:AlternateContent>
-      <mc:AlternateContent xmlns:mc="http://schemas.openxmlformats.org/markup-compatibility/2006">
-        <mc:Choice xmlns:a14="http://schemas.microsoft.com/office/drawing/2010/main" Requires="a14">
+      <mc:AlternateContent xmlns:mc="http://schemas.openxmlformats.org/markup-compatibility/2006" xmlns:a14="http://schemas.microsoft.com/office/drawing/2010/main">
+        <mc:Choice Requires="a14">
           <p:sp>
             <p:nvSpPr>
               <p:cNvPr id="62" name="TextBox 61">
@@ -11758,6 +11816,7 @@
               </a:bodyPr>
               <a:lstStyle/>
               <a:p>
+                <a:pPr/>
                 <a14:m>
                   <m:oMathPara xmlns:m="http://schemas.openxmlformats.org/officeDocument/2006/math">
                     <m:oMathParaPr>
@@ -11810,7 +11869,7 @@
             </p:txBody>
           </p:sp>
         </mc:Choice>
-        <mc:Fallback>
+        <mc:Fallback xmlns="">
           <p:sp>
             <p:nvSpPr>
               <p:cNvPr id="62" name="TextBox 61">
@@ -11855,8 +11914,8 @@
           </p:sp>
         </mc:Fallback>
       </mc:AlternateContent>
-      <mc:AlternateContent xmlns:mc="http://schemas.openxmlformats.org/markup-compatibility/2006">
-        <mc:Choice xmlns:a14="http://schemas.microsoft.com/office/drawing/2010/main" Requires="a14">
+      <mc:AlternateContent xmlns:mc="http://schemas.openxmlformats.org/markup-compatibility/2006" xmlns:a14="http://schemas.microsoft.com/office/drawing/2010/main">
+        <mc:Choice Requires="a14">
           <p:sp>
             <p:nvSpPr>
               <p:cNvPr id="63" name="TextBox 62">
@@ -11885,6 +11944,7 @@
               </a:bodyPr>
               <a:lstStyle/>
               <a:p>
+                <a:pPr/>
                 <a14:m>
                   <m:oMathPara xmlns:m="http://schemas.openxmlformats.org/officeDocument/2006/math">
                     <m:oMathParaPr>
@@ -12014,7 +12074,7 @@
             </p:txBody>
           </p:sp>
         </mc:Choice>
-        <mc:Fallback>
+        <mc:Fallback xmlns="">
           <p:sp>
             <p:nvSpPr>
               <p:cNvPr id="63" name="TextBox 62">
@@ -12059,8 +12119,8 @@
           </p:sp>
         </mc:Fallback>
       </mc:AlternateContent>
-      <mc:AlternateContent xmlns:mc="http://schemas.openxmlformats.org/markup-compatibility/2006">
-        <mc:Choice xmlns:a14="http://schemas.microsoft.com/office/drawing/2010/main" Requires="a14">
+      <mc:AlternateContent xmlns:mc="http://schemas.openxmlformats.org/markup-compatibility/2006" xmlns:a14="http://schemas.microsoft.com/office/drawing/2010/main">
+        <mc:Choice Requires="a14">
           <p:sp>
             <p:nvSpPr>
               <p:cNvPr id="64" name="TextBox 63">
@@ -12094,6 +12154,7 @@
               </a:bodyPr>
               <a:lstStyle/>
               <a:p>
+                <a:pPr/>
                 <a14:m>
                   <m:oMathPara xmlns:m="http://schemas.openxmlformats.org/officeDocument/2006/math">
                     <m:oMathParaPr>
@@ -12370,7 +12431,7 @@
             </p:txBody>
           </p:sp>
         </mc:Choice>
-        <mc:Fallback>
+        <mc:Fallback xmlns="">
           <p:sp>
             <p:nvSpPr>
               <p:cNvPr id="64" name="TextBox 63">
@@ -17237,6 +17298,118 @@
 </p:sld>
 </file>
 
+<file path=ppt/slides/slide39.xml><?xml version="1.0" encoding="utf-8"?>
+<p:sld xmlns:a="http://schemas.openxmlformats.org/drawingml/2006/main" xmlns:r="http://schemas.openxmlformats.org/officeDocument/2006/relationships" xmlns:p="http://schemas.openxmlformats.org/presentationml/2006/main">
+  <p:cSld>
+    <p:spTree>
+      <p:nvGrpSpPr>
+        <p:cNvPr id="1" name=""/>
+        <p:cNvGrpSpPr/>
+        <p:nvPr/>
+      </p:nvGrpSpPr>
+      <p:grpSpPr>
+        <a:xfrm>
+          <a:off x="0" y="0"/>
+          <a:ext cx="0" cy="0"/>
+          <a:chOff x="0" y="0"/>
+          <a:chExt cx="0" cy="0"/>
+        </a:xfrm>
+      </p:grpSpPr>
+      <p:sp>
+        <p:nvSpPr>
+          <p:cNvPr id="2" name="Title 1">
+            <a:extLst>
+              <a:ext uri="{FF2B5EF4-FFF2-40B4-BE49-F238E27FC236}">
+                <a16:creationId xmlns:a16="http://schemas.microsoft.com/office/drawing/2014/main" id="{FC068776-7474-3A04-83F0-C83DEBC5E6AD}"/>
+              </a:ext>
+            </a:extLst>
+          </p:cNvPr>
+          <p:cNvSpPr>
+            <a:spLocks noGrp="1"/>
+          </p:cNvSpPr>
+          <p:nvPr>
+            <p:ph type="title"/>
+          </p:nvPr>
+        </p:nvSpPr>
+        <p:spPr/>
+        <p:txBody>
+          <a:bodyPr/>
+          <a:lstStyle/>
+          <a:p>
+            <a:r>
+              <a:rPr lang="en-US" dirty="0"/>
+              <a:t>Slide for real calculation (area based)</a:t>
+            </a:r>
+          </a:p>
+        </p:txBody>
+      </p:sp>
+      <p:sp>
+        <p:nvSpPr>
+          <p:cNvPr id="3" name="Content Placeholder 2">
+            <a:extLst>
+              <a:ext uri="{FF2B5EF4-FFF2-40B4-BE49-F238E27FC236}">
+                <a16:creationId xmlns:a16="http://schemas.microsoft.com/office/drawing/2014/main" id="{DC797A28-A0A8-4B06-428B-15F84243F707}"/>
+              </a:ext>
+            </a:extLst>
+          </p:cNvPr>
+          <p:cNvSpPr>
+            <a:spLocks noGrp="1"/>
+          </p:cNvSpPr>
+          <p:nvPr>
+            <p:ph idx="1"/>
+          </p:nvPr>
+        </p:nvSpPr>
+        <p:spPr/>
+        <p:txBody>
+          <a:bodyPr/>
+          <a:lstStyle/>
+          <a:p>
+            <a:endParaRPr lang="en-US"/>
+          </a:p>
+        </p:txBody>
+      </p:sp>
+      <p:sp>
+        <p:nvSpPr>
+          <p:cNvPr id="4" name="Slide Number Placeholder 3">
+            <a:extLst>
+              <a:ext uri="{FF2B5EF4-FFF2-40B4-BE49-F238E27FC236}">
+                <a16:creationId xmlns:a16="http://schemas.microsoft.com/office/drawing/2014/main" id="{7A7A97CF-C070-DC58-72C5-A3045E3A2548}"/>
+              </a:ext>
+            </a:extLst>
+          </p:cNvPr>
+          <p:cNvSpPr>
+            <a:spLocks noGrp="1"/>
+          </p:cNvSpPr>
+          <p:nvPr>
+            <p:ph type="sldNum" sz="quarter" idx="12"/>
+          </p:nvPr>
+        </p:nvSpPr>
+        <p:spPr/>
+        <p:txBody>
+          <a:bodyPr/>
+          <a:lstStyle/>
+          <a:p>
+            <a:fld id="{35E7B248-7056-49E8-9F30-37D8E83E9700}" type="slidenum">
+              <a:rPr lang="en-US" smtClean="0"/>
+              <a:t>39</a:t>
+            </a:fld>
+            <a:endParaRPr lang="en-US"/>
+          </a:p>
+        </p:txBody>
+      </p:sp>
+    </p:spTree>
+    <p:extLst>
+      <p:ext uri="{BB962C8B-B14F-4D97-AF65-F5344CB8AC3E}">
+        <p14:creationId xmlns:p14="http://schemas.microsoft.com/office/powerpoint/2010/main" val="692667447"/>
+      </p:ext>
+    </p:extLst>
+  </p:cSld>
+  <p:clrMapOvr>
+    <a:masterClrMapping/>
+  </p:clrMapOvr>
+</p:sld>
+</file>
+
 <file path=ppt/slides/slide4.xml><?xml version="1.0" encoding="utf-8"?>
 <p:sld xmlns:a="http://schemas.openxmlformats.org/drawingml/2006/main" xmlns:r="http://schemas.openxmlformats.org/officeDocument/2006/relationships" xmlns:p="http://schemas.openxmlformats.org/presentationml/2006/main">
   <p:cSld>
@@ -17554,6 +17727,2371 @@
     <p:extLst>
       <p:ext uri="{BB962C8B-B14F-4D97-AF65-F5344CB8AC3E}">
         <p14:creationId xmlns:p14="http://schemas.microsoft.com/office/powerpoint/2010/main" val="626520508"/>
+      </p:ext>
+    </p:extLst>
+  </p:cSld>
+  <p:clrMapOvr>
+    <a:masterClrMapping/>
+  </p:clrMapOvr>
+</p:sld>
+</file>
+
+<file path=ppt/slides/slide40.xml><?xml version="1.0" encoding="utf-8"?>
+<p:sld xmlns:a="http://schemas.openxmlformats.org/drawingml/2006/main" xmlns:r="http://schemas.openxmlformats.org/officeDocument/2006/relationships" xmlns:p="http://schemas.openxmlformats.org/presentationml/2006/main">
+  <p:cSld>
+    <p:spTree>
+      <p:nvGrpSpPr>
+        <p:cNvPr id="1" name=""/>
+        <p:cNvGrpSpPr/>
+        <p:nvPr/>
+      </p:nvGrpSpPr>
+      <p:grpSpPr>
+        <a:xfrm>
+          <a:off x="0" y="0"/>
+          <a:ext cx="0" cy="0"/>
+          <a:chOff x="0" y="0"/>
+          <a:chExt cx="0" cy="0"/>
+        </a:xfrm>
+      </p:grpSpPr>
+      <p:sp>
+        <p:nvSpPr>
+          <p:cNvPr id="2" name="Title 1">
+            <a:extLst>
+              <a:ext uri="{FF2B5EF4-FFF2-40B4-BE49-F238E27FC236}">
+                <a16:creationId xmlns:a16="http://schemas.microsoft.com/office/drawing/2014/main" id="{953155B1-D6B0-F2A8-3354-9F31AE6E4233}"/>
+              </a:ext>
+            </a:extLst>
+          </p:cNvPr>
+          <p:cNvSpPr>
+            <a:spLocks noGrp="1"/>
+          </p:cNvSpPr>
+          <p:nvPr>
+            <p:ph type="title"/>
+          </p:nvPr>
+        </p:nvSpPr>
+        <p:spPr/>
+        <p:txBody>
+          <a:bodyPr/>
+          <a:lstStyle/>
+          <a:p>
+            <a:r>
+              <a:rPr lang="en-US" dirty="0"/>
+              <a:t>Slide explaining measured occupancy ratio calculation</a:t>
+            </a:r>
+          </a:p>
+        </p:txBody>
+      </p:sp>
+      <p:sp>
+        <p:nvSpPr>
+          <p:cNvPr id="3" name="Content Placeholder 2">
+            <a:extLst>
+              <a:ext uri="{FF2B5EF4-FFF2-40B4-BE49-F238E27FC236}">
+                <a16:creationId xmlns:a16="http://schemas.microsoft.com/office/drawing/2014/main" id="{2E97804F-8D97-7108-1E6B-1C0419ED4640}"/>
+              </a:ext>
+            </a:extLst>
+          </p:cNvPr>
+          <p:cNvSpPr>
+            <a:spLocks noGrp="1"/>
+          </p:cNvSpPr>
+          <p:nvPr>
+            <p:ph idx="1"/>
+          </p:nvPr>
+        </p:nvSpPr>
+        <p:spPr/>
+        <p:txBody>
+          <a:bodyPr/>
+          <a:lstStyle/>
+          <a:p>
+            <a:endParaRPr lang="en-US"/>
+          </a:p>
+        </p:txBody>
+      </p:sp>
+      <p:sp>
+        <p:nvSpPr>
+          <p:cNvPr id="4" name="Slide Number Placeholder 3">
+            <a:extLst>
+              <a:ext uri="{FF2B5EF4-FFF2-40B4-BE49-F238E27FC236}">
+                <a16:creationId xmlns:a16="http://schemas.microsoft.com/office/drawing/2014/main" id="{7E54F540-12FB-68DF-F3E7-1742EF3FE893}"/>
+              </a:ext>
+            </a:extLst>
+          </p:cNvPr>
+          <p:cNvSpPr>
+            <a:spLocks noGrp="1"/>
+          </p:cNvSpPr>
+          <p:nvPr>
+            <p:ph type="sldNum" sz="quarter" idx="12"/>
+          </p:nvPr>
+        </p:nvSpPr>
+        <p:spPr/>
+        <p:txBody>
+          <a:bodyPr/>
+          <a:lstStyle/>
+          <a:p>
+            <a:fld id="{35E7B248-7056-49E8-9F30-37D8E83E9700}" type="slidenum">
+              <a:rPr lang="en-US" smtClean="0"/>
+              <a:t>40</a:t>
+            </a:fld>
+            <a:endParaRPr lang="en-US"/>
+          </a:p>
+        </p:txBody>
+      </p:sp>
+    </p:spTree>
+    <p:extLst>
+      <p:ext uri="{BB962C8B-B14F-4D97-AF65-F5344CB8AC3E}">
+        <p14:creationId xmlns:p14="http://schemas.microsoft.com/office/powerpoint/2010/main" val="2261409568"/>
+      </p:ext>
+    </p:extLst>
+  </p:cSld>
+  <p:clrMapOvr>
+    <a:masterClrMapping/>
+  </p:clrMapOvr>
+</p:sld>
+</file>
+
+<file path=ppt/slides/slide41.xml><?xml version="1.0" encoding="utf-8"?>
+<p:sld xmlns:a="http://schemas.openxmlformats.org/drawingml/2006/main" xmlns:r="http://schemas.openxmlformats.org/officeDocument/2006/relationships" xmlns:p="http://schemas.openxmlformats.org/presentationml/2006/main">
+  <p:cSld>
+    <p:spTree>
+      <p:nvGrpSpPr>
+        <p:cNvPr id="1" name=""/>
+        <p:cNvGrpSpPr/>
+        <p:nvPr/>
+      </p:nvGrpSpPr>
+      <p:grpSpPr>
+        <a:xfrm>
+          <a:off x="0" y="0"/>
+          <a:ext cx="0" cy="0"/>
+          <a:chOff x="0" y="0"/>
+          <a:chExt cx="0" cy="0"/>
+        </a:xfrm>
+      </p:grpSpPr>
+      <p:sp>
+        <p:nvSpPr>
+          <p:cNvPr id="2" name="Title 1">
+            <a:extLst>
+              <a:ext uri="{FF2B5EF4-FFF2-40B4-BE49-F238E27FC236}">
+                <a16:creationId xmlns:a16="http://schemas.microsoft.com/office/drawing/2014/main" id="{F009F7B7-CADC-7592-8895-50F2BEB46C14}"/>
+              </a:ext>
+            </a:extLst>
+          </p:cNvPr>
+          <p:cNvSpPr>
+            <a:spLocks noGrp="1"/>
+          </p:cNvSpPr>
+          <p:nvPr>
+            <p:ph type="title"/>
+          </p:nvPr>
+        </p:nvSpPr>
+        <p:spPr/>
+        <p:txBody>
+          <a:bodyPr/>
+          <a:lstStyle/>
+          <a:p>
+            <a:r>
+              <a:rPr lang="en-US" dirty="0"/>
+              <a:t>Plot of area calc</a:t>
+            </a:r>
+          </a:p>
+        </p:txBody>
+      </p:sp>
+      <p:sp>
+        <p:nvSpPr>
+          <p:cNvPr id="3" name="Content Placeholder 2">
+            <a:extLst>
+              <a:ext uri="{FF2B5EF4-FFF2-40B4-BE49-F238E27FC236}">
+                <a16:creationId xmlns:a16="http://schemas.microsoft.com/office/drawing/2014/main" id="{7E9BCBC6-4CB1-DBE0-B5B4-D04290AF8DC3}"/>
+              </a:ext>
+            </a:extLst>
+          </p:cNvPr>
+          <p:cNvSpPr>
+            <a:spLocks noGrp="1"/>
+          </p:cNvSpPr>
+          <p:nvPr>
+            <p:ph idx="1"/>
+          </p:nvPr>
+        </p:nvSpPr>
+        <p:spPr/>
+        <p:txBody>
+          <a:bodyPr/>
+          <a:lstStyle/>
+          <a:p>
+            <a:endParaRPr lang="en-US" dirty="0"/>
+          </a:p>
+        </p:txBody>
+      </p:sp>
+      <p:sp>
+        <p:nvSpPr>
+          <p:cNvPr id="4" name="Slide Number Placeholder 3">
+            <a:extLst>
+              <a:ext uri="{FF2B5EF4-FFF2-40B4-BE49-F238E27FC236}">
+                <a16:creationId xmlns:a16="http://schemas.microsoft.com/office/drawing/2014/main" id="{967A58D0-AA36-E3B6-AF91-49B161932AD0}"/>
+              </a:ext>
+            </a:extLst>
+          </p:cNvPr>
+          <p:cNvSpPr>
+            <a:spLocks noGrp="1"/>
+          </p:cNvSpPr>
+          <p:nvPr>
+            <p:ph type="sldNum" sz="quarter" idx="12"/>
+          </p:nvPr>
+        </p:nvSpPr>
+        <p:spPr/>
+        <p:txBody>
+          <a:bodyPr/>
+          <a:lstStyle/>
+          <a:p>
+            <a:fld id="{35E7B248-7056-49E8-9F30-37D8E83E9700}" type="slidenum">
+              <a:rPr lang="en-US" smtClean="0"/>
+              <a:t>41</a:t>
+            </a:fld>
+            <a:endParaRPr lang="en-US"/>
+          </a:p>
+        </p:txBody>
+      </p:sp>
+    </p:spTree>
+    <p:extLst>
+      <p:ext uri="{BB962C8B-B14F-4D97-AF65-F5344CB8AC3E}">
+        <p14:creationId xmlns:p14="http://schemas.microsoft.com/office/powerpoint/2010/main" val="3837717945"/>
+      </p:ext>
+    </p:extLst>
+  </p:cSld>
+  <p:clrMapOvr>
+    <a:masterClrMapping/>
+  </p:clrMapOvr>
+</p:sld>
+</file>
+
+<file path=ppt/slides/slide42.xml><?xml version="1.0" encoding="utf-8"?>
+<p:sld xmlns:a="http://schemas.openxmlformats.org/drawingml/2006/main" xmlns:r="http://schemas.openxmlformats.org/officeDocument/2006/relationships" xmlns:p="http://schemas.openxmlformats.org/presentationml/2006/main">
+  <p:cSld>
+    <p:spTree>
+      <p:nvGrpSpPr>
+        <p:cNvPr id="1" name=""/>
+        <p:cNvGrpSpPr/>
+        <p:nvPr/>
+      </p:nvGrpSpPr>
+      <p:grpSpPr>
+        <a:xfrm>
+          <a:off x="0" y="0"/>
+          <a:ext cx="0" cy="0"/>
+          <a:chOff x="0" y="0"/>
+          <a:chExt cx="0" cy="0"/>
+        </a:xfrm>
+      </p:grpSpPr>
+      <p:sp>
+        <p:nvSpPr>
+          <p:cNvPr id="2" name="Title 1">
+            <a:extLst>
+              <a:ext uri="{FF2B5EF4-FFF2-40B4-BE49-F238E27FC236}">
+                <a16:creationId xmlns:a16="http://schemas.microsoft.com/office/drawing/2014/main" id="{25949027-3BC4-9549-5717-721F337907D9}"/>
+              </a:ext>
+            </a:extLst>
+          </p:cNvPr>
+          <p:cNvSpPr>
+            <a:spLocks noGrp="1"/>
+          </p:cNvSpPr>
+          <p:nvPr>
+            <p:ph type="title"/>
+          </p:nvPr>
+        </p:nvSpPr>
+        <p:spPr/>
+        <p:txBody>
+          <a:bodyPr>
+            <a:normAutofit fontScale="90000"/>
+          </a:bodyPr>
+          <a:lstStyle/>
+          <a:p>
+            <a:r>
+              <a:rPr lang="en-US" dirty="0"/>
+              <a:t>The most basic estimate can be found from dimensionless analysis (see formula 4.24 in Seth Tau’s thesis).</a:t>
+            </a:r>
+          </a:p>
+        </p:txBody>
+      </p:sp>
+      <p:sp>
+        <p:nvSpPr>
+          <p:cNvPr id="4" name="Slide Number Placeholder 3">
+            <a:extLst>
+              <a:ext uri="{FF2B5EF4-FFF2-40B4-BE49-F238E27FC236}">
+                <a16:creationId xmlns:a16="http://schemas.microsoft.com/office/drawing/2014/main" id="{E7AB3A56-973A-C313-506E-0AECCEF56B58}"/>
+              </a:ext>
+            </a:extLst>
+          </p:cNvPr>
+          <p:cNvSpPr>
+            <a:spLocks noGrp="1"/>
+          </p:cNvSpPr>
+          <p:nvPr>
+            <p:ph type="sldNum" sz="quarter" idx="12"/>
+          </p:nvPr>
+        </p:nvSpPr>
+        <p:spPr/>
+        <p:txBody>
+          <a:bodyPr/>
+          <a:lstStyle/>
+          <a:p>
+            <a:fld id="{35E7B248-7056-49E8-9F30-37D8E83E9700}" type="slidenum">
+              <a:rPr lang="en-US" smtClean="0"/>
+              <a:t>42</a:t>
+            </a:fld>
+            <a:endParaRPr lang="en-US"/>
+          </a:p>
+        </p:txBody>
+      </p:sp>
+      <p:pic>
+        <p:nvPicPr>
+          <p:cNvPr id="6" name="Picture 5">
+            <a:extLst>
+              <a:ext uri="{FF2B5EF4-FFF2-40B4-BE49-F238E27FC236}">
+                <a16:creationId xmlns:a16="http://schemas.microsoft.com/office/drawing/2014/main" id="{3750D481-74EF-D805-A71B-A9CF6FD6F1A1}"/>
+              </a:ext>
+            </a:extLst>
+          </p:cNvPr>
+          <p:cNvPicPr>
+            <a:picLocks noChangeAspect="1"/>
+          </p:cNvPicPr>
+          <p:nvPr/>
+        </p:nvPicPr>
+        <p:blipFill>
+          <a:blip r:embed="rId2"/>
+          <a:stretch>
+            <a:fillRect/>
+          </a:stretch>
+        </p:blipFill>
+        <p:spPr>
+          <a:xfrm>
+            <a:off x="2831472" y="3240740"/>
+            <a:ext cx="6953505" cy="944145"/>
+          </a:xfrm>
+          <a:prstGeom prst="rect">
+            <a:avLst/>
+          </a:prstGeom>
+        </p:spPr>
+      </p:pic>
+    </p:spTree>
+    <p:extLst>
+      <p:ext uri="{BB962C8B-B14F-4D97-AF65-F5344CB8AC3E}">
+        <p14:creationId xmlns:p14="http://schemas.microsoft.com/office/powerpoint/2010/main" val="3233903160"/>
+      </p:ext>
+    </p:extLst>
+  </p:cSld>
+  <p:clrMapOvr>
+    <a:masterClrMapping/>
+  </p:clrMapOvr>
+</p:sld>
+</file>
+
+<file path=ppt/slides/slide43.xml><?xml version="1.0" encoding="utf-8"?>
+<p:sld xmlns:a="http://schemas.openxmlformats.org/drawingml/2006/main" xmlns:r="http://schemas.openxmlformats.org/officeDocument/2006/relationships" xmlns:p="http://schemas.openxmlformats.org/presentationml/2006/main">
+  <p:cSld>
+    <p:spTree>
+      <p:nvGrpSpPr>
+        <p:cNvPr id="1" name=""/>
+        <p:cNvGrpSpPr/>
+        <p:nvPr/>
+      </p:nvGrpSpPr>
+      <p:grpSpPr>
+        <a:xfrm>
+          <a:off x="0" y="0"/>
+          <a:ext cx="0" cy="0"/>
+          <a:chOff x="0" y="0"/>
+          <a:chExt cx="0" cy="0"/>
+        </a:xfrm>
+      </p:grpSpPr>
+      <p:sp>
+        <p:nvSpPr>
+          <p:cNvPr id="2" name="Title 1">
+            <a:extLst>
+              <a:ext uri="{FF2B5EF4-FFF2-40B4-BE49-F238E27FC236}">
+                <a16:creationId xmlns:a16="http://schemas.microsoft.com/office/drawing/2014/main" id="{47EF55AD-9995-07AA-7CD9-D530219288A4}"/>
+              </a:ext>
+            </a:extLst>
+          </p:cNvPr>
+          <p:cNvSpPr>
+            <a:spLocks noGrp="1"/>
+          </p:cNvSpPr>
+          <p:nvPr>
+            <p:ph type="title"/>
+          </p:nvPr>
+        </p:nvSpPr>
+        <p:spPr/>
+        <p:txBody>
+          <a:bodyPr/>
+          <a:lstStyle/>
+          <a:p>
+            <a:r>
+              <a:rPr lang="en-US" dirty="0"/>
+              <a:t>Plot with 2 series</a:t>
+            </a:r>
+          </a:p>
+        </p:txBody>
+      </p:sp>
+      <p:sp>
+        <p:nvSpPr>
+          <p:cNvPr id="3" name="Content Placeholder 2">
+            <a:extLst>
+              <a:ext uri="{FF2B5EF4-FFF2-40B4-BE49-F238E27FC236}">
+                <a16:creationId xmlns:a16="http://schemas.microsoft.com/office/drawing/2014/main" id="{176BE80C-4BC7-6769-1563-3A144CC156F5}"/>
+              </a:ext>
+            </a:extLst>
+          </p:cNvPr>
+          <p:cNvSpPr>
+            <a:spLocks noGrp="1"/>
+          </p:cNvSpPr>
+          <p:nvPr>
+            <p:ph idx="1"/>
+          </p:nvPr>
+        </p:nvSpPr>
+        <p:spPr/>
+        <p:txBody>
+          <a:bodyPr/>
+          <a:lstStyle/>
+          <a:p>
+            <a:endParaRPr lang="en-US"/>
+          </a:p>
+        </p:txBody>
+      </p:sp>
+      <p:sp>
+        <p:nvSpPr>
+          <p:cNvPr id="4" name="Slide Number Placeholder 3">
+            <a:extLst>
+              <a:ext uri="{FF2B5EF4-FFF2-40B4-BE49-F238E27FC236}">
+                <a16:creationId xmlns:a16="http://schemas.microsoft.com/office/drawing/2014/main" id="{7A88C4DD-B719-6BA4-B2C4-B9DC83B7D881}"/>
+              </a:ext>
+            </a:extLst>
+          </p:cNvPr>
+          <p:cNvSpPr>
+            <a:spLocks noGrp="1"/>
+          </p:cNvSpPr>
+          <p:nvPr>
+            <p:ph type="sldNum" sz="quarter" idx="12"/>
+          </p:nvPr>
+        </p:nvSpPr>
+        <p:spPr/>
+        <p:txBody>
+          <a:bodyPr/>
+          <a:lstStyle/>
+          <a:p>
+            <a:fld id="{35E7B248-7056-49E8-9F30-37D8E83E9700}" type="slidenum">
+              <a:rPr lang="en-US" smtClean="0"/>
+              <a:t>43</a:t>
+            </a:fld>
+            <a:endParaRPr lang="en-US"/>
+          </a:p>
+        </p:txBody>
+      </p:sp>
+    </p:spTree>
+    <p:extLst>
+      <p:ext uri="{BB962C8B-B14F-4D97-AF65-F5344CB8AC3E}">
+        <p14:creationId xmlns:p14="http://schemas.microsoft.com/office/powerpoint/2010/main" val="4055664826"/>
+      </p:ext>
+    </p:extLst>
+  </p:cSld>
+  <p:clrMapOvr>
+    <a:masterClrMapping/>
+  </p:clrMapOvr>
+</p:sld>
+</file>
+
+<file path=ppt/slides/slide44.xml><?xml version="1.0" encoding="utf-8"?>
+<p:sld xmlns:a="http://schemas.openxmlformats.org/drawingml/2006/main" xmlns:r="http://schemas.openxmlformats.org/officeDocument/2006/relationships" xmlns:p="http://schemas.openxmlformats.org/presentationml/2006/main">
+  <p:cSld>
+    <p:spTree>
+      <p:nvGrpSpPr>
+        <p:cNvPr id="1" name=""/>
+        <p:cNvGrpSpPr/>
+        <p:nvPr/>
+      </p:nvGrpSpPr>
+      <p:grpSpPr>
+        <a:xfrm>
+          <a:off x="0" y="0"/>
+          <a:ext cx="0" cy="0"/>
+          <a:chOff x="0" y="0"/>
+          <a:chExt cx="0" cy="0"/>
+        </a:xfrm>
+      </p:grpSpPr>
+      <p:sp>
+        <p:nvSpPr>
+          <p:cNvPr id="2" name="Title 1">
+            <a:extLst>
+              <a:ext uri="{FF2B5EF4-FFF2-40B4-BE49-F238E27FC236}">
+                <a16:creationId xmlns:a16="http://schemas.microsoft.com/office/drawing/2014/main" id="{72B3A434-5386-407D-97AB-7627AFD8C4C5}"/>
+              </a:ext>
+            </a:extLst>
+          </p:cNvPr>
+          <p:cNvSpPr>
+            <a:spLocks noGrp="1"/>
+          </p:cNvSpPr>
+          <p:nvPr>
+            <p:ph type="title"/>
+          </p:nvPr>
+        </p:nvSpPr>
+        <p:spPr>
+          <a:xfrm>
+            <a:off x="838200" y="365125"/>
+            <a:ext cx="10515600" cy="1049607"/>
+          </a:xfrm>
+        </p:spPr>
+        <p:txBody>
+          <a:bodyPr>
+            <a:noAutofit/>
+          </a:bodyPr>
+          <a:lstStyle/>
+          <a:p>
+            <a:r>
+              <a:rPr lang="en-US" sz="2800" dirty="0"/>
+              <a:t>The perimeter estimation method associates all unoccupied area with side length perimeters so does not account for the area at vertices. Also breaks when edges are removed</a:t>
+            </a:r>
+          </a:p>
+        </p:txBody>
+      </p:sp>
+      <p:sp>
+        <p:nvSpPr>
+          <p:cNvPr id="4" name="Slide Number Placeholder 3">
+            <a:extLst>
+              <a:ext uri="{FF2B5EF4-FFF2-40B4-BE49-F238E27FC236}">
+                <a16:creationId xmlns:a16="http://schemas.microsoft.com/office/drawing/2014/main" id="{9F20002F-FA5C-4A02-A1FE-E9193DB7B9EA}"/>
+              </a:ext>
+            </a:extLst>
+          </p:cNvPr>
+          <p:cNvSpPr>
+            <a:spLocks noGrp="1"/>
+          </p:cNvSpPr>
+          <p:nvPr>
+            <p:ph type="sldNum" sz="quarter" idx="12"/>
+          </p:nvPr>
+        </p:nvSpPr>
+        <p:spPr/>
+        <p:txBody>
+          <a:bodyPr/>
+          <a:lstStyle/>
+          <a:p>
+            <a:fld id="{35E7B248-7056-49E8-9F30-37D8E83E9700}" type="slidenum">
+              <a:rPr lang="en-US" smtClean="0"/>
+              <a:t>44</a:t>
+            </a:fld>
+            <a:endParaRPr lang="en-US"/>
+          </a:p>
+        </p:txBody>
+      </p:sp>
+      <p:sp>
+        <p:nvSpPr>
+          <p:cNvPr id="3" name="Regular Pentagon 2"/>
+          <p:cNvSpPr/>
+          <p:nvPr/>
+        </p:nvSpPr>
+        <p:spPr>
+          <a:xfrm>
+            <a:off x="5864772" y="3925612"/>
+            <a:ext cx="2506718" cy="2049517"/>
+          </a:xfrm>
+          <a:prstGeom prst="pentagon">
+            <a:avLst/>
+          </a:prstGeom>
+        </p:spPr>
+        <p:style>
+          <a:lnRef idx="2">
+            <a:schemeClr val="accent1">
+              <a:shade val="50000"/>
+            </a:schemeClr>
+          </a:lnRef>
+          <a:fillRef idx="1">
+            <a:schemeClr val="accent1"/>
+          </a:fillRef>
+          <a:effectRef idx="0">
+            <a:schemeClr val="accent1"/>
+          </a:effectRef>
+          <a:fontRef idx="minor">
+            <a:schemeClr val="lt1"/>
+          </a:fontRef>
+        </p:style>
+        <p:txBody>
+          <a:bodyPr rtlCol="0" anchor="ctr"/>
+          <a:lstStyle/>
+          <a:p>
+            <a:pPr algn="ctr"/>
+            <a:endParaRPr lang="en-US"/>
+          </a:p>
+        </p:txBody>
+      </p:sp>
+      <p:sp>
+        <p:nvSpPr>
+          <p:cNvPr id="8" name="Regular Pentagon 7"/>
+          <p:cNvSpPr/>
+          <p:nvPr/>
+        </p:nvSpPr>
+        <p:spPr>
+          <a:xfrm rot="15364122">
+            <a:off x="4310462" y="1925118"/>
+            <a:ext cx="2506718" cy="2286333"/>
+          </a:xfrm>
+          <a:prstGeom prst="pentagon">
+            <a:avLst/>
+          </a:prstGeom>
+        </p:spPr>
+        <p:style>
+          <a:lnRef idx="2">
+            <a:schemeClr val="accent1">
+              <a:shade val="50000"/>
+            </a:schemeClr>
+          </a:lnRef>
+          <a:fillRef idx="1">
+            <a:schemeClr val="accent1"/>
+          </a:fillRef>
+          <a:effectRef idx="0">
+            <a:schemeClr val="accent1"/>
+          </a:effectRef>
+          <a:fontRef idx="minor">
+            <a:schemeClr val="lt1"/>
+          </a:fontRef>
+        </p:style>
+        <p:txBody>
+          <a:bodyPr rtlCol="0" anchor="ctr"/>
+          <a:lstStyle/>
+          <a:p>
+            <a:pPr algn="ctr"/>
+            <a:endParaRPr lang="en-US"/>
+          </a:p>
+        </p:txBody>
+      </p:sp>
+      <p:sp>
+        <p:nvSpPr>
+          <p:cNvPr id="9" name="Diamond 8"/>
+          <p:cNvSpPr/>
+          <p:nvPr/>
+        </p:nvSpPr>
+        <p:spPr>
+          <a:xfrm rot="19542878">
+            <a:off x="7315406" y="1638783"/>
+            <a:ext cx="1135666" cy="2965654"/>
+          </a:xfrm>
+          <a:prstGeom prst="diamond">
+            <a:avLst/>
+          </a:prstGeom>
+        </p:spPr>
+        <p:style>
+          <a:lnRef idx="2">
+            <a:schemeClr val="accent1">
+              <a:shade val="50000"/>
+            </a:schemeClr>
+          </a:lnRef>
+          <a:fillRef idx="1">
+            <a:schemeClr val="accent1"/>
+          </a:fillRef>
+          <a:effectRef idx="0">
+            <a:schemeClr val="accent1"/>
+          </a:effectRef>
+          <a:fontRef idx="minor">
+            <a:schemeClr val="lt1"/>
+          </a:fontRef>
+        </p:style>
+        <p:txBody>
+          <a:bodyPr rtlCol="0" anchor="ctr"/>
+          <a:lstStyle/>
+          <a:p>
+            <a:pPr algn="ctr"/>
+            <a:endParaRPr lang="en-US"/>
+          </a:p>
+        </p:txBody>
+      </p:sp>
+      <p:sp>
+        <p:nvSpPr>
+          <p:cNvPr id="10" name="Rectangle 9"/>
+          <p:cNvSpPr/>
+          <p:nvPr/>
+        </p:nvSpPr>
+        <p:spPr>
+          <a:xfrm rot="19664031">
+            <a:off x="5631000" y="3897603"/>
+            <a:ext cx="1451222" cy="479295"/>
+          </a:xfrm>
+          <a:prstGeom prst="rect">
+            <a:avLst/>
+          </a:prstGeom>
+          <a:solidFill>
+            <a:schemeClr val="accent6"/>
+          </a:solidFill>
+          <a:ln>
+            <a:solidFill>
+              <a:schemeClr val="accent6"/>
+            </a:solidFill>
+          </a:ln>
+        </p:spPr>
+        <p:style>
+          <a:lnRef idx="2">
+            <a:schemeClr val="accent1">
+              <a:shade val="50000"/>
+            </a:schemeClr>
+          </a:lnRef>
+          <a:fillRef idx="1">
+            <a:schemeClr val="accent1"/>
+          </a:fillRef>
+          <a:effectRef idx="0">
+            <a:schemeClr val="accent1"/>
+          </a:effectRef>
+          <a:fontRef idx="minor">
+            <a:schemeClr val="lt1"/>
+          </a:fontRef>
+        </p:style>
+        <p:txBody>
+          <a:bodyPr rtlCol="0" anchor="ctr"/>
+          <a:lstStyle/>
+          <a:p>
+            <a:pPr algn="ctr"/>
+            <a:endParaRPr lang="en-US"/>
+          </a:p>
+        </p:txBody>
+      </p:sp>
+      <p:sp>
+        <p:nvSpPr>
+          <p:cNvPr id="11" name="Rectangle 10"/>
+          <p:cNvSpPr/>
+          <p:nvPr/>
+        </p:nvSpPr>
+        <p:spPr>
+          <a:xfrm rot="15409642">
+            <a:off x="6190886" y="2444693"/>
+            <a:ext cx="1560577" cy="574260"/>
+          </a:xfrm>
+          <a:prstGeom prst="rect">
+            <a:avLst/>
+          </a:prstGeom>
+          <a:solidFill>
+            <a:schemeClr val="accent6"/>
+          </a:solidFill>
+          <a:ln>
+            <a:solidFill>
+              <a:schemeClr val="accent6"/>
+            </a:solidFill>
+          </a:ln>
+        </p:spPr>
+        <p:style>
+          <a:lnRef idx="2">
+            <a:schemeClr val="accent1">
+              <a:shade val="50000"/>
+            </a:schemeClr>
+          </a:lnRef>
+          <a:fillRef idx="1">
+            <a:schemeClr val="accent1"/>
+          </a:fillRef>
+          <a:effectRef idx="0">
+            <a:schemeClr val="accent1"/>
+          </a:effectRef>
+          <a:fontRef idx="minor">
+            <a:schemeClr val="lt1"/>
+          </a:fontRef>
+        </p:style>
+        <p:txBody>
+          <a:bodyPr rtlCol="0" anchor="ctr"/>
+          <a:lstStyle/>
+          <a:p>
+            <a:pPr algn="ctr"/>
+            <a:endParaRPr lang="en-US"/>
+          </a:p>
+        </p:txBody>
+      </p:sp>
+      <p:sp>
+        <p:nvSpPr>
+          <p:cNvPr id="12" name="Rectangle 11"/>
+          <p:cNvSpPr/>
+          <p:nvPr/>
+        </p:nvSpPr>
+        <p:spPr>
+          <a:xfrm rot="12642977">
+            <a:off x="7161403" y="3806637"/>
+            <a:ext cx="1560577" cy="574260"/>
+          </a:xfrm>
+          <a:prstGeom prst="rect">
+            <a:avLst/>
+          </a:prstGeom>
+          <a:solidFill>
+            <a:schemeClr val="accent6"/>
+          </a:solidFill>
+          <a:ln>
+            <a:solidFill>
+              <a:schemeClr val="accent6"/>
+            </a:solidFill>
+          </a:ln>
+        </p:spPr>
+        <p:style>
+          <a:lnRef idx="2">
+            <a:schemeClr val="accent1">
+              <a:shade val="50000"/>
+            </a:schemeClr>
+          </a:lnRef>
+          <a:fillRef idx="1">
+            <a:schemeClr val="accent1"/>
+          </a:fillRef>
+          <a:effectRef idx="0">
+            <a:schemeClr val="accent1"/>
+          </a:effectRef>
+          <a:fontRef idx="minor">
+            <a:schemeClr val="lt1"/>
+          </a:fontRef>
+        </p:style>
+        <p:txBody>
+          <a:bodyPr rtlCol="0" anchor="ctr"/>
+          <a:lstStyle/>
+          <a:p>
+            <a:pPr algn="ctr"/>
+            <a:endParaRPr lang="en-US"/>
+          </a:p>
+        </p:txBody>
+      </p:sp>
+      <p:pic>
+        <p:nvPicPr>
+          <p:cNvPr id="13" name="Picture 12">
+            <a:extLst>
+              <a:ext uri="{FF2B5EF4-FFF2-40B4-BE49-F238E27FC236}">
+                <a16:creationId xmlns:a16="http://schemas.microsoft.com/office/drawing/2014/main" id="{3A66E40C-1C9B-4678-9576-C671F87DD174}"/>
+              </a:ext>
+            </a:extLst>
+          </p:cNvPr>
+          <p:cNvPicPr>
+            <a:picLocks noChangeAspect="1"/>
+          </p:cNvPicPr>
+          <p:nvPr/>
+        </p:nvPicPr>
+        <p:blipFill>
+          <a:blip r:embed="rId2"/>
+          <a:stretch>
+            <a:fillRect/>
+          </a:stretch>
+        </p:blipFill>
+        <p:spPr>
+          <a:xfrm>
+            <a:off x="506057" y="5204516"/>
+            <a:ext cx="5372850" cy="838317"/>
+          </a:xfrm>
+          <a:prstGeom prst="rect">
+            <a:avLst/>
+          </a:prstGeom>
+        </p:spPr>
+      </p:pic>
+    </p:spTree>
+    <p:extLst>
+      <p:ext uri="{BB962C8B-B14F-4D97-AF65-F5344CB8AC3E}">
+        <p14:creationId xmlns:p14="http://schemas.microsoft.com/office/powerpoint/2010/main" val="439543932"/>
+      </p:ext>
+    </p:extLst>
+  </p:cSld>
+  <p:clrMapOvr>
+    <a:masterClrMapping/>
+  </p:clrMapOvr>
+</p:sld>
+</file>
+
+<file path=ppt/slides/slide45.xml><?xml version="1.0" encoding="utf-8"?>
+<p:sld xmlns:a="http://schemas.openxmlformats.org/drawingml/2006/main" xmlns:r="http://schemas.openxmlformats.org/officeDocument/2006/relationships" xmlns:p="http://schemas.openxmlformats.org/presentationml/2006/main">
+  <p:cSld>
+    <p:spTree>
+      <p:nvGrpSpPr>
+        <p:cNvPr id="1" name=""/>
+        <p:cNvGrpSpPr/>
+        <p:nvPr/>
+      </p:nvGrpSpPr>
+      <p:grpSpPr>
+        <a:xfrm>
+          <a:off x="0" y="0"/>
+          <a:ext cx="0" cy="0"/>
+          <a:chOff x="0" y="0"/>
+          <a:chExt cx="0" cy="0"/>
+        </a:xfrm>
+      </p:grpSpPr>
+      <p:sp>
+        <p:nvSpPr>
+          <p:cNvPr id="2" name="Title 1">
+            <a:extLst>
+              <a:ext uri="{FF2B5EF4-FFF2-40B4-BE49-F238E27FC236}">
+                <a16:creationId xmlns:a16="http://schemas.microsoft.com/office/drawing/2014/main" id="{72B3A434-5386-407D-97AB-7627AFD8C4C5}"/>
+              </a:ext>
+            </a:extLst>
+          </p:cNvPr>
+          <p:cNvSpPr>
+            <a:spLocks noGrp="1"/>
+          </p:cNvSpPr>
+          <p:nvPr>
+            <p:ph type="title"/>
+          </p:nvPr>
+        </p:nvSpPr>
+        <p:spPr>
+          <a:xfrm>
+            <a:off x="838200" y="365125"/>
+            <a:ext cx="10515600" cy="1049607"/>
+          </a:xfrm>
+        </p:spPr>
+        <p:txBody>
+          <a:bodyPr>
+            <a:noAutofit/>
+          </a:bodyPr>
+          <a:lstStyle/>
+          <a:p>
+            <a:r>
+              <a:rPr lang="en-US" sz="2800" dirty="0"/>
+              <a:t>This can be modified to include an equilateral triangle with a side length equal to gap size as a crude estimate for including this unaccounted for space.</a:t>
+            </a:r>
+          </a:p>
+        </p:txBody>
+      </p:sp>
+      <p:sp>
+        <p:nvSpPr>
+          <p:cNvPr id="4" name="Slide Number Placeholder 3">
+            <a:extLst>
+              <a:ext uri="{FF2B5EF4-FFF2-40B4-BE49-F238E27FC236}">
+                <a16:creationId xmlns:a16="http://schemas.microsoft.com/office/drawing/2014/main" id="{9F20002F-FA5C-4A02-A1FE-E9193DB7B9EA}"/>
+              </a:ext>
+            </a:extLst>
+          </p:cNvPr>
+          <p:cNvSpPr>
+            <a:spLocks noGrp="1"/>
+          </p:cNvSpPr>
+          <p:nvPr>
+            <p:ph type="sldNum" sz="quarter" idx="12"/>
+          </p:nvPr>
+        </p:nvSpPr>
+        <p:spPr/>
+        <p:txBody>
+          <a:bodyPr/>
+          <a:lstStyle/>
+          <a:p>
+            <a:fld id="{35E7B248-7056-49E8-9F30-37D8E83E9700}" type="slidenum">
+              <a:rPr lang="en-US" smtClean="0"/>
+              <a:t>45</a:t>
+            </a:fld>
+            <a:endParaRPr lang="en-US"/>
+          </a:p>
+        </p:txBody>
+      </p:sp>
+      <p:sp>
+        <p:nvSpPr>
+          <p:cNvPr id="3" name="Regular Pentagon 2"/>
+          <p:cNvSpPr/>
+          <p:nvPr/>
+        </p:nvSpPr>
+        <p:spPr>
+          <a:xfrm>
+            <a:off x="5382000" y="4443358"/>
+            <a:ext cx="2506718" cy="2049517"/>
+          </a:xfrm>
+          <a:prstGeom prst="pentagon">
+            <a:avLst/>
+          </a:prstGeom>
+        </p:spPr>
+        <p:style>
+          <a:lnRef idx="2">
+            <a:schemeClr val="accent1">
+              <a:shade val="50000"/>
+            </a:schemeClr>
+          </a:lnRef>
+          <a:fillRef idx="1">
+            <a:schemeClr val="accent1"/>
+          </a:fillRef>
+          <a:effectRef idx="0">
+            <a:schemeClr val="accent1"/>
+          </a:effectRef>
+          <a:fontRef idx="minor">
+            <a:schemeClr val="lt1"/>
+          </a:fontRef>
+        </p:style>
+        <p:txBody>
+          <a:bodyPr rtlCol="0" anchor="ctr"/>
+          <a:lstStyle/>
+          <a:p>
+            <a:pPr algn="ctr"/>
+            <a:endParaRPr lang="en-US"/>
+          </a:p>
+        </p:txBody>
+      </p:sp>
+      <p:sp>
+        <p:nvSpPr>
+          <p:cNvPr id="8" name="Regular Pentagon 7"/>
+          <p:cNvSpPr/>
+          <p:nvPr/>
+        </p:nvSpPr>
+        <p:spPr>
+          <a:xfrm rot="15364122">
+            <a:off x="3827690" y="2442864"/>
+            <a:ext cx="2506718" cy="2286333"/>
+          </a:xfrm>
+          <a:prstGeom prst="pentagon">
+            <a:avLst/>
+          </a:prstGeom>
+        </p:spPr>
+        <p:style>
+          <a:lnRef idx="2">
+            <a:schemeClr val="accent1">
+              <a:shade val="50000"/>
+            </a:schemeClr>
+          </a:lnRef>
+          <a:fillRef idx="1">
+            <a:schemeClr val="accent1"/>
+          </a:fillRef>
+          <a:effectRef idx="0">
+            <a:schemeClr val="accent1"/>
+          </a:effectRef>
+          <a:fontRef idx="minor">
+            <a:schemeClr val="lt1"/>
+          </a:fontRef>
+        </p:style>
+        <p:txBody>
+          <a:bodyPr rtlCol="0" anchor="ctr"/>
+          <a:lstStyle/>
+          <a:p>
+            <a:pPr algn="ctr"/>
+            <a:endParaRPr lang="en-US"/>
+          </a:p>
+        </p:txBody>
+      </p:sp>
+      <p:sp>
+        <p:nvSpPr>
+          <p:cNvPr id="9" name="Diamond 8"/>
+          <p:cNvSpPr/>
+          <p:nvPr/>
+        </p:nvSpPr>
+        <p:spPr>
+          <a:xfrm rot="19542878">
+            <a:off x="6832634" y="2156529"/>
+            <a:ext cx="1135666" cy="2965654"/>
+          </a:xfrm>
+          <a:prstGeom prst="diamond">
+            <a:avLst/>
+          </a:prstGeom>
+        </p:spPr>
+        <p:style>
+          <a:lnRef idx="2">
+            <a:schemeClr val="accent1">
+              <a:shade val="50000"/>
+            </a:schemeClr>
+          </a:lnRef>
+          <a:fillRef idx="1">
+            <a:schemeClr val="accent1"/>
+          </a:fillRef>
+          <a:effectRef idx="0">
+            <a:schemeClr val="accent1"/>
+          </a:effectRef>
+          <a:fontRef idx="minor">
+            <a:schemeClr val="lt1"/>
+          </a:fontRef>
+        </p:style>
+        <p:txBody>
+          <a:bodyPr rtlCol="0" anchor="ctr"/>
+          <a:lstStyle/>
+          <a:p>
+            <a:pPr algn="ctr"/>
+            <a:endParaRPr lang="en-US"/>
+          </a:p>
+        </p:txBody>
+      </p:sp>
+      <p:sp>
+        <p:nvSpPr>
+          <p:cNvPr id="10" name="Rectangle 9"/>
+          <p:cNvSpPr/>
+          <p:nvPr/>
+        </p:nvSpPr>
+        <p:spPr>
+          <a:xfrm rot="19664031">
+            <a:off x="5148228" y="4415349"/>
+            <a:ext cx="1451222" cy="479295"/>
+          </a:xfrm>
+          <a:prstGeom prst="rect">
+            <a:avLst/>
+          </a:prstGeom>
+          <a:solidFill>
+            <a:schemeClr val="accent6"/>
+          </a:solidFill>
+          <a:ln>
+            <a:solidFill>
+              <a:schemeClr val="accent6"/>
+            </a:solidFill>
+          </a:ln>
+        </p:spPr>
+        <p:style>
+          <a:lnRef idx="2">
+            <a:schemeClr val="accent1">
+              <a:shade val="50000"/>
+            </a:schemeClr>
+          </a:lnRef>
+          <a:fillRef idx="1">
+            <a:schemeClr val="accent1"/>
+          </a:fillRef>
+          <a:effectRef idx="0">
+            <a:schemeClr val="accent1"/>
+          </a:effectRef>
+          <a:fontRef idx="minor">
+            <a:schemeClr val="lt1"/>
+          </a:fontRef>
+        </p:style>
+        <p:txBody>
+          <a:bodyPr rtlCol="0" anchor="ctr"/>
+          <a:lstStyle/>
+          <a:p>
+            <a:pPr algn="ctr"/>
+            <a:endParaRPr lang="en-US"/>
+          </a:p>
+        </p:txBody>
+      </p:sp>
+      <p:sp>
+        <p:nvSpPr>
+          <p:cNvPr id="11" name="Rectangle 10"/>
+          <p:cNvSpPr/>
+          <p:nvPr/>
+        </p:nvSpPr>
+        <p:spPr>
+          <a:xfrm rot="15409642">
+            <a:off x="5708114" y="2962439"/>
+            <a:ext cx="1560577" cy="574260"/>
+          </a:xfrm>
+          <a:prstGeom prst="rect">
+            <a:avLst/>
+          </a:prstGeom>
+          <a:solidFill>
+            <a:schemeClr val="accent6"/>
+          </a:solidFill>
+          <a:ln>
+            <a:solidFill>
+              <a:schemeClr val="accent6"/>
+            </a:solidFill>
+          </a:ln>
+        </p:spPr>
+        <p:style>
+          <a:lnRef idx="2">
+            <a:schemeClr val="accent1">
+              <a:shade val="50000"/>
+            </a:schemeClr>
+          </a:lnRef>
+          <a:fillRef idx="1">
+            <a:schemeClr val="accent1"/>
+          </a:fillRef>
+          <a:effectRef idx="0">
+            <a:schemeClr val="accent1"/>
+          </a:effectRef>
+          <a:fontRef idx="minor">
+            <a:schemeClr val="lt1"/>
+          </a:fontRef>
+        </p:style>
+        <p:txBody>
+          <a:bodyPr rtlCol="0" anchor="ctr"/>
+          <a:lstStyle/>
+          <a:p>
+            <a:pPr algn="ctr"/>
+            <a:endParaRPr lang="en-US"/>
+          </a:p>
+        </p:txBody>
+      </p:sp>
+      <p:sp>
+        <p:nvSpPr>
+          <p:cNvPr id="12" name="Rectangle 11"/>
+          <p:cNvSpPr/>
+          <p:nvPr/>
+        </p:nvSpPr>
+        <p:spPr>
+          <a:xfrm rot="12642977">
+            <a:off x="6678631" y="4324383"/>
+            <a:ext cx="1560577" cy="574260"/>
+          </a:xfrm>
+          <a:prstGeom prst="rect">
+            <a:avLst/>
+          </a:prstGeom>
+          <a:solidFill>
+            <a:schemeClr val="accent6"/>
+          </a:solidFill>
+          <a:ln>
+            <a:solidFill>
+              <a:schemeClr val="accent6"/>
+            </a:solidFill>
+          </a:ln>
+        </p:spPr>
+        <p:style>
+          <a:lnRef idx="2">
+            <a:schemeClr val="accent1">
+              <a:shade val="50000"/>
+            </a:schemeClr>
+          </a:lnRef>
+          <a:fillRef idx="1">
+            <a:schemeClr val="accent1"/>
+          </a:fillRef>
+          <a:effectRef idx="0">
+            <a:schemeClr val="accent1"/>
+          </a:effectRef>
+          <a:fontRef idx="minor">
+            <a:schemeClr val="lt1"/>
+          </a:fontRef>
+        </p:style>
+        <p:txBody>
+          <a:bodyPr rtlCol="0" anchor="ctr"/>
+          <a:lstStyle/>
+          <a:p>
+            <a:pPr algn="ctr"/>
+            <a:endParaRPr lang="en-US"/>
+          </a:p>
+        </p:txBody>
+      </p:sp>
+      <p:sp>
+        <p:nvSpPr>
+          <p:cNvPr id="13" name="Isosceles Triangle 12"/>
+          <p:cNvSpPr/>
+          <p:nvPr/>
+        </p:nvSpPr>
+        <p:spPr>
+          <a:xfrm rot="3213715">
+            <a:off x="6512156" y="3795105"/>
+            <a:ext cx="475371" cy="602970"/>
+          </a:xfrm>
+          <a:prstGeom prst="triangle">
+            <a:avLst>
+              <a:gd name="adj" fmla="val 49331"/>
+            </a:avLst>
+          </a:prstGeom>
+          <a:solidFill>
+            <a:srgbClr val="FF0000"/>
+          </a:solidFill>
+          <a:ln>
+            <a:solidFill>
+              <a:srgbClr val="FF0000"/>
+            </a:solidFill>
+          </a:ln>
+        </p:spPr>
+        <p:style>
+          <a:lnRef idx="2">
+            <a:schemeClr val="accent1">
+              <a:shade val="50000"/>
+            </a:schemeClr>
+          </a:lnRef>
+          <a:fillRef idx="1">
+            <a:schemeClr val="accent1"/>
+          </a:fillRef>
+          <a:effectRef idx="0">
+            <a:schemeClr val="accent1"/>
+          </a:effectRef>
+          <a:fontRef idx="minor">
+            <a:schemeClr val="lt1"/>
+          </a:fontRef>
+        </p:style>
+        <p:txBody>
+          <a:bodyPr rtlCol="0" anchor="ctr"/>
+          <a:lstStyle/>
+          <a:p>
+            <a:pPr algn="ctr"/>
+            <a:endParaRPr lang="en-US"/>
+          </a:p>
+        </p:txBody>
+      </p:sp>
+      <p:pic>
+        <p:nvPicPr>
+          <p:cNvPr id="6" name="Picture 5">
+            <a:extLst>
+              <a:ext uri="{FF2B5EF4-FFF2-40B4-BE49-F238E27FC236}">
+                <a16:creationId xmlns:a16="http://schemas.microsoft.com/office/drawing/2014/main" id="{D124D74E-502C-4195-98FC-E390E62A180A}"/>
+              </a:ext>
+            </a:extLst>
+          </p:cNvPr>
+          <p:cNvPicPr>
+            <a:picLocks noChangeAspect="1"/>
+          </p:cNvPicPr>
+          <p:nvPr/>
+        </p:nvPicPr>
+        <p:blipFill>
+          <a:blip r:embed="rId2"/>
+          <a:stretch>
+            <a:fillRect/>
+          </a:stretch>
+        </p:blipFill>
+        <p:spPr>
+          <a:xfrm>
+            <a:off x="1782613" y="1485537"/>
+            <a:ext cx="7166071" cy="737684"/>
+          </a:xfrm>
+          <a:prstGeom prst="rect">
+            <a:avLst/>
+          </a:prstGeom>
+        </p:spPr>
+      </p:pic>
+      <p:pic>
+        <p:nvPicPr>
+          <p:cNvPr id="14" name="Picture 13">
+            <a:extLst>
+              <a:ext uri="{FF2B5EF4-FFF2-40B4-BE49-F238E27FC236}">
+                <a16:creationId xmlns:a16="http://schemas.microsoft.com/office/drawing/2014/main" id="{62FC2CFB-21C5-40FA-9921-1403B4F8D70A}"/>
+              </a:ext>
+            </a:extLst>
+          </p:cNvPr>
+          <p:cNvPicPr>
+            <a:picLocks noChangeAspect="1"/>
+          </p:cNvPicPr>
+          <p:nvPr/>
+        </p:nvPicPr>
+        <p:blipFill>
+          <a:blip r:embed="rId3"/>
+          <a:stretch>
+            <a:fillRect/>
+          </a:stretch>
+        </p:blipFill>
+        <p:spPr>
+          <a:xfrm>
+            <a:off x="1456135" y="1409308"/>
+            <a:ext cx="8526065" cy="933580"/>
+          </a:xfrm>
+          <a:prstGeom prst="rect">
+            <a:avLst/>
+          </a:prstGeom>
+        </p:spPr>
+      </p:pic>
+    </p:spTree>
+    <p:extLst>
+      <p:ext uri="{BB962C8B-B14F-4D97-AF65-F5344CB8AC3E}">
+        <p14:creationId xmlns:p14="http://schemas.microsoft.com/office/powerpoint/2010/main" val="2695023306"/>
+      </p:ext>
+    </p:extLst>
+  </p:cSld>
+  <p:clrMapOvr>
+    <a:masterClrMapping/>
+  </p:clrMapOvr>
+</p:sld>
+</file>
+
+<file path=ppt/slides/slide46.xml><?xml version="1.0" encoding="utf-8"?>
+<p:sld xmlns:a="http://schemas.openxmlformats.org/drawingml/2006/main" xmlns:r="http://schemas.openxmlformats.org/officeDocument/2006/relationships" xmlns:p="http://schemas.openxmlformats.org/presentationml/2006/main">
+  <p:cSld>
+    <p:spTree>
+      <p:nvGrpSpPr>
+        <p:cNvPr id="1" name=""/>
+        <p:cNvGrpSpPr/>
+        <p:nvPr/>
+      </p:nvGrpSpPr>
+      <p:grpSpPr>
+        <a:xfrm>
+          <a:off x="0" y="0"/>
+          <a:ext cx="0" cy="0"/>
+          <a:chOff x="0" y="0"/>
+          <a:chExt cx="0" cy="0"/>
+        </a:xfrm>
+      </p:grpSpPr>
+      <p:sp>
+        <p:nvSpPr>
+          <p:cNvPr id="2" name="Title 1">
+            <a:extLst>
+              <a:ext uri="{FF2B5EF4-FFF2-40B4-BE49-F238E27FC236}">
+                <a16:creationId xmlns:a16="http://schemas.microsoft.com/office/drawing/2014/main" id="{FFCEB186-C4F2-43BC-8A25-91E6D1AC1086}"/>
+              </a:ext>
+            </a:extLst>
+          </p:cNvPr>
+          <p:cNvSpPr>
+            <a:spLocks noGrp="1"/>
+          </p:cNvSpPr>
+          <p:nvPr>
+            <p:ph type="title"/>
+          </p:nvPr>
+        </p:nvSpPr>
+        <p:spPr/>
+        <p:txBody>
+          <a:bodyPr>
+            <a:noAutofit/>
+          </a:bodyPr>
+          <a:lstStyle/>
+          <a:p>
+            <a:r>
+              <a:rPr lang="en-US" sz="3200" dirty="0"/>
+              <a:t>Triangles are not a bad approximate for small gaps because all Voronoi diagram intersections are 3-way intersections.  Complex intersections in the Voronoi diagram can be decomposed into 3-way intersections.</a:t>
+            </a:r>
+          </a:p>
+        </p:txBody>
+      </p:sp>
+      <p:sp>
+        <p:nvSpPr>
+          <p:cNvPr id="4" name="Slide Number Placeholder 3">
+            <a:extLst>
+              <a:ext uri="{FF2B5EF4-FFF2-40B4-BE49-F238E27FC236}">
+                <a16:creationId xmlns:a16="http://schemas.microsoft.com/office/drawing/2014/main" id="{E98C5798-6143-4075-8375-7AE4161FC0D3}"/>
+              </a:ext>
+            </a:extLst>
+          </p:cNvPr>
+          <p:cNvSpPr>
+            <a:spLocks noGrp="1"/>
+          </p:cNvSpPr>
+          <p:nvPr>
+            <p:ph type="sldNum" sz="quarter" idx="12"/>
+          </p:nvPr>
+        </p:nvSpPr>
+        <p:spPr/>
+        <p:txBody>
+          <a:bodyPr/>
+          <a:lstStyle/>
+          <a:p>
+            <a:fld id="{35E7B248-7056-49E8-9F30-37D8E83E9700}" type="slidenum">
+              <a:rPr lang="en-US" smtClean="0"/>
+              <a:t>46</a:t>
+            </a:fld>
+            <a:endParaRPr lang="en-US"/>
+          </a:p>
+        </p:txBody>
+      </p:sp>
+      <p:pic>
+        <p:nvPicPr>
+          <p:cNvPr id="6" name="Picture 5" descr="A picture containing chart&#10;&#10;Description automatically generated">
+            <a:extLst>
+              <a:ext uri="{FF2B5EF4-FFF2-40B4-BE49-F238E27FC236}">
+                <a16:creationId xmlns:a16="http://schemas.microsoft.com/office/drawing/2014/main" id="{D7FBFD4B-6A0E-49BB-BCCE-B0F0B2358926}"/>
+              </a:ext>
+            </a:extLst>
+          </p:cNvPr>
+          <p:cNvPicPr>
+            <a:picLocks noChangeAspect="1"/>
+          </p:cNvPicPr>
+          <p:nvPr/>
+        </p:nvPicPr>
+        <p:blipFill>
+          <a:blip r:embed="rId2">
+            <a:extLst>
+              <a:ext uri="{28A0092B-C50C-407E-A947-70E740481C1C}">
+                <a14:useLocalDpi xmlns:a14="http://schemas.microsoft.com/office/drawing/2010/main" val="0"/>
+              </a:ext>
+            </a:extLst>
+          </a:blip>
+          <a:stretch>
+            <a:fillRect/>
+          </a:stretch>
+        </p:blipFill>
+        <p:spPr>
+          <a:xfrm>
+            <a:off x="6601183" y="1914284"/>
+            <a:ext cx="4442066" cy="4442066"/>
+          </a:xfrm>
+          <a:prstGeom prst="rect">
+            <a:avLst/>
+          </a:prstGeom>
+        </p:spPr>
+      </p:pic>
+      <p:pic>
+        <p:nvPicPr>
+          <p:cNvPr id="11" name="Picture 10" descr="A picture containing honeycomb&#10;&#10;Description automatically generated">
+            <a:extLst>
+              <a:ext uri="{FF2B5EF4-FFF2-40B4-BE49-F238E27FC236}">
+                <a16:creationId xmlns:a16="http://schemas.microsoft.com/office/drawing/2014/main" id="{E09F9F31-A87C-4063-917D-FB928B3B358C}"/>
+              </a:ext>
+            </a:extLst>
+          </p:cNvPr>
+          <p:cNvPicPr>
+            <a:picLocks noChangeAspect="1"/>
+          </p:cNvPicPr>
+          <p:nvPr/>
+        </p:nvPicPr>
+        <p:blipFill>
+          <a:blip r:embed="rId3">
+            <a:extLst>
+              <a:ext uri="{28A0092B-C50C-407E-A947-70E740481C1C}">
+                <a14:useLocalDpi xmlns:a14="http://schemas.microsoft.com/office/drawing/2010/main" val="0"/>
+              </a:ext>
+            </a:extLst>
+          </a:blip>
+          <a:stretch>
+            <a:fillRect/>
+          </a:stretch>
+        </p:blipFill>
+        <p:spPr>
+          <a:xfrm>
+            <a:off x="532881" y="2096846"/>
+            <a:ext cx="5359894" cy="4076941"/>
+          </a:xfrm>
+          <a:prstGeom prst="rect">
+            <a:avLst/>
+          </a:prstGeom>
+        </p:spPr>
+      </p:pic>
+    </p:spTree>
+    <p:extLst>
+      <p:ext uri="{BB962C8B-B14F-4D97-AF65-F5344CB8AC3E}">
+        <p14:creationId xmlns:p14="http://schemas.microsoft.com/office/powerpoint/2010/main" val="3343015191"/>
+      </p:ext>
+    </p:extLst>
+  </p:cSld>
+  <p:clrMapOvr>
+    <a:masterClrMapping/>
+  </p:clrMapOvr>
+</p:sld>
+</file>
+
+<file path=ppt/slides/slide47.xml><?xml version="1.0" encoding="utf-8"?>
+<p:sld xmlns:a="http://schemas.openxmlformats.org/drawingml/2006/main" xmlns:r="http://schemas.openxmlformats.org/officeDocument/2006/relationships" xmlns:p="http://schemas.openxmlformats.org/presentationml/2006/main">
+  <p:cSld>
+    <p:spTree>
+      <p:nvGrpSpPr>
+        <p:cNvPr id="1" name=""/>
+        <p:cNvGrpSpPr/>
+        <p:nvPr/>
+      </p:nvGrpSpPr>
+      <p:grpSpPr>
+        <a:xfrm>
+          <a:off x="0" y="0"/>
+          <a:ext cx="0" cy="0"/>
+          <a:chOff x="0" y="0"/>
+          <a:chExt cx="0" cy="0"/>
+        </a:xfrm>
+      </p:grpSpPr>
+      <p:sp>
+        <p:nvSpPr>
+          <p:cNvPr id="2" name="Title 1">
+            <a:extLst>
+              <a:ext uri="{FF2B5EF4-FFF2-40B4-BE49-F238E27FC236}">
+                <a16:creationId xmlns:a16="http://schemas.microsoft.com/office/drawing/2014/main" id="{FFCEB186-C4F2-43BC-8A25-91E6D1AC1086}"/>
+              </a:ext>
+            </a:extLst>
+          </p:cNvPr>
+          <p:cNvSpPr>
+            <a:spLocks noGrp="1"/>
+          </p:cNvSpPr>
+          <p:nvPr>
+            <p:ph type="title"/>
+          </p:nvPr>
+        </p:nvSpPr>
+        <p:spPr/>
+        <p:txBody>
+          <a:bodyPr>
+            <a:noAutofit/>
+          </a:bodyPr>
+          <a:lstStyle/>
+          <a:p>
+            <a:r>
+              <a:rPr lang="en-US" sz="3200" dirty="0"/>
+              <a:t>Triangles are not a bad approximate for small gaps because all Voronoi diagram intersections are 3-way intersections.  Complex intersections in the Voronoi diagram can be decomposed into 3-way intersections.</a:t>
+            </a:r>
+          </a:p>
+        </p:txBody>
+      </p:sp>
+      <p:sp>
+        <p:nvSpPr>
+          <p:cNvPr id="4" name="Slide Number Placeholder 3">
+            <a:extLst>
+              <a:ext uri="{FF2B5EF4-FFF2-40B4-BE49-F238E27FC236}">
+                <a16:creationId xmlns:a16="http://schemas.microsoft.com/office/drawing/2014/main" id="{E98C5798-6143-4075-8375-7AE4161FC0D3}"/>
+              </a:ext>
+            </a:extLst>
+          </p:cNvPr>
+          <p:cNvSpPr>
+            <a:spLocks noGrp="1"/>
+          </p:cNvSpPr>
+          <p:nvPr>
+            <p:ph type="sldNum" sz="quarter" idx="12"/>
+          </p:nvPr>
+        </p:nvSpPr>
+        <p:spPr/>
+        <p:txBody>
+          <a:bodyPr/>
+          <a:lstStyle/>
+          <a:p>
+            <a:fld id="{35E7B248-7056-49E8-9F30-37D8E83E9700}" type="slidenum">
+              <a:rPr lang="en-US" smtClean="0"/>
+              <a:t>47</a:t>
+            </a:fld>
+            <a:endParaRPr lang="en-US"/>
+          </a:p>
+        </p:txBody>
+      </p:sp>
+      <p:pic>
+        <p:nvPicPr>
+          <p:cNvPr id="6" name="Picture 5" descr="A picture containing chart&#10;&#10;Description automatically generated">
+            <a:extLst>
+              <a:ext uri="{FF2B5EF4-FFF2-40B4-BE49-F238E27FC236}">
+                <a16:creationId xmlns:a16="http://schemas.microsoft.com/office/drawing/2014/main" id="{D7FBFD4B-6A0E-49BB-BCCE-B0F0B2358926}"/>
+              </a:ext>
+            </a:extLst>
+          </p:cNvPr>
+          <p:cNvPicPr>
+            <a:picLocks noChangeAspect="1"/>
+          </p:cNvPicPr>
+          <p:nvPr/>
+        </p:nvPicPr>
+        <p:blipFill>
+          <a:blip r:embed="rId2">
+            <a:extLst>
+              <a:ext uri="{28A0092B-C50C-407E-A947-70E740481C1C}">
+                <a14:useLocalDpi xmlns:a14="http://schemas.microsoft.com/office/drawing/2010/main" val="0"/>
+              </a:ext>
+            </a:extLst>
+          </a:blip>
+          <a:stretch>
+            <a:fillRect/>
+          </a:stretch>
+        </p:blipFill>
+        <p:spPr>
+          <a:xfrm>
+            <a:off x="6601183" y="1914284"/>
+            <a:ext cx="4442066" cy="4442066"/>
+          </a:xfrm>
+          <a:prstGeom prst="rect">
+            <a:avLst/>
+          </a:prstGeom>
+        </p:spPr>
+      </p:pic>
+      <p:pic>
+        <p:nvPicPr>
+          <p:cNvPr id="11" name="Picture 10" descr="A picture containing honeycomb&#10;&#10;Description automatically generated">
+            <a:extLst>
+              <a:ext uri="{FF2B5EF4-FFF2-40B4-BE49-F238E27FC236}">
+                <a16:creationId xmlns:a16="http://schemas.microsoft.com/office/drawing/2014/main" id="{E09F9F31-A87C-4063-917D-FB928B3B358C}"/>
+              </a:ext>
+            </a:extLst>
+          </p:cNvPr>
+          <p:cNvPicPr>
+            <a:picLocks noChangeAspect="1"/>
+          </p:cNvPicPr>
+          <p:nvPr/>
+        </p:nvPicPr>
+        <p:blipFill>
+          <a:blip r:embed="rId3">
+            <a:extLst>
+              <a:ext uri="{28A0092B-C50C-407E-A947-70E740481C1C}">
+                <a14:useLocalDpi xmlns:a14="http://schemas.microsoft.com/office/drawing/2010/main" val="0"/>
+              </a:ext>
+            </a:extLst>
+          </a:blip>
+          <a:stretch>
+            <a:fillRect/>
+          </a:stretch>
+        </p:blipFill>
+        <p:spPr>
+          <a:xfrm>
+            <a:off x="532881" y="2096846"/>
+            <a:ext cx="5359894" cy="4076941"/>
+          </a:xfrm>
+          <a:prstGeom prst="rect">
+            <a:avLst/>
+          </a:prstGeom>
+        </p:spPr>
+      </p:pic>
+      <p:sp>
+        <p:nvSpPr>
+          <p:cNvPr id="7" name="Isosceles Triangle 6"/>
+          <p:cNvSpPr/>
+          <p:nvPr/>
+        </p:nvSpPr>
+        <p:spPr>
+          <a:xfrm rot="8844191">
+            <a:off x="8108693" y="3774535"/>
+            <a:ext cx="666529" cy="654041"/>
+          </a:xfrm>
+          <a:prstGeom prst="triangle">
+            <a:avLst>
+              <a:gd name="adj" fmla="val 55057"/>
+            </a:avLst>
+          </a:prstGeom>
+          <a:solidFill>
+            <a:srgbClr val="FF0000"/>
+          </a:solidFill>
+          <a:ln>
+            <a:solidFill>
+              <a:srgbClr val="FF0000"/>
+            </a:solidFill>
+          </a:ln>
+        </p:spPr>
+        <p:style>
+          <a:lnRef idx="2">
+            <a:schemeClr val="accent1">
+              <a:shade val="50000"/>
+            </a:schemeClr>
+          </a:lnRef>
+          <a:fillRef idx="1">
+            <a:schemeClr val="accent1"/>
+          </a:fillRef>
+          <a:effectRef idx="0">
+            <a:schemeClr val="accent1"/>
+          </a:effectRef>
+          <a:fontRef idx="minor">
+            <a:schemeClr val="lt1"/>
+          </a:fontRef>
+        </p:style>
+        <p:txBody>
+          <a:bodyPr rtlCol="0" anchor="ctr"/>
+          <a:lstStyle/>
+          <a:p>
+            <a:pPr algn="ctr"/>
+            <a:endParaRPr lang="en-US"/>
+          </a:p>
+        </p:txBody>
+      </p:sp>
+      <p:sp>
+        <p:nvSpPr>
+          <p:cNvPr id="8" name="Isosceles Triangle 7"/>
+          <p:cNvSpPr/>
+          <p:nvPr/>
+        </p:nvSpPr>
+        <p:spPr>
+          <a:xfrm rot="11092653">
+            <a:off x="8805722" y="3673110"/>
+            <a:ext cx="651229" cy="597905"/>
+          </a:xfrm>
+          <a:prstGeom prst="triangle">
+            <a:avLst>
+              <a:gd name="adj" fmla="val 51801"/>
+            </a:avLst>
+          </a:prstGeom>
+          <a:solidFill>
+            <a:srgbClr val="FF0000"/>
+          </a:solidFill>
+          <a:ln>
+            <a:solidFill>
+              <a:srgbClr val="FF0000"/>
+            </a:solidFill>
+          </a:ln>
+        </p:spPr>
+        <p:style>
+          <a:lnRef idx="2">
+            <a:schemeClr val="accent1">
+              <a:shade val="50000"/>
+            </a:schemeClr>
+          </a:lnRef>
+          <a:fillRef idx="1">
+            <a:schemeClr val="accent1"/>
+          </a:fillRef>
+          <a:effectRef idx="0">
+            <a:schemeClr val="accent1"/>
+          </a:effectRef>
+          <a:fontRef idx="minor">
+            <a:schemeClr val="lt1"/>
+          </a:fontRef>
+        </p:style>
+        <p:txBody>
+          <a:bodyPr rtlCol="0" anchor="ctr"/>
+          <a:lstStyle/>
+          <a:p>
+            <a:pPr algn="ctr"/>
+            <a:endParaRPr lang="en-US"/>
+          </a:p>
+        </p:txBody>
+      </p:sp>
+      <p:sp>
+        <p:nvSpPr>
+          <p:cNvPr id="9" name="Isosceles Triangle 8"/>
+          <p:cNvSpPr/>
+          <p:nvPr/>
+        </p:nvSpPr>
+        <p:spPr>
+          <a:xfrm rot="13855490">
+            <a:off x="9592907" y="3998666"/>
+            <a:ext cx="651229" cy="597905"/>
+          </a:xfrm>
+          <a:prstGeom prst="triangle">
+            <a:avLst>
+              <a:gd name="adj" fmla="val 51801"/>
+            </a:avLst>
+          </a:prstGeom>
+          <a:solidFill>
+            <a:srgbClr val="FF0000"/>
+          </a:solidFill>
+          <a:ln>
+            <a:solidFill>
+              <a:srgbClr val="FF0000"/>
+            </a:solidFill>
+          </a:ln>
+        </p:spPr>
+        <p:style>
+          <a:lnRef idx="2">
+            <a:schemeClr val="accent1">
+              <a:shade val="50000"/>
+            </a:schemeClr>
+          </a:lnRef>
+          <a:fillRef idx="1">
+            <a:schemeClr val="accent1"/>
+          </a:fillRef>
+          <a:effectRef idx="0">
+            <a:schemeClr val="accent1"/>
+          </a:effectRef>
+          <a:fontRef idx="minor">
+            <a:schemeClr val="lt1"/>
+          </a:fontRef>
+        </p:style>
+        <p:txBody>
+          <a:bodyPr rtlCol="0" anchor="ctr"/>
+          <a:lstStyle/>
+          <a:p>
+            <a:pPr algn="ctr"/>
+            <a:endParaRPr lang="en-US"/>
+          </a:p>
+        </p:txBody>
+      </p:sp>
+      <p:sp>
+        <p:nvSpPr>
+          <p:cNvPr id="10" name="Isosceles Triangle 9"/>
+          <p:cNvSpPr/>
+          <p:nvPr/>
+        </p:nvSpPr>
+        <p:spPr>
+          <a:xfrm rot="7325293">
+            <a:off x="7626077" y="4257651"/>
+            <a:ext cx="651229" cy="597905"/>
+          </a:xfrm>
+          <a:prstGeom prst="triangle">
+            <a:avLst>
+              <a:gd name="adj" fmla="val 43967"/>
+            </a:avLst>
+          </a:prstGeom>
+          <a:solidFill>
+            <a:srgbClr val="FF0000"/>
+          </a:solidFill>
+          <a:ln>
+            <a:solidFill>
+              <a:srgbClr val="FF0000"/>
+            </a:solidFill>
+          </a:ln>
+        </p:spPr>
+        <p:style>
+          <a:lnRef idx="2">
+            <a:schemeClr val="accent1">
+              <a:shade val="50000"/>
+            </a:schemeClr>
+          </a:lnRef>
+          <a:fillRef idx="1">
+            <a:schemeClr val="accent1"/>
+          </a:fillRef>
+          <a:effectRef idx="0">
+            <a:schemeClr val="accent1"/>
+          </a:effectRef>
+          <a:fontRef idx="minor">
+            <a:schemeClr val="lt1"/>
+          </a:fontRef>
+        </p:style>
+        <p:txBody>
+          <a:bodyPr rtlCol="0" anchor="ctr"/>
+          <a:lstStyle/>
+          <a:p>
+            <a:pPr algn="ctr"/>
+            <a:endParaRPr lang="en-US"/>
+          </a:p>
+        </p:txBody>
+      </p:sp>
+    </p:spTree>
+    <p:extLst>
+      <p:ext uri="{BB962C8B-B14F-4D97-AF65-F5344CB8AC3E}">
+        <p14:creationId xmlns:p14="http://schemas.microsoft.com/office/powerpoint/2010/main" val="2016773283"/>
+      </p:ext>
+    </p:extLst>
+  </p:cSld>
+  <p:clrMapOvr>
+    <a:masterClrMapping/>
+  </p:clrMapOvr>
+</p:sld>
+</file>
+
+<file path=ppt/slides/slide48.xml><?xml version="1.0" encoding="utf-8"?>
+<p:sld xmlns:a="http://schemas.openxmlformats.org/drawingml/2006/main" xmlns:r="http://schemas.openxmlformats.org/officeDocument/2006/relationships" xmlns:p="http://schemas.openxmlformats.org/presentationml/2006/main">
+  <p:cSld>
+    <p:spTree>
+      <p:nvGrpSpPr>
+        <p:cNvPr id="1" name=""/>
+        <p:cNvGrpSpPr/>
+        <p:nvPr/>
+      </p:nvGrpSpPr>
+      <p:grpSpPr>
+        <a:xfrm>
+          <a:off x="0" y="0"/>
+          <a:ext cx="0" cy="0"/>
+          <a:chOff x="0" y="0"/>
+          <a:chExt cx="0" cy="0"/>
+        </a:xfrm>
+      </p:grpSpPr>
+      <p:sp>
+        <p:nvSpPr>
+          <p:cNvPr id="2" name="Title 1">
+            <a:extLst>
+              <a:ext uri="{FF2B5EF4-FFF2-40B4-BE49-F238E27FC236}">
+                <a16:creationId xmlns:a16="http://schemas.microsoft.com/office/drawing/2014/main" id="{FFCEB186-C4F2-43BC-8A25-91E6D1AC1086}"/>
+              </a:ext>
+            </a:extLst>
+          </p:cNvPr>
+          <p:cNvSpPr>
+            <a:spLocks noGrp="1"/>
+          </p:cNvSpPr>
+          <p:nvPr>
+            <p:ph type="title"/>
+          </p:nvPr>
+        </p:nvSpPr>
+        <p:spPr/>
+        <p:txBody>
+          <a:bodyPr>
+            <a:noAutofit/>
+          </a:bodyPr>
+          <a:lstStyle/>
+          <a:p>
+            <a:r>
+              <a:rPr lang="en-US" sz="3200" dirty="0"/>
+              <a:t>However, this is not necessarily true after shrinking when sides are removed.</a:t>
+            </a:r>
+          </a:p>
+        </p:txBody>
+      </p:sp>
+      <p:sp>
+        <p:nvSpPr>
+          <p:cNvPr id="4" name="Slide Number Placeholder 3">
+            <a:extLst>
+              <a:ext uri="{FF2B5EF4-FFF2-40B4-BE49-F238E27FC236}">
+                <a16:creationId xmlns:a16="http://schemas.microsoft.com/office/drawing/2014/main" id="{E98C5798-6143-4075-8375-7AE4161FC0D3}"/>
+              </a:ext>
+            </a:extLst>
+          </p:cNvPr>
+          <p:cNvSpPr>
+            <a:spLocks noGrp="1"/>
+          </p:cNvSpPr>
+          <p:nvPr>
+            <p:ph type="sldNum" sz="quarter" idx="12"/>
+          </p:nvPr>
+        </p:nvSpPr>
+        <p:spPr/>
+        <p:txBody>
+          <a:bodyPr/>
+          <a:lstStyle/>
+          <a:p>
+            <a:fld id="{35E7B248-7056-49E8-9F30-37D8E83E9700}" type="slidenum">
+              <a:rPr lang="en-US" smtClean="0"/>
+              <a:t>48</a:t>
+            </a:fld>
+            <a:endParaRPr lang="en-US"/>
+          </a:p>
+        </p:txBody>
+      </p:sp>
+      <p:pic>
+        <p:nvPicPr>
+          <p:cNvPr id="9" name="Picture 8" descr="Chart&#10;&#10;Description automatically generated">
+            <a:extLst>
+              <a:ext uri="{FF2B5EF4-FFF2-40B4-BE49-F238E27FC236}">
+                <a16:creationId xmlns:a16="http://schemas.microsoft.com/office/drawing/2014/main" id="{50BCE5D4-04FD-4AD4-BD26-9A886B60E1E3}"/>
+              </a:ext>
+            </a:extLst>
+          </p:cNvPr>
+          <p:cNvPicPr>
+            <a:picLocks noChangeAspect="1"/>
+          </p:cNvPicPr>
+          <p:nvPr/>
+        </p:nvPicPr>
+        <p:blipFill>
+          <a:blip r:embed="rId2">
+            <a:extLst>
+              <a:ext uri="{28A0092B-C50C-407E-A947-70E740481C1C}">
+                <a14:useLocalDpi xmlns:a14="http://schemas.microsoft.com/office/drawing/2010/main" val="0"/>
+              </a:ext>
+            </a:extLst>
+          </a:blip>
+          <a:stretch>
+            <a:fillRect/>
+          </a:stretch>
+        </p:blipFill>
+        <p:spPr>
+          <a:xfrm>
+            <a:off x="838200" y="1802485"/>
+            <a:ext cx="4442067" cy="4442067"/>
+          </a:xfrm>
+          <a:prstGeom prst="rect">
+            <a:avLst/>
+          </a:prstGeom>
+        </p:spPr>
+      </p:pic>
+      <p:pic>
+        <p:nvPicPr>
+          <p:cNvPr id="7" name="Picture 6" descr="Chart&#10;&#10;Description automatically generated">
+            <a:extLst>
+              <a:ext uri="{FF2B5EF4-FFF2-40B4-BE49-F238E27FC236}">
+                <a16:creationId xmlns:a16="http://schemas.microsoft.com/office/drawing/2014/main" id="{35E38E79-0B32-4E7A-89BE-92A2D141A102}"/>
+              </a:ext>
+            </a:extLst>
+          </p:cNvPr>
+          <p:cNvPicPr>
+            <a:picLocks noChangeAspect="1"/>
+          </p:cNvPicPr>
+          <p:nvPr/>
+        </p:nvPicPr>
+        <p:blipFill>
+          <a:blip r:embed="rId2">
+            <a:extLst>
+              <a:ext uri="{28A0092B-C50C-407E-A947-70E740481C1C}">
+                <a14:useLocalDpi xmlns:a14="http://schemas.microsoft.com/office/drawing/2010/main" val="0"/>
+              </a:ext>
+            </a:extLst>
+          </a:blip>
+          <a:stretch>
+            <a:fillRect/>
+          </a:stretch>
+        </p:blipFill>
+        <p:spPr>
+          <a:xfrm>
+            <a:off x="6530733" y="1980389"/>
+            <a:ext cx="4442067" cy="4442067"/>
+          </a:xfrm>
+          <a:prstGeom prst="rect">
+            <a:avLst/>
+          </a:prstGeom>
+        </p:spPr>
+      </p:pic>
+      <p:cxnSp>
+        <p:nvCxnSpPr>
+          <p:cNvPr id="10" name="Straight Connector 9">
+            <a:extLst>
+              <a:ext uri="{FF2B5EF4-FFF2-40B4-BE49-F238E27FC236}">
+                <a16:creationId xmlns:a16="http://schemas.microsoft.com/office/drawing/2014/main" id="{A2BAEBE0-7A57-4835-A418-C0582FD8352F}"/>
+              </a:ext>
+            </a:extLst>
+          </p:cNvPr>
+          <p:cNvCxnSpPr>
+            <a:cxnSpLocks/>
+          </p:cNvCxnSpPr>
+          <p:nvPr/>
+        </p:nvCxnSpPr>
+        <p:spPr>
+          <a:xfrm>
+            <a:off x="8804275" y="3898899"/>
+            <a:ext cx="41275" cy="124619"/>
+          </a:xfrm>
+          <a:prstGeom prst="line">
+            <a:avLst/>
+          </a:prstGeom>
+          <a:ln w="38100">
+            <a:solidFill>
+              <a:srgbClr val="00B050"/>
+            </a:solidFill>
+          </a:ln>
+        </p:spPr>
+        <p:style>
+          <a:lnRef idx="1">
+            <a:schemeClr val="accent1"/>
+          </a:lnRef>
+          <a:fillRef idx="0">
+            <a:schemeClr val="accent1"/>
+          </a:fillRef>
+          <a:effectRef idx="0">
+            <a:schemeClr val="accent1"/>
+          </a:effectRef>
+          <a:fontRef idx="minor">
+            <a:schemeClr val="tx1"/>
+          </a:fontRef>
+        </p:style>
+      </p:cxnSp>
+      <p:sp>
+        <p:nvSpPr>
+          <p:cNvPr id="11" name="Oval 10">
+            <a:extLst>
+              <a:ext uri="{FF2B5EF4-FFF2-40B4-BE49-F238E27FC236}">
+                <a16:creationId xmlns:a16="http://schemas.microsoft.com/office/drawing/2014/main" id="{9F7023A2-8F69-4613-A6CF-06012923B3AF}"/>
+              </a:ext>
+            </a:extLst>
+          </p:cNvPr>
+          <p:cNvSpPr/>
+          <p:nvPr/>
+        </p:nvSpPr>
+        <p:spPr>
+          <a:xfrm>
+            <a:off x="7924165" y="3236832"/>
+            <a:ext cx="1760220" cy="1573371"/>
+          </a:xfrm>
+          <a:prstGeom prst="ellipse">
+            <a:avLst/>
+          </a:prstGeom>
+          <a:noFill/>
+          <a:ln w="57150">
+            <a:solidFill>
+              <a:srgbClr val="00B050"/>
+            </a:solidFill>
+          </a:ln>
+        </p:spPr>
+        <p:style>
+          <a:lnRef idx="2">
+            <a:schemeClr val="accent1">
+              <a:shade val="50000"/>
+            </a:schemeClr>
+          </a:lnRef>
+          <a:fillRef idx="1">
+            <a:schemeClr val="accent1"/>
+          </a:fillRef>
+          <a:effectRef idx="0">
+            <a:schemeClr val="accent1"/>
+          </a:effectRef>
+          <a:fontRef idx="minor">
+            <a:schemeClr val="lt1"/>
+          </a:fontRef>
+        </p:style>
+        <p:txBody>
+          <a:bodyPr rtlCol="0" anchor="ctr"/>
+          <a:lstStyle/>
+          <a:p>
+            <a:pPr algn="ctr"/>
+            <a:endParaRPr lang="en-US"/>
+          </a:p>
+        </p:txBody>
+      </p:sp>
+    </p:spTree>
+    <p:extLst>
+      <p:ext uri="{BB962C8B-B14F-4D97-AF65-F5344CB8AC3E}">
+        <p14:creationId xmlns:p14="http://schemas.microsoft.com/office/powerpoint/2010/main" val="3999258383"/>
+      </p:ext>
+    </p:extLst>
+  </p:cSld>
+  <p:clrMapOvr>
+    <a:masterClrMapping/>
+  </p:clrMapOvr>
+</p:sld>
+</file>
+
+<file path=ppt/slides/slide49.xml><?xml version="1.0" encoding="utf-8"?>
+<p:sld xmlns:a="http://schemas.openxmlformats.org/drawingml/2006/main" xmlns:r="http://schemas.openxmlformats.org/officeDocument/2006/relationships" xmlns:p="http://schemas.openxmlformats.org/presentationml/2006/main">
+  <p:cSld>
+    <p:spTree>
+      <p:nvGrpSpPr>
+        <p:cNvPr id="1" name=""/>
+        <p:cNvGrpSpPr/>
+        <p:nvPr/>
+      </p:nvGrpSpPr>
+      <p:grpSpPr>
+        <a:xfrm>
+          <a:off x="0" y="0"/>
+          <a:ext cx="0" cy="0"/>
+          <a:chOff x="0" y="0"/>
+          <a:chExt cx="0" cy="0"/>
+        </a:xfrm>
+      </p:grpSpPr>
+      <p:sp>
+        <p:nvSpPr>
+          <p:cNvPr id="2" name="Title 1">
+            <a:extLst>
+              <a:ext uri="{FF2B5EF4-FFF2-40B4-BE49-F238E27FC236}">
+                <a16:creationId xmlns:a16="http://schemas.microsoft.com/office/drawing/2014/main" id="{FFCEB186-C4F2-43BC-8A25-91E6D1AC1086}"/>
+              </a:ext>
+            </a:extLst>
+          </p:cNvPr>
+          <p:cNvSpPr>
+            <a:spLocks noGrp="1"/>
+          </p:cNvSpPr>
+          <p:nvPr>
+            <p:ph type="title"/>
+          </p:nvPr>
+        </p:nvSpPr>
+        <p:spPr>
+          <a:xfrm>
+            <a:off x="838200" y="232213"/>
+            <a:ext cx="10515600" cy="1549158"/>
+          </a:xfrm>
+        </p:spPr>
+        <p:txBody>
+          <a:bodyPr>
+            <a:noAutofit/>
+          </a:bodyPr>
+          <a:lstStyle/>
+          <a:p>
+            <a:r>
+              <a:rPr lang="en-US" sz="3600" dirty="0"/>
+              <a:t>This means some non-perimeter areas are quadrilaterals, not triangles.  Therefore we need to know not just vertex angles, but which vertices are associated with each other.</a:t>
+            </a:r>
+          </a:p>
+        </p:txBody>
+      </p:sp>
+      <p:sp>
+        <p:nvSpPr>
+          <p:cNvPr id="4" name="Slide Number Placeholder 3">
+            <a:extLst>
+              <a:ext uri="{FF2B5EF4-FFF2-40B4-BE49-F238E27FC236}">
+                <a16:creationId xmlns:a16="http://schemas.microsoft.com/office/drawing/2014/main" id="{E98C5798-6143-4075-8375-7AE4161FC0D3}"/>
+              </a:ext>
+            </a:extLst>
+          </p:cNvPr>
+          <p:cNvSpPr>
+            <a:spLocks noGrp="1"/>
+          </p:cNvSpPr>
+          <p:nvPr>
+            <p:ph type="sldNum" sz="quarter" idx="12"/>
+          </p:nvPr>
+        </p:nvSpPr>
+        <p:spPr/>
+        <p:txBody>
+          <a:bodyPr/>
+          <a:lstStyle/>
+          <a:p>
+            <a:fld id="{35E7B248-7056-49E8-9F30-37D8E83E9700}" type="slidenum">
+              <a:rPr lang="en-US" smtClean="0"/>
+              <a:t>49</a:t>
+            </a:fld>
+            <a:endParaRPr lang="en-US"/>
+          </a:p>
+        </p:txBody>
+      </p:sp>
+      <p:pic>
+        <p:nvPicPr>
+          <p:cNvPr id="18" name="Picture 17" descr="A picture containing chart&#10;&#10;Description automatically generated">
+            <a:extLst>
+              <a:ext uri="{FF2B5EF4-FFF2-40B4-BE49-F238E27FC236}">
+                <a16:creationId xmlns:a16="http://schemas.microsoft.com/office/drawing/2014/main" id="{D8AF2C44-BB03-4732-A17E-7B770768DEE0}"/>
+              </a:ext>
+            </a:extLst>
+          </p:cNvPr>
+          <p:cNvPicPr>
+            <a:picLocks noChangeAspect="1"/>
+          </p:cNvPicPr>
+          <p:nvPr/>
+        </p:nvPicPr>
+        <p:blipFill>
+          <a:blip r:embed="rId2">
+            <a:extLst>
+              <a:ext uri="{28A0092B-C50C-407E-A947-70E740481C1C}">
+                <a14:useLocalDpi xmlns:a14="http://schemas.microsoft.com/office/drawing/2010/main" val="0"/>
+              </a:ext>
+            </a:extLst>
+          </a:blip>
+          <a:stretch>
+            <a:fillRect/>
+          </a:stretch>
+        </p:blipFill>
+        <p:spPr>
+          <a:xfrm>
+            <a:off x="838200" y="1914284"/>
+            <a:ext cx="4442066" cy="4442066"/>
+          </a:xfrm>
+          <a:prstGeom prst="rect">
+            <a:avLst/>
+          </a:prstGeom>
+        </p:spPr>
+      </p:pic>
+      <p:pic>
+        <p:nvPicPr>
+          <p:cNvPr id="19" name="Picture 18" descr="Chart&#10;&#10;Description automatically generated">
+            <a:extLst>
+              <a:ext uri="{FF2B5EF4-FFF2-40B4-BE49-F238E27FC236}">
+                <a16:creationId xmlns:a16="http://schemas.microsoft.com/office/drawing/2014/main" id="{E0CC2040-150D-4939-A51F-DE2760496AE2}"/>
+              </a:ext>
+            </a:extLst>
+          </p:cNvPr>
+          <p:cNvPicPr>
+            <a:picLocks noChangeAspect="1"/>
+          </p:cNvPicPr>
+          <p:nvPr/>
+        </p:nvPicPr>
+        <p:blipFill>
+          <a:blip r:embed="rId3">
+            <a:extLst>
+              <a:ext uri="{28A0092B-C50C-407E-A947-70E740481C1C}">
+                <a14:useLocalDpi xmlns:a14="http://schemas.microsoft.com/office/drawing/2010/main" val="0"/>
+              </a:ext>
+            </a:extLst>
+          </a:blip>
+          <a:stretch>
+            <a:fillRect/>
+          </a:stretch>
+        </p:blipFill>
+        <p:spPr>
+          <a:xfrm>
+            <a:off x="6223000" y="1914283"/>
+            <a:ext cx="4442067" cy="4442067"/>
+          </a:xfrm>
+          <a:prstGeom prst="rect">
+            <a:avLst/>
+          </a:prstGeom>
+        </p:spPr>
+      </p:pic>
+      <p:sp>
+        <p:nvSpPr>
+          <p:cNvPr id="20" name="Isosceles Triangle 19">
+            <a:extLst>
+              <a:ext uri="{FF2B5EF4-FFF2-40B4-BE49-F238E27FC236}">
+                <a16:creationId xmlns:a16="http://schemas.microsoft.com/office/drawing/2014/main" id="{C821A8CB-C79D-47F4-A073-116EEA429BAD}"/>
+              </a:ext>
+            </a:extLst>
+          </p:cNvPr>
+          <p:cNvSpPr/>
+          <p:nvPr/>
+        </p:nvSpPr>
+        <p:spPr>
+          <a:xfrm rot="11316671">
+            <a:off x="3006216" y="3680856"/>
+            <a:ext cx="695622" cy="582051"/>
+          </a:xfrm>
+          <a:prstGeom prst="triangle">
+            <a:avLst>
+              <a:gd name="adj" fmla="val 46508"/>
+            </a:avLst>
+          </a:prstGeom>
+          <a:solidFill>
+            <a:srgbClr val="FF0000"/>
+          </a:solidFill>
+          <a:ln>
+            <a:solidFill>
+              <a:srgbClr val="FF0000"/>
+            </a:solidFill>
+          </a:ln>
+        </p:spPr>
+        <p:style>
+          <a:lnRef idx="2">
+            <a:schemeClr val="accent1">
+              <a:shade val="50000"/>
+            </a:schemeClr>
+          </a:lnRef>
+          <a:fillRef idx="1">
+            <a:schemeClr val="accent1"/>
+          </a:fillRef>
+          <a:effectRef idx="0">
+            <a:schemeClr val="accent1"/>
+          </a:effectRef>
+          <a:fontRef idx="minor">
+            <a:schemeClr val="lt1"/>
+          </a:fontRef>
+        </p:style>
+        <p:txBody>
+          <a:bodyPr rtlCol="0" anchor="ctr"/>
+          <a:lstStyle/>
+          <a:p>
+            <a:pPr algn="ctr"/>
+            <a:endParaRPr lang="en-US"/>
+          </a:p>
+        </p:txBody>
+      </p:sp>
+      <p:sp>
+        <p:nvSpPr>
+          <p:cNvPr id="21" name="Trapezoid 20">
+            <a:extLst>
+              <a:ext uri="{FF2B5EF4-FFF2-40B4-BE49-F238E27FC236}">
+                <a16:creationId xmlns:a16="http://schemas.microsoft.com/office/drawing/2014/main" id="{06844639-F3A9-4AE4-B824-4A131EA60EC9}"/>
+              </a:ext>
+            </a:extLst>
+          </p:cNvPr>
+          <p:cNvSpPr/>
+          <p:nvPr/>
+        </p:nvSpPr>
+        <p:spPr>
+          <a:xfrm rot="12466135">
+            <a:off x="8021339" y="3471953"/>
+            <a:ext cx="869557" cy="919813"/>
+          </a:xfrm>
+          <a:prstGeom prst="trapezoid">
+            <a:avLst>
+              <a:gd name="adj" fmla="val 749"/>
+            </a:avLst>
+          </a:prstGeom>
+          <a:solidFill>
+            <a:srgbClr val="FF0000"/>
+          </a:solidFill>
+          <a:ln>
+            <a:noFill/>
+          </a:ln>
+        </p:spPr>
+        <p:style>
+          <a:lnRef idx="2">
+            <a:schemeClr val="accent1">
+              <a:shade val="50000"/>
+            </a:schemeClr>
+          </a:lnRef>
+          <a:fillRef idx="1">
+            <a:schemeClr val="accent1"/>
+          </a:fillRef>
+          <a:effectRef idx="0">
+            <a:schemeClr val="accent1"/>
+          </a:effectRef>
+          <a:fontRef idx="minor">
+            <a:schemeClr val="lt1"/>
+          </a:fontRef>
+        </p:style>
+        <p:txBody>
+          <a:bodyPr rtlCol="0" anchor="ctr"/>
+          <a:lstStyle/>
+          <a:p>
+            <a:pPr algn="ctr"/>
+            <a:endParaRPr lang="en-US"/>
+          </a:p>
+        </p:txBody>
+      </p:sp>
+    </p:spTree>
+    <p:extLst>
+      <p:ext uri="{BB962C8B-B14F-4D97-AF65-F5344CB8AC3E}">
+        <p14:creationId xmlns:p14="http://schemas.microsoft.com/office/powerpoint/2010/main" val="2466973544"/>
       </p:ext>
     </p:extLst>
   </p:cSld>
@@ -18196,6 +20734,6173 @@
     <p:extLst>
       <p:ext uri="{BB962C8B-B14F-4D97-AF65-F5344CB8AC3E}">
         <p14:creationId xmlns:p14="http://schemas.microsoft.com/office/powerpoint/2010/main" val="3283178281"/>
+      </p:ext>
+    </p:extLst>
+  </p:cSld>
+  <p:clrMapOvr>
+    <a:masterClrMapping/>
+  </p:clrMapOvr>
+</p:sld>
+</file>
+
+<file path=ppt/slides/slide50.xml><?xml version="1.0" encoding="utf-8"?>
+<p:sld xmlns:a="http://schemas.openxmlformats.org/drawingml/2006/main" xmlns:r="http://schemas.openxmlformats.org/officeDocument/2006/relationships" xmlns:p="http://schemas.openxmlformats.org/presentationml/2006/main">
+  <p:cSld>
+    <p:spTree>
+      <p:nvGrpSpPr>
+        <p:cNvPr id="1" name=""/>
+        <p:cNvGrpSpPr/>
+        <p:nvPr/>
+      </p:nvGrpSpPr>
+      <p:grpSpPr>
+        <a:xfrm>
+          <a:off x="0" y="0"/>
+          <a:ext cx="0" cy="0"/>
+          <a:chOff x="0" y="0"/>
+          <a:chExt cx="0" cy="0"/>
+        </a:xfrm>
+      </p:grpSpPr>
+      <p:sp>
+        <p:nvSpPr>
+          <p:cNvPr id="2" name="Title 1">
+            <a:extLst>
+              <a:ext uri="{FF2B5EF4-FFF2-40B4-BE49-F238E27FC236}">
+                <a16:creationId xmlns:a16="http://schemas.microsoft.com/office/drawing/2014/main" id="{FFCEB186-C4F2-43BC-8A25-91E6D1AC1086}"/>
+              </a:ext>
+            </a:extLst>
+          </p:cNvPr>
+          <p:cNvSpPr>
+            <a:spLocks noGrp="1"/>
+          </p:cNvSpPr>
+          <p:nvPr>
+            <p:ph type="title"/>
+          </p:nvPr>
+        </p:nvSpPr>
+        <p:spPr>
+          <a:xfrm>
+            <a:off x="838200" y="232213"/>
+            <a:ext cx="10515600" cy="1549158"/>
+          </a:xfrm>
+        </p:spPr>
+        <p:txBody>
+          <a:bodyPr>
+            <a:noAutofit/>
+          </a:bodyPr>
+          <a:lstStyle/>
+          <a:p>
+            <a:r>
+              <a:rPr lang="en-US" sz="3200" dirty="0"/>
+              <a:t>Instead of using one shape to represent each gap between perimeter rectangles, we could use multiple parallelograms to represent each gap between rectangles.</a:t>
+            </a:r>
+          </a:p>
+        </p:txBody>
+      </p:sp>
+      <p:sp>
+        <p:nvSpPr>
+          <p:cNvPr id="4" name="Slide Number Placeholder 3">
+            <a:extLst>
+              <a:ext uri="{FF2B5EF4-FFF2-40B4-BE49-F238E27FC236}">
+                <a16:creationId xmlns:a16="http://schemas.microsoft.com/office/drawing/2014/main" id="{E98C5798-6143-4075-8375-7AE4161FC0D3}"/>
+              </a:ext>
+            </a:extLst>
+          </p:cNvPr>
+          <p:cNvSpPr>
+            <a:spLocks noGrp="1"/>
+          </p:cNvSpPr>
+          <p:nvPr>
+            <p:ph type="sldNum" sz="quarter" idx="12"/>
+          </p:nvPr>
+        </p:nvSpPr>
+        <p:spPr/>
+        <p:txBody>
+          <a:bodyPr/>
+          <a:lstStyle/>
+          <a:p>
+            <a:fld id="{35E7B248-7056-49E8-9F30-37D8E83E9700}" type="slidenum">
+              <a:rPr lang="en-US" smtClean="0"/>
+              <a:t>50</a:t>
+            </a:fld>
+            <a:endParaRPr lang="en-US"/>
+          </a:p>
+        </p:txBody>
+      </p:sp>
+      <p:pic>
+        <p:nvPicPr>
+          <p:cNvPr id="18" name="Picture 17" descr="A picture containing chart&#10;&#10;Description automatically generated">
+            <a:extLst>
+              <a:ext uri="{FF2B5EF4-FFF2-40B4-BE49-F238E27FC236}">
+                <a16:creationId xmlns:a16="http://schemas.microsoft.com/office/drawing/2014/main" id="{D8AF2C44-BB03-4732-A17E-7B770768DEE0}"/>
+              </a:ext>
+            </a:extLst>
+          </p:cNvPr>
+          <p:cNvPicPr>
+            <a:picLocks noChangeAspect="1"/>
+          </p:cNvPicPr>
+          <p:nvPr/>
+        </p:nvPicPr>
+        <p:blipFill>
+          <a:blip r:embed="rId2">
+            <a:extLst>
+              <a:ext uri="{28A0092B-C50C-407E-A947-70E740481C1C}">
+                <a14:useLocalDpi xmlns:a14="http://schemas.microsoft.com/office/drawing/2010/main" val="0"/>
+              </a:ext>
+            </a:extLst>
+          </a:blip>
+          <a:stretch>
+            <a:fillRect/>
+          </a:stretch>
+        </p:blipFill>
+        <p:spPr>
+          <a:xfrm>
+            <a:off x="838200" y="1914284"/>
+            <a:ext cx="4442066" cy="4442066"/>
+          </a:xfrm>
+          <a:prstGeom prst="rect">
+            <a:avLst/>
+          </a:prstGeom>
+        </p:spPr>
+      </p:pic>
+      <p:cxnSp>
+        <p:nvCxnSpPr>
+          <p:cNvPr id="6" name="Straight Connector 5">
+            <a:extLst>
+              <a:ext uri="{FF2B5EF4-FFF2-40B4-BE49-F238E27FC236}">
+                <a16:creationId xmlns:a16="http://schemas.microsoft.com/office/drawing/2014/main" id="{0C539B7E-5451-4CC0-A5B7-4FCB27AA5F6B}"/>
+              </a:ext>
+            </a:extLst>
+          </p:cNvPr>
+          <p:cNvCxnSpPr>
+            <a:cxnSpLocks/>
+          </p:cNvCxnSpPr>
+          <p:nvPr/>
+        </p:nvCxnSpPr>
+        <p:spPr>
+          <a:xfrm>
+            <a:off x="2219325" y="4000500"/>
+            <a:ext cx="171450" cy="269875"/>
+          </a:xfrm>
+          <a:prstGeom prst="line">
+            <a:avLst/>
+          </a:prstGeom>
+        </p:spPr>
+        <p:style>
+          <a:lnRef idx="3">
+            <a:schemeClr val="accent6"/>
+          </a:lnRef>
+          <a:fillRef idx="0">
+            <a:schemeClr val="accent6"/>
+          </a:fillRef>
+          <a:effectRef idx="2">
+            <a:schemeClr val="accent6"/>
+          </a:effectRef>
+          <a:fontRef idx="minor">
+            <a:schemeClr val="tx1"/>
+          </a:fontRef>
+        </p:style>
+      </p:cxnSp>
+      <p:cxnSp>
+        <p:nvCxnSpPr>
+          <p:cNvPr id="11" name="Straight Connector 10">
+            <a:extLst>
+              <a:ext uri="{FF2B5EF4-FFF2-40B4-BE49-F238E27FC236}">
+                <a16:creationId xmlns:a16="http://schemas.microsoft.com/office/drawing/2014/main" id="{1F4CDCC8-D0E7-4196-9EAE-627D1EBDD22C}"/>
+              </a:ext>
+            </a:extLst>
+          </p:cNvPr>
+          <p:cNvCxnSpPr>
+            <a:cxnSpLocks/>
+          </p:cNvCxnSpPr>
+          <p:nvPr/>
+        </p:nvCxnSpPr>
+        <p:spPr>
+          <a:xfrm flipV="1">
+            <a:off x="2219325" y="3813394"/>
+            <a:ext cx="243871" cy="187106"/>
+          </a:xfrm>
+          <a:prstGeom prst="line">
+            <a:avLst/>
+          </a:prstGeom>
+        </p:spPr>
+        <p:style>
+          <a:lnRef idx="3">
+            <a:schemeClr val="accent6"/>
+          </a:lnRef>
+          <a:fillRef idx="0">
+            <a:schemeClr val="accent6"/>
+          </a:fillRef>
+          <a:effectRef idx="2">
+            <a:schemeClr val="accent6"/>
+          </a:effectRef>
+          <a:fontRef idx="minor">
+            <a:schemeClr val="tx1"/>
+          </a:fontRef>
+        </p:style>
+      </p:cxnSp>
+      <p:cxnSp>
+        <p:nvCxnSpPr>
+          <p:cNvPr id="14" name="Straight Connector 13">
+            <a:extLst>
+              <a:ext uri="{FF2B5EF4-FFF2-40B4-BE49-F238E27FC236}">
+                <a16:creationId xmlns:a16="http://schemas.microsoft.com/office/drawing/2014/main" id="{277D2F89-2A2E-42C0-B600-2902A0F48BF0}"/>
+              </a:ext>
+            </a:extLst>
+          </p:cNvPr>
+          <p:cNvCxnSpPr>
+            <a:cxnSpLocks/>
+          </p:cNvCxnSpPr>
+          <p:nvPr/>
+        </p:nvCxnSpPr>
+        <p:spPr>
+          <a:xfrm flipH="1">
+            <a:off x="2390957" y="4095750"/>
+            <a:ext cx="233060" cy="174625"/>
+          </a:xfrm>
+          <a:prstGeom prst="line">
+            <a:avLst/>
+          </a:prstGeom>
+        </p:spPr>
+        <p:style>
+          <a:lnRef idx="3">
+            <a:schemeClr val="accent6"/>
+          </a:lnRef>
+          <a:fillRef idx="0">
+            <a:schemeClr val="accent6"/>
+          </a:fillRef>
+          <a:effectRef idx="2">
+            <a:schemeClr val="accent6"/>
+          </a:effectRef>
+          <a:fontRef idx="minor">
+            <a:schemeClr val="tx1"/>
+          </a:fontRef>
+        </p:style>
+      </p:cxnSp>
+      <p:cxnSp>
+        <p:nvCxnSpPr>
+          <p:cNvPr id="15" name="Straight Connector 14">
+            <a:extLst>
+              <a:ext uri="{FF2B5EF4-FFF2-40B4-BE49-F238E27FC236}">
+                <a16:creationId xmlns:a16="http://schemas.microsoft.com/office/drawing/2014/main" id="{E4093149-4A3E-41FF-8327-CF652C1A7B17}"/>
+              </a:ext>
+            </a:extLst>
+          </p:cNvPr>
+          <p:cNvCxnSpPr>
+            <a:cxnSpLocks/>
+          </p:cNvCxnSpPr>
+          <p:nvPr/>
+        </p:nvCxnSpPr>
+        <p:spPr>
+          <a:xfrm flipH="1" flipV="1">
+            <a:off x="2463196" y="3813394"/>
+            <a:ext cx="160821" cy="282356"/>
+          </a:xfrm>
+          <a:prstGeom prst="line">
+            <a:avLst/>
+          </a:prstGeom>
+        </p:spPr>
+        <p:style>
+          <a:lnRef idx="3">
+            <a:schemeClr val="accent6"/>
+          </a:lnRef>
+          <a:fillRef idx="0">
+            <a:schemeClr val="accent6"/>
+          </a:fillRef>
+          <a:effectRef idx="2">
+            <a:schemeClr val="accent6"/>
+          </a:effectRef>
+          <a:fontRef idx="minor">
+            <a:schemeClr val="tx1"/>
+          </a:fontRef>
+        </p:style>
+      </p:cxnSp>
+      <p:pic>
+        <p:nvPicPr>
+          <p:cNvPr id="29" name="Picture 28">
+            <a:extLst>
+              <a:ext uri="{FF2B5EF4-FFF2-40B4-BE49-F238E27FC236}">
+                <a16:creationId xmlns:a16="http://schemas.microsoft.com/office/drawing/2014/main" id="{A5B3655D-4503-415C-862E-DDED732A9F57}"/>
+              </a:ext>
+            </a:extLst>
+          </p:cNvPr>
+          <p:cNvPicPr>
+            <a:picLocks noChangeAspect="1"/>
+          </p:cNvPicPr>
+          <p:nvPr/>
+        </p:nvPicPr>
+        <p:blipFill>
+          <a:blip r:embed="rId3"/>
+          <a:stretch>
+            <a:fillRect/>
+          </a:stretch>
+        </p:blipFill>
+        <p:spPr>
+          <a:xfrm>
+            <a:off x="6309351" y="1987308"/>
+            <a:ext cx="4602498" cy="4000984"/>
+          </a:xfrm>
+          <a:prstGeom prst="rect">
+            <a:avLst/>
+          </a:prstGeom>
+        </p:spPr>
+      </p:pic>
+      <p:sp>
+        <p:nvSpPr>
+          <p:cNvPr id="30" name="Rectangle 29">
+            <a:extLst>
+              <a:ext uri="{FF2B5EF4-FFF2-40B4-BE49-F238E27FC236}">
+                <a16:creationId xmlns:a16="http://schemas.microsoft.com/office/drawing/2014/main" id="{F561ED65-3B60-427D-A6B9-6CDC9FC4816A}"/>
+              </a:ext>
+            </a:extLst>
+          </p:cNvPr>
+          <p:cNvSpPr/>
+          <p:nvPr/>
+        </p:nvSpPr>
+        <p:spPr>
+          <a:xfrm>
+            <a:off x="6309351" y="2000008"/>
+            <a:ext cx="4602498" cy="4000984"/>
+          </a:xfrm>
+          <a:prstGeom prst="rect">
+            <a:avLst/>
+          </a:prstGeom>
+          <a:noFill/>
+          <a:ln w="57150">
+            <a:solidFill>
+              <a:schemeClr val="accent2"/>
+            </a:solidFill>
+          </a:ln>
+        </p:spPr>
+        <p:style>
+          <a:lnRef idx="2">
+            <a:schemeClr val="accent1">
+              <a:shade val="50000"/>
+            </a:schemeClr>
+          </a:lnRef>
+          <a:fillRef idx="1">
+            <a:schemeClr val="accent1"/>
+          </a:fillRef>
+          <a:effectRef idx="0">
+            <a:schemeClr val="accent1"/>
+          </a:effectRef>
+          <a:fontRef idx="minor">
+            <a:schemeClr val="lt1"/>
+          </a:fontRef>
+        </p:style>
+        <p:txBody>
+          <a:bodyPr rtlCol="0" anchor="ctr"/>
+          <a:lstStyle/>
+          <a:p>
+            <a:pPr algn="ctr"/>
+            <a:endParaRPr lang="en-US"/>
+          </a:p>
+        </p:txBody>
+      </p:sp>
+      <p:cxnSp>
+        <p:nvCxnSpPr>
+          <p:cNvPr id="32" name="Straight Connector 31">
+            <a:extLst>
+              <a:ext uri="{FF2B5EF4-FFF2-40B4-BE49-F238E27FC236}">
+                <a16:creationId xmlns:a16="http://schemas.microsoft.com/office/drawing/2014/main" id="{782FED7B-DDB0-4630-8020-73F5632D1EC9}"/>
+              </a:ext>
+            </a:extLst>
+          </p:cNvPr>
+          <p:cNvCxnSpPr>
+            <a:cxnSpLocks/>
+          </p:cNvCxnSpPr>
+          <p:nvPr/>
+        </p:nvCxnSpPr>
+        <p:spPr>
+          <a:xfrm flipV="1">
+            <a:off x="1797740" y="2000008"/>
+            <a:ext cx="4511611" cy="1505192"/>
+          </a:xfrm>
+          <a:prstGeom prst="line">
+            <a:avLst/>
+          </a:prstGeom>
+        </p:spPr>
+        <p:style>
+          <a:lnRef idx="3">
+            <a:schemeClr val="accent2"/>
+          </a:lnRef>
+          <a:fillRef idx="0">
+            <a:schemeClr val="accent2"/>
+          </a:fillRef>
+          <a:effectRef idx="2">
+            <a:schemeClr val="accent2"/>
+          </a:effectRef>
+          <a:fontRef idx="minor">
+            <a:schemeClr val="tx1"/>
+          </a:fontRef>
+        </p:style>
+      </p:cxnSp>
+      <p:sp>
+        <p:nvSpPr>
+          <p:cNvPr id="36" name="Rectangle 35">
+            <a:extLst>
+              <a:ext uri="{FF2B5EF4-FFF2-40B4-BE49-F238E27FC236}">
+                <a16:creationId xmlns:a16="http://schemas.microsoft.com/office/drawing/2014/main" id="{9FABCDE7-4992-4119-9BB1-DFBA6509705C}"/>
+              </a:ext>
+            </a:extLst>
+          </p:cNvPr>
+          <p:cNvSpPr/>
+          <p:nvPr/>
+        </p:nvSpPr>
+        <p:spPr>
+          <a:xfrm>
+            <a:off x="1797740" y="3517264"/>
+            <a:ext cx="1330912" cy="1156971"/>
+          </a:xfrm>
+          <a:prstGeom prst="rect">
+            <a:avLst/>
+          </a:prstGeom>
+          <a:noFill/>
+          <a:ln w="57150">
+            <a:solidFill>
+              <a:schemeClr val="accent2"/>
+            </a:solidFill>
+          </a:ln>
+        </p:spPr>
+        <p:style>
+          <a:lnRef idx="2">
+            <a:schemeClr val="accent1">
+              <a:shade val="50000"/>
+            </a:schemeClr>
+          </a:lnRef>
+          <a:fillRef idx="1">
+            <a:schemeClr val="accent1"/>
+          </a:fillRef>
+          <a:effectRef idx="0">
+            <a:schemeClr val="accent1"/>
+          </a:effectRef>
+          <a:fontRef idx="minor">
+            <a:schemeClr val="lt1"/>
+          </a:fontRef>
+        </p:style>
+        <p:txBody>
+          <a:bodyPr rtlCol="0" anchor="ctr"/>
+          <a:lstStyle/>
+          <a:p>
+            <a:pPr algn="ctr"/>
+            <a:endParaRPr lang="en-US"/>
+          </a:p>
+        </p:txBody>
+      </p:sp>
+      <p:cxnSp>
+        <p:nvCxnSpPr>
+          <p:cNvPr id="37" name="Straight Connector 36">
+            <a:extLst>
+              <a:ext uri="{FF2B5EF4-FFF2-40B4-BE49-F238E27FC236}">
+                <a16:creationId xmlns:a16="http://schemas.microsoft.com/office/drawing/2014/main" id="{8A3CFFD9-A851-4142-9CF0-027EDA5044CC}"/>
+              </a:ext>
+            </a:extLst>
+          </p:cNvPr>
+          <p:cNvCxnSpPr>
+            <a:cxnSpLocks/>
+          </p:cNvCxnSpPr>
+          <p:nvPr/>
+        </p:nvCxnSpPr>
+        <p:spPr>
+          <a:xfrm>
+            <a:off x="1797740" y="4674235"/>
+            <a:ext cx="4511611" cy="1314057"/>
+          </a:xfrm>
+          <a:prstGeom prst="line">
+            <a:avLst/>
+          </a:prstGeom>
+        </p:spPr>
+        <p:style>
+          <a:lnRef idx="3">
+            <a:schemeClr val="accent2"/>
+          </a:lnRef>
+          <a:fillRef idx="0">
+            <a:schemeClr val="accent2"/>
+          </a:fillRef>
+          <a:effectRef idx="2">
+            <a:schemeClr val="accent2"/>
+          </a:effectRef>
+          <a:fontRef idx="minor">
+            <a:schemeClr val="tx1"/>
+          </a:fontRef>
+        </p:style>
+      </p:cxnSp>
+      <p:cxnSp>
+        <p:nvCxnSpPr>
+          <p:cNvPr id="41" name="Straight Connector 40">
+            <a:extLst>
+              <a:ext uri="{FF2B5EF4-FFF2-40B4-BE49-F238E27FC236}">
+                <a16:creationId xmlns:a16="http://schemas.microsoft.com/office/drawing/2014/main" id="{A5BB37DB-C56A-433D-BCFC-644DB795001B}"/>
+              </a:ext>
+            </a:extLst>
+          </p:cNvPr>
+          <p:cNvCxnSpPr>
+            <a:cxnSpLocks/>
+          </p:cNvCxnSpPr>
+          <p:nvPr/>
+        </p:nvCxnSpPr>
+        <p:spPr>
+          <a:xfrm flipH="1">
+            <a:off x="6758940" y="2331720"/>
+            <a:ext cx="2415540" cy="1938655"/>
+          </a:xfrm>
+          <a:prstGeom prst="line">
+            <a:avLst/>
+          </a:prstGeom>
+          <a:ln w="38100" cap="flat" cmpd="sng" algn="ctr">
+            <a:solidFill>
+              <a:schemeClr val="accent2"/>
+            </a:solidFill>
+            <a:prstDash val="dash"/>
+            <a:round/>
+            <a:headEnd type="none" w="med" len="med"/>
+            <a:tailEnd type="none" w="med" len="med"/>
+          </a:ln>
+        </p:spPr>
+        <p:style>
+          <a:lnRef idx="0">
+            <a:scrgbClr r="0" g="0" b="0"/>
+          </a:lnRef>
+          <a:fillRef idx="0">
+            <a:scrgbClr r="0" g="0" b="0"/>
+          </a:fillRef>
+          <a:effectRef idx="0">
+            <a:scrgbClr r="0" g="0" b="0"/>
+          </a:effectRef>
+          <a:fontRef idx="minor">
+            <a:schemeClr val="tx1"/>
+          </a:fontRef>
+        </p:style>
+      </p:cxnSp>
+      <p:cxnSp>
+        <p:nvCxnSpPr>
+          <p:cNvPr id="42" name="Straight Arrow Connector 41">
+            <a:extLst>
+              <a:ext uri="{FF2B5EF4-FFF2-40B4-BE49-F238E27FC236}">
+                <a16:creationId xmlns:a16="http://schemas.microsoft.com/office/drawing/2014/main" id="{64E81EC6-5A3D-423E-9E74-BF7CE0A81137}"/>
+              </a:ext>
+            </a:extLst>
+          </p:cNvPr>
+          <p:cNvCxnSpPr>
+            <a:cxnSpLocks/>
+          </p:cNvCxnSpPr>
+          <p:nvPr/>
+        </p:nvCxnSpPr>
+        <p:spPr>
+          <a:xfrm flipV="1">
+            <a:off x="7370907" y="2442837"/>
+            <a:ext cx="751473" cy="546592"/>
+          </a:xfrm>
+          <a:prstGeom prst="straightConnector1">
+            <a:avLst/>
+          </a:prstGeom>
+          <a:ln w="38100" cap="flat" cmpd="sng" algn="ctr">
+            <a:solidFill>
+              <a:srgbClr val="00B050"/>
+            </a:solidFill>
+            <a:prstDash val="solid"/>
+            <a:round/>
+            <a:headEnd type="arrow" w="med" len="med"/>
+            <a:tailEnd type="arrow" w="med" len="med"/>
+          </a:ln>
+        </p:spPr>
+        <p:style>
+          <a:lnRef idx="0">
+            <a:scrgbClr r="0" g="0" b="0"/>
+          </a:lnRef>
+          <a:fillRef idx="0">
+            <a:scrgbClr r="0" g="0" b="0"/>
+          </a:fillRef>
+          <a:effectRef idx="0">
+            <a:scrgbClr r="0" g="0" b="0"/>
+          </a:effectRef>
+          <a:fontRef idx="minor">
+            <a:schemeClr val="tx1"/>
+          </a:fontRef>
+        </p:style>
+      </p:cxnSp>
+      <p:sp>
+        <p:nvSpPr>
+          <p:cNvPr id="43" name="Rectangle 42">
+            <a:extLst>
+              <a:ext uri="{FF2B5EF4-FFF2-40B4-BE49-F238E27FC236}">
+                <a16:creationId xmlns:a16="http://schemas.microsoft.com/office/drawing/2014/main" id="{4E8A2B34-7237-4E60-A6B3-067CB9802FE9}"/>
+              </a:ext>
+            </a:extLst>
+          </p:cNvPr>
+          <p:cNvSpPr/>
+          <p:nvPr/>
+        </p:nvSpPr>
+        <p:spPr>
+          <a:xfrm>
+            <a:off x="7283295" y="2261364"/>
+            <a:ext cx="585283" cy="400110"/>
+          </a:xfrm>
+          <a:prstGeom prst="rect">
+            <a:avLst/>
+          </a:prstGeom>
+        </p:spPr>
+        <p:txBody>
+          <a:bodyPr wrap="square">
+            <a:spAutoFit/>
+          </a:bodyPr>
+          <a:lstStyle/>
+          <a:p>
+            <a:r>
+              <a:rPr lang="en-US" sz="2000" b="1" i="1" dirty="0">
+                <a:solidFill>
+                  <a:srgbClr val="00B050"/>
+                </a:solidFill>
+                <a:latin typeface="Times New Roman" panose="02020603050405020304" pitchFamily="18" charset="0"/>
+                <a:cs typeface="Times New Roman" panose="02020603050405020304" pitchFamily="18" charset="0"/>
+              </a:rPr>
+              <a:t>G/2</a:t>
+            </a:r>
+          </a:p>
+        </p:txBody>
+      </p:sp>
+      <p:cxnSp>
+        <p:nvCxnSpPr>
+          <p:cNvPr id="44" name="Straight Connector 43">
+            <a:extLst>
+              <a:ext uri="{FF2B5EF4-FFF2-40B4-BE49-F238E27FC236}">
+                <a16:creationId xmlns:a16="http://schemas.microsoft.com/office/drawing/2014/main" id="{818B81EA-62F1-46C1-82FD-D613EBF89EF4}"/>
+              </a:ext>
+            </a:extLst>
+          </p:cNvPr>
+          <p:cNvCxnSpPr>
+            <a:cxnSpLocks/>
+          </p:cNvCxnSpPr>
+          <p:nvPr/>
+        </p:nvCxnSpPr>
+        <p:spPr>
+          <a:xfrm flipH="1" flipV="1">
+            <a:off x="7185747" y="2632001"/>
+            <a:ext cx="505151" cy="843818"/>
+          </a:xfrm>
+          <a:prstGeom prst="line">
+            <a:avLst/>
+          </a:prstGeom>
+          <a:ln w="38100" cap="flat" cmpd="sng" algn="ctr">
+            <a:solidFill>
+              <a:srgbClr val="00B050"/>
+            </a:solidFill>
+            <a:prstDash val="dash"/>
+            <a:round/>
+            <a:headEnd type="none" w="med" len="med"/>
+            <a:tailEnd type="none" w="med" len="med"/>
+          </a:ln>
+        </p:spPr>
+        <p:style>
+          <a:lnRef idx="0">
+            <a:scrgbClr r="0" g="0" b="0"/>
+          </a:lnRef>
+          <a:fillRef idx="0">
+            <a:scrgbClr r="0" g="0" b="0"/>
+          </a:fillRef>
+          <a:effectRef idx="0">
+            <a:scrgbClr r="0" g="0" b="0"/>
+          </a:effectRef>
+          <a:fontRef idx="minor">
+            <a:schemeClr val="tx1"/>
+          </a:fontRef>
+        </p:style>
+      </p:cxnSp>
+      <p:sp>
+        <p:nvSpPr>
+          <p:cNvPr id="47" name="Arc 46">
+            <a:extLst>
+              <a:ext uri="{FF2B5EF4-FFF2-40B4-BE49-F238E27FC236}">
+                <a16:creationId xmlns:a16="http://schemas.microsoft.com/office/drawing/2014/main" id="{AB1003A7-FA7C-47FC-BCCE-AC766889ECD5}"/>
+              </a:ext>
+            </a:extLst>
+          </p:cNvPr>
+          <p:cNvSpPr/>
+          <p:nvPr/>
+        </p:nvSpPr>
+        <p:spPr>
+          <a:xfrm rot="5400000">
+            <a:off x="7309403" y="2980048"/>
+            <a:ext cx="984507" cy="874543"/>
+          </a:xfrm>
+          <a:prstGeom prst="arc">
+            <a:avLst>
+              <a:gd name="adj1" fmla="val 2972686"/>
+              <a:gd name="adj2" fmla="val 7919566"/>
+            </a:avLst>
+          </a:prstGeom>
+          <a:ln w="28575">
+            <a:solidFill>
+              <a:schemeClr val="accent2"/>
+            </a:solidFill>
+          </a:ln>
+        </p:spPr>
+        <p:style>
+          <a:lnRef idx="1">
+            <a:schemeClr val="dk1"/>
+          </a:lnRef>
+          <a:fillRef idx="0">
+            <a:schemeClr val="dk1"/>
+          </a:fillRef>
+          <a:effectRef idx="0">
+            <a:schemeClr val="dk1"/>
+          </a:effectRef>
+          <a:fontRef idx="minor">
+            <a:schemeClr val="tx1"/>
+          </a:fontRef>
+        </p:style>
+        <p:txBody>
+          <a:bodyPr rtlCol="0" anchor="ctr"/>
+          <a:lstStyle/>
+          <a:p>
+            <a:pPr algn="ctr"/>
+            <a:endParaRPr lang="en-US" dirty="0">
+              <a:solidFill>
+                <a:srgbClr val="7030A0"/>
+              </a:solidFill>
+            </a:endParaRPr>
+          </a:p>
+        </p:txBody>
+      </p:sp>
+      <p:sp>
+        <p:nvSpPr>
+          <p:cNvPr id="48" name="TextBox 47">
+            <a:extLst>
+              <a:ext uri="{FF2B5EF4-FFF2-40B4-BE49-F238E27FC236}">
+                <a16:creationId xmlns:a16="http://schemas.microsoft.com/office/drawing/2014/main" id="{451AD382-5B53-4058-9F50-0A93CF86836E}"/>
+              </a:ext>
+            </a:extLst>
+          </p:cNvPr>
+          <p:cNvSpPr txBox="1"/>
+          <p:nvPr/>
+        </p:nvSpPr>
+        <p:spPr>
+          <a:xfrm>
+            <a:off x="6455424" y="2741615"/>
+            <a:ext cx="1050588" cy="707886"/>
+          </a:xfrm>
+          <a:prstGeom prst="rect">
+            <a:avLst/>
+          </a:prstGeom>
+          <a:noFill/>
+        </p:spPr>
+        <p:txBody>
+          <a:bodyPr wrap="square">
+            <a:spAutoFit/>
+          </a:bodyPr>
+          <a:lstStyle/>
+          <a:p>
+            <a:r>
+              <a:rPr lang="en-US" sz="4000" i="1" dirty="0">
+                <a:solidFill>
+                  <a:schemeClr val="accent2"/>
+                </a:solidFill>
+              </a:rPr>
+              <a:t>ᶿ</a:t>
+            </a:r>
+            <a:r>
+              <a:rPr lang="en-US" i="1" dirty="0">
+                <a:solidFill>
+                  <a:schemeClr val="accent2"/>
+                </a:solidFill>
+              </a:rPr>
+              <a:t>vertex</a:t>
+            </a:r>
+          </a:p>
+        </p:txBody>
+      </p:sp>
+      <p:sp>
+        <p:nvSpPr>
+          <p:cNvPr id="49" name="Arc 48">
+            <a:extLst>
+              <a:ext uri="{FF2B5EF4-FFF2-40B4-BE49-F238E27FC236}">
+                <a16:creationId xmlns:a16="http://schemas.microsoft.com/office/drawing/2014/main" id="{786CF931-5859-4CA6-AD9B-14D63C480E3F}"/>
+              </a:ext>
+            </a:extLst>
+          </p:cNvPr>
+          <p:cNvSpPr/>
+          <p:nvPr/>
+        </p:nvSpPr>
+        <p:spPr>
+          <a:xfrm rot="16367700">
+            <a:off x="7140197" y="3105575"/>
+            <a:ext cx="984507" cy="874543"/>
+          </a:xfrm>
+          <a:prstGeom prst="arc">
+            <a:avLst>
+              <a:gd name="adj1" fmla="val 2972686"/>
+              <a:gd name="adj2" fmla="val 7919566"/>
+            </a:avLst>
+          </a:prstGeom>
+          <a:ln w="28575">
+            <a:solidFill>
+              <a:schemeClr val="accent2"/>
+            </a:solidFill>
+          </a:ln>
+        </p:spPr>
+        <p:style>
+          <a:lnRef idx="1">
+            <a:schemeClr val="dk1"/>
+          </a:lnRef>
+          <a:fillRef idx="0">
+            <a:schemeClr val="dk1"/>
+          </a:fillRef>
+          <a:effectRef idx="0">
+            <a:schemeClr val="dk1"/>
+          </a:effectRef>
+          <a:fontRef idx="minor">
+            <a:schemeClr val="tx1"/>
+          </a:fontRef>
+        </p:style>
+        <p:txBody>
+          <a:bodyPr rtlCol="0" anchor="ctr"/>
+          <a:lstStyle/>
+          <a:p>
+            <a:pPr algn="ctr"/>
+            <a:endParaRPr lang="en-US" dirty="0">
+              <a:solidFill>
+                <a:srgbClr val="7030A0"/>
+              </a:solidFill>
+            </a:endParaRPr>
+          </a:p>
+        </p:txBody>
+      </p:sp>
+      <p:sp>
+        <p:nvSpPr>
+          <p:cNvPr id="50" name="TextBox 49">
+            <a:extLst>
+              <a:ext uri="{FF2B5EF4-FFF2-40B4-BE49-F238E27FC236}">
+                <a16:creationId xmlns:a16="http://schemas.microsoft.com/office/drawing/2014/main" id="{03D2B5CD-9F97-4056-95C1-6BF62452D092}"/>
+              </a:ext>
+            </a:extLst>
+          </p:cNvPr>
+          <p:cNvSpPr txBox="1"/>
+          <p:nvPr/>
+        </p:nvSpPr>
+        <p:spPr>
+          <a:xfrm>
+            <a:off x="7204293" y="3182557"/>
+            <a:ext cx="262775" cy="400110"/>
+          </a:xfrm>
+          <a:prstGeom prst="rect">
+            <a:avLst/>
+          </a:prstGeom>
+          <a:noFill/>
+        </p:spPr>
+        <p:txBody>
+          <a:bodyPr wrap="square" rtlCol="0">
+            <a:spAutoFit/>
+          </a:bodyPr>
+          <a:lstStyle/>
+          <a:p>
+            <a:pPr algn="r"/>
+            <a:r>
+              <a:rPr lang="en-US" sz="2000" dirty="0">
+                <a:solidFill>
+                  <a:schemeClr val="accent2"/>
+                </a:solidFill>
+              </a:rPr>
+              <a:t>=</a:t>
+            </a:r>
+          </a:p>
+        </p:txBody>
+      </p:sp>
+      <p:sp>
+        <p:nvSpPr>
+          <p:cNvPr id="51" name="TextBox 50">
+            <a:extLst>
+              <a:ext uri="{FF2B5EF4-FFF2-40B4-BE49-F238E27FC236}">
+                <a16:creationId xmlns:a16="http://schemas.microsoft.com/office/drawing/2014/main" id="{F844AFF4-6DC4-4240-B9FB-2ED48E7D1704}"/>
+              </a:ext>
+            </a:extLst>
+          </p:cNvPr>
+          <p:cNvSpPr txBox="1"/>
+          <p:nvPr/>
+        </p:nvSpPr>
+        <p:spPr>
+          <a:xfrm>
+            <a:off x="7909622" y="3352510"/>
+            <a:ext cx="262775" cy="400110"/>
+          </a:xfrm>
+          <a:prstGeom prst="rect">
+            <a:avLst/>
+          </a:prstGeom>
+          <a:noFill/>
+        </p:spPr>
+        <p:txBody>
+          <a:bodyPr wrap="square" rtlCol="0">
+            <a:spAutoFit/>
+          </a:bodyPr>
+          <a:lstStyle/>
+          <a:p>
+            <a:pPr algn="r"/>
+            <a:r>
+              <a:rPr lang="en-US" sz="2000" dirty="0">
+                <a:solidFill>
+                  <a:schemeClr val="accent2"/>
+                </a:solidFill>
+              </a:rPr>
+              <a:t>=</a:t>
+            </a:r>
+          </a:p>
+        </p:txBody>
+      </p:sp>
+      <p:cxnSp>
+        <p:nvCxnSpPr>
+          <p:cNvPr id="54" name="Straight Connector 53">
+            <a:extLst>
+              <a:ext uri="{FF2B5EF4-FFF2-40B4-BE49-F238E27FC236}">
+                <a16:creationId xmlns:a16="http://schemas.microsoft.com/office/drawing/2014/main" id="{364435A6-7F76-41A5-8002-415E45C17E74}"/>
+              </a:ext>
+            </a:extLst>
+          </p:cNvPr>
+          <p:cNvCxnSpPr>
+            <a:cxnSpLocks/>
+          </p:cNvCxnSpPr>
+          <p:nvPr/>
+        </p:nvCxnSpPr>
+        <p:spPr>
+          <a:xfrm flipH="1" flipV="1">
+            <a:off x="7010400" y="2331720"/>
+            <a:ext cx="1684020" cy="2804160"/>
+          </a:xfrm>
+          <a:prstGeom prst="line">
+            <a:avLst/>
+          </a:prstGeom>
+          <a:ln w="38100" cap="flat" cmpd="sng" algn="ctr">
+            <a:solidFill>
+              <a:schemeClr val="accent2"/>
+            </a:solidFill>
+            <a:prstDash val="dash"/>
+            <a:round/>
+            <a:headEnd type="none" w="med" len="med"/>
+            <a:tailEnd type="none" w="med" len="med"/>
+          </a:ln>
+        </p:spPr>
+        <p:style>
+          <a:lnRef idx="0">
+            <a:scrgbClr r="0" g="0" b="0"/>
+          </a:lnRef>
+          <a:fillRef idx="0">
+            <a:scrgbClr r="0" g="0" b="0"/>
+          </a:fillRef>
+          <a:effectRef idx="0">
+            <a:scrgbClr r="0" g="0" b="0"/>
+          </a:effectRef>
+          <a:fontRef idx="minor">
+            <a:schemeClr val="tx1"/>
+          </a:fontRef>
+        </p:style>
+      </p:cxnSp>
+    </p:spTree>
+    <p:extLst>
+      <p:ext uri="{BB962C8B-B14F-4D97-AF65-F5344CB8AC3E}">
+        <p14:creationId xmlns:p14="http://schemas.microsoft.com/office/powerpoint/2010/main" val="1158413718"/>
+      </p:ext>
+    </p:extLst>
+  </p:cSld>
+  <p:clrMapOvr>
+    <a:masterClrMapping/>
+  </p:clrMapOvr>
+</p:sld>
+</file>
+
+<file path=ppt/slides/slide51.xml><?xml version="1.0" encoding="utf-8"?>
+<p:sld xmlns:a="http://schemas.openxmlformats.org/drawingml/2006/main" xmlns:r="http://schemas.openxmlformats.org/officeDocument/2006/relationships" xmlns:p="http://schemas.openxmlformats.org/presentationml/2006/main">
+  <p:cSld>
+    <p:spTree>
+      <p:nvGrpSpPr>
+        <p:cNvPr id="1" name=""/>
+        <p:cNvGrpSpPr/>
+        <p:nvPr/>
+      </p:nvGrpSpPr>
+      <p:grpSpPr>
+        <a:xfrm>
+          <a:off x="0" y="0"/>
+          <a:ext cx="0" cy="0"/>
+          <a:chOff x="0" y="0"/>
+          <a:chExt cx="0" cy="0"/>
+        </a:xfrm>
+      </p:grpSpPr>
+      <p:sp>
+        <p:nvSpPr>
+          <p:cNvPr id="2" name="Title 1">
+            <a:extLst>
+              <a:ext uri="{FF2B5EF4-FFF2-40B4-BE49-F238E27FC236}">
+                <a16:creationId xmlns:a16="http://schemas.microsoft.com/office/drawing/2014/main" id="{FFCEB186-C4F2-43BC-8A25-91E6D1AC1086}"/>
+              </a:ext>
+            </a:extLst>
+          </p:cNvPr>
+          <p:cNvSpPr>
+            <a:spLocks noGrp="1"/>
+          </p:cNvSpPr>
+          <p:nvPr>
+            <p:ph type="title"/>
+          </p:nvPr>
+        </p:nvSpPr>
+        <p:spPr>
+          <a:xfrm>
+            <a:off x="838200" y="232213"/>
+            <a:ext cx="10515600" cy="1549158"/>
+          </a:xfrm>
+        </p:spPr>
+        <p:txBody>
+          <a:bodyPr>
+            <a:noAutofit/>
+          </a:bodyPr>
+          <a:lstStyle/>
+          <a:p>
+            <a:r>
+              <a:rPr lang="en-US" sz="3200" dirty="0"/>
+              <a:t>This gives the following formula, where the original perimeter based estimate is modified by adding a sum of parallelogram areas.</a:t>
+            </a:r>
+          </a:p>
+        </p:txBody>
+      </p:sp>
+      <p:sp>
+        <p:nvSpPr>
+          <p:cNvPr id="4" name="Slide Number Placeholder 3">
+            <a:extLst>
+              <a:ext uri="{FF2B5EF4-FFF2-40B4-BE49-F238E27FC236}">
+                <a16:creationId xmlns:a16="http://schemas.microsoft.com/office/drawing/2014/main" id="{E98C5798-6143-4075-8375-7AE4161FC0D3}"/>
+              </a:ext>
+            </a:extLst>
+          </p:cNvPr>
+          <p:cNvSpPr>
+            <a:spLocks noGrp="1"/>
+          </p:cNvSpPr>
+          <p:nvPr>
+            <p:ph type="sldNum" sz="quarter" idx="12"/>
+          </p:nvPr>
+        </p:nvSpPr>
+        <p:spPr/>
+        <p:txBody>
+          <a:bodyPr/>
+          <a:lstStyle/>
+          <a:p>
+            <a:fld id="{35E7B248-7056-49E8-9F30-37D8E83E9700}" type="slidenum">
+              <a:rPr lang="en-US" smtClean="0"/>
+              <a:t>51</a:t>
+            </a:fld>
+            <a:endParaRPr lang="en-US"/>
+          </a:p>
+        </p:txBody>
+      </p:sp>
+      <p:pic>
+        <p:nvPicPr>
+          <p:cNvPr id="29" name="Picture 28">
+            <a:extLst>
+              <a:ext uri="{FF2B5EF4-FFF2-40B4-BE49-F238E27FC236}">
+                <a16:creationId xmlns:a16="http://schemas.microsoft.com/office/drawing/2014/main" id="{A5B3655D-4503-415C-862E-DDED732A9F57}"/>
+              </a:ext>
+            </a:extLst>
+          </p:cNvPr>
+          <p:cNvPicPr>
+            <a:picLocks noChangeAspect="1"/>
+          </p:cNvPicPr>
+          <p:nvPr/>
+        </p:nvPicPr>
+        <p:blipFill>
+          <a:blip r:embed="rId2"/>
+          <a:stretch>
+            <a:fillRect/>
+          </a:stretch>
+        </p:blipFill>
+        <p:spPr>
+          <a:xfrm>
+            <a:off x="5494966" y="2773714"/>
+            <a:ext cx="4602498" cy="4000984"/>
+          </a:xfrm>
+          <a:prstGeom prst="rect">
+            <a:avLst/>
+          </a:prstGeom>
+        </p:spPr>
+      </p:pic>
+      <p:sp>
+        <p:nvSpPr>
+          <p:cNvPr id="30" name="Rectangle 29">
+            <a:extLst>
+              <a:ext uri="{FF2B5EF4-FFF2-40B4-BE49-F238E27FC236}">
+                <a16:creationId xmlns:a16="http://schemas.microsoft.com/office/drawing/2014/main" id="{F561ED65-3B60-427D-A6B9-6CDC9FC4816A}"/>
+              </a:ext>
+            </a:extLst>
+          </p:cNvPr>
+          <p:cNvSpPr/>
+          <p:nvPr/>
+        </p:nvSpPr>
+        <p:spPr>
+          <a:xfrm>
+            <a:off x="5494966" y="2786414"/>
+            <a:ext cx="4602498" cy="4000984"/>
+          </a:xfrm>
+          <a:prstGeom prst="rect">
+            <a:avLst/>
+          </a:prstGeom>
+          <a:noFill/>
+          <a:ln w="57150">
+            <a:solidFill>
+              <a:schemeClr val="accent2"/>
+            </a:solidFill>
+          </a:ln>
+        </p:spPr>
+        <p:style>
+          <a:lnRef idx="2">
+            <a:schemeClr val="accent1">
+              <a:shade val="50000"/>
+            </a:schemeClr>
+          </a:lnRef>
+          <a:fillRef idx="1">
+            <a:schemeClr val="accent1"/>
+          </a:fillRef>
+          <a:effectRef idx="0">
+            <a:schemeClr val="accent1"/>
+          </a:effectRef>
+          <a:fontRef idx="minor">
+            <a:schemeClr val="lt1"/>
+          </a:fontRef>
+        </p:style>
+        <p:txBody>
+          <a:bodyPr rtlCol="0" anchor="ctr"/>
+          <a:lstStyle/>
+          <a:p>
+            <a:pPr algn="ctr"/>
+            <a:endParaRPr lang="en-US"/>
+          </a:p>
+        </p:txBody>
+      </p:sp>
+      <p:cxnSp>
+        <p:nvCxnSpPr>
+          <p:cNvPr id="41" name="Straight Connector 40">
+            <a:extLst>
+              <a:ext uri="{FF2B5EF4-FFF2-40B4-BE49-F238E27FC236}">
+                <a16:creationId xmlns:a16="http://schemas.microsoft.com/office/drawing/2014/main" id="{A5BB37DB-C56A-433D-BCFC-644DB795001B}"/>
+              </a:ext>
+            </a:extLst>
+          </p:cNvPr>
+          <p:cNvCxnSpPr>
+            <a:cxnSpLocks/>
+          </p:cNvCxnSpPr>
+          <p:nvPr/>
+        </p:nvCxnSpPr>
+        <p:spPr>
+          <a:xfrm flipH="1" flipV="1">
+            <a:off x="6966580" y="2786414"/>
+            <a:ext cx="682831" cy="1088910"/>
+          </a:xfrm>
+          <a:prstGeom prst="line">
+            <a:avLst/>
+          </a:prstGeom>
+          <a:ln w="38100" cap="flat" cmpd="sng" algn="ctr">
+            <a:solidFill>
+              <a:srgbClr val="00B050"/>
+            </a:solidFill>
+            <a:prstDash val="dash"/>
+            <a:round/>
+            <a:headEnd type="none" w="med" len="med"/>
+            <a:tailEnd type="none" w="med" len="med"/>
+          </a:ln>
+        </p:spPr>
+        <p:style>
+          <a:lnRef idx="0">
+            <a:scrgbClr r="0" g="0" b="0"/>
+          </a:lnRef>
+          <a:fillRef idx="0">
+            <a:scrgbClr r="0" g="0" b="0"/>
+          </a:fillRef>
+          <a:effectRef idx="0">
+            <a:scrgbClr r="0" g="0" b="0"/>
+          </a:effectRef>
+          <a:fontRef idx="minor">
+            <a:schemeClr val="tx1"/>
+          </a:fontRef>
+        </p:style>
+      </p:cxnSp>
+      <p:cxnSp>
+        <p:nvCxnSpPr>
+          <p:cNvPr id="42" name="Straight Arrow Connector 41">
+            <a:extLst>
+              <a:ext uri="{FF2B5EF4-FFF2-40B4-BE49-F238E27FC236}">
+                <a16:creationId xmlns:a16="http://schemas.microsoft.com/office/drawing/2014/main" id="{64E81EC6-5A3D-423E-9E74-BF7CE0A81137}"/>
+              </a:ext>
+            </a:extLst>
+          </p:cNvPr>
+          <p:cNvCxnSpPr>
+            <a:cxnSpLocks/>
+          </p:cNvCxnSpPr>
+          <p:nvPr/>
+        </p:nvCxnSpPr>
+        <p:spPr>
+          <a:xfrm flipV="1">
+            <a:off x="6556522" y="3229243"/>
+            <a:ext cx="751473" cy="546592"/>
+          </a:xfrm>
+          <a:prstGeom prst="straightConnector1">
+            <a:avLst/>
+          </a:prstGeom>
+          <a:ln w="38100" cap="flat" cmpd="sng" algn="ctr">
+            <a:solidFill>
+              <a:srgbClr val="00B050"/>
+            </a:solidFill>
+            <a:prstDash val="solid"/>
+            <a:round/>
+            <a:headEnd type="arrow" w="med" len="med"/>
+            <a:tailEnd type="arrow" w="med" len="med"/>
+          </a:ln>
+        </p:spPr>
+        <p:style>
+          <a:lnRef idx="0">
+            <a:scrgbClr r="0" g="0" b="0"/>
+          </a:lnRef>
+          <a:fillRef idx="0">
+            <a:scrgbClr r="0" g="0" b="0"/>
+          </a:fillRef>
+          <a:effectRef idx="0">
+            <a:scrgbClr r="0" g="0" b="0"/>
+          </a:effectRef>
+          <a:fontRef idx="minor">
+            <a:schemeClr val="tx1"/>
+          </a:fontRef>
+        </p:style>
+      </p:cxnSp>
+      <p:sp>
+        <p:nvSpPr>
+          <p:cNvPr id="43" name="Rectangle 42">
+            <a:extLst>
+              <a:ext uri="{FF2B5EF4-FFF2-40B4-BE49-F238E27FC236}">
+                <a16:creationId xmlns:a16="http://schemas.microsoft.com/office/drawing/2014/main" id="{4E8A2B34-7237-4E60-A6B3-067CB9802FE9}"/>
+              </a:ext>
+            </a:extLst>
+          </p:cNvPr>
+          <p:cNvSpPr/>
+          <p:nvPr/>
+        </p:nvSpPr>
+        <p:spPr>
+          <a:xfrm>
+            <a:off x="6468910" y="3047770"/>
+            <a:ext cx="585283" cy="400110"/>
+          </a:xfrm>
+          <a:prstGeom prst="rect">
+            <a:avLst/>
+          </a:prstGeom>
+        </p:spPr>
+        <p:txBody>
+          <a:bodyPr wrap="square">
+            <a:spAutoFit/>
+          </a:bodyPr>
+          <a:lstStyle/>
+          <a:p>
+            <a:r>
+              <a:rPr lang="en-US" sz="2000" b="1" i="1" dirty="0">
+                <a:solidFill>
+                  <a:srgbClr val="00B050"/>
+                </a:solidFill>
+                <a:latin typeface="Times New Roman" panose="02020603050405020304" pitchFamily="18" charset="0"/>
+                <a:cs typeface="Times New Roman" panose="02020603050405020304" pitchFamily="18" charset="0"/>
+              </a:rPr>
+              <a:t>G/2</a:t>
+            </a:r>
+          </a:p>
+        </p:txBody>
+      </p:sp>
+      <p:cxnSp>
+        <p:nvCxnSpPr>
+          <p:cNvPr id="44" name="Straight Connector 43">
+            <a:extLst>
+              <a:ext uri="{FF2B5EF4-FFF2-40B4-BE49-F238E27FC236}">
+                <a16:creationId xmlns:a16="http://schemas.microsoft.com/office/drawing/2014/main" id="{818B81EA-62F1-46C1-82FD-D613EBF89EF4}"/>
+              </a:ext>
+            </a:extLst>
+          </p:cNvPr>
+          <p:cNvCxnSpPr>
+            <a:cxnSpLocks/>
+          </p:cNvCxnSpPr>
+          <p:nvPr/>
+        </p:nvCxnSpPr>
+        <p:spPr>
+          <a:xfrm flipH="1" flipV="1">
+            <a:off x="6371362" y="3418407"/>
+            <a:ext cx="505151" cy="843818"/>
+          </a:xfrm>
+          <a:prstGeom prst="line">
+            <a:avLst/>
+          </a:prstGeom>
+          <a:ln w="38100" cap="flat" cmpd="sng" algn="ctr">
+            <a:solidFill>
+              <a:srgbClr val="00B050"/>
+            </a:solidFill>
+            <a:prstDash val="dash"/>
+            <a:round/>
+            <a:headEnd type="none" w="med" len="med"/>
+            <a:tailEnd type="none" w="med" len="med"/>
+          </a:ln>
+        </p:spPr>
+        <p:style>
+          <a:lnRef idx="0">
+            <a:scrgbClr r="0" g="0" b="0"/>
+          </a:lnRef>
+          <a:fillRef idx="0">
+            <a:scrgbClr r="0" g="0" b="0"/>
+          </a:fillRef>
+          <a:effectRef idx="0">
+            <a:scrgbClr r="0" g="0" b="0"/>
+          </a:effectRef>
+          <a:fontRef idx="minor">
+            <a:schemeClr val="tx1"/>
+          </a:fontRef>
+        </p:style>
+      </p:cxnSp>
+      <p:sp>
+        <p:nvSpPr>
+          <p:cNvPr id="47" name="Arc 46">
+            <a:extLst>
+              <a:ext uri="{FF2B5EF4-FFF2-40B4-BE49-F238E27FC236}">
+                <a16:creationId xmlns:a16="http://schemas.microsoft.com/office/drawing/2014/main" id="{AB1003A7-FA7C-47FC-BCCE-AC766889ECD5}"/>
+              </a:ext>
+            </a:extLst>
+          </p:cNvPr>
+          <p:cNvSpPr/>
+          <p:nvPr/>
+        </p:nvSpPr>
+        <p:spPr>
+          <a:xfrm rot="5400000">
+            <a:off x="6495018" y="3766454"/>
+            <a:ext cx="984507" cy="874543"/>
+          </a:xfrm>
+          <a:prstGeom prst="arc">
+            <a:avLst>
+              <a:gd name="adj1" fmla="val 2972686"/>
+              <a:gd name="adj2" fmla="val 7919566"/>
+            </a:avLst>
+          </a:prstGeom>
+          <a:ln w="28575">
+            <a:solidFill>
+              <a:schemeClr val="accent2"/>
+            </a:solidFill>
+          </a:ln>
+        </p:spPr>
+        <p:style>
+          <a:lnRef idx="1">
+            <a:schemeClr val="dk1"/>
+          </a:lnRef>
+          <a:fillRef idx="0">
+            <a:schemeClr val="dk1"/>
+          </a:fillRef>
+          <a:effectRef idx="0">
+            <a:schemeClr val="dk1"/>
+          </a:effectRef>
+          <a:fontRef idx="minor">
+            <a:schemeClr val="tx1"/>
+          </a:fontRef>
+        </p:style>
+        <p:txBody>
+          <a:bodyPr rtlCol="0" anchor="ctr"/>
+          <a:lstStyle/>
+          <a:p>
+            <a:pPr algn="ctr"/>
+            <a:endParaRPr lang="en-US" dirty="0">
+              <a:solidFill>
+                <a:srgbClr val="7030A0"/>
+              </a:solidFill>
+            </a:endParaRPr>
+          </a:p>
+        </p:txBody>
+      </p:sp>
+      <p:sp>
+        <p:nvSpPr>
+          <p:cNvPr id="48" name="TextBox 47">
+            <a:extLst>
+              <a:ext uri="{FF2B5EF4-FFF2-40B4-BE49-F238E27FC236}">
+                <a16:creationId xmlns:a16="http://schemas.microsoft.com/office/drawing/2014/main" id="{451AD382-5B53-4058-9F50-0A93CF86836E}"/>
+              </a:ext>
+            </a:extLst>
+          </p:cNvPr>
+          <p:cNvSpPr txBox="1"/>
+          <p:nvPr/>
+        </p:nvSpPr>
+        <p:spPr>
+          <a:xfrm>
+            <a:off x="5641039" y="3528021"/>
+            <a:ext cx="1050588" cy="707886"/>
+          </a:xfrm>
+          <a:prstGeom prst="rect">
+            <a:avLst/>
+          </a:prstGeom>
+          <a:noFill/>
+        </p:spPr>
+        <p:txBody>
+          <a:bodyPr wrap="square">
+            <a:spAutoFit/>
+          </a:bodyPr>
+          <a:lstStyle/>
+          <a:p>
+            <a:r>
+              <a:rPr lang="en-US" sz="4000" i="1" dirty="0">
+                <a:solidFill>
+                  <a:schemeClr val="accent2"/>
+                </a:solidFill>
+              </a:rPr>
+              <a:t>ᶿ</a:t>
+            </a:r>
+            <a:r>
+              <a:rPr lang="en-US" i="1" dirty="0">
+                <a:solidFill>
+                  <a:schemeClr val="accent2"/>
+                </a:solidFill>
+              </a:rPr>
+              <a:t>vertex</a:t>
+            </a:r>
+          </a:p>
+        </p:txBody>
+      </p:sp>
+      <p:sp>
+        <p:nvSpPr>
+          <p:cNvPr id="49" name="Arc 48">
+            <a:extLst>
+              <a:ext uri="{FF2B5EF4-FFF2-40B4-BE49-F238E27FC236}">
+                <a16:creationId xmlns:a16="http://schemas.microsoft.com/office/drawing/2014/main" id="{786CF931-5859-4CA6-AD9B-14D63C480E3F}"/>
+              </a:ext>
+            </a:extLst>
+          </p:cNvPr>
+          <p:cNvSpPr/>
+          <p:nvPr/>
+        </p:nvSpPr>
+        <p:spPr>
+          <a:xfrm rot="16367700">
+            <a:off x="6325812" y="3891981"/>
+            <a:ext cx="984507" cy="874543"/>
+          </a:xfrm>
+          <a:prstGeom prst="arc">
+            <a:avLst>
+              <a:gd name="adj1" fmla="val 2972686"/>
+              <a:gd name="adj2" fmla="val 7919566"/>
+            </a:avLst>
+          </a:prstGeom>
+          <a:ln w="28575">
+            <a:solidFill>
+              <a:schemeClr val="accent2"/>
+            </a:solidFill>
+          </a:ln>
+        </p:spPr>
+        <p:style>
+          <a:lnRef idx="1">
+            <a:schemeClr val="dk1"/>
+          </a:lnRef>
+          <a:fillRef idx="0">
+            <a:schemeClr val="dk1"/>
+          </a:fillRef>
+          <a:effectRef idx="0">
+            <a:schemeClr val="dk1"/>
+          </a:effectRef>
+          <a:fontRef idx="minor">
+            <a:schemeClr val="tx1"/>
+          </a:fontRef>
+        </p:style>
+        <p:txBody>
+          <a:bodyPr rtlCol="0" anchor="ctr"/>
+          <a:lstStyle/>
+          <a:p>
+            <a:pPr algn="ctr"/>
+            <a:endParaRPr lang="en-US" dirty="0">
+              <a:solidFill>
+                <a:srgbClr val="7030A0"/>
+              </a:solidFill>
+            </a:endParaRPr>
+          </a:p>
+        </p:txBody>
+      </p:sp>
+      <p:sp>
+        <p:nvSpPr>
+          <p:cNvPr id="50" name="TextBox 49">
+            <a:extLst>
+              <a:ext uri="{FF2B5EF4-FFF2-40B4-BE49-F238E27FC236}">
+                <a16:creationId xmlns:a16="http://schemas.microsoft.com/office/drawing/2014/main" id="{03D2B5CD-9F97-4056-95C1-6BF62452D092}"/>
+              </a:ext>
+            </a:extLst>
+          </p:cNvPr>
+          <p:cNvSpPr txBox="1"/>
+          <p:nvPr/>
+        </p:nvSpPr>
+        <p:spPr>
+          <a:xfrm>
+            <a:off x="6389908" y="3968963"/>
+            <a:ext cx="262775" cy="400110"/>
+          </a:xfrm>
+          <a:prstGeom prst="rect">
+            <a:avLst/>
+          </a:prstGeom>
+          <a:noFill/>
+        </p:spPr>
+        <p:txBody>
+          <a:bodyPr wrap="square" rtlCol="0">
+            <a:spAutoFit/>
+          </a:bodyPr>
+          <a:lstStyle/>
+          <a:p>
+            <a:pPr algn="r"/>
+            <a:r>
+              <a:rPr lang="en-US" sz="2000" dirty="0">
+                <a:solidFill>
+                  <a:schemeClr val="accent2"/>
+                </a:solidFill>
+              </a:rPr>
+              <a:t>=</a:t>
+            </a:r>
+          </a:p>
+        </p:txBody>
+      </p:sp>
+      <p:sp>
+        <p:nvSpPr>
+          <p:cNvPr id="51" name="TextBox 50">
+            <a:extLst>
+              <a:ext uri="{FF2B5EF4-FFF2-40B4-BE49-F238E27FC236}">
+                <a16:creationId xmlns:a16="http://schemas.microsoft.com/office/drawing/2014/main" id="{F844AFF4-6DC4-4240-B9FB-2ED48E7D1704}"/>
+              </a:ext>
+            </a:extLst>
+          </p:cNvPr>
+          <p:cNvSpPr txBox="1"/>
+          <p:nvPr/>
+        </p:nvSpPr>
+        <p:spPr>
+          <a:xfrm>
+            <a:off x="7095237" y="4138916"/>
+            <a:ext cx="262775" cy="400110"/>
+          </a:xfrm>
+          <a:prstGeom prst="rect">
+            <a:avLst/>
+          </a:prstGeom>
+          <a:noFill/>
+        </p:spPr>
+        <p:txBody>
+          <a:bodyPr wrap="square" rtlCol="0">
+            <a:spAutoFit/>
+          </a:bodyPr>
+          <a:lstStyle/>
+          <a:p>
+            <a:pPr algn="r"/>
+            <a:r>
+              <a:rPr lang="en-US" sz="2000" dirty="0">
+                <a:solidFill>
+                  <a:schemeClr val="accent2"/>
+                </a:solidFill>
+              </a:rPr>
+              <a:t>=</a:t>
+            </a:r>
+          </a:p>
+        </p:txBody>
+      </p:sp>
+      <p:pic>
+        <p:nvPicPr>
+          <p:cNvPr id="53" name="Picture 52">
+            <a:extLst>
+              <a:ext uri="{FF2B5EF4-FFF2-40B4-BE49-F238E27FC236}">
+                <a16:creationId xmlns:a16="http://schemas.microsoft.com/office/drawing/2014/main" id="{5612B559-D762-4B4D-9138-ABF289B7FC15}"/>
+              </a:ext>
+            </a:extLst>
+          </p:cNvPr>
+          <p:cNvPicPr>
+            <a:picLocks noChangeAspect="1"/>
+          </p:cNvPicPr>
+          <p:nvPr/>
+        </p:nvPicPr>
+        <p:blipFill>
+          <a:blip r:embed="rId3"/>
+          <a:stretch>
+            <a:fillRect/>
+          </a:stretch>
+        </p:blipFill>
+        <p:spPr>
+          <a:xfrm>
+            <a:off x="450517" y="3855470"/>
+            <a:ext cx="4602498" cy="624865"/>
+          </a:xfrm>
+          <a:prstGeom prst="rect">
+            <a:avLst/>
+          </a:prstGeom>
+        </p:spPr>
+      </p:pic>
+      <p:pic>
+        <p:nvPicPr>
+          <p:cNvPr id="8" name="Picture 7">
+            <a:extLst>
+              <a:ext uri="{FF2B5EF4-FFF2-40B4-BE49-F238E27FC236}">
+                <a16:creationId xmlns:a16="http://schemas.microsoft.com/office/drawing/2014/main" id="{30B6AD1C-4850-4C8D-9965-FCE281D35027}"/>
+              </a:ext>
+            </a:extLst>
+          </p:cNvPr>
+          <p:cNvPicPr>
+            <a:picLocks noChangeAspect="1"/>
+          </p:cNvPicPr>
+          <p:nvPr/>
+        </p:nvPicPr>
+        <p:blipFill>
+          <a:blip r:embed="rId4"/>
+          <a:stretch>
+            <a:fillRect/>
+          </a:stretch>
+        </p:blipFill>
+        <p:spPr>
+          <a:xfrm>
+            <a:off x="334349" y="1818140"/>
+            <a:ext cx="11926964" cy="762106"/>
+          </a:xfrm>
+          <a:prstGeom prst="rect">
+            <a:avLst/>
+          </a:prstGeom>
+        </p:spPr>
+      </p:pic>
+    </p:spTree>
+    <p:extLst>
+      <p:ext uri="{BB962C8B-B14F-4D97-AF65-F5344CB8AC3E}">
+        <p14:creationId xmlns:p14="http://schemas.microsoft.com/office/powerpoint/2010/main" val="1650728360"/>
+      </p:ext>
+    </p:extLst>
+  </p:cSld>
+  <p:clrMapOvr>
+    <a:masterClrMapping/>
+  </p:clrMapOvr>
+</p:sld>
+</file>
+
+<file path=ppt/slides/slide52.xml><?xml version="1.0" encoding="utf-8"?>
+<p:sld xmlns:a="http://schemas.openxmlformats.org/drawingml/2006/main" xmlns:r="http://schemas.openxmlformats.org/officeDocument/2006/relationships" xmlns:p="http://schemas.openxmlformats.org/presentationml/2006/main">
+  <p:cSld>
+    <p:spTree>
+      <p:nvGrpSpPr>
+        <p:cNvPr id="1" name=""/>
+        <p:cNvGrpSpPr/>
+        <p:nvPr/>
+      </p:nvGrpSpPr>
+      <p:grpSpPr>
+        <a:xfrm>
+          <a:off x="0" y="0"/>
+          <a:ext cx="0" cy="0"/>
+          <a:chOff x="0" y="0"/>
+          <a:chExt cx="0" cy="0"/>
+        </a:xfrm>
+      </p:grpSpPr>
+      <p:sp>
+        <p:nvSpPr>
+          <p:cNvPr id="2" name="Title 1">
+            <a:extLst>
+              <a:ext uri="{FF2B5EF4-FFF2-40B4-BE49-F238E27FC236}">
+                <a16:creationId xmlns:a16="http://schemas.microsoft.com/office/drawing/2014/main" id="{FFCEB186-C4F2-43BC-8A25-91E6D1AC1086}"/>
+              </a:ext>
+            </a:extLst>
+          </p:cNvPr>
+          <p:cNvSpPr>
+            <a:spLocks noGrp="1"/>
+          </p:cNvSpPr>
+          <p:nvPr>
+            <p:ph type="title"/>
+          </p:nvPr>
+        </p:nvSpPr>
+        <p:spPr>
+          <a:xfrm>
+            <a:off x="838200" y="232213"/>
+            <a:ext cx="10515600" cy="1549158"/>
+          </a:xfrm>
+        </p:spPr>
+        <p:txBody>
+          <a:bodyPr>
+            <a:noAutofit/>
+          </a:bodyPr>
+          <a:lstStyle/>
+          <a:p>
+            <a:r>
+              <a:rPr lang="en-US" sz="3200" dirty="0"/>
+              <a:t>This can also be modified to include repeated average sized parallelograms based on average interior vertex angle.</a:t>
+            </a:r>
+          </a:p>
+        </p:txBody>
+      </p:sp>
+      <p:sp>
+        <p:nvSpPr>
+          <p:cNvPr id="4" name="Slide Number Placeholder 3">
+            <a:extLst>
+              <a:ext uri="{FF2B5EF4-FFF2-40B4-BE49-F238E27FC236}">
+                <a16:creationId xmlns:a16="http://schemas.microsoft.com/office/drawing/2014/main" id="{E98C5798-6143-4075-8375-7AE4161FC0D3}"/>
+              </a:ext>
+            </a:extLst>
+          </p:cNvPr>
+          <p:cNvSpPr>
+            <a:spLocks noGrp="1"/>
+          </p:cNvSpPr>
+          <p:nvPr>
+            <p:ph type="sldNum" sz="quarter" idx="12"/>
+          </p:nvPr>
+        </p:nvSpPr>
+        <p:spPr/>
+        <p:txBody>
+          <a:bodyPr/>
+          <a:lstStyle/>
+          <a:p>
+            <a:fld id="{35E7B248-7056-49E8-9F30-37D8E83E9700}" type="slidenum">
+              <a:rPr lang="en-US" smtClean="0"/>
+              <a:t>52</a:t>
+            </a:fld>
+            <a:endParaRPr lang="en-US"/>
+          </a:p>
+        </p:txBody>
+      </p:sp>
+      <p:pic>
+        <p:nvPicPr>
+          <p:cNvPr id="29" name="Picture 28">
+            <a:extLst>
+              <a:ext uri="{FF2B5EF4-FFF2-40B4-BE49-F238E27FC236}">
+                <a16:creationId xmlns:a16="http://schemas.microsoft.com/office/drawing/2014/main" id="{A5B3655D-4503-415C-862E-DDED732A9F57}"/>
+              </a:ext>
+            </a:extLst>
+          </p:cNvPr>
+          <p:cNvPicPr>
+            <a:picLocks noChangeAspect="1"/>
+          </p:cNvPicPr>
+          <p:nvPr/>
+        </p:nvPicPr>
+        <p:blipFill>
+          <a:blip r:embed="rId2"/>
+          <a:stretch>
+            <a:fillRect/>
+          </a:stretch>
+        </p:blipFill>
+        <p:spPr>
+          <a:xfrm>
+            <a:off x="3581401" y="2768601"/>
+            <a:ext cx="4602498" cy="4000984"/>
+          </a:xfrm>
+          <a:prstGeom prst="rect">
+            <a:avLst/>
+          </a:prstGeom>
+        </p:spPr>
+      </p:pic>
+      <p:sp>
+        <p:nvSpPr>
+          <p:cNvPr id="30" name="Rectangle 29">
+            <a:extLst>
+              <a:ext uri="{FF2B5EF4-FFF2-40B4-BE49-F238E27FC236}">
+                <a16:creationId xmlns:a16="http://schemas.microsoft.com/office/drawing/2014/main" id="{F561ED65-3B60-427D-A6B9-6CDC9FC4816A}"/>
+              </a:ext>
+            </a:extLst>
+          </p:cNvPr>
+          <p:cNvSpPr/>
+          <p:nvPr/>
+        </p:nvSpPr>
+        <p:spPr>
+          <a:xfrm>
+            <a:off x="3581401" y="2781301"/>
+            <a:ext cx="4602498" cy="4000984"/>
+          </a:xfrm>
+          <a:prstGeom prst="rect">
+            <a:avLst/>
+          </a:prstGeom>
+          <a:noFill/>
+          <a:ln w="57150">
+            <a:solidFill>
+              <a:schemeClr val="accent2"/>
+            </a:solidFill>
+          </a:ln>
+        </p:spPr>
+        <p:style>
+          <a:lnRef idx="2">
+            <a:schemeClr val="accent1">
+              <a:shade val="50000"/>
+            </a:schemeClr>
+          </a:lnRef>
+          <a:fillRef idx="1">
+            <a:schemeClr val="accent1"/>
+          </a:fillRef>
+          <a:effectRef idx="0">
+            <a:schemeClr val="accent1"/>
+          </a:effectRef>
+          <a:fontRef idx="minor">
+            <a:schemeClr val="lt1"/>
+          </a:fontRef>
+        </p:style>
+        <p:txBody>
+          <a:bodyPr rtlCol="0" anchor="ctr"/>
+          <a:lstStyle/>
+          <a:p>
+            <a:pPr algn="ctr"/>
+            <a:endParaRPr lang="en-US"/>
+          </a:p>
+        </p:txBody>
+      </p:sp>
+      <p:cxnSp>
+        <p:nvCxnSpPr>
+          <p:cNvPr id="41" name="Straight Connector 40">
+            <a:extLst>
+              <a:ext uri="{FF2B5EF4-FFF2-40B4-BE49-F238E27FC236}">
+                <a16:creationId xmlns:a16="http://schemas.microsoft.com/office/drawing/2014/main" id="{A5BB37DB-C56A-433D-BCFC-644DB795001B}"/>
+              </a:ext>
+            </a:extLst>
+          </p:cNvPr>
+          <p:cNvCxnSpPr>
+            <a:cxnSpLocks/>
+          </p:cNvCxnSpPr>
+          <p:nvPr/>
+        </p:nvCxnSpPr>
+        <p:spPr>
+          <a:xfrm flipH="1" flipV="1">
+            <a:off x="5053015" y="2781301"/>
+            <a:ext cx="682831" cy="1088910"/>
+          </a:xfrm>
+          <a:prstGeom prst="line">
+            <a:avLst/>
+          </a:prstGeom>
+          <a:ln w="38100" cap="flat" cmpd="sng" algn="ctr">
+            <a:solidFill>
+              <a:srgbClr val="00B050"/>
+            </a:solidFill>
+            <a:prstDash val="dash"/>
+            <a:round/>
+            <a:headEnd type="none" w="med" len="med"/>
+            <a:tailEnd type="none" w="med" len="med"/>
+          </a:ln>
+        </p:spPr>
+        <p:style>
+          <a:lnRef idx="0">
+            <a:scrgbClr r="0" g="0" b="0"/>
+          </a:lnRef>
+          <a:fillRef idx="0">
+            <a:scrgbClr r="0" g="0" b="0"/>
+          </a:fillRef>
+          <a:effectRef idx="0">
+            <a:scrgbClr r="0" g="0" b="0"/>
+          </a:effectRef>
+          <a:fontRef idx="minor">
+            <a:schemeClr val="tx1"/>
+          </a:fontRef>
+        </p:style>
+      </p:cxnSp>
+      <p:cxnSp>
+        <p:nvCxnSpPr>
+          <p:cNvPr id="42" name="Straight Arrow Connector 41">
+            <a:extLst>
+              <a:ext uri="{FF2B5EF4-FFF2-40B4-BE49-F238E27FC236}">
+                <a16:creationId xmlns:a16="http://schemas.microsoft.com/office/drawing/2014/main" id="{64E81EC6-5A3D-423E-9E74-BF7CE0A81137}"/>
+              </a:ext>
+            </a:extLst>
+          </p:cNvPr>
+          <p:cNvCxnSpPr>
+            <a:cxnSpLocks/>
+          </p:cNvCxnSpPr>
+          <p:nvPr/>
+        </p:nvCxnSpPr>
+        <p:spPr>
+          <a:xfrm flipV="1">
+            <a:off x="4642957" y="3224130"/>
+            <a:ext cx="751473" cy="546592"/>
+          </a:xfrm>
+          <a:prstGeom prst="straightConnector1">
+            <a:avLst/>
+          </a:prstGeom>
+          <a:ln w="38100" cap="flat" cmpd="sng" algn="ctr">
+            <a:solidFill>
+              <a:srgbClr val="00B050"/>
+            </a:solidFill>
+            <a:prstDash val="solid"/>
+            <a:round/>
+            <a:headEnd type="arrow" w="med" len="med"/>
+            <a:tailEnd type="arrow" w="med" len="med"/>
+          </a:ln>
+        </p:spPr>
+        <p:style>
+          <a:lnRef idx="0">
+            <a:scrgbClr r="0" g="0" b="0"/>
+          </a:lnRef>
+          <a:fillRef idx="0">
+            <a:scrgbClr r="0" g="0" b="0"/>
+          </a:fillRef>
+          <a:effectRef idx="0">
+            <a:scrgbClr r="0" g="0" b="0"/>
+          </a:effectRef>
+          <a:fontRef idx="minor">
+            <a:schemeClr val="tx1"/>
+          </a:fontRef>
+        </p:style>
+      </p:cxnSp>
+      <p:sp>
+        <p:nvSpPr>
+          <p:cNvPr id="43" name="Rectangle 42">
+            <a:extLst>
+              <a:ext uri="{FF2B5EF4-FFF2-40B4-BE49-F238E27FC236}">
+                <a16:creationId xmlns:a16="http://schemas.microsoft.com/office/drawing/2014/main" id="{4E8A2B34-7237-4E60-A6B3-067CB9802FE9}"/>
+              </a:ext>
+            </a:extLst>
+          </p:cNvPr>
+          <p:cNvSpPr/>
+          <p:nvPr/>
+        </p:nvSpPr>
+        <p:spPr>
+          <a:xfrm>
+            <a:off x="4555345" y="3042657"/>
+            <a:ext cx="585283" cy="400110"/>
+          </a:xfrm>
+          <a:prstGeom prst="rect">
+            <a:avLst/>
+          </a:prstGeom>
+        </p:spPr>
+        <p:txBody>
+          <a:bodyPr wrap="square">
+            <a:spAutoFit/>
+          </a:bodyPr>
+          <a:lstStyle/>
+          <a:p>
+            <a:r>
+              <a:rPr lang="en-US" sz="2000" b="1" i="1" dirty="0">
+                <a:solidFill>
+                  <a:srgbClr val="00B050"/>
+                </a:solidFill>
+                <a:latin typeface="Times New Roman" panose="02020603050405020304" pitchFamily="18" charset="0"/>
+                <a:cs typeface="Times New Roman" panose="02020603050405020304" pitchFamily="18" charset="0"/>
+              </a:rPr>
+              <a:t>G/2</a:t>
+            </a:r>
+          </a:p>
+        </p:txBody>
+      </p:sp>
+      <p:cxnSp>
+        <p:nvCxnSpPr>
+          <p:cNvPr id="44" name="Straight Connector 43">
+            <a:extLst>
+              <a:ext uri="{FF2B5EF4-FFF2-40B4-BE49-F238E27FC236}">
+                <a16:creationId xmlns:a16="http://schemas.microsoft.com/office/drawing/2014/main" id="{818B81EA-62F1-46C1-82FD-D613EBF89EF4}"/>
+              </a:ext>
+            </a:extLst>
+          </p:cNvPr>
+          <p:cNvCxnSpPr>
+            <a:cxnSpLocks/>
+          </p:cNvCxnSpPr>
+          <p:nvPr/>
+        </p:nvCxnSpPr>
+        <p:spPr>
+          <a:xfrm flipH="1" flipV="1">
+            <a:off x="4457797" y="3413294"/>
+            <a:ext cx="505151" cy="843818"/>
+          </a:xfrm>
+          <a:prstGeom prst="line">
+            <a:avLst/>
+          </a:prstGeom>
+          <a:ln w="38100" cap="flat" cmpd="sng" algn="ctr">
+            <a:solidFill>
+              <a:srgbClr val="00B050"/>
+            </a:solidFill>
+            <a:prstDash val="dash"/>
+            <a:round/>
+            <a:headEnd type="none" w="med" len="med"/>
+            <a:tailEnd type="none" w="med" len="med"/>
+          </a:ln>
+        </p:spPr>
+        <p:style>
+          <a:lnRef idx="0">
+            <a:scrgbClr r="0" g="0" b="0"/>
+          </a:lnRef>
+          <a:fillRef idx="0">
+            <a:scrgbClr r="0" g="0" b="0"/>
+          </a:fillRef>
+          <a:effectRef idx="0">
+            <a:scrgbClr r="0" g="0" b="0"/>
+          </a:effectRef>
+          <a:fontRef idx="minor">
+            <a:schemeClr val="tx1"/>
+          </a:fontRef>
+        </p:style>
+      </p:cxnSp>
+      <p:sp>
+        <p:nvSpPr>
+          <p:cNvPr id="47" name="Arc 46">
+            <a:extLst>
+              <a:ext uri="{FF2B5EF4-FFF2-40B4-BE49-F238E27FC236}">
+                <a16:creationId xmlns:a16="http://schemas.microsoft.com/office/drawing/2014/main" id="{AB1003A7-FA7C-47FC-BCCE-AC766889ECD5}"/>
+              </a:ext>
+            </a:extLst>
+          </p:cNvPr>
+          <p:cNvSpPr/>
+          <p:nvPr/>
+        </p:nvSpPr>
+        <p:spPr>
+          <a:xfrm rot="5400000">
+            <a:off x="4581453" y="3761341"/>
+            <a:ext cx="984507" cy="874543"/>
+          </a:xfrm>
+          <a:prstGeom prst="arc">
+            <a:avLst>
+              <a:gd name="adj1" fmla="val 2972686"/>
+              <a:gd name="adj2" fmla="val 7919566"/>
+            </a:avLst>
+          </a:prstGeom>
+          <a:ln w="28575">
+            <a:solidFill>
+              <a:schemeClr val="accent2"/>
+            </a:solidFill>
+          </a:ln>
+        </p:spPr>
+        <p:style>
+          <a:lnRef idx="1">
+            <a:schemeClr val="dk1"/>
+          </a:lnRef>
+          <a:fillRef idx="0">
+            <a:schemeClr val="dk1"/>
+          </a:fillRef>
+          <a:effectRef idx="0">
+            <a:schemeClr val="dk1"/>
+          </a:effectRef>
+          <a:fontRef idx="minor">
+            <a:schemeClr val="tx1"/>
+          </a:fontRef>
+        </p:style>
+        <p:txBody>
+          <a:bodyPr rtlCol="0" anchor="ctr"/>
+          <a:lstStyle/>
+          <a:p>
+            <a:pPr algn="ctr"/>
+            <a:endParaRPr lang="en-US" dirty="0">
+              <a:solidFill>
+                <a:srgbClr val="7030A0"/>
+              </a:solidFill>
+            </a:endParaRPr>
+          </a:p>
+        </p:txBody>
+      </p:sp>
+      <p:sp>
+        <p:nvSpPr>
+          <p:cNvPr id="48" name="TextBox 47">
+            <a:extLst>
+              <a:ext uri="{FF2B5EF4-FFF2-40B4-BE49-F238E27FC236}">
+                <a16:creationId xmlns:a16="http://schemas.microsoft.com/office/drawing/2014/main" id="{451AD382-5B53-4058-9F50-0A93CF86836E}"/>
+              </a:ext>
+            </a:extLst>
+          </p:cNvPr>
+          <p:cNvSpPr txBox="1"/>
+          <p:nvPr/>
+        </p:nvSpPr>
+        <p:spPr>
+          <a:xfrm>
+            <a:off x="3727474" y="3522908"/>
+            <a:ext cx="1050588" cy="707886"/>
+          </a:xfrm>
+          <a:prstGeom prst="rect">
+            <a:avLst/>
+          </a:prstGeom>
+          <a:noFill/>
+        </p:spPr>
+        <p:txBody>
+          <a:bodyPr wrap="square">
+            <a:spAutoFit/>
+          </a:bodyPr>
+          <a:lstStyle/>
+          <a:p>
+            <a:r>
+              <a:rPr lang="en-US" sz="4000" i="1" dirty="0">
+                <a:solidFill>
+                  <a:schemeClr val="accent2"/>
+                </a:solidFill>
+              </a:rPr>
+              <a:t>ᶿ</a:t>
+            </a:r>
+            <a:r>
+              <a:rPr lang="en-US" i="1" dirty="0">
+                <a:solidFill>
+                  <a:schemeClr val="accent2"/>
+                </a:solidFill>
+              </a:rPr>
+              <a:t>vertex</a:t>
+            </a:r>
+          </a:p>
+        </p:txBody>
+      </p:sp>
+      <p:sp>
+        <p:nvSpPr>
+          <p:cNvPr id="49" name="Arc 48">
+            <a:extLst>
+              <a:ext uri="{FF2B5EF4-FFF2-40B4-BE49-F238E27FC236}">
+                <a16:creationId xmlns:a16="http://schemas.microsoft.com/office/drawing/2014/main" id="{786CF931-5859-4CA6-AD9B-14D63C480E3F}"/>
+              </a:ext>
+            </a:extLst>
+          </p:cNvPr>
+          <p:cNvSpPr/>
+          <p:nvPr/>
+        </p:nvSpPr>
+        <p:spPr>
+          <a:xfrm rot="16367700">
+            <a:off x="4412247" y="3886868"/>
+            <a:ext cx="984507" cy="874543"/>
+          </a:xfrm>
+          <a:prstGeom prst="arc">
+            <a:avLst>
+              <a:gd name="adj1" fmla="val 2972686"/>
+              <a:gd name="adj2" fmla="val 7919566"/>
+            </a:avLst>
+          </a:prstGeom>
+          <a:ln w="28575">
+            <a:solidFill>
+              <a:schemeClr val="accent2"/>
+            </a:solidFill>
+          </a:ln>
+        </p:spPr>
+        <p:style>
+          <a:lnRef idx="1">
+            <a:schemeClr val="dk1"/>
+          </a:lnRef>
+          <a:fillRef idx="0">
+            <a:schemeClr val="dk1"/>
+          </a:fillRef>
+          <a:effectRef idx="0">
+            <a:schemeClr val="dk1"/>
+          </a:effectRef>
+          <a:fontRef idx="minor">
+            <a:schemeClr val="tx1"/>
+          </a:fontRef>
+        </p:style>
+        <p:txBody>
+          <a:bodyPr rtlCol="0" anchor="ctr"/>
+          <a:lstStyle/>
+          <a:p>
+            <a:pPr algn="ctr"/>
+            <a:endParaRPr lang="en-US" dirty="0">
+              <a:solidFill>
+                <a:srgbClr val="7030A0"/>
+              </a:solidFill>
+            </a:endParaRPr>
+          </a:p>
+        </p:txBody>
+      </p:sp>
+      <p:sp>
+        <p:nvSpPr>
+          <p:cNvPr id="50" name="TextBox 49">
+            <a:extLst>
+              <a:ext uri="{FF2B5EF4-FFF2-40B4-BE49-F238E27FC236}">
+                <a16:creationId xmlns:a16="http://schemas.microsoft.com/office/drawing/2014/main" id="{03D2B5CD-9F97-4056-95C1-6BF62452D092}"/>
+              </a:ext>
+            </a:extLst>
+          </p:cNvPr>
+          <p:cNvSpPr txBox="1"/>
+          <p:nvPr/>
+        </p:nvSpPr>
+        <p:spPr>
+          <a:xfrm>
+            <a:off x="4476343" y="3963850"/>
+            <a:ext cx="262775" cy="400110"/>
+          </a:xfrm>
+          <a:prstGeom prst="rect">
+            <a:avLst/>
+          </a:prstGeom>
+          <a:noFill/>
+        </p:spPr>
+        <p:txBody>
+          <a:bodyPr wrap="square" rtlCol="0">
+            <a:spAutoFit/>
+          </a:bodyPr>
+          <a:lstStyle/>
+          <a:p>
+            <a:pPr algn="r"/>
+            <a:r>
+              <a:rPr lang="en-US" sz="2000" dirty="0">
+                <a:solidFill>
+                  <a:schemeClr val="accent2"/>
+                </a:solidFill>
+              </a:rPr>
+              <a:t>=</a:t>
+            </a:r>
+          </a:p>
+        </p:txBody>
+      </p:sp>
+      <p:sp>
+        <p:nvSpPr>
+          <p:cNvPr id="51" name="TextBox 50">
+            <a:extLst>
+              <a:ext uri="{FF2B5EF4-FFF2-40B4-BE49-F238E27FC236}">
+                <a16:creationId xmlns:a16="http://schemas.microsoft.com/office/drawing/2014/main" id="{F844AFF4-6DC4-4240-B9FB-2ED48E7D1704}"/>
+              </a:ext>
+            </a:extLst>
+          </p:cNvPr>
+          <p:cNvSpPr txBox="1"/>
+          <p:nvPr/>
+        </p:nvSpPr>
+        <p:spPr>
+          <a:xfrm>
+            <a:off x="5181672" y="4133803"/>
+            <a:ext cx="262775" cy="400110"/>
+          </a:xfrm>
+          <a:prstGeom prst="rect">
+            <a:avLst/>
+          </a:prstGeom>
+          <a:noFill/>
+        </p:spPr>
+        <p:txBody>
+          <a:bodyPr wrap="square" rtlCol="0">
+            <a:spAutoFit/>
+          </a:bodyPr>
+          <a:lstStyle/>
+          <a:p>
+            <a:pPr algn="r"/>
+            <a:r>
+              <a:rPr lang="en-US" sz="2000" dirty="0">
+                <a:solidFill>
+                  <a:schemeClr val="accent2"/>
+                </a:solidFill>
+              </a:rPr>
+              <a:t>=</a:t>
+            </a:r>
+          </a:p>
+        </p:txBody>
+      </p:sp>
+      <p:pic>
+        <p:nvPicPr>
+          <p:cNvPr id="10" name="Picture 9">
+            <a:extLst>
+              <a:ext uri="{FF2B5EF4-FFF2-40B4-BE49-F238E27FC236}">
+                <a16:creationId xmlns:a16="http://schemas.microsoft.com/office/drawing/2014/main" id="{4B925956-F4F4-4E65-831B-3DDF2F018D2C}"/>
+              </a:ext>
+            </a:extLst>
+          </p:cNvPr>
+          <p:cNvPicPr>
+            <a:picLocks noChangeAspect="1"/>
+          </p:cNvPicPr>
+          <p:nvPr/>
+        </p:nvPicPr>
+        <p:blipFill>
+          <a:blip r:embed="rId3"/>
+          <a:stretch>
+            <a:fillRect/>
+          </a:stretch>
+        </p:blipFill>
+        <p:spPr>
+          <a:xfrm>
+            <a:off x="0" y="1731804"/>
+            <a:ext cx="11984122" cy="905001"/>
+          </a:xfrm>
+          <a:prstGeom prst="rect">
+            <a:avLst/>
+          </a:prstGeom>
+        </p:spPr>
+      </p:pic>
+    </p:spTree>
+    <p:extLst>
+      <p:ext uri="{BB962C8B-B14F-4D97-AF65-F5344CB8AC3E}">
+        <p14:creationId xmlns:p14="http://schemas.microsoft.com/office/powerpoint/2010/main" val="2169925481"/>
+      </p:ext>
+    </p:extLst>
+  </p:cSld>
+  <p:clrMapOvr>
+    <a:masterClrMapping/>
+  </p:clrMapOvr>
+</p:sld>
+</file>
+
+<file path=ppt/slides/slide53.xml><?xml version="1.0" encoding="utf-8"?>
+<p:sld xmlns:a="http://schemas.openxmlformats.org/drawingml/2006/main" xmlns:r="http://schemas.openxmlformats.org/officeDocument/2006/relationships" xmlns:p="http://schemas.openxmlformats.org/presentationml/2006/main">
+  <p:cSld>
+    <p:spTree>
+      <p:nvGrpSpPr>
+        <p:cNvPr id="1" name=""/>
+        <p:cNvGrpSpPr/>
+        <p:nvPr/>
+      </p:nvGrpSpPr>
+      <p:grpSpPr>
+        <a:xfrm>
+          <a:off x="0" y="0"/>
+          <a:ext cx="0" cy="0"/>
+          <a:chOff x="0" y="0"/>
+          <a:chExt cx="0" cy="0"/>
+        </a:xfrm>
+      </p:grpSpPr>
+      <p:sp>
+        <p:nvSpPr>
+          <p:cNvPr id="2" name="Title 1">
+            <a:extLst>
+              <a:ext uri="{FF2B5EF4-FFF2-40B4-BE49-F238E27FC236}">
+                <a16:creationId xmlns:a16="http://schemas.microsoft.com/office/drawing/2014/main" id="{364A5480-9599-4759-8365-4D4C66BB5198}"/>
+              </a:ext>
+            </a:extLst>
+          </p:cNvPr>
+          <p:cNvSpPr>
+            <a:spLocks noGrp="1"/>
+          </p:cNvSpPr>
+          <p:nvPr>
+            <p:ph type="title"/>
+          </p:nvPr>
+        </p:nvSpPr>
+        <p:spPr>
+          <a:xfrm>
+            <a:off x="838199" y="136525"/>
+            <a:ext cx="10515600" cy="1325563"/>
+          </a:xfrm>
+        </p:spPr>
+        <p:txBody>
+          <a:bodyPr>
+            <a:noAutofit/>
+          </a:bodyPr>
+          <a:lstStyle/>
+          <a:p>
+            <a:r>
+              <a:rPr lang="en-US" sz="2800" dirty="0"/>
+              <a:t>Comparing the errors for these different estimation methods shows that the average parallelogram method is the most accurate.  However, we expect the parallelogram method to be perfectly accurate.</a:t>
+            </a:r>
+          </a:p>
+        </p:txBody>
+      </p:sp>
+      <p:sp>
+        <p:nvSpPr>
+          <p:cNvPr id="4" name="Slide Number Placeholder 3">
+            <a:extLst>
+              <a:ext uri="{FF2B5EF4-FFF2-40B4-BE49-F238E27FC236}">
+                <a16:creationId xmlns:a16="http://schemas.microsoft.com/office/drawing/2014/main" id="{0AFCE32D-3802-448D-BD57-DF66D2E3DE79}"/>
+              </a:ext>
+            </a:extLst>
+          </p:cNvPr>
+          <p:cNvSpPr>
+            <a:spLocks noGrp="1"/>
+          </p:cNvSpPr>
+          <p:nvPr>
+            <p:ph type="sldNum" sz="quarter" idx="12"/>
+          </p:nvPr>
+        </p:nvSpPr>
+        <p:spPr/>
+        <p:txBody>
+          <a:bodyPr/>
+          <a:lstStyle/>
+          <a:p>
+            <a:fld id="{35E7B248-7056-49E8-9F30-37D8E83E9700}" type="slidenum">
+              <a:rPr lang="en-US" smtClean="0"/>
+              <a:t>53</a:t>
+            </a:fld>
+            <a:endParaRPr lang="en-US"/>
+          </a:p>
+        </p:txBody>
+      </p:sp>
+      <p:pic>
+        <p:nvPicPr>
+          <p:cNvPr id="5" name="Content Placeholder 4"/>
+          <p:cNvPicPr>
+            <a:picLocks noGrp="1" noChangeAspect="1"/>
+          </p:cNvPicPr>
+          <p:nvPr>
+            <p:ph idx="1"/>
+          </p:nvPr>
+        </p:nvPicPr>
+        <p:blipFill rotWithShape="1">
+          <a:blip r:embed="rId2">
+            <a:extLst>
+              <a:ext uri="{28A0092B-C50C-407E-A947-70E740481C1C}">
+                <a14:useLocalDpi xmlns:a14="http://schemas.microsoft.com/office/drawing/2010/main" val="0"/>
+              </a:ext>
+            </a:extLst>
+          </a:blip>
+          <a:srcRect l="-2753" t="4418" r="2753" b="4188"/>
+          <a:stretch/>
+        </p:blipFill>
+        <p:spPr>
+          <a:xfrm>
+            <a:off x="2401599" y="1438775"/>
+            <a:ext cx="7440670" cy="5419226"/>
+          </a:xfrm>
+        </p:spPr>
+      </p:pic>
+    </p:spTree>
+    <p:extLst>
+      <p:ext uri="{BB962C8B-B14F-4D97-AF65-F5344CB8AC3E}">
+        <p14:creationId xmlns:p14="http://schemas.microsoft.com/office/powerpoint/2010/main" val="2612687522"/>
+      </p:ext>
+    </p:extLst>
+  </p:cSld>
+  <p:clrMapOvr>
+    <a:masterClrMapping/>
+  </p:clrMapOvr>
+</p:sld>
+</file>
+
+<file path=ppt/slides/slide54.xml><?xml version="1.0" encoding="utf-8"?>
+<p:sld xmlns:a="http://schemas.openxmlformats.org/drawingml/2006/main" xmlns:r="http://schemas.openxmlformats.org/officeDocument/2006/relationships" xmlns:p="http://schemas.openxmlformats.org/presentationml/2006/main">
+  <p:cSld>
+    <p:spTree>
+      <p:nvGrpSpPr>
+        <p:cNvPr id="1" name=""/>
+        <p:cNvGrpSpPr/>
+        <p:nvPr/>
+      </p:nvGrpSpPr>
+      <p:grpSpPr>
+        <a:xfrm>
+          <a:off x="0" y="0"/>
+          <a:ext cx="0" cy="0"/>
+          <a:chOff x="0" y="0"/>
+          <a:chExt cx="0" cy="0"/>
+        </a:xfrm>
+      </p:grpSpPr>
+      <p:sp>
+        <p:nvSpPr>
+          <p:cNvPr id="2" name="Title 1">
+            <a:extLst>
+              <a:ext uri="{FF2B5EF4-FFF2-40B4-BE49-F238E27FC236}">
+                <a16:creationId xmlns:a16="http://schemas.microsoft.com/office/drawing/2014/main" id="{FFCEB186-C4F2-43BC-8A25-91E6D1AC1086}"/>
+              </a:ext>
+            </a:extLst>
+          </p:cNvPr>
+          <p:cNvSpPr>
+            <a:spLocks noGrp="1"/>
+          </p:cNvSpPr>
+          <p:nvPr>
+            <p:ph type="title"/>
+          </p:nvPr>
+        </p:nvSpPr>
+        <p:spPr>
+          <a:xfrm>
+            <a:off x="838200" y="232213"/>
+            <a:ext cx="10515600" cy="1549158"/>
+          </a:xfrm>
+        </p:spPr>
+        <p:txBody>
+          <a:bodyPr>
+            <a:noAutofit/>
+          </a:bodyPr>
+          <a:lstStyle/>
+          <a:p>
+            <a:r>
+              <a:rPr lang="en-US" sz="3600" dirty="0"/>
+              <a:t>The inaccuracy  likely occurs because when interior vertex angles are obtuse, the parallelogram formed by this vertex double-counts area already included in the perimeter estimate.</a:t>
+            </a:r>
+          </a:p>
+        </p:txBody>
+      </p:sp>
+      <p:sp>
+        <p:nvSpPr>
+          <p:cNvPr id="4" name="Slide Number Placeholder 3">
+            <a:extLst>
+              <a:ext uri="{FF2B5EF4-FFF2-40B4-BE49-F238E27FC236}">
+                <a16:creationId xmlns:a16="http://schemas.microsoft.com/office/drawing/2014/main" id="{E98C5798-6143-4075-8375-7AE4161FC0D3}"/>
+              </a:ext>
+            </a:extLst>
+          </p:cNvPr>
+          <p:cNvSpPr>
+            <a:spLocks noGrp="1"/>
+          </p:cNvSpPr>
+          <p:nvPr>
+            <p:ph type="sldNum" sz="quarter" idx="12"/>
+          </p:nvPr>
+        </p:nvSpPr>
+        <p:spPr/>
+        <p:txBody>
+          <a:bodyPr/>
+          <a:lstStyle/>
+          <a:p>
+            <a:fld id="{35E7B248-7056-49E8-9F30-37D8E83E9700}" type="slidenum">
+              <a:rPr lang="en-US" smtClean="0"/>
+              <a:t>54</a:t>
+            </a:fld>
+            <a:endParaRPr lang="en-US"/>
+          </a:p>
+        </p:txBody>
+      </p:sp>
+      <p:pic>
+        <p:nvPicPr>
+          <p:cNvPr id="18" name="Picture 17" descr="A picture containing chart&#10;&#10;Description automatically generated">
+            <a:extLst>
+              <a:ext uri="{FF2B5EF4-FFF2-40B4-BE49-F238E27FC236}">
+                <a16:creationId xmlns:a16="http://schemas.microsoft.com/office/drawing/2014/main" id="{D8AF2C44-BB03-4732-A17E-7B770768DEE0}"/>
+              </a:ext>
+            </a:extLst>
+          </p:cNvPr>
+          <p:cNvPicPr>
+            <a:picLocks noChangeAspect="1"/>
+          </p:cNvPicPr>
+          <p:nvPr/>
+        </p:nvPicPr>
+        <p:blipFill>
+          <a:blip r:embed="rId2">
+            <a:extLst>
+              <a:ext uri="{28A0092B-C50C-407E-A947-70E740481C1C}">
+                <a14:useLocalDpi xmlns:a14="http://schemas.microsoft.com/office/drawing/2010/main" val="0"/>
+              </a:ext>
+            </a:extLst>
+          </a:blip>
+          <a:stretch>
+            <a:fillRect/>
+          </a:stretch>
+        </p:blipFill>
+        <p:spPr>
+          <a:xfrm>
+            <a:off x="838200" y="1914284"/>
+            <a:ext cx="4442066" cy="4442066"/>
+          </a:xfrm>
+          <a:prstGeom prst="rect">
+            <a:avLst/>
+          </a:prstGeom>
+        </p:spPr>
+      </p:pic>
+      <p:cxnSp>
+        <p:nvCxnSpPr>
+          <p:cNvPr id="6" name="Straight Connector 5">
+            <a:extLst>
+              <a:ext uri="{FF2B5EF4-FFF2-40B4-BE49-F238E27FC236}">
+                <a16:creationId xmlns:a16="http://schemas.microsoft.com/office/drawing/2014/main" id="{0C539B7E-5451-4CC0-A5B7-4FCB27AA5F6B}"/>
+              </a:ext>
+            </a:extLst>
+          </p:cNvPr>
+          <p:cNvCxnSpPr>
+            <a:cxnSpLocks/>
+          </p:cNvCxnSpPr>
+          <p:nvPr/>
+        </p:nvCxnSpPr>
+        <p:spPr>
+          <a:xfrm>
+            <a:off x="2219325" y="4000500"/>
+            <a:ext cx="171450" cy="269875"/>
+          </a:xfrm>
+          <a:prstGeom prst="line">
+            <a:avLst/>
+          </a:prstGeom>
+        </p:spPr>
+        <p:style>
+          <a:lnRef idx="3">
+            <a:schemeClr val="accent6"/>
+          </a:lnRef>
+          <a:fillRef idx="0">
+            <a:schemeClr val="accent6"/>
+          </a:fillRef>
+          <a:effectRef idx="2">
+            <a:schemeClr val="accent6"/>
+          </a:effectRef>
+          <a:fontRef idx="minor">
+            <a:schemeClr val="tx1"/>
+          </a:fontRef>
+        </p:style>
+      </p:cxnSp>
+      <p:cxnSp>
+        <p:nvCxnSpPr>
+          <p:cNvPr id="11" name="Straight Connector 10">
+            <a:extLst>
+              <a:ext uri="{FF2B5EF4-FFF2-40B4-BE49-F238E27FC236}">
+                <a16:creationId xmlns:a16="http://schemas.microsoft.com/office/drawing/2014/main" id="{1F4CDCC8-D0E7-4196-9EAE-627D1EBDD22C}"/>
+              </a:ext>
+            </a:extLst>
+          </p:cNvPr>
+          <p:cNvCxnSpPr>
+            <a:cxnSpLocks/>
+          </p:cNvCxnSpPr>
+          <p:nvPr/>
+        </p:nvCxnSpPr>
+        <p:spPr>
+          <a:xfrm flipV="1">
+            <a:off x="2219325" y="3813394"/>
+            <a:ext cx="243871" cy="187106"/>
+          </a:xfrm>
+          <a:prstGeom prst="line">
+            <a:avLst/>
+          </a:prstGeom>
+        </p:spPr>
+        <p:style>
+          <a:lnRef idx="3">
+            <a:schemeClr val="accent6"/>
+          </a:lnRef>
+          <a:fillRef idx="0">
+            <a:schemeClr val="accent6"/>
+          </a:fillRef>
+          <a:effectRef idx="2">
+            <a:schemeClr val="accent6"/>
+          </a:effectRef>
+          <a:fontRef idx="minor">
+            <a:schemeClr val="tx1"/>
+          </a:fontRef>
+        </p:style>
+      </p:cxnSp>
+      <p:cxnSp>
+        <p:nvCxnSpPr>
+          <p:cNvPr id="14" name="Straight Connector 13">
+            <a:extLst>
+              <a:ext uri="{FF2B5EF4-FFF2-40B4-BE49-F238E27FC236}">
+                <a16:creationId xmlns:a16="http://schemas.microsoft.com/office/drawing/2014/main" id="{277D2F89-2A2E-42C0-B600-2902A0F48BF0}"/>
+              </a:ext>
+            </a:extLst>
+          </p:cNvPr>
+          <p:cNvCxnSpPr>
+            <a:cxnSpLocks/>
+          </p:cNvCxnSpPr>
+          <p:nvPr/>
+        </p:nvCxnSpPr>
+        <p:spPr>
+          <a:xfrm flipH="1">
+            <a:off x="2390957" y="4095750"/>
+            <a:ext cx="233060" cy="174625"/>
+          </a:xfrm>
+          <a:prstGeom prst="line">
+            <a:avLst/>
+          </a:prstGeom>
+        </p:spPr>
+        <p:style>
+          <a:lnRef idx="3">
+            <a:schemeClr val="accent6"/>
+          </a:lnRef>
+          <a:fillRef idx="0">
+            <a:schemeClr val="accent6"/>
+          </a:fillRef>
+          <a:effectRef idx="2">
+            <a:schemeClr val="accent6"/>
+          </a:effectRef>
+          <a:fontRef idx="minor">
+            <a:schemeClr val="tx1"/>
+          </a:fontRef>
+        </p:style>
+      </p:cxnSp>
+      <p:cxnSp>
+        <p:nvCxnSpPr>
+          <p:cNvPr id="15" name="Straight Connector 14">
+            <a:extLst>
+              <a:ext uri="{FF2B5EF4-FFF2-40B4-BE49-F238E27FC236}">
+                <a16:creationId xmlns:a16="http://schemas.microsoft.com/office/drawing/2014/main" id="{E4093149-4A3E-41FF-8327-CF652C1A7B17}"/>
+              </a:ext>
+            </a:extLst>
+          </p:cNvPr>
+          <p:cNvCxnSpPr>
+            <a:cxnSpLocks/>
+          </p:cNvCxnSpPr>
+          <p:nvPr/>
+        </p:nvCxnSpPr>
+        <p:spPr>
+          <a:xfrm flipH="1" flipV="1">
+            <a:off x="2463196" y="3813394"/>
+            <a:ext cx="160821" cy="282356"/>
+          </a:xfrm>
+          <a:prstGeom prst="line">
+            <a:avLst/>
+          </a:prstGeom>
+        </p:spPr>
+        <p:style>
+          <a:lnRef idx="3">
+            <a:schemeClr val="accent6"/>
+          </a:lnRef>
+          <a:fillRef idx="0">
+            <a:schemeClr val="accent6"/>
+          </a:fillRef>
+          <a:effectRef idx="2">
+            <a:schemeClr val="accent6"/>
+          </a:effectRef>
+          <a:fontRef idx="minor">
+            <a:schemeClr val="tx1"/>
+          </a:fontRef>
+        </p:style>
+      </p:cxnSp>
+      <p:cxnSp>
+        <p:nvCxnSpPr>
+          <p:cNvPr id="10" name="Straight Connector 9">
+            <a:extLst>
+              <a:ext uri="{FF2B5EF4-FFF2-40B4-BE49-F238E27FC236}">
+                <a16:creationId xmlns:a16="http://schemas.microsoft.com/office/drawing/2014/main" id="{997147E4-90D1-4402-A63F-F75FC24ECC84}"/>
+              </a:ext>
+            </a:extLst>
+          </p:cNvPr>
+          <p:cNvCxnSpPr>
+            <a:cxnSpLocks/>
+          </p:cNvCxnSpPr>
+          <p:nvPr/>
+        </p:nvCxnSpPr>
+        <p:spPr>
+          <a:xfrm>
+            <a:off x="2520587" y="3801299"/>
+            <a:ext cx="152215" cy="258902"/>
+          </a:xfrm>
+          <a:prstGeom prst="line">
+            <a:avLst/>
+          </a:prstGeom>
+        </p:spPr>
+        <p:style>
+          <a:lnRef idx="3">
+            <a:schemeClr val="accent6"/>
+          </a:lnRef>
+          <a:fillRef idx="0">
+            <a:schemeClr val="accent6"/>
+          </a:fillRef>
+          <a:effectRef idx="2">
+            <a:schemeClr val="accent6"/>
+          </a:effectRef>
+          <a:fontRef idx="minor">
+            <a:schemeClr val="tx1"/>
+          </a:fontRef>
+        </p:style>
+      </p:cxnSp>
+      <p:cxnSp>
+        <p:nvCxnSpPr>
+          <p:cNvPr id="12" name="Straight Connector 11">
+            <a:extLst>
+              <a:ext uri="{FF2B5EF4-FFF2-40B4-BE49-F238E27FC236}">
+                <a16:creationId xmlns:a16="http://schemas.microsoft.com/office/drawing/2014/main" id="{BB315FEC-821A-493A-8914-953E99A5CAF8}"/>
+              </a:ext>
+            </a:extLst>
+          </p:cNvPr>
+          <p:cNvCxnSpPr>
+            <a:cxnSpLocks/>
+          </p:cNvCxnSpPr>
+          <p:nvPr/>
+        </p:nvCxnSpPr>
+        <p:spPr>
+          <a:xfrm flipV="1">
+            <a:off x="2507487" y="3699192"/>
+            <a:ext cx="305140" cy="93308"/>
+          </a:xfrm>
+          <a:prstGeom prst="line">
+            <a:avLst/>
+          </a:prstGeom>
+        </p:spPr>
+        <p:style>
+          <a:lnRef idx="3">
+            <a:schemeClr val="accent6"/>
+          </a:lnRef>
+          <a:fillRef idx="0">
+            <a:schemeClr val="accent6"/>
+          </a:fillRef>
+          <a:effectRef idx="2">
+            <a:schemeClr val="accent6"/>
+          </a:effectRef>
+          <a:fontRef idx="minor">
+            <a:schemeClr val="tx1"/>
+          </a:fontRef>
+        </p:style>
+      </p:cxnSp>
+      <p:cxnSp>
+        <p:nvCxnSpPr>
+          <p:cNvPr id="13" name="Straight Connector 12">
+            <a:extLst>
+              <a:ext uri="{FF2B5EF4-FFF2-40B4-BE49-F238E27FC236}">
+                <a16:creationId xmlns:a16="http://schemas.microsoft.com/office/drawing/2014/main" id="{23AB9ED3-0968-434F-8AD9-E159FC5566D1}"/>
+              </a:ext>
+            </a:extLst>
+          </p:cNvPr>
+          <p:cNvCxnSpPr>
+            <a:cxnSpLocks/>
+          </p:cNvCxnSpPr>
+          <p:nvPr/>
+        </p:nvCxnSpPr>
+        <p:spPr>
+          <a:xfrm flipH="1">
+            <a:off x="2673323" y="3984001"/>
+            <a:ext cx="278606" cy="76200"/>
+          </a:xfrm>
+          <a:prstGeom prst="line">
+            <a:avLst/>
+          </a:prstGeom>
+        </p:spPr>
+        <p:style>
+          <a:lnRef idx="3">
+            <a:schemeClr val="accent6"/>
+          </a:lnRef>
+          <a:fillRef idx="0">
+            <a:schemeClr val="accent6"/>
+          </a:fillRef>
+          <a:effectRef idx="2">
+            <a:schemeClr val="accent6"/>
+          </a:effectRef>
+          <a:fontRef idx="minor">
+            <a:schemeClr val="tx1"/>
+          </a:fontRef>
+        </p:style>
+      </p:cxnSp>
+      <p:cxnSp>
+        <p:nvCxnSpPr>
+          <p:cNvPr id="16" name="Straight Connector 15">
+            <a:extLst>
+              <a:ext uri="{FF2B5EF4-FFF2-40B4-BE49-F238E27FC236}">
+                <a16:creationId xmlns:a16="http://schemas.microsoft.com/office/drawing/2014/main" id="{E20B000D-D5D7-47EA-98D4-3F3DA6522B7B}"/>
+              </a:ext>
+            </a:extLst>
+          </p:cNvPr>
+          <p:cNvCxnSpPr>
+            <a:cxnSpLocks/>
+          </p:cNvCxnSpPr>
+          <p:nvPr/>
+        </p:nvCxnSpPr>
+        <p:spPr>
+          <a:xfrm flipH="1" flipV="1">
+            <a:off x="2812627" y="3699192"/>
+            <a:ext cx="148457" cy="284809"/>
+          </a:xfrm>
+          <a:prstGeom prst="line">
+            <a:avLst/>
+          </a:prstGeom>
+        </p:spPr>
+        <p:style>
+          <a:lnRef idx="3">
+            <a:schemeClr val="accent6"/>
+          </a:lnRef>
+          <a:fillRef idx="0">
+            <a:schemeClr val="accent6"/>
+          </a:fillRef>
+          <a:effectRef idx="2">
+            <a:schemeClr val="accent6"/>
+          </a:effectRef>
+          <a:fontRef idx="minor">
+            <a:schemeClr val="tx1"/>
+          </a:fontRef>
+        </p:style>
+      </p:cxnSp>
+      <p:cxnSp>
+        <p:nvCxnSpPr>
+          <p:cNvPr id="30" name="Straight Connector 29">
+            <a:extLst>
+              <a:ext uri="{FF2B5EF4-FFF2-40B4-BE49-F238E27FC236}">
+                <a16:creationId xmlns:a16="http://schemas.microsoft.com/office/drawing/2014/main" id="{76C74C4C-C232-458F-A3B3-BD662F671FF7}"/>
+              </a:ext>
+            </a:extLst>
+          </p:cNvPr>
+          <p:cNvCxnSpPr>
+            <a:cxnSpLocks/>
+          </p:cNvCxnSpPr>
+          <p:nvPr/>
+        </p:nvCxnSpPr>
+        <p:spPr>
+          <a:xfrm flipH="1">
+            <a:off x="2181225" y="4095750"/>
+            <a:ext cx="495300" cy="377606"/>
+          </a:xfrm>
+          <a:prstGeom prst="line">
+            <a:avLst/>
+          </a:prstGeom>
+        </p:spPr>
+        <p:style>
+          <a:lnRef idx="3">
+            <a:schemeClr val="accent6"/>
+          </a:lnRef>
+          <a:fillRef idx="0">
+            <a:schemeClr val="accent6"/>
+          </a:fillRef>
+          <a:effectRef idx="2">
+            <a:schemeClr val="accent6"/>
+          </a:effectRef>
+          <a:fontRef idx="minor">
+            <a:schemeClr val="tx1"/>
+          </a:fontRef>
+        </p:style>
+      </p:cxnSp>
+      <p:cxnSp>
+        <p:nvCxnSpPr>
+          <p:cNvPr id="31" name="Straight Connector 30">
+            <a:extLst>
+              <a:ext uri="{FF2B5EF4-FFF2-40B4-BE49-F238E27FC236}">
+                <a16:creationId xmlns:a16="http://schemas.microsoft.com/office/drawing/2014/main" id="{CB59BAEC-F11C-46B3-8C1D-DDA7E0EF5A6E}"/>
+              </a:ext>
+            </a:extLst>
+          </p:cNvPr>
+          <p:cNvCxnSpPr>
+            <a:cxnSpLocks/>
+          </p:cNvCxnSpPr>
+          <p:nvPr/>
+        </p:nvCxnSpPr>
+        <p:spPr>
+          <a:xfrm flipV="1">
+            <a:off x="2676525" y="3973782"/>
+            <a:ext cx="621627" cy="121968"/>
+          </a:xfrm>
+          <a:prstGeom prst="line">
+            <a:avLst/>
+          </a:prstGeom>
+        </p:spPr>
+        <p:style>
+          <a:lnRef idx="3">
+            <a:schemeClr val="accent6"/>
+          </a:lnRef>
+          <a:fillRef idx="0">
+            <a:schemeClr val="accent6"/>
+          </a:fillRef>
+          <a:effectRef idx="2">
+            <a:schemeClr val="accent6"/>
+          </a:effectRef>
+          <a:fontRef idx="minor">
+            <a:schemeClr val="tx1"/>
+          </a:fontRef>
+        </p:style>
+      </p:cxnSp>
+      <p:cxnSp>
+        <p:nvCxnSpPr>
+          <p:cNvPr id="32" name="Straight Connector 31">
+            <a:extLst>
+              <a:ext uri="{FF2B5EF4-FFF2-40B4-BE49-F238E27FC236}">
+                <a16:creationId xmlns:a16="http://schemas.microsoft.com/office/drawing/2014/main" id="{1448BDBA-46B5-45D8-9A81-2A011E81E70E}"/>
+              </a:ext>
+            </a:extLst>
+          </p:cNvPr>
+          <p:cNvCxnSpPr>
+            <a:cxnSpLocks/>
+          </p:cNvCxnSpPr>
+          <p:nvPr/>
+        </p:nvCxnSpPr>
+        <p:spPr>
+          <a:xfrm flipH="1">
+            <a:off x="2181225" y="4378106"/>
+            <a:ext cx="614732" cy="107473"/>
+          </a:xfrm>
+          <a:prstGeom prst="line">
+            <a:avLst/>
+          </a:prstGeom>
+        </p:spPr>
+        <p:style>
+          <a:lnRef idx="3">
+            <a:schemeClr val="accent6"/>
+          </a:lnRef>
+          <a:fillRef idx="0">
+            <a:schemeClr val="accent6"/>
+          </a:fillRef>
+          <a:effectRef idx="2">
+            <a:schemeClr val="accent6"/>
+          </a:effectRef>
+          <a:fontRef idx="minor">
+            <a:schemeClr val="tx1"/>
+          </a:fontRef>
+        </p:style>
+      </p:cxnSp>
+      <p:cxnSp>
+        <p:nvCxnSpPr>
+          <p:cNvPr id="33" name="Straight Connector 32">
+            <a:extLst>
+              <a:ext uri="{FF2B5EF4-FFF2-40B4-BE49-F238E27FC236}">
+                <a16:creationId xmlns:a16="http://schemas.microsoft.com/office/drawing/2014/main" id="{74B0FE54-BFB8-4610-887B-697BBB742623}"/>
+              </a:ext>
+            </a:extLst>
+          </p:cNvPr>
+          <p:cNvCxnSpPr>
+            <a:cxnSpLocks/>
+          </p:cNvCxnSpPr>
+          <p:nvPr/>
+        </p:nvCxnSpPr>
+        <p:spPr>
+          <a:xfrm flipV="1">
+            <a:off x="2795957" y="3984001"/>
+            <a:ext cx="502195" cy="394105"/>
+          </a:xfrm>
+          <a:prstGeom prst="line">
+            <a:avLst/>
+          </a:prstGeom>
+        </p:spPr>
+        <p:style>
+          <a:lnRef idx="3">
+            <a:schemeClr val="accent6"/>
+          </a:lnRef>
+          <a:fillRef idx="0">
+            <a:schemeClr val="accent6"/>
+          </a:fillRef>
+          <a:effectRef idx="2">
+            <a:schemeClr val="accent6"/>
+          </a:effectRef>
+          <a:fontRef idx="minor">
+            <a:schemeClr val="tx1"/>
+          </a:fontRef>
+        </p:style>
+      </p:cxnSp>
+      <p:pic>
+        <p:nvPicPr>
+          <p:cNvPr id="80" name="Picture 79" descr="A picture containing chart&#10;&#10;Description automatically generated">
+            <a:extLst>
+              <a:ext uri="{FF2B5EF4-FFF2-40B4-BE49-F238E27FC236}">
+                <a16:creationId xmlns:a16="http://schemas.microsoft.com/office/drawing/2014/main" id="{71A3B111-EC2F-4054-9C1A-184711E93B0D}"/>
+              </a:ext>
+            </a:extLst>
+          </p:cNvPr>
+          <p:cNvPicPr>
+            <a:picLocks noChangeAspect="1"/>
+          </p:cNvPicPr>
+          <p:nvPr/>
+        </p:nvPicPr>
+        <p:blipFill>
+          <a:blip r:embed="rId2">
+            <a:extLst>
+              <a:ext uri="{28A0092B-C50C-407E-A947-70E740481C1C}">
+                <a14:useLocalDpi xmlns:a14="http://schemas.microsoft.com/office/drawing/2010/main" val="0"/>
+              </a:ext>
+            </a:extLst>
+          </a:blip>
+          <a:stretch>
+            <a:fillRect/>
+          </a:stretch>
+        </p:blipFill>
+        <p:spPr>
+          <a:xfrm>
+            <a:off x="6911734" y="1874717"/>
+            <a:ext cx="4442066" cy="4442066"/>
+          </a:xfrm>
+          <a:prstGeom prst="rect">
+            <a:avLst/>
+          </a:prstGeom>
+        </p:spPr>
+      </p:pic>
+      <p:cxnSp>
+        <p:nvCxnSpPr>
+          <p:cNvPr id="81" name="Straight Connector 80">
+            <a:extLst>
+              <a:ext uri="{FF2B5EF4-FFF2-40B4-BE49-F238E27FC236}">
+                <a16:creationId xmlns:a16="http://schemas.microsoft.com/office/drawing/2014/main" id="{DADA42E6-9C9F-4116-90E3-8E320513CB84}"/>
+              </a:ext>
+            </a:extLst>
+          </p:cNvPr>
+          <p:cNvCxnSpPr>
+            <a:cxnSpLocks/>
+          </p:cNvCxnSpPr>
+          <p:nvPr/>
+        </p:nvCxnSpPr>
+        <p:spPr>
+          <a:xfrm>
+            <a:off x="8292859" y="3960933"/>
+            <a:ext cx="171450" cy="269875"/>
+          </a:xfrm>
+          <a:prstGeom prst="line">
+            <a:avLst/>
+          </a:prstGeom>
+        </p:spPr>
+        <p:style>
+          <a:lnRef idx="3">
+            <a:schemeClr val="accent6"/>
+          </a:lnRef>
+          <a:fillRef idx="0">
+            <a:schemeClr val="accent6"/>
+          </a:fillRef>
+          <a:effectRef idx="2">
+            <a:schemeClr val="accent6"/>
+          </a:effectRef>
+          <a:fontRef idx="minor">
+            <a:schemeClr val="tx1"/>
+          </a:fontRef>
+        </p:style>
+      </p:cxnSp>
+      <p:cxnSp>
+        <p:nvCxnSpPr>
+          <p:cNvPr id="82" name="Straight Connector 81">
+            <a:extLst>
+              <a:ext uri="{FF2B5EF4-FFF2-40B4-BE49-F238E27FC236}">
+                <a16:creationId xmlns:a16="http://schemas.microsoft.com/office/drawing/2014/main" id="{E9E9E844-B8F6-4753-A4C3-E322D91984AF}"/>
+              </a:ext>
+            </a:extLst>
+          </p:cNvPr>
+          <p:cNvCxnSpPr>
+            <a:cxnSpLocks/>
+          </p:cNvCxnSpPr>
+          <p:nvPr/>
+        </p:nvCxnSpPr>
+        <p:spPr>
+          <a:xfrm flipV="1">
+            <a:off x="8292859" y="3773827"/>
+            <a:ext cx="243871" cy="187106"/>
+          </a:xfrm>
+          <a:prstGeom prst="line">
+            <a:avLst/>
+          </a:prstGeom>
+        </p:spPr>
+        <p:style>
+          <a:lnRef idx="3">
+            <a:schemeClr val="accent6"/>
+          </a:lnRef>
+          <a:fillRef idx="0">
+            <a:schemeClr val="accent6"/>
+          </a:fillRef>
+          <a:effectRef idx="2">
+            <a:schemeClr val="accent6"/>
+          </a:effectRef>
+          <a:fontRef idx="minor">
+            <a:schemeClr val="tx1"/>
+          </a:fontRef>
+        </p:style>
+      </p:cxnSp>
+      <p:cxnSp>
+        <p:nvCxnSpPr>
+          <p:cNvPr id="83" name="Straight Connector 82">
+            <a:extLst>
+              <a:ext uri="{FF2B5EF4-FFF2-40B4-BE49-F238E27FC236}">
+                <a16:creationId xmlns:a16="http://schemas.microsoft.com/office/drawing/2014/main" id="{87DDD853-AC08-4378-99F7-7F3A1F3B10AB}"/>
+              </a:ext>
+            </a:extLst>
+          </p:cNvPr>
+          <p:cNvCxnSpPr>
+            <a:cxnSpLocks/>
+          </p:cNvCxnSpPr>
+          <p:nvPr/>
+        </p:nvCxnSpPr>
+        <p:spPr>
+          <a:xfrm flipH="1">
+            <a:off x="8464491" y="4056183"/>
+            <a:ext cx="233060" cy="174625"/>
+          </a:xfrm>
+          <a:prstGeom prst="line">
+            <a:avLst/>
+          </a:prstGeom>
+        </p:spPr>
+        <p:style>
+          <a:lnRef idx="3">
+            <a:schemeClr val="accent6"/>
+          </a:lnRef>
+          <a:fillRef idx="0">
+            <a:schemeClr val="accent6"/>
+          </a:fillRef>
+          <a:effectRef idx="2">
+            <a:schemeClr val="accent6"/>
+          </a:effectRef>
+          <a:fontRef idx="minor">
+            <a:schemeClr val="tx1"/>
+          </a:fontRef>
+        </p:style>
+      </p:cxnSp>
+      <p:cxnSp>
+        <p:nvCxnSpPr>
+          <p:cNvPr id="84" name="Straight Connector 83">
+            <a:extLst>
+              <a:ext uri="{FF2B5EF4-FFF2-40B4-BE49-F238E27FC236}">
+                <a16:creationId xmlns:a16="http://schemas.microsoft.com/office/drawing/2014/main" id="{7A2EA69E-4BFF-46DE-BE9D-083ED0D8071D}"/>
+              </a:ext>
+            </a:extLst>
+          </p:cNvPr>
+          <p:cNvCxnSpPr>
+            <a:cxnSpLocks/>
+          </p:cNvCxnSpPr>
+          <p:nvPr/>
+        </p:nvCxnSpPr>
+        <p:spPr>
+          <a:xfrm flipH="1" flipV="1">
+            <a:off x="8536730" y="3773827"/>
+            <a:ext cx="160821" cy="282356"/>
+          </a:xfrm>
+          <a:prstGeom prst="line">
+            <a:avLst/>
+          </a:prstGeom>
+        </p:spPr>
+        <p:style>
+          <a:lnRef idx="3">
+            <a:schemeClr val="accent6"/>
+          </a:lnRef>
+          <a:fillRef idx="0">
+            <a:schemeClr val="accent6"/>
+          </a:fillRef>
+          <a:effectRef idx="2">
+            <a:schemeClr val="accent6"/>
+          </a:effectRef>
+          <a:fontRef idx="minor">
+            <a:schemeClr val="tx1"/>
+          </a:fontRef>
+        </p:style>
+      </p:cxnSp>
+      <p:cxnSp>
+        <p:nvCxnSpPr>
+          <p:cNvPr id="85" name="Straight Connector 84">
+            <a:extLst>
+              <a:ext uri="{FF2B5EF4-FFF2-40B4-BE49-F238E27FC236}">
+                <a16:creationId xmlns:a16="http://schemas.microsoft.com/office/drawing/2014/main" id="{9F48BF9C-512D-4451-9BC6-DCD32714C42C}"/>
+              </a:ext>
+            </a:extLst>
+          </p:cNvPr>
+          <p:cNvCxnSpPr>
+            <a:cxnSpLocks/>
+          </p:cNvCxnSpPr>
+          <p:nvPr/>
+        </p:nvCxnSpPr>
+        <p:spPr>
+          <a:xfrm>
+            <a:off x="8594121" y="3761732"/>
+            <a:ext cx="152215" cy="258902"/>
+          </a:xfrm>
+          <a:prstGeom prst="line">
+            <a:avLst/>
+          </a:prstGeom>
+        </p:spPr>
+        <p:style>
+          <a:lnRef idx="3">
+            <a:schemeClr val="accent6"/>
+          </a:lnRef>
+          <a:fillRef idx="0">
+            <a:schemeClr val="accent6"/>
+          </a:fillRef>
+          <a:effectRef idx="2">
+            <a:schemeClr val="accent6"/>
+          </a:effectRef>
+          <a:fontRef idx="minor">
+            <a:schemeClr val="tx1"/>
+          </a:fontRef>
+        </p:style>
+      </p:cxnSp>
+      <p:cxnSp>
+        <p:nvCxnSpPr>
+          <p:cNvPr id="86" name="Straight Connector 85">
+            <a:extLst>
+              <a:ext uri="{FF2B5EF4-FFF2-40B4-BE49-F238E27FC236}">
+                <a16:creationId xmlns:a16="http://schemas.microsoft.com/office/drawing/2014/main" id="{CFCBBA49-DCFD-416C-AEB5-807F2592879E}"/>
+              </a:ext>
+            </a:extLst>
+          </p:cNvPr>
+          <p:cNvCxnSpPr>
+            <a:cxnSpLocks/>
+          </p:cNvCxnSpPr>
+          <p:nvPr/>
+        </p:nvCxnSpPr>
+        <p:spPr>
+          <a:xfrm flipV="1">
+            <a:off x="8581021" y="3659625"/>
+            <a:ext cx="305140" cy="93308"/>
+          </a:xfrm>
+          <a:prstGeom prst="line">
+            <a:avLst/>
+          </a:prstGeom>
+        </p:spPr>
+        <p:style>
+          <a:lnRef idx="3">
+            <a:schemeClr val="accent6"/>
+          </a:lnRef>
+          <a:fillRef idx="0">
+            <a:schemeClr val="accent6"/>
+          </a:fillRef>
+          <a:effectRef idx="2">
+            <a:schemeClr val="accent6"/>
+          </a:effectRef>
+          <a:fontRef idx="minor">
+            <a:schemeClr val="tx1"/>
+          </a:fontRef>
+        </p:style>
+      </p:cxnSp>
+      <p:cxnSp>
+        <p:nvCxnSpPr>
+          <p:cNvPr id="87" name="Straight Connector 86">
+            <a:extLst>
+              <a:ext uri="{FF2B5EF4-FFF2-40B4-BE49-F238E27FC236}">
+                <a16:creationId xmlns:a16="http://schemas.microsoft.com/office/drawing/2014/main" id="{2A201A50-E9F5-4A1C-AFCF-24B1057EE3DF}"/>
+              </a:ext>
+            </a:extLst>
+          </p:cNvPr>
+          <p:cNvCxnSpPr>
+            <a:cxnSpLocks/>
+          </p:cNvCxnSpPr>
+          <p:nvPr/>
+        </p:nvCxnSpPr>
+        <p:spPr>
+          <a:xfrm flipH="1">
+            <a:off x="8746857" y="3944434"/>
+            <a:ext cx="278606" cy="76200"/>
+          </a:xfrm>
+          <a:prstGeom prst="line">
+            <a:avLst/>
+          </a:prstGeom>
+        </p:spPr>
+        <p:style>
+          <a:lnRef idx="3">
+            <a:schemeClr val="accent6"/>
+          </a:lnRef>
+          <a:fillRef idx="0">
+            <a:schemeClr val="accent6"/>
+          </a:fillRef>
+          <a:effectRef idx="2">
+            <a:schemeClr val="accent6"/>
+          </a:effectRef>
+          <a:fontRef idx="minor">
+            <a:schemeClr val="tx1"/>
+          </a:fontRef>
+        </p:style>
+      </p:cxnSp>
+      <p:cxnSp>
+        <p:nvCxnSpPr>
+          <p:cNvPr id="88" name="Straight Connector 87">
+            <a:extLst>
+              <a:ext uri="{FF2B5EF4-FFF2-40B4-BE49-F238E27FC236}">
+                <a16:creationId xmlns:a16="http://schemas.microsoft.com/office/drawing/2014/main" id="{3745336A-4B62-495A-8B35-68E238E8B5A8}"/>
+              </a:ext>
+            </a:extLst>
+          </p:cNvPr>
+          <p:cNvCxnSpPr>
+            <a:cxnSpLocks/>
+          </p:cNvCxnSpPr>
+          <p:nvPr/>
+        </p:nvCxnSpPr>
+        <p:spPr>
+          <a:xfrm flipH="1" flipV="1">
+            <a:off x="8886161" y="3659625"/>
+            <a:ext cx="148457" cy="284809"/>
+          </a:xfrm>
+          <a:prstGeom prst="line">
+            <a:avLst/>
+          </a:prstGeom>
+        </p:spPr>
+        <p:style>
+          <a:lnRef idx="3">
+            <a:schemeClr val="accent6"/>
+          </a:lnRef>
+          <a:fillRef idx="0">
+            <a:schemeClr val="accent6"/>
+          </a:fillRef>
+          <a:effectRef idx="2">
+            <a:schemeClr val="accent6"/>
+          </a:effectRef>
+          <a:fontRef idx="minor">
+            <a:schemeClr val="tx1"/>
+          </a:fontRef>
+        </p:style>
+      </p:cxnSp>
+      <p:cxnSp>
+        <p:nvCxnSpPr>
+          <p:cNvPr id="89" name="Straight Connector 88">
+            <a:extLst>
+              <a:ext uri="{FF2B5EF4-FFF2-40B4-BE49-F238E27FC236}">
+                <a16:creationId xmlns:a16="http://schemas.microsoft.com/office/drawing/2014/main" id="{453912BE-AA56-4DD9-802D-128FF25F451A}"/>
+              </a:ext>
+            </a:extLst>
+          </p:cNvPr>
+          <p:cNvCxnSpPr>
+            <a:cxnSpLocks/>
+          </p:cNvCxnSpPr>
+          <p:nvPr/>
+        </p:nvCxnSpPr>
+        <p:spPr>
+          <a:xfrm flipH="1">
+            <a:off x="8254759" y="4056183"/>
+            <a:ext cx="495300" cy="377606"/>
+          </a:xfrm>
+          <a:prstGeom prst="line">
+            <a:avLst/>
+          </a:prstGeom>
+        </p:spPr>
+        <p:style>
+          <a:lnRef idx="3">
+            <a:schemeClr val="accent6"/>
+          </a:lnRef>
+          <a:fillRef idx="0">
+            <a:schemeClr val="accent6"/>
+          </a:fillRef>
+          <a:effectRef idx="2">
+            <a:schemeClr val="accent6"/>
+          </a:effectRef>
+          <a:fontRef idx="minor">
+            <a:schemeClr val="tx1"/>
+          </a:fontRef>
+        </p:style>
+      </p:cxnSp>
+      <p:cxnSp>
+        <p:nvCxnSpPr>
+          <p:cNvPr id="90" name="Straight Connector 89">
+            <a:extLst>
+              <a:ext uri="{FF2B5EF4-FFF2-40B4-BE49-F238E27FC236}">
+                <a16:creationId xmlns:a16="http://schemas.microsoft.com/office/drawing/2014/main" id="{CE539F66-66F0-46F4-8FD3-87AB2A8EFFFD}"/>
+              </a:ext>
+            </a:extLst>
+          </p:cNvPr>
+          <p:cNvCxnSpPr>
+            <a:cxnSpLocks/>
+          </p:cNvCxnSpPr>
+          <p:nvPr/>
+        </p:nvCxnSpPr>
+        <p:spPr>
+          <a:xfrm flipV="1">
+            <a:off x="8750059" y="3934215"/>
+            <a:ext cx="621627" cy="121968"/>
+          </a:xfrm>
+          <a:prstGeom prst="line">
+            <a:avLst/>
+          </a:prstGeom>
+        </p:spPr>
+        <p:style>
+          <a:lnRef idx="3">
+            <a:schemeClr val="accent6"/>
+          </a:lnRef>
+          <a:fillRef idx="0">
+            <a:schemeClr val="accent6"/>
+          </a:fillRef>
+          <a:effectRef idx="2">
+            <a:schemeClr val="accent6"/>
+          </a:effectRef>
+          <a:fontRef idx="minor">
+            <a:schemeClr val="tx1"/>
+          </a:fontRef>
+        </p:style>
+      </p:cxnSp>
+      <p:cxnSp>
+        <p:nvCxnSpPr>
+          <p:cNvPr id="91" name="Straight Connector 90">
+            <a:extLst>
+              <a:ext uri="{FF2B5EF4-FFF2-40B4-BE49-F238E27FC236}">
+                <a16:creationId xmlns:a16="http://schemas.microsoft.com/office/drawing/2014/main" id="{DE930C45-3446-491B-BE3C-73E3918EEDDF}"/>
+              </a:ext>
+            </a:extLst>
+          </p:cNvPr>
+          <p:cNvCxnSpPr>
+            <a:cxnSpLocks/>
+          </p:cNvCxnSpPr>
+          <p:nvPr/>
+        </p:nvCxnSpPr>
+        <p:spPr>
+          <a:xfrm flipH="1">
+            <a:off x="8254759" y="4338539"/>
+            <a:ext cx="614732" cy="107473"/>
+          </a:xfrm>
+          <a:prstGeom prst="line">
+            <a:avLst/>
+          </a:prstGeom>
+        </p:spPr>
+        <p:style>
+          <a:lnRef idx="3">
+            <a:schemeClr val="accent6"/>
+          </a:lnRef>
+          <a:fillRef idx="0">
+            <a:schemeClr val="accent6"/>
+          </a:fillRef>
+          <a:effectRef idx="2">
+            <a:schemeClr val="accent6"/>
+          </a:effectRef>
+          <a:fontRef idx="minor">
+            <a:schemeClr val="tx1"/>
+          </a:fontRef>
+        </p:style>
+      </p:cxnSp>
+      <p:cxnSp>
+        <p:nvCxnSpPr>
+          <p:cNvPr id="92" name="Straight Connector 91">
+            <a:extLst>
+              <a:ext uri="{FF2B5EF4-FFF2-40B4-BE49-F238E27FC236}">
+                <a16:creationId xmlns:a16="http://schemas.microsoft.com/office/drawing/2014/main" id="{039F8611-9BDC-494D-B8E5-4D3CDDF5D07B}"/>
+              </a:ext>
+            </a:extLst>
+          </p:cNvPr>
+          <p:cNvCxnSpPr>
+            <a:cxnSpLocks/>
+          </p:cNvCxnSpPr>
+          <p:nvPr/>
+        </p:nvCxnSpPr>
+        <p:spPr>
+          <a:xfrm flipV="1">
+            <a:off x="8869491" y="3944434"/>
+            <a:ext cx="502195" cy="394105"/>
+          </a:xfrm>
+          <a:prstGeom prst="line">
+            <a:avLst/>
+          </a:prstGeom>
+        </p:spPr>
+        <p:style>
+          <a:lnRef idx="3">
+            <a:schemeClr val="accent6"/>
+          </a:lnRef>
+          <a:fillRef idx="0">
+            <a:schemeClr val="accent6"/>
+          </a:fillRef>
+          <a:effectRef idx="2">
+            <a:schemeClr val="accent6"/>
+          </a:effectRef>
+          <a:fontRef idx="minor">
+            <a:schemeClr val="tx1"/>
+          </a:fontRef>
+        </p:style>
+      </p:cxnSp>
+      <p:sp>
+        <p:nvSpPr>
+          <p:cNvPr id="93" name="Trapezoid 92">
+            <a:extLst>
+              <a:ext uri="{FF2B5EF4-FFF2-40B4-BE49-F238E27FC236}">
+                <a16:creationId xmlns:a16="http://schemas.microsoft.com/office/drawing/2014/main" id="{873C03CC-E0CC-4EAD-AD02-90E0A2B3E7C3}"/>
+              </a:ext>
+            </a:extLst>
+          </p:cNvPr>
+          <p:cNvSpPr/>
+          <p:nvPr/>
+        </p:nvSpPr>
+        <p:spPr>
+          <a:xfrm rot="10049645">
+            <a:off x="8841631" y="3951626"/>
+            <a:ext cx="535729" cy="332858"/>
+          </a:xfrm>
+          <a:prstGeom prst="trapezoid">
+            <a:avLst>
+              <a:gd name="adj" fmla="val 749"/>
+            </a:avLst>
+          </a:prstGeom>
+          <a:solidFill>
+            <a:schemeClr val="accent6"/>
+          </a:solidFill>
+          <a:ln>
+            <a:solidFill>
+              <a:schemeClr val="accent6"/>
+            </a:solidFill>
+          </a:ln>
+        </p:spPr>
+        <p:style>
+          <a:lnRef idx="2">
+            <a:schemeClr val="accent1">
+              <a:shade val="50000"/>
+            </a:schemeClr>
+          </a:lnRef>
+          <a:fillRef idx="1">
+            <a:schemeClr val="accent1"/>
+          </a:fillRef>
+          <a:effectRef idx="0">
+            <a:schemeClr val="accent1"/>
+          </a:effectRef>
+          <a:fontRef idx="minor">
+            <a:schemeClr val="lt1"/>
+          </a:fontRef>
+        </p:style>
+        <p:txBody>
+          <a:bodyPr rtlCol="0" anchor="ctr"/>
+          <a:lstStyle/>
+          <a:p>
+            <a:pPr algn="ctr"/>
+            <a:endParaRPr lang="en-US"/>
+          </a:p>
+        </p:txBody>
+      </p:sp>
+      <p:sp>
+        <p:nvSpPr>
+          <p:cNvPr id="94" name="Trapezoid 93">
+            <a:extLst>
+              <a:ext uri="{FF2B5EF4-FFF2-40B4-BE49-F238E27FC236}">
+                <a16:creationId xmlns:a16="http://schemas.microsoft.com/office/drawing/2014/main" id="{0258DA86-32F9-4124-9ED9-ED1C88F45B34}"/>
+              </a:ext>
+            </a:extLst>
+          </p:cNvPr>
+          <p:cNvSpPr/>
+          <p:nvPr/>
+        </p:nvSpPr>
+        <p:spPr>
+          <a:xfrm rot="8331603">
+            <a:off x="8364350" y="4193004"/>
+            <a:ext cx="470384" cy="332858"/>
+          </a:xfrm>
+          <a:prstGeom prst="trapezoid">
+            <a:avLst>
+              <a:gd name="adj" fmla="val 749"/>
+            </a:avLst>
+          </a:prstGeom>
+          <a:solidFill>
+            <a:schemeClr val="accent6"/>
+          </a:solidFill>
+          <a:ln>
+            <a:solidFill>
+              <a:schemeClr val="accent6"/>
+            </a:solidFill>
+          </a:ln>
+        </p:spPr>
+        <p:style>
+          <a:lnRef idx="2">
+            <a:schemeClr val="accent1">
+              <a:shade val="50000"/>
+            </a:schemeClr>
+          </a:lnRef>
+          <a:fillRef idx="1">
+            <a:schemeClr val="accent1"/>
+          </a:fillRef>
+          <a:effectRef idx="0">
+            <a:schemeClr val="accent1"/>
+          </a:effectRef>
+          <a:fontRef idx="minor">
+            <a:schemeClr val="lt1"/>
+          </a:fontRef>
+        </p:style>
+        <p:txBody>
+          <a:bodyPr rtlCol="0" anchor="ctr"/>
+          <a:lstStyle/>
+          <a:p>
+            <a:pPr algn="ctr"/>
+            <a:endParaRPr lang="en-US"/>
+          </a:p>
+        </p:txBody>
+      </p:sp>
+    </p:spTree>
+    <p:extLst>
+      <p:ext uri="{BB962C8B-B14F-4D97-AF65-F5344CB8AC3E}">
+        <p14:creationId xmlns:p14="http://schemas.microsoft.com/office/powerpoint/2010/main" val="3819034130"/>
+      </p:ext>
+    </p:extLst>
+  </p:cSld>
+  <p:clrMapOvr>
+    <a:masterClrMapping/>
+  </p:clrMapOvr>
+</p:sld>
+</file>
+
+<file path=ppt/slides/slide55.xml><?xml version="1.0" encoding="utf-8"?>
+<p:sld xmlns:a="http://schemas.openxmlformats.org/drawingml/2006/main" xmlns:r="http://schemas.openxmlformats.org/officeDocument/2006/relationships" xmlns:p="http://schemas.openxmlformats.org/presentationml/2006/main">
+  <p:cSld>
+    <p:spTree>
+      <p:nvGrpSpPr>
+        <p:cNvPr id="1" name=""/>
+        <p:cNvGrpSpPr/>
+        <p:nvPr/>
+      </p:nvGrpSpPr>
+      <p:grpSpPr>
+        <a:xfrm>
+          <a:off x="0" y="0"/>
+          <a:ext cx="0" cy="0"/>
+          <a:chOff x="0" y="0"/>
+          <a:chExt cx="0" cy="0"/>
+        </a:xfrm>
+      </p:grpSpPr>
+      <p:pic>
+        <p:nvPicPr>
+          <p:cNvPr id="70" name="Picture 69">
+            <a:extLst>
+              <a:ext uri="{FF2B5EF4-FFF2-40B4-BE49-F238E27FC236}">
+                <a16:creationId xmlns:a16="http://schemas.microsoft.com/office/drawing/2014/main" id="{826206DB-7816-4D4E-81E9-A7BF324E67C1}"/>
+              </a:ext>
+            </a:extLst>
+          </p:cNvPr>
+          <p:cNvPicPr>
+            <a:picLocks noChangeAspect="1"/>
+          </p:cNvPicPr>
+          <p:nvPr/>
+        </p:nvPicPr>
+        <p:blipFill>
+          <a:blip r:embed="rId2"/>
+          <a:stretch>
+            <a:fillRect/>
+          </a:stretch>
+        </p:blipFill>
+        <p:spPr>
+          <a:xfrm>
+            <a:off x="6353743" y="2077401"/>
+            <a:ext cx="4436399" cy="3802627"/>
+          </a:xfrm>
+          <a:prstGeom prst="rect">
+            <a:avLst/>
+          </a:prstGeom>
+        </p:spPr>
+      </p:pic>
+      <p:sp>
+        <p:nvSpPr>
+          <p:cNvPr id="2" name="Title 1">
+            <a:extLst>
+              <a:ext uri="{FF2B5EF4-FFF2-40B4-BE49-F238E27FC236}">
+                <a16:creationId xmlns:a16="http://schemas.microsoft.com/office/drawing/2014/main" id="{FFCEB186-C4F2-43BC-8A25-91E6D1AC1086}"/>
+              </a:ext>
+            </a:extLst>
+          </p:cNvPr>
+          <p:cNvSpPr>
+            <a:spLocks noGrp="1"/>
+          </p:cNvSpPr>
+          <p:nvPr>
+            <p:ph type="title"/>
+          </p:nvPr>
+        </p:nvSpPr>
+        <p:spPr>
+          <a:xfrm>
+            <a:off x="838200" y="232213"/>
+            <a:ext cx="10515600" cy="1549158"/>
+          </a:xfrm>
+        </p:spPr>
+        <p:txBody>
+          <a:bodyPr>
+            <a:noAutofit/>
+          </a:bodyPr>
+          <a:lstStyle/>
+          <a:p>
+            <a:r>
+              <a:rPr lang="en-US" sz="3600" dirty="0"/>
+              <a:t>We can modify the code to form a quadrilateral (kite) with the following parameters for every obtuse vertex, in place of a parallelogram.</a:t>
+            </a:r>
+          </a:p>
+        </p:txBody>
+      </p:sp>
+      <p:sp>
+        <p:nvSpPr>
+          <p:cNvPr id="4" name="Slide Number Placeholder 3">
+            <a:extLst>
+              <a:ext uri="{FF2B5EF4-FFF2-40B4-BE49-F238E27FC236}">
+                <a16:creationId xmlns:a16="http://schemas.microsoft.com/office/drawing/2014/main" id="{E98C5798-6143-4075-8375-7AE4161FC0D3}"/>
+              </a:ext>
+            </a:extLst>
+          </p:cNvPr>
+          <p:cNvSpPr>
+            <a:spLocks noGrp="1"/>
+          </p:cNvSpPr>
+          <p:nvPr>
+            <p:ph type="sldNum" sz="quarter" idx="12"/>
+          </p:nvPr>
+        </p:nvSpPr>
+        <p:spPr/>
+        <p:txBody>
+          <a:bodyPr/>
+          <a:lstStyle/>
+          <a:p>
+            <a:fld id="{35E7B248-7056-49E8-9F30-37D8E83E9700}" type="slidenum">
+              <a:rPr lang="en-US" smtClean="0"/>
+              <a:t>55</a:t>
+            </a:fld>
+            <a:endParaRPr lang="en-US"/>
+          </a:p>
+        </p:txBody>
+      </p:sp>
+      <p:pic>
+        <p:nvPicPr>
+          <p:cNvPr id="18" name="Picture 17" descr="A picture containing chart&#10;&#10;Description automatically generated">
+            <a:extLst>
+              <a:ext uri="{FF2B5EF4-FFF2-40B4-BE49-F238E27FC236}">
+                <a16:creationId xmlns:a16="http://schemas.microsoft.com/office/drawing/2014/main" id="{D8AF2C44-BB03-4732-A17E-7B770768DEE0}"/>
+              </a:ext>
+            </a:extLst>
+          </p:cNvPr>
+          <p:cNvPicPr>
+            <a:picLocks noChangeAspect="1"/>
+          </p:cNvPicPr>
+          <p:nvPr/>
+        </p:nvPicPr>
+        <p:blipFill>
+          <a:blip r:embed="rId3">
+            <a:extLst>
+              <a:ext uri="{28A0092B-C50C-407E-A947-70E740481C1C}">
+                <a14:useLocalDpi xmlns:a14="http://schemas.microsoft.com/office/drawing/2010/main" val="0"/>
+              </a:ext>
+            </a:extLst>
+          </a:blip>
+          <a:stretch>
+            <a:fillRect/>
+          </a:stretch>
+        </p:blipFill>
+        <p:spPr>
+          <a:xfrm>
+            <a:off x="838200" y="1914284"/>
+            <a:ext cx="4442066" cy="4442066"/>
+          </a:xfrm>
+          <a:prstGeom prst="rect">
+            <a:avLst/>
+          </a:prstGeom>
+        </p:spPr>
+      </p:pic>
+      <p:cxnSp>
+        <p:nvCxnSpPr>
+          <p:cNvPr id="6" name="Straight Connector 5">
+            <a:extLst>
+              <a:ext uri="{FF2B5EF4-FFF2-40B4-BE49-F238E27FC236}">
+                <a16:creationId xmlns:a16="http://schemas.microsoft.com/office/drawing/2014/main" id="{0C539B7E-5451-4CC0-A5B7-4FCB27AA5F6B}"/>
+              </a:ext>
+            </a:extLst>
+          </p:cNvPr>
+          <p:cNvCxnSpPr>
+            <a:cxnSpLocks/>
+          </p:cNvCxnSpPr>
+          <p:nvPr/>
+        </p:nvCxnSpPr>
+        <p:spPr>
+          <a:xfrm>
+            <a:off x="2219325" y="4000500"/>
+            <a:ext cx="171450" cy="269875"/>
+          </a:xfrm>
+          <a:prstGeom prst="line">
+            <a:avLst/>
+          </a:prstGeom>
+        </p:spPr>
+        <p:style>
+          <a:lnRef idx="3">
+            <a:schemeClr val="accent6"/>
+          </a:lnRef>
+          <a:fillRef idx="0">
+            <a:schemeClr val="accent6"/>
+          </a:fillRef>
+          <a:effectRef idx="2">
+            <a:schemeClr val="accent6"/>
+          </a:effectRef>
+          <a:fontRef idx="minor">
+            <a:schemeClr val="tx1"/>
+          </a:fontRef>
+        </p:style>
+      </p:cxnSp>
+      <p:cxnSp>
+        <p:nvCxnSpPr>
+          <p:cNvPr id="11" name="Straight Connector 10">
+            <a:extLst>
+              <a:ext uri="{FF2B5EF4-FFF2-40B4-BE49-F238E27FC236}">
+                <a16:creationId xmlns:a16="http://schemas.microsoft.com/office/drawing/2014/main" id="{1F4CDCC8-D0E7-4196-9EAE-627D1EBDD22C}"/>
+              </a:ext>
+            </a:extLst>
+          </p:cNvPr>
+          <p:cNvCxnSpPr>
+            <a:cxnSpLocks/>
+          </p:cNvCxnSpPr>
+          <p:nvPr/>
+        </p:nvCxnSpPr>
+        <p:spPr>
+          <a:xfrm flipV="1">
+            <a:off x="2219325" y="3813394"/>
+            <a:ext cx="243871" cy="187106"/>
+          </a:xfrm>
+          <a:prstGeom prst="line">
+            <a:avLst/>
+          </a:prstGeom>
+        </p:spPr>
+        <p:style>
+          <a:lnRef idx="3">
+            <a:schemeClr val="accent6"/>
+          </a:lnRef>
+          <a:fillRef idx="0">
+            <a:schemeClr val="accent6"/>
+          </a:fillRef>
+          <a:effectRef idx="2">
+            <a:schemeClr val="accent6"/>
+          </a:effectRef>
+          <a:fontRef idx="minor">
+            <a:schemeClr val="tx1"/>
+          </a:fontRef>
+        </p:style>
+      </p:cxnSp>
+      <p:cxnSp>
+        <p:nvCxnSpPr>
+          <p:cNvPr id="14" name="Straight Connector 13">
+            <a:extLst>
+              <a:ext uri="{FF2B5EF4-FFF2-40B4-BE49-F238E27FC236}">
+                <a16:creationId xmlns:a16="http://schemas.microsoft.com/office/drawing/2014/main" id="{277D2F89-2A2E-42C0-B600-2902A0F48BF0}"/>
+              </a:ext>
+            </a:extLst>
+          </p:cNvPr>
+          <p:cNvCxnSpPr>
+            <a:cxnSpLocks/>
+          </p:cNvCxnSpPr>
+          <p:nvPr/>
+        </p:nvCxnSpPr>
+        <p:spPr>
+          <a:xfrm flipH="1">
+            <a:off x="2390957" y="4095750"/>
+            <a:ext cx="233060" cy="174625"/>
+          </a:xfrm>
+          <a:prstGeom prst="line">
+            <a:avLst/>
+          </a:prstGeom>
+        </p:spPr>
+        <p:style>
+          <a:lnRef idx="3">
+            <a:schemeClr val="accent6"/>
+          </a:lnRef>
+          <a:fillRef idx="0">
+            <a:schemeClr val="accent6"/>
+          </a:fillRef>
+          <a:effectRef idx="2">
+            <a:schemeClr val="accent6"/>
+          </a:effectRef>
+          <a:fontRef idx="minor">
+            <a:schemeClr val="tx1"/>
+          </a:fontRef>
+        </p:style>
+      </p:cxnSp>
+      <p:cxnSp>
+        <p:nvCxnSpPr>
+          <p:cNvPr id="15" name="Straight Connector 14">
+            <a:extLst>
+              <a:ext uri="{FF2B5EF4-FFF2-40B4-BE49-F238E27FC236}">
+                <a16:creationId xmlns:a16="http://schemas.microsoft.com/office/drawing/2014/main" id="{E4093149-4A3E-41FF-8327-CF652C1A7B17}"/>
+              </a:ext>
+            </a:extLst>
+          </p:cNvPr>
+          <p:cNvCxnSpPr>
+            <a:cxnSpLocks/>
+          </p:cNvCxnSpPr>
+          <p:nvPr/>
+        </p:nvCxnSpPr>
+        <p:spPr>
+          <a:xfrm flipH="1" flipV="1">
+            <a:off x="2463196" y="3813394"/>
+            <a:ext cx="160821" cy="282356"/>
+          </a:xfrm>
+          <a:prstGeom prst="line">
+            <a:avLst/>
+          </a:prstGeom>
+        </p:spPr>
+        <p:style>
+          <a:lnRef idx="3">
+            <a:schemeClr val="accent6"/>
+          </a:lnRef>
+          <a:fillRef idx="0">
+            <a:schemeClr val="accent6"/>
+          </a:fillRef>
+          <a:effectRef idx="2">
+            <a:schemeClr val="accent6"/>
+          </a:effectRef>
+          <a:fontRef idx="minor">
+            <a:schemeClr val="tx1"/>
+          </a:fontRef>
+        </p:style>
+      </p:cxnSp>
+      <p:cxnSp>
+        <p:nvCxnSpPr>
+          <p:cNvPr id="10" name="Straight Connector 9">
+            <a:extLst>
+              <a:ext uri="{FF2B5EF4-FFF2-40B4-BE49-F238E27FC236}">
+                <a16:creationId xmlns:a16="http://schemas.microsoft.com/office/drawing/2014/main" id="{997147E4-90D1-4402-A63F-F75FC24ECC84}"/>
+              </a:ext>
+            </a:extLst>
+          </p:cNvPr>
+          <p:cNvCxnSpPr>
+            <a:cxnSpLocks/>
+          </p:cNvCxnSpPr>
+          <p:nvPr/>
+        </p:nvCxnSpPr>
+        <p:spPr>
+          <a:xfrm>
+            <a:off x="2520587" y="3801299"/>
+            <a:ext cx="152215" cy="258902"/>
+          </a:xfrm>
+          <a:prstGeom prst="line">
+            <a:avLst/>
+          </a:prstGeom>
+        </p:spPr>
+        <p:style>
+          <a:lnRef idx="3">
+            <a:schemeClr val="accent6"/>
+          </a:lnRef>
+          <a:fillRef idx="0">
+            <a:schemeClr val="accent6"/>
+          </a:fillRef>
+          <a:effectRef idx="2">
+            <a:schemeClr val="accent6"/>
+          </a:effectRef>
+          <a:fontRef idx="minor">
+            <a:schemeClr val="tx1"/>
+          </a:fontRef>
+        </p:style>
+      </p:cxnSp>
+      <p:cxnSp>
+        <p:nvCxnSpPr>
+          <p:cNvPr id="12" name="Straight Connector 11">
+            <a:extLst>
+              <a:ext uri="{FF2B5EF4-FFF2-40B4-BE49-F238E27FC236}">
+                <a16:creationId xmlns:a16="http://schemas.microsoft.com/office/drawing/2014/main" id="{BB315FEC-821A-493A-8914-953E99A5CAF8}"/>
+              </a:ext>
+            </a:extLst>
+          </p:cNvPr>
+          <p:cNvCxnSpPr>
+            <a:cxnSpLocks/>
+          </p:cNvCxnSpPr>
+          <p:nvPr/>
+        </p:nvCxnSpPr>
+        <p:spPr>
+          <a:xfrm flipV="1">
+            <a:off x="2507487" y="3699192"/>
+            <a:ext cx="305140" cy="93308"/>
+          </a:xfrm>
+          <a:prstGeom prst="line">
+            <a:avLst/>
+          </a:prstGeom>
+        </p:spPr>
+        <p:style>
+          <a:lnRef idx="3">
+            <a:schemeClr val="accent6"/>
+          </a:lnRef>
+          <a:fillRef idx="0">
+            <a:schemeClr val="accent6"/>
+          </a:fillRef>
+          <a:effectRef idx="2">
+            <a:schemeClr val="accent6"/>
+          </a:effectRef>
+          <a:fontRef idx="minor">
+            <a:schemeClr val="tx1"/>
+          </a:fontRef>
+        </p:style>
+      </p:cxnSp>
+      <p:cxnSp>
+        <p:nvCxnSpPr>
+          <p:cNvPr id="13" name="Straight Connector 12">
+            <a:extLst>
+              <a:ext uri="{FF2B5EF4-FFF2-40B4-BE49-F238E27FC236}">
+                <a16:creationId xmlns:a16="http://schemas.microsoft.com/office/drawing/2014/main" id="{23AB9ED3-0968-434F-8AD9-E159FC5566D1}"/>
+              </a:ext>
+            </a:extLst>
+          </p:cNvPr>
+          <p:cNvCxnSpPr>
+            <a:cxnSpLocks/>
+          </p:cNvCxnSpPr>
+          <p:nvPr/>
+        </p:nvCxnSpPr>
+        <p:spPr>
+          <a:xfrm flipH="1">
+            <a:off x="2673323" y="3984001"/>
+            <a:ext cx="278606" cy="76200"/>
+          </a:xfrm>
+          <a:prstGeom prst="line">
+            <a:avLst/>
+          </a:prstGeom>
+        </p:spPr>
+        <p:style>
+          <a:lnRef idx="3">
+            <a:schemeClr val="accent6"/>
+          </a:lnRef>
+          <a:fillRef idx="0">
+            <a:schemeClr val="accent6"/>
+          </a:fillRef>
+          <a:effectRef idx="2">
+            <a:schemeClr val="accent6"/>
+          </a:effectRef>
+          <a:fontRef idx="minor">
+            <a:schemeClr val="tx1"/>
+          </a:fontRef>
+        </p:style>
+      </p:cxnSp>
+      <p:cxnSp>
+        <p:nvCxnSpPr>
+          <p:cNvPr id="16" name="Straight Connector 15">
+            <a:extLst>
+              <a:ext uri="{FF2B5EF4-FFF2-40B4-BE49-F238E27FC236}">
+                <a16:creationId xmlns:a16="http://schemas.microsoft.com/office/drawing/2014/main" id="{E20B000D-D5D7-47EA-98D4-3F3DA6522B7B}"/>
+              </a:ext>
+            </a:extLst>
+          </p:cNvPr>
+          <p:cNvCxnSpPr>
+            <a:cxnSpLocks/>
+          </p:cNvCxnSpPr>
+          <p:nvPr/>
+        </p:nvCxnSpPr>
+        <p:spPr>
+          <a:xfrm flipH="1" flipV="1">
+            <a:off x="2812627" y="3699192"/>
+            <a:ext cx="148457" cy="284809"/>
+          </a:xfrm>
+          <a:prstGeom prst="line">
+            <a:avLst/>
+          </a:prstGeom>
+        </p:spPr>
+        <p:style>
+          <a:lnRef idx="3">
+            <a:schemeClr val="accent6"/>
+          </a:lnRef>
+          <a:fillRef idx="0">
+            <a:schemeClr val="accent6"/>
+          </a:fillRef>
+          <a:effectRef idx="2">
+            <a:schemeClr val="accent6"/>
+          </a:effectRef>
+          <a:fontRef idx="minor">
+            <a:schemeClr val="tx1"/>
+          </a:fontRef>
+        </p:style>
+      </p:cxnSp>
+      <p:cxnSp>
+        <p:nvCxnSpPr>
+          <p:cNvPr id="30" name="Straight Connector 29">
+            <a:extLst>
+              <a:ext uri="{FF2B5EF4-FFF2-40B4-BE49-F238E27FC236}">
+                <a16:creationId xmlns:a16="http://schemas.microsoft.com/office/drawing/2014/main" id="{76C74C4C-C232-458F-A3B3-BD662F671FF7}"/>
+              </a:ext>
+            </a:extLst>
+          </p:cNvPr>
+          <p:cNvCxnSpPr>
+            <a:cxnSpLocks/>
+          </p:cNvCxnSpPr>
+          <p:nvPr/>
+        </p:nvCxnSpPr>
+        <p:spPr>
+          <a:xfrm flipH="1">
+            <a:off x="2181225" y="4095750"/>
+            <a:ext cx="495300" cy="377606"/>
+          </a:xfrm>
+          <a:prstGeom prst="line">
+            <a:avLst/>
+          </a:prstGeom>
+        </p:spPr>
+        <p:style>
+          <a:lnRef idx="3">
+            <a:schemeClr val="accent6"/>
+          </a:lnRef>
+          <a:fillRef idx="0">
+            <a:schemeClr val="accent6"/>
+          </a:fillRef>
+          <a:effectRef idx="2">
+            <a:schemeClr val="accent6"/>
+          </a:effectRef>
+          <a:fontRef idx="minor">
+            <a:schemeClr val="tx1"/>
+          </a:fontRef>
+        </p:style>
+      </p:cxnSp>
+      <p:cxnSp>
+        <p:nvCxnSpPr>
+          <p:cNvPr id="31" name="Straight Connector 30">
+            <a:extLst>
+              <a:ext uri="{FF2B5EF4-FFF2-40B4-BE49-F238E27FC236}">
+                <a16:creationId xmlns:a16="http://schemas.microsoft.com/office/drawing/2014/main" id="{CB59BAEC-F11C-46B3-8C1D-DDA7E0EF5A6E}"/>
+              </a:ext>
+            </a:extLst>
+          </p:cNvPr>
+          <p:cNvCxnSpPr>
+            <a:cxnSpLocks/>
+          </p:cNvCxnSpPr>
+          <p:nvPr/>
+        </p:nvCxnSpPr>
+        <p:spPr>
+          <a:xfrm flipV="1">
+            <a:off x="2676525" y="3973782"/>
+            <a:ext cx="621627" cy="121968"/>
+          </a:xfrm>
+          <a:prstGeom prst="line">
+            <a:avLst/>
+          </a:prstGeom>
+        </p:spPr>
+        <p:style>
+          <a:lnRef idx="3">
+            <a:schemeClr val="accent6"/>
+          </a:lnRef>
+          <a:fillRef idx="0">
+            <a:schemeClr val="accent6"/>
+          </a:fillRef>
+          <a:effectRef idx="2">
+            <a:schemeClr val="accent6"/>
+          </a:effectRef>
+          <a:fontRef idx="minor">
+            <a:schemeClr val="tx1"/>
+          </a:fontRef>
+        </p:style>
+      </p:cxnSp>
+      <p:cxnSp>
+        <p:nvCxnSpPr>
+          <p:cNvPr id="32" name="Straight Connector 31">
+            <a:extLst>
+              <a:ext uri="{FF2B5EF4-FFF2-40B4-BE49-F238E27FC236}">
+                <a16:creationId xmlns:a16="http://schemas.microsoft.com/office/drawing/2014/main" id="{1448BDBA-46B5-45D8-9A81-2A011E81E70E}"/>
+              </a:ext>
+            </a:extLst>
+          </p:cNvPr>
+          <p:cNvCxnSpPr>
+            <a:cxnSpLocks/>
+          </p:cNvCxnSpPr>
+          <p:nvPr/>
+        </p:nvCxnSpPr>
+        <p:spPr>
+          <a:xfrm flipH="1">
+            <a:off x="2181225" y="4378106"/>
+            <a:ext cx="614732" cy="107473"/>
+          </a:xfrm>
+          <a:prstGeom prst="line">
+            <a:avLst/>
+          </a:prstGeom>
+        </p:spPr>
+        <p:style>
+          <a:lnRef idx="3">
+            <a:schemeClr val="accent6"/>
+          </a:lnRef>
+          <a:fillRef idx="0">
+            <a:schemeClr val="accent6"/>
+          </a:fillRef>
+          <a:effectRef idx="2">
+            <a:schemeClr val="accent6"/>
+          </a:effectRef>
+          <a:fontRef idx="minor">
+            <a:schemeClr val="tx1"/>
+          </a:fontRef>
+        </p:style>
+      </p:cxnSp>
+      <p:cxnSp>
+        <p:nvCxnSpPr>
+          <p:cNvPr id="33" name="Straight Connector 32">
+            <a:extLst>
+              <a:ext uri="{FF2B5EF4-FFF2-40B4-BE49-F238E27FC236}">
+                <a16:creationId xmlns:a16="http://schemas.microsoft.com/office/drawing/2014/main" id="{74B0FE54-BFB8-4610-887B-697BBB742623}"/>
+              </a:ext>
+            </a:extLst>
+          </p:cNvPr>
+          <p:cNvCxnSpPr>
+            <a:cxnSpLocks/>
+          </p:cNvCxnSpPr>
+          <p:nvPr/>
+        </p:nvCxnSpPr>
+        <p:spPr>
+          <a:xfrm flipV="1">
+            <a:off x="2795957" y="3984001"/>
+            <a:ext cx="502195" cy="394105"/>
+          </a:xfrm>
+          <a:prstGeom prst="line">
+            <a:avLst/>
+          </a:prstGeom>
+        </p:spPr>
+        <p:style>
+          <a:lnRef idx="3">
+            <a:schemeClr val="accent6"/>
+          </a:lnRef>
+          <a:fillRef idx="0">
+            <a:schemeClr val="accent6"/>
+          </a:fillRef>
+          <a:effectRef idx="2">
+            <a:schemeClr val="accent6"/>
+          </a:effectRef>
+          <a:fontRef idx="minor">
+            <a:schemeClr val="tx1"/>
+          </a:fontRef>
+        </p:style>
+      </p:cxnSp>
+      <p:sp>
+        <p:nvSpPr>
+          <p:cNvPr id="21" name="Trapezoid 20">
+            <a:extLst>
+              <a:ext uri="{FF2B5EF4-FFF2-40B4-BE49-F238E27FC236}">
+                <a16:creationId xmlns:a16="http://schemas.microsoft.com/office/drawing/2014/main" id="{0717F678-4D7F-49FD-BCC3-D8CE533D9883}"/>
+              </a:ext>
+            </a:extLst>
+          </p:cNvPr>
+          <p:cNvSpPr/>
+          <p:nvPr/>
+        </p:nvSpPr>
+        <p:spPr>
+          <a:xfrm rot="10049645">
+            <a:off x="2768097" y="3991193"/>
+            <a:ext cx="535729" cy="332858"/>
+          </a:xfrm>
+          <a:prstGeom prst="trapezoid">
+            <a:avLst>
+              <a:gd name="adj" fmla="val 749"/>
+            </a:avLst>
+          </a:prstGeom>
+          <a:solidFill>
+            <a:schemeClr val="accent6"/>
+          </a:solidFill>
+          <a:ln>
+            <a:solidFill>
+              <a:schemeClr val="accent6"/>
+            </a:solidFill>
+          </a:ln>
+        </p:spPr>
+        <p:style>
+          <a:lnRef idx="2">
+            <a:schemeClr val="accent1">
+              <a:shade val="50000"/>
+            </a:schemeClr>
+          </a:lnRef>
+          <a:fillRef idx="1">
+            <a:schemeClr val="accent1"/>
+          </a:fillRef>
+          <a:effectRef idx="0">
+            <a:schemeClr val="accent1"/>
+          </a:effectRef>
+          <a:fontRef idx="minor">
+            <a:schemeClr val="lt1"/>
+          </a:fontRef>
+        </p:style>
+        <p:txBody>
+          <a:bodyPr rtlCol="0" anchor="ctr"/>
+          <a:lstStyle/>
+          <a:p>
+            <a:pPr algn="ctr"/>
+            <a:endParaRPr lang="en-US"/>
+          </a:p>
+        </p:txBody>
+      </p:sp>
+      <p:sp>
+        <p:nvSpPr>
+          <p:cNvPr id="22" name="Trapezoid 21">
+            <a:extLst>
+              <a:ext uri="{FF2B5EF4-FFF2-40B4-BE49-F238E27FC236}">
+                <a16:creationId xmlns:a16="http://schemas.microsoft.com/office/drawing/2014/main" id="{338D81F8-21DF-42E5-AB1F-724896B4A1CC}"/>
+              </a:ext>
+            </a:extLst>
+          </p:cNvPr>
+          <p:cNvSpPr/>
+          <p:nvPr/>
+        </p:nvSpPr>
+        <p:spPr>
+          <a:xfrm rot="8331603">
+            <a:off x="2290816" y="4232571"/>
+            <a:ext cx="470384" cy="332858"/>
+          </a:xfrm>
+          <a:prstGeom prst="trapezoid">
+            <a:avLst>
+              <a:gd name="adj" fmla="val 749"/>
+            </a:avLst>
+          </a:prstGeom>
+          <a:solidFill>
+            <a:schemeClr val="accent6"/>
+          </a:solidFill>
+          <a:ln>
+            <a:solidFill>
+              <a:schemeClr val="accent6"/>
+            </a:solidFill>
+          </a:ln>
+        </p:spPr>
+        <p:style>
+          <a:lnRef idx="2">
+            <a:schemeClr val="accent1">
+              <a:shade val="50000"/>
+            </a:schemeClr>
+          </a:lnRef>
+          <a:fillRef idx="1">
+            <a:schemeClr val="accent1"/>
+          </a:fillRef>
+          <a:effectRef idx="0">
+            <a:schemeClr val="accent1"/>
+          </a:effectRef>
+          <a:fontRef idx="minor">
+            <a:schemeClr val="lt1"/>
+          </a:fontRef>
+        </p:style>
+        <p:txBody>
+          <a:bodyPr rtlCol="0" anchor="ctr"/>
+          <a:lstStyle/>
+          <a:p>
+            <a:pPr algn="ctr"/>
+            <a:endParaRPr lang="en-US"/>
+          </a:p>
+        </p:txBody>
+      </p:sp>
+      <p:cxnSp>
+        <p:nvCxnSpPr>
+          <p:cNvPr id="45" name="Straight Connector 44">
+            <a:extLst>
+              <a:ext uri="{FF2B5EF4-FFF2-40B4-BE49-F238E27FC236}">
+                <a16:creationId xmlns:a16="http://schemas.microsoft.com/office/drawing/2014/main" id="{33CC7F59-2F0A-448F-B98A-735286F1EFB1}"/>
+              </a:ext>
+            </a:extLst>
+          </p:cNvPr>
+          <p:cNvCxnSpPr>
+            <a:cxnSpLocks/>
+          </p:cNvCxnSpPr>
+          <p:nvPr/>
+        </p:nvCxnSpPr>
+        <p:spPr>
+          <a:xfrm>
+            <a:off x="2219325" y="4000500"/>
+            <a:ext cx="171450" cy="269875"/>
+          </a:xfrm>
+          <a:prstGeom prst="line">
+            <a:avLst/>
+          </a:prstGeom>
+        </p:spPr>
+        <p:style>
+          <a:lnRef idx="3">
+            <a:schemeClr val="accent6"/>
+          </a:lnRef>
+          <a:fillRef idx="0">
+            <a:schemeClr val="accent6"/>
+          </a:fillRef>
+          <a:effectRef idx="2">
+            <a:schemeClr val="accent6"/>
+          </a:effectRef>
+          <a:fontRef idx="minor">
+            <a:schemeClr val="tx1"/>
+          </a:fontRef>
+        </p:style>
+      </p:cxnSp>
+      <p:cxnSp>
+        <p:nvCxnSpPr>
+          <p:cNvPr id="46" name="Straight Connector 45">
+            <a:extLst>
+              <a:ext uri="{FF2B5EF4-FFF2-40B4-BE49-F238E27FC236}">
+                <a16:creationId xmlns:a16="http://schemas.microsoft.com/office/drawing/2014/main" id="{8C6D95EB-0A74-40C9-943C-7CAAD758A157}"/>
+              </a:ext>
+            </a:extLst>
+          </p:cNvPr>
+          <p:cNvCxnSpPr>
+            <a:cxnSpLocks/>
+          </p:cNvCxnSpPr>
+          <p:nvPr/>
+        </p:nvCxnSpPr>
+        <p:spPr>
+          <a:xfrm flipV="1">
+            <a:off x="2219325" y="3813394"/>
+            <a:ext cx="243871" cy="187106"/>
+          </a:xfrm>
+          <a:prstGeom prst="line">
+            <a:avLst/>
+          </a:prstGeom>
+        </p:spPr>
+        <p:style>
+          <a:lnRef idx="3">
+            <a:schemeClr val="accent6"/>
+          </a:lnRef>
+          <a:fillRef idx="0">
+            <a:schemeClr val="accent6"/>
+          </a:fillRef>
+          <a:effectRef idx="2">
+            <a:schemeClr val="accent6"/>
+          </a:effectRef>
+          <a:fontRef idx="minor">
+            <a:schemeClr val="tx1"/>
+          </a:fontRef>
+        </p:style>
+      </p:cxnSp>
+      <p:cxnSp>
+        <p:nvCxnSpPr>
+          <p:cNvPr id="47" name="Straight Connector 46">
+            <a:extLst>
+              <a:ext uri="{FF2B5EF4-FFF2-40B4-BE49-F238E27FC236}">
+                <a16:creationId xmlns:a16="http://schemas.microsoft.com/office/drawing/2014/main" id="{0FC73EEB-A01D-43C3-ADBD-94DB8EBAF01D}"/>
+              </a:ext>
+            </a:extLst>
+          </p:cNvPr>
+          <p:cNvCxnSpPr>
+            <a:cxnSpLocks/>
+          </p:cNvCxnSpPr>
+          <p:nvPr/>
+        </p:nvCxnSpPr>
+        <p:spPr>
+          <a:xfrm flipH="1">
+            <a:off x="2390957" y="4095750"/>
+            <a:ext cx="233060" cy="174625"/>
+          </a:xfrm>
+          <a:prstGeom prst="line">
+            <a:avLst/>
+          </a:prstGeom>
+        </p:spPr>
+        <p:style>
+          <a:lnRef idx="3">
+            <a:schemeClr val="accent6"/>
+          </a:lnRef>
+          <a:fillRef idx="0">
+            <a:schemeClr val="accent6"/>
+          </a:fillRef>
+          <a:effectRef idx="2">
+            <a:schemeClr val="accent6"/>
+          </a:effectRef>
+          <a:fontRef idx="minor">
+            <a:schemeClr val="tx1"/>
+          </a:fontRef>
+        </p:style>
+      </p:cxnSp>
+      <p:cxnSp>
+        <p:nvCxnSpPr>
+          <p:cNvPr id="48" name="Straight Connector 47">
+            <a:extLst>
+              <a:ext uri="{FF2B5EF4-FFF2-40B4-BE49-F238E27FC236}">
+                <a16:creationId xmlns:a16="http://schemas.microsoft.com/office/drawing/2014/main" id="{A712DC78-650B-43BB-ACCB-66CDE8B705F2}"/>
+              </a:ext>
+            </a:extLst>
+          </p:cNvPr>
+          <p:cNvCxnSpPr>
+            <a:cxnSpLocks/>
+          </p:cNvCxnSpPr>
+          <p:nvPr/>
+        </p:nvCxnSpPr>
+        <p:spPr>
+          <a:xfrm flipH="1" flipV="1">
+            <a:off x="2463196" y="3813394"/>
+            <a:ext cx="160821" cy="282356"/>
+          </a:xfrm>
+          <a:prstGeom prst="line">
+            <a:avLst/>
+          </a:prstGeom>
+        </p:spPr>
+        <p:style>
+          <a:lnRef idx="3">
+            <a:schemeClr val="accent6"/>
+          </a:lnRef>
+          <a:fillRef idx="0">
+            <a:schemeClr val="accent6"/>
+          </a:fillRef>
+          <a:effectRef idx="2">
+            <a:schemeClr val="accent6"/>
+          </a:effectRef>
+          <a:fontRef idx="minor">
+            <a:schemeClr val="tx1"/>
+          </a:fontRef>
+        </p:style>
+      </p:cxnSp>
+      <p:sp>
+        <p:nvSpPr>
+          <p:cNvPr id="49" name="Rectangle 48">
+            <a:extLst>
+              <a:ext uri="{FF2B5EF4-FFF2-40B4-BE49-F238E27FC236}">
+                <a16:creationId xmlns:a16="http://schemas.microsoft.com/office/drawing/2014/main" id="{A43F63F6-A9D9-469F-991C-EA36C0711190}"/>
+              </a:ext>
+            </a:extLst>
+          </p:cNvPr>
+          <p:cNvSpPr/>
+          <p:nvPr/>
+        </p:nvSpPr>
+        <p:spPr>
+          <a:xfrm>
+            <a:off x="6309351" y="2000008"/>
+            <a:ext cx="4552250" cy="3919406"/>
+          </a:xfrm>
+          <a:prstGeom prst="rect">
+            <a:avLst/>
+          </a:prstGeom>
+          <a:noFill/>
+          <a:ln w="57150">
+            <a:solidFill>
+              <a:schemeClr val="accent2"/>
+            </a:solidFill>
+          </a:ln>
+        </p:spPr>
+        <p:style>
+          <a:lnRef idx="2">
+            <a:schemeClr val="accent1">
+              <a:shade val="50000"/>
+            </a:schemeClr>
+          </a:lnRef>
+          <a:fillRef idx="1">
+            <a:schemeClr val="accent1"/>
+          </a:fillRef>
+          <a:effectRef idx="0">
+            <a:schemeClr val="accent1"/>
+          </a:effectRef>
+          <a:fontRef idx="minor">
+            <a:schemeClr val="lt1"/>
+          </a:fontRef>
+        </p:style>
+        <p:txBody>
+          <a:bodyPr rtlCol="0" anchor="ctr"/>
+          <a:lstStyle/>
+          <a:p>
+            <a:pPr algn="ctr"/>
+            <a:endParaRPr lang="en-US"/>
+          </a:p>
+        </p:txBody>
+      </p:sp>
+      <p:cxnSp>
+        <p:nvCxnSpPr>
+          <p:cNvPr id="50" name="Straight Connector 49">
+            <a:extLst>
+              <a:ext uri="{FF2B5EF4-FFF2-40B4-BE49-F238E27FC236}">
+                <a16:creationId xmlns:a16="http://schemas.microsoft.com/office/drawing/2014/main" id="{01DA8709-AA7A-42AA-8CA2-0D9779240D0F}"/>
+              </a:ext>
+            </a:extLst>
+          </p:cNvPr>
+          <p:cNvCxnSpPr>
+            <a:cxnSpLocks/>
+          </p:cNvCxnSpPr>
+          <p:nvPr/>
+        </p:nvCxnSpPr>
+        <p:spPr>
+          <a:xfrm flipV="1">
+            <a:off x="1797740" y="2000008"/>
+            <a:ext cx="4511611" cy="1505192"/>
+          </a:xfrm>
+          <a:prstGeom prst="line">
+            <a:avLst/>
+          </a:prstGeom>
+        </p:spPr>
+        <p:style>
+          <a:lnRef idx="3">
+            <a:schemeClr val="accent2"/>
+          </a:lnRef>
+          <a:fillRef idx="0">
+            <a:schemeClr val="accent2"/>
+          </a:fillRef>
+          <a:effectRef idx="2">
+            <a:schemeClr val="accent2"/>
+          </a:effectRef>
+          <a:fontRef idx="minor">
+            <a:schemeClr val="tx1"/>
+          </a:fontRef>
+        </p:style>
+      </p:cxnSp>
+      <p:sp>
+        <p:nvSpPr>
+          <p:cNvPr id="51" name="Rectangle 50">
+            <a:extLst>
+              <a:ext uri="{FF2B5EF4-FFF2-40B4-BE49-F238E27FC236}">
+                <a16:creationId xmlns:a16="http://schemas.microsoft.com/office/drawing/2014/main" id="{1FD283DF-8D8A-45F8-BCEB-2E2DEB534FB1}"/>
+              </a:ext>
+            </a:extLst>
+          </p:cNvPr>
+          <p:cNvSpPr/>
+          <p:nvPr/>
+        </p:nvSpPr>
+        <p:spPr>
+          <a:xfrm>
+            <a:off x="1797740" y="3517264"/>
+            <a:ext cx="1330912" cy="1156971"/>
+          </a:xfrm>
+          <a:prstGeom prst="rect">
+            <a:avLst/>
+          </a:prstGeom>
+          <a:noFill/>
+          <a:ln w="57150">
+            <a:solidFill>
+              <a:schemeClr val="accent2"/>
+            </a:solidFill>
+          </a:ln>
+        </p:spPr>
+        <p:style>
+          <a:lnRef idx="2">
+            <a:schemeClr val="accent1">
+              <a:shade val="50000"/>
+            </a:schemeClr>
+          </a:lnRef>
+          <a:fillRef idx="1">
+            <a:schemeClr val="accent1"/>
+          </a:fillRef>
+          <a:effectRef idx="0">
+            <a:schemeClr val="accent1"/>
+          </a:effectRef>
+          <a:fontRef idx="minor">
+            <a:schemeClr val="lt1"/>
+          </a:fontRef>
+        </p:style>
+        <p:txBody>
+          <a:bodyPr rtlCol="0" anchor="ctr"/>
+          <a:lstStyle/>
+          <a:p>
+            <a:pPr algn="ctr"/>
+            <a:endParaRPr lang="en-US"/>
+          </a:p>
+        </p:txBody>
+      </p:sp>
+      <p:cxnSp>
+        <p:nvCxnSpPr>
+          <p:cNvPr id="52" name="Straight Connector 51">
+            <a:extLst>
+              <a:ext uri="{FF2B5EF4-FFF2-40B4-BE49-F238E27FC236}">
+                <a16:creationId xmlns:a16="http://schemas.microsoft.com/office/drawing/2014/main" id="{DBD2FE1C-8672-4894-8F0C-FBA2BB37096F}"/>
+              </a:ext>
+            </a:extLst>
+          </p:cNvPr>
+          <p:cNvCxnSpPr>
+            <a:cxnSpLocks/>
+          </p:cNvCxnSpPr>
+          <p:nvPr/>
+        </p:nvCxnSpPr>
+        <p:spPr>
+          <a:xfrm>
+            <a:off x="1797740" y="4674235"/>
+            <a:ext cx="4511611" cy="1314057"/>
+          </a:xfrm>
+          <a:prstGeom prst="line">
+            <a:avLst/>
+          </a:prstGeom>
+        </p:spPr>
+        <p:style>
+          <a:lnRef idx="3">
+            <a:schemeClr val="accent2"/>
+          </a:lnRef>
+          <a:fillRef idx="0">
+            <a:schemeClr val="accent2"/>
+          </a:fillRef>
+          <a:effectRef idx="2">
+            <a:schemeClr val="accent2"/>
+          </a:effectRef>
+          <a:fontRef idx="minor">
+            <a:schemeClr val="tx1"/>
+          </a:fontRef>
+        </p:style>
+      </p:cxnSp>
+      <p:cxnSp>
+        <p:nvCxnSpPr>
+          <p:cNvPr id="54" name="Straight Arrow Connector 53">
+            <a:extLst>
+              <a:ext uri="{FF2B5EF4-FFF2-40B4-BE49-F238E27FC236}">
+                <a16:creationId xmlns:a16="http://schemas.microsoft.com/office/drawing/2014/main" id="{BEEDF341-D547-476A-8EBD-9831DA370288}"/>
+              </a:ext>
+            </a:extLst>
+          </p:cNvPr>
+          <p:cNvCxnSpPr>
+            <a:cxnSpLocks/>
+          </p:cNvCxnSpPr>
+          <p:nvPr/>
+        </p:nvCxnSpPr>
+        <p:spPr>
+          <a:xfrm>
+            <a:off x="9999724" y="3791638"/>
+            <a:ext cx="221050" cy="1070130"/>
+          </a:xfrm>
+          <a:prstGeom prst="straightConnector1">
+            <a:avLst/>
+          </a:prstGeom>
+          <a:ln w="38100" cap="flat" cmpd="sng" algn="ctr">
+            <a:solidFill>
+              <a:schemeClr val="tx1"/>
+            </a:solidFill>
+            <a:prstDash val="solid"/>
+            <a:round/>
+            <a:headEnd type="arrow" w="med" len="med"/>
+            <a:tailEnd type="arrow" w="med" len="med"/>
+          </a:ln>
+        </p:spPr>
+        <p:style>
+          <a:lnRef idx="0">
+            <a:scrgbClr r="0" g="0" b="0"/>
+          </a:lnRef>
+          <a:fillRef idx="0">
+            <a:scrgbClr r="0" g="0" b="0"/>
+          </a:fillRef>
+          <a:effectRef idx="0">
+            <a:scrgbClr r="0" g="0" b="0"/>
+          </a:effectRef>
+          <a:fontRef idx="minor">
+            <a:schemeClr val="tx1"/>
+          </a:fontRef>
+        </p:style>
+      </p:cxnSp>
+      <p:sp>
+        <p:nvSpPr>
+          <p:cNvPr id="55" name="Rectangle 54">
+            <a:extLst>
+              <a:ext uri="{FF2B5EF4-FFF2-40B4-BE49-F238E27FC236}">
+                <a16:creationId xmlns:a16="http://schemas.microsoft.com/office/drawing/2014/main" id="{11EA051F-2157-4D6D-B4BF-85CCDFB53EF5}"/>
+              </a:ext>
+            </a:extLst>
+          </p:cNvPr>
+          <p:cNvSpPr/>
+          <p:nvPr/>
+        </p:nvSpPr>
+        <p:spPr>
+          <a:xfrm>
+            <a:off x="10129269" y="3946739"/>
+            <a:ext cx="585283" cy="400110"/>
+          </a:xfrm>
+          <a:prstGeom prst="rect">
+            <a:avLst/>
+          </a:prstGeom>
+          <a:solidFill>
+            <a:schemeClr val="tx1"/>
+          </a:solidFill>
+          <a:ln>
+            <a:solidFill>
+              <a:schemeClr val="tx1"/>
+            </a:solidFill>
+          </a:ln>
+        </p:spPr>
+        <p:txBody>
+          <a:bodyPr wrap="square">
+            <a:spAutoFit/>
+          </a:bodyPr>
+          <a:lstStyle/>
+          <a:p>
+            <a:r>
+              <a:rPr lang="en-US" sz="2000" b="1" i="1" dirty="0">
+                <a:solidFill>
+                  <a:srgbClr val="00B050"/>
+                </a:solidFill>
+                <a:latin typeface="Times New Roman" panose="02020603050405020304" pitchFamily="18" charset="0"/>
+                <a:cs typeface="Times New Roman" panose="02020603050405020304" pitchFamily="18" charset="0"/>
+              </a:rPr>
+              <a:t>G/2</a:t>
+            </a:r>
+          </a:p>
+        </p:txBody>
+      </p:sp>
+      <p:cxnSp>
+        <p:nvCxnSpPr>
+          <p:cNvPr id="56" name="Straight Connector 55">
+            <a:extLst>
+              <a:ext uri="{FF2B5EF4-FFF2-40B4-BE49-F238E27FC236}">
+                <a16:creationId xmlns:a16="http://schemas.microsoft.com/office/drawing/2014/main" id="{CB4C225C-408C-4B62-8474-0B643BC31CB6}"/>
+              </a:ext>
+            </a:extLst>
+          </p:cNvPr>
+          <p:cNvCxnSpPr>
+            <a:cxnSpLocks/>
+          </p:cNvCxnSpPr>
+          <p:nvPr/>
+        </p:nvCxnSpPr>
+        <p:spPr>
+          <a:xfrm flipH="1">
+            <a:off x="9600218" y="3695793"/>
+            <a:ext cx="881657" cy="166851"/>
+          </a:xfrm>
+          <a:prstGeom prst="line">
+            <a:avLst/>
+          </a:prstGeom>
+          <a:ln w="38100" cap="flat" cmpd="sng" algn="ctr">
+            <a:solidFill>
+              <a:schemeClr val="tx1"/>
+            </a:solidFill>
+            <a:prstDash val="dash"/>
+            <a:round/>
+            <a:headEnd type="none" w="med" len="med"/>
+            <a:tailEnd type="none" w="med" len="med"/>
+          </a:ln>
+        </p:spPr>
+        <p:style>
+          <a:lnRef idx="0">
+            <a:scrgbClr r="0" g="0" b="0"/>
+          </a:lnRef>
+          <a:fillRef idx="0">
+            <a:scrgbClr r="0" g="0" b="0"/>
+          </a:fillRef>
+          <a:effectRef idx="0">
+            <a:scrgbClr r="0" g="0" b="0"/>
+          </a:effectRef>
+          <a:fontRef idx="minor">
+            <a:schemeClr val="tx1"/>
+          </a:fontRef>
+        </p:style>
+      </p:cxnSp>
+      <p:sp>
+        <p:nvSpPr>
+          <p:cNvPr id="57" name="Arc 56">
+            <a:extLst>
+              <a:ext uri="{FF2B5EF4-FFF2-40B4-BE49-F238E27FC236}">
+                <a16:creationId xmlns:a16="http://schemas.microsoft.com/office/drawing/2014/main" id="{9873E0A9-DF80-4299-B274-0B8FB5E82DC9}"/>
+              </a:ext>
+            </a:extLst>
+          </p:cNvPr>
+          <p:cNvSpPr/>
+          <p:nvPr/>
+        </p:nvSpPr>
+        <p:spPr>
+          <a:xfrm rot="9259084">
+            <a:off x="9334255" y="4359120"/>
+            <a:ext cx="984507" cy="874543"/>
+          </a:xfrm>
+          <a:prstGeom prst="arc">
+            <a:avLst>
+              <a:gd name="adj1" fmla="val 3653576"/>
+              <a:gd name="adj2" fmla="val 6274149"/>
+            </a:avLst>
+          </a:prstGeom>
+          <a:ln w="57150">
+            <a:solidFill>
+              <a:schemeClr val="accent4">
+                <a:lumMod val="40000"/>
+                <a:lumOff val="60000"/>
+              </a:schemeClr>
+            </a:solidFill>
+          </a:ln>
+        </p:spPr>
+        <p:style>
+          <a:lnRef idx="1">
+            <a:schemeClr val="dk1"/>
+          </a:lnRef>
+          <a:fillRef idx="0">
+            <a:schemeClr val="dk1"/>
+          </a:fillRef>
+          <a:effectRef idx="0">
+            <a:schemeClr val="dk1"/>
+          </a:effectRef>
+          <a:fontRef idx="minor">
+            <a:schemeClr val="tx1"/>
+          </a:fontRef>
+        </p:style>
+        <p:txBody>
+          <a:bodyPr rtlCol="0" anchor="ctr"/>
+          <a:lstStyle/>
+          <a:p>
+            <a:pPr algn="ctr"/>
+            <a:endParaRPr lang="en-US" dirty="0">
+              <a:solidFill>
+                <a:schemeClr val="accent2"/>
+              </a:solidFill>
+            </a:endParaRPr>
+          </a:p>
+        </p:txBody>
+      </p:sp>
+      <p:sp>
+        <p:nvSpPr>
+          <p:cNvPr id="58" name="TextBox 57">
+            <a:extLst>
+              <a:ext uri="{FF2B5EF4-FFF2-40B4-BE49-F238E27FC236}">
+                <a16:creationId xmlns:a16="http://schemas.microsoft.com/office/drawing/2014/main" id="{F692451C-F3BB-4FD0-8B45-8570654E568F}"/>
+              </a:ext>
+            </a:extLst>
+          </p:cNvPr>
+          <p:cNvSpPr txBox="1"/>
+          <p:nvPr/>
+        </p:nvSpPr>
+        <p:spPr>
+          <a:xfrm>
+            <a:off x="8303078" y="4409051"/>
+            <a:ext cx="1982727" cy="707886"/>
+          </a:xfrm>
+          <a:prstGeom prst="rect">
+            <a:avLst/>
+          </a:prstGeom>
+          <a:noFill/>
+        </p:spPr>
+        <p:txBody>
+          <a:bodyPr wrap="square">
+            <a:spAutoFit/>
+          </a:bodyPr>
+          <a:lstStyle/>
+          <a:p>
+            <a:r>
+              <a:rPr lang="en-US" sz="4000" i="1" baseline="30000" dirty="0">
+                <a:solidFill>
+                  <a:schemeClr val="accent4">
+                    <a:lumMod val="60000"/>
+                    <a:lumOff val="40000"/>
+                  </a:schemeClr>
+                </a:solidFill>
+              </a:rPr>
+              <a:t>180-</a:t>
+            </a:r>
+            <a:r>
+              <a:rPr lang="en-US" sz="4000" i="1" dirty="0">
+                <a:solidFill>
+                  <a:schemeClr val="accent4">
+                    <a:lumMod val="60000"/>
+                    <a:lumOff val="40000"/>
+                  </a:schemeClr>
+                </a:solidFill>
+              </a:rPr>
+              <a:t>ᶿ</a:t>
+            </a:r>
+            <a:r>
+              <a:rPr lang="en-US" i="1" dirty="0">
+                <a:solidFill>
+                  <a:schemeClr val="accent4">
+                    <a:lumMod val="60000"/>
+                    <a:lumOff val="40000"/>
+                  </a:schemeClr>
+                </a:solidFill>
+              </a:rPr>
+              <a:t>vertex</a:t>
+            </a:r>
+          </a:p>
+        </p:txBody>
+      </p:sp>
+      <p:sp>
+        <p:nvSpPr>
+          <p:cNvPr id="59" name="Arc 58">
+            <a:extLst>
+              <a:ext uri="{FF2B5EF4-FFF2-40B4-BE49-F238E27FC236}">
+                <a16:creationId xmlns:a16="http://schemas.microsoft.com/office/drawing/2014/main" id="{6D8F9CDD-BB11-432B-A7AA-CDA54EDF5061}"/>
+              </a:ext>
+            </a:extLst>
+          </p:cNvPr>
+          <p:cNvSpPr/>
+          <p:nvPr/>
+        </p:nvSpPr>
+        <p:spPr>
+          <a:xfrm rot="19996738">
+            <a:off x="9188984" y="4307372"/>
+            <a:ext cx="984507" cy="874543"/>
+          </a:xfrm>
+          <a:prstGeom prst="arc">
+            <a:avLst>
+              <a:gd name="adj1" fmla="val 2972686"/>
+              <a:gd name="adj2" fmla="val 7919566"/>
+            </a:avLst>
+          </a:prstGeom>
+          <a:ln w="28575">
+            <a:solidFill>
+              <a:schemeClr val="accent2"/>
+            </a:solidFill>
+          </a:ln>
+        </p:spPr>
+        <p:style>
+          <a:lnRef idx="1">
+            <a:schemeClr val="dk1"/>
+          </a:lnRef>
+          <a:fillRef idx="0">
+            <a:schemeClr val="dk1"/>
+          </a:fillRef>
+          <a:effectRef idx="0">
+            <a:schemeClr val="dk1"/>
+          </a:effectRef>
+          <a:fontRef idx="minor">
+            <a:schemeClr val="tx1"/>
+          </a:fontRef>
+        </p:style>
+        <p:txBody>
+          <a:bodyPr rtlCol="0" anchor="ctr"/>
+          <a:lstStyle/>
+          <a:p>
+            <a:pPr algn="ctr"/>
+            <a:endParaRPr lang="en-US" dirty="0">
+              <a:solidFill>
+                <a:srgbClr val="7030A0"/>
+              </a:solidFill>
+            </a:endParaRPr>
+          </a:p>
+        </p:txBody>
+      </p:sp>
+      <p:sp>
+        <p:nvSpPr>
+          <p:cNvPr id="60" name="TextBox 59">
+            <a:extLst>
+              <a:ext uri="{FF2B5EF4-FFF2-40B4-BE49-F238E27FC236}">
+                <a16:creationId xmlns:a16="http://schemas.microsoft.com/office/drawing/2014/main" id="{0BC1A792-8FA1-405F-AA45-C0DF95A38E00}"/>
+              </a:ext>
+            </a:extLst>
+          </p:cNvPr>
+          <p:cNvSpPr txBox="1"/>
+          <p:nvPr/>
+        </p:nvSpPr>
+        <p:spPr>
+          <a:xfrm rot="17260058">
+            <a:off x="6163211" y="3513629"/>
+            <a:ext cx="262775" cy="400110"/>
+          </a:xfrm>
+          <a:prstGeom prst="rect">
+            <a:avLst/>
+          </a:prstGeom>
+          <a:noFill/>
+        </p:spPr>
+        <p:txBody>
+          <a:bodyPr wrap="square" rtlCol="0">
+            <a:spAutoFit/>
+          </a:bodyPr>
+          <a:lstStyle/>
+          <a:p>
+            <a:pPr algn="r"/>
+            <a:r>
+              <a:rPr lang="en-US" sz="2000" dirty="0">
+                <a:solidFill>
+                  <a:schemeClr val="accent2"/>
+                </a:solidFill>
+              </a:rPr>
+              <a:t>=</a:t>
+            </a:r>
+          </a:p>
+        </p:txBody>
+      </p:sp>
+      <p:sp>
+        <p:nvSpPr>
+          <p:cNvPr id="61" name="TextBox 60">
+            <a:extLst>
+              <a:ext uri="{FF2B5EF4-FFF2-40B4-BE49-F238E27FC236}">
+                <a16:creationId xmlns:a16="http://schemas.microsoft.com/office/drawing/2014/main" id="{17DB44F0-C68C-4228-90F3-78C42CAA6736}"/>
+              </a:ext>
+            </a:extLst>
+          </p:cNvPr>
+          <p:cNvSpPr txBox="1"/>
+          <p:nvPr/>
+        </p:nvSpPr>
+        <p:spPr>
+          <a:xfrm rot="3978902">
+            <a:off x="9763011" y="4962162"/>
+            <a:ext cx="262775" cy="400110"/>
+          </a:xfrm>
+          <a:prstGeom prst="rect">
+            <a:avLst/>
+          </a:prstGeom>
+          <a:noFill/>
+        </p:spPr>
+        <p:txBody>
+          <a:bodyPr wrap="square" rtlCol="0">
+            <a:spAutoFit/>
+          </a:bodyPr>
+          <a:lstStyle/>
+          <a:p>
+            <a:pPr algn="r"/>
+            <a:r>
+              <a:rPr lang="en-US" sz="2000" dirty="0">
+                <a:solidFill>
+                  <a:schemeClr val="accent2"/>
+                </a:solidFill>
+              </a:rPr>
+              <a:t>=</a:t>
+            </a:r>
+          </a:p>
+        </p:txBody>
+      </p:sp>
+      <p:cxnSp>
+        <p:nvCxnSpPr>
+          <p:cNvPr id="64" name="Straight Connector 63">
+            <a:extLst>
+              <a:ext uri="{FF2B5EF4-FFF2-40B4-BE49-F238E27FC236}">
+                <a16:creationId xmlns:a16="http://schemas.microsoft.com/office/drawing/2014/main" id="{78CF5325-0F78-4600-B2C9-ADB343811A1E}"/>
+              </a:ext>
+            </a:extLst>
+          </p:cNvPr>
+          <p:cNvCxnSpPr>
+            <a:cxnSpLocks/>
+          </p:cNvCxnSpPr>
+          <p:nvPr/>
+        </p:nvCxnSpPr>
+        <p:spPr>
+          <a:xfrm flipH="1">
+            <a:off x="9846827" y="4750122"/>
+            <a:ext cx="881657" cy="166851"/>
+          </a:xfrm>
+          <a:prstGeom prst="line">
+            <a:avLst/>
+          </a:prstGeom>
+          <a:ln w="38100" cap="flat" cmpd="sng" algn="ctr">
+            <a:solidFill>
+              <a:schemeClr val="tx1"/>
+            </a:solidFill>
+            <a:prstDash val="dash"/>
+            <a:round/>
+            <a:headEnd type="none" w="med" len="med"/>
+            <a:tailEnd type="none" w="med" len="med"/>
+          </a:ln>
+        </p:spPr>
+        <p:style>
+          <a:lnRef idx="0">
+            <a:scrgbClr r="0" g="0" b="0"/>
+          </a:lnRef>
+          <a:fillRef idx="0">
+            <a:scrgbClr r="0" g="0" b="0"/>
+          </a:fillRef>
+          <a:effectRef idx="0">
+            <a:scrgbClr r="0" g="0" b="0"/>
+          </a:effectRef>
+          <a:fontRef idx="minor">
+            <a:schemeClr val="tx1"/>
+          </a:fontRef>
+        </p:style>
+      </p:cxnSp>
+      <p:sp>
+        <p:nvSpPr>
+          <p:cNvPr id="65" name="Arc 64">
+            <a:extLst>
+              <a:ext uri="{FF2B5EF4-FFF2-40B4-BE49-F238E27FC236}">
+                <a16:creationId xmlns:a16="http://schemas.microsoft.com/office/drawing/2014/main" id="{D8437587-7B1C-4DCA-9A6F-4C6908FA23A2}"/>
+              </a:ext>
+            </a:extLst>
+          </p:cNvPr>
+          <p:cNvSpPr/>
+          <p:nvPr/>
+        </p:nvSpPr>
+        <p:spPr>
+          <a:xfrm rot="19996738">
+            <a:off x="8722859" y="3303234"/>
+            <a:ext cx="984507" cy="874543"/>
+          </a:xfrm>
+          <a:prstGeom prst="arc">
+            <a:avLst>
+              <a:gd name="adj1" fmla="val 2972686"/>
+              <a:gd name="adj2" fmla="val 7919566"/>
+            </a:avLst>
+          </a:prstGeom>
+          <a:ln w="28575">
+            <a:solidFill>
+              <a:schemeClr val="accent2"/>
+            </a:solidFill>
+          </a:ln>
+        </p:spPr>
+        <p:style>
+          <a:lnRef idx="1">
+            <a:schemeClr val="dk1"/>
+          </a:lnRef>
+          <a:fillRef idx="0">
+            <a:schemeClr val="dk1"/>
+          </a:fillRef>
+          <a:effectRef idx="0">
+            <a:schemeClr val="dk1"/>
+          </a:effectRef>
+          <a:fontRef idx="minor">
+            <a:schemeClr val="tx1"/>
+          </a:fontRef>
+        </p:style>
+        <p:txBody>
+          <a:bodyPr rtlCol="0" anchor="ctr"/>
+          <a:lstStyle/>
+          <a:p>
+            <a:pPr algn="ctr"/>
+            <a:endParaRPr lang="en-US" dirty="0">
+              <a:solidFill>
+                <a:srgbClr val="7030A0"/>
+              </a:solidFill>
+            </a:endParaRPr>
+          </a:p>
+        </p:txBody>
+      </p:sp>
+      <p:sp>
+        <p:nvSpPr>
+          <p:cNvPr id="66" name="TextBox 65">
+            <a:extLst>
+              <a:ext uri="{FF2B5EF4-FFF2-40B4-BE49-F238E27FC236}">
+                <a16:creationId xmlns:a16="http://schemas.microsoft.com/office/drawing/2014/main" id="{26597AC1-8C57-49BF-98D4-B41F7E45BB89}"/>
+              </a:ext>
+            </a:extLst>
+          </p:cNvPr>
+          <p:cNvSpPr txBox="1"/>
+          <p:nvPr/>
+        </p:nvSpPr>
+        <p:spPr>
+          <a:xfrm rot="3978902">
+            <a:off x="9317978" y="3946109"/>
+            <a:ext cx="262775" cy="400110"/>
+          </a:xfrm>
+          <a:prstGeom prst="rect">
+            <a:avLst/>
+          </a:prstGeom>
+          <a:noFill/>
+        </p:spPr>
+        <p:txBody>
+          <a:bodyPr wrap="square" rtlCol="0">
+            <a:spAutoFit/>
+          </a:bodyPr>
+          <a:lstStyle/>
+          <a:p>
+            <a:pPr algn="r"/>
+            <a:r>
+              <a:rPr lang="en-US" sz="2000" dirty="0">
+                <a:solidFill>
+                  <a:schemeClr val="accent2"/>
+                </a:solidFill>
+              </a:rPr>
+              <a:t>=</a:t>
+            </a:r>
+          </a:p>
+        </p:txBody>
+      </p:sp>
+      <p:sp>
+        <p:nvSpPr>
+          <p:cNvPr id="67" name="TextBox 66">
+            <a:extLst>
+              <a:ext uri="{FF2B5EF4-FFF2-40B4-BE49-F238E27FC236}">
+                <a16:creationId xmlns:a16="http://schemas.microsoft.com/office/drawing/2014/main" id="{6DD4D7A3-BBF6-43A2-AF1B-9CDCC377EA93}"/>
+              </a:ext>
+            </a:extLst>
+          </p:cNvPr>
+          <p:cNvSpPr txBox="1"/>
+          <p:nvPr/>
+        </p:nvSpPr>
+        <p:spPr>
+          <a:xfrm>
+            <a:off x="9846827" y="5172142"/>
+            <a:ext cx="1050588" cy="707886"/>
+          </a:xfrm>
+          <a:prstGeom prst="rect">
+            <a:avLst/>
+          </a:prstGeom>
+          <a:noFill/>
+        </p:spPr>
+        <p:txBody>
+          <a:bodyPr wrap="square">
+            <a:spAutoFit/>
+          </a:bodyPr>
+          <a:lstStyle/>
+          <a:p>
+            <a:r>
+              <a:rPr lang="en-US" sz="4000" i="1" dirty="0">
+                <a:solidFill>
+                  <a:schemeClr val="accent2"/>
+                </a:solidFill>
+              </a:rPr>
+              <a:t>ᶿ</a:t>
+            </a:r>
+            <a:r>
+              <a:rPr lang="en-US" i="1" dirty="0">
+                <a:solidFill>
+                  <a:schemeClr val="accent2"/>
+                </a:solidFill>
+              </a:rPr>
+              <a:t>vertex</a:t>
+            </a:r>
+          </a:p>
+        </p:txBody>
+      </p:sp>
+    </p:spTree>
+    <p:extLst>
+      <p:ext uri="{BB962C8B-B14F-4D97-AF65-F5344CB8AC3E}">
+        <p14:creationId xmlns:p14="http://schemas.microsoft.com/office/powerpoint/2010/main" val="164570704"/>
+      </p:ext>
+    </p:extLst>
+  </p:cSld>
+  <p:clrMapOvr>
+    <a:masterClrMapping/>
+  </p:clrMapOvr>
+</p:sld>
+</file>
+
+<file path=ppt/slides/slide56.xml><?xml version="1.0" encoding="utf-8"?>
+<p:sld xmlns:a="http://schemas.openxmlformats.org/drawingml/2006/main" xmlns:r="http://schemas.openxmlformats.org/officeDocument/2006/relationships" xmlns:p="http://schemas.openxmlformats.org/presentationml/2006/main">
+  <p:cSld>
+    <p:spTree>
+      <p:nvGrpSpPr>
+        <p:cNvPr id="1" name=""/>
+        <p:cNvGrpSpPr/>
+        <p:nvPr/>
+      </p:nvGrpSpPr>
+      <p:grpSpPr>
+        <a:xfrm>
+          <a:off x="0" y="0"/>
+          <a:ext cx="0" cy="0"/>
+          <a:chOff x="0" y="0"/>
+          <a:chExt cx="0" cy="0"/>
+        </a:xfrm>
+      </p:grpSpPr>
+      <p:sp>
+        <p:nvSpPr>
+          <p:cNvPr id="4" name="Slide Number Placeholder 3"/>
+          <p:cNvSpPr>
+            <a:spLocks noGrp="1"/>
+          </p:cNvSpPr>
+          <p:nvPr>
+            <p:ph type="sldNum" sz="quarter" idx="12"/>
+          </p:nvPr>
+        </p:nvSpPr>
+        <p:spPr/>
+        <p:txBody>
+          <a:bodyPr/>
+          <a:lstStyle/>
+          <a:p>
+            <a:fld id="{35E7B248-7056-49E8-9F30-37D8E83E9700}" type="slidenum">
+              <a:rPr lang="en-US" smtClean="0"/>
+              <a:t>56</a:t>
+            </a:fld>
+            <a:endParaRPr lang="en-US"/>
+          </a:p>
+        </p:txBody>
+      </p:sp>
+      <p:sp>
+        <p:nvSpPr>
+          <p:cNvPr id="6" name="Isosceles Triangle 5"/>
+          <p:cNvSpPr/>
+          <p:nvPr/>
+        </p:nvSpPr>
+        <p:spPr>
+          <a:xfrm>
+            <a:off x="3125585" y="2011680"/>
+            <a:ext cx="1529542" cy="1180408"/>
+          </a:xfrm>
+          <a:prstGeom prst="triangle">
+            <a:avLst/>
+          </a:prstGeom>
+          <a:ln>
+            <a:noFill/>
+          </a:ln>
+        </p:spPr>
+        <p:style>
+          <a:lnRef idx="2">
+            <a:schemeClr val="accent1">
+              <a:shade val="50000"/>
+            </a:schemeClr>
+          </a:lnRef>
+          <a:fillRef idx="1">
+            <a:schemeClr val="accent1"/>
+          </a:fillRef>
+          <a:effectRef idx="0">
+            <a:schemeClr val="accent1"/>
+          </a:effectRef>
+          <a:fontRef idx="minor">
+            <a:schemeClr val="lt1"/>
+          </a:fontRef>
+        </p:style>
+        <p:txBody>
+          <a:bodyPr rtlCol="0" anchor="ctr"/>
+          <a:lstStyle/>
+          <a:p>
+            <a:pPr algn="ctr"/>
+            <a:endParaRPr lang="en-US"/>
+          </a:p>
+        </p:txBody>
+      </p:sp>
+      <p:sp>
+        <p:nvSpPr>
+          <p:cNvPr id="7" name="Isosceles Triangle 6"/>
+          <p:cNvSpPr/>
+          <p:nvPr/>
+        </p:nvSpPr>
+        <p:spPr>
+          <a:xfrm rot="10800000">
+            <a:off x="3125585" y="3192088"/>
+            <a:ext cx="1529542" cy="2294312"/>
+          </a:xfrm>
+          <a:prstGeom prst="triangle">
+            <a:avLst/>
+          </a:prstGeom>
+          <a:ln>
+            <a:noFill/>
+          </a:ln>
+        </p:spPr>
+        <p:style>
+          <a:lnRef idx="2">
+            <a:schemeClr val="accent1">
+              <a:shade val="50000"/>
+            </a:schemeClr>
+          </a:lnRef>
+          <a:fillRef idx="1">
+            <a:schemeClr val="accent1"/>
+          </a:fillRef>
+          <a:effectRef idx="0">
+            <a:schemeClr val="accent1"/>
+          </a:effectRef>
+          <a:fontRef idx="minor">
+            <a:schemeClr val="lt1"/>
+          </a:fontRef>
+        </p:style>
+        <p:txBody>
+          <a:bodyPr rtlCol="0" anchor="ctr"/>
+          <a:lstStyle/>
+          <a:p>
+            <a:pPr algn="ctr"/>
+            <a:endParaRPr lang="en-US"/>
+          </a:p>
+        </p:txBody>
+      </p:sp>
+      <p:cxnSp>
+        <p:nvCxnSpPr>
+          <p:cNvPr id="8" name="Straight Connector 7">
+            <a:extLst>
+              <a:ext uri="{FF2B5EF4-FFF2-40B4-BE49-F238E27FC236}">
+                <a16:creationId xmlns:a16="http://schemas.microsoft.com/office/drawing/2014/main" id="{CB4C225C-408C-4B62-8474-0B643BC31CB6}"/>
+              </a:ext>
+            </a:extLst>
+          </p:cNvPr>
+          <p:cNvCxnSpPr>
+            <a:cxnSpLocks/>
+            <a:stCxn id="6" idx="0"/>
+            <a:endCxn id="7" idx="0"/>
+          </p:cNvCxnSpPr>
+          <p:nvPr/>
+        </p:nvCxnSpPr>
+        <p:spPr>
+          <a:xfrm>
+            <a:off x="3890356" y="2011680"/>
+            <a:ext cx="0" cy="3474720"/>
+          </a:xfrm>
+          <a:prstGeom prst="line">
+            <a:avLst/>
+          </a:prstGeom>
+          <a:ln w="38100" cap="flat" cmpd="sng" algn="ctr">
+            <a:solidFill>
+              <a:schemeClr val="tx1"/>
+            </a:solidFill>
+            <a:prstDash val="dash"/>
+            <a:round/>
+            <a:headEnd type="none" w="med" len="med"/>
+            <a:tailEnd type="none" w="med" len="med"/>
+          </a:ln>
+        </p:spPr>
+        <p:style>
+          <a:lnRef idx="0">
+            <a:scrgbClr r="0" g="0" b="0"/>
+          </a:lnRef>
+          <a:fillRef idx="0">
+            <a:scrgbClr r="0" g="0" b="0"/>
+          </a:fillRef>
+          <a:effectRef idx="0">
+            <a:scrgbClr r="0" g="0" b="0"/>
+          </a:effectRef>
+          <a:fontRef idx="minor">
+            <a:schemeClr val="tx1"/>
+          </a:fontRef>
+        </p:style>
+      </p:cxnSp>
+      <p:cxnSp>
+        <p:nvCxnSpPr>
+          <p:cNvPr id="11" name="Straight Connector 10">
+            <a:extLst>
+              <a:ext uri="{FF2B5EF4-FFF2-40B4-BE49-F238E27FC236}">
+                <a16:creationId xmlns:a16="http://schemas.microsoft.com/office/drawing/2014/main" id="{CB4C225C-408C-4B62-8474-0B643BC31CB6}"/>
+              </a:ext>
+            </a:extLst>
+          </p:cNvPr>
+          <p:cNvCxnSpPr>
+            <a:cxnSpLocks/>
+            <a:stCxn id="7" idx="4"/>
+            <a:endCxn id="6" idx="4"/>
+          </p:cNvCxnSpPr>
+          <p:nvPr/>
+        </p:nvCxnSpPr>
+        <p:spPr>
+          <a:xfrm>
+            <a:off x="3125585" y="3192088"/>
+            <a:ext cx="1529542" cy="0"/>
+          </a:xfrm>
+          <a:prstGeom prst="line">
+            <a:avLst/>
+          </a:prstGeom>
+          <a:ln w="38100" cap="flat" cmpd="sng" algn="ctr">
+            <a:solidFill>
+              <a:schemeClr val="tx1"/>
+            </a:solidFill>
+            <a:prstDash val="dash"/>
+            <a:round/>
+            <a:headEnd type="none" w="med" len="med"/>
+            <a:tailEnd type="none" w="med" len="med"/>
+          </a:ln>
+        </p:spPr>
+        <p:style>
+          <a:lnRef idx="0">
+            <a:scrgbClr r="0" g="0" b="0"/>
+          </a:lnRef>
+          <a:fillRef idx="0">
+            <a:scrgbClr r="0" g="0" b="0"/>
+          </a:fillRef>
+          <a:effectRef idx="0">
+            <a:scrgbClr r="0" g="0" b="0"/>
+          </a:effectRef>
+          <a:fontRef idx="minor">
+            <a:schemeClr val="tx1"/>
+          </a:fontRef>
+        </p:style>
+      </p:cxnSp>
+      <p:sp>
+        <p:nvSpPr>
+          <p:cNvPr id="14" name="Rectangle 13">
+            <a:extLst>
+              <a:ext uri="{FF2B5EF4-FFF2-40B4-BE49-F238E27FC236}">
+                <a16:creationId xmlns:a16="http://schemas.microsoft.com/office/drawing/2014/main" id="{11EA051F-2157-4D6D-B4BF-85CCDFB53EF5}"/>
+              </a:ext>
+            </a:extLst>
+          </p:cNvPr>
+          <p:cNvSpPr/>
+          <p:nvPr/>
+        </p:nvSpPr>
+        <p:spPr>
+          <a:xfrm>
+            <a:off x="3936842" y="3715791"/>
+            <a:ext cx="325892" cy="400110"/>
+          </a:xfrm>
+          <a:prstGeom prst="rect">
+            <a:avLst/>
+          </a:prstGeom>
+          <a:solidFill>
+            <a:schemeClr val="accent1"/>
+          </a:solidFill>
+          <a:ln>
+            <a:noFill/>
+          </a:ln>
+        </p:spPr>
+        <p:txBody>
+          <a:bodyPr wrap="square">
+            <a:spAutoFit/>
+          </a:bodyPr>
+          <a:lstStyle/>
+          <a:p>
+            <a:r>
+              <a:rPr lang="en-US" sz="2000" b="1" i="1" dirty="0">
+                <a:latin typeface="Times New Roman" panose="02020603050405020304" pitchFamily="18" charset="0"/>
+                <a:cs typeface="Times New Roman" panose="02020603050405020304" pitchFamily="18" charset="0"/>
+              </a:rPr>
+              <a:t>a</a:t>
+            </a:r>
+          </a:p>
+        </p:txBody>
+      </p:sp>
+      <p:sp>
+        <p:nvSpPr>
+          <p:cNvPr id="15" name="Rectangle 14">
+            <a:extLst>
+              <a:ext uri="{FF2B5EF4-FFF2-40B4-BE49-F238E27FC236}">
+                <a16:creationId xmlns:a16="http://schemas.microsoft.com/office/drawing/2014/main" id="{11EA051F-2157-4D6D-B4BF-85CCDFB53EF5}"/>
+              </a:ext>
+            </a:extLst>
+          </p:cNvPr>
+          <p:cNvSpPr/>
+          <p:nvPr/>
+        </p:nvSpPr>
+        <p:spPr>
+          <a:xfrm>
+            <a:off x="3371494" y="3315681"/>
+            <a:ext cx="345909" cy="400110"/>
+          </a:xfrm>
+          <a:prstGeom prst="rect">
+            <a:avLst/>
+          </a:prstGeom>
+          <a:solidFill>
+            <a:schemeClr val="accent1"/>
+          </a:solidFill>
+          <a:ln>
+            <a:noFill/>
+          </a:ln>
+        </p:spPr>
+        <p:txBody>
+          <a:bodyPr wrap="square">
+            <a:spAutoFit/>
+          </a:bodyPr>
+          <a:lstStyle/>
+          <a:p>
+            <a:r>
+              <a:rPr lang="en-US" sz="2000" b="1" i="1" dirty="0">
+                <a:latin typeface="Times New Roman" panose="02020603050405020304" pitchFamily="18" charset="0"/>
+                <a:cs typeface="Times New Roman" panose="02020603050405020304" pitchFamily="18" charset="0"/>
+              </a:rPr>
+              <a:t>b</a:t>
+            </a:r>
+          </a:p>
+        </p:txBody>
+      </p:sp>
+      <p:sp>
+        <p:nvSpPr>
+          <p:cNvPr id="18" name="Rectangle 17">
+            <a:extLst>
+              <a:ext uri="{FF2B5EF4-FFF2-40B4-BE49-F238E27FC236}">
+                <a16:creationId xmlns:a16="http://schemas.microsoft.com/office/drawing/2014/main" id="{11EA051F-2157-4D6D-B4BF-85CCDFB53EF5}"/>
+              </a:ext>
+            </a:extLst>
+          </p:cNvPr>
+          <p:cNvSpPr/>
+          <p:nvPr/>
+        </p:nvSpPr>
+        <p:spPr>
+          <a:xfrm>
+            <a:off x="3474720" y="2634326"/>
+            <a:ext cx="325892" cy="400110"/>
+          </a:xfrm>
+          <a:prstGeom prst="rect">
+            <a:avLst/>
+          </a:prstGeom>
+          <a:solidFill>
+            <a:schemeClr val="accent1"/>
+          </a:solidFill>
+          <a:ln>
+            <a:noFill/>
+          </a:ln>
+        </p:spPr>
+        <p:txBody>
+          <a:bodyPr wrap="square">
+            <a:spAutoFit/>
+          </a:bodyPr>
+          <a:lstStyle/>
+          <a:p>
+            <a:r>
+              <a:rPr lang="en-US" sz="2000" b="1" i="1" dirty="0">
+                <a:latin typeface="Times New Roman" panose="02020603050405020304" pitchFamily="18" charset="0"/>
+                <a:cs typeface="Times New Roman" panose="02020603050405020304" pitchFamily="18" charset="0"/>
+              </a:rPr>
+              <a:t>c</a:t>
+            </a:r>
+          </a:p>
+        </p:txBody>
+      </p:sp>
+      <p:cxnSp>
+        <p:nvCxnSpPr>
+          <p:cNvPr id="20" name="Straight Arrow Connector 19">
+            <a:extLst>
+              <a:ext uri="{FF2B5EF4-FFF2-40B4-BE49-F238E27FC236}">
+                <a16:creationId xmlns:a16="http://schemas.microsoft.com/office/drawing/2014/main" id="{BEEDF341-D547-476A-8EBD-9831DA370288}"/>
+              </a:ext>
+            </a:extLst>
+          </p:cNvPr>
+          <p:cNvCxnSpPr>
+            <a:cxnSpLocks/>
+          </p:cNvCxnSpPr>
+          <p:nvPr/>
+        </p:nvCxnSpPr>
+        <p:spPr>
+          <a:xfrm flipH="1">
+            <a:off x="4443062" y="3392132"/>
+            <a:ext cx="753556" cy="2265037"/>
+          </a:xfrm>
+          <a:prstGeom prst="straightConnector1">
+            <a:avLst/>
+          </a:prstGeom>
+          <a:ln w="38100" cap="flat" cmpd="sng" algn="ctr">
+            <a:solidFill>
+              <a:schemeClr val="tx1"/>
+            </a:solidFill>
+            <a:prstDash val="solid"/>
+            <a:round/>
+            <a:headEnd type="arrow" w="med" len="med"/>
+            <a:tailEnd type="arrow" w="med" len="med"/>
+          </a:ln>
+        </p:spPr>
+        <p:style>
+          <a:lnRef idx="0">
+            <a:scrgbClr r="0" g="0" b="0"/>
+          </a:lnRef>
+          <a:fillRef idx="0">
+            <a:scrgbClr r="0" g="0" b="0"/>
+          </a:fillRef>
+          <a:effectRef idx="0">
+            <a:scrgbClr r="0" g="0" b="0"/>
+          </a:effectRef>
+          <a:fontRef idx="minor">
+            <a:schemeClr val="tx1"/>
+          </a:fontRef>
+        </p:style>
+      </p:cxnSp>
+      <p:sp>
+        <p:nvSpPr>
+          <p:cNvPr id="21" name="Rectangle 20">
+            <a:extLst>
+              <a:ext uri="{FF2B5EF4-FFF2-40B4-BE49-F238E27FC236}">
+                <a16:creationId xmlns:a16="http://schemas.microsoft.com/office/drawing/2014/main" id="{11EA051F-2157-4D6D-B4BF-85CCDFB53EF5}"/>
+              </a:ext>
+            </a:extLst>
+          </p:cNvPr>
+          <p:cNvSpPr/>
+          <p:nvPr/>
+        </p:nvSpPr>
+        <p:spPr>
+          <a:xfrm>
+            <a:off x="5059931" y="4474774"/>
+            <a:ext cx="585283" cy="400110"/>
+          </a:xfrm>
+          <a:prstGeom prst="rect">
+            <a:avLst/>
+          </a:prstGeom>
+          <a:solidFill>
+            <a:schemeClr val="tx1"/>
+          </a:solidFill>
+          <a:ln>
+            <a:solidFill>
+              <a:schemeClr val="tx1"/>
+            </a:solidFill>
+          </a:ln>
+        </p:spPr>
+        <p:txBody>
+          <a:bodyPr wrap="square">
+            <a:spAutoFit/>
+          </a:bodyPr>
+          <a:lstStyle/>
+          <a:p>
+            <a:r>
+              <a:rPr lang="en-US" sz="2000" b="1" i="1" dirty="0">
+                <a:solidFill>
+                  <a:srgbClr val="00B050"/>
+                </a:solidFill>
+                <a:latin typeface="Times New Roman" panose="02020603050405020304" pitchFamily="18" charset="0"/>
+                <a:cs typeface="Times New Roman" panose="02020603050405020304" pitchFamily="18" charset="0"/>
+              </a:rPr>
+              <a:t>G/2</a:t>
+            </a:r>
+          </a:p>
+        </p:txBody>
+      </p:sp>
+      <p:cxnSp>
+        <p:nvCxnSpPr>
+          <p:cNvPr id="22" name="Straight Connector 21">
+            <a:extLst>
+              <a:ext uri="{FF2B5EF4-FFF2-40B4-BE49-F238E27FC236}">
+                <a16:creationId xmlns:a16="http://schemas.microsoft.com/office/drawing/2014/main" id="{CB4C225C-408C-4B62-8474-0B643BC31CB6}"/>
+              </a:ext>
+            </a:extLst>
+          </p:cNvPr>
+          <p:cNvCxnSpPr>
+            <a:cxnSpLocks/>
+            <a:endCxn id="7" idx="2"/>
+          </p:cNvCxnSpPr>
+          <p:nvPr/>
+        </p:nvCxnSpPr>
+        <p:spPr>
+          <a:xfrm flipH="1" flipV="1">
+            <a:off x="4655127" y="3192088"/>
+            <a:ext cx="853400" cy="323648"/>
+          </a:xfrm>
+          <a:prstGeom prst="line">
+            <a:avLst/>
+          </a:prstGeom>
+          <a:ln w="38100" cap="flat" cmpd="sng" algn="ctr">
+            <a:solidFill>
+              <a:schemeClr val="tx1"/>
+            </a:solidFill>
+            <a:prstDash val="dash"/>
+            <a:round/>
+            <a:headEnd type="none" w="med" len="med"/>
+            <a:tailEnd type="none" w="med" len="med"/>
+          </a:ln>
+        </p:spPr>
+        <p:style>
+          <a:lnRef idx="0">
+            <a:scrgbClr r="0" g="0" b="0"/>
+          </a:lnRef>
+          <a:fillRef idx="0">
+            <a:scrgbClr r="0" g="0" b="0"/>
+          </a:fillRef>
+          <a:effectRef idx="0">
+            <a:scrgbClr r="0" g="0" b="0"/>
+          </a:effectRef>
+          <a:fontRef idx="minor">
+            <a:schemeClr val="tx1"/>
+          </a:fontRef>
+        </p:style>
+      </p:cxnSp>
+      <p:sp>
+        <p:nvSpPr>
+          <p:cNvPr id="23" name="TextBox 22">
+            <a:extLst>
+              <a:ext uri="{FF2B5EF4-FFF2-40B4-BE49-F238E27FC236}">
+                <a16:creationId xmlns:a16="http://schemas.microsoft.com/office/drawing/2014/main" id="{F692451C-F3BB-4FD0-8B45-8570654E568F}"/>
+              </a:ext>
+            </a:extLst>
+          </p:cNvPr>
+          <p:cNvSpPr txBox="1"/>
+          <p:nvPr/>
+        </p:nvSpPr>
+        <p:spPr>
+          <a:xfrm>
+            <a:off x="1485905" y="4830801"/>
+            <a:ext cx="1982727" cy="707886"/>
+          </a:xfrm>
+          <a:prstGeom prst="rect">
+            <a:avLst/>
+          </a:prstGeom>
+          <a:solidFill>
+            <a:schemeClr val="tx1"/>
+          </a:solidFill>
+        </p:spPr>
+        <p:txBody>
+          <a:bodyPr wrap="square">
+            <a:spAutoFit/>
+          </a:bodyPr>
+          <a:lstStyle/>
+          <a:p>
+            <a:r>
+              <a:rPr lang="en-US" sz="4000" i="1" baseline="30000" dirty="0">
+                <a:solidFill>
+                  <a:schemeClr val="accent4">
+                    <a:lumMod val="60000"/>
+                    <a:lumOff val="40000"/>
+                  </a:schemeClr>
+                </a:solidFill>
+              </a:rPr>
+              <a:t>180-</a:t>
+            </a:r>
+            <a:r>
+              <a:rPr lang="en-US" sz="4000" i="1" dirty="0">
+                <a:solidFill>
+                  <a:schemeClr val="accent4">
+                    <a:lumMod val="60000"/>
+                    <a:lumOff val="40000"/>
+                  </a:schemeClr>
+                </a:solidFill>
+              </a:rPr>
+              <a:t>ᶿ</a:t>
+            </a:r>
+            <a:r>
+              <a:rPr lang="en-US" i="1" dirty="0">
+                <a:solidFill>
+                  <a:schemeClr val="accent4">
+                    <a:lumMod val="60000"/>
+                    <a:lumOff val="40000"/>
+                  </a:schemeClr>
+                </a:solidFill>
+              </a:rPr>
+              <a:t>vertex</a:t>
+            </a:r>
+          </a:p>
+        </p:txBody>
+      </p:sp>
+      <p:sp>
+        <p:nvSpPr>
+          <p:cNvPr id="24" name="Arc 23">
+            <a:extLst>
+              <a:ext uri="{FF2B5EF4-FFF2-40B4-BE49-F238E27FC236}">
+                <a16:creationId xmlns:a16="http://schemas.microsoft.com/office/drawing/2014/main" id="{6D8F9CDD-BB11-432B-A7AA-CDA54EDF5061}"/>
+              </a:ext>
+            </a:extLst>
+          </p:cNvPr>
+          <p:cNvSpPr/>
+          <p:nvPr/>
+        </p:nvSpPr>
+        <p:spPr>
+          <a:xfrm rot="21340271">
+            <a:off x="3380467" y="1706051"/>
+            <a:ext cx="984507" cy="874543"/>
+          </a:xfrm>
+          <a:prstGeom prst="arc">
+            <a:avLst>
+              <a:gd name="adj1" fmla="val 2972686"/>
+              <a:gd name="adj2" fmla="val 7919566"/>
+            </a:avLst>
+          </a:prstGeom>
+          <a:ln w="57150">
+            <a:solidFill>
+              <a:schemeClr val="accent2"/>
+            </a:solidFill>
+          </a:ln>
+        </p:spPr>
+        <p:style>
+          <a:lnRef idx="1">
+            <a:schemeClr val="dk1"/>
+          </a:lnRef>
+          <a:fillRef idx="0">
+            <a:schemeClr val="dk1"/>
+          </a:fillRef>
+          <a:effectRef idx="0">
+            <a:schemeClr val="dk1"/>
+          </a:effectRef>
+          <a:fontRef idx="minor">
+            <a:schemeClr val="tx1"/>
+          </a:fontRef>
+        </p:style>
+        <p:txBody>
+          <a:bodyPr rtlCol="0" anchor="ctr"/>
+          <a:lstStyle/>
+          <a:p>
+            <a:pPr algn="ctr"/>
+            <a:endParaRPr lang="en-US" dirty="0">
+              <a:solidFill>
+                <a:srgbClr val="7030A0"/>
+              </a:solidFill>
+            </a:endParaRPr>
+          </a:p>
+        </p:txBody>
+      </p:sp>
+      <p:cxnSp>
+        <p:nvCxnSpPr>
+          <p:cNvPr id="25" name="Straight Connector 24">
+            <a:extLst>
+              <a:ext uri="{FF2B5EF4-FFF2-40B4-BE49-F238E27FC236}">
+                <a16:creationId xmlns:a16="http://schemas.microsoft.com/office/drawing/2014/main" id="{78CF5325-0F78-4600-B2C9-ADB343811A1E}"/>
+              </a:ext>
+            </a:extLst>
+          </p:cNvPr>
+          <p:cNvCxnSpPr>
+            <a:cxnSpLocks/>
+            <a:endCxn id="7" idx="0"/>
+          </p:cNvCxnSpPr>
+          <p:nvPr/>
+        </p:nvCxnSpPr>
+        <p:spPr>
+          <a:xfrm flipH="1" flipV="1">
+            <a:off x="3890356" y="5486400"/>
+            <a:ext cx="764771" cy="247208"/>
+          </a:xfrm>
+          <a:prstGeom prst="line">
+            <a:avLst/>
+          </a:prstGeom>
+          <a:ln w="38100" cap="flat" cmpd="sng" algn="ctr">
+            <a:solidFill>
+              <a:schemeClr val="tx1"/>
+            </a:solidFill>
+            <a:prstDash val="dash"/>
+            <a:round/>
+            <a:headEnd type="none" w="med" len="med"/>
+            <a:tailEnd type="none" w="med" len="med"/>
+          </a:ln>
+        </p:spPr>
+        <p:style>
+          <a:lnRef idx="0">
+            <a:scrgbClr r="0" g="0" b="0"/>
+          </a:lnRef>
+          <a:fillRef idx="0">
+            <a:scrgbClr r="0" g="0" b="0"/>
+          </a:fillRef>
+          <a:effectRef idx="0">
+            <a:scrgbClr r="0" g="0" b="0"/>
+          </a:effectRef>
+          <a:fontRef idx="minor">
+            <a:schemeClr val="tx1"/>
+          </a:fontRef>
+        </p:style>
+      </p:cxnSp>
+      <p:sp>
+        <p:nvSpPr>
+          <p:cNvPr id="26" name="TextBox 25">
+            <a:extLst>
+              <a:ext uri="{FF2B5EF4-FFF2-40B4-BE49-F238E27FC236}">
+                <a16:creationId xmlns:a16="http://schemas.microsoft.com/office/drawing/2014/main" id="{6DD4D7A3-BBF6-43A2-AF1B-9CDCC377EA93}"/>
+              </a:ext>
+            </a:extLst>
+          </p:cNvPr>
+          <p:cNvSpPr txBox="1"/>
+          <p:nvPr/>
+        </p:nvSpPr>
+        <p:spPr>
+          <a:xfrm>
+            <a:off x="4457939" y="1888088"/>
+            <a:ext cx="1050588" cy="707886"/>
+          </a:xfrm>
+          <a:prstGeom prst="rect">
+            <a:avLst/>
+          </a:prstGeom>
+          <a:solidFill>
+            <a:schemeClr val="tx1"/>
+          </a:solidFill>
+        </p:spPr>
+        <p:txBody>
+          <a:bodyPr wrap="square">
+            <a:spAutoFit/>
+          </a:bodyPr>
+          <a:lstStyle/>
+          <a:p>
+            <a:r>
+              <a:rPr lang="en-US" sz="4000" i="1" dirty="0">
+                <a:solidFill>
+                  <a:schemeClr val="accent2"/>
+                </a:solidFill>
+              </a:rPr>
+              <a:t>ᶿ</a:t>
+            </a:r>
+            <a:r>
+              <a:rPr lang="en-US" i="1" dirty="0">
+                <a:solidFill>
+                  <a:schemeClr val="accent2"/>
+                </a:solidFill>
+              </a:rPr>
+              <a:t>vertex</a:t>
+            </a:r>
+          </a:p>
+        </p:txBody>
+      </p:sp>
+      <p:sp>
+        <p:nvSpPr>
+          <p:cNvPr id="28" name="Arc 27">
+            <a:extLst>
+              <a:ext uri="{FF2B5EF4-FFF2-40B4-BE49-F238E27FC236}">
+                <a16:creationId xmlns:a16="http://schemas.microsoft.com/office/drawing/2014/main" id="{9873E0A9-DF80-4299-B274-0B8FB5E82DC9}"/>
+              </a:ext>
+            </a:extLst>
+          </p:cNvPr>
+          <p:cNvSpPr/>
+          <p:nvPr/>
+        </p:nvSpPr>
+        <p:spPr>
+          <a:xfrm rot="10800000">
+            <a:off x="3412069" y="4830802"/>
+            <a:ext cx="984507" cy="874543"/>
+          </a:xfrm>
+          <a:prstGeom prst="arc">
+            <a:avLst>
+              <a:gd name="adj1" fmla="val 3653576"/>
+              <a:gd name="adj2" fmla="val 6915457"/>
+            </a:avLst>
+          </a:prstGeom>
+          <a:ln w="57150">
+            <a:solidFill>
+              <a:schemeClr val="accent4">
+                <a:lumMod val="40000"/>
+                <a:lumOff val="60000"/>
+              </a:schemeClr>
+            </a:solidFill>
+          </a:ln>
+        </p:spPr>
+        <p:style>
+          <a:lnRef idx="1">
+            <a:schemeClr val="dk1"/>
+          </a:lnRef>
+          <a:fillRef idx="0">
+            <a:schemeClr val="dk1"/>
+          </a:fillRef>
+          <a:effectRef idx="0">
+            <a:schemeClr val="dk1"/>
+          </a:effectRef>
+          <a:fontRef idx="minor">
+            <a:schemeClr val="tx1"/>
+          </a:fontRef>
+        </p:style>
+        <p:txBody>
+          <a:bodyPr rtlCol="0" anchor="ctr"/>
+          <a:lstStyle/>
+          <a:p>
+            <a:pPr algn="ctr"/>
+            <a:endParaRPr lang="en-US" dirty="0">
+              <a:solidFill>
+                <a:schemeClr val="accent2"/>
+              </a:solidFill>
+            </a:endParaRPr>
+          </a:p>
+        </p:txBody>
+      </p:sp>
+      <p:sp>
+        <p:nvSpPr>
+          <p:cNvPr id="40" name="Title 1">
+            <a:extLst>
+              <a:ext uri="{FF2B5EF4-FFF2-40B4-BE49-F238E27FC236}">
+                <a16:creationId xmlns:a16="http://schemas.microsoft.com/office/drawing/2014/main" id="{FFCEB186-C4F2-43BC-8A25-91E6D1AC1086}"/>
+              </a:ext>
+            </a:extLst>
+          </p:cNvPr>
+          <p:cNvSpPr>
+            <a:spLocks noGrp="1"/>
+          </p:cNvSpPr>
+          <p:nvPr>
+            <p:ph type="title"/>
+          </p:nvPr>
+        </p:nvSpPr>
+        <p:spPr>
+          <a:xfrm>
+            <a:off x="838200" y="232213"/>
+            <a:ext cx="10515600" cy="1549158"/>
+          </a:xfrm>
+        </p:spPr>
+        <p:txBody>
+          <a:bodyPr>
+            <a:noAutofit/>
+          </a:bodyPr>
+          <a:lstStyle/>
+          <a:p>
+            <a:r>
+              <a:rPr lang="en-US" sz="3600" dirty="0"/>
+              <a:t>We can find the area of the kite as follows:</a:t>
+            </a:r>
+          </a:p>
+        </p:txBody>
+      </p:sp>
+      <p:pic>
+        <p:nvPicPr>
+          <p:cNvPr id="41" name="Picture 40"/>
+          <p:cNvPicPr>
+            <a:picLocks noChangeAspect="1"/>
+          </p:cNvPicPr>
+          <p:nvPr/>
+        </p:nvPicPr>
+        <p:blipFill>
+          <a:blip r:embed="rId2"/>
+          <a:stretch>
+            <a:fillRect/>
+          </a:stretch>
+        </p:blipFill>
+        <p:spPr>
+          <a:xfrm>
+            <a:off x="6581290" y="1960953"/>
+            <a:ext cx="4382112" cy="3696216"/>
+          </a:xfrm>
+          <a:prstGeom prst="rect">
+            <a:avLst/>
+          </a:prstGeom>
+        </p:spPr>
+      </p:pic>
+    </p:spTree>
+    <p:extLst>
+      <p:ext uri="{BB962C8B-B14F-4D97-AF65-F5344CB8AC3E}">
+        <p14:creationId xmlns:p14="http://schemas.microsoft.com/office/powerpoint/2010/main" val="3767278132"/>
+      </p:ext>
+    </p:extLst>
+  </p:cSld>
+  <p:clrMapOvr>
+    <a:masterClrMapping/>
+  </p:clrMapOvr>
+</p:sld>
+</file>
+
+<file path=ppt/slides/slide57.xml><?xml version="1.0" encoding="utf-8"?>
+<p:sld xmlns:a="http://schemas.openxmlformats.org/drawingml/2006/main" xmlns:r="http://schemas.openxmlformats.org/officeDocument/2006/relationships" xmlns:p="http://schemas.openxmlformats.org/presentationml/2006/main">
+  <p:cSld>
+    <p:spTree>
+      <p:nvGrpSpPr>
+        <p:cNvPr id="1" name=""/>
+        <p:cNvGrpSpPr/>
+        <p:nvPr/>
+      </p:nvGrpSpPr>
+      <p:grpSpPr>
+        <a:xfrm>
+          <a:off x="0" y="0"/>
+          <a:ext cx="0" cy="0"/>
+          <a:chOff x="0" y="0"/>
+          <a:chExt cx="0" cy="0"/>
+        </a:xfrm>
+      </p:grpSpPr>
+      <p:sp>
+        <p:nvSpPr>
+          <p:cNvPr id="4" name="Slide Number Placeholder 3"/>
+          <p:cNvSpPr>
+            <a:spLocks noGrp="1"/>
+          </p:cNvSpPr>
+          <p:nvPr>
+            <p:ph type="sldNum" sz="quarter" idx="12"/>
+          </p:nvPr>
+        </p:nvSpPr>
+        <p:spPr/>
+        <p:txBody>
+          <a:bodyPr/>
+          <a:lstStyle/>
+          <a:p>
+            <a:fld id="{35E7B248-7056-49E8-9F30-37D8E83E9700}" type="slidenum">
+              <a:rPr lang="en-US" smtClean="0"/>
+              <a:t>57</a:t>
+            </a:fld>
+            <a:endParaRPr lang="en-US"/>
+          </a:p>
+        </p:txBody>
+      </p:sp>
+      <p:sp>
+        <p:nvSpPr>
+          <p:cNvPr id="40" name="Title 1">
+            <a:extLst>
+              <a:ext uri="{FF2B5EF4-FFF2-40B4-BE49-F238E27FC236}">
+                <a16:creationId xmlns:a16="http://schemas.microsoft.com/office/drawing/2014/main" id="{FFCEB186-C4F2-43BC-8A25-91E6D1AC1086}"/>
+              </a:ext>
+            </a:extLst>
+          </p:cNvPr>
+          <p:cNvSpPr>
+            <a:spLocks noGrp="1"/>
+          </p:cNvSpPr>
+          <p:nvPr>
+            <p:ph type="title"/>
+          </p:nvPr>
+        </p:nvSpPr>
+        <p:spPr>
+          <a:xfrm>
+            <a:off x="838200" y="232213"/>
+            <a:ext cx="10515600" cy="1549158"/>
+          </a:xfrm>
+        </p:spPr>
+        <p:txBody>
+          <a:bodyPr>
+            <a:noAutofit/>
+          </a:bodyPr>
+          <a:lstStyle/>
+          <a:p>
+            <a:r>
+              <a:rPr lang="en-US" sz="3600" dirty="0"/>
+              <a:t>Using kites instead of parallelograms for all obtuse angles improves the estimate over the parallelogram-only approach.</a:t>
+            </a:r>
+          </a:p>
+        </p:txBody>
+      </p:sp>
+      <p:pic>
+        <p:nvPicPr>
+          <p:cNvPr id="3" name="Picture 2"/>
+          <p:cNvPicPr>
+            <a:picLocks noChangeAspect="1"/>
+          </p:cNvPicPr>
+          <p:nvPr/>
+        </p:nvPicPr>
+        <p:blipFill rotWithShape="1">
+          <a:blip r:embed="rId2">
+            <a:extLst>
+              <a:ext uri="{28A0092B-C50C-407E-A947-70E740481C1C}">
+                <a14:useLocalDpi xmlns:a14="http://schemas.microsoft.com/office/drawing/2010/main" val="0"/>
+              </a:ext>
+            </a:extLst>
+          </a:blip>
+          <a:srcRect t="6602" b="2266"/>
+          <a:stretch/>
+        </p:blipFill>
+        <p:spPr>
+          <a:xfrm>
+            <a:off x="2343619" y="1800339"/>
+            <a:ext cx="7504762" cy="4921136"/>
+          </a:xfrm>
+          <a:prstGeom prst="rect">
+            <a:avLst/>
+          </a:prstGeom>
+        </p:spPr>
+      </p:pic>
+    </p:spTree>
+    <p:extLst>
+      <p:ext uri="{BB962C8B-B14F-4D97-AF65-F5344CB8AC3E}">
+        <p14:creationId xmlns:p14="http://schemas.microsoft.com/office/powerpoint/2010/main" val="1756576483"/>
       </p:ext>
     </p:extLst>
   </p:cSld>

--- a/Documents/MapGenClassLibrary.pptx
+++ b/Documents/MapGenClassLibrary.pptx
@@ -5,44 +5,41 @@
     <p:sldMasterId id="2147483648" r:id="rId1"/>
   </p:sldMasterIdLst>
   <p:sldIdLst>
-    <p:sldId id="256" r:id="rId2"/>
-    <p:sldId id="257" r:id="rId3"/>
-    <p:sldId id="332" r:id="rId4"/>
-    <p:sldId id="415" r:id="rId5"/>
-    <p:sldId id="442" r:id="rId6"/>
-    <p:sldId id="485" r:id="rId7"/>
-    <p:sldId id="466" r:id="rId8"/>
-    <p:sldId id="486" r:id="rId9"/>
-    <p:sldId id="491" r:id="rId10"/>
-    <p:sldId id="492" r:id="rId11"/>
-    <p:sldId id="487" r:id="rId12"/>
-    <p:sldId id="488" r:id="rId13"/>
-    <p:sldId id="489" r:id="rId14"/>
-    <p:sldId id="490" r:id="rId15"/>
-    <p:sldId id="460" r:id="rId16"/>
-    <p:sldId id="497" r:id="rId17"/>
-    <p:sldId id="493" r:id="rId18"/>
-    <p:sldId id="496" r:id="rId19"/>
-    <p:sldId id="499" r:id="rId20"/>
-    <p:sldId id="500" r:id="rId21"/>
-    <p:sldId id="514" r:id="rId22"/>
-    <p:sldId id="501" r:id="rId23"/>
-    <p:sldId id="504" r:id="rId24"/>
-    <p:sldId id="505" r:id="rId25"/>
-    <p:sldId id="506" r:id="rId26"/>
-    <p:sldId id="507" r:id="rId27"/>
-    <p:sldId id="508" r:id="rId28"/>
-    <p:sldId id="509" r:id="rId29"/>
-    <p:sldId id="510" r:id="rId30"/>
-    <p:sldId id="511" r:id="rId31"/>
-    <p:sldId id="513" r:id="rId32"/>
-    <p:sldId id="512" r:id="rId33"/>
-    <p:sldId id="515" r:id="rId34"/>
-    <p:sldId id="516" r:id="rId35"/>
-    <p:sldId id="518" r:id="rId36"/>
-    <p:sldId id="519" r:id="rId37"/>
-    <p:sldId id="494" r:id="rId38"/>
-    <p:sldId id="495" r:id="rId39"/>
+    <p:sldId id="415" r:id="rId2"/>
+    <p:sldId id="442" r:id="rId3"/>
+    <p:sldId id="485" r:id="rId4"/>
+    <p:sldId id="466" r:id="rId5"/>
+    <p:sldId id="486" r:id="rId6"/>
+    <p:sldId id="491" r:id="rId7"/>
+    <p:sldId id="492" r:id="rId8"/>
+    <p:sldId id="487" r:id="rId9"/>
+    <p:sldId id="488" r:id="rId10"/>
+    <p:sldId id="489" r:id="rId11"/>
+    <p:sldId id="490" r:id="rId12"/>
+    <p:sldId id="460" r:id="rId13"/>
+    <p:sldId id="497" r:id="rId14"/>
+    <p:sldId id="493" r:id="rId15"/>
+    <p:sldId id="496" r:id="rId16"/>
+    <p:sldId id="499" r:id="rId17"/>
+    <p:sldId id="500" r:id="rId18"/>
+    <p:sldId id="514" r:id="rId19"/>
+    <p:sldId id="501" r:id="rId20"/>
+    <p:sldId id="504" r:id="rId21"/>
+    <p:sldId id="505" r:id="rId22"/>
+    <p:sldId id="506" r:id="rId23"/>
+    <p:sldId id="507" r:id="rId24"/>
+    <p:sldId id="508" r:id="rId25"/>
+    <p:sldId id="509" r:id="rId26"/>
+    <p:sldId id="510" r:id="rId27"/>
+    <p:sldId id="511" r:id="rId28"/>
+    <p:sldId id="513" r:id="rId29"/>
+    <p:sldId id="512" r:id="rId30"/>
+    <p:sldId id="515" r:id="rId31"/>
+    <p:sldId id="516" r:id="rId32"/>
+    <p:sldId id="518" r:id="rId33"/>
+    <p:sldId id="519" r:id="rId34"/>
+    <p:sldId id="494" r:id="rId35"/>
+    <p:sldId id="495" r:id="rId36"/>
   </p:sldIdLst>
   <p:sldSz cx="12192000" cy="6858000"/>
   <p:notesSz cx="6858000" cy="9144000"/>
@@ -145,14 +142,10 @@
     <p:ext uri="{521415D9-36F7-43E2-AB2F-B90AF26B5E84}">
       <p14:sectionLst xmlns:p14="http://schemas.microsoft.com/office/powerpoint/2010/main">
         <p14:section name="Title" id="{37AC2A95-4A47-478E-9FF6-F596292F1300}">
-          <p14:sldIdLst>
-            <p14:sldId id="256"/>
-          </p14:sldIdLst>
+          <p14:sldIdLst/>
         </p14:section>
         <p14:section name="Background" id="{C6F52FF6-A12B-41D3-B0A0-06BFA5DF7396}">
           <p14:sldIdLst>
-            <p14:sldId id="257"/>
-            <p14:sldId id="332"/>
             <p14:sldId id="415"/>
             <p14:sldId id="442"/>
             <p14:sldId id="485"/>
@@ -374,7 +367,7 @@
           <a:p>
             <a:fld id="{ADCEBF8C-22C0-4323-9BBB-9413232198F8}" type="datetimeFigureOut">
               <a:rPr lang="en-US" smtClean="0"/>
-              <a:t>2/15/2022</a:t>
+              <a:t>2/20/2023</a:t>
             </a:fld>
             <a:endParaRPr lang="en-US"/>
           </a:p>
@@ -572,7 +565,7 @@
           <a:p>
             <a:fld id="{ADCEBF8C-22C0-4323-9BBB-9413232198F8}" type="datetimeFigureOut">
               <a:rPr lang="en-US" smtClean="0"/>
-              <a:t>2/15/2022</a:t>
+              <a:t>2/20/2023</a:t>
             </a:fld>
             <a:endParaRPr lang="en-US"/>
           </a:p>
@@ -780,7 +773,7 @@
           <a:p>
             <a:fld id="{ADCEBF8C-22C0-4323-9BBB-9413232198F8}" type="datetimeFigureOut">
               <a:rPr lang="en-US" smtClean="0"/>
-              <a:t>2/15/2022</a:t>
+              <a:t>2/20/2023</a:t>
             </a:fld>
             <a:endParaRPr lang="en-US"/>
           </a:p>
@@ -978,7 +971,7 @@
           <a:p>
             <a:fld id="{ADCEBF8C-22C0-4323-9BBB-9413232198F8}" type="datetimeFigureOut">
               <a:rPr lang="en-US" smtClean="0"/>
-              <a:t>2/15/2022</a:t>
+              <a:t>2/20/2023</a:t>
             </a:fld>
             <a:endParaRPr lang="en-US"/>
           </a:p>
@@ -1253,7 +1246,7 @@
           <a:p>
             <a:fld id="{ADCEBF8C-22C0-4323-9BBB-9413232198F8}" type="datetimeFigureOut">
               <a:rPr lang="en-US" smtClean="0"/>
-              <a:t>2/15/2022</a:t>
+              <a:t>2/20/2023</a:t>
             </a:fld>
             <a:endParaRPr lang="en-US"/>
           </a:p>
@@ -1518,7 +1511,7 @@
           <a:p>
             <a:fld id="{ADCEBF8C-22C0-4323-9BBB-9413232198F8}" type="datetimeFigureOut">
               <a:rPr lang="en-US" smtClean="0"/>
-              <a:t>2/15/2022</a:t>
+              <a:t>2/20/2023</a:t>
             </a:fld>
             <a:endParaRPr lang="en-US"/>
           </a:p>
@@ -1930,7 +1923,7 @@
           <a:p>
             <a:fld id="{ADCEBF8C-22C0-4323-9BBB-9413232198F8}" type="datetimeFigureOut">
               <a:rPr lang="en-US" smtClean="0"/>
-              <a:t>2/15/2022</a:t>
+              <a:t>2/20/2023</a:t>
             </a:fld>
             <a:endParaRPr lang="en-US"/>
           </a:p>
@@ -2071,7 +2064,7 @@
           <a:p>
             <a:fld id="{ADCEBF8C-22C0-4323-9BBB-9413232198F8}" type="datetimeFigureOut">
               <a:rPr lang="en-US" smtClean="0"/>
-              <a:t>2/15/2022</a:t>
+              <a:t>2/20/2023</a:t>
             </a:fld>
             <a:endParaRPr lang="en-US"/>
           </a:p>
@@ -2184,7 +2177,7 @@
           <a:p>
             <a:fld id="{ADCEBF8C-22C0-4323-9BBB-9413232198F8}" type="datetimeFigureOut">
               <a:rPr lang="en-US" smtClean="0"/>
-              <a:t>2/15/2022</a:t>
+              <a:t>2/20/2023</a:t>
             </a:fld>
             <a:endParaRPr lang="en-US"/>
           </a:p>
@@ -2495,7 +2488,7 @@
           <a:p>
             <a:fld id="{ADCEBF8C-22C0-4323-9BBB-9413232198F8}" type="datetimeFigureOut">
               <a:rPr lang="en-US" smtClean="0"/>
-              <a:t>2/15/2022</a:t>
+              <a:t>2/20/2023</a:t>
             </a:fld>
             <a:endParaRPr lang="en-US"/>
           </a:p>
@@ -2783,7 +2776,7 @@
           <a:p>
             <a:fld id="{ADCEBF8C-22C0-4323-9BBB-9413232198F8}" type="datetimeFigureOut">
               <a:rPr lang="en-US" smtClean="0"/>
-              <a:t>2/15/2022</a:t>
+              <a:t>2/20/2023</a:t>
             </a:fld>
             <a:endParaRPr lang="en-US"/>
           </a:p>
@@ -3024,7 +3017,7 @@
           <a:p>
             <a:fld id="{ADCEBF8C-22C0-4323-9BBB-9413232198F8}" type="datetimeFigureOut">
               <a:rPr lang="en-US" smtClean="0"/>
-              <a:t>2/15/2022</a:t>
+              <a:t>2/20/2023</a:t>
             </a:fld>
             <a:endParaRPr lang="en-US"/>
           </a:p>
@@ -3427,14 +3420,6 @@
 <file path=ppt/slides/slide1.xml><?xml version="1.0" encoding="utf-8"?>
 <p:sld xmlns:a="http://schemas.openxmlformats.org/drawingml/2006/main" xmlns:r="http://schemas.openxmlformats.org/officeDocument/2006/relationships" xmlns:p="http://schemas.openxmlformats.org/presentationml/2006/main">
   <p:cSld>
-    <p:bg>
-      <p:bgPr>
-        <a:solidFill>
-          <a:schemeClr val="bg1"/>
-        </a:solidFill>
-        <a:effectLst/>
-      </p:bgPr>
-    </p:bg>
     <p:spTree>
       <p:nvGrpSpPr>
         <p:cNvPr id="1" name=""/>
@@ -3449,424 +3434,311 @@
           <a:chExt cx="0" cy="0"/>
         </a:xfrm>
       </p:grpSpPr>
-      <p:sp useBgFill="1">
+      <p:sp>
         <p:nvSpPr>
-          <p:cNvPr id="25" name="Rectangle 24">
-            <a:extLst>
-              <a:ext uri="{FF2B5EF4-FFF2-40B4-BE49-F238E27FC236}">
-                <a16:creationId xmlns:a16="http://schemas.microsoft.com/office/drawing/2014/main" id="{0671A8AE-40A1-4631-A6B8-581AFF065482}"/>
-              </a:ext>
-              <a:ext uri="{C183D7F6-B498-43B3-948B-1728B52AA6E4}">
-                <adec:decorative xmlns:adec="http://schemas.microsoft.com/office/drawing/2017/decorative" val="1"/>
+          <p:cNvPr id="2" name="Title 1">
+            <a:extLst>
+              <a:ext uri="{FF2B5EF4-FFF2-40B4-BE49-F238E27FC236}">
+                <a16:creationId xmlns:a16="http://schemas.microsoft.com/office/drawing/2014/main" id="{F61BB289-6F7D-4E26-9549-A418B0B98DBB}"/>
               </a:ext>
             </a:extLst>
           </p:cNvPr>
           <p:cNvSpPr>
-            <a:spLocks noGrp="1" noRot="1" noChangeAspect="1" noMove="1" noResize="1" noEditPoints="1" noAdjustHandles="1" noChangeArrowheads="1" noChangeShapeType="1" noTextEdit="1"/>
+            <a:spLocks noGrp="1"/>
           </p:cNvSpPr>
           <p:nvPr>
-            <p:extLst>
-              <p:ext uri="{386F3935-93C4-4BCD-93E2-E3B085C9AB24}">
-                <p16:designElem xmlns:p16="http://schemas.microsoft.com/office/powerpoint/2015/main" val="1"/>
-              </p:ext>
-            </p:extLst>
+            <p:ph type="title"/>
           </p:nvPr>
         </p:nvSpPr>
-        <p:spPr>
-          <a:xfrm>
-            <a:off x="0" y="0"/>
-            <a:ext cx="12192000" cy="6858000"/>
-          </a:xfrm>
-          <a:prstGeom prst="rect">
-            <a:avLst/>
-          </a:prstGeom>
-          <a:ln>
-            <a:noFill/>
-          </a:ln>
-        </p:spPr>
-        <p:style>
-          <a:lnRef idx="2">
-            <a:schemeClr val="accent1">
-              <a:shade val="50000"/>
-            </a:schemeClr>
-          </a:lnRef>
-          <a:fillRef idx="1">
-            <a:schemeClr val="accent1"/>
-          </a:fillRef>
-          <a:effectRef idx="0">
-            <a:schemeClr val="accent1"/>
-          </a:effectRef>
-          <a:fontRef idx="minor">
-            <a:schemeClr val="lt1"/>
-          </a:fontRef>
-        </p:style>
+        <p:spPr/>
         <p:txBody>
-          <a:bodyPr rtlCol="0" anchor="ctr"/>
+          <a:bodyPr>
+            <a:normAutofit fontScale="90000"/>
+          </a:bodyPr>
           <a:lstStyle/>
           <a:p>
-            <a:pPr algn="ctr"/>
-            <a:endParaRPr lang="en-US"/>
-          </a:p>
-        </p:txBody>
-      </p:sp>
-      <p:pic>
-        <p:nvPicPr>
-          <p:cNvPr id="5" name="Picture 4">
-            <a:extLst>
-              <a:ext uri="{FF2B5EF4-FFF2-40B4-BE49-F238E27FC236}">
-                <a16:creationId xmlns:a16="http://schemas.microsoft.com/office/drawing/2014/main" id="{AB186C66-1CDD-4EE0-8A1E-2B4ABEED1318}"/>
-              </a:ext>
-            </a:extLst>
-          </p:cNvPr>
-          <p:cNvPicPr>
-            <a:picLocks noChangeAspect="1"/>
-          </p:cNvPicPr>
-          <p:nvPr/>
-        </p:nvPicPr>
-        <p:blipFill rotWithShape="1">
-          <a:blip r:embed="rId2" cstate="email">
-            <a:extLst>
-              <a:ext uri="{28A0092B-C50C-407E-A947-70E740481C1C}">
-                <a14:useLocalDpi xmlns:a14="http://schemas.microsoft.com/office/drawing/2010/main"/>
-              </a:ext>
-            </a:extLst>
-          </a:blip>
-          <a:srcRect/>
-          <a:stretch/>
-        </p:blipFill>
-        <p:spPr>
-          <a:xfrm>
-            <a:off x="3523488" y="10"/>
-            <a:ext cx="8668512" cy="6857990"/>
-          </a:xfrm>
-          <a:prstGeom prst="rect">
-            <a:avLst/>
-          </a:prstGeom>
-        </p:spPr>
-      </p:pic>
-      <p:sp>
-        <p:nvSpPr>
-          <p:cNvPr id="27" name="Rectangle 26">
-            <a:extLst>
-              <a:ext uri="{FF2B5EF4-FFF2-40B4-BE49-F238E27FC236}">
-                <a16:creationId xmlns:a16="http://schemas.microsoft.com/office/drawing/2014/main" id="{AB58EF07-17C2-48CF-ABB0-EEF1F17CB8F0}"/>
-              </a:ext>
-              <a:ext uri="{C183D7F6-B498-43B3-948B-1728B52AA6E4}">
-                <adec:decorative xmlns:adec="http://schemas.microsoft.com/office/drawing/2017/decorative" val="1"/>
-              </a:ext>
-            </a:extLst>
-          </p:cNvPr>
-          <p:cNvSpPr>
-            <a:spLocks noGrp="1" noRot="1" noChangeAspect="1" noMove="1" noResize="1" noEditPoints="1" noAdjustHandles="1" noChangeArrowheads="1" noChangeShapeType="1" noTextEdit="1"/>
-          </p:cNvSpPr>
-          <p:nvPr>
-            <p:extLst>
-              <p:ext uri="{386F3935-93C4-4BCD-93E2-E3B085C9AB24}">
-                <p16:designElem xmlns:p16="http://schemas.microsoft.com/office/powerpoint/2015/main" val="1"/>
-              </p:ext>
-            </p:extLst>
-          </p:nvPr>
-        </p:nvSpPr>
-        <p:spPr>
-          <a:xfrm>
-            <a:off x="3" y="0"/>
-            <a:ext cx="9339206" cy="6858000"/>
-          </a:xfrm>
-          <a:prstGeom prst="rect">
-            <a:avLst/>
-          </a:prstGeom>
-          <a:gradFill>
-            <a:gsLst>
-              <a:gs pos="58000">
-                <a:schemeClr val="bg1"/>
-              </a:gs>
-              <a:gs pos="33000">
-                <a:schemeClr val="bg1">
-                  <a:alpha val="64000"/>
-                </a:schemeClr>
-              </a:gs>
-              <a:gs pos="0">
-                <a:schemeClr val="bg1">
-                  <a:alpha val="0"/>
-                </a:schemeClr>
-              </a:gs>
-              <a:gs pos="100000">
-                <a:schemeClr val="bg1"/>
-              </a:gs>
-            </a:gsLst>
-            <a:lin ang="10800000" scaled="0"/>
-          </a:gradFill>
-          <a:ln>
-            <a:noFill/>
-          </a:ln>
-        </p:spPr>
-        <p:style>
-          <a:lnRef idx="2">
-            <a:schemeClr val="accent1">
-              <a:shade val="50000"/>
-            </a:schemeClr>
-          </a:lnRef>
-          <a:fillRef idx="1">
-            <a:schemeClr val="accent1"/>
-          </a:fillRef>
-          <a:effectRef idx="0">
-            <a:schemeClr val="accent1"/>
-          </a:effectRef>
-          <a:fontRef idx="minor">
-            <a:schemeClr val="lt1"/>
-          </a:fontRef>
-        </p:style>
-        <p:txBody>
-          <a:bodyPr rtlCol="0" anchor="ctr"/>
-          <a:lstStyle/>
-          <a:p>
-            <a:pPr algn="ctr"/>
-            <a:endParaRPr lang="en-US" dirty="0"/>
+            <a:r>
+              <a:rPr lang="en-US" dirty="0"/>
+              <a:t>For many examples below, MATLAB code will be given. It is usually highlighted as shown here: yellow for scripts, grey for console outputs.</a:t>
+            </a:r>
           </a:p>
         </p:txBody>
       </p:sp>
       <p:sp>
         <p:nvSpPr>
-          <p:cNvPr id="2" name="Title 1">
-            <a:extLst>
-              <a:ext uri="{FF2B5EF4-FFF2-40B4-BE49-F238E27FC236}">
-                <a16:creationId xmlns:a16="http://schemas.microsoft.com/office/drawing/2014/main" id="{F430FC9C-DBB1-46A8-A834-AD5F4778EBB8}"/>
-              </a:ext>
-            </a:extLst>
-          </p:cNvPr>
-          <p:cNvSpPr>
-            <a:spLocks noGrp="1"/>
-          </p:cNvSpPr>
-          <p:nvPr>
-            <p:ph type="ctrTitle"/>
-          </p:nvPr>
+          <p:cNvPr id="5" name="Rectangle 4">
+            <a:extLst>
+              <a:ext uri="{FF2B5EF4-FFF2-40B4-BE49-F238E27FC236}">
+                <a16:creationId xmlns:a16="http://schemas.microsoft.com/office/drawing/2014/main" id="{F0CB9B29-E4C5-4A4F-9118-99BC76FA2AD9}"/>
+              </a:ext>
+            </a:extLst>
+          </p:cNvPr>
+          <p:cNvSpPr/>
+          <p:nvPr/>
         </p:nvSpPr>
         <p:spPr>
           <a:xfrm>
-            <a:off x="477981" y="1122363"/>
-            <a:ext cx="4023360" cy="3204134"/>
-          </a:xfrm>
-        </p:spPr>
-        <p:txBody>
-          <a:bodyPr anchor="b">
-            <a:normAutofit/>
-          </a:bodyPr>
-          <a:lstStyle/>
-          <a:p>
-            <a:pPr algn="l"/>
-            <a:r>
-              <a:rPr lang="en-US" sz="4800"/>
-              <a:t>Map Gen Class Library</a:t>
-            </a:r>
-          </a:p>
-        </p:txBody>
-      </p:sp>
-      <p:sp>
-        <p:nvSpPr>
-          <p:cNvPr id="3" name="Subtitle 2">
-            <a:extLst>
-              <a:ext uri="{FF2B5EF4-FFF2-40B4-BE49-F238E27FC236}">
-                <a16:creationId xmlns:a16="http://schemas.microsoft.com/office/drawing/2014/main" id="{2AFCE265-C742-467D-9532-ABBA6D99B72A}"/>
-              </a:ext>
-            </a:extLst>
-          </p:cNvPr>
-          <p:cNvSpPr>
-            <a:spLocks noGrp="1"/>
-          </p:cNvSpPr>
-          <p:nvPr>
-            <p:ph type="subTitle" idx="1"/>
-          </p:nvPr>
-        </p:nvSpPr>
-        <p:spPr>
-          <a:xfrm>
-            <a:off x="477980" y="4872922"/>
-            <a:ext cx="4023359" cy="1208141"/>
-          </a:xfrm>
-        </p:spPr>
-        <p:txBody>
-          <a:bodyPr>
-            <a:normAutofit/>
-          </a:bodyPr>
-          <a:lstStyle/>
-          <a:p>
-            <a:pPr algn="l"/>
-            <a:r>
-              <a:rPr lang="en-US" sz="2000"/>
-              <a:t>Descriptions of the “MapGen” class of functions</a:t>
-            </a:r>
-          </a:p>
-        </p:txBody>
-      </p:sp>
-      <p:sp>
-        <p:nvSpPr>
-          <p:cNvPr id="29" name="Rectangle 28">
-            <a:extLst>
-              <a:ext uri="{FF2B5EF4-FFF2-40B4-BE49-F238E27FC236}">
-                <a16:creationId xmlns:a16="http://schemas.microsoft.com/office/drawing/2014/main" id="{AF2F604E-43BE-4DC3-B983-E071523364F8}"/>
-              </a:ext>
-              <a:ext uri="{C183D7F6-B498-43B3-948B-1728B52AA6E4}">
-                <adec:decorative xmlns:adec="http://schemas.microsoft.com/office/drawing/2017/decorative" val="1"/>
-              </a:ext>
-            </a:extLst>
-          </p:cNvPr>
-          <p:cNvSpPr>
-            <a:spLocks noGrp="1" noRot="1" noChangeAspect="1" noMove="1" noResize="1" noEditPoints="1" noAdjustHandles="1" noChangeArrowheads="1" noChangeShapeType="1" noTextEdit="1"/>
-          </p:cNvSpPr>
-          <p:nvPr>
-            <p:extLst>
-              <p:ext uri="{386F3935-93C4-4BCD-93E2-E3B085C9AB24}">
-                <p16:designElem xmlns:p16="http://schemas.microsoft.com/office/powerpoint/2015/main" val="1"/>
-              </p:ext>
-            </p:extLst>
-          </p:nvPr>
-        </p:nvSpPr>
-        <p:spPr>
-          <a:xfrm rot="5400000">
-            <a:off x="759921" y="346791"/>
-            <a:ext cx="146304" cy="704088"/>
+            <a:off x="925417" y="2033855"/>
+            <a:ext cx="5291769" cy="1323439"/>
           </a:xfrm>
           <a:prstGeom prst="rect">
             <a:avLst/>
           </a:prstGeom>
           <a:solidFill>
-            <a:schemeClr val="accent2"/>
+            <a:schemeClr val="accent4">
+              <a:lumMod val="20000"/>
+              <a:lumOff val="80000"/>
+            </a:schemeClr>
           </a:solidFill>
-          <a:ln>
-            <a:noFill/>
-          </a:ln>
         </p:spPr>
-        <p:style>
-          <a:lnRef idx="2">
-            <a:schemeClr val="accent1">
-              <a:shade val="50000"/>
-            </a:schemeClr>
-          </a:lnRef>
-          <a:fillRef idx="1">
-            <a:schemeClr val="accent1"/>
-          </a:fillRef>
-          <a:effectRef idx="0">
-            <a:schemeClr val="accent1"/>
-          </a:effectRef>
-          <a:fontRef idx="minor">
-            <a:schemeClr val="lt1"/>
-          </a:fontRef>
-        </p:style>
         <p:txBody>
-          <a:bodyPr rtlCol="0" anchor="ctr"/>
+          <a:bodyPr wrap="square">
+            <a:spAutoFit/>
+          </a:bodyPr>
           <a:lstStyle/>
           <a:p>
-            <a:pPr algn="ctr"/>
-            <a:endParaRPr lang="en-US">
-              <a:solidFill>
-                <a:prstClr val="white"/>
-              </a:solidFill>
-              <a:latin typeface="Calibri" panose="020F0502020204030204"/>
-            </a:endParaRPr>
+            <a:r>
+              <a:rPr lang="en-US" sz="1000" dirty="0">
+                <a:solidFill>
+                  <a:srgbClr val="028009"/>
+                </a:solidFill>
+                <a:latin typeface="Courier New" panose="02070309020205020404" pitchFamily="49" charset="0"/>
+              </a:rPr>
+              <a:t>%% Example 1: simple three points</a:t>
+            </a:r>
+          </a:p>
+          <a:p>
+            <a:r>
+              <a:rPr lang="en-US" sz="1000" dirty="0" err="1">
+                <a:solidFill>
+                  <a:srgbClr val="000000"/>
+                </a:solidFill>
+                <a:latin typeface="Courier New" panose="02070309020205020404" pitchFamily="49" charset="0"/>
+              </a:rPr>
+              <a:t>fig_num</a:t>
+            </a:r>
+            <a:r>
+              <a:rPr lang="en-US" sz="1000" dirty="0">
+                <a:solidFill>
+                  <a:srgbClr val="000000"/>
+                </a:solidFill>
+                <a:latin typeface="Courier New" panose="02070309020205020404" pitchFamily="49" charset="0"/>
+              </a:rPr>
+              <a:t> = 1;</a:t>
+            </a:r>
+          </a:p>
+          <a:p>
+            <a:r>
+              <a:rPr lang="en-US" sz="1000" dirty="0">
+                <a:solidFill>
+                  <a:srgbClr val="000000"/>
+                </a:solidFill>
+                <a:latin typeface="Courier New" panose="02070309020205020404" pitchFamily="49" charset="0"/>
+              </a:rPr>
+              <a:t> </a:t>
+            </a:r>
+          </a:p>
+          <a:p>
+            <a:r>
+              <a:rPr lang="en-US" sz="1000" dirty="0">
+                <a:solidFill>
+                  <a:srgbClr val="000000"/>
+                </a:solidFill>
+                <a:latin typeface="Courier New" panose="02070309020205020404" pitchFamily="49" charset="0"/>
+              </a:rPr>
+              <a:t>x     = [-4;   -2;   1]; </a:t>
+            </a:r>
+          </a:p>
+          <a:p>
+            <a:r>
+              <a:rPr lang="en-US" sz="1000" dirty="0">
+                <a:solidFill>
+                  <a:srgbClr val="000000"/>
+                </a:solidFill>
+                <a:latin typeface="Courier New" panose="02070309020205020404" pitchFamily="49" charset="0"/>
+              </a:rPr>
+              <a:t>y     = [0;     -4;  -1]; </a:t>
+            </a:r>
+          </a:p>
+          <a:p>
+            <a:r>
+              <a:rPr lang="en-US" sz="1000" dirty="0" err="1">
+                <a:solidFill>
+                  <a:srgbClr val="000000"/>
+                </a:solidFill>
+                <a:latin typeface="Courier New" panose="02070309020205020404" pitchFamily="49" charset="0"/>
+              </a:rPr>
+              <a:t>apex_points</a:t>
+            </a:r>
+            <a:r>
+              <a:rPr lang="en-US" sz="1000" dirty="0">
+                <a:solidFill>
+                  <a:srgbClr val="000000"/>
+                </a:solidFill>
+                <a:latin typeface="Courier New" panose="02070309020205020404" pitchFamily="49" charset="0"/>
+              </a:rPr>
+              <a:t> = [x y];</a:t>
+            </a:r>
+          </a:p>
+          <a:p>
+            <a:r>
+              <a:rPr lang="en-US" sz="1000" dirty="0" err="1">
+                <a:solidFill>
+                  <a:srgbClr val="000000"/>
+                </a:solidFill>
+                <a:latin typeface="Courier New" panose="02070309020205020404" pitchFamily="49" charset="0"/>
+              </a:rPr>
+              <a:t>fcn_FastestTraversal_calculateObstacleDirectionAtApexPoints</a:t>
+            </a:r>
+            <a:r>
+              <a:rPr lang="en-US" sz="1000" dirty="0">
+                <a:solidFill>
+                  <a:srgbClr val="000000"/>
+                </a:solidFill>
+                <a:latin typeface="Courier New" panose="02070309020205020404" pitchFamily="49" charset="0"/>
+              </a:rPr>
+              <a:t>(</a:t>
+            </a:r>
+            <a:r>
+              <a:rPr lang="en-US" sz="1000" dirty="0">
+                <a:solidFill>
+                  <a:srgbClr val="0E00FF"/>
+                </a:solidFill>
+                <a:latin typeface="Courier New" panose="02070309020205020404" pitchFamily="49" charset="0"/>
+              </a:rPr>
+              <a:t>...</a:t>
+            </a:r>
+          </a:p>
+          <a:p>
+            <a:r>
+              <a:rPr lang="en-US" sz="1000" dirty="0">
+                <a:solidFill>
+                  <a:srgbClr val="000000"/>
+                </a:solidFill>
+                <a:latin typeface="Courier New" panose="02070309020205020404" pitchFamily="49" charset="0"/>
+              </a:rPr>
+              <a:t>    </a:t>
+            </a:r>
+            <a:r>
+              <a:rPr lang="en-US" sz="1000" dirty="0" err="1">
+                <a:solidFill>
+                  <a:srgbClr val="000000"/>
+                </a:solidFill>
+                <a:latin typeface="Courier New" panose="02070309020205020404" pitchFamily="49" charset="0"/>
+              </a:rPr>
+              <a:t>apex_points</a:t>
+            </a:r>
+            <a:r>
+              <a:rPr lang="en-US" sz="1000" dirty="0">
+                <a:solidFill>
+                  <a:srgbClr val="000000"/>
+                </a:solidFill>
+                <a:latin typeface="Courier New" panose="02070309020205020404" pitchFamily="49" charset="0"/>
+              </a:rPr>
+              <a:t>, </a:t>
+            </a:r>
+            <a:r>
+              <a:rPr lang="en-US" sz="1000" dirty="0" err="1">
+                <a:solidFill>
+                  <a:srgbClr val="000000"/>
+                </a:solidFill>
+                <a:latin typeface="Courier New" panose="02070309020205020404" pitchFamily="49" charset="0"/>
+              </a:rPr>
+              <a:t>fig_num</a:t>
+            </a:r>
+            <a:r>
+              <a:rPr lang="en-US" sz="1000" dirty="0">
+                <a:solidFill>
+                  <a:srgbClr val="000000"/>
+                </a:solidFill>
+                <a:latin typeface="Courier New" panose="02070309020205020404" pitchFamily="49" charset="0"/>
+              </a:rPr>
+              <a:t>);</a:t>
+            </a:r>
           </a:p>
         </p:txBody>
       </p:sp>
       <p:sp>
         <p:nvSpPr>
-          <p:cNvPr id="31" name="Rectangle 30">
-            <a:extLst>
-              <a:ext uri="{FF2B5EF4-FFF2-40B4-BE49-F238E27FC236}">
-                <a16:creationId xmlns:a16="http://schemas.microsoft.com/office/drawing/2014/main" id="{08C9B587-E65E-4B52-B37C-ABEBB6E87928}"/>
-              </a:ext>
-              <a:ext uri="{C183D7F6-B498-43B3-948B-1728B52AA6E4}">
-                <adec:decorative xmlns:adec="http://schemas.microsoft.com/office/drawing/2017/decorative" val="1"/>
-              </a:ext>
-            </a:extLst>
-          </p:cNvPr>
-          <p:cNvSpPr>
-            <a:spLocks noGrp="1" noRot="1" noChangeAspect="1" noMove="1" noResize="1" noEditPoints="1" noAdjustHandles="1" noChangeArrowheads="1" noChangeShapeType="1" noTextEdit="1"/>
-          </p:cNvSpPr>
-          <p:nvPr>
-            <p:extLst>
-              <p:ext uri="{386F3935-93C4-4BCD-93E2-E3B085C9AB24}">
-                <p16:designElem xmlns:p16="http://schemas.microsoft.com/office/powerpoint/2015/main" val="1"/>
-              </p:ext>
-            </p:extLst>
-          </p:nvPr>
+          <p:cNvPr id="4" name="TextBox 3">
+            <a:extLst>
+              <a:ext uri="{FF2B5EF4-FFF2-40B4-BE49-F238E27FC236}">
+                <a16:creationId xmlns:a16="http://schemas.microsoft.com/office/drawing/2014/main" id="{D7B38888-70E6-461D-A5D9-C2A59BB406B1}"/>
+              </a:ext>
+            </a:extLst>
+          </p:cNvPr>
+          <p:cNvSpPr txBox="1"/>
+          <p:nvPr/>
         </p:nvSpPr>
         <p:spPr>
           <a:xfrm>
-            <a:off x="481029" y="4546920"/>
-            <a:ext cx="3977640" cy="18288"/>
+            <a:off x="6982997" y="4171950"/>
+            <a:ext cx="3855720" cy="1015663"/>
           </a:xfrm>
           <a:prstGeom prst="rect">
             <a:avLst/>
           </a:prstGeom>
           <a:solidFill>
-            <a:schemeClr val="tx1"/>
+            <a:schemeClr val="bg1">
+              <a:lumMod val="85000"/>
+            </a:schemeClr>
           </a:solidFill>
-          <a:ln w="3175">
-            <a:noFill/>
-          </a:ln>
-          <a:effectLst/>
         </p:spPr>
-        <p:style>
-          <a:lnRef idx="2">
-            <a:schemeClr val="accent1">
-              <a:shade val="50000"/>
-            </a:schemeClr>
-          </a:lnRef>
-          <a:fillRef idx="1">
-            <a:schemeClr val="accent1"/>
-          </a:fillRef>
-          <a:effectRef idx="0">
-            <a:schemeClr val="accent1"/>
-          </a:effectRef>
-          <a:fontRef idx="minor">
-            <a:schemeClr val="lt1"/>
-          </a:fontRef>
-        </p:style>
         <p:txBody>
-          <a:bodyPr rtlCol="0" anchor="ctr"/>
+          <a:bodyPr wrap="square" rtlCol="0">
+            <a:spAutoFit/>
+          </a:bodyPr>
           <a:lstStyle/>
           <a:p>
-            <a:pPr marL="0" marR="0" lvl="0" indent="0" algn="ctr" defTabSz="914400" rtl="0" eaLnBrk="1" fontAlgn="auto" latinLnBrk="0" hangingPunct="1">
-              <a:lnSpc>
-                <a:spcPct val="100000"/>
-              </a:lnSpc>
-              <a:spcBef>
-                <a:spcPts val="0"/>
-              </a:spcBef>
-              <a:spcAft>
-                <a:spcPts val="0"/>
-              </a:spcAft>
-              <a:buClrTx/>
-              <a:buSzTx/>
-              <a:buFontTx/>
-              <a:buNone/>
-              <a:tabLst/>
-              <a:defRPr/>
-            </a:pPr>
-            <a:endParaRPr kumimoji="0" lang="en-US" sz="1800" b="0" i="0" u="none" strike="noStrike" kern="1200" cap="none" spc="0" normalizeH="0" baseline="0" noProof="0">
-              <a:ln>
-                <a:noFill/>
-              </a:ln>
-              <a:solidFill>
-                <a:prstClr val="white"/>
-              </a:solidFill>
-              <a:effectLst/>
-              <a:uLnTx/>
-              <a:uFillTx/>
-              <a:latin typeface="Calibri" panose="020F0502020204030204"/>
-              <a:ea typeface="+mn-ea"/>
-              <a:cs typeface="+mn-cs"/>
-            </a:endParaRPr>
+            <a:r>
+              <a:rPr lang="en-US" sz="1200" dirty="0"/>
+              <a:t>&gt;&gt; </a:t>
+            </a:r>
+            <a:r>
+              <a:rPr lang="en-US" sz="1200" dirty="0" err="1"/>
+              <a:t>script_test_fcn_geometry_selfCrossProduct</a:t>
+            </a:r>
+            <a:endParaRPr lang="en-US" sz="1200" dirty="0"/>
+          </a:p>
+          <a:p>
+            <a:r>
+              <a:rPr lang="en-US" sz="1200" dirty="0" err="1"/>
+              <a:t>cross_products</a:t>
+            </a:r>
+            <a:r>
+              <a:rPr lang="en-US" sz="1200" dirty="0"/>
+              <a:t> =</a:t>
+            </a:r>
+          </a:p>
+          <a:p>
+            <a:r>
+              <a:rPr lang="en-US" sz="1200" dirty="0"/>
+              <a:t>     0</a:t>
+            </a:r>
+          </a:p>
+          <a:p>
+            <a:r>
+              <a:rPr lang="en-US" sz="1200" dirty="0"/>
+              <a:t>err =</a:t>
+            </a:r>
+          </a:p>
+          <a:p>
+            <a:r>
+              <a:rPr lang="en-US" sz="1200" dirty="0"/>
+              <a:t>     1</a:t>
+            </a:r>
           </a:p>
         </p:txBody>
       </p:sp>
     </p:spTree>
     <p:extLst>
       <p:ext uri="{BB962C8B-B14F-4D97-AF65-F5344CB8AC3E}">
-        <p14:creationId xmlns:p14="http://schemas.microsoft.com/office/powerpoint/2010/main" val="2076360350"/>
+        <p14:creationId xmlns:p14="http://schemas.microsoft.com/office/powerpoint/2010/main" val="626520508"/>
       </p:ext>
     </p:extLst>
   </p:cSld>
   <p:clrMapOvr>
-    <a:overrideClrMapping bg1="dk1" tx1="lt1" bg2="dk2" tx2="lt2" accent1="accent1" accent2="accent2" accent3="accent3" accent4="accent4" accent5="accent5" accent6="accent6" hlink="hlink" folHlink="folHlink"/>
+    <a:masterClrMapping/>
   </p:clrMapOvr>
 </p:sld>
 </file>
@@ -3874,14 +3746,6 @@
 <file path=ppt/slides/slide10.xml><?xml version="1.0" encoding="utf-8"?>
 <p:sld xmlns:a="http://schemas.openxmlformats.org/drawingml/2006/main" xmlns:r="http://schemas.openxmlformats.org/officeDocument/2006/relationships" xmlns:p="http://schemas.openxmlformats.org/presentationml/2006/main">
   <p:cSld>
-    <p:bg>
-      <p:bgPr>
-        <a:solidFill>
-          <a:schemeClr val="bg1"/>
-        </a:solidFill>
-        <a:effectLst/>
-      </p:bgPr>
-    </p:bg>
     <p:spTree>
       <p:nvGrpSpPr>
         <p:cNvPr id="1" name=""/>
@@ -3896,171 +3760,12 @@
           <a:chExt cx="0" cy="0"/>
         </a:xfrm>
       </p:grpSpPr>
-      <p:sp useBgFill="1">
-        <p:nvSpPr>
-          <p:cNvPr id="13" name="Rectangle 9">
-            <a:extLst>
-              <a:ext uri="{FF2B5EF4-FFF2-40B4-BE49-F238E27FC236}">
-                <a16:creationId xmlns:a16="http://schemas.microsoft.com/office/drawing/2014/main" id="{2C9A9DA9-7DC8-488B-A882-123947B0F3D9}"/>
-              </a:ext>
-              <a:ext uri="{C183D7F6-B498-43B3-948B-1728B52AA6E4}">
-                <adec:decorative xmlns:adec="http://schemas.microsoft.com/office/drawing/2017/decorative" val="1"/>
-              </a:ext>
-            </a:extLst>
-          </p:cNvPr>
-          <p:cNvSpPr>
-            <a:spLocks noGrp="1" noRot="1" noChangeAspect="1" noMove="1" noResize="1" noEditPoints="1" noAdjustHandles="1" noChangeArrowheads="1" noChangeShapeType="1" noTextEdit="1"/>
-          </p:cNvSpPr>
-          <p:nvPr>
-            <p:extLst>
-              <p:ext uri="{386F3935-93C4-4BCD-93E2-E3B085C9AB24}">
-                <p16:designElem xmlns:p16="http://schemas.microsoft.com/office/powerpoint/2015/main" val="1"/>
-              </p:ext>
-            </p:extLst>
-          </p:nvPr>
-        </p:nvSpPr>
-        <p:spPr>
-          <a:xfrm>
-            <a:off x="0" y="0"/>
-            <a:ext cx="12192000" cy="6858000"/>
-          </a:xfrm>
-          <a:prstGeom prst="rect">
-            <a:avLst/>
-          </a:prstGeom>
-          <a:ln>
-            <a:noFill/>
-          </a:ln>
-        </p:spPr>
-        <p:style>
-          <a:lnRef idx="2">
-            <a:schemeClr val="accent1">
-              <a:shade val="50000"/>
-            </a:schemeClr>
-          </a:lnRef>
-          <a:fillRef idx="1">
-            <a:schemeClr val="accent1"/>
-          </a:fillRef>
-          <a:effectRef idx="0">
-            <a:schemeClr val="accent1"/>
-          </a:effectRef>
-          <a:fontRef idx="minor">
-            <a:schemeClr val="lt1"/>
-          </a:fontRef>
-        </p:style>
-        <p:txBody>
-          <a:bodyPr rtlCol="0" anchor="ctr"/>
-          <a:lstStyle/>
-          <a:p>
-            <a:pPr algn="ctr"/>
-            <a:endParaRPr lang="en-US"/>
-          </a:p>
-        </p:txBody>
-      </p:sp>
-      <p:sp useBgFill="1">
-        <p:nvSpPr>
-          <p:cNvPr id="12" name="Rectangle 11">
-            <a:extLst>
-              <a:ext uri="{FF2B5EF4-FFF2-40B4-BE49-F238E27FC236}">
-                <a16:creationId xmlns:a16="http://schemas.microsoft.com/office/drawing/2014/main" id="{57F6BDD4-E066-4008-8011-6CC31AEB4556}"/>
-              </a:ext>
-              <a:ext uri="{C183D7F6-B498-43B3-948B-1728B52AA6E4}">
-                <adec:decorative xmlns:adec="http://schemas.microsoft.com/office/drawing/2017/decorative" val="1"/>
-              </a:ext>
-            </a:extLst>
-          </p:cNvPr>
-          <p:cNvSpPr>
-            <a:spLocks noGrp="1" noRot="1" noChangeAspect="1" noMove="1" noResize="1" noEditPoints="1" noAdjustHandles="1" noChangeArrowheads="1" noChangeShapeType="1" noTextEdit="1"/>
-          </p:cNvSpPr>
-          <p:nvPr>
-            <p:extLst>
-              <p:ext uri="{386F3935-93C4-4BCD-93E2-E3B085C9AB24}">
-                <p16:designElem xmlns:p16="http://schemas.microsoft.com/office/powerpoint/2015/main" val="1"/>
-              </p:ext>
-            </p:extLst>
-          </p:nvPr>
-        </p:nvSpPr>
-        <p:spPr>
-          <a:xfrm>
-            <a:off x="409575" y="633619"/>
-            <a:ext cx="4279383" cy="5495925"/>
-          </a:xfrm>
-          <a:prstGeom prst="rect">
-            <a:avLst/>
-          </a:prstGeom>
-          <a:ln w="9525">
-            <a:solidFill>
-              <a:srgbClr val="DEDEDE"/>
-            </a:solidFill>
-          </a:ln>
-          <a:effectLst>
-            <a:outerShdw blurRad="50800" dist="38100" dir="2700000" algn="tl" rotWithShape="0">
-              <a:schemeClr val="bg1">
-                <a:lumMod val="85000"/>
-                <a:alpha val="50000"/>
-              </a:schemeClr>
-            </a:outerShdw>
-          </a:effectLst>
-        </p:spPr>
-        <p:style>
-          <a:lnRef idx="2">
-            <a:schemeClr val="accent1">
-              <a:shade val="50000"/>
-            </a:schemeClr>
-          </a:lnRef>
-          <a:fillRef idx="1">
-            <a:schemeClr val="accent1"/>
-          </a:fillRef>
-          <a:effectRef idx="0">
-            <a:schemeClr val="accent1"/>
-          </a:effectRef>
-          <a:fontRef idx="minor">
-            <a:schemeClr val="lt1"/>
-          </a:fontRef>
-        </p:style>
-        <p:txBody>
-          <a:bodyPr rtlCol="0" anchor="ctr"/>
-          <a:lstStyle/>
-          <a:p>
-            <a:pPr marL="0" marR="0" lvl="0" indent="0" algn="ctr" defTabSz="914400" rtl="0" eaLnBrk="1" fontAlgn="auto" latinLnBrk="0" hangingPunct="1">
-              <a:lnSpc>
-                <a:spcPct val="100000"/>
-              </a:lnSpc>
-              <a:spcBef>
-                <a:spcPts val="0"/>
-              </a:spcBef>
-              <a:spcAft>
-                <a:spcPts val="0"/>
-              </a:spcAft>
-              <a:buClrTx/>
-              <a:buSzTx/>
-              <a:buFontTx/>
-              <a:buNone/>
-              <a:tabLst/>
-              <a:defRPr/>
-            </a:pPr>
-            <a:endParaRPr kumimoji="0" lang="en-US" sz="1800" b="0" i="0" u="none" strike="noStrike" kern="1200" cap="none" spc="0" normalizeH="0" baseline="0" noProof="0">
-              <a:ln>
-                <a:noFill/>
-              </a:ln>
-              <a:solidFill>
-                <a:prstClr val="white"/>
-              </a:solidFill>
-              <a:effectLst/>
-              <a:uLnTx/>
-              <a:uFillTx/>
-              <a:latin typeface="Calibri" panose="020F0502020204030204"/>
-              <a:ea typeface="+mn-ea"/>
-              <a:cs typeface="+mn-cs"/>
-            </a:endParaRPr>
-          </a:p>
-        </p:txBody>
-      </p:sp>
       <p:sp>
         <p:nvSpPr>
           <p:cNvPr id="2" name="Title 1">
             <a:extLst>
               <a:ext uri="{FF2B5EF4-FFF2-40B4-BE49-F238E27FC236}">
-                <a16:creationId xmlns:a16="http://schemas.microsoft.com/office/drawing/2014/main" id="{B34F0260-2901-4D84-AE15-D0FD55317EAC}"/>
+                <a16:creationId xmlns:a16="http://schemas.microsoft.com/office/drawing/2014/main" id="{91FF21CD-EE3E-45FB-AF8C-6994E7B10697}"/>
               </a:ext>
             </a:extLst>
           </p:cNvPr>
@@ -4071,159 +3776,17 @@
             <p:ph type="title"/>
           </p:nvPr>
         </p:nvSpPr>
-        <p:spPr>
-          <a:xfrm>
-            <a:off x="841247" y="978619"/>
-            <a:ext cx="3410712" cy="1106424"/>
-          </a:xfrm>
-        </p:spPr>
+        <p:spPr/>
         <p:txBody>
           <a:bodyPr>
-            <a:normAutofit/>
+            <a:normAutofit fontScale="90000"/>
           </a:bodyPr>
           <a:lstStyle/>
           <a:p>
             <a:r>
-              <a:rPr lang="en-US" sz="1800" dirty="0"/>
-              <a:t>When generating polytopes, the number of results is equal to or less than (usually slightly) than the number of seed points</a:t>
-            </a:r>
-          </a:p>
-        </p:txBody>
-      </p:sp>
-      <p:sp>
-        <p:nvSpPr>
-          <p:cNvPr id="14" name="Rectangle 13">
-            <a:extLst>
-              <a:ext uri="{FF2B5EF4-FFF2-40B4-BE49-F238E27FC236}">
-                <a16:creationId xmlns:a16="http://schemas.microsoft.com/office/drawing/2014/main" id="{2711A8FB-68FC-45FC-B01E-38F809E2D439}"/>
-              </a:ext>
-              <a:ext uri="{C183D7F6-B498-43B3-948B-1728B52AA6E4}">
-                <adec:decorative xmlns:adec="http://schemas.microsoft.com/office/drawing/2017/decorative" val="1"/>
-              </a:ext>
-            </a:extLst>
-          </p:cNvPr>
-          <p:cNvSpPr>
-            <a:spLocks noGrp="1" noRot="1" noChangeAspect="1" noMove="1" noResize="1" noEditPoints="1" noAdjustHandles="1" noChangeArrowheads="1" noChangeShapeType="1" noTextEdit="1"/>
-          </p:cNvSpPr>
-          <p:nvPr>
-            <p:extLst>
-              <p:ext uri="{386F3935-93C4-4BCD-93E2-E3B085C9AB24}">
-                <p16:designElem xmlns:p16="http://schemas.microsoft.com/office/powerpoint/2015/main" val="1"/>
-              </p:ext>
-            </p:extLst>
-          </p:nvPr>
-        </p:nvSpPr>
-        <p:spPr>
-          <a:xfrm>
-            <a:off x="345567" y="1171300"/>
-            <a:ext cx="128016" cy="704088"/>
-          </a:xfrm>
-          <a:prstGeom prst="rect">
-            <a:avLst/>
-          </a:prstGeom>
-          <a:solidFill>
-            <a:schemeClr val="accent2"/>
-          </a:solidFill>
-          <a:ln>
-            <a:noFill/>
-          </a:ln>
-        </p:spPr>
-        <p:style>
-          <a:lnRef idx="2">
-            <a:schemeClr val="accent1">
-              <a:shade val="50000"/>
-            </a:schemeClr>
-          </a:lnRef>
-          <a:fillRef idx="1">
-            <a:schemeClr val="accent1"/>
-          </a:fillRef>
-          <a:effectRef idx="0">
-            <a:schemeClr val="accent1"/>
-          </a:effectRef>
-          <a:fontRef idx="minor">
-            <a:schemeClr val="lt1"/>
-          </a:fontRef>
-        </p:style>
-        <p:txBody>
-          <a:bodyPr rtlCol="0" anchor="ctr"/>
-          <a:lstStyle/>
-          <a:p>
-            <a:pPr algn="ctr"/>
-            <a:endParaRPr lang="en-US">
-              <a:solidFill>
-                <a:prstClr val="white"/>
-              </a:solidFill>
-              <a:latin typeface="Calibri" panose="020F0502020204030204"/>
-            </a:endParaRPr>
-          </a:p>
-        </p:txBody>
-      </p:sp>
-      <p:sp>
-        <p:nvSpPr>
-          <p:cNvPr id="16" name="Rectangle 15">
-            <a:extLst>
-              <a:ext uri="{FF2B5EF4-FFF2-40B4-BE49-F238E27FC236}">
-                <a16:creationId xmlns:a16="http://schemas.microsoft.com/office/drawing/2014/main" id="{2A865FE3-5FC9-4049-87CF-30019C46C0F5}"/>
-              </a:ext>
-              <a:ext uri="{C183D7F6-B498-43B3-948B-1728B52AA6E4}">
-                <adec:decorative xmlns:adec="http://schemas.microsoft.com/office/drawing/2017/decorative" val="1"/>
-              </a:ext>
-            </a:extLst>
-          </p:cNvPr>
-          <p:cNvSpPr>
-            <a:spLocks noGrp="1" noRot="1" noChangeAspect="1" noMove="1" noResize="1" noEditPoints="1" noAdjustHandles="1" noChangeArrowheads="1" noChangeShapeType="1" noTextEdit="1"/>
-          </p:cNvSpPr>
-          <p:nvPr>
-            <p:extLst>
-              <p:ext uri="{386F3935-93C4-4BCD-93E2-E3B085C9AB24}">
-                <p16:designElem xmlns:p16="http://schemas.microsoft.com/office/powerpoint/2015/main" val="1"/>
-              </p:ext>
-            </p:extLst>
-          </p:nvPr>
-        </p:nvSpPr>
-        <p:spPr>
-          <a:xfrm>
-            <a:off x="877459" y="2093976"/>
-            <a:ext cx="3328416" cy="9144"/>
-          </a:xfrm>
-          <a:prstGeom prst="rect">
-            <a:avLst/>
-          </a:prstGeom>
-          <a:solidFill>
-            <a:srgbClr val="D5D5D5"/>
-          </a:solidFill>
-          <a:ln w="3175">
-            <a:noFill/>
-          </a:ln>
-          <a:effectLst/>
-        </p:spPr>
-        <p:style>
-          <a:lnRef idx="2">
-            <a:schemeClr val="accent1">
-              <a:shade val="50000"/>
-            </a:schemeClr>
-          </a:lnRef>
-          <a:fillRef idx="1">
-            <a:schemeClr val="accent1"/>
-          </a:fillRef>
-          <a:effectRef idx="0">
-            <a:schemeClr val="accent1"/>
-          </a:effectRef>
-          <a:fontRef idx="minor">
-            <a:schemeClr val="lt1"/>
-          </a:fontRef>
-        </p:style>
-        <p:txBody>
-          <a:bodyPr rtlCol="0" anchor="ctr"/>
-          <a:lstStyle/>
-          <a:p>
-            <a:pPr algn="ctr"/>
-            <a:endParaRPr lang="en-US">
-              <a:solidFill>
-                <a:prstClr val="white"/>
-              </a:solidFill>
-              <a:latin typeface="Calibri" panose="020F0502020204030204"/>
-            </a:endParaRPr>
+              <a:rPr lang="en-US" dirty="0"/>
+              <a:t>Obstacle radius is defined as the distance from an obstacle's centroid to its furthest vertex.</a:t>
+            </a:r>
           </a:p>
         </p:txBody>
       </p:sp>
@@ -4232,7 +3795,7 @@
           <p:cNvPr id="3" name="Content Placeholder 2">
             <a:extLst>
               <a:ext uri="{FF2B5EF4-FFF2-40B4-BE49-F238E27FC236}">
-                <a16:creationId xmlns:a16="http://schemas.microsoft.com/office/drawing/2014/main" id="{F898CA3F-C285-4D78-A18A-3FDF42A58C61}"/>
+                <a16:creationId xmlns:a16="http://schemas.microsoft.com/office/drawing/2014/main" id="{A7C17ED6-E98F-4CCD-B80C-D51F01B15BE5}"/>
               </a:ext>
             </a:extLst>
           </p:cNvPr>
@@ -4243,62 +3806,25 @@
             <p:ph idx="1"/>
           </p:nvPr>
         </p:nvSpPr>
-        <p:spPr>
-          <a:xfrm>
-            <a:off x="841248" y="2252870"/>
-            <a:ext cx="3412219" cy="3560251"/>
-          </a:xfrm>
-        </p:spPr>
+        <p:spPr/>
         <p:txBody>
-          <a:bodyPr>
-            <a:normAutofit/>
-          </a:bodyPr>
+          <a:bodyPr/>
           <a:lstStyle/>
           <a:p>
             <a:pPr marL="0" indent="0">
               <a:buNone/>
             </a:pPr>
             <a:r>
-              <a:rPr lang="en-US" sz="1700" dirty="0"/>
-              <a:t>Some polytopes along edges extend out of the region and are deleted, resulting in fewer polytopes than seeds</a:t>
+              <a:rPr lang="en-US" dirty="0"/>
+              <a:t>The average obstacle radius is the average of all obstacles being considered. </a:t>
             </a:r>
           </a:p>
         </p:txBody>
       </p:sp>
-      <p:pic>
-        <p:nvPicPr>
-          <p:cNvPr id="5" name="Picture 4">
-            <a:extLst>
-              <a:ext uri="{FF2B5EF4-FFF2-40B4-BE49-F238E27FC236}">
-                <a16:creationId xmlns:a16="http://schemas.microsoft.com/office/drawing/2014/main" id="{D0339ECB-8C43-4472-B6B9-E10E2DE42112}"/>
-              </a:ext>
-            </a:extLst>
-          </p:cNvPr>
-          <p:cNvPicPr>
-            <a:picLocks noChangeAspect="1"/>
-          </p:cNvPicPr>
-          <p:nvPr/>
-        </p:nvPicPr>
-        <p:blipFill>
-          <a:blip r:embed="rId2"/>
-          <a:stretch>
-            <a:fillRect/>
-          </a:stretch>
-        </p:blipFill>
-        <p:spPr>
-          <a:xfrm>
-            <a:off x="5120640" y="882396"/>
-            <a:ext cx="6656832" cy="4992624"/>
-          </a:xfrm>
-          <a:prstGeom prst="rect">
-            <a:avLst/>
-          </a:prstGeom>
-        </p:spPr>
-      </p:pic>
     </p:spTree>
     <p:extLst>
       <p:ext uri="{BB962C8B-B14F-4D97-AF65-F5344CB8AC3E}">
-        <p14:creationId xmlns:p14="http://schemas.microsoft.com/office/powerpoint/2010/main" val="3166923297"/>
+        <p14:creationId xmlns:p14="http://schemas.microsoft.com/office/powerpoint/2010/main" val="2859992450"/>
       </p:ext>
     </p:extLst>
   </p:cSld>
@@ -4343,12 +3869,14 @@
         </p:nvSpPr>
         <p:spPr/>
         <p:txBody>
-          <a:bodyPr/>
+          <a:bodyPr>
+            <a:normAutofit fontScale="90000"/>
+          </a:bodyPr>
           <a:lstStyle/>
           <a:p>
             <a:r>
               <a:rPr lang="en-US" dirty="0"/>
-              <a:t>There are defining properties of each map with respect to obstacles</a:t>
+              <a:t>The standard deviation in obstacle radius is the standard deviation of those obstacle radius values.</a:t>
             </a:r>
           </a:p>
         </p:txBody>
@@ -4369,12 +3897,7 @@
             <p:ph idx="1"/>
           </p:nvPr>
         </p:nvSpPr>
-        <p:spPr>
-          <a:xfrm>
-            <a:off x="838200" y="1825625"/>
-            <a:ext cx="3409950" cy="4351338"/>
-          </a:xfrm>
-        </p:spPr>
+        <p:spPr/>
         <p:txBody>
           <a:bodyPr/>
           <a:lstStyle/>
@@ -4382,329 +3905,14 @@
             <a:pPr marL="0" indent="0">
               <a:buNone/>
             </a:pPr>
-            <a:r>
-              <a:rPr lang="en-US" dirty="0"/>
-              <a:t>The maps generated in this function are constrained by three main factors:</a:t>
-            </a:r>
-          </a:p>
-          <a:p>
-            <a:pPr marL="514350" indent="-514350">
-              <a:buFont typeface="+mj-lt"/>
-              <a:buAutoNum type="arabicPeriod"/>
-            </a:pPr>
-            <a:r>
-              <a:rPr lang="en-US" dirty="0"/>
-              <a:t>point density, </a:t>
-            </a:r>
-          </a:p>
-          <a:p>
-            <a:pPr marL="514350" indent="-514350">
-              <a:buFont typeface="+mj-lt"/>
-              <a:buAutoNum type="arabicPeriod"/>
-            </a:pPr>
-            <a:r>
-              <a:rPr lang="en-US" dirty="0"/>
-              <a:t>average obstacle radius, and </a:t>
-            </a:r>
-          </a:p>
-          <a:p>
-            <a:pPr marL="514350" indent="-514350">
-              <a:buFont typeface="+mj-lt"/>
-              <a:buAutoNum type="arabicPeriod"/>
-            </a:pPr>
-            <a:r>
-              <a:rPr lang="en-US" dirty="0"/>
-              <a:t>standard deviation in obstacle radius. </a:t>
-            </a:r>
-          </a:p>
-        </p:txBody>
-      </p:sp>
-      <p:sp>
-        <p:nvSpPr>
-          <p:cNvPr id="4" name="Content Placeholder 2">
-            <a:extLst>
-              <a:ext uri="{FF2B5EF4-FFF2-40B4-BE49-F238E27FC236}">
-                <a16:creationId xmlns:a16="http://schemas.microsoft.com/office/drawing/2014/main" id="{EB0469DA-F1B5-43E6-BC81-729DF5541C5D}"/>
-              </a:ext>
-            </a:extLst>
-          </p:cNvPr>
-          <p:cNvSpPr txBox="1">
-            <a:spLocks/>
-          </p:cNvSpPr>
-          <p:nvPr/>
-        </p:nvSpPr>
-        <p:spPr>
-          <a:xfrm>
-            <a:off x="5515708" y="2203937"/>
-            <a:ext cx="6676292" cy="2976563"/>
-          </a:xfrm>
-          <a:prstGeom prst="rect">
-            <a:avLst/>
-          </a:prstGeom>
-        </p:spPr>
-        <p:txBody>
-          <a:bodyPr vert="horz" lIns="91440" tIns="45720" rIns="91440" bIns="45720" rtlCol="0">
-            <a:normAutofit/>
-          </a:bodyPr>
-          <a:lstStyle>
-            <a:lvl1pPr marL="228600" indent="-228600" algn="l" defTabSz="914400" rtl="0" eaLnBrk="1" latinLnBrk="0" hangingPunct="1">
-              <a:lnSpc>
-                <a:spcPct val="90000"/>
-              </a:lnSpc>
-              <a:spcBef>
-                <a:spcPts val="1000"/>
-              </a:spcBef>
-              <a:buFont typeface="Arial" panose="020B0604020202020204" pitchFamily="34" charset="0"/>
-              <a:buChar char="•"/>
-              <a:defRPr sz="2800" kern="1200">
-                <a:solidFill>
-                  <a:schemeClr val="tx1"/>
-                </a:solidFill>
-                <a:latin typeface="+mn-lt"/>
-                <a:ea typeface="+mn-ea"/>
-                <a:cs typeface="+mn-cs"/>
-              </a:defRPr>
-            </a:lvl1pPr>
-            <a:lvl2pPr marL="685800" indent="-228600" algn="l" defTabSz="914400" rtl="0" eaLnBrk="1" latinLnBrk="0" hangingPunct="1">
-              <a:lnSpc>
-                <a:spcPct val="90000"/>
-              </a:lnSpc>
-              <a:spcBef>
-                <a:spcPts val="500"/>
-              </a:spcBef>
-              <a:buFont typeface="Arial" panose="020B0604020202020204" pitchFamily="34" charset="0"/>
-              <a:buChar char="•"/>
-              <a:defRPr sz="2400" kern="1200">
-                <a:solidFill>
-                  <a:schemeClr val="tx1"/>
-                </a:solidFill>
-                <a:latin typeface="+mn-lt"/>
-                <a:ea typeface="+mn-ea"/>
-                <a:cs typeface="+mn-cs"/>
-              </a:defRPr>
-            </a:lvl2pPr>
-            <a:lvl3pPr marL="1143000" indent="-228600" algn="l" defTabSz="914400" rtl="0" eaLnBrk="1" latinLnBrk="0" hangingPunct="1">
-              <a:lnSpc>
-                <a:spcPct val="90000"/>
-              </a:lnSpc>
-              <a:spcBef>
-                <a:spcPts val="500"/>
-              </a:spcBef>
-              <a:buFont typeface="Arial" panose="020B0604020202020204" pitchFamily="34" charset="0"/>
-              <a:buChar char="•"/>
-              <a:defRPr sz="2000" kern="1200">
-                <a:solidFill>
-                  <a:schemeClr val="tx1"/>
-                </a:solidFill>
-                <a:latin typeface="+mn-lt"/>
-                <a:ea typeface="+mn-ea"/>
-                <a:cs typeface="+mn-cs"/>
-              </a:defRPr>
-            </a:lvl3pPr>
-            <a:lvl4pPr marL="1600200" indent="-228600" algn="l" defTabSz="914400" rtl="0" eaLnBrk="1" latinLnBrk="0" hangingPunct="1">
-              <a:lnSpc>
-                <a:spcPct val="90000"/>
-              </a:lnSpc>
-              <a:spcBef>
-                <a:spcPts val="500"/>
-              </a:spcBef>
-              <a:buFont typeface="Arial" panose="020B0604020202020204" pitchFamily="34" charset="0"/>
-              <a:buChar char="•"/>
-              <a:defRPr sz="1800" kern="1200">
-                <a:solidFill>
-                  <a:schemeClr val="tx1"/>
-                </a:solidFill>
-                <a:latin typeface="+mn-lt"/>
-                <a:ea typeface="+mn-ea"/>
-                <a:cs typeface="+mn-cs"/>
-              </a:defRPr>
-            </a:lvl4pPr>
-            <a:lvl5pPr marL="2057400" indent="-228600" algn="l" defTabSz="914400" rtl="0" eaLnBrk="1" latinLnBrk="0" hangingPunct="1">
-              <a:lnSpc>
-                <a:spcPct val="90000"/>
-              </a:lnSpc>
-              <a:spcBef>
-                <a:spcPts val="500"/>
-              </a:spcBef>
-              <a:buFont typeface="Arial" panose="020B0604020202020204" pitchFamily="34" charset="0"/>
-              <a:buChar char="•"/>
-              <a:defRPr sz="1800" kern="1200">
-                <a:solidFill>
-                  <a:schemeClr val="tx1"/>
-                </a:solidFill>
-                <a:latin typeface="+mn-lt"/>
-                <a:ea typeface="+mn-ea"/>
-                <a:cs typeface="+mn-cs"/>
-              </a:defRPr>
-            </a:lvl5pPr>
-            <a:lvl6pPr marL="2514600" indent="-228600" algn="l" defTabSz="914400" rtl="0" eaLnBrk="1" latinLnBrk="0" hangingPunct="1">
-              <a:lnSpc>
-                <a:spcPct val="90000"/>
-              </a:lnSpc>
-              <a:spcBef>
-                <a:spcPts val="500"/>
-              </a:spcBef>
-              <a:buFont typeface="Arial" panose="020B0604020202020204" pitchFamily="34" charset="0"/>
-              <a:buChar char="•"/>
-              <a:defRPr sz="1800" kern="1200">
-                <a:solidFill>
-                  <a:schemeClr val="tx1"/>
-                </a:solidFill>
-                <a:latin typeface="+mn-lt"/>
-                <a:ea typeface="+mn-ea"/>
-                <a:cs typeface="+mn-cs"/>
-              </a:defRPr>
-            </a:lvl6pPr>
-            <a:lvl7pPr marL="2971800" indent="-228600" algn="l" defTabSz="914400" rtl="0" eaLnBrk="1" latinLnBrk="0" hangingPunct="1">
-              <a:lnSpc>
-                <a:spcPct val="90000"/>
-              </a:lnSpc>
-              <a:spcBef>
-                <a:spcPts val="500"/>
-              </a:spcBef>
-              <a:buFont typeface="Arial" panose="020B0604020202020204" pitchFamily="34" charset="0"/>
-              <a:buChar char="•"/>
-              <a:defRPr sz="1800" kern="1200">
-                <a:solidFill>
-                  <a:schemeClr val="tx1"/>
-                </a:solidFill>
-                <a:latin typeface="+mn-lt"/>
-                <a:ea typeface="+mn-ea"/>
-                <a:cs typeface="+mn-cs"/>
-              </a:defRPr>
-            </a:lvl7pPr>
-            <a:lvl8pPr marL="3429000" indent="-228600" algn="l" defTabSz="914400" rtl="0" eaLnBrk="1" latinLnBrk="0" hangingPunct="1">
-              <a:lnSpc>
-                <a:spcPct val="90000"/>
-              </a:lnSpc>
-              <a:spcBef>
-                <a:spcPts val="500"/>
-              </a:spcBef>
-              <a:buFont typeface="Arial" panose="020B0604020202020204" pitchFamily="34" charset="0"/>
-              <a:buChar char="•"/>
-              <a:defRPr sz="1800" kern="1200">
-                <a:solidFill>
-                  <a:schemeClr val="tx1"/>
-                </a:solidFill>
-                <a:latin typeface="+mn-lt"/>
-                <a:ea typeface="+mn-ea"/>
-                <a:cs typeface="+mn-cs"/>
-              </a:defRPr>
-            </a:lvl8pPr>
-            <a:lvl9pPr marL="3886200" indent="-228600" algn="l" defTabSz="914400" rtl="0" eaLnBrk="1" latinLnBrk="0" hangingPunct="1">
-              <a:lnSpc>
-                <a:spcPct val="90000"/>
-              </a:lnSpc>
-              <a:spcBef>
-                <a:spcPts val="500"/>
-              </a:spcBef>
-              <a:buFont typeface="Arial" panose="020B0604020202020204" pitchFamily="34" charset="0"/>
-              <a:buChar char="•"/>
-              <a:defRPr sz="1800" kern="1200">
-                <a:solidFill>
-                  <a:schemeClr val="tx1"/>
-                </a:solidFill>
-                <a:latin typeface="+mn-lt"/>
-                <a:ea typeface="+mn-ea"/>
-                <a:cs typeface="+mn-cs"/>
-              </a:defRPr>
-            </a:lvl9pPr>
-          </a:lstStyle>
-          <a:p>
-            <a:pPr marL="0" indent="0">
-              <a:buFont typeface="Arial" panose="020B0604020202020204" pitchFamily="34" charset="0"/>
-              <a:buNone/>
-            </a:pPr>
-            <a:r>
-              <a:rPr lang="en-US"/>
-              <a:t>The image below shows three maps with variations in these three parameters</a:t>
-            </a:r>
             <a:endParaRPr lang="en-US" dirty="0"/>
-          </a:p>
-        </p:txBody>
-      </p:sp>
-      <p:pic>
-        <p:nvPicPr>
-          <p:cNvPr id="5" name="Picture 4">
-            <a:extLst>
-              <a:ext uri="{FF2B5EF4-FFF2-40B4-BE49-F238E27FC236}">
-                <a16:creationId xmlns:a16="http://schemas.microsoft.com/office/drawing/2014/main" id="{55AA7D4C-4722-41B6-904A-F03AB28F2EC7}"/>
-              </a:ext>
-            </a:extLst>
-          </p:cNvPr>
-          <p:cNvPicPr>
-            <a:picLocks noChangeAspect="1"/>
-          </p:cNvPicPr>
-          <p:nvPr/>
-        </p:nvPicPr>
-        <p:blipFill>
-          <a:blip r:embed="rId2" cstate="email">
-            <a:extLst>
-              <a:ext uri="{28A0092B-C50C-407E-A947-70E740481C1C}">
-                <a14:useLocalDpi xmlns:a14="http://schemas.microsoft.com/office/drawing/2010/main"/>
-              </a:ext>
-            </a:extLst>
-          </a:blip>
-          <a:stretch>
-            <a:fillRect/>
-          </a:stretch>
-        </p:blipFill>
-        <p:spPr>
-          <a:xfrm>
-            <a:off x="4865988" y="3203974"/>
-            <a:ext cx="6804335" cy="2193525"/>
-          </a:xfrm>
-          <a:prstGeom prst="rect">
-            <a:avLst/>
-          </a:prstGeom>
-        </p:spPr>
-      </p:pic>
-      <p:sp>
-        <p:nvSpPr>
-          <p:cNvPr id="6" name="Rectangle 5">
-            <a:extLst>
-              <a:ext uri="{FF2B5EF4-FFF2-40B4-BE49-F238E27FC236}">
-                <a16:creationId xmlns:a16="http://schemas.microsoft.com/office/drawing/2014/main" id="{BE133207-D2CB-4F57-9EB8-AFF19B171586}"/>
-              </a:ext>
-            </a:extLst>
-          </p:cNvPr>
-          <p:cNvSpPr/>
-          <p:nvPr/>
-        </p:nvSpPr>
-        <p:spPr>
-          <a:xfrm>
-            <a:off x="5515708" y="5397499"/>
-            <a:ext cx="6096000" cy="1015663"/>
-          </a:xfrm>
-          <a:prstGeom prst="rect">
-            <a:avLst/>
-          </a:prstGeom>
-        </p:spPr>
-        <p:txBody>
-          <a:bodyPr>
-            <a:spAutoFit/>
-          </a:bodyPr>
-          <a:lstStyle/>
-          <a:p>
-            <a:r>
-              <a:rPr lang="en-US" sz="1200" dirty="0">
-                <a:solidFill>
-                  <a:srgbClr val="ADBAC7"/>
-                </a:solidFill>
-                <a:latin typeface="+mj-lt"/>
-              </a:rPr>
-              <a:t>Maps (a) and (b) have point densities of 75 points per square kilometer, and map (c) has a point density of 150 points per square kilometer. Maps (a) and (b) have average obstacle radii of 50 meters, and map (c) has an average obstacle radius of 30 meters. Maps (a) and (c) have standard deviations in obstacle radius of 0, and map (b) has a standard deviation in obstacle radius of 20 meters.</a:t>
-            </a:r>
-            <a:endParaRPr lang="en-US" sz="1200" dirty="0">
-              <a:latin typeface="+mj-lt"/>
-            </a:endParaRPr>
           </a:p>
         </p:txBody>
       </p:sp>
     </p:spTree>
     <p:extLst>
       <p:ext uri="{BB962C8B-B14F-4D97-AF65-F5344CB8AC3E}">
-        <p14:creationId xmlns:p14="http://schemas.microsoft.com/office/powerpoint/2010/main" val="4220504866"/>
+        <p14:creationId xmlns:p14="http://schemas.microsoft.com/office/powerpoint/2010/main" val="1536397737"/>
       </p:ext>
     </p:extLst>
   </p:cSld>
@@ -4736,7 +3944,7 @@
           <p:cNvPr id="2" name="Title 1">
             <a:extLst>
               <a:ext uri="{FF2B5EF4-FFF2-40B4-BE49-F238E27FC236}">
-                <a16:creationId xmlns:a16="http://schemas.microsoft.com/office/drawing/2014/main" id="{91FF21CD-EE3E-45FB-AF8C-6994E7B10697}"/>
+                <a16:creationId xmlns:a16="http://schemas.microsoft.com/office/drawing/2014/main" id="{3E9ADC98-84CB-4771-882B-988B9197E7B2}"/>
               </a:ext>
             </a:extLst>
           </p:cNvPr>
@@ -4749,51 +3957,909 @@
         </p:nvSpPr>
         <p:spPr/>
         <p:txBody>
-          <a:bodyPr/>
+          <a:bodyPr>
+            <a:normAutofit fontScale="90000"/>
+          </a:bodyPr>
           <a:lstStyle/>
           <a:p>
             <a:r>
               <a:rPr lang="en-US" dirty="0"/>
-              <a:t>The point density is defined as the number of obstacles (or points) per unit area</a:t>
-            </a:r>
+              <a:t>The process of generating tiled obstacle polytopes uses 3 steps: initial tiling, trimming edges, and then shrinking the </a:t>
+            </a:r>
+            <a:r>
+              <a:rPr lang="en-US" dirty="0" err="1"/>
+              <a:t>poloytopes</a:t>
+            </a:r>
+            <a:r>
+              <a:rPr lang="en-US" dirty="0"/>
+              <a:t> down</a:t>
+            </a:r>
+            <a:endParaRPr lang="en-US" dirty="0">
+              <a:solidFill>
+                <a:srgbClr val="00B050"/>
+              </a:solidFill>
+            </a:endParaRPr>
           </a:p>
         </p:txBody>
       </p:sp>
       <p:sp>
         <p:nvSpPr>
-          <p:cNvPr id="3" name="Content Placeholder 2">
-            <a:extLst>
-              <a:ext uri="{FF2B5EF4-FFF2-40B4-BE49-F238E27FC236}">
-                <a16:creationId xmlns:a16="http://schemas.microsoft.com/office/drawing/2014/main" id="{A7C17ED6-E98F-4CCD-B80C-D51F01B15BE5}"/>
-              </a:ext>
-            </a:extLst>
-          </p:cNvPr>
-          <p:cNvSpPr>
-            <a:spLocks noGrp="1"/>
-          </p:cNvSpPr>
-          <p:nvPr>
-            <p:ph idx="1"/>
-          </p:nvPr>
+          <p:cNvPr id="5" name="Rectangle 4">
+            <a:extLst>
+              <a:ext uri="{FF2B5EF4-FFF2-40B4-BE49-F238E27FC236}">
+                <a16:creationId xmlns:a16="http://schemas.microsoft.com/office/drawing/2014/main" id="{64651144-0D16-4D91-853E-F97B55A62C7A}"/>
+              </a:ext>
+            </a:extLst>
+          </p:cNvPr>
+          <p:cNvSpPr/>
+          <p:nvPr/>
         </p:nvSpPr>
-        <p:spPr/>
+        <p:spPr>
+          <a:xfrm>
+            <a:off x="6629400" y="1937782"/>
+            <a:ext cx="5291769" cy="4555093"/>
+          </a:xfrm>
+          <a:prstGeom prst="rect">
+            <a:avLst/>
+          </a:prstGeom>
+          <a:solidFill>
+            <a:schemeClr val="accent4">
+              <a:lumMod val="20000"/>
+              <a:lumOff val="80000"/>
+            </a:schemeClr>
+          </a:solidFill>
+        </p:spPr>
         <p:txBody>
-          <a:bodyPr/>
+          <a:bodyPr wrap="square">
+            <a:spAutoFit/>
+          </a:bodyPr>
           <a:lstStyle/>
           <a:p>
-            <a:pPr marL="0" indent="0">
-              <a:buNone/>
-            </a:pPr>
-            <a:r>
-              <a:rPr lang="en-US" dirty="0"/>
-              <a:t>This describes how close the obstacles are to one another. </a:t>
+            <a:r>
+              <a:rPr lang="en-US" sz="1000" dirty="0">
+                <a:solidFill>
+                  <a:srgbClr val="028009"/>
+                </a:solidFill>
+                <a:latin typeface="Courier New" panose="02070309020205020404" pitchFamily="49" charset="0"/>
+              </a:rPr>
+              <a:t>%% Show how the maps can be trimmed, shrunk, </a:t>
+            </a:r>
+            <a:r>
+              <a:rPr lang="en-US" sz="1000" dirty="0" err="1">
+                <a:solidFill>
+                  <a:srgbClr val="028009"/>
+                </a:solidFill>
+                <a:latin typeface="Courier New" panose="02070309020205020404" pitchFamily="49" charset="0"/>
+              </a:rPr>
+              <a:t>etc</a:t>
+            </a:r>
+            <a:endParaRPr lang="en-US" sz="1000" dirty="0">
+              <a:solidFill>
+                <a:srgbClr val="028009"/>
+              </a:solidFill>
+              <a:latin typeface="Courier New" panose="02070309020205020404" pitchFamily="49" charset="0"/>
+            </a:endParaRPr>
+          </a:p>
+          <a:p>
+            <a:r>
+              <a:rPr lang="en-US" sz="1000" dirty="0">
+                <a:solidFill>
+                  <a:srgbClr val="028009"/>
+                </a:solidFill>
+                <a:latin typeface="Courier New" panose="02070309020205020404" pitchFamily="49" charset="0"/>
+              </a:rPr>
+              <a:t>% Generate a set of polytopes from the Halton set</a:t>
+            </a:r>
+          </a:p>
+          <a:p>
+            <a:r>
+              <a:rPr lang="en-US" sz="1000" dirty="0" err="1">
+                <a:solidFill>
+                  <a:srgbClr val="000000"/>
+                </a:solidFill>
+                <a:latin typeface="Courier New" panose="02070309020205020404" pitchFamily="49" charset="0"/>
+              </a:rPr>
+              <a:t>fig_num</a:t>
+            </a:r>
+            <a:r>
+              <a:rPr lang="en-US" sz="1000" dirty="0">
+                <a:solidFill>
+                  <a:srgbClr val="000000"/>
+                </a:solidFill>
+                <a:latin typeface="Courier New" panose="02070309020205020404" pitchFamily="49" charset="0"/>
+              </a:rPr>
+              <a:t> = 21;</a:t>
+            </a:r>
+          </a:p>
+          <a:p>
+            <a:r>
+              <a:rPr lang="en-US" sz="1000" dirty="0" err="1">
+                <a:solidFill>
+                  <a:srgbClr val="000000"/>
+                </a:solidFill>
+                <a:latin typeface="Courier New" panose="02070309020205020404" pitchFamily="49" charset="0"/>
+              </a:rPr>
+              <a:t>Halton_range</a:t>
+            </a:r>
+            <a:r>
+              <a:rPr lang="en-US" sz="1000" dirty="0">
+                <a:solidFill>
+                  <a:srgbClr val="000000"/>
+                </a:solidFill>
+                <a:latin typeface="Courier New" panose="02070309020205020404" pitchFamily="49" charset="0"/>
+              </a:rPr>
+              <a:t> = [1 200]; </a:t>
+            </a:r>
+            <a:r>
+              <a:rPr lang="en-US" sz="1000" dirty="0">
+                <a:solidFill>
+                  <a:srgbClr val="028009"/>
+                </a:solidFill>
+                <a:latin typeface="Courier New" panose="02070309020205020404" pitchFamily="49" charset="0"/>
+              </a:rPr>
+              <a:t>% range of Halton points to use to generate the tiling</a:t>
+            </a:r>
+          </a:p>
+          <a:p>
+            <a:r>
+              <a:rPr lang="en-US" sz="1000" dirty="0" err="1">
+                <a:solidFill>
+                  <a:srgbClr val="000000"/>
+                </a:solidFill>
+                <a:latin typeface="Courier New" panose="02070309020205020404" pitchFamily="49" charset="0"/>
+              </a:rPr>
+              <a:t>tiled_polytopes</a:t>
+            </a:r>
+            <a:r>
+              <a:rPr lang="en-US" sz="1000" dirty="0">
+                <a:solidFill>
+                  <a:srgbClr val="000000"/>
+                </a:solidFill>
+                <a:latin typeface="Courier New" panose="02070309020205020404" pitchFamily="49" charset="0"/>
+              </a:rPr>
+              <a:t> = </a:t>
+            </a:r>
+            <a:r>
+              <a:rPr lang="en-US" sz="1000" dirty="0" err="1">
+                <a:solidFill>
+                  <a:srgbClr val="000000"/>
+                </a:solidFill>
+                <a:latin typeface="Courier New" panose="02070309020205020404" pitchFamily="49" charset="0"/>
+              </a:rPr>
+              <a:t>fcn_MapGen_haltonVoronoiTiling</a:t>
+            </a:r>
+            <a:r>
+              <a:rPr lang="en-US" sz="1000" dirty="0">
+                <a:solidFill>
+                  <a:srgbClr val="000000"/>
+                </a:solidFill>
+                <a:latin typeface="Courier New" panose="02070309020205020404" pitchFamily="49" charset="0"/>
+              </a:rPr>
+              <a:t>(</a:t>
+            </a:r>
+            <a:r>
+              <a:rPr lang="en-US" sz="1000" dirty="0" err="1">
+                <a:solidFill>
+                  <a:srgbClr val="000000"/>
+                </a:solidFill>
+                <a:latin typeface="Courier New" panose="02070309020205020404" pitchFamily="49" charset="0"/>
+              </a:rPr>
+              <a:t>Halton_range</a:t>
+            </a:r>
+            <a:r>
+              <a:rPr lang="en-US" sz="1000" dirty="0">
+                <a:solidFill>
+                  <a:srgbClr val="000000"/>
+                </a:solidFill>
+                <a:latin typeface="Courier New" panose="02070309020205020404" pitchFamily="49" charset="0"/>
+              </a:rPr>
+              <a:t>,[1 1],</a:t>
+            </a:r>
+            <a:r>
+              <a:rPr lang="en-US" sz="1000" dirty="0" err="1">
+                <a:solidFill>
+                  <a:srgbClr val="000000"/>
+                </a:solidFill>
+                <a:latin typeface="Courier New" panose="02070309020205020404" pitchFamily="49" charset="0"/>
+              </a:rPr>
+              <a:t>fig_num</a:t>
+            </a:r>
+            <a:r>
+              <a:rPr lang="en-US" sz="1000" dirty="0">
+                <a:solidFill>
+                  <a:srgbClr val="000000"/>
+                </a:solidFill>
+                <a:latin typeface="Courier New" panose="02070309020205020404" pitchFamily="49" charset="0"/>
+              </a:rPr>
+              <a:t>);</a:t>
+            </a:r>
+          </a:p>
+          <a:p>
+            <a:r>
+              <a:rPr lang="en-US" sz="1000" dirty="0">
+                <a:solidFill>
+                  <a:srgbClr val="000000"/>
+                </a:solidFill>
+                <a:latin typeface="Courier New" panose="02070309020205020404" pitchFamily="49" charset="0"/>
+              </a:rPr>
+              <a:t> </a:t>
+            </a:r>
+          </a:p>
+          <a:p>
+            <a:r>
+              <a:rPr lang="en-US" sz="1000" dirty="0">
+                <a:solidFill>
+                  <a:srgbClr val="028009"/>
+                </a:solidFill>
+                <a:latin typeface="Courier New" panose="02070309020205020404" pitchFamily="49" charset="0"/>
+              </a:rPr>
+              <a:t>% Plot the polytopes</a:t>
+            </a:r>
+          </a:p>
+          <a:p>
+            <a:r>
+              <a:rPr lang="en-US" sz="1000" dirty="0" err="1">
+                <a:solidFill>
+                  <a:srgbClr val="000000"/>
+                </a:solidFill>
+                <a:latin typeface="Courier New" panose="02070309020205020404" pitchFamily="49" charset="0"/>
+              </a:rPr>
+              <a:t>fig_num</a:t>
+            </a:r>
+            <a:r>
+              <a:rPr lang="en-US" sz="1000" dirty="0">
+                <a:solidFill>
+                  <a:srgbClr val="000000"/>
+                </a:solidFill>
+                <a:latin typeface="Courier New" panose="02070309020205020404" pitchFamily="49" charset="0"/>
+              </a:rPr>
+              <a:t> = 22;</a:t>
+            </a:r>
+          </a:p>
+          <a:p>
+            <a:r>
+              <a:rPr lang="en-US" sz="1000" dirty="0" err="1">
+                <a:solidFill>
+                  <a:srgbClr val="000000"/>
+                </a:solidFill>
+                <a:latin typeface="Courier New" panose="02070309020205020404" pitchFamily="49" charset="0"/>
+              </a:rPr>
+              <a:t>line_width</a:t>
+            </a:r>
+            <a:r>
+              <a:rPr lang="en-US" sz="1000" dirty="0">
+                <a:solidFill>
+                  <a:srgbClr val="000000"/>
+                </a:solidFill>
+                <a:latin typeface="Courier New" panose="02070309020205020404" pitchFamily="49" charset="0"/>
+              </a:rPr>
+              <a:t> = 2;</a:t>
+            </a:r>
+          </a:p>
+          <a:p>
+            <a:r>
+              <a:rPr lang="fr-FR" sz="1000" dirty="0" err="1">
+                <a:solidFill>
+                  <a:srgbClr val="000000"/>
+                </a:solidFill>
+                <a:latin typeface="Courier New" panose="02070309020205020404" pitchFamily="49" charset="0"/>
+              </a:rPr>
+              <a:t>axis_limits</a:t>
+            </a:r>
+            <a:r>
+              <a:rPr lang="fr-FR" sz="1000" dirty="0">
+                <a:solidFill>
+                  <a:srgbClr val="000000"/>
+                </a:solidFill>
+                <a:latin typeface="Courier New" panose="02070309020205020404" pitchFamily="49" charset="0"/>
+              </a:rPr>
+              <a:t> = [0 1 0 1];</a:t>
+            </a:r>
+          </a:p>
+          <a:p>
+            <a:r>
+              <a:rPr lang="en-US" sz="1000" dirty="0" err="1">
+                <a:solidFill>
+                  <a:srgbClr val="000000"/>
+                </a:solidFill>
+                <a:latin typeface="Courier New" panose="02070309020205020404" pitchFamily="49" charset="0"/>
+              </a:rPr>
+              <a:t>fcn_MapGen_plotPolytopes</a:t>
+            </a:r>
+            <a:r>
+              <a:rPr lang="en-US" sz="1000" dirty="0">
+                <a:solidFill>
+                  <a:srgbClr val="000000"/>
+                </a:solidFill>
+                <a:latin typeface="Courier New" panose="02070309020205020404" pitchFamily="49" charset="0"/>
+              </a:rPr>
+              <a:t>(tiled_polytopes,fig_num,</a:t>
+            </a:r>
+            <a:r>
+              <a:rPr lang="en-US" sz="1000" dirty="0">
+                <a:solidFill>
+                  <a:srgbClr val="AA04F9"/>
+                </a:solidFill>
+                <a:latin typeface="Courier New" panose="02070309020205020404" pitchFamily="49" charset="0"/>
+              </a:rPr>
+              <a:t>'r'</a:t>
+            </a:r>
+            <a:r>
+              <a:rPr lang="en-US" sz="1000" dirty="0">
+                <a:solidFill>
+                  <a:srgbClr val="000000"/>
+                </a:solidFill>
+                <a:latin typeface="Courier New" panose="02070309020205020404" pitchFamily="49" charset="0"/>
+              </a:rPr>
+              <a:t>,</a:t>
+            </a:r>
+            <a:r>
+              <a:rPr lang="en-US" sz="1000" dirty="0" err="1">
+                <a:solidFill>
+                  <a:srgbClr val="000000"/>
+                </a:solidFill>
+                <a:latin typeface="Courier New" panose="02070309020205020404" pitchFamily="49" charset="0"/>
+              </a:rPr>
+              <a:t>line_width,axis_limits</a:t>
+            </a:r>
+            <a:r>
+              <a:rPr lang="en-US" sz="1000" dirty="0">
+                <a:solidFill>
+                  <a:srgbClr val="000000"/>
+                </a:solidFill>
+                <a:latin typeface="Courier New" panose="02070309020205020404" pitchFamily="49" charset="0"/>
+              </a:rPr>
+              <a:t>);</a:t>
+            </a:r>
+          </a:p>
+          <a:p>
+            <a:r>
+              <a:rPr lang="en-US" sz="1000" dirty="0">
+                <a:solidFill>
+                  <a:srgbClr val="000000"/>
+                </a:solidFill>
+                <a:latin typeface="Courier New" panose="02070309020205020404" pitchFamily="49" charset="0"/>
+              </a:rPr>
+              <a:t> </a:t>
+            </a:r>
+          </a:p>
+          <a:p>
+            <a:r>
+              <a:rPr lang="en-US" sz="1000" dirty="0">
+                <a:solidFill>
+                  <a:srgbClr val="028009"/>
+                </a:solidFill>
+                <a:latin typeface="Courier New" panose="02070309020205020404" pitchFamily="49" charset="0"/>
+              </a:rPr>
+              <a:t>% remove the edge polytopes that extend past the high and low points</a:t>
+            </a:r>
+          </a:p>
+          <a:p>
+            <a:r>
+              <a:rPr lang="en-US" sz="1000" dirty="0" err="1">
+                <a:solidFill>
+                  <a:srgbClr val="000000"/>
+                </a:solidFill>
+                <a:latin typeface="Courier New" panose="02070309020205020404" pitchFamily="49" charset="0"/>
+              </a:rPr>
+              <a:t>fig_num</a:t>
+            </a:r>
+            <a:r>
+              <a:rPr lang="en-US" sz="1000" dirty="0">
+                <a:solidFill>
+                  <a:srgbClr val="000000"/>
+                </a:solidFill>
+                <a:latin typeface="Courier New" panose="02070309020205020404" pitchFamily="49" charset="0"/>
+              </a:rPr>
+              <a:t> = 23;</a:t>
+            </a:r>
+          </a:p>
+          <a:p>
+            <a:r>
+              <a:rPr lang="en-US" sz="1000" dirty="0" err="1">
+                <a:solidFill>
+                  <a:srgbClr val="000000"/>
+                </a:solidFill>
+                <a:latin typeface="Courier New" panose="02070309020205020404" pitchFamily="49" charset="0"/>
+              </a:rPr>
+              <a:t>xlow</a:t>
+            </a:r>
+            <a:r>
+              <a:rPr lang="en-US" sz="1000" dirty="0">
+                <a:solidFill>
+                  <a:srgbClr val="000000"/>
+                </a:solidFill>
+                <a:latin typeface="Courier New" panose="02070309020205020404" pitchFamily="49" charset="0"/>
+              </a:rPr>
+              <a:t> = 0; </a:t>
+            </a:r>
+            <a:r>
+              <a:rPr lang="en-US" sz="1000" dirty="0" err="1">
+                <a:solidFill>
+                  <a:srgbClr val="000000"/>
+                </a:solidFill>
+                <a:latin typeface="Courier New" panose="02070309020205020404" pitchFamily="49" charset="0"/>
+              </a:rPr>
+              <a:t>xhigh</a:t>
+            </a:r>
+            <a:r>
+              <a:rPr lang="en-US" sz="1000" dirty="0">
+                <a:solidFill>
+                  <a:srgbClr val="000000"/>
+                </a:solidFill>
+                <a:latin typeface="Courier New" panose="02070309020205020404" pitchFamily="49" charset="0"/>
+              </a:rPr>
+              <a:t> = 1; </a:t>
+            </a:r>
+            <a:r>
+              <a:rPr lang="en-US" sz="1000" dirty="0" err="1">
+                <a:solidFill>
+                  <a:srgbClr val="000000"/>
+                </a:solidFill>
+                <a:latin typeface="Courier New" panose="02070309020205020404" pitchFamily="49" charset="0"/>
+              </a:rPr>
+              <a:t>ylow</a:t>
+            </a:r>
+            <a:r>
+              <a:rPr lang="en-US" sz="1000" dirty="0">
+                <a:solidFill>
+                  <a:srgbClr val="000000"/>
+                </a:solidFill>
+                <a:latin typeface="Courier New" panose="02070309020205020404" pitchFamily="49" charset="0"/>
+              </a:rPr>
+              <a:t> = 0; </a:t>
+            </a:r>
+            <a:r>
+              <a:rPr lang="en-US" sz="1000" dirty="0" err="1">
+                <a:solidFill>
+                  <a:srgbClr val="000000"/>
+                </a:solidFill>
+                <a:latin typeface="Courier New" panose="02070309020205020404" pitchFamily="49" charset="0"/>
+              </a:rPr>
+              <a:t>yhigh</a:t>
+            </a:r>
+            <a:r>
+              <a:rPr lang="en-US" sz="1000" dirty="0">
+                <a:solidFill>
+                  <a:srgbClr val="000000"/>
+                </a:solidFill>
+                <a:latin typeface="Courier New" panose="02070309020205020404" pitchFamily="49" charset="0"/>
+              </a:rPr>
+              <a:t> = 1;</a:t>
+            </a:r>
+          </a:p>
+          <a:p>
+            <a:r>
+              <a:rPr lang="en-US" sz="1000" dirty="0" err="1">
+                <a:solidFill>
+                  <a:srgbClr val="000000"/>
+                </a:solidFill>
+                <a:latin typeface="Courier New" panose="02070309020205020404" pitchFamily="49" charset="0"/>
+              </a:rPr>
+              <a:t>bounding_box</a:t>
+            </a:r>
+            <a:r>
+              <a:rPr lang="en-US" sz="1000" dirty="0">
+                <a:solidFill>
+                  <a:srgbClr val="000000"/>
+                </a:solidFill>
+                <a:latin typeface="Courier New" panose="02070309020205020404" pitchFamily="49" charset="0"/>
+              </a:rPr>
+              <a:t> = [</a:t>
+            </a:r>
+            <a:r>
+              <a:rPr lang="en-US" sz="1000" dirty="0" err="1">
+                <a:solidFill>
+                  <a:srgbClr val="000000"/>
+                </a:solidFill>
+                <a:latin typeface="Courier New" panose="02070309020205020404" pitchFamily="49" charset="0"/>
+              </a:rPr>
+              <a:t>xlow</a:t>
+            </a:r>
+            <a:r>
+              <a:rPr lang="en-US" sz="1000" dirty="0">
+                <a:solidFill>
+                  <a:srgbClr val="000000"/>
+                </a:solidFill>
+                <a:latin typeface="Courier New" panose="02070309020205020404" pitchFamily="49" charset="0"/>
+              </a:rPr>
+              <a:t> </a:t>
+            </a:r>
+            <a:r>
+              <a:rPr lang="en-US" sz="1000" dirty="0" err="1">
+                <a:solidFill>
+                  <a:srgbClr val="000000"/>
+                </a:solidFill>
+                <a:latin typeface="Courier New" panose="02070309020205020404" pitchFamily="49" charset="0"/>
+              </a:rPr>
+              <a:t>ylow</a:t>
+            </a:r>
+            <a:r>
+              <a:rPr lang="en-US" sz="1000" dirty="0">
+                <a:solidFill>
+                  <a:srgbClr val="000000"/>
+                </a:solidFill>
+                <a:latin typeface="Courier New" panose="02070309020205020404" pitchFamily="49" charset="0"/>
+              </a:rPr>
+              <a:t>; </a:t>
+            </a:r>
+            <a:r>
+              <a:rPr lang="en-US" sz="1000" dirty="0" err="1">
+                <a:solidFill>
+                  <a:srgbClr val="000000"/>
+                </a:solidFill>
+                <a:latin typeface="Courier New" panose="02070309020205020404" pitchFamily="49" charset="0"/>
+              </a:rPr>
+              <a:t>xhigh</a:t>
+            </a:r>
+            <a:r>
+              <a:rPr lang="en-US" sz="1000" dirty="0">
+                <a:solidFill>
+                  <a:srgbClr val="000000"/>
+                </a:solidFill>
+                <a:latin typeface="Courier New" panose="02070309020205020404" pitchFamily="49" charset="0"/>
+              </a:rPr>
+              <a:t> </a:t>
+            </a:r>
+            <a:r>
+              <a:rPr lang="en-US" sz="1000" dirty="0" err="1">
+                <a:solidFill>
+                  <a:srgbClr val="000000"/>
+                </a:solidFill>
+                <a:latin typeface="Courier New" panose="02070309020205020404" pitchFamily="49" charset="0"/>
+              </a:rPr>
+              <a:t>yhigh</a:t>
+            </a:r>
+            <a:r>
+              <a:rPr lang="en-US" sz="1000" dirty="0">
+                <a:solidFill>
+                  <a:srgbClr val="000000"/>
+                </a:solidFill>
+                <a:latin typeface="Courier New" panose="02070309020205020404" pitchFamily="49" charset="0"/>
+              </a:rPr>
+              <a:t>];</a:t>
+            </a:r>
+          </a:p>
+          <a:p>
+            <a:r>
+              <a:rPr lang="en-US" sz="1000" dirty="0" err="1">
+                <a:solidFill>
+                  <a:srgbClr val="000000"/>
+                </a:solidFill>
+                <a:latin typeface="Courier New" panose="02070309020205020404" pitchFamily="49" charset="0"/>
+              </a:rPr>
+              <a:t>trimmed_polytopes</a:t>
+            </a:r>
+            <a:r>
+              <a:rPr lang="en-US" sz="1000" dirty="0">
+                <a:solidFill>
+                  <a:srgbClr val="000000"/>
+                </a:solidFill>
+                <a:latin typeface="Courier New" panose="02070309020205020404" pitchFamily="49" charset="0"/>
+              </a:rPr>
+              <a:t> = </a:t>
+            </a:r>
+            <a:r>
+              <a:rPr lang="en-US" sz="1000" dirty="0">
+                <a:solidFill>
+                  <a:srgbClr val="0E00FF"/>
+                </a:solidFill>
+                <a:latin typeface="Courier New" panose="02070309020205020404" pitchFamily="49" charset="0"/>
+              </a:rPr>
+              <a:t>...</a:t>
+            </a:r>
+          </a:p>
+          <a:p>
+            <a:r>
+              <a:rPr lang="en-US" sz="1000" dirty="0">
+                <a:solidFill>
+                  <a:srgbClr val="000000"/>
+                </a:solidFill>
+                <a:latin typeface="Courier New" panose="02070309020205020404" pitchFamily="49" charset="0"/>
+              </a:rPr>
+              <a:t>    </a:t>
+            </a:r>
+            <a:r>
+              <a:rPr lang="en-US" sz="1000" dirty="0" err="1">
+                <a:solidFill>
+                  <a:srgbClr val="000000"/>
+                </a:solidFill>
+                <a:latin typeface="Courier New" panose="02070309020205020404" pitchFamily="49" charset="0"/>
+              </a:rPr>
+              <a:t>fcn_MapGen_polytopeCropEdges</a:t>
+            </a:r>
+            <a:r>
+              <a:rPr lang="en-US" sz="1000" dirty="0">
+                <a:solidFill>
+                  <a:srgbClr val="000000"/>
+                </a:solidFill>
+                <a:latin typeface="Courier New" panose="02070309020205020404" pitchFamily="49" charset="0"/>
+              </a:rPr>
+              <a:t>(</a:t>
+            </a:r>
+            <a:r>
+              <a:rPr lang="en-US" sz="1000" dirty="0" err="1">
+                <a:solidFill>
+                  <a:srgbClr val="000000"/>
+                </a:solidFill>
+                <a:latin typeface="Courier New" panose="02070309020205020404" pitchFamily="49" charset="0"/>
+              </a:rPr>
+              <a:t>tiled_polytopes,bounding_box,fig_num</a:t>
+            </a:r>
+            <a:r>
+              <a:rPr lang="en-US" sz="1000" dirty="0">
+                <a:solidFill>
+                  <a:srgbClr val="000000"/>
+                </a:solidFill>
+                <a:latin typeface="Courier New" panose="02070309020205020404" pitchFamily="49" charset="0"/>
+              </a:rPr>
+              <a:t>);</a:t>
+            </a:r>
+          </a:p>
+          <a:p>
+            <a:r>
+              <a:rPr lang="en-US" sz="1000" dirty="0">
+                <a:solidFill>
+                  <a:srgbClr val="000000"/>
+                </a:solidFill>
+                <a:latin typeface="Courier New" panose="02070309020205020404" pitchFamily="49" charset="0"/>
+              </a:rPr>
+              <a:t> </a:t>
+            </a:r>
+          </a:p>
+          <a:p>
+            <a:r>
+              <a:rPr lang="en-US" sz="1000" dirty="0">
+                <a:solidFill>
+                  <a:srgbClr val="028009"/>
+                </a:solidFill>
+                <a:latin typeface="Courier New" panose="02070309020205020404" pitchFamily="49" charset="0"/>
+              </a:rPr>
+              <a:t>% Shrink to radius</a:t>
+            </a:r>
+          </a:p>
+          <a:p>
+            <a:r>
+              <a:rPr lang="en-US" sz="1000" dirty="0" err="1">
+                <a:solidFill>
+                  <a:srgbClr val="000000"/>
+                </a:solidFill>
+                <a:latin typeface="Courier New" panose="02070309020205020404" pitchFamily="49" charset="0"/>
+              </a:rPr>
+              <a:t>fig_num</a:t>
+            </a:r>
+            <a:r>
+              <a:rPr lang="en-US" sz="1000" dirty="0">
+                <a:solidFill>
+                  <a:srgbClr val="000000"/>
+                </a:solidFill>
+                <a:latin typeface="Courier New" panose="02070309020205020404" pitchFamily="49" charset="0"/>
+              </a:rPr>
+              <a:t> = 24;</a:t>
+            </a:r>
+          </a:p>
+          <a:p>
+            <a:r>
+              <a:rPr lang="sv-SE" sz="1000" dirty="0">
+                <a:solidFill>
+                  <a:srgbClr val="000000"/>
+                </a:solidFill>
+                <a:latin typeface="Courier New" panose="02070309020205020404" pitchFamily="49" charset="0"/>
+              </a:rPr>
+              <a:t>des_rad = 0.03; sigma_radius = 0; min_rad = 0.001;</a:t>
+            </a:r>
+          </a:p>
+          <a:p>
+            <a:r>
+              <a:rPr lang="en-US" sz="1000" dirty="0">
+                <a:solidFill>
+                  <a:srgbClr val="000000"/>
+                </a:solidFill>
+                <a:latin typeface="Courier New" panose="02070309020205020404" pitchFamily="49" charset="0"/>
+              </a:rPr>
+              <a:t>shrunk_polytopes2=</a:t>
+            </a:r>
+            <a:r>
+              <a:rPr lang="en-US" sz="1000" dirty="0" err="1">
+                <a:solidFill>
+                  <a:srgbClr val="000000"/>
+                </a:solidFill>
+                <a:latin typeface="Courier New" panose="02070309020205020404" pitchFamily="49" charset="0"/>
+              </a:rPr>
+              <a:t>fcn_MapGen_polytopesShrinkToRadius</a:t>
+            </a:r>
+            <a:r>
+              <a:rPr lang="en-US" sz="1000" dirty="0">
+                <a:solidFill>
+                  <a:srgbClr val="000000"/>
+                </a:solidFill>
+                <a:latin typeface="Courier New" panose="02070309020205020404" pitchFamily="49" charset="0"/>
+              </a:rPr>
+              <a:t>(</a:t>
+            </a:r>
+            <a:r>
+              <a:rPr lang="en-US" sz="1000" dirty="0">
+                <a:solidFill>
+                  <a:srgbClr val="0E00FF"/>
+                </a:solidFill>
+                <a:latin typeface="Courier New" panose="02070309020205020404" pitchFamily="49" charset="0"/>
+              </a:rPr>
+              <a:t>...</a:t>
+            </a:r>
+          </a:p>
+          <a:p>
+            <a:r>
+              <a:rPr lang="sv-SE" sz="1000" dirty="0">
+                <a:solidFill>
+                  <a:srgbClr val="000000"/>
+                </a:solidFill>
+                <a:latin typeface="Courier New" panose="02070309020205020404" pitchFamily="49" charset="0"/>
+              </a:rPr>
+              <a:t>    trimmed_polytopes,des_rad,sigma_radius,min_rad,fig_num);</a:t>
             </a:r>
           </a:p>
         </p:txBody>
       </p:sp>
+      <p:sp>
+        <p:nvSpPr>
+          <p:cNvPr id="6" name="Rectangle 5"/>
+          <p:cNvSpPr/>
+          <p:nvPr/>
+        </p:nvSpPr>
+        <p:spPr>
+          <a:xfrm>
+            <a:off x="270831" y="6215876"/>
+            <a:ext cx="6096000" cy="276999"/>
+          </a:xfrm>
+          <a:prstGeom prst="rect">
+            <a:avLst/>
+          </a:prstGeom>
+        </p:spPr>
+        <p:txBody>
+          <a:bodyPr>
+            <a:spAutoFit/>
+          </a:bodyPr>
+          <a:lstStyle/>
+          <a:p>
+            <a:r>
+              <a:rPr lang="en-US" sz="1200" dirty="0">
+                <a:solidFill>
+                  <a:srgbClr val="228B22"/>
+                </a:solidFill>
+                <a:latin typeface="Courier New" panose="02070309020205020404" pitchFamily="49" charset="0"/>
+              </a:rPr>
+              <a:t>See </a:t>
+            </a:r>
+            <a:r>
+              <a:rPr lang="en-US" sz="1200" dirty="0" err="1">
+                <a:solidFill>
+                  <a:srgbClr val="228B22"/>
+                </a:solidFill>
+                <a:latin typeface="Courier New" panose="02070309020205020404" pitchFamily="49" charset="0"/>
+              </a:rPr>
+              <a:t>script_demo_MapGenLibrary.m</a:t>
+            </a:r>
+            <a:endParaRPr lang="en-US" sz="1200" dirty="0">
+              <a:solidFill>
+                <a:srgbClr val="228B22"/>
+              </a:solidFill>
+              <a:latin typeface="Courier New" panose="02070309020205020404" pitchFamily="49" charset="0"/>
+            </a:endParaRPr>
+          </a:p>
+        </p:txBody>
+      </p:sp>
+      <p:pic>
+        <p:nvPicPr>
+          <p:cNvPr id="9" name="Picture 8">
+            <a:extLst>
+              <a:ext uri="{FF2B5EF4-FFF2-40B4-BE49-F238E27FC236}">
+                <a16:creationId xmlns:a16="http://schemas.microsoft.com/office/drawing/2014/main" id="{71282423-E8BF-4582-AF81-A68B23814ACF}"/>
+              </a:ext>
+            </a:extLst>
+          </p:cNvPr>
+          <p:cNvPicPr>
+            <a:picLocks noChangeAspect="1"/>
+          </p:cNvPicPr>
+          <p:nvPr/>
+        </p:nvPicPr>
+        <p:blipFill>
+          <a:blip r:embed="rId2" cstate="email">
+            <a:extLst>
+              <a:ext uri="{28A0092B-C50C-407E-A947-70E740481C1C}">
+                <a14:useLocalDpi xmlns:a14="http://schemas.microsoft.com/office/drawing/2010/main"/>
+              </a:ext>
+            </a:extLst>
+          </a:blip>
+          <a:stretch>
+            <a:fillRect/>
+          </a:stretch>
+        </p:blipFill>
+        <p:spPr>
+          <a:xfrm>
+            <a:off x="-97692" y="1937782"/>
+            <a:ext cx="2433768" cy="1825326"/>
+          </a:xfrm>
+          <a:prstGeom prst="rect">
+            <a:avLst/>
+          </a:prstGeom>
+        </p:spPr>
+      </p:pic>
+      <p:pic>
+        <p:nvPicPr>
+          <p:cNvPr id="10" name="Picture 9">
+            <a:extLst>
+              <a:ext uri="{FF2B5EF4-FFF2-40B4-BE49-F238E27FC236}">
+                <a16:creationId xmlns:a16="http://schemas.microsoft.com/office/drawing/2014/main" id="{30C9746D-E262-4C3A-B9BE-A13E8775BB69}"/>
+              </a:ext>
+            </a:extLst>
+          </p:cNvPr>
+          <p:cNvPicPr>
+            <a:picLocks noChangeAspect="1"/>
+          </p:cNvPicPr>
+          <p:nvPr/>
+        </p:nvPicPr>
+        <p:blipFill>
+          <a:blip r:embed="rId3" cstate="email">
+            <a:extLst>
+              <a:ext uri="{28A0092B-C50C-407E-A947-70E740481C1C}">
+                <a14:useLocalDpi xmlns:a14="http://schemas.microsoft.com/office/drawing/2010/main"/>
+              </a:ext>
+            </a:extLst>
+          </a:blip>
+          <a:stretch>
+            <a:fillRect/>
+          </a:stretch>
+        </p:blipFill>
+        <p:spPr>
+          <a:xfrm>
+            <a:off x="1002576" y="2762983"/>
+            <a:ext cx="2667000" cy="2000250"/>
+          </a:xfrm>
+          <a:prstGeom prst="rect">
+            <a:avLst/>
+          </a:prstGeom>
+        </p:spPr>
+      </p:pic>
+      <p:pic>
+        <p:nvPicPr>
+          <p:cNvPr id="11" name="Picture 10">
+            <a:extLst>
+              <a:ext uri="{FF2B5EF4-FFF2-40B4-BE49-F238E27FC236}">
+                <a16:creationId xmlns:a16="http://schemas.microsoft.com/office/drawing/2014/main" id="{0BAFFBE6-FFE9-4401-A88F-C66A801D4820}"/>
+              </a:ext>
+            </a:extLst>
+          </p:cNvPr>
+          <p:cNvPicPr>
+            <a:picLocks noChangeAspect="1"/>
+          </p:cNvPicPr>
+          <p:nvPr/>
+        </p:nvPicPr>
+        <p:blipFill>
+          <a:blip r:embed="rId4" cstate="email">
+            <a:extLst>
+              <a:ext uri="{28A0092B-C50C-407E-A947-70E740481C1C}">
+                <a14:useLocalDpi xmlns:a14="http://schemas.microsoft.com/office/drawing/2010/main"/>
+              </a:ext>
+            </a:extLst>
+          </a:blip>
+          <a:stretch>
+            <a:fillRect/>
+          </a:stretch>
+        </p:blipFill>
+        <p:spPr>
+          <a:xfrm>
+            <a:off x="1815738" y="2739469"/>
+            <a:ext cx="4022083" cy="3016562"/>
+          </a:xfrm>
+          <a:prstGeom prst="rect">
+            <a:avLst/>
+          </a:prstGeom>
+        </p:spPr>
+      </p:pic>
     </p:spTree>
     <p:extLst>
       <p:ext uri="{BB962C8B-B14F-4D97-AF65-F5344CB8AC3E}">
-        <p14:creationId xmlns:p14="http://schemas.microsoft.com/office/powerpoint/2010/main" val="316883979"/>
+        <p14:creationId xmlns:p14="http://schemas.microsoft.com/office/powerpoint/2010/main" val="3892669944"/>
       </p:ext>
     </p:extLst>
   </p:cSld>
@@ -4825,7 +4891,7 @@
           <p:cNvPr id="2" name="Title 1">
             <a:extLst>
               <a:ext uri="{FF2B5EF4-FFF2-40B4-BE49-F238E27FC236}">
-                <a16:creationId xmlns:a16="http://schemas.microsoft.com/office/drawing/2014/main" id="{91FF21CD-EE3E-45FB-AF8C-6994E7B10697}"/>
+                <a16:creationId xmlns:a16="http://schemas.microsoft.com/office/drawing/2014/main" id="{C52E4A42-771F-473D-A7D1-F032DA798E2B}"/>
               </a:ext>
             </a:extLst>
           </p:cNvPr>
@@ -4836,55 +4902,162 @@
             <p:ph type="title"/>
           </p:nvPr>
         </p:nvSpPr>
-        <p:spPr/>
+        <p:spPr>
+          <a:xfrm>
+            <a:off x="838200" y="365125"/>
+            <a:ext cx="10515600" cy="2628337"/>
+          </a:xfrm>
+        </p:spPr>
         <p:txBody>
-          <a:bodyPr>
-            <a:normAutofit fontScale="90000"/>
+          <a:bodyPr vert="horz" lIns="91440" tIns="45720" rIns="91440" bIns="45720" rtlCol="0" anchor="ctr">
+            <a:noAutofit/>
           </a:bodyPr>
           <a:lstStyle/>
           <a:p>
             <a:r>
-              <a:rPr lang="en-US" dirty="0"/>
-              <a:t>Obstacle radius is defined as the distance from an obstacle's centroid to its furthest vertex.</a:t>
+              <a:rPr lang="en-US" sz="3200">
+                <a:cs typeface="Calibri Light"/>
+              </a:rPr>
+              <a:t>Individual polytopes are shrunk with </a:t>
+            </a:r>
+            <a:r>
+              <a:rPr lang="en-US" sz="3200">
+                <a:solidFill>
+                  <a:srgbClr val="00B050"/>
+                </a:solidFill>
+                <a:latin typeface="Courier New"/>
+                <a:cs typeface="Courier New"/>
+              </a:rPr>
+              <a:t>fcn_MapGen_polytopeShrinkToRadius </a:t>
+            </a:r>
+            <a:r>
+              <a:rPr lang="en-US" sz="3200">
+                <a:cs typeface="Calibri Light"/>
+              </a:rPr>
+              <a:t>by moving all verticies towards the centroid by some scalar multiplier, derived from the desired final max radius.  Max radius is the distance from the centroid to the furthest vertex. </a:t>
             </a:r>
           </a:p>
         </p:txBody>
       </p:sp>
       <p:sp>
         <p:nvSpPr>
-          <p:cNvPr id="3" name="Content Placeholder 2">
-            <a:extLst>
-              <a:ext uri="{FF2B5EF4-FFF2-40B4-BE49-F238E27FC236}">
-                <a16:creationId xmlns:a16="http://schemas.microsoft.com/office/drawing/2014/main" id="{A7C17ED6-E98F-4CCD-B80C-D51F01B15BE5}"/>
-              </a:ext>
-            </a:extLst>
-          </p:cNvPr>
-          <p:cNvSpPr>
-            <a:spLocks noGrp="1"/>
-          </p:cNvSpPr>
-          <p:nvPr>
-            <p:ph idx="1"/>
-          </p:nvPr>
+          <p:cNvPr id="5" name="Rectangle 4">
+            <a:extLst>
+              <a:ext uri="{FF2B5EF4-FFF2-40B4-BE49-F238E27FC236}">
+                <a16:creationId xmlns:a16="http://schemas.microsoft.com/office/drawing/2014/main" id="{DAD36BB6-5195-4557-9528-BAFE14B7A978}"/>
+              </a:ext>
+            </a:extLst>
+          </p:cNvPr>
+          <p:cNvSpPr/>
+          <p:nvPr/>
         </p:nvSpPr>
-        <p:spPr/>
+        <p:spPr>
+          <a:xfrm>
+            <a:off x="2659627" y="3928814"/>
+            <a:ext cx="6569962" cy="1015663"/>
+          </a:xfrm>
+          <a:prstGeom prst="rect">
+            <a:avLst/>
+          </a:prstGeom>
+          <a:solidFill>
+            <a:schemeClr val="accent4">
+              <a:lumMod val="20000"/>
+              <a:lumOff val="80000"/>
+            </a:schemeClr>
+          </a:solidFill>
+        </p:spPr>
         <p:txBody>
-          <a:bodyPr/>
+          <a:bodyPr wrap="square" lIns="91440" tIns="45720" rIns="91440" bIns="45720" anchor="t">
+            <a:spAutoFit/>
+          </a:bodyPr>
           <a:lstStyle/>
           <a:p>
-            <a:pPr marL="0" indent="0">
-              <a:buNone/>
-            </a:pPr>
-            <a:r>
-              <a:rPr lang="en-US" dirty="0"/>
-              <a:t>The average obstacle radius is the average of all obstacles being considered. </a:t>
-            </a:r>
+            <a:r>
+              <a:rPr lang="en-US" sz="1200">
+                <a:solidFill>
+                  <a:srgbClr val="028009"/>
+                </a:solidFill>
+                <a:latin typeface="Courier New"/>
+                <a:cs typeface="Courier New"/>
+              </a:rPr>
+              <a:t>% determine scale factor</a:t>
+            </a:r>
+            <a:endParaRPr lang="en-US" sz="1200">
+              <a:solidFill>
+                <a:srgbClr val="028009"/>
+              </a:solidFill>
+              <a:latin typeface="Courier New" panose="02070309020205020404" pitchFamily="49" charset="0"/>
+              <a:cs typeface="Courier New"/>
+            </a:endParaRPr>
+          </a:p>
+          <a:p>
+            <a:r>
+              <a:rPr lang="en-US" sz="1200">
+                <a:solidFill>
+                  <a:srgbClr val="000000"/>
+                </a:solidFill>
+                <a:latin typeface="Courier New"/>
+                <a:cs typeface="Courier New"/>
+              </a:rPr>
+              <a:t>scale = new_radius/rad;</a:t>
+            </a:r>
+            <a:endParaRPr lang="en-US" sz="1200">
+              <a:solidFill>
+                <a:srgbClr val="000000"/>
+              </a:solidFill>
+              <a:latin typeface="Courier New" panose="02070309020205020404" pitchFamily="49" charset="0"/>
+              <a:cs typeface="Courier New"/>
+            </a:endParaRPr>
+          </a:p>
+          <a:p>
+            <a:r>
+              <a:rPr lang="en-US" sz="1200">
+                <a:solidFill>
+                  <a:srgbClr val="000000"/>
+                </a:solidFill>
+                <a:latin typeface="Courier New"/>
+                <a:cs typeface="Courier New"/>
+              </a:rPr>
+              <a:t>…</a:t>
+            </a:r>
+          </a:p>
+          <a:p>
+            <a:r>
+              <a:rPr lang="en-US" sz="1200">
+                <a:solidFill>
+                  <a:srgbClr val="028009"/>
+                </a:solidFill>
+                <a:latin typeface="Courier New"/>
+                <a:cs typeface="Courier New"/>
+              </a:rPr>
+              <a:t>% find new vertices</a:t>
+            </a:r>
+            <a:endParaRPr lang="en-US" sz="1200">
+              <a:latin typeface="Courier New"/>
+              <a:ea typeface="+mn-lt"/>
+              <a:cs typeface="+mn-lt"/>
+            </a:endParaRPr>
+          </a:p>
+          <a:p>
+            <a:r>
+              <a:rPr lang="en-US" sz="1200">
+                <a:latin typeface="Courier New"/>
+                <a:ea typeface="+mn-lt"/>
+                <a:cs typeface="+mn-lt"/>
+              </a:rPr>
+              <a:t>new_vert = centroid + scale*(vertices-centroid);</a:t>
+            </a:r>
+            <a:endParaRPr lang="en-US" sz="1200">
+              <a:latin typeface="Calibri" panose="020F0502020204030204"/>
+              <a:cs typeface="Calibri" panose="020F0502020204030204"/>
+            </a:endParaRPr>
           </a:p>
         </p:txBody>
       </p:sp>
     </p:spTree>
     <p:extLst>
       <p:ext uri="{BB962C8B-B14F-4D97-AF65-F5344CB8AC3E}">
-        <p14:creationId xmlns:p14="http://schemas.microsoft.com/office/powerpoint/2010/main" val="2859992450"/>
+        <p14:creationId xmlns:p14="http://schemas.microsoft.com/office/powerpoint/2010/main" val="2986685731"/>
       </p:ext>
     </p:extLst>
   </p:cSld>
@@ -4916,7 +5089,7 @@
           <p:cNvPr id="2" name="Title 1">
             <a:extLst>
               <a:ext uri="{FF2B5EF4-FFF2-40B4-BE49-F238E27FC236}">
-                <a16:creationId xmlns:a16="http://schemas.microsoft.com/office/drawing/2014/main" id="{91FF21CD-EE3E-45FB-AF8C-6994E7B10697}"/>
+                <a16:creationId xmlns:a16="http://schemas.microsoft.com/office/drawing/2014/main" id="{3E9ADC98-84CB-4771-882B-988B9197E7B2}"/>
               </a:ext>
             </a:extLst>
           </p:cNvPr>
@@ -4930,49 +5103,110 @@
         <p:spPr/>
         <p:txBody>
           <a:bodyPr>
-            <a:normAutofit fontScale="90000"/>
+            <a:noAutofit/>
           </a:bodyPr>
           <a:lstStyle/>
           <a:p>
             <a:r>
-              <a:rPr lang="en-US" dirty="0"/>
-              <a:t>The standard deviation in obstacle radius is the standard deviation of those obstacle radius values.</a:t>
-            </a:r>
+              <a:rPr lang="en-US" sz="3600" dirty="0"/>
+              <a:t>The shrinking process allows introduction of random choice in which polytopes are shrunk, which allows user to set desired mean and standard deviations</a:t>
+            </a:r>
+            <a:endParaRPr lang="en-US" sz="3600" dirty="0">
+              <a:solidFill>
+                <a:srgbClr val="00B050"/>
+              </a:solidFill>
+            </a:endParaRPr>
           </a:p>
         </p:txBody>
       </p:sp>
       <p:sp>
         <p:nvSpPr>
-          <p:cNvPr id="3" name="Content Placeholder 2">
-            <a:extLst>
-              <a:ext uri="{FF2B5EF4-FFF2-40B4-BE49-F238E27FC236}">
-                <a16:creationId xmlns:a16="http://schemas.microsoft.com/office/drawing/2014/main" id="{A7C17ED6-E98F-4CCD-B80C-D51F01B15BE5}"/>
-              </a:ext>
-            </a:extLst>
-          </p:cNvPr>
-          <p:cNvSpPr>
-            <a:spLocks noGrp="1"/>
-          </p:cNvSpPr>
-          <p:nvPr>
-            <p:ph idx="1"/>
-          </p:nvPr>
+          <p:cNvPr id="6" name="Rectangle 5"/>
+          <p:cNvSpPr/>
+          <p:nvPr/>
         </p:nvSpPr>
-        <p:spPr/>
+        <p:spPr>
+          <a:xfrm>
+            <a:off x="270831" y="6215876"/>
+            <a:ext cx="6096000" cy="276999"/>
+          </a:xfrm>
+          <a:prstGeom prst="rect">
+            <a:avLst/>
+          </a:prstGeom>
+        </p:spPr>
         <p:txBody>
-          <a:bodyPr/>
+          <a:bodyPr>
+            <a:spAutoFit/>
+          </a:bodyPr>
           <a:lstStyle/>
           <a:p>
-            <a:pPr marL="0" indent="0">
-              <a:buNone/>
-            </a:pPr>
-            <a:endParaRPr lang="en-US" dirty="0"/>
+            <a:r>
+              <a:rPr lang="en-US" sz="1200" dirty="0">
+                <a:solidFill>
+                  <a:srgbClr val="228B22"/>
+                </a:solidFill>
+                <a:latin typeface="Courier New" panose="02070309020205020404" pitchFamily="49" charset="0"/>
+              </a:rPr>
+              <a:t>See </a:t>
+            </a:r>
+            <a:r>
+              <a:rPr lang="en-US" sz="1200" dirty="0" err="1">
+                <a:solidFill>
+                  <a:srgbClr val="228B22"/>
+                </a:solidFill>
+                <a:latin typeface="Courier New" panose="02070309020205020404" pitchFamily="49" charset="0"/>
+              </a:rPr>
+              <a:t>script_demo_MapGenLibrary.m</a:t>
+            </a:r>
+            <a:endParaRPr lang="en-US" sz="1200" dirty="0">
+              <a:solidFill>
+                <a:srgbClr val="228B22"/>
+              </a:solidFill>
+              <a:latin typeface="Courier New" panose="02070309020205020404" pitchFamily="49" charset="0"/>
+            </a:endParaRPr>
           </a:p>
         </p:txBody>
       </p:sp>
+      <p:pic>
+        <p:nvPicPr>
+          <p:cNvPr id="3" name="Picture 2">
+            <a:extLst>
+              <a:ext uri="{FF2B5EF4-FFF2-40B4-BE49-F238E27FC236}">
+                <a16:creationId xmlns:a16="http://schemas.microsoft.com/office/drawing/2014/main" id="{D47761A1-93B3-4E8E-B2DF-6D79CA3112A4}"/>
+              </a:ext>
+            </a:extLst>
+          </p:cNvPr>
+          <p:cNvPicPr>
+            <a:picLocks noChangeAspect="1"/>
+          </p:cNvPicPr>
+          <p:nvPr/>
+        </p:nvPicPr>
+        <p:blipFill>
+          <a:blip r:embed="rId2" cstate="email">
+            <a:extLst>
+              <a:ext uri="{28A0092B-C50C-407E-A947-70E740481C1C}">
+                <a14:useLocalDpi xmlns:a14="http://schemas.microsoft.com/office/drawing/2010/main"/>
+              </a:ext>
+            </a:extLst>
+          </a:blip>
+          <a:stretch>
+            <a:fillRect/>
+          </a:stretch>
+        </p:blipFill>
+        <p:spPr>
+          <a:xfrm>
+            <a:off x="270831" y="2091950"/>
+            <a:ext cx="11707690" cy="3721864"/>
+          </a:xfrm>
+          <a:prstGeom prst="rect">
+            <a:avLst/>
+          </a:prstGeom>
+        </p:spPr>
+      </p:pic>
     </p:spTree>
     <p:extLst>
       <p:ext uri="{BB962C8B-B14F-4D97-AF65-F5344CB8AC3E}">
-        <p14:creationId xmlns:p14="http://schemas.microsoft.com/office/powerpoint/2010/main" val="1536397737"/>
+        <p14:creationId xmlns:p14="http://schemas.microsoft.com/office/powerpoint/2010/main" val="2342926812"/>
       </p:ext>
     </p:extLst>
   </p:cSld>
@@ -5004,1300 +5238,6 @@
           <p:cNvPr id="2" name="Title 1">
             <a:extLst>
               <a:ext uri="{FF2B5EF4-FFF2-40B4-BE49-F238E27FC236}">
-                <a16:creationId xmlns:a16="http://schemas.microsoft.com/office/drawing/2014/main" id="{3E9ADC98-84CB-4771-882B-988B9197E7B2}"/>
-              </a:ext>
-            </a:extLst>
-          </p:cNvPr>
-          <p:cNvSpPr>
-            <a:spLocks noGrp="1"/>
-          </p:cNvSpPr>
-          <p:nvPr>
-            <p:ph type="title"/>
-          </p:nvPr>
-        </p:nvSpPr>
-        <p:spPr/>
-        <p:txBody>
-          <a:bodyPr>
-            <a:normAutofit fontScale="90000"/>
-          </a:bodyPr>
-          <a:lstStyle/>
-          <a:p>
-            <a:r>
-              <a:rPr lang="en-US" dirty="0"/>
-              <a:t>The process of generating tiled obstacle polytopes uses 3 steps: initial tiling, trimming edges, and then shrinking the </a:t>
-            </a:r>
-            <a:r>
-              <a:rPr lang="en-US" dirty="0" err="1"/>
-              <a:t>poloytopes</a:t>
-            </a:r>
-            <a:r>
-              <a:rPr lang="en-US" dirty="0"/>
-              <a:t> down</a:t>
-            </a:r>
-            <a:endParaRPr lang="en-US" dirty="0">
-              <a:solidFill>
-                <a:srgbClr val="00B050"/>
-              </a:solidFill>
-            </a:endParaRPr>
-          </a:p>
-        </p:txBody>
-      </p:sp>
-      <p:sp>
-        <p:nvSpPr>
-          <p:cNvPr id="5" name="Rectangle 4">
-            <a:extLst>
-              <a:ext uri="{FF2B5EF4-FFF2-40B4-BE49-F238E27FC236}">
-                <a16:creationId xmlns:a16="http://schemas.microsoft.com/office/drawing/2014/main" id="{64651144-0D16-4D91-853E-F97B55A62C7A}"/>
-              </a:ext>
-            </a:extLst>
-          </p:cNvPr>
-          <p:cNvSpPr/>
-          <p:nvPr/>
-        </p:nvSpPr>
-        <p:spPr>
-          <a:xfrm>
-            <a:off x="6629400" y="1937782"/>
-            <a:ext cx="5291769" cy="4555093"/>
-          </a:xfrm>
-          <a:prstGeom prst="rect">
-            <a:avLst/>
-          </a:prstGeom>
-          <a:solidFill>
-            <a:schemeClr val="accent4">
-              <a:lumMod val="20000"/>
-              <a:lumOff val="80000"/>
-            </a:schemeClr>
-          </a:solidFill>
-        </p:spPr>
-        <p:txBody>
-          <a:bodyPr wrap="square">
-            <a:spAutoFit/>
-          </a:bodyPr>
-          <a:lstStyle/>
-          <a:p>
-            <a:r>
-              <a:rPr lang="en-US" sz="1000" dirty="0">
-                <a:solidFill>
-                  <a:srgbClr val="028009"/>
-                </a:solidFill>
-                <a:latin typeface="Courier New" panose="02070309020205020404" pitchFamily="49" charset="0"/>
-              </a:rPr>
-              <a:t>%% Show how the maps can be trimmed, shrunk, </a:t>
-            </a:r>
-            <a:r>
-              <a:rPr lang="en-US" sz="1000" dirty="0" err="1">
-                <a:solidFill>
-                  <a:srgbClr val="028009"/>
-                </a:solidFill>
-                <a:latin typeface="Courier New" panose="02070309020205020404" pitchFamily="49" charset="0"/>
-              </a:rPr>
-              <a:t>etc</a:t>
-            </a:r>
-            <a:endParaRPr lang="en-US" sz="1000" dirty="0">
-              <a:solidFill>
-                <a:srgbClr val="028009"/>
-              </a:solidFill>
-              <a:latin typeface="Courier New" panose="02070309020205020404" pitchFamily="49" charset="0"/>
-            </a:endParaRPr>
-          </a:p>
-          <a:p>
-            <a:r>
-              <a:rPr lang="en-US" sz="1000" dirty="0">
-                <a:solidFill>
-                  <a:srgbClr val="028009"/>
-                </a:solidFill>
-                <a:latin typeface="Courier New" panose="02070309020205020404" pitchFamily="49" charset="0"/>
-              </a:rPr>
-              <a:t>% Generate a set of polytopes from the Halton set</a:t>
-            </a:r>
-          </a:p>
-          <a:p>
-            <a:r>
-              <a:rPr lang="en-US" sz="1000" dirty="0" err="1">
-                <a:solidFill>
-                  <a:srgbClr val="000000"/>
-                </a:solidFill>
-                <a:latin typeface="Courier New" panose="02070309020205020404" pitchFamily="49" charset="0"/>
-              </a:rPr>
-              <a:t>fig_num</a:t>
-            </a:r>
-            <a:r>
-              <a:rPr lang="en-US" sz="1000" dirty="0">
-                <a:solidFill>
-                  <a:srgbClr val="000000"/>
-                </a:solidFill>
-                <a:latin typeface="Courier New" panose="02070309020205020404" pitchFamily="49" charset="0"/>
-              </a:rPr>
-              <a:t> = 21;</a:t>
-            </a:r>
-          </a:p>
-          <a:p>
-            <a:r>
-              <a:rPr lang="en-US" sz="1000" dirty="0" err="1">
-                <a:solidFill>
-                  <a:srgbClr val="000000"/>
-                </a:solidFill>
-                <a:latin typeface="Courier New" panose="02070309020205020404" pitchFamily="49" charset="0"/>
-              </a:rPr>
-              <a:t>Halton_range</a:t>
-            </a:r>
-            <a:r>
-              <a:rPr lang="en-US" sz="1000" dirty="0">
-                <a:solidFill>
-                  <a:srgbClr val="000000"/>
-                </a:solidFill>
-                <a:latin typeface="Courier New" panose="02070309020205020404" pitchFamily="49" charset="0"/>
-              </a:rPr>
-              <a:t> = [1 200]; </a:t>
-            </a:r>
-            <a:r>
-              <a:rPr lang="en-US" sz="1000" dirty="0">
-                <a:solidFill>
-                  <a:srgbClr val="028009"/>
-                </a:solidFill>
-                <a:latin typeface="Courier New" panose="02070309020205020404" pitchFamily="49" charset="0"/>
-              </a:rPr>
-              <a:t>% range of Halton points to use to generate the tiling</a:t>
-            </a:r>
-          </a:p>
-          <a:p>
-            <a:r>
-              <a:rPr lang="en-US" sz="1000" dirty="0" err="1">
-                <a:solidFill>
-                  <a:srgbClr val="000000"/>
-                </a:solidFill>
-                <a:latin typeface="Courier New" panose="02070309020205020404" pitchFamily="49" charset="0"/>
-              </a:rPr>
-              <a:t>tiled_polytopes</a:t>
-            </a:r>
-            <a:r>
-              <a:rPr lang="en-US" sz="1000" dirty="0">
-                <a:solidFill>
-                  <a:srgbClr val="000000"/>
-                </a:solidFill>
-                <a:latin typeface="Courier New" panose="02070309020205020404" pitchFamily="49" charset="0"/>
-              </a:rPr>
-              <a:t> = </a:t>
-            </a:r>
-            <a:r>
-              <a:rPr lang="en-US" sz="1000" dirty="0" err="1">
-                <a:solidFill>
-                  <a:srgbClr val="000000"/>
-                </a:solidFill>
-                <a:latin typeface="Courier New" panose="02070309020205020404" pitchFamily="49" charset="0"/>
-              </a:rPr>
-              <a:t>fcn_MapGen_haltonVoronoiTiling</a:t>
-            </a:r>
-            <a:r>
-              <a:rPr lang="en-US" sz="1000" dirty="0">
-                <a:solidFill>
-                  <a:srgbClr val="000000"/>
-                </a:solidFill>
-                <a:latin typeface="Courier New" panose="02070309020205020404" pitchFamily="49" charset="0"/>
-              </a:rPr>
-              <a:t>(</a:t>
-            </a:r>
-            <a:r>
-              <a:rPr lang="en-US" sz="1000" dirty="0" err="1">
-                <a:solidFill>
-                  <a:srgbClr val="000000"/>
-                </a:solidFill>
-                <a:latin typeface="Courier New" panose="02070309020205020404" pitchFamily="49" charset="0"/>
-              </a:rPr>
-              <a:t>Halton_range</a:t>
-            </a:r>
-            <a:r>
-              <a:rPr lang="en-US" sz="1000" dirty="0">
-                <a:solidFill>
-                  <a:srgbClr val="000000"/>
-                </a:solidFill>
-                <a:latin typeface="Courier New" panose="02070309020205020404" pitchFamily="49" charset="0"/>
-              </a:rPr>
-              <a:t>,[1 1],</a:t>
-            </a:r>
-            <a:r>
-              <a:rPr lang="en-US" sz="1000" dirty="0" err="1">
-                <a:solidFill>
-                  <a:srgbClr val="000000"/>
-                </a:solidFill>
-                <a:latin typeface="Courier New" panose="02070309020205020404" pitchFamily="49" charset="0"/>
-              </a:rPr>
-              <a:t>fig_num</a:t>
-            </a:r>
-            <a:r>
-              <a:rPr lang="en-US" sz="1000" dirty="0">
-                <a:solidFill>
-                  <a:srgbClr val="000000"/>
-                </a:solidFill>
-                <a:latin typeface="Courier New" panose="02070309020205020404" pitchFamily="49" charset="0"/>
-              </a:rPr>
-              <a:t>);</a:t>
-            </a:r>
-          </a:p>
-          <a:p>
-            <a:r>
-              <a:rPr lang="en-US" sz="1000" dirty="0">
-                <a:solidFill>
-                  <a:srgbClr val="000000"/>
-                </a:solidFill>
-                <a:latin typeface="Courier New" panose="02070309020205020404" pitchFamily="49" charset="0"/>
-              </a:rPr>
-              <a:t> </a:t>
-            </a:r>
-          </a:p>
-          <a:p>
-            <a:r>
-              <a:rPr lang="en-US" sz="1000" dirty="0">
-                <a:solidFill>
-                  <a:srgbClr val="028009"/>
-                </a:solidFill>
-                <a:latin typeface="Courier New" panose="02070309020205020404" pitchFamily="49" charset="0"/>
-              </a:rPr>
-              <a:t>% Plot the polytopes</a:t>
-            </a:r>
-          </a:p>
-          <a:p>
-            <a:r>
-              <a:rPr lang="en-US" sz="1000" dirty="0" err="1">
-                <a:solidFill>
-                  <a:srgbClr val="000000"/>
-                </a:solidFill>
-                <a:latin typeface="Courier New" panose="02070309020205020404" pitchFamily="49" charset="0"/>
-              </a:rPr>
-              <a:t>fig_num</a:t>
-            </a:r>
-            <a:r>
-              <a:rPr lang="en-US" sz="1000" dirty="0">
-                <a:solidFill>
-                  <a:srgbClr val="000000"/>
-                </a:solidFill>
-                <a:latin typeface="Courier New" panose="02070309020205020404" pitchFamily="49" charset="0"/>
-              </a:rPr>
-              <a:t> = 22;</a:t>
-            </a:r>
-          </a:p>
-          <a:p>
-            <a:r>
-              <a:rPr lang="en-US" sz="1000" dirty="0" err="1">
-                <a:solidFill>
-                  <a:srgbClr val="000000"/>
-                </a:solidFill>
-                <a:latin typeface="Courier New" panose="02070309020205020404" pitchFamily="49" charset="0"/>
-              </a:rPr>
-              <a:t>line_width</a:t>
-            </a:r>
-            <a:r>
-              <a:rPr lang="en-US" sz="1000" dirty="0">
-                <a:solidFill>
-                  <a:srgbClr val="000000"/>
-                </a:solidFill>
-                <a:latin typeface="Courier New" panose="02070309020205020404" pitchFamily="49" charset="0"/>
-              </a:rPr>
-              <a:t> = 2;</a:t>
-            </a:r>
-          </a:p>
-          <a:p>
-            <a:r>
-              <a:rPr lang="fr-FR" sz="1000" dirty="0" err="1">
-                <a:solidFill>
-                  <a:srgbClr val="000000"/>
-                </a:solidFill>
-                <a:latin typeface="Courier New" panose="02070309020205020404" pitchFamily="49" charset="0"/>
-              </a:rPr>
-              <a:t>axis_limits</a:t>
-            </a:r>
-            <a:r>
-              <a:rPr lang="fr-FR" sz="1000" dirty="0">
-                <a:solidFill>
-                  <a:srgbClr val="000000"/>
-                </a:solidFill>
-                <a:latin typeface="Courier New" panose="02070309020205020404" pitchFamily="49" charset="0"/>
-              </a:rPr>
-              <a:t> = [0 1 0 1];</a:t>
-            </a:r>
-          </a:p>
-          <a:p>
-            <a:r>
-              <a:rPr lang="en-US" sz="1000" dirty="0" err="1">
-                <a:solidFill>
-                  <a:srgbClr val="000000"/>
-                </a:solidFill>
-                <a:latin typeface="Courier New" panose="02070309020205020404" pitchFamily="49" charset="0"/>
-              </a:rPr>
-              <a:t>fcn_MapGen_plotPolytopes</a:t>
-            </a:r>
-            <a:r>
-              <a:rPr lang="en-US" sz="1000" dirty="0">
-                <a:solidFill>
-                  <a:srgbClr val="000000"/>
-                </a:solidFill>
-                <a:latin typeface="Courier New" panose="02070309020205020404" pitchFamily="49" charset="0"/>
-              </a:rPr>
-              <a:t>(tiled_polytopes,fig_num,</a:t>
-            </a:r>
-            <a:r>
-              <a:rPr lang="en-US" sz="1000" dirty="0">
-                <a:solidFill>
-                  <a:srgbClr val="AA04F9"/>
-                </a:solidFill>
-                <a:latin typeface="Courier New" panose="02070309020205020404" pitchFamily="49" charset="0"/>
-              </a:rPr>
-              <a:t>'r'</a:t>
-            </a:r>
-            <a:r>
-              <a:rPr lang="en-US" sz="1000" dirty="0">
-                <a:solidFill>
-                  <a:srgbClr val="000000"/>
-                </a:solidFill>
-                <a:latin typeface="Courier New" panose="02070309020205020404" pitchFamily="49" charset="0"/>
-              </a:rPr>
-              <a:t>,</a:t>
-            </a:r>
-            <a:r>
-              <a:rPr lang="en-US" sz="1000" dirty="0" err="1">
-                <a:solidFill>
-                  <a:srgbClr val="000000"/>
-                </a:solidFill>
-                <a:latin typeface="Courier New" panose="02070309020205020404" pitchFamily="49" charset="0"/>
-              </a:rPr>
-              <a:t>line_width,axis_limits</a:t>
-            </a:r>
-            <a:r>
-              <a:rPr lang="en-US" sz="1000" dirty="0">
-                <a:solidFill>
-                  <a:srgbClr val="000000"/>
-                </a:solidFill>
-                <a:latin typeface="Courier New" panose="02070309020205020404" pitchFamily="49" charset="0"/>
-              </a:rPr>
-              <a:t>);</a:t>
-            </a:r>
-          </a:p>
-          <a:p>
-            <a:r>
-              <a:rPr lang="en-US" sz="1000" dirty="0">
-                <a:solidFill>
-                  <a:srgbClr val="000000"/>
-                </a:solidFill>
-                <a:latin typeface="Courier New" panose="02070309020205020404" pitchFamily="49" charset="0"/>
-              </a:rPr>
-              <a:t> </a:t>
-            </a:r>
-          </a:p>
-          <a:p>
-            <a:r>
-              <a:rPr lang="en-US" sz="1000" dirty="0">
-                <a:solidFill>
-                  <a:srgbClr val="028009"/>
-                </a:solidFill>
-                <a:latin typeface="Courier New" panose="02070309020205020404" pitchFamily="49" charset="0"/>
-              </a:rPr>
-              <a:t>% remove the edge polytopes that extend past the high and low points</a:t>
-            </a:r>
-          </a:p>
-          <a:p>
-            <a:r>
-              <a:rPr lang="en-US" sz="1000" dirty="0" err="1">
-                <a:solidFill>
-                  <a:srgbClr val="000000"/>
-                </a:solidFill>
-                <a:latin typeface="Courier New" panose="02070309020205020404" pitchFamily="49" charset="0"/>
-              </a:rPr>
-              <a:t>fig_num</a:t>
-            </a:r>
-            <a:r>
-              <a:rPr lang="en-US" sz="1000" dirty="0">
-                <a:solidFill>
-                  <a:srgbClr val="000000"/>
-                </a:solidFill>
-                <a:latin typeface="Courier New" panose="02070309020205020404" pitchFamily="49" charset="0"/>
-              </a:rPr>
-              <a:t> = 23;</a:t>
-            </a:r>
-          </a:p>
-          <a:p>
-            <a:r>
-              <a:rPr lang="en-US" sz="1000" dirty="0" err="1">
-                <a:solidFill>
-                  <a:srgbClr val="000000"/>
-                </a:solidFill>
-                <a:latin typeface="Courier New" panose="02070309020205020404" pitchFamily="49" charset="0"/>
-              </a:rPr>
-              <a:t>xlow</a:t>
-            </a:r>
-            <a:r>
-              <a:rPr lang="en-US" sz="1000" dirty="0">
-                <a:solidFill>
-                  <a:srgbClr val="000000"/>
-                </a:solidFill>
-                <a:latin typeface="Courier New" panose="02070309020205020404" pitchFamily="49" charset="0"/>
-              </a:rPr>
-              <a:t> = 0; </a:t>
-            </a:r>
-            <a:r>
-              <a:rPr lang="en-US" sz="1000" dirty="0" err="1">
-                <a:solidFill>
-                  <a:srgbClr val="000000"/>
-                </a:solidFill>
-                <a:latin typeface="Courier New" panose="02070309020205020404" pitchFamily="49" charset="0"/>
-              </a:rPr>
-              <a:t>xhigh</a:t>
-            </a:r>
-            <a:r>
-              <a:rPr lang="en-US" sz="1000" dirty="0">
-                <a:solidFill>
-                  <a:srgbClr val="000000"/>
-                </a:solidFill>
-                <a:latin typeface="Courier New" panose="02070309020205020404" pitchFamily="49" charset="0"/>
-              </a:rPr>
-              <a:t> = 1; </a:t>
-            </a:r>
-            <a:r>
-              <a:rPr lang="en-US" sz="1000" dirty="0" err="1">
-                <a:solidFill>
-                  <a:srgbClr val="000000"/>
-                </a:solidFill>
-                <a:latin typeface="Courier New" panose="02070309020205020404" pitchFamily="49" charset="0"/>
-              </a:rPr>
-              <a:t>ylow</a:t>
-            </a:r>
-            <a:r>
-              <a:rPr lang="en-US" sz="1000" dirty="0">
-                <a:solidFill>
-                  <a:srgbClr val="000000"/>
-                </a:solidFill>
-                <a:latin typeface="Courier New" panose="02070309020205020404" pitchFamily="49" charset="0"/>
-              </a:rPr>
-              <a:t> = 0; </a:t>
-            </a:r>
-            <a:r>
-              <a:rPr lang="en-US" sz="1000" dirty="0" err="1">
-                <a:solidFill>
-                  <a:srgbClr val="000000"/>
-                </a:solidFill>
-                <a:latin typeface="Courier New" panose="02070309020205020404" pitchFamily="49" charset="0"/>
-              </a:rPr>
-              <a:t>yhigh</a:t>
-            </a:r>
-            <a:r>
-              <a:rPr lang="en-US" sz="1000" dirty="0">
-                <a:solidFill>
-                  <a:srgbClr val="000000"/>
-                </a:solidFill>
-                <a:latin typeface="Courier New" panose="02070309020205020404" pitchFamily="49" charset="0"/>
-              </a:rPr>
-              <a:t> = 1;</a:t>
-            </a:r>
-          </a:p>
-          <a:p>
-            <a:r>
-              <a:rPr lang="en-US" sz="1000" dirty="0" err="1">
-                <a:solidFill>
-                  <a:srgbClr val="000000"/>
-                </a:solidFill>
-                <a:latin typeface="Courier New" panose="02070309020205020404" pitchFamily="49" charset="0"/>
-              </a:rPr>
-              <a:t>bounding_box</a:t>
-            </a:r>
-            <a:r>
-              <a:rPr lang="en-US" sz="1000" dirty="0">
-                <a:solidFill>
-                  <a:srgbClr val="000000"/>
-                </a:solidFill>
-                <a:latin typeface="Courier New" panose="02070309020205020404" pitchFamily="49" charset="0"/>
-              </a:rPr>
-              <a:t> = [</a:t>
-            </a:r>
-            <a:r>
-              <a:rPr lang="en-US" sz="1000" dirty="0" err="1">
-                <a:solidFill>
-                  <a:srgbClr val="000000"/>
-                </a:solidFill>
-                <a:latin typeface="Courier New" panose="02070309020205020404" pitchFamily="49" charset="0"/>
-              </a:rPr>
-              <a:t>xlow</a:t>
-            </a:r>
-            <a:r>
-              <a:rPr lang="en-US" sz="1000" dirty="0">
-                <a:solidFill>
-                  <a:srgbClr val="000000"/>
-                </a:solidFill>
-                <a:latin typeface="Courier New" panose="02070309020205020404" pitchFamily="49" charset="0"/>
-              </a:rPr>
-              <a:t> </a:t>
-            </a:r>
-            <a:r>
-              <a:rPr lang="en-US" sz="1000" dirty="0" err="1">
-                <a:solidFill>
-                  <a:srgbClr val="000000"/>
-                </a:solidFill>
-                <a:latin typeface="Courier New" panose="02070309020205020404" pitchFamily="49" charset="0"/>
-              </a:rPr>
-              <a:t>ylow</a:t>
-            </a:r>
-            <a:r>
-              <a:rPr lang="en-US" sz="1000" dirty="0">
-                <a:solidFill>
-                  <a:srgbClr val="000000"/>
-                </a:solidFill>
-                <a:latin typeface="Courier New" panose="02070309020205020404" pitchFamily="49" charset="0"/>
-              </a:rPr>
-              <a:t>; </a:t>
-            </a:r>
-            <a:r>
-              <a:rPr lang="en-US" sz="1000" dirty="0" err="1">
-                <a:solidFill>
-                  <a:srgbClr val="000000"/>
-                </a:solidFill>
-                <a:latin typeface="Courier New" panose="02070309020205020404" pitchFamily="49" charset="0"/>
-              </a:rPr>
-              <a:t>xhigh</a:t>
-            </a:r>
-            <a:r>
-              <a:rPr lang="en-US" sz="1000" dirty="0">
-                <a:solidFill>
-                  <a:srgbClr val="000000"/>
-                </a:solidFill>
-                <a:latin typeface="Courier New" panose="02070309020205020404" pitchFamily="49" charset="0"/>
-              </a:rPr>
-              <a:t> </a:t>
-            </a:r>
-            <a:r>
-              <a:rPr lang="en-US" sz="1000" dirty="0" err="1">
-                <a:solidFill>
-                  <a:srgbClr val="000000"/>
-                </a:solidFill>
-                <a:latin typeface="Courier New" panose="02070309020205020404" pitchFamily="49" charset="0"/>
-              </a:rPr>
-              <a:t>yhigh</a:t>
-            </a:r>
-            <a:r>
-              <a:rPr lang="en-US" sz="1000" dirty="0">
-                <a:solidFill>
-                  <a:srgbClr val="000000"/>
-                </a:solidFill>
-                <a:latin typeface="Courier New" panose="02070309020205020404" pitchFamily="49" charset="0"/>
-              </a:rPr>
-              <a:t>];</a:t>
-            </a:r>
-          </a:p>
-          <a:p>
-            <a:r>
-              <a:rPr lang="en-US" sz="1000" dirty="0" err="1">
-                <a:solidFill>
-                  <a:srgbClr val="000000"/>
-                </a:solidFill>
-                <a:latin typeface="Courier New" panose="02070309020205020404" pitchFamily="49" charset="0"/>
-              </a:rPr>
-              <a:t>trimmed_polytopes</a:t>
-            </a:r>
-            <a:r>
-              <a:rPr lang="en-US" sz="1000" dirty="0">
-                <a:solidFill>
-                  <a:srgbClr val="000000"/>
-                </a:solidFill>
-                <a:latin typeface="Courier New" panose="02070309020205020404" pitchFamily="49" charset="0"/>
-              </a:rPr>
-              <a:t> = </a:t>
-            </a:r>
-            <a:r>
-              <a:rPr lang="en-US" sz="1000" dirty="0">
-                <a:solidFill>
-                  <a:srgbClr val="0E00FF"/>
-                </a:solidFill>
-                <a:latin typeface="Courier New" panose="02070309020205020404" pitchFamily="49" charset="0"/>
-              </a:rPr>
-              <a:t>...</a:t>
-            </a:r>
-          </a:p>
-          <a:p>
-            <a:r>
-              <a:rPr lang="en-US" sz="1000" dirty="0">
-                <a:solidFill>
-                  <a:srgbClr val="000000"/>
-                </a:solidFill>
-                <a:latin typeface="Courier New" panose="02070309020205020404" pitchFamily="49" charset="0"/>
-              </a:rPr>
-              <a:t>    </a:t>
-            </a:r>
-            <a:r>
-              <a:rPr lang="en-US" sz="1000" dirty="0" err="1">
-                <a:solidFill>
-                  <a:srgbClr val="000000"/>
-                </a:solidFill>
-                <a:latin typeface="Courier New" panose="02070309020205020404" pitchFamily="49" charset="0"/>
-              </a:rPr>
-              <a:t>fcn_MapGen_polytopeCropEdges</a:t>
-            </a:r>
-            <a:r>
-              <a:rPr lang="en-US" sz="1000" dirty="0">
-                <a:solidFill>
-                  <a:srgbClr val="000000"/>
-                </a:solidFill>
-                <a:latin typeface="Courier New" panose="02070309020205020404" pitchFamily="49" charset="0"/>
-              </a:rPr>
-              <a:t>(</a:t>
-            </a:r>
-            <a:r>
-              <a:rPr lang="en-US" sz="1000" dirty="0" err="1">
-                <a:solidFill>
-                  <a:srgbClr val="000000"/>
-                </a:solidFill>
-                <a:latin typeface="Courier New" panose="02070309020205020404" pitchFamily="49" charset="0"/>
-              </a:rPr>
-              <a:t>tiled_polytopes,bounding_box,fig_num</a:t>
-            </a:r>
-            <a:r>
-              <a:rPr lang="en-US" sz="1000" dirty="0">
-                <a:solidFill>
-                  <a:srgbClr val="000000"/>
-                </a:solidFill>
-                <a:latin typeface="Courier New" panose="02070309020205020404" pitchFamily="49" charset="0"/>
-              </a:rPr>
-              <a:t>);</a:t>
-            </a:r>
-          </a:p>
-          <a:p>
-            <a:r>
-              <a:rPr lang="en-US" sz="1000" dirty="0">
-                <a:solidFill>
-                  <a:srgbClr val="000000"/>
-                </a:solidFill>
-                <a:latin typeface="Courier New" panose="02070309020205020404" pitchFamily="49" charset="0"/>
-              </a:rPr>
-              <a:t> </a:t>
-            </a:r>
-          </a:p>
-          <a:p>
-            <a:r>
-              <a:rPr lang="en-US" sz="1000" dirty="0">
-                <a:solidFill>
-                  <a:srgbClr val="028009"/>
-                </a:solidFill>
-                <a:latin typeface="Courier New" panose="02070309020205020404" pitchFamily="49" charset="0"/>
-              </a:rPr>
-              <a:t>% Shrink to radius</a:t>
-            </a:r>
-          </a:p>
-          <a:p>
-            <a:r>
-              <a:rPr lang="en-US" sz="1000" dirty="0" err="1">
-                <a:solidFill>
-                  <a:srgbClr val="000000"/>
-                </a:solidFill>
-                <a:latin typeface="Courier New" panose="02070309020205020404" pitchFamily="49" charset="0"/>
-              </a:rPr>
-              <a:t>fig_num</a:t>
-            </a:r>
-            <a:r>
-              <a:rPr lang="en-US" sz="1000" dirty="0">
-                <a:solidFill>
-                  <a:srgbClr val="000000"/>
-                </a:solidFill>
-                <a:latin typeface="Courier New" panose="02070309020205020404" pitchFamily="49" charset="0"/>
-              </a:rPr>
-              <a:t> = 24;</a:t>
-            </a:r>
-          </a:p>
-          <a:p>
-            <a:r>
-              <a:rPr lang="sv-SE" sz="1000" dirty="0">
-                <a:solidFill>
-                  <a:srgbClr val="000000"/>
-                </a:solidFill>
-                <a:latin typeface="Courier New" panose="02070309020205020404" pitchFamily="49" charset="0"/>
-              </a:rPr>
-              <a:t>des_rad = 0.03; sigma_radius = 0; min_rad = 0.001;</a:t>
-            </a:r>
-          </a:p>
-          <a:p>
-            <a:r>
-              <a:rPr lang="en-US" sz="1000" dirty="0">
-                <a:solidFill>
-                  <a:srgbClr val="000000"/>
-                </a:solidFill>
-                <a:latin typeface="Courier New" panose="02070309020205020404" pitchFamily="49" charset="0"/>
-              </a:rPr>
-              <a:t>shrunk_polytopes2=</a:t>
-            </a:r>
-            <a:r>
-              <a:rPr lang="en-US" sz="1000" dirty="0" err="1">
-                <a:solidFill>
-                  <a:srgbClr val="000000"/>
-                </a:solidFill>
-                <a:latin typeface="Courier New" panose="02070309020205020404" pitchFamily="49" charset="0"/>
-              </a:rPr>
-              <a:t>fcn_MapGen_polytopesShrinkToRadius</a:t>
-            </a:r>
-            <a:r>
-              <a:rPr lang="en-US" sz="1000" dirty="0">
-                <a:solidFill>
-                  <a:srgbClr val="000000"/>
-                </a:solidFill>
-                <a:latin typeface="Courier New" panose="02070309020205020404" pitchFamily="49" charset="0"/>
-              </a:rPr>
-              <a:t>(</a:t>
-            </a:r>
-            <a:r>
-              <a:rPr lang="en-US" sz="1000" dirty="0">
-                <a:solidFill>
-                  <a:srgbClr val="0E00FF"/>
-                </a:solidFill>
-                <a:latin typeface="Courier New" panose="02070309020205020404" pitchFamily="49" charset="0"/>
-              </a:rPr>
-              <a:t>...</a:t>
-            </a:r>
-          </a:p>
-          <a:p>
-            <a:r>
-              <a:rPr lang="sv-SE" sz="1000" dirty="0">
-                <a:solidFill>
-                  <a:srgbClr val="000000"/>
-                </a:solidFill>
-                <a:latin typeface="Courier New" panose="02070309020205020404" pitchFamily="49" charset="0"/>
-              </a:rPr>
-              <a:t>    trimmed_polytopes,des_rad,sigma_radius,min_rad,fig_num);</a:t>
-            </a:r>
-          </a:p>
-        </p:txBody>
-      </p:sp>
-      <p:sp>
-        <p:nvSpPr>
-          <p:cNvPr id="6" name="Rectangle 5"/>
-          <p:cNvSpPr/>
-          <p:nvPr/>
-        </p:nvSpPr>
-        <p:spPr>
-          <a:xfrm>
-            <a:off x="270831" y="6215876"/>
-            <a:ext cx="6096000" cy="276999"/>
-          </a:xfrm>
-          <a:prstGeom prst="rect">
-            <a:avLst/>
-          </a:prstGeom>
-        </p:spPr>
-        <p:txBody>
-          <a:bodyPr>
-            <a:spAutoFit/>
-          </a:bodyPr>
-          <a:lstStyle/>
-          <a:p>
-            <a:r>
-              <a:rPr lang="en-US" sz="1200" dirty="0">
-                <a:solidFill>
-                  <a:srgbClr val="228B22"/>
-                </a:solidFill>
-                <a:latin typeface="Courier New" panose="02070309020205020404" pitchFamily="49" charset="0"/>
-              </a:rPr>
-              <a:t>See </a:t>
-            </a:r>
-            <a:r>
-              <a:rPr lang="en-US" sz="1200" dirty="0" err="1">
-                <a:solidFill>
-                  <a:srgbClr val="228B22"/>
-                </a:solidFill>
-                <a:latin typeface="Courier New" panose="02070309020205020404" pitchFamily="49" charset="0"/>
-              </a:rPr>
-              <a:t>script_demo_MapGenLibrary.m</a:t>
-            </a:r>
-            <a:endParaRPr lang="en-US" sz="1200" dirty="0">
-              <a:solidFill>
-                <a:srgbClr val="228B22"/>
-              </a:solidFill>
-              <a:latin typeface="Courier New" panose="02070309020205020404" pitchFamily="49" charset="0"/>
-            </a:endParaRPr>
-          </a:p>
-        </p:txBody>
-      </p:sp>
-      <p:pic>
-        <p:nvPicPr>
-          <p:cNvPr id="9" name="Picture 8">
-            <a:extLst>
-              <a:ext uri="{FF2B5EF4-FFF2-40B4-BE49-F238E27FC236}">
-                <a16:creationId xmlns:a16="http://schemas.microsoft.com/office/drawing/2014/main" id="{71282423-E8BF-4582-AF81-A68B23814ACF}"/>
-              </a:ext>
-            </a:extLst>
-          </p:cNvPr>
-          <p:cNvPicPr>
-            <a:picLocks noChangeAspect="1"/>
-          </p:cNvPicPr>
-          <p:nvPr/>
-        </p:nvPicPr>
-        <p:blipFill>
-          <a:blip r:embed="rId2" cstate="email">
-            <a:extLst>
-              <a:ext uri="{28A0092B-C50C-407E-A947-70E740481C1C}">
-                <a14:useLocalDpi xmlns:a14="http://schemas.microsoft.com/office/drawing/2010/main"/>
-              </a:ext>
-            </a:extLst>
-          </a:blip>
-          <a:stretch>
-            <a:fillRect/>
-          </a:stretch>
-        </p:blipFill>
-        <p:spPr>
-          <a:xfrm>
-            <a:off x="-97692" y="1937782"/>
-            <a:ext cx="2433768" cy="1825326"/>
-          </a:xfrm>
-          <a:prstGeom prst="rect">
-            <a:avLst/>
-          </a:prstGeom>
-        </p:spPr>
-      </p:pic>
-      <p:pic>
-        <p:nvPicPr>
-          <p:cNvPr id="10" name="Picture 9">
-            <a:extLst>
-              <a:ext uri="{FF2B5EF4-FFF2-40B4-BE49-F238E27FC236}">
-                <a16:creationId xmlns:a16="http://schemas.microsoft.com/office/drawing/2014/main" id="{30C9746D-E262-4C3A-B9BE-A13E8775BB69}"/>
-              </a:ext>
-            </a:extLst>
-          </p:cNvPr>
-          <p:cNvPicPr>
-            <a:picLocks noChangeAspect="1"/>
-          </p:cNvPicPr>
-          <p:nvPr/>
-        </p:nvPicPr>
-        <p:blipFill>
-          <a:blip r:embed="rId3" cstate="email">
-            <a:extLst>
-              <a:ext uri="{28A0092B-C50C-407E-A947-70E740481C1C}">
-                <a14:useLocalDpi xmlns:a14="http://schemas.microsoft.com/office/drawing/2010/main"/>
-              </a:ext>
-            </a:extLst>
-          </a:blip>
-          <a:stretch>
-            <a:fillRect/>
-          </a:stretch>
-        </p:blipFill>
-        <p:spPr>
-          <a:xfrm>
-            <a:off x="1002576" y="2762983"/>
-            <a:ext cx="2667000" cy="2000250"/>
-          </a:xfrm>
-          <a:prstGeom prst="rect">
-            <a:avLst/>
-          </a:prstGeom>
-        </p:spPr>
-      </p:pic>
-      <p:pic>
-        <p:nvPicPr>
-          <p:cNvPr id="11" name="Picture 10">
-            <a:extLst>
-              <a:ext uri="{FF2B5EF4-FFF2-40B4-BE49-F238E27FC236}">
-                <a16:creationId xmlns:a16="http://schemas.microsoft.com/office/drawing/2014/main" id="{0BAFFBE6-FFE9-4401-A88F-C66A801D4820}"/>
-              </a:ext>
-            </a:extLst>
-          </p:cNvPr>
-          <p:cNvPicPr>
-            <a:picLocks noChangeAspect="1"/>
-          </p:cNvPicPr>
-          <p:nvPr/>
-        </p:nvPicPr>
-        <p:blipFill>
-          <a:blip r:embed="rId4" cstate="email">
-            <a:extLst>
-              <a:ext uri="{28A0092B-C50C-407E-A947-70E740481C1C}">
-                <a14:useLocalDpi xmlns:a14="http://schemas.microsoft.com/office/drawing/2010/main"/>
-              </a:ext>
-            </a:extLst>
-          </a:blip>
-          <a:stretch>
-            <a:fillRect/>
-          </a:stretch>
-        </p:blipFill>
-        <p:spPr>
-          <a:xfrm>
-            <a:off x="1815738" y="2739469"/>
-            <a:ext cx="4022083" cy="3016562"/>
-          </a:xfrm>
-          <a:prstGeom prst="rect">
-            <a:avLst/>
-          </a:prstGeom>
-        </p:spPr>
-      </p:pic>
-    </p:spTree>
-    <p:extLst>
-      <p:ext uri="{BB962C8B-B14F-4D97-AF65-F5344CB8AC3E}">
-        <p14:creationId xmlns:p14="http://schemas.microsoft.com/office/powerpoint/2010/main" val="3892669944"/>
-      </p:ext>
-    </p:extLst>
-  </p:cSld>
-  <p:clrMapOvr>
-    <a:masterClrMapping/>
-  </p:clrMapOvr>
-</p:sld>
-</file>
-
-<file path=ppt/slides/slide16.xml><?xml version="1.0" encoding="utf-8"?>
-<p:sld xmlns:a="http://schemas.openxmlformats.org/drawingml/2006/main" xmlns:r="http://schemas.openxmlformats.org/officeDocument/2006/relationships" xmlns:p="http://schemas.openxmlformats.org/presentationml/2006/main">
-  <p:cSld>
-    <p:spTree>
-      <p:nvGrpSpPr>
-        <p:cNvPr id="1" name=""/>
-        <p:cNvGrpSpPr/>
-        <p:nvPr/>
-      </p:nvGrpSpPr>
-      <p:grpSpPr>
-        <a:xfrm>
-          <a:off x="0" y="0"/>
-          <a:ext cx="0" cy="0"/>
-          <a:chOff x="0" y="0"/>
-          <a:chExt cx="0" cy="0"/>
-        </a:xfrm>
-      </p:grpSpPr>
-      <p:sp>
-        <p:nvSpPr>
-          <p:cNvPr id="2" name="Title 1">
-            <a:extLst>
-              <a:ext uri="{FF2B5EF4-FFF2-40B4-BE49-F238E27FC236}">
-                <a16:creationId xmlns:a16="http://schemas.microsoft.com/office/drawing/2014/main" id="{C52E4A42-771F-473D-A7D1-F032DA798E2B}"/>
-              </a:ext>
-            </a:extLst>
-          </p:cNvPr>
-          <p:cNvSpPr>
-            <a:spLocks noGrp="1"/>
-          </p:cNvSpPr>
-          <p:nvPr>
-            <p:ph type="title"/>
-          </p:nvPr>
-        </p:nvSpPr>
-        <p:spPr>
-          <a:xfrm>
-            <a:off x="838200" y="365125"/>
-            <a:ext cx="10515600" cy="2628337"/>
-          </a:xfrm>
-        </p:spPr>
-        <p:txBody>
-          <a:bodyPr vert="horz" lIns="91440" tIns="45720" rIns="91440" bIns="45720" rtlCol="0" anchor="ctr">
-            <a:noAutofit/>
-          </a:bodyPr>
-          <a:lstStyle/>
-          <a:p>
-            <a:r>
-              <a:rPr lang="en-US" sz="3200">
-                <a:cs typeface="Calibri Light"/>
-              </a:rPr>
-              <a:t>Individual polytopes are shrunk with </a:t>
-            </a:r>
-            <a:r>
-              <a:rPr lang="en-US" sz="3200">
-                <a:solidFill>
-                  <a:srgbClr val="00B050"/>
-                </a:solidFill>
-                <a:latin typeface="Courier New"/>
-                <a:cs typeface="Courier New"/>
-              </a:rPr>
-              <a:t>fcn_MapGen_polytopeShrinkToRadius </a:t>
-            </a:r>
-            <a:r>
-              <a:rPr lang="en-US" sz="3200">
-                <a:cs typeface="Calibri Light"/>
-              </a:rPr>
-              <a:t>by moving all verticies towards the centroid by some scalar multiplier, derived from the desired final max radius.  Max radius is the distance from the centroid to the furthest vertex. </a:t>
-            </a:r>
-          </a:p>
-        </p:txBody>
-      </p:sp>
-      <p:sp>
-        <p:nvSpPr>
-          <p:cNvPr id="5" name="Rectangle 4">
-            <a:extLst>
-              <a:ext uri="{FF2B5EF4-FFF2-40B4-BE49-F238E27FC236}">
-                <a16:creationId xmlns:a16="http://schemas.microsoft.com/office/drawing/2014/main" id="{DAD36BB6-5195-4557-9528-BAFE14B7A978}"/>
-              </a:ext>
-            </a:extLst>
-          </p:cNvPr>
-          <p:cNvSpPr/>
-          <p:nvPr/>
-        </p:nvSpPr>
-        <p:spPr>
-          <a:xfrm>
-            <a:off x="2659627" y="3928814"/>
-            <a:ext cx="6569962" cy="1015663"/>
-          </a:xfrm>
-          <a:prstGeom prst="rect">
-            <a:avLst/>
-          </a:prstGeom>
-          <a:solidFill>
-            <a:schemeClr val="accent4">
-              <a:lumMod val="20000"/>
-              <a:lumOff val="80000"/>
-            </a:schemeClr>
-          </a:solidFill>
-        </p:spPr>
-        <p:txBody>
-          <a:bodyPr wrap="square" lIns="91440" tIns="45720" rIns="91440" bIns="45720" anchor="t">
-            <a:spAutoFit/>
-          </a:bodyPr>
-          <a:lstStyle/>
-          <a:p>
-            <a:r>
-              <a:rPr lang="en-US" sz="1200">
-                <a:solidFill>
-                  <a:srgbClr val="028009"/>
-                </a:solidFill>
-                <a:latin typeface="Courier New"/>
-                <a:cs typeface="Courier New"/>
-              </a:rPr>
-              <a:t>% determine scale factor</a:t>
-            </a:r>
-            <a:endParaRPr lang="en-US" sz="1200">
-              <a:solidFill>
-                <a:srgbClr val="028009"/>
-              </a:solidFill>
-              <a:latin typeface="Courier New" panose="02070309020205020404" pitchFamily="49" charset="0"/>
-              <a:cs typeface="Courier New"/>
-            </a:endParaRPr>
-          </a:p>
-          <a:p>
-            <a:r>
-              <a:rPr lang="en-US" sz="1200">
-                <a:solidFill>
-                  <a:srgbClr val="000000"/>
-                </a:solidFill>
-                <a:latin typeface="Courier New"/>
-                <a:cs typeface="Courier New"/>
-              </a:rPr>
-              <a:t>scale = new_radius/rad;</a:t>
-            </a:r>
-            <a:endParaRPr lang="en-US" sz="1200">
-              <a:solidFill>
-                <a:srgbClr val="000000"/>
-              </a:solidFill>
-              <a:latin typeface="Courier New" panose="02070309020205020404" pitchFamily="49" charset="0"/>
-              <a:cs typeface="Courier New"/>
-            </a:endParaRPr>
-          </a:p>
-          <a:p>
-            <a:r>
-              <a:rPr lang="en-US" sz="1200">
-                <a:solidFill>
-                  <a:srgbClr val="000000"/>
-                </a:solidFill>
-                <a:latin typeface="Courier New"/>
-                <a:cs typeface="Courier New"/>
-              </a:rPr>
-              <a:t>…</a:t>
-            </a:r>
-          </a:p>
-          <a:p>
-            <a:r>
-              <a:rPr lang="en-US" sz="1200">
-                <a:solidFill>
-                  <a:srgbClr val="028009"/>
-                </a:solidFill>
-                <a:latin typeface="Courier New"/>
-                <a:cs typeface="Courier New"/>
-              </a:rPr>
-              <a:t>% find new vertices</a:t>
-            </a:r>
-            <a:endParaRPr lang="en-US" sz="1200">
-              <a:latin typeface="Courier New"/>
-              <a:ea typeface="+mn-lt"/>
-              <a:cs typeface="+mn-lt"/>
-            </a:endParaRPr>
-          </a:p>
-          <a:p>
-            <a:r>
-              <a:rPr lang="en-US" sz="1200">
-                <a:latin typeface="Courier New"/>
-                <a:ea typeface="+mn-lt"/>
-                <a:cs typeface="+mn-lt"/>
-              </a:rPr>
-              <a:t>new_vert = centroid + scale*(vertices-centroid);</a:t>
-            </a:r>
-            <a:endParaRPr lang="en-US" sz="1200">
-              <a:latin typeface="Calibri" panose="020F0502020204030204"/>
-              <a:cs typeface="Calibri" panose="020F0502020204030204"/>
-            </a:endParaRPr>
-          </a:p>
-        </p:txBody>
-      </p:sp>
-    </p:spTree>
-    <p:extLst>
-      <p:ext uri="{BB962C8B-B14F-4D97-AF65-F5344CB8AC3E}">
-        <p14:creationId xmlns:p14="http://schemas.microsoft.com/office/powerpoint/2010/main" val="2986685731"/>
-      </p:ext>
-    </p:extLst>
-  </p:cSld>
-  <p:clrMapOvr>
-    <a:masterClrMapping/>
-  </p:clrMapOvr>
-</p:sld>
-</file>
-
-<file path=ppt/slides/slide17.xml><?xml version="1.0" encoding="utf-8"?>
-<p:sld xmlns:a="http://schemas.openxmlformats.org/drawingml/2006/main" xmlns:r="http://schemas.openxmlformats.org/officeDocument/2006/relationships" xmlns:p="http://schemas.openxmlformats.org/presentationml/2006/main">
-  <p:cSld>
-    <p:spTree>
-      <p:nvGrpSpPr>
-        <p:cNvPr id="1" name=""/>
-        <p:cNvGrpSpPr/>
-        <p:nvPr/>
-      </p:nvGrpSpPr>
-      <p:grpSpPr>
-        <a:xfrm>
-          <a:off x="0" y="0"/>
-          <a:ext cx="0" cy="0"/>
-          <a:chOff x="0" y="0"/>
-          <a:chExt cx="0" cy="0"/>
-        </a:xfrm>
-      </p:grpSpPr>
-      <p:sp>
-        <p:nvSpPr>
-          <p:cNvPr id="2" name="Title 1">
-            <a:extLst>
-              <a:ext uri="{FF2B5EF4-FFF2-40B4-BE49-F238E27FC236}">
-                <a16:creationId xmlns:a16="http://schemas.microsoft.com/office/drawing/2014/main" id="{3E9ADC98-84CB-4771-882B-988B9197E7B2}"/>
-              </a:ext>
-            </a:extLst>
-          </p:cNvPr>
-          <p:cNvSpPr>
-            <a:spLocks noGrp="1"/>
-          </p:cNvSpPr>
-          <p:nvPr>
-            <p:ph type="title"/>
-          </p:nvPr>
-        </p:nvSpPr>
-        <p:spPr/>
-        <p:txBody>
-          <a:bodyPr>
-            <a:noAutofit/>
-          </a:bodyPr>
-          <a:lstStyle/>
-          <a:p>
-            <a:r>
-              <a:rPr lang="en-US" sz="3600" dirty="0"/>
-              <a:t>The shrinking process allows introduction of random choice in which polytopes are shrunk, which allows user to set desired mean and standard deviations</a:t>
-            </a:r>
-            <a:endParaRPr lang="en-US" sz="3600" dirty="0">
-              <a:solidFill>
-                <a:srgbClr val="00B050"/>
-              </a:solidFill>
-            </a:endParaRPr>
-          </a:p>
-        </p:txBody>
-      </p:sp>
-      <p:sp>
-        <p:nvSpPr>
-          <p:cNvPr id="6" name="Rectangle 5"/>
-          <p:cNvSpPr/>
-          <p:nvPr/>
-        </p:nvSpPr>
-        <p:spPr>
-          <a:xfrm>
-            <a:off x="270831" y="6215876"/>
-            <a:ext cx="6096000" cy="276999"/>
-          </a:xfrm>
-          <a:prstGeom prst="rect">
-            <a:avLst/>
-          </a:prstGeom>
-        </p:spPr>
-        <p:txBody>
-          <a:bodyPr>
-            <a:spAutoFit/>
-          </a:bodyPr>
-          <a:lstStyle/>
-          <a:p>
-            <a:r>
-              <a:rPr lang="en-US" sz="1200" dirty="0">
-                <a:solidFill>
-                  <a:srgbClr val="228B22"/>
-                </a:solidFill>
-                <a:latin typeface="Courier New" panose="02070309020205020404" pitchFamily="49" charset="0"/>
-              </a:rPr>
-              <a:t>See </a:t>
-            </a:r>
-            <a:r>
-              <a:rPr lang="en-US" sz="1200" dirty="0" err="1">
-                <a:solidFill>
-                  <a:srgbClr val="228B22"/>
-                </a:solidFill>
-                <a:latin typeface="Courier New" panose="02070309020205020404" pitchFamily="49" charset="0"/>
-              </a:rPr>
-              <a:t>script_demo_MapGenLibrary.m</a:t>
-            </a:r>
-            <a:endParaRPr lang="en-US" sz="1200" dirty="0">
-              <a:solidFill>
-                <a:srgbClr val="228B22"/>
-              </a:solidFill>
-              <a:latin typeface="Courier New" panose="02070309020205020404" pitchFamily="49" charset="0"/>
-            </a:endParaRPr>
-          </a:p>
-        </p:txBody>
-      </p:sp>
-      <p:pic>
-        <p:nvPicPr>
-          <p:cNvPr id="3" name="Picture 2">
-            <a:extLst>
-              <a:ext uri="{FF2B5EF4-FFF2-40B4-BE49-F238E27FC236}">
-                <a16:creationId xmlns:a16="http://schemas.microsoft.com/office/drawing/2014/main" id="{D47761A1-93B3-4E8E-B2DF-6D79CA3112A4}"/>
-              </a:ext>
-            </a:extLst>
-          </p:cNvPr>
-          <p:cNvPicPr>
-            <a:picLocks noChangeAspect="1"/>
-          </p:cNvPicPr>
-          <p:nvPr/>
-        </p:nvPicPr>
-        <p:blipFill>
-          <a:blip r:embed="rId2" cstate="email">
-            <a:extLst>
-              <a:ext uri="{28A0092B-C50C-407E-A947-70E740481C1C}">
-                <a14:useLocalDpi xmlns:a14="http://schemas.microsoft.com/office/drawing/2010/main"/>
-              </a:ext>
-            </a:extLst>
-          </a:blip>
-          <a:stretch>
-            <a:fillRect/>
-          </a:stretch>
-        </p:blipFill>
-        <p:spPr>
-          <a:xfrm>
-            <a:off x="270831" y="2091950"/>
-            <a:ext cx="11707690" cy="3721864"/>
-          </a:xfrm>
-          <a:prstGeom prst="rect">
-            <a:avLst/>
-          </a:prstGeom>
-        </p:spPr>
-      </p:pic>
-    </p:spTree>
-    <p:extLst>
-      <p:ext uri="{BB962C8B-B14F-4D97-AF65-F5344CB8AC3E}">
-        <p14:creationId xmlns:p14="http://schemas.microsoft.com/office/powerpoint/2010/main" val="2342926812"/>
-      </p:ext>
-    </p:extLst>
-  </p:cSld>
-  <p:clrMapOvr>
-    <a:masterClrMapping/>
-  </p:clrMapOvr>
-</p:sld>
-</file>
-
-<file path=ppt/slides/slide18.xml><?xml version="1.0" encoding="utf-8"?>
-<p:sld xmlns:a="http://schemas.openxmlformats.org/drawingml/2006/main" xmlns:r="http://schemas.openxmlformats.org/officeDocument/2006/relationships" xmlns:p="http://schemas.openxmlformats.org/presentationml/2006/main">
-  <p:cSld>
-    <p:spTree>
-      <p:nvGrpSpPr>
-        <p:cNvPr id="1" name=""/>
-        <p:cNvGrpSpPr/>
-        <p:nvPr/>
-      </p:nvGrpSpPr>
-      <p:grpSpPr>
-        <a:xfrm>
-          <a:off x="0" y="0"/>
-          <a:ext cx="0" cy="0"/>
-          <a:chOff x="0" y="0"/>
-          <a:chExt cx="0" cy="0"/>
-        </a:xfrm>
-      </p:grpSpPr>
-      <p:sp>
-        <p:nvSpPr>
-          <p:cNvPr id="2" name="Title 1">
-            <a:extLst>
-              <a:ext uri="{FF2B5EF4-FFF2-40B4-BE49-F238E27FC236}">
                 <a16:creationId xmlns:a16="http://schemas.microsoft.com/office/drawing/2014/main" id="{7489FDBE-1F28-4E43-829E-C7286CA0F6D6}"/>
               </a:ext>
             </a:extLst>
@@ -6494,7 +5434,7 @@
 </p:sld>
 </file>
 
-<file path=ppt/slides/slide19.xml><?xml version="1.0" encoding="utf-8"?>
+<file path=ppt/slides/slide16.xml><?xml version="1.0" encoding="utf-8"?>
 <p:sld xmlns:a="http://schemas.openxmlformats.org/drawingml/2006/main" xmlns:r="http://schemas.openxmlformats.org/officeDocument/2006/relationships" xmlns:p="http://schemas.openxmlformats.org/presentationml/2006/main">
   <p:cSld>
     <p:spTree>
@@ -6712,146 +5652,7 @@
 </p:sld>
 </file>
 
-<file path=ppt/slides/slide2.xml><?xml version="1.0" encoding="utf-8"?>
-<p:sld xmlns:a="http://schemas.openxmlformats.org/drawingml/2006/main" xmlns:r="http://schemas.openxmlformats.org/officeDocument/2006/relationships" xmlns:p="http://schemas.openxmlformats.org/presentationml/2006/main">
-  <p:cSld>
-    <p:spTree>
-      <p:nvGrpSpPr>
-        <p:cNvPr id="1" name=""/>
-        <p:cNvGrpSpPr/>
-        <p:nvPr/>
-      </p:nvGrpSpPr>
-      <p:grpSpPr>
-        <a:xfrm>
-          <a:off x="0" y="0"/>
-          <a:ext cx="0" cy="0"/>
-          <a:chOff x="0" y="0"/>
-          <a:chExt cx="0" cy="0"/>
-        </a:xfrm>
-      </p:grpSpPr>
-      <p:sp>
-        <p:nvSpPr>
-          <p:cNvPr id="2" name="Title 1">
-            <a:extLst>
-              <a:ext uri="{FF2B5EF4-FFF2-40B4-BE49-F238E27FC236}">
-                <a16:creationId xmlns:a16="http://schemas.microsoft.com/office/drawing/2014/main" id="{244E66BB-A5E7-49FD-AD30-EFCD9902B17B}"/>
-              </a:ext>
-            </a:extLst>
-          </p:cNvPr>
-          <p:cNvSpPr>
-            <a:spLocks noGrp="1"/>
-          </p:cNvSpPr>
-          <p:nvPr>
-            <p:ph type="title"/>
-          </p:nvPr>
-        </p:nvSpPr>
-        <p:spPr>
-          <a:xfrm>
-            <a:off x="838200" y="365125"/>
-            <a:ext cx="5430461" cy="2837918"/>
-          </a:xfrm>
-        </p:spPr>
-        <p:txBody>
-          <a:bodyPr>
-            <a:normAutofit fontScale="90000"/>
-          </a:bodyPr>
-          <a:lstStyle/>
-          <a:p>
-            <a:r>
-              <a:rPr lang="en-US" dirty="0"/>
-              <a:t>The </a:t>
-            </a:r>
-            <a:r>
-              <a:rPr lang="en-US" dirty="0" err="1"/>
-              <a:t>MapGen</a:t>
-            </a:r>
-            <a:r>
-              <a:rPr lang="en-US" dirty="0"/>
-              <a:t> class library hosts tools to build maps useful for studying path planning, autonomy, etc.</a:t>
-            </a:r>
-          </a:p>
-        </p:txBody>
-      </p:sp>
-      <p:sp>
-        <p:nvSpPr>
-          <p:cNvPr id="3" name="Content Placeholder 2">
-            <a:extLst>
-              <a:ext uri="{FF2B5EF4-FFF2-40B4-BE49-F238E27FC236}">
-                <a16:creationId xmlns:a16="http://schemas.microsoft.com/office/drawing/2014/main" id="{F075E6A4-EFA3-4C8C-AF03-54592386ADF5}"/>
-              </a:ext>
-            </a:extLst>
-          </p:cNvPr>
-          <p:cNvSpPr>
-            <a:spLocks noGrp="1"/>
-          </p:cNvSpPr>
-          <p:nvPr>
-            <p:ph idx="1"/>
-          </p:nvPr>
-        </p:nvSpPr>
-        <p:spPr>
-          <a:xfrm>
-            <a:off x="838200" y="3932449"/>
-            <a:ext cx="5700024" cy="2244514"/>
-          </a:xfrm>
-        </p:spPr>
-        <p:txBody>
-          <a:bodyPr/>
-          <a:lstStyle/>
-          <a:p>
-            <a:pPr marL="0" indent="0">
-              <a:buNone/>
-            </a:pPr>
-            <a:r>
-              <a:rPr lang="en-US" dirty="0"/>
-              <a:t>The result of these operations is some data representation of the expected environment.</a:t>
-            </a:r>
-          </a:p>
-        </p:txBody>
-      </p:sp>
-      <p:pic>
-        <p:nvPicPr>
-          <p:cNvPr id="5" name="Picture 4">
-            <a:extLst>
-              <a:ext uri="{FF2B5EF4-FFF2-40B4-BE49-F238E27FC236}">
-                <a16:creationId xmlns:a16="http://schemas.microsoft.com/office/drawing/2014/main" id="{4DDB510F-C9EA-427E-9563-95FC880A5598}"/>
-              </a:ext>
-            </a:extLst>
-          </p:cNvPr>
-          <p:cNvPicPr>
-            <a:picLocks noChangeAspect="1"/>
-          </p:cNvPicPr>
-          <p:nvPr/>
-        </p:nvPicPr>
-        <p:blipFill>
-          <a:blip r:embed="rId2"/>
-          <a:stretch>
-            <a:fillRect/>
-          </a:stretch>
-        </p:blipFill>
-        <p:spPr>
-          <a:xfrm>
-            <a:off x="6538224" y="762000"/>
-            <a:ext cx="5334000" cy="4000500"/>
-          </a:xfrm>
-          <a:prstGeom prst="rect">
-            <a:avLst/>
-          </a:prstGeom>
-        </p:spPr>
-      </p:pic>
-    </p:spTree>
-    <p:extLst>
-      <p:ext uri="{BB962C8B-B14F-4D97-AF65-F5344CB8AC3E}">
-        <p14:creationId xmlns:p14="http://schemas.microsoft.com/office/powerpoint/2010/main" val="2148868902"/>
-      </p:ext>
-    </p:extLst>
-  </p:cSld>
-  <p:clrMapOvr>
-    <a:masterClrMapping/>
-  </p:clrMapOvr>
-</p:sld>
-</file>
-
-<file path=ppt/slides/slide20.xml><?xml version="1.0" encoding="utf-8"?>
+<file path=ppt/slides/slide17.xml><?xml version="1.0" encoding="utf-8"?>
 <p:sld xmlns:a="http://schemas.openxmlformats.org/drawingml/2006/main" xmlns:r="http://schemas.openxmlformats.org/officeDocument/2006/relationships" xmlns:p="http://schemas.openxmlformats.org/presentationml/2006/main">
   <p:cSld>
     <p:spTree>
@@ -7527,7 +6328,7 @@
 </p:sld>
 </file>
 
-<file path=ppt/slides/slide21.xml><?xml version="1.0" encoding="utf-8"?>
+<file path=ppt/slides/slide18.xml><?xml version="1.0" encoding="utf-8"?>
 <p:sld xmlns:a="http://schemas.openxmlformats.org/drawingml/2006/main" xmlns:r="http://schemas.openxmlformats.org/officeDocument/2006/relationships" xmlns:p="http://schemas.openxmlformats.org/presentationml/2006/main">
   <p:cSld>
     <p:bg>
@@ -7736,7 +6537,7 @@
 </p:sld>
 </file>
 
-<file path=ppt/slides/slide22.xml><?xml version="1.0" encoding="utf-8"?>
+<file path=ppt/slides/slide19.xml><?xml version="1.0" encoding="utf-8"?>
 <p:sld xmlns:a="http://schemas.openxmlformats.org/drawingml/2006/main" xmlns:r="http://schemas.openxmlformats.org/officeDocument/2006/relationships" xmlns:p="http://schemas.openxmlformats.org/presentationml/2006/main">
   <p:cSld>
     <p:spTree>
@@ -7985,7 +6786,7 @@
 </p:sld>
 </file>
 
-<file path=ppt/slides/slide23.xml><?xml version="1.0" encoding="utf-8"?>
+<file path=ppt/slides/slide2.xml><?xml version="1.0" encoding="utf-8"?>
 <p:sld xmlns:a="http://schemas.openxmlformats.org/drawingml/2006/main" xmlns:r="http://schemas.openxmlformats.org/officeDocument/2006/relationships" xmlns:p="http://schemas.openxmlformats.org/presentationml/2006/main">
   <p:cSld>
     <p:spTree>
@@ -8007,6 +6808,648 @@
           <p:cNvPr id="2" name="Title 1">
             <a:extLst>
               <a:ext uri="{FF2B5EF4-FFF2-40B4-BE49-F238E27FC236}">
+                <a16:creationId xmlns:a16="http://schemas.microsoft.com/office/drawing/2014/main" id="{F61BB289-6F7D-4E26-9549-A418B0B98DBB}"/>
+              </a:ext>
+            </a:extLst>
+          </p:cNvPr>
+          <p:cNvSpPr>
+            <a:spLocks noGrp="1"/>
+          </p:cNvSpPr>
+          <p:nvPr>
+            <p:ph type="title"/>
+          </p:nvPr>
+        </p:nvSpPr>
+        <p:spPr/>
+        <p:txBody>
+          <a:bodyPr>
+            <a:normAutofit/>
+          </a:bodyPr>
+          <a:lstStyle/>
+          <a:p>
+            <a:r>
+              <a:rPr lang="en-US" dirty="0"/>
+              <a:t>Each function uses a class-specific argument check function</a:t>
+            </a:r>
+          </a:p>
+        </p:txBody>
+      </p:sp>
+      <p:sp>
+        <p:nvSpPr>
+          <p:cNvPr id="5" name="Rectangle 4">
+            <a:extLst>
+              <a:ext uri="{FF2B5EF4-FFF2-40B4-BE49-F238E27FC236}">
+                <a16:creationId xmlns:a16="http://schemas.microsoft.com/office/drawing/2014/main" id="{F0CB9B29-E4C5-4A4F-9118-99BC76FA2AD9}"/>
+              </a:ext>
+            </a:extLst>
+          </p:cNvPr>
+          <p:cNvSpPr/>
+          <p:nvPr/>
+        </p:nvSpPr>
+        <p:spPr>
+          <a:xfrm>
+            <a:off x="374433" y="2022133"/>
+            <a:ext cx="5909136" cy="3554819"/>
+          </a:xfrm>
+          <a:prstGeom prst="rect">
+            <a:avLst/>
+          </a:prstGeom>
+          <a:solidFill>
+            <a:schemeClr val="accent4">
+              <a:lumMod val="20000"/>
+              <a:lumOff val="80000"/>
+            </a:schemeClr>
+          </a:solidFill>
+        </p:spPr>
+        <p:txBody>
+          <a:bodyPr wrap="square">
+            <a:spAutoFit/>
+          </a:bodyPr>
+          <a:lstStyle/>
+          <a:p>
+            <a:r>
+              <a:rPr lang="en-US" sz="900" dirty="0">
+                <a:solidFill>
+                  <a:srgbClr val="0E00FF"/>
+                </a:solidFill>
+                <a:latin typeface="Courier New" panose="02070309020205020404" pitchFamily="49" charset="0"/>
+              </a:rPr>
+              <a:t>function</a:t>
+            </a:r>
+            <a:r>
+              <a:rPr lang="en-US" sz="900" dirty="0">
+                <a:solidFill>
+                  <a:srgbClr val="000000"/>
+                </a:solidFill>
+                <a:latin typeface="Courier New" panose="02070309020205020404" pitchFamily="49" charset="0"/>
+              </a:rPr>
+              <a:t> </a:t>
+            </a:r>
+            <a:r>
+              <a:rPr lang="en-US" sz="900" dirty="0" err="1">
+                <a:solidFill>
+                  <a:srgbClr val="000000"/>
+                </a:solidFill>
+                <a:latin typeface="Courier New" panose="02070309020205020404" pitchFamily="49" charset="0"/>
+              </a:rPr>
+              <a:t>fcn_MapGen_checkInputsToFunctions</a:t>
+            </a:r>
+            <a:r>
+              <a:rPr lang="en-US" sz="900" dirty="0">
+                <a:solidFill>
+                  <a:srgbClr val="000000"/>
+                </a:solidFill>
+                <a:latin typeface="Courier New" panose="02070309020205020404" pitchFamily="49" charset="0"/>
+              </a:rPr>
+              <a:t>(</a:t>
+            </a:r>
+            <a:r>
+              <a:rPr lang="en-US" sz="900" dirty="0">
+                <a:solidFill>
+                  <a:srgbClr val="0E00FF"/>
+                </a:solidFill>
+                <a:latin typeface="Courier New" panose="02070309020205020404" pitchFamily="49" charset="0"/>
+              </a:rPr>
+              <a:t>...</a:t>
+            </a:r>
+          </a:p>
+          <a:p>
+            <a:r>
+              <a:rPr lang="en-US" sz="900" dirty="0">
+                <a:solidFill>
+                  <a:srgbClr val="000000"/>
+                </a:solidFill>
+                <a:latin typeface="Courier New" panose="02070309020205020404" pitchFamily="49" charset="0"/>
+              </a:rPr>
+              <a:t>    </a:t>
+            </a:r>
+            <a:r>
+              <a:rPr lang="en-US" sz="900" dirty="0" err="1">
+                <a:solidFill>
+                  <a:srgbClr val="000000"/>
+                </a:solidFill>
+                <a:latin typeface="Courier New" panose="02070309020205020404" pitchFamily="49" charset="0"/>
+              </a:rPr>
+              <a:t>variable,variable_type_string,varargin</a:t>
+            </a:r>
+            <a:r>
+              <a:rPr lang="en-US" sz="900" dirty="0">
+                <a:solidFill>
+                  <a:srgbClr val="000000"/>
+                </a:solidFill>
+                <a:latin typeface="Courier New" panose="02070309020205020404" pitchFamily="49" charset="0"/>
+              </a:rPr>
+              <a:t>)</a:t>
+            </a:r>
+          </a:p>
+          <a:p>
+            <a:r>
+              <a:rPr lang="en-US" sz="900" dirty="0">
+                <a:solidFill>
+                  <a:srgbClr val="000000"/>
+                </a:solidFill>
+                <a:latin typeface="Courier New" panose="02070309020205020404" pitchFamily="49" charset="0"/>
+              </a:rPr>
+              <a:t> </a:t>
+            </a:r>
+          </a:p>
+          <a:p>
+            <a:r>
+              <a:rPr lang="en-US" sz="900" dirty="0">
+                <a:solidFill>
+                  <a:srgbClr val="028009"/>
+                </a:solidFill>
+                <a:latin typeface="Courier New" panose="02070309020205020404" pitchFamily="49" charset="0"/>
+              </a:rPr>
+              <a:t>% </a:t>
+            </a:r>
+            <a:r>
+              <a:rPr lang="en-US" sz="900" dirty="0" err="1">
+                <a:solidFill>
+                  <a:srgbClr val="028009"/>
+                </a:solidFill>
+                <a:latin typeface="Courier New" panose="02070309020205020404" pitchFamily="49" charset="0"/>
+              </a:rPr>
+              <a:t>fcn_MapGen_checkInputsToFunctions</a:t>
+            </a:r>
+            <a:endParaRPr lang="en-US" sz="900" dirty="0">
+              <a:solidFill>
+                <a:srgbClr val="028009"/>
+              </a:solidFill>
+              <a:latin typeface="Courier New" panose="02070309020205020404" pitchFamily="49" charset="0"/>
+            </a:endParaRPr>
+          </a:p>
+          <a:p>
+            <a:r>
+              <a:rPr lang="en-US" sz="900" dirty="0">
+                <a:solidFill>
+                  <a:srgbClr val="028009"/>
+                </a:solidFill>
+                <a:latin typeface="Courier New" panose="02070309020205020404" pitchFamily="49" charset="0"/>
+              </a:rPr>
+              <a:t>% Checks the variable types commonly used in the </a:t>
+            </a:r>
+            <a:r>
+              <a:rPr lang="en-US" sz="900" dirty="0" err="1">
+                <a:solidFill>
+                  <a:srgbClr val="028009"/>
+                </a:solidFill>
+                <a:latin typeface="Courier New" panose="02070309020205020404" pitchFamily="49" charset="0"/>
+              </a:rPr>
+              <a:t>MapGen</a:t>
+            </a:r>
+            <a:r>
+              <a:rPr lang="en-US" sz="900" dirty="0">
+                <a:solidFill>
+                  <a:srgbClr val="028009"/>
+                </a:solidFill>
+                <a:latin typeface="Courier New" panose="02070309020205020404" pitchFamily="49" charset="0"/>
+              </a:rPr>
+              <a:t> codes to</a:t>
+            </a:r>
+          </a:p>
+          <a:p>
+            <a:r>
+              <a:rPr lang="en-US" sz="900" dirty="0">
+                <a:solidFill>
+                  <a:srgbClr val="028009"/>
+                </a:solidFill>
+                <a:latin typeface="Courier New" panose="02070309020205020404" pitchFamily="49" charset="0"/>
+              </a:rPr>
+              <a:t>% ensure they are correctly formed.</a:t>
+            </a:r>
+          </a:p>
+          <a:p>
+            <a:r>
+              <a:rPr lang="en-US" sz="900" dirty="0">
+                <a:solidFill>
+                  <a:srgbClr val="028009"/>
+                </a:solidFill>
+                <a:latin typeface="Courier New" panose="02070309020205020404" pitchFamily="49" charset="0"/>
+              </a:rPr>
+              <a:t>%</a:t>
+            </a:r>
+          </a:p>
+          <a:p>
+            <a:r>
+              <a:rPr lang="en-US" sz="900" dirty="0">
+                <a:solidFill>
+                  <a:srgbClr val="028009"/>
+                </a:solidFill>
+                <a:latin typeface="Courier New" panose="02070309020205020404" pitchFamily="49" charset="0"/>
+              </a:rPr>
+              <a:t>% This function is typically called at the top of most functions. The input</a:t>
+            </a:r>
+          </a:p>
+          <a:p>
+            <a:r>
+              <a:rPr lang="en-US" sz="900" dirty="0">
+                <a:solidFill>
+                  <a:srgbClr val="028009"/>
+                </a:solidFill>
+                <a:latin typeface="Courier New" panose="02070309020205020404" pitchFamily="49" charset="0"/>
+              </a:rPr>
+              <a:t>% is a variable and a string defining the "type" of the variable. This</a:t>
+            </a:r>
+          </a:p>
+          <a:p>
+            <a:r>
+              <a:rPr lang="en-US" sz="900" dirty="0">
+                <a:solidFill>
+                  <a:srgbClr val="028009"/>
+                </a:solidFill>
+                <a:latin typeface="Courier New" panose="02070309020205020404" pitchFamily="49" charset="0"/>
+              </a:rPr>
+              <a:t>% function checks to see that they are compatible. For example, say there</a:t>
+            </a:r>
+          </a:p>
+          <a:p>
+            <a:r>
+              <a:rPr lang="en-US" sz="900" dirty="0">
+                <a:solidFill>
+                  <a:srgbClr val="028009"/>
+                </a:solidFill>
+                <a:latin typeface="Courier New" panose="02070309020205020404" pitchFamily="49" charset="0"/>
+              </a:rPr>
+              <a:t>% '</a:t>
+            </a:r>
+            <a:r>
+              <a:rPr lang="en-US" sz="900" dirty="0" err="1">
+                <a:solidFill>
+                  <a:srgbClr val="028009"/>
+                </a:solidFill>
+                <a:latin typeface="Courier New" panose="02070309020205020404" pitchFamily="49" charset="0"/>
+              </a:rPr>
+              <a:t>column_vector</a:t>
+            </a:r>
+            <a:r>
+              <a:rPr lang="en-US" sz="900" dirty="0">
+                <a:solidFill>
+                  <a:srgbClr val="028009"/>
+                </a:solidFill>
+                <a:latin typeface="Courier New" panose="02070309020205020404" pitchFamily="49" charset="0"/>
+              </a:rPr>
+              <a:t>' type of variables used in the function that is always a N</a:t>
+            </a:r>
+          </a:p>
+          <a:p>
+            <a:r>
+              <a:rPr lang="en-US" sz="900" dirty="0">
+                <a:solidFill>
+                  <a:srgbClr val="028009"/>
+                </a:solidFill>
+                <a:latin typeface="Courier New" panose="02070309020205020404" pitchFamily="49" charset="0"/>
+              </a:rPr>
+              <a:t>% x 1 array; if someone had a variable called "</a:t>
+            </a:r>
+            <a:r>
+              <a:rPr lang="en-US" sz="900" dirty="0" err="1">
+                <a:solidFill>
+                  <a:srgbClr val="028009"/>
+                </a:solidFill>
+                <a:latin typeface="Courier New" panose="02070309020205020404" pitchFamily="49" charset="0"/>
+              </a:rPr>
+              <a:t>test_example</a:t>
+            </a:r>
+            <a:r>
+              <a:rPr lang="en-US" sz="900" dirty="0">
+                <a:solidFill>
+                  <a:srgbClr val="028009"/>
+                </a:solidFill>
+                <a:latin typeface="Courier New" panose="02070309020205020404" pitchFamily="49" charset="0"/>
+              </a:rPr>
+              <a:t>", they could</a:t>
+            </a:r>
+          </a:p>
+          <a:p>
+            <a:r>
+              <a:rPr lang="en-US" sz="900" dirty="0">
+                <a:solidFill>
+                  <a:srgbClr val="028009"/>
+                </a:solidFill>
+                <a:latin typeface="Courier New" panose="02070309020205020404" pitchFamily="49" charset="0"/>
+              </a:rPr>
+              <a:t>% check that this fit the '</a:t>
+            </a:r>
+            <a:r>
+              <a:rPr lang="en-US" sz="900" dirty="0" err="1">
+                <a:solidFill>
+                  <a:srgbClr val="028009"/>
+                </a:solidFill>
+                <a:latin typeface="Courier New" panose="02070309020205020404" pitchFamily="49" charset="0"/>
+              </a:rPr>
+              <a:t>column_vector</a:t>
+            </a:r>
+            <a:r>
+              <a:rPr lang="en-US" sz="900" dirty="0">
+                <a:solidFill>
+                  <a:srgbClr val="028009"/>
+                </a:solidFill>
+                <a:latin typeface="Courier New" panose="02070309020205020404" pitchFamily="49" charset="0"/>
+              </a:rPr>
+              <a:t>' type by calling</a:t>
+            </a:r>
+          </a:p>
+          <a:p>
+            <a:r>
+              <a:rPr lang="en-US" sz="900" dirty="0">
+                <a:solidFill>
+                  <a:srgbClr val="028009"/>
+                </a:solidFill>
+                <a:latin typeface="Courier New" panose="02070309020205020404" pitchFamily="49" charset="0"/>
+              </a:rPr>
+              <a:t>% </a:t>
+            </a:r>
+            <a:r>
+              <a:rPr lang="en-US" sz="900" dirty="0" err="1">
+                <a:solidFill>
+                  <a:srgbClr val="028009"/>
+                </a:solidFill>
+                <a:latin typeface="Courier New" panose="02070309020205020404" pitchFamily="49" charset="0"/>
+              </a:rPr>
+              <a:t>fcn_MapGen_checkInputsToFunctions</a:t>
+            </a:r>
+            <a:r>
+              <a:rPr lang="en-US" sz="900" dirty="0">
+                <a:solidFill>
+                  <a:srgbClr val="028009"/>
+                </a:solidFill>
+                <a:latin typeface="Courier New" panose="02070309020205020404" pitchFamily="49" charset="0"/>
+              </a:rPr>
+              <a:t>(test_example,'</a:t>
+            </a:r>
+            <a:r>
+              <a:rPr lang="en-US" sz="900" dirty="0" err="1">
+                <a:solidFill>
+                  <a:srgbClr val="028009"/>
+                </a:solidFill>
+                <a:latin typeface="Courier New" panose="02070309020205020404" pitchFamily="49" charset="0"/>
+              </a:rPr>
+              <a:t>column_vector</a:t>
+            </a:r>
+            <a:r>
+              <a:rPr lang="en-US" sz="900" dirty="0">
+                <a:solidFill>
+                  <a:srgbClr val="028009"/>
+                </a:solidFill>
+                <a:latin typeface="Courier New" panose="02070309020205020404" pitchFamily="49" charset="0"/>
+              </a:rPr>
+              <a:t>').</a:t>
+            </a:r>
+          </a:p>
+          <a:p>
+            <a:r>
+              <a:rPr lang="en-US" sz="900" dirty="0">
+                <a:solidFill>
+                  <a:srgbClr val="028009"/>
+                </a:solidFill>
+                <a:latin typeface="Courier New" panose="02070309020205020404" pitchFamily="49" charset="0"/>
+              </a:rPr>
+              <a:t>% This function would then check that the array was N x 1, and if it was</a:t>
+            </a:r>
+          </a:p>
+          <a:p>
+            <a:r>
+              <a:rPr lang="en-US" sz="900" dirty="0">
+                <a:solidFill>
+                  <a:srgbClr val="028009"/>
+                </a:solidFill>
+                <a:latin typeface="Courier New" panose="02070309020205020404" pitchFamily="49" charset="0"/>
+              </a:rPr>
+              <a:t>% not, it would send out an error warning.</a:t>
+            </a:r>
+          </a:p>
+          <a:p>
+            <a:r>
+              <a:rPr lang="en-US" sz="900" dirty="0">
+                <a:solidFill>
+                  <a:srgbClr val="028009"/>
+                </a:solidFill>
+                <a:latin typeface="Courier New" panose="02070309020205020404" pitchFamily="49" charset="0"/>
+              </a:rPr>
+              <a:t>%</a:t>
+            </a:r>
+          </a:p>
+          <a:p>
+            <a:r>
+              <a:rPr lang="en-US" sz="900" dirty="0">
+                <a:solidFill>
+                  <a:srgbClr val="028009"/>
+                </a:solidFill>
+                <a:latin typeface="Courier New" panose="02070309020205020404" pitchFamily="49" charset="0"/>
+              </a:rPr>
+              <a:t>% FORMAT:</a:t>
+            </a:r>
+          </a:p>
+          <a:p>
+            <a:r>
+              <a:rPr lang="en-US" sz="900" dirty="0">
+                <a:solidFill>
+                  <a:srgbClr val="028009"/>
+                </a:solidFill>
+                <a:latin typeface="Courier New" panose="02070309020205020404" pitchFamily="49" charset="0"/>
+              </a:rPr>
+              <a:t>%</a:t>
+            </a:r>
+          </a:p>
+          <a:p>
+            <a:r>
+              <a:rPr lang="en-US" sz="900" dirty="0">
+                <a:solidFill>
+                  <a:srgbClr val="028009"/>
+                </a:solidFill>
+                <a:latin typeface="Courier New" panose="02070309020205020404" pitchFamily="49" charset="0"/>
+              </a:rPr>
+              <a:t>%      </a:t>
+            </a:r>
+            <a:r>
+              <a:rPr lang="en-US" sz="900" dirty="0" err="1">
+                <a:solidFill>
+                  <a:srgbClr val="028009"/>
+                </a:solidFill>
+                <a:latin typeface="Courier New" panose="02070309020205020404" pitchFamily="49" charset="0"/>
+              </a:rPr>
+              <a:t>fcn_MapGen_checkInputsToFunctions</a:t>
+            </a:r>
+            <a:r>
+              <a:rPr lang="en-US" sz="900" dirty="0">
+                <a:solidFill>
+                  <a:srgbClr val="028009"/>
+                </a:solidFill>
+                <a:latin typeface="Courier New" panose="02070309020205020404" pitchFamily="49" charset="0"/>
+              </a:rPr>
+              <a:t>(...</a:t>
+            </a:r>
+          </a:p>
+          <a:p>
+            <a:r>
+              <a:rPr lang="en-US" sz="900" dirty="0">
+                <a:solidFill>
+                  <a:srgbClr val="028009"/>
+                </a:solidFill>
+                <a:latin typeface="Courier New" panose="02070309020205020404" pitchFamily="49" charset="0"/>
+              </a:rPr>
+              <a:t>%      </a:t>
+            </a:r>
+            <a:r>
+              <a:rPr lang="en-US" sz="900" dirty="0" err="1">
+                <a:solidFill>
+                  <a:srgbClr val="028009"/>
+                </a:solidFill>
+                <a:latin typeface="Courier New" panose="02070309020205020404" pitchFamily="49" charset="0"/>
+              </a:rPr>
+              <a:t>variable,variable_type_string</a:t>
+            </a:r>
+            <a:r>
+              <a:rPr lang="en-US" sz="900" dirty="0">
+                <a:solidFill>
+                  <a:srgbClr val="028009"/>
+                </a:solidFill>
+                <a:latin typeface="Courier New" panose="02070309020205020404" pitchFamily="49" charset="0"/>
+              </a:rPr>
+              <a:t>,(</a:t>
+            </a:r>
+            <a:r>
+              <a:rPr lang="en-US" sz="900" dirty="0" err="1">
+                <a:solidFill>
+                  <a:srgbClr val="028009"/>
+                </a:solidFill>
+                <a:latin typeface="Courier New" panose="02070309020205020404" pitchFamily="49" charset="0"/>
+              </a:rPr>
+              <a:t>optional_arguments</a:t>
+            </a:r>
+            <a:r>
+              <a:rPr lang="en-US" sz="900" dirty="0">
+                <a:solidFill>
+                  <a:srgbClr val="028009"/>
+                </a:solidFill>
+                <a:latin typeface="Courier New" panose="02070309020205020404" pitchFamily="49" charset="0"/>
+              </a:rPr>
+              <a:t>))</a:t>
+            </a:r>
+          </a:p>
+          <a:p>
+            <a:r>
+              <a:rPr lang="en-US" sz="900" dirty="0">
+                <a:solidFill>
+                  <a:srgbClr val="028009"/>
+                </a:solidFill>
+                <a:latin typeface="Courier New" panose="02070309020205020404" pitchFamily="49" charset="0"/>
+              </a:rPr>
+              <a:t>%</a:t>
+            </a:r>
+          </a:p>
+          <a:p>
+            <a:r>
+              <a:rPr lang="en-US" sz="900" dirty="0">
+                <a:solidFill>
+                  <a:srgbClr val="028009"/>
+                </a:solidFill>
+                <a:latin typeface="Courier New" panose="02070309020205020404" pitchFamily="49" charset="0"/>
+              </a:rPr>
+              <a:t>% INPUTS:</a:t>
+            </a:r>
+          </a:p>
+          <a:p>
+            <a:r>
+              <a:rPr lang="en-US" sz="900" dirty="0">
+                <a:solidFill>
+                  <a:srgbClr val="028009"/>
+                </a:solidFill>
+                <a:latin typeface="Courier New" panose="02070309020205020404" pitchFamily="49" charset="0"/>
+              </a:rPr>
+              <a:t>%</a:t>
+            </a:r>
+          </a:p>
+          <a:p>
+            <a:r>
+              <a:rPr lang="en-US" sz="900" dirty="0">
+                <a:solidFill>
+                  <a:srgbClr val="028009"/>
+                </a:solidFill>
+                <a:latin typeface="Courier New" panose="02070309020205020404" pitchFamily="49" charset="0"/>
+              </a:rPr>
+              <a:t>%      variable: the variable to check</a:t>
+            </a:r>
+          </a:p>
+        </p:txBody>
+      </p:sp>
+      <p:sp>
+        <p:nvSpPr>
+          <p:cNvPr id="3" name="Rectangle 2">
+            <a:extLst>
+              <a:ext uri="{FF2B5EF4-FFF2-40B4-BE49-F238E27FC236}">
+                <a16:creationId xmlns:a16="http://schemas.microsoft.com/office/drawing/2014/main" id="{75616B01-3EEF-43F9-B062-A030413183B5}"/>
+              </a:ext>
+            </a:extLst>
+          </p:cNvPr>
+          <p:cNvSpPr/>
+          <p:nvPr/>
+        </p:nvSpPr>
+        <p:spPr>
+          <a:xfrm>
+            <a:off x="3692063" y="6308209"/>
+            <a:ext cx="7414594" cy="369332"/>
+          </a:xfrm>
+          <a:prstGeom prst="rect">
+            <a:avLst/>
+          </a:prstGeom>
+        </p:spPr>
+        <p:txBody>
+          <a:bodyPr wrap="none">
+            <a:spAutoFit/>
+          </a:bodyPr>
+          <a:lstStyle/>
+          <a:p>
+            <a:r>
+              <a:rPr lang="en-US" dirty="0"/>
+              <a:t>See: </a:t>
+            </a:r>
+            <a:r>
+              <a:rPr lang="en-US" dirty="0" err="1"/>
+              <a:t>script_test_fcn_MapGen_checkInputsToFunctions.m</a:t>
+            </a:r>
+            <a:r>
+              <a:rPr lang="en-US" dirty="0"/>
+              <a:t> for example usages</a:t>
+            </a:r>
+          </a:p>
+        </p:txBody>
+      </p:sp>
+    </p:spTree>
+    <p:extLst>
+      <p:ext uri="{BB962C8B-B14F-4D97-AF65-F5344CB8AC3E}">
+        <p14:creationId xmlns:p14="http://schemas.microsoft.com/office/powerpoint/2010/main" val="3283178281"/>
+      </p:ext>
+    </p:extLst>
+  </p:cSld>
+  <p:clrMapOvr>
+    <a:masterClrMapping/>
+  </p:clrMapOvr>
+</p:sld>
+</file>
+
+<file path=ppt/slides/slide20.xml><?xml version="1.0" encoding="utf-8"?>
+<p:sld xmlns:a="http://schemas.openxmlformats.org/drawingml/2006/main" xmlns:r="http://schemas.openxmlformats.org/officeDocument/2006/relationships" xmlns:p="http://schemas.openxmlformats.org/presentationml/2006/main">
+  <p:cSld>
+    <p:spTree>
+      <p:nvGrpSpPr>
+        <p:cNvPr id="1" name=""/>
+        <p:cNvGrpSpPr/>
+        <p:nvPr/>
+      </p:nvGrpSpPr>
+      <p:grpSpPr>
+        <a:xfrm>
+          <a:off x="0" y="0"/>
+          <a:ext cx="0" cy="0"/>
+          <a:chOff x="0" y="0"/>
+          <a:chExt cx="0" cy="0"/>
+        </a:xfrm>
+      </p:grpSpPr>
+      <p:sp>
+        <p:nvSpPr>
+          <p:cNvPr id="2" name="Title 1">
+            <a:extLst>
+              <a:ext uri="{FF2B5EF4-FFF2-40B4-BE49-F238E27FC236}">
                 <a16:creationId xmlns:a16="http://schemas.microsoft.com/office/drawing/2014/main" id="{F3FB4483-6251-47C8-93F3-F7F178F1AB48}"/>
               </a:ext>
             </a:extLst>
@@ -8138,7 +7581,7 @@
 </p:sld>
 </file>
 
-<file path=ppt/slides/slide24.xml><?xml version="1.0" encoding="utf-8"?>
+<file path=ppt/slides/slide21.xml><?xml version="1.0" encoding="utf-8"?>
 <p:sld xmlns:a="http://schemas.openxmlformats.org/drawingml/2006/main" xmlns:r="http://schemas.openxmlformats.org/officeDocument/2006/relationships" xmlns:p="http://schemas.openxmlformats.org/presentationml/2006/main">
   <p:cSld>
     <p:spTree>
@@ -8449,7 +7892,7 @@
 </p:sld>
 </file>
 
-<file path=ppt/slides/slide25.xml><?xml version="1.0" encoding="utf-8"?>
+<file path=ppt/slides/slide22.xml><?xml version="1.0" encoding="utf-8"?>
 <p:sld xmlns:a="http://schemas.openxmlformats.org/drawingml/2006/main" xmlns:r="http://schemas.openxmlformats.org/officeDocument/2006/relationships" xmlns:p="http://schemas.openxmlformats.org/presentationml/2006/main">
   <p:cSld>
     <p:spTree>
@@ -8466,8 +7909,8 @@
           <a:chExt cx="0" cy="0"/>
         </a:xfrm>
       </p:grpSpPr>
-      <mc:AlternateContent xmlns:mc="http://schemas.openxmlformats.org/markup-compatibility/2006">
-        <mc:Choice xmlns:a14="http://schemas.microsoft.com/office/drawing/2010/main" Requires="a14">
+      <mc:AlternateContent xmlns:mc="http://schemas.openxmlformats.org/markup-compatibility/2006" xmlns:a14="http://schemas.microsoft.com/office/drawing/2010/main">
+        <mc:Choice Requires="a14">
           <p:sp>
             <p:nvSpPr>
               <p:cNvPr id="48" name="TextBox 47">
@@ -8498,6 +7941,7 @@
               </a:bodyPr>
               <a:lstStyle/>
               <a:p>
+                <a:pPr/>
                 <a14:m>
                   <m:oMathPara xmlns:m="http://schemas.openxmlformats.org/officeDocument/2006/math">
                     <m:oMathParaPr>
@@ -8550,7 +7994,7 @@
             </p:txBody>
           </p:sp>
         </mc:Choice>
-        <mc:Fallback>
+        <mc:Fallback xmlns="">
           <p:sp>
             <p:nvSpPr>
               <p:cNvPr id="48" name="TextBox 47">
@@ -8595,8 +8039,8 @@
           </p:sp>
         </mc:Fallback>
       </mc:AlternateContent>
-      <mc:AlternateContent xmlns:mc="http://schemas.openxmlformats.org/markup-compatibility/2006">
-        <mc:Choice xmlns:a14="http://schemas.microsoft.com/office/drawing/2010/main" Requires="a14">
+      <mc:AlternateContent xmlns:mc="http://schemas.openxmlformats.org/markup-compatibility/2006" xmlns:a14="http://schemas.microsoft.com/office/drawing/2010/main">
+        <mc:Choice Requires="a14">
           <p:sp>
             <p:nvSpPr>
               <p:cNvPr id="49" name="TextBox 48">
@@ -8627,6 +8071,7 @@
               </a:bodyPr>
               <a:lstStyle/>
               <a:p>
+                <a:pPr/>
                 <a14:m>
                   <m:oMathPara xmlns:m="http://schemas.openxmlformats.org/officeDocument/2006/math">
                     <m:oMathParaPr>
@@ -8679,7 +8124,7 @@
             </p:txBody>
           </p:sp>
         </mc:Choice>
-        <mc:Fallback>
+        <mc:Fallback xmlns="">
           <p:sp>
             <p:nvSpPr>
               <p:cNvPr id="49" name="TextBox 48">
@@ -8724,8 +8169,8 @@
           </p:sp>
         </mc:Fallback>
       </mc:AlternateContent>
-      <mc:AlternateContent xmlns:mc="http://schemas.openxmlformats.org/markup-compatibility/2006">
-        <mc:Choice xmlns:a14="http://schemas.microsoft.com/office/drawing/2010/main" Requires="a14">
+      <mc:AlternateContent xmlns:mc="http://schemas.openxmlformats.org/markup-compatibility/2006" xmlns:a14="http://schemas.microsoft.com/office/drawing/2010/main">
+        <mc:Choice Requires="a14">
           <p:sp>
             <p:nvSpPr>
               <p:cNvPr id="2" name="Title 1">
@@ -8802,7 +8247,7 @@
             </p:txBody>
           </p:sp>
         </mc:Choice>
-        <mc:Fallback>
+        <mc:Fallback xmlns="">
           <p:sp>
             <p:nvSpPr>
               <p:cNvPr id="2" name="Title 1">
@@ -9121,8 +8566,8 @@
           </a:fontRef>
         </p:style>
       </p:cxnSp>
-      <mc:AlternateContent xmlns:mc="http://schemas.openxmlformats.org/markup-compatibility/2006">
-        <mc:Choice xmlns:a14="http://schemas.microsoft.com/office/drawing/2010/main" Requires="a14">
+      <mc:AlternateContent xmlns:mc="http://schemas.openxmlformats.org/markup-compatibility/2006" xmlns:a14="http://schemas.microsoft.com/office/drawing/2010/main">
+        <mc:Choice Requires="a14">
           <p:sp>
             <p:nvSpPr>
               <p:cNvPr id="35" name="TextBox 34">
@@ -9153,6 +8598,7 @@
               </a:bodyPr>
               <a:lstStyle/>
               <a:p>
+                <a:pPr/>
                 <a14:m>
                   <m:oMathPara xmlns:m="http://schemas.openxmlformats.org/officeDocument/2006/math">
                     <m:oMathParaPr>
@@ -9205,7 +8651,7 @@
             </p:txBody>
           </p:sp>
         </mc:Choice>
-        <mc:Fallback>
+        <mc:Fallback xmlns="">
           <p:sp>
             <p:nvSpPr>
               <p:cNvPr id="35" name="TextBox 34">
@@ -9250,8 +8696,8 @@
           </p:sp>
         </mc:Fallback>
       </mc:AlternateContent>
-      <mc:AlternateContent xmlns:mc="http://schemas.openxmlformats.org/markup-compatibility/2006">
-        <mc:Choice xmlns:a14="http://schemas.microsoft.com/office/drawing/2010/main" Requires="a14">
+      <mc:AlternateContent xmlns:mc="http://schemas.openxmlformats.org/markup-compatibility/2006" xmlns:a14="http://schemas.microsoft.com/office/drawing/2010/main">
+        <mc:Choice Requires="a14">
           <p:sp>
             <p:nvSpPr>
               <p:cNvPr id="36" name="TextBox 35">
@@ -9282,6 +8728,7 @@
               </a:bodyPr>
               <a:lstStyle/>
               <a:p>
+                <a:pPr/>
                 <a14:m>
                   <m:oMathPara xmlns:m="http://schemas.openxmlformats.org/officeDocument/2006/math">
                     <m:oMathParaPr>
@@ -9334,7 +8781,7 @@
             </p:txBody>
           </p:sp>
         </mc:Choice>
-        <mc:Fallback>
+        <mc:Fallback xmlns="">
           <p:sp>
             <p:nvSpPr>
               <p:cNvPr id="36" name="TextBox 35">
@@ -9415,8 +8862,8 @@
           </a:fontRef>
         </p:style>
       </p:cxnSp>
-      <mc:AlternateContent xmlns:mc="http://schemas.openxmlformats.org/markup-compatibility/2006">
-        <mc:Choice xmlns:a14="http://schemas.microsoft.com/office/drawing/2010/main" Requires="a14">
+      <mc:AlternateContent xmlns:mc="http://schemas.openxmlformats.org/markup-compatibility/2006" xmlns:a14="http://schemas.microsoft.com/office/drawing/2010/main">
+        <mc:Choice Requires="a14">
           <p:sp>
             <p:nvSpPr>
               <p:cNvPr id="39" name="TextBox 38">
@@ -9447,6 +8894,7 @@
               </a:bodyPr>
               <a:lstStyle/>
               <a:p>
+                <a:pPr/>
                 <a14:m>
                   <m:oMathPara xmlns:m="http://schemas.openxmlformats.org/officeDocument/2006/math">
                     <m:oMathParaPr>
@@ -9499,7 +8947,7 @@
             </p:txBody>
           </p:sp>
         </mc:Choice>
-        <mc:Fallback>
+        <mc:Fallback xmlns="">
           <p:sp>
             <p:nvSpPr>
               <p:cNvPr id="39" name="TextBox 38">
@@ -9544,8 +8992,8 @@
           </p:sp>
         </mc:Fallback>
       </mc:AlternateContent>
-      <mc:AlternateContent xmlns:mc="http://schemas.openxmlformats.org/markup-compatibility/2006">
-        <mc:Choice xmlns:a14="http://schemas.microsoft.com/office/drawing/2010/main" Requires="a14">
+      <mc:AlternateContent xmlns:mc="http://schemas.openxmlformats.org/markup-compatibility/2006" xmlns:a14="http://schemas.microsoft.com/office/drawing/2010/main">
+        <mc:Choice Requires="a14">
           <p:sp>
             <p:nvSpPr>
               <p:cNvPr id="40" name="TextBox 39">
@@ -9576,6 +9024,7 @@
               </a:bodyPr>
               <a:lstStyle/>
               <a:p>
+                <a:pPr/>
                 <a14:m>
                   <m:oMathPara xmlns:m="http://schemas.openxmlformats.org/officeDocument/2006/math">
                     <m:oMathParaPr>
@@ -9603,7 +9052,7 @@
             </p:txBody>
           </p:sp>
         </mc:Choice>
-        <mc:Fallback>
+        <mc:Fallback xmlns="">
           <p:sp>
             <p:nvSpPr>
               <p:cNvPr id="40" name="TextBox 39">
@@ -9648,8 +9097,8 @@
           </p:sp>
         </mc:Fallback>
       </mc:AlternateContent>
-      <mc:AlternateContent xmlns:mc="http://schemas.openxmlformats.org/markup-compatibility/2006">
-        <mc:Choice xmlns:a14="http://schemas.microsoft.com/office/drawing/2010/main" Requires="a14">
+      <mc:AlternateContent xmlns:mc="http://schemas.openxmlformats.org/markup-compatibility/2006" xmlns:a14="http://schemas.microsoft.com/office/drawing/2010/main">
+        <mc:Choice Requires="a14">
           <p:sp>
             <p:nvSpPr>
               <p:cNvPr id="41" name="TextBox 40">
@@ -9680,6 +9129,7 @@
               </a:bodyPr>
               <a:lstStyle/>
               <a:p>
+                <a:pPr/>
                 <a14:m>
                   <m:oMathPara xmlns:m="http://schemas.openxmlformats.org/officeDocument/2006/math">
                     <m:oMathParaPr>
@@ -9707,7 +9157,7 @@
             </p:txBody>
           </p:sp>
         </mc:Choice>
-        <mc:Fallback>
+        <mc:Fallback xmlns="">
           <p:sp>
             <p:nvSpPr>
               <p:cNvPr id="41" name="TextBox 40">
@@ -9904,8 +9354,8 @@
           </a:p>
         </p:txBody>
       </p:sp>
-      <mc:AlternateContent xmlns:mc="http://schemas.openxmlformats.org/markup-compatibility/2006">
-        <mc:Choice xmlns:a14="http://schemas.microsoft.com/office/drawing/2010/main" Requires="a14">
+      <mc:AlternateContent xmlns:mc="http://schemas.openxmlformats.org/markup-compatibility/2006" xmlns:a14="http://schemas.microsoft.com/office/drawing/2010/main">
+        <mc:Choice Requires="a14">
           <p:sp>
             <p:nvSpPr>
               <p:cNvPr id="46" name="TextBox 45">
@@ -9936,6 +9386,7 @@
               </a:bodyPr>
               <a:lstStyle/>
               <a:p>
+                <a:pPr/>
                 <a14:m>
                   <m:oMathPara xmlns:m="http://schemas.openxmlformats.org/officeDocument/2006/math">
                     <m:oMathParaPr>
@@ -9988,7 +9439,7 @@
             </p:txBody>
           </p:sp>
         </mc:Choice>
-        <mc:Fallback>
+        <mc:Fallback xmlns="">
           <p:sp>
             <p:nvSpPr>
               <p:cNvPr id="46" name="TextBox 45">
@@ -10033,8 +9484,8 @@
           </p:sp>
         </mc:Fallback>
       </mc:AlternateContent>
-      <mc:AlternateContent xmlns:mc="http://schemas.openxmlformats.org/markup-compatibility/2006">
-        <mc:Choice xmlns:a14="http://schemas.microsoft.com/office/drawing/2010/main" Requires="a14">
+      <mc:AlternateContent xmlns:mc="http://schemas.openxmlformats.org/markup-compatibility/2006" xmlns:a14="http://schemas.microsoft.com/office/drawing/2010/main">
+        <mc:Choice Requires="a14">
           <p:sp>
             <p:nvSpPr>
               <p:cNvPr id="47" name="TextBox 46">
@@ -10065,6 +9516,7 @@
               </a:bodyPr>
               <a:lstStyle/>
               <a:p>
+                <a:pPr/>
                 <a14:m>
                   <m:oMathPara xmlns:m="http://schemas.openxmlformats.org/officeDocument/2006/math">
                     <m:oMathParaPr>
@@ -10104,7 +9556,7 @@
             </p:txBody>
           </p:sp>
         </mc:Choice>
-        <mc:Fallback>
+        <mc:Fallback xmlns="">
           <p:sp>
             <p:nvSpPr>
               <p:cNvPr id="47" name="TextBox 46">
@@ -10225,8 +9677,8 @@
           </a:fontRef>
         </p:style>
       </p:cxnSp>
-      <mc:AlternateContent xmlns:mc="http://schemas.openxmlformats.org/markup-compatibility/2006">
-        <mc:Choice xmlns:a14="http://schemas.microsoft.com/office/drawing/2010/main" Requires="a14">
+      <mc:AlternateContent xmlns:mc="http://schemas.openxmlformats.org/markup-compatibility/2006" xmlns:a14="http://schemas.microsoft.com/office/drawing/2010/main">
+        <mc:Choice Requires="a14">
           <p:sp>
             <p:nvSpPr>
               <p:cNvPr id="50" name="TextBox 49">
@@ -10255,6 +9707,7 @@
               </a:bodyPr>
               <a:lstStyle/>
               <a:p>
+                <a:pPr/>
                 <a14:m>
                   <m:oMathPara xmlns:m="http://schemas.openxmlformats.org/officeDocument/2006/math">
                     <m:oMathParaPr>
@@ -10431,7 +9884,7 @@
             </p:txBody>
           </p:sp>
         </mc:Choice>
-        <mc:Fallback>
+        <mc:Fallback xmlns="">
           <p:sp>
             <p:nvSpPr>
               <p:cNvPr id="50" name="TextBox 49">
@@ -10476,8 +9929,8 @@
           </p:sp>
         </mc:Fallback>
       </mc:AlternateContent>
-      <mc:AlternateContent xmlns:mc="http://schemas.openxmlformats.org/markup-compatibility/2006">
-        <mc:Choice xmlns:a14="http://schemas.microsoft.com/office/drawing/2010/main" Requires="a14">
+      <mc:AlternateContent xmlns:mc="http://schemas.openxmlformats.org/markup-compatibility/2006" xmlns:a14="http://schemas.microsoft.com/office/drawing/2010/main">
+        <mc:Choice Requires="a14">
           <p:sp>
             <p:nvSpPr>
               <p:cNvPr id="51" name="TextBox 50">
@@ -10506,6 +9959,7 @@
               </a:bodyPr>
               <a:lstStyle/>
               <a:p>
+                <a:pPr/>
                 <a14:m>
                   <m:oMathPara xmlns:m="http://schemas.openxmlformats.org/officeDocument/2006/math">
                     <m:oMathParaPr>
@@ -10689,7 +10143,7 @@
             </p:txBody>
           </p:sp>
         </mc:Choice>
-        <mc:Fallback>
+        <mc:Fallback xmlns="">
           <p:sp>
             <p:nvSpPr>
               <p:cNvPr id="51" name="TextBox 50">
@@ -10734,8 +10188,8 @@
           </p:sp>
         </mc:Fallback>
       </mc:AlternateContent>
-      <mc:AlternateContent xmlns:mc="http://schemas.openxmlformats.org/markup-compatibility/2006">
-        <mc:Choice xmlns:a14="http://schemas.microsoft.com/office/drawing/2010/main" Requires="a14">
+      <mc:AlternateContent xmlns:mc="http://schemas.openxmlformats.org/markup-compatibility/2006" xmlns:a14="http://schemas.microsoft.com/office/drawing/2010/main">
+        <mc:Choice Requires="a14">
           <p:sp>
             <p:nvSpPr>
               <p:cNvPr id="52" name="TextBox 51">
@@ -10764,6 +10218,7 @@
               </a:bodyPr>
               <a:lstStyle/>
               <a:p>
+                <a:pPr/>
                 <a14:m>
                   <m:oMathPara xmlns:m="http://schemas.openxmlformats.org/officeDocument/2006/math">
                     <m:oMathParaPr>
@@ -10846,7 +10301,7 @@
             </p:txBody>
           </p:sp>
         </mc:Choice>
-        <mc:Fallback>
+        <mc:Fallback xmlns="">
           <p:sp>
             <p:nvSpPr>
               <p:cNvPr id="52" name="TextBox 51">
@@ -10891,8 +10346,8 @@
           </p:sp>
         </mc:Fallback>
       </mc:AlternateContent>
-      <mc:AlternateContent xmlns:mc="http://schemas.openxmlformats.org/markup-compatibility/2006">
-        <mc:Choice xmlns:a14="http://schemas.microsoft.com/office/drawing/2010/main" Requires="a14">
+      <mc:AlternateContent xmlns:mc="http://schemas.openxmlformats.org/markup-compatibility/2006" xmlns:a14="http://schemas.microsoft.com/office/drawing/2010/main">
+        <mc:Choice Requires="a14">
           <p:sp>
             <p:nvSpPr>
               <p:cNvPr id="53" name="TextBox 52">
@@ -10921,6 +10376,7 @@
               </a:bodyPr>
               <a:lstStyle/>
               <a:p>
+                <a:pPr/>
                 <a14:m>
                   <m:oMathPara xmlns:m="http://schemas.openxmlformats.org/officeDocument/2006/math">
                     <m:oMathParaPr>
@@ -11127,7 +10583,7 @@
             </p:txBody>
           </p:sp>
         </mc:Choice>
-        <mc:Fallback>
+        <mc:Fallback xmlns="">
           <p:sp>
             <p:nvSpPr>
               <p:cNvPr id="53" name="TextBox 52">
@@ -11214,8 +10670,8 @@
           </a:fontRef>
         </p:style>
       </p:cxnSp>
-      <mc:AlternateContent xmlns:mc="http://schemas.openxmlformats.org/markup-compatibility/2006">
-        <mc:Choice xmlns:a14="http://schemas.microsoft.com/office/drawing/2010/main" Requires="a14">
+      <mc:AlternateContent xmlns:mc="http://schemas.openxmlformats.org/markup-compatibility/2006" xmlns:a14="http://schemas.microsoft.com/office/drawing/2010/main">
+        <mc:Choice Requires="a14">
           <p:sp>
             <p:nvSpPr>
               <p:cNvPr id="57" name="TextBox 56">
@@ -11244,6 +10700,7 @@
               </a:bodyPr>
               <a:lstStyle/>
               <a:p>
+                <a:pPr/>
                 <a14:m>
                   <m:oMathPara xmlns:m="http://schemas.openxmlformats.org/officeDocument/2006/math">
                     <m:oMathParaPr>
@@ -11389,7 +10846,7 @@
             </p:txBody>
           </p:sp>
         </mc:Choice>
-        <mc:Fallback>
+        <mc:Fallback xmlns="">
           <p:sp>
             <p:nvSpPr>
               <p:cNvPr id="57" name="TextBox 56">
@@ -11434,8 +10891,8 @@
           </p:sp>
         </mc:Fallback>
       </mc:AlternateContent>
-      <mc:AlternateContent xmlns:mc="http://schemas.openxmlformats.org/markup-compatibility/2006">
-        <mc:Choice xmlns:a14="http://schemas.microsoft.com/office/drawing/2010/main" Requires="a14">
+      <mc:AlternateContent xmlns:mc="http://schemas.openxmlformats.org/markup-compatibility/2006" xmlns:a14="http://schemas.microsoft.com/office/drawing/2010/main">
+        <mc:Choice Requires="a14">
           <p:sp>
             <p:nvSpPr>
               <p:cNvPr id="59" name="TextBox 58">
@@ -11464,6 +10921,7 @@
               </a:bodyPr>
               <a:lstStyle/>
               <a:p>
+                <a:pPr/>
                 <a14:m>
                   <m:oMathPara xmlns:m="http://schemas.openxmlformats.org/officeDocument/2006/math">
                     <m:oMathParaPr>
@@ -11552,7 +11010,7 @@
             </p:txBody>
           </p:sp>
         </mc:Choice>
-        <mc:Fallback>
+        <mc:Fallback xmlns="">
           <p:sp>
             <p:nvSpPr>
               <p:cNvPr id="59" name="TextBox 58">
@@ -11597,8 +11055,8 @@
           </p:sp>
         </mc:Fallback>
       </mc:AlternateContent>
-      <mc:AlternateContent xmlns:mc="http://schemas.openxmlformats.org/markup-compatibility/2006">
-        <mc:Choice xmlns:a14="http://schemas.microsoft.com/office/drawing/2010/main" Requires="a14">
+      <mc:AlternateContent xmlns:mc="http://schemas.openxmlformats.org/markup-compatibility/2006" xmlns:a14="http://schemas.microsoft.com/office/drawing/2010/main">
+        <mc:Choice Requires="a14">
           <p:sp>
             <p:nvSpPr>
               <p:cNvPr id="61" name="TextBox 60">
@@ -11629,6 +11087,7 @@
               </a:bodyPr>
               <a:lstStyle/>
               <a:p>
+                <a:pPr/>
                 <a14:m>
                   <m:oMathPara xmlns:m="http://schemas.openxmlformats.org/officeDocument/2006/math">
                     <m:oMathParaPr>
@@ -11681,7 +11140,7 @@
             </p:txBody>
           </p:sp>
         </mc:Choice>
-        <mc:Fallback>
+        <mc:Fallback xmlns="">
           <p:sp>
             <p:nvSpPr>
               <p:cNvPr id="61" name="TextBox 60">
@@ -11726,8 +11185,8 @@
           </p:sp>
         </mc:Fallback>
       </mc:AlternateContent>
-      <mc:AlternateContent xmlns:mc="http://schemas.openxmlformats.org/markup-compatibility/2006">
-        <mc:Choice xmlns:a14="http://schemas.microsoft.com/office/drawing/2010/main" Requires="a14">
+      <mc:AlternateContent xmlns:mc="http://schemas.openxmlformats.org/markup-compatibility/2006" xmlns:a14="http://schemas.microsoft.com/office/drawing/2010/main">
+        <mc:Choice Requires="a14">
           <p:sp>
             <p:nvSpPr>
               <p:cNvPr id="62" name="TextBox 61">
@@ -11758,6 +11217,7 @@
               </a:bodyPr>
               <a:lstStyle/>
               <a:p>
+                <a:pPr/>
                 <a14:m>
                   <m:oMathPara xmlns:m="http://schemas.openxmlformats.org/officeDocument/2006/math">
                     <m:oMathParaPr>
@@ -11810,7 +11270,7 @@
             </p:txBody>
           </p:sp>
         </mc:Choice>
-        <mc:Fallback>
+        <mc:Fallback xmlns="">
           <p:sp>
             <p:nvSpPr>
               <p:cNvPr id="62" name="TextBox 61">
@@ -11855,8 +11315,8 @@
           </p:sp>
         </mc:Fallback>
       </mc:AlternateContent>
-      <mc:AlternateContent xmlns:mc="http://schemas.openxmlformats.org/markup-compatibility/2006">
-        <mc:Choice xmlns:a14="http://schemas.microsoft.com/office/drawing/2010/main" Requires="a14">
+      <mc:AlternateContent xmlns:mc="http://schemas.openxmlformats.org/markup-compatibility/2006" xmlns:a14="http://schemas.microsoft.com/office/drawing/2010/main">
+        <mc:Choice Requires="a14">
           <p:sp>
             <p:nvSpPr>
               <p:cNvPr id="63" name="TextBox 62">
@@ -11885,6 +11345,7 @@
               </a:bodyPr>
               <a:lstStyle/>
               <a:p>
+                <a:pPr/>
                 <a14:m>
                   <m:oMathPara xmlns:m="http://schemas.openxmlformats.org/officeDocument/2006/math">
                     <m:oMathParaPr>
@@ -12014,7 +11475,7 @@
             </p:txBody>
           </p:sp>
         </mc:Choice>
-        <mc:Fallback>
+        <mc:Fallback xmlns="">
           <p:sp>
             <p:nvSpPr>
               <p:cNvPr id="63" name="TextBox 62">
@@ -12059,8 +11520,8 @@
           </p:sp>
         </mc:Fallback>
       </mc:AlternateContent>
-      <mc:AlternateContent xmlns:mc="http://schemas.openxmlformats.org/markup-compatibility/2006">
-        <mc:Choice xmlns:a14="http://schemas.microsoft.com/office/drawing/2010/main" Requires="a14">
+      <mc:AlternateContent xmlns:mc="http://schemas.openxmlformats.org/markup-compatibility/2006" xmlns:a14="http://schemas.microsoft.com/office/drawing/2010/main">
+        <mc:Choice Requires="a14">
           <p:sp>
             <p:nvSpPr>
               <p:cNvPr id="64" name="TextBox 63">
@@ -12094,6 +11555,7 @@
               </a:bodyPr>
               <a:lstStyle/>
               <a:p>
+                <a:pPr/>
                 <a14:m>
                   <m:oMathPara xmlns:m="http://schemas.openxmlformats.org/officeDocument/2006/math">
                     <m:oMathParaPr>
@@ -12370,7 +11832,7 @@
             </p:txBody>
           </p:sp>
         </mc:Choice>
-        <mc:Fallback>
+        <mc:Fallback xmlns="">
           <p:sp>
             <p:nvSpPr>
               <p:cNvPr id="64" name="TextBox 63">
@@ -12486,7 +11948,7 @@
 </p:sld>
 </file>
 
-<file path=ppt/slides/slide26.xml><?xml version="1.0" encoding="utf-8"?>
+<file path=ppt/slides/slide23.xml><?xml version="1.0" encoding="utf-8"?>
 <p:sld xmlns:a="http://schemas.openxmlformats.org/drawingml/2006/main" xmlns:r="http://schemas.openxmlformats.org/officeDocument/2006/relationships" xmlns:p="http://schemas.openxmlformats.org/presentationml/2006/main">
   <p:cSld>
     <p:spTree>
@@ -12607,7 +12069,7 @@
 </p:sld>
 </file>
 
-<file path=ppt/slides/slide27.xml><?xml version="1.0" encoding="utf-8"?>
+<file path=ppt/slides/slide24.xml><?xml version="1.0" encoding="utf-8"?>
 <p:sld xmlns:a="http://schemas.openxmlformats.org/drawingml/2006/main" xmlns:r="http://schemas.openxmlformats.org/officeDocument/2006/relationships" xmlns:p="http://schemas.openxmlformats.org/presentationml/2006/main">
   <p:cSld>
     <p:spTree>
@@ -12741,7 +12203,7 @@
 </p:sld>
 </file>
 
-<file path=ppt/slides/slide28.xml><?xml version="1.0" encoding="utf-8"?>
+<file path=ppt/slides/slide25.xml><?xml version="1.0" encoding="utf-8"?>
 <p:sld xmlns:a="http://schemas.openxmlformats.org/drawingml/2006/main" xmlns:r="http://schemas.openxmlformats.org/officeDocument/2006/relationships" xmlns:p="http://schemas.openxmlformats.org/presentationml/2006/main">
   <p:cSld>
     <p:spTree>
@@ -12874,7 +12336,7 @@
 </p:sld>
 </file>
 
-<file path=ppt/slides/slide29.xml><?xml version="1.0" encoding="utf-8"?>
+<file path=ppt/slides/slide26.xml><?xml version="1.0" encoding="utf-8"?>
 <p:sld xmlns:a="http://schemas.openxmlformats.org/drawingml/2006/main" xmlns:r="http://schemas.openxmlformats.org/officeDocument/2006/relationships" xmlns:p="http://schemas.openxmlformats.org/presentationml/2006/main">
   <p:cSld>
     <p:spTree>
@@ -13025,87 +12487,7 @@
 </p:sld>
 </file>
 
-<file path=ppt/slides/slide3.xml><?xml version="1.0" encoding="utf-8"?>
-<p:sld xmlns:a="http://schemas.openxmlformats.org/drawingml/2006/main" xmlns:r="http://schemas.openxmlformats.org/officeDocument/2006/relationships" xmlns:p="http://schemas.openxmlformats.org/presentationml/2006/main">
-  <p:cSld>
-    <p:spTree>
-      <p:nvGrpSpPr>
-        <p:cNvPr id="1" name=""/>
-        <p:cNvGrpSpPr/>
-        <p:nvPr/>
-      </p:nvGrpSpPr>
-      <p:grpSpPr>
-        <a:xfrm>
-          <a:off x="0" y="0"/>
-          <a:ext cx="0" cy="0"/>
-          <a:chOff x="0" y="0"/>
-          <a:chExt cx="0" cy="0"/>
-        </a:xfrm>
-      </p:grpSpPr>
-      <p:sp>
-        <p:nvSpPr>
-          <p:cNvPr id="2" name="Title 1"/>
-          <p:cNvSpPr>
-            <a:spLocks noGrp="1"/>
-          </p:cNvSpPr>
-          <p:nvPr>
-            <p:ph type="title"/>
-          </p:nvPr>
-        </p:nvSpPr>
-        <p:spPr/>
-        <p:txBody>
-          <a:bodyPr/>
-          <a:lstStyle/>
-          <a:p>
-            <a:r>
-              <a:rPr lang="en-US" dirty="0"/>
-              <a:t>Definitions of terms are important so that we don’t get confused later</a:t>
-            </a:r>
-          </a:p>
-        </p:txBody>
-      </p:sp>
-      <p:sp>
-        <p:nvSpPr>
-          <p:cNvPr id="3" name="Content Placeholder 2"/>
-          <p:cNvSpPr>
-            <a:spLocks noGrp="1"/>
-          </p:cNvSpPr>
-          <p:nvPr>
-            <p:ph idx="1"/>
-          </p:nvPr>
-        </p:nvSpPr>
-        <p:spPr/>
-        <p:txBody>
-          <a:bodyPr/>
-          <a:lstStyle/>
-          <a:p>
-            <a:r>
-              <a:rPr lang="en-US" dirty="0"/>
-              <a:t>Polytope</a:t>
-            </a:r>
-          </a:p>
-          <a:p>
-            <a:r>
-              <a:rPr lang="en-US" dirty="0"/>
-              <a:t>Polytopes</a:t>
-            </a:r>
-          </a:p>
-        </p:txBody>
-      </p:sp>
-    </p:spTree>
-    <p:extLst>
-      <p:ext uri="{BB962C8B-B14F-4D97-AF65-F5344CB8AC3E}">
-        <p14:creationId xmlns:p14="http://schemas.microsoft.com/office/powerpoint/2010/main" val="2365788928"/>
-      </p:ext>
-    </p:extLst>
-  </p:cSld>
-  <p:clrMapOvr>
-    <a:masterClrMapping/>
-  </p:clrMapOvr>
-</p:sld>
-</file>
-
-<file path=ppt/slides/slide30.xml><?xml version="1.0" encoding="utf-8"?>
+<file path=ppt/slides/slide27.xml><?xml version="1.0" encoding="utf-8"?>
 <p:sld xmlns:a="http://schemas.openxmlformats.org/drawingml/2006/main" xmlns:r="http://schemas.openxmlformats.org/officeDocument/2006/relationships" xmlns:p="http://schemas.openxmlformats.org/presentationml/2006/main">
   <p:cSld>
     <p:spTree>
@@ -13312,7 +12694,7 @@
 </p:sld>
 </file>
 
-<file path=ppt/slides/slide31.xml><?xml version="1.0" encoding="utf-8"?>
+<file path=ppt/slides/slide28.xml><?xml version="1.0" encoding="utf-8"?>
 <p:sld xmlns:a="http://schemas.openxmlformats.org/drawingml/2006/main" xmlns:r="http://schemas.openxmlformats.org/officeDocument/2006/relationships" xmlns:p="http://schemas.openxmlformats.org/presentationml/2006/main">
   <p:cSld>
     <p:spTree>
@@ -14315,7 +13697,7 @@
 </p:sld>
 </file>
 
-<file path=ppt/slides/slide32.xml><?xml version="1.0" encoding="utf-8"?>
+<file path=ppt/slides/slide29.xml><?xml version="1.0" encoding="utf-8"?>
 <p:sld xmlns:a="http://schemas.openxmlformats.org/drawingml/2006/main" xmlns:r="http://schemas.openxmlformats.org/officeDocument/2006/relationships" xmlns:p="http://schemas.openxmlformats.org/presentationml/2006/main">
   <p:cSld>
     <p:spTree>
@@ -14754,7 +14136,7 @@
 </p:sld>
 </file>
 
-<file path=ppt/slides/slide33.xml><?xml version="1.0" encoding="utf-8"?>
+<file path=ppt/slides/slide3.xml><?xml version="1.0" encoding="utf-8"?>
 <p:sld xmlns:a="http://schemas.openxmlformats.org/drawingml/2006/main" xmlns:r="http://schemas.openxmlformats.org/officeDocument/2006/relationships" xmlns:p="http://schemas.openxmlformats.org/presentationml/2006/main">
   <p:cSld>
     <p:spTree>
@@ -14776,6 +14158,575 @@
           <p:cNvPr id="2" name="Title 1">
             <a:extLst>
               <a:ext uri="{FF2B5EF4-FFF2-40B4-BE49-F238E27FC236}">
+                <a16:creationId xmlns:a16="http://schemas.microsoft.com/office/drawing/2014/main" id="{8C7DDBE8-36CC-4927-9870-E0F8CEA9D030}"/>
+              </a:ext>
+            </a:extLst>
+          </p:cNvPr>
+          <p:cNvSpPr>
+            <a:spLocks noGrp="1"/>
+          </p:cNvSpPr>
+          <p:nvPr>
+            <p:ph type="title"/>
+          </p:nvPr>
+        </p:nvSpPr>
+        <p:spPr>
+          <a:xfrm>
+            <a:off x="838200" y="618266"/>
+            <a:ext cx="10515600" cy="1325563"/>
+          </a:xfrm>
+        </p:spPr>
+        <p:txBody>
+          <a:bodyPr>
+            <a:normAutofit fontScale="90000"/>
+          </a:bodyPr>
+          <a:lstStyle/>
+          <a:p>
+            <a:r>
+              <a:rPr lang="en-US" dirty="0"/>
+              <a:t>A demonstration script exists that shows most of the functionality in this document:</a:t>
+            </a:r>
+            <a:br>
+              <a:rPr lang="en-US" dirty="0"/>
+            </a:br>
+            <a:r>
+              <a:rPr lang="en-US" dirty="0" err="1">
+                <a:solidFill>
+                  <a:srgbClr val="028009"/>
+                </a:solidFill>
+                <a:latin typeface="Courier New" panose="02070309020205020404" pitchFamily="49" charset="0"/>
+              </a:rPr>
+              <a:t>script_demo_MapGenLibrary</a:t>
+            </a:r>
+            <a:br>
+              <a:rPr lang="en-US" dirty="0">
+                <a:solidFill>
+                  <a:srgbClr val="028009"/>
+                </a:solidFill>
+                <a:latin typeface="Courier New" panose="02070309020205020404" pitchFamily="49" charset="0"/>
+              </a:rPr>
+            </a:br>
+            <a:endParaRPr lang="en-US" dirty="0"/>
+          </a:p>
+        </p:txBody>
+      </p:sp>
+      <p:sp>
+        <p:nvSpPr>
+          <p:cNvPr id="4" name="Rectangle 3">
+            <a:extLst>
+              <a:ext uri="{FF2B5EF4-FFF2-40B4-BE49-F238E27FC236}">
+                <a16:creationId xmlns:a16="http://schemas.microsoft.com/office/drawing/2014/main" id="{ED6B6C78-C512-4D1D-90D5-01BF838E0A27}"/>
+              </a:ext>
+            </a:extLst>
+          </p:cNvPr>
+          <p:cNvSpPr/>
+          <p:nvPr/>
+        </p:nvSpPr>
+        <p:spPr>
+          <a:xfrm>
+            <a:off x="374433" y="2022133"/>
+            <a:ext cx="5909136" cy="2446824"/>
+          </a:xfrm>
+          <a:prstGeom prst="rect">
+            <a:avLst/>
+          </a:prstGeom>
+          <a:solidFill>
+            <a:schemeClr val="accent4">
+              <a:lumMod val="20000"/>
+              <a:lumOff val="80000"/>
+            </a:schemeClr>
+          </a:solidFill>
+        </p:spPr>
+        <p:txBody>
+          <a:bodyPr wrap="square">
+            <a:spAutoFit/>
+          </a:bodyPr>
+          <a:lstStyle/>
+          <a:p>
+            <a:r>
+              <a:rPr lang="en-US" sz="900" dirty="0">
+                <a:solidFill>
+                  <a:srgbClr val="028009"/>
+                </a:solidFill>
+                <a:latin typeface="Courier New" panose="02070309020205020404" pitchFamily="49" charset="0"/>
+              </a:rPr>
+              <a:t>%% Show how inputs are checked</a:t>
+            </a:r>
+          </a:p>
+          <a:p>
+            <a:r>
+              <a:rPr lang="en-US" sz="900" dirty="0" err="1">
+                <a:solidFill>
+                  <a:srgbClr val="000000"/>
+                </a:solidFill>
+                <a:latin typeface="Courier New" panose="02070309020205020404" pitchFamily="49" charset="0"/>
+              </a:rPr>
+              <a:t>Twocolumn_of_numbers_test</a:t>
+            </a:r>
+            <a:r>
+              <a:rPr lang="en-US" sz="900" dirty="0">
+                <a:solidFill>
+                  <a:srgbClr val="000000"/>
+                </a:solidFill>
+                <a:latin typeface="Courier New" panose="02070309020205020404" pitchFamily="49" charset="0"/>
+              </a:rPr>
+              <a:t> = [4 1; 3 0; 2 5];</a:t>
+            </a:r>
+          </a:p>
+          <a:p>
+            <a:r>
+              <a:rPr lang="en-US" sz="900" dirty="0" err="1">
+                <a:solidFill>
+                  <a:srgbClr val="000000"/>
+                </a:solidFill>
+                <a:latin typeface="Courier New" panose="02070309020205020404" pitchFamily="49" charset="0"/>
+              </a:rPr>
+              <a:t>fcn_MapGen_checkInputsToFunctions</a:t>
+            </a:r>
+            <a:r>
+              <a:rPr lang="en-US" sz="900" dirty="0">
+                <a:solidFill>
+                  <a:srgbClr val="000000"/>
+                </a:solidFill>
+                <a:latin typeface="Courier New" panose="02070309020205020404" pitchFamily="49" charset="0"/>
+              </a:rPr>
+              <a:t>(</a:t>
+            </a:r>
+            <a:r>
+              <a:rPr lang="en-US" sz="900" dirty="0" err="1">
+                <a:solidFill>
+                  <a:srgbClr val="000000"/>
+                </a:solidFill>
+                <a:latin typeface="Courier New" panose="02070309020205020404" pitchFamily="49" charset="0"/>
+              </a:rPr>
+              <a:t>Twocolumn_of_numbers_test</a:t>
+            </a:r>
+            <a:r>
+              <a:rPr lang="en-US" sz="900" dirty="0">
+                <a:solidFill>
+                  <a:srgbClr val="000000"/>
+                </a:solidFill>
+                <a:latin typeface="Courier New" panose="02070309020205020404" pitchFamily="49" charset="0"/>
+              </a:rPr>
+              <a:t>, </a:t>
+            </a:r>
+            <a:r>
+              <a:rPr lang="en-US" sz="900" dirty="0">
+                <a:solidFill>
+                  <a:srgbClr val="AA04F9"/>
+                </a:solidFill>
+                <a:latin typeface="Courier New" panose="02070309020205020404" pitchFamily="49" charset="0"/>
+              </a:rPr>
+              <a:t>'2column_of_numbers'</a:t>
+            </a:r>
+            <a:r>
+              <a:rPr lang="en-US" sz="900" dirty="0">
+                <a:solidFill>
+                  <a:srgbClr val="000000"/>
+                </a:solidFill>
+                <a:latin typeface="Courier New" panose="02070309020205020404" pitchFamily="49" charset="0"/>
+              </a:rPr>
+              <a:t>);</a:t>
+            </a:r>
+          </a:p>
+          <a:p>
+            <a:r>
+              <a:rPr lang="en-US" sz="900" dirty="0">
+                <a:solidFill>
+                  <a:srgbClr val="000000"/>
+                </a:solidFill>
+                <a:latin typeface="Courier New" panose="02070309020205020404" pitchFamily="49" charset="0"/>
+              </a:rPr>
+              <a:t> </a:t>
+            </a:r>
+          </a:p>
+          <a:p>
+            <a:r>
+              <a:rPr lang="en-US" sz="900" dirty="0">
+                <a:solidFill>
+                  <a:srgbClr val="000000"/>
+                </a:solidFill>
+                <a:latin typeface="Courier New" panose="02070309020205020404" pitchFamily="49" charset="0"/>
+              </a:rPr>
+              <a:t> </a:t>
+            </a:r>
+          </a:p>
+          <a:p>
+            <a:r>
+              <a:rPr lang="en-US" sz="900" dirty="0">
+                <a:solidFill>
+                  <a:srgbClr val="028009"/>
+                </a:solidFill>
+                <a:latin typeface="Courier New" panose="02070309020205020404" pitchFamily="49" charset="0"/>
+              </a:rPr>
+              <a:t>%% Generate a set of polytopes from various pseudo-random sources</a:t>
+            </a:r>
+          </a:p>
+          <a:p>
+            <a:r>
+              <a:rPr lang="en-US" sz="900" dirty="0">
+                <a:solidFill>
+                  <a:srgbClr val="028009"/>
+                </a:solidFill>
+                <a:latin typeface="Courier New" panose="02070309020205020404" pitchFamily="49" charset="0"/>
+              </a:rPr>
+              <a:t>% Generate a set of polytopes from the </a:t>
+            </a:r>
+            <a:r>
+              <a:rPr lang="en-US" sz="900" dirty="0" err="1">
+                <a:solidFill>
+                  <a:srgbClr val="028009"/>
+                </a:solidFill>
+                <a:latin typeface="Courier New" panose="02070309020205020404" pitchFamily="49" charset="0"/>
+              </a:rPr>
+              <a:t>Sobol</a:t>
+            </a:r>
+            <a:r>
+              <a:rPr lang="en-US" sz="900" dirty="0">
+                <a:solidFill>
+                  <a:srgbClr val="028009"/>
+                </a:solidFill>
+                <a:latin typeface="Courier New" panose="02070309020205020404" pitchFamily="49" charset="0"/>
+              </a:rPr>
+              <a:t> set</a:t>
+            </a:r>
+          </a:p>
+          <a:p>
+            <a:r>
+              <a:rPr lang="en-US" sz="900" dirty="0" err="1">
+                <a:solidFill>
+                  <a:srgbClr val="000000"/>
+                </a:solidFill>
+                <a:latin typeface="Courier New" panose="02070309020205020404" pitchFamily="49" charset="0"/>
+              </a:rPr>
+              <a:t>fig_num</a:t>
+            </a:r>
+            <a:r>
+              <a:rPr lang="en-US" sz="900" dirty="0">
+                <a:solidFill>
+                  <a:srgbClr val="000000"/>
+                </a:solidFill>
+                <a:latin typeface="Courier New" panose="02070309020205020404" pitchFamily="49" charset="0"/>
+              </a:rPr>
+              <a:t> = 11;</a:t>
+            </a:r>
+          </a:p>
+          <a:p>
+            <a:r>
+              <a:rPr lang="en-US" sz="900" dirty="0" err="1">
+                <a:solidFill>
+                  <a:srgbClr val="000000"/>
+                </a:solidFill>
+                <a:latin typeface="Courier New" panose="02070309020205020404" pitchFamily="49" charset="0"/>
+              </a:rPr>
+              <a:t>Sobol_range</a:t>
+            </a:r>
+            <a:r>
+              <a:rPr lang="en-US" sz="900" dirty="0">
+                <a:solidFill>
+                  <a:srgbClr val="000000"/>
+                </a:solidFill>
+                <a:latin typeface="Courier New" panose="02070309020205020404" pitchFamily="49" charset="0"/>
+              </a:rPr>
+              <a:t> = [1 1000]; </a:t>
+            </a:r>
+            <a:r>
+              <a:rPr lang="en-US" sz="900" dirty="0">
+                <a:solidFill>
+                  <a:srgbClr val="028009"/>
+                </a:solidFill>
+                <a:latin typeface="Courier New" panose="02070309020205020404" pitchFamily="49" charset="0"/>
+              </a:rPr>
+              <a:t>% range of </a:t>
+            </a:r>
+            <a:r>
+              <a:rPr lang="en-US" sz="900" dirty="0" err="1">
+                <a:solidFill>
+                  <a:srgbClr val="028009"/>
+                </a:solidFill>
+                <a:latin typeface="Courier New" panose="02070309020205020404" pitchFamily="49" charset="0"/>
+              </a:rPr>
+              <a:t>Sobol</a:t>
+            </a:r>
+            <a:r>
+              <a:rPr lang="en-US" sz="900" dirty="0">
+                <a:solidFill>
+                  <a:srgbClr val="028009"/>
+                </a:solidFill>
+                <a:latin typeface="Courier New" panose="02070309020205020404" pitchFamily="49" charset="0"/>
+              </a:rPr>
+              <a:t> points to use to generate the tiling</a:t>
+            </a:r>
+          </a:p>
+          <a:p>
+            <a:r>
+              <a:rPr lang="en-US" sz="900" dirty="0" err="1">
+                <a:solidFill>
+                  <a:srgbClr val="000000"/>
+                </a:solidFill>
+                <a:latin typeface="Courier New" panose="02070309020205020404" pitchFamily="49" charset="0"/>
+              </a:rPr>
+              <a:t>tiled_polytopes</a:t>
+            </a:r>
+            <a:r>
+              <a:rPr lang="en-US" sz="900" dirty="0">
+                <a:solidFill>
+                  <a:srgbClr val="000000"/>
+                </a:solidFill>
+                <a:latin typeface="Courier New" panose="02070309020205020404" pitchFamily="49" charset="0"/>
+              </a:rPr>
+              <a:t> = </a:t>
+            </a:r>
+            <a:r>
+              <a:rPr lang="en-US" sz="900" dirty="0" err="1">
+                <a:solidFill>
+                  <a:srgbClr val="000000"/>
+                </a:solidFill>
+                <a:latin typeface="Courier New" panose="02070309020205020404" pitchFamily="49" charset="0"/>
+              </a:rPr>
+              <a:t>fcn_MapGen_sobolVoronoiTiling</a:t>
+            </a:r>
+            <a:r>
+              <a:rPr lang="en-US" sz="900" dirty="0">
+                <a:solidFill>
+                  <a:srgbClr val="000000"/>
+                </a:solidFill>
+                <a:latin typeface="Courier New" panose="02070309020205020404" pitchFamily="49" charset="0"/>
+              </a:rPr>
+              <a:t>(</a:t>
+            </a:r>
+            <a:r>
+              <a:rPr lang="en-US" sz="900" dirty="0" err="1">
+                <a:solidFill>
+                  <a:srgbClr val="000000"/>
+                </a:solidFill>
+                <a:latin typeface="Courier New" panose="02070309020205020404" pitchFamily="49" charset="0"/>
+              </a:rPr>
+              <a:t>Sobol_range</a:t>
+            </a:r>
+            <a:r>
+              <a:rPr lang="en-US" sz="900" dirty="0">
+                <a:solidFill>
+                  <a:srgbClr val="000000"/>
+                </a:solidFill>
+                <a:latin typeface="Courier New" panose="02070309020205020404" pitchFamily="49" charset="0"/>
+              </a:rPr>
+              <a:t>,[1 1],</a:t>
+            </a:r>
+            <a:r>
+              <a:rPr lang="en-US" sz="900" dirty="0" err="1">
+                <a:solidFill>
+                  <a:srgbClr val="000000"/>
+                </a:solidFill>
+                <a:latin typeface="Courier New" panose="02070309020205020404" pitchFamily="49" charset="0"/>
+              </a:rPr>
+              <a:t>fig_num</a:t>
+            </a:r>
+            <a:r>
+              <a:rPr lang="en-US" sz="900" dirty="0">
+                <a:solidFill>
+                  <a:srgbClr val="000000"/>
+                </a:solidFill>
+                <a:latin typeface="Courier New" panose="02070309020205020404" pitchFamily="49" charset="0"/>
+              </a:rPr>
+              <a:t>);</a:t>
+            </a:r>
+          </a:p>
+          <a:p>
+            <a:r>
+              <a:rPr lang="en-US" sz="900" dirty="0">
+                <a:solidFill>
+                  <a:srgbClr val="000000"/>
+                </a:solidFill>
+                <a:latin typeface="Courier New" panose="02070309020205020404" pitchFamily="49" charset="0"/>
+              </a:rPr>
+              <a:t> </a:t>
+            </a:r>
+          </a:p>
+          <a:p>
+            <a:r>
+              <a:rPr lang="en-US" sz="900" dirty="0">
+                <a:solidFill>
+                  <a:srgbClr val="000000"/>
+                </a:solidFill>
+                <a:latin typeface="Courier New" panose="02070309020205020404" pitchFamily="49" charset="0"/>
+              </a:rPr>
+              <a:t> </a:t>
+            </a:r>
+          </a:p>
+          <a:p>
+            <a:r>
+              <a:rPr lang="en-US" sz="900" dirty="0">
+                <a:solidFill>
+                  <a:srgbClr val="028009"/>
+                </a:solidFill>
+                <a:latin typeface="Courier New" panose="02070309020205020404" pitchFamily="49" charset="0"/>
+              </a:rPr>
+              <a:t>% Generate a set of polytopes from the Halton set</a:t>
+            </a:r>
+          </a:p>
+          <a:p>
+            <a:r>
+              <a:rPr lang="en-US" sz="900" dirty="0" err="1">
+                <a:solidFill>
+                  <a:srgbClr val="000000"/>
+                </a:solidFill>
+                <a:latin typeface="Courier New" panose="02070309020205020404" pitchFamily="49" charset="0"/>
+              </a:rPr>
+              <a:t>fig_num</a:t>
+            </a:r>
+            <a:r>
+              <a:rPr lang="en-US" sz="900" dirty="0">
+                <a:solidFill>
+                  <a:srgbClr val="000000"/>
+                </a:solidFill>
+                <a:latin typeface="Courier New" panose="02070309020205020404" pitchFamily="49" charset="0"/>
+              </a:rPr>
+              <a:t> = 12;</a:t>
+            </a:r>
+          </a:p>
+          <a:p>
+            <a:r>
+              <a:rPr lang="en-US" sz="900" dirty="0" err="1">
+                <a:solidFill>
+                  <a:srgbClr val="000000"/>
+                </a:solidFill>
+                <a:latin typeface="Courier New" panose="02070309020205020404" pitchFamily="49" charset="0"/>
+              </a:rPr>
+              <a:t>Halton_range</a:t>
+            </a:r>
+            <a:r>
+              <a:rPr lang="en-US" sz="900" dirty="0">
+                <a:solidFill>
+                  <a:srgbClr val="000000"/>
+                </a:solidFill>
+                <a:latin typeface="Courier New" panose="02070309020205020404" pitchFamily="49" charset="0"/>
+              </a:rPr>
+              <a:t> = [1 1000]; </a:t>
+            </a:r>
+            <a:r>
+              <a:rPr lang="en-US" sz="900" dirty="0">
+                <a:solidFill>
+                  <a:srgbClr val="028009"/>
+                </a:solidFill>
+                <a:latin typeface="Courier New" panose="02070309020205020404" pitchFamily="49" charset="0"/>
+              </a:rPr>
+              <a:t>% range of Halton points to use to generate the tiling</a:t>
+            </a:r>
+          </a:p>
+          <a:p>
+            <a:r>
+              <a:rPr lang="en-US" sz="900" dirty="0" err="1">
+                <a:solidFill>
+                  <a:srgbClr val="000000"/>
+                </a:solidFill>
+                <a:latin typeface="Courier New" panose="02070309020205020404" pitchFamily="49" charset="0"/>
+              </a:rPr>
+              <a:t>tiled_polytopes</a:t>
+            </a:r>
+            <a:r>
+              <a:rPr lang="en-US" sz="900" dirty="0">
+                <a:solidFill>
+                  <a:srgbClr val="000000"/>
+                </a:solidFill>
+                <a:latin typeface="Courier New" panose="02070309020205020404" pitchFamily="49" charset="0"/>
+              </a:rPr>
+              <a:t> = </a:t>
+            </a:r>
+            <a:r>
+              <a:rPr lang="en-US" sz="900" dirty="0" err="1">
+                <a:solidFill>
+                  <a:srgbClr val="000000"/>
+                </a:solidFill>
+                <a:latin typeface="Courier New" panose="02070309020205020404" pitchFamily="49" charset="0"/>
+              </a:rPr>
+              <a:t>fcn_MapGen_haltonVoronoiTiling</a:t>
+            </a:r>
+            <a:r>
+              <a:rPr lang="en-US" sz="900" dirty="0">
+                <a:solidFill>
+                  <a:srgbClr val="000000"/>
+                </a:solidFill>
+                <a:latin typeface="Courier New" panose="02070309020205020404" pitchFamily="49" charset="0"/>
+              </a:rPr>
+              <a:t>(</a:t>
+            </a:r>
+            <a:r>
+              <a:rPr lang="en-US" sz="900" dirty="0" err="1">
+                <a:solidFill>
+                  <a:srgbClr val="000000"/>
+                </a:solidFill>
+                <a:latin typeface="Courier New" panose="02070309020205020404" pitchFamily="49" charset="0"/>
+              </a:rPr>
+              <a:t>Halton_range</a:t>
+            </a:r>
+            <a:r>
+              <a:rPr lang="en-US" sz="900" dirty="0">
+                <a:solidFill>
+                  <a:srgbClr val="000000"/>
+                </a:solidFill>
+                <a:latin typeface="Courier New" panose="02070309020205020404" pitchFamily="49" charset="0"/>
+              </a:rPr>
+              <a:t>,[1 1],</a:t>
+            </a:r>
+            <a:r>
+              <a:rPr lang="en-US" sz="900" dirty="0" err="1">
+                <a:solidFill>
+                  <a:srgbClr val="000000"/>
+                </a:solidFill>
+                <a:latin typeface="Courier New" panose="02070309020205020404" pitchFamily="49" charset="0"/>
+              </a:rPr>
+              <a:t>fig_num</a:t>
+            </a:r>
+            <a:r>
+              <a:rPr lang="en-US" sz="900" dirty="0">
+                <a:solidFill>
+                  <a:srgbClr val="000000"/>
+                </a:solidFill>
+                <a:latin typeface="Courier New" panose="02070309020205020404" pitchFamily="49" charset="0"/>
+              </a:rPr>
+              <a:t>);</a:t>
+            </a:r>
+          </a:p>
+          <a:p>
+            <a:endParaRPr lang="en-US" sz="900" dirty="0"/>
+          </a:p>
+        </p:txBody>
+      </p:sp>
+    </p:spTree>
+    <p:extLst>
+      <p:ext uri="{BB962C8B-B14F-4D97-AF65-F5344CB8AC3E}">
+        <p14:creationId xmlns:p14="http://schemas.microsoft.com/office/powerpoint/2010/main" val="3684799925"/>
+      </p:ext>
+    </p:extLst>
+  </p:cSld>
+  <p:clrMapOvr>
+    <a:masterClrMapping/>
+  </p:clrMapOvr>
+</p:sld>
+</file>
+
+<file path=ppt/slides/slide30.xml><?xml version="1.0" encoding="utf-8"?>
+<p:sld xmlns:a="http://schemas.openxmlformats.org/drawingml/2006/main" xmlns:r="http://schemas.openxmlformats.org/officeDocument/2006/relationships" xmlns:p="http://schemas.openxmlformats.org/presentationml/2006/main">
+  <p:cSld>
+    <p:spTree>
+      <p:nvGrpSpPr>
+        <p:cNvPr id="1" name=""/>
+        <p:cNvGrpSpPr/>
+        <p:nvPr/>
+      </p:nvGrpSpPr>
+      <p:grpSpPr>
+        <a:xfrm>
+          <a:off x="0" y="0"/>
+          <a:ext cx="0" cy="0"/>
+          <a:chOff x="0" y="0"/>
+          <a:chExt cx="0" cy="0"/>
+        </a:xfrm>
+      </p:grpSpPr>
+      <p:sp>
+        <p:nvSpPr>
+          <p:cNvPr id="2" name="Title 1">
+            <a:extLst>
+              <a:ext uri="{FF2B5EF4-FFF2-40B4-BE49-F238E27FC236}">
                 <a16:creationId xmlns:a16="http://schemas.microsoft.com/office/drawing/2014/main" id="{091B807F-E517-436F-8759-C74867290DE5}"/>
               </a:ext>
             </a:extLst>
@@ -14957,7 +14908,7 @@
 </p:sld>
 </file>
 
-<file path=ppt/slides/slide34.xml><?xml version="1.0" encoding="utf-8"?>
+<file path=ppt/slides/slide31.xml><?xml version="1.0" encoding="utf-8"?>
 <p:sld xmlns:a="http://schemas.openxmlformats.org/drawingml/2006/main" xmlns:r="http://schemas.openxmlformats.org/officeDocument/2006/relationships" xmlns:p="http://schemas.openxmlformats.org/presentationml/2006/main">
   <p:cSld>
     <p:spTree>
@@ -15584,7 +15535,7 @@
 </p:sld>
 </file>
 
-<file path=ppt/slides/slide35.xml><?xml version="1.0" encoding="utf-8"?>
+<file path=ppt/slides/slide32.xml><?xml version="1.0" encoding="utf-8"?>
 <p:sld xmlns:a="http://schemas.openxmlformats.org/drawingml/2006/main" xmlns:r="http://schemas.openxmlformats.org/officeDocument/2006/relationships" xmlns:p="http://schemas.openxmlformats.org/presentationml/2006/main">
   <p:cSld>
     <p:spTree>
@@ -15965,7 +15916,7 @@
 </p:sld>
 </file>
 
-<file path=ppt/slides/slide36.xml><?xml version="1.0" encoding="utf-8"?>
+<file path=ppt/slides/slide33.xml><?xml version="1.0" encoding="utf-8"?>
 <p:sld xmlns:a="http://schemas.openxmlformats.org/drawingml/2006/main" xmlns:r="http://schemas.openxmlformats.org/officeDocument/2006/relationships" xmlns:p="http://schemas.openxmlformats.org/presentationml/2006/main">
   <p:cSld>
     <p:spTree>
@@ -16091,7 +16042,7 @@
 </p:sld>
 </file>
 
-<file path=ppt/slides/slide37.xml><?xml version="1.0" encoding="utf-8"?>
+<file path=ppt/slides/slide34.xml><?xml version="1.0" encoding="utf-8"?>
 <p:sld xmlns:a="http://schemas.openxmlformats.org/drawingml/2006/main" xmlns:r="http://schemas.openxmlformats.org/officeDocument/2006/relationships" xmlns:p="http://schemas.openxmlformats.org/presentationml/2006/main">
   <p:cSld>
     <p:spTree>
@@ -16367,7 +16318,7 @@
 </p:sld>
 </file>
 
-<file path=ppt/slides/slide38.xml><?xml version="1.0" encoding="utf-8"?>
+<file path=ppt/slides/slide35.xml><?xml version="1.0" encoding="utf-8"?>
 <p:sld xmlns:a="http://schemas.openxmlformats.org/drawingml/2006/main" xmlns:r="http://schemas.openxmlformats.org/officeDocument/2006/relationships" xmlns:p="http://schemas.openxmlformats.org/presentationml/2006/main">
   <p:cSld>
     <p:spTree>
@@ -17256,1543 +17207,6 @@
       </p:grpSpPr>
       <p:sp>
         <p:nvSpPr>
-          <p:cNvPr id="2" name="Title 1">
-            <a:extLst>
-              <a:ext uri="{FF2B5EF4-FFF2-40B4-BE49-F238E27FC236}">
-                <a16:creationId xmlns:a16="http://schemas.microsoft.com/office/drawing/2014/main" id="{F61BB289-6F7D-4E26-9549-A418B0B98DBB}"/>
-              </a:ext>
-            </a:extLst>
-          </p:cNvPr>
-          <p:cNvSpPr>
-            <a:spLocks noGrp="1"/>
-          </p:cNvSpPr>
-          <p:nvPr>
-            <p:ph type="title"/>
-          </p:nvPr>
-        </p:nvSpPr>
-        <p:spPr/>
-        <p:txBody>
-          <a:bodyPr>
-            <a:normAutofit fontScale="90000"/>
-          </a:bodyPr>
-          <a:lstStyle/>
-          <a:p>
-            <a:r>
-              <a:rPr lang="en-US" dirty="0"/>
-              <a:t>For many examples below, MATLAB code will be given. It is usually highlighted as shown here: yellow for scripts, grey for console outputs.</a:t>
-            </a:r>
-          </a:p>
-        </p:txBody>
-      </p:sp>
-      <p:sp>
-        <p:nvSpPr>
-          <p:cNvPr id="5" name="Rectangle 4">
-            <a:extLst>
-              <a:ext uri="{FF2B5EF4-FFF2-40B4-BE49-F238E27FC236}">
-                <a16:creationId xmlns:a16="http://schemas.microsoft.com/office/drawing/2014/main" id="{F0CB9B29-E4C5-4A4F-9118-99BC76FA2AD9}"/>
-              </a:ext>
-            </a:extLst>
-          </p:cNvPr>
-          <p:cNvSpPr/>
-          <p:nvPr/>
-        </p:nvSpPr>
-        <p:spPr>
-          <a:xfrm>
-            <a:off x="925417" y="2033855"/>
-            <a:ext cx="5291769" cy="1323439"/>
-          </a:xfrm>
-          <a:prstGeom prst="rect">
-            <a:avLst/>
-          </a:prstGeom>
-          <a:solidFill>
-            <a:schemeClr val="accent4">
-              <a:lumMod val="20000"/>
-              <a:lumOff val="80000"/>
-            </a:schemeClr>
-          </a:solidFill>
-        </p:spPr>
-        <p:txBody>
-          <a:bodyPr wrap="square">
-            <a:spAutoFit/>
-          </a:bodyPr>
-          <a:lstStyle/>
-          <a:p>
-            <a:r>
-              <a:rPr lang="en-US" sz="1000" dirty="0">
-                <a:solidFill>
-                  <a:srgbClr val="028009"/>
-                </a:solidFill>
-                <a:latin typeface="Courier New" panose="02070309020205020404" pitchFamily="49" charset="0"/>
-              </a:rPr>
-              <a:t>%% Example 1: simple three points</a:t>
-            </a:r>
-          </a:p>
-          <a:p>
-            <a:r>
-              <a:rPr lang="en-US" sz="1000" dirty="0" err="1">
-                <a:solidFill>
-                  <a:srgbClr val="000000"/>
-                </a:solidFill>
-                <a:latin typeface="Courier New" panose="02070309020205020404" pitchFamily="49" charset="0"/>
-              </a:rPr>
-              <a:t>fig_num</a:t>
-            </a:r>
-            <a:r>
-              <a:rPr lang="en-US" sz="1000" dirty="0">
-                <a:solidFill>
-                  <a:srgbClr val="000000"/>
-                </a:solidFill>
-                <a:latin typeface="Courier New" panose="02070309020205020404" pitchFamily="49" charset="0"/>
-              </a:rPr>
-              <a:t> = 1;</a:t>
-            </a:r>
-          </a:p>
-          <a:p>
-            <a:r>
-              <a:rPr lang="en-US" sz="1000" dirty="0">
-                <a:solidFill>
-                  <a:srgbClr val="000000"/>
-                </a:solidFill>
-                <a:latin typeface="Courier New" panose="02070309020205020404" pitchFamily="49" charset="0"/>
-              </a:rPr>
-              <a:t> </a:t>
-            </a:r>
-          </a:p>
-          <a:p>
-            <a:r>
-              <a:rPr lang="en-US" sz="1000" dirty="0">
-                <a:solidFill>
-                  <a:srgbClr val="000000"/>
-                </a:solidFill>
-                <a:latin typeface="Courier New" panose="02070309020205020404" pitchFamily="49" charset="0"/>
-              </a:rPr>
-              <a:t>x     = [-4;   -2;   1]; </a:t>
-            </a:r>
-          </a:p>
-          <a:p>
-            <a:r>
-              <a:rPr lang="en-US" sz="1000" dirty="0">
-                <a:solidFill>
-                  <a:srgbClr val="000000"/>
-                </a:solidFill>
-                <a:latin typeface="Courier New" panose="02070309020205020404" pitchFamily="49" charset="0"/>
-              </a:rPr>
-              <a:t>y     = [0;     -4;  -1]; </a:t>
-            </a:r>
-          </a:p>
-          <a:p>
-            <a:r>
-              <a:rPr lang="en-US" sz="1000" dirty="0" err="1">
-                <a:solidFill>
-                  <a:srgbClr val="000000"/>
-                </a:solidFill>
-                <a:latin typeface="Courier New" panose="02070309020205020404" pitchFamily="49" charset="0"/>
-              </a:rPr>
-              <a:t>apex_points</a:t>
-            </a:r>
-            <a:r>
-              <a:rPr lang="en-US" sz="1000" dirty="0">
-                <a:solidFill>
-                  <a:srgbClr val="000000"/>
-                </a:solidFill>
-                <a:latin typeface="Courier New" panose="02070309020205020404" pitchFamily="49" charset="0"/>
-              </a:rPr>
-              <a:t> = [x y];</a:t>
-            </a:r>
-          </a:p>
-          <a:p>
-            <a:r>
-              <a:rPr lang="en-US" sz="1000" dirty="0" err="1">
-                <a:solidFill>
-                  <a:srgbClr val="000000"/>
-                </a:solidFill>
-                <a:latin typeface="Courier New" panose="02070309020205020404" pitchFamily="49" charset="0"/>
-              </a:rPr>
-              <a:t>fcn_FastestTraversal_calculateObstacleDirectionAtApexPoints</a:t>
-            </a:r>
-            <a:r>
-              <a:rPr lang="en-US" sz="1000" dirty="0">
-                <a:solidFill>
-                  <a:srgbClr val="000000"/>
-                </a:solidFill>
-                <a:latin typeface="Courier New" panose="02070309020205020404" pitchFamily="49" charset="0"/>
-              </a:rPr>
-              <a:t>(</a:t>
-            </a:r>
-            <a:r>
-              <a:rPr lang="en-US" sz="1000" dirty="0">
-                <a:solidFill>
-                  <a:srgbClr val="0E00FF"/>
-                </a:solidFill>
-                <a:latin typeface="Courier New" panose="02070309020205020404" pitchFamily="49" charset="0"/>
-              </a:rPr>
-              <a:t>...</a:t>
-            </a:r>
-          </a:p>
-          <a:p>
-            <a:r>
-              <a:rPr lang="en-US" sz="1000" dirty="0">
-                <a:solidFill>
-                  <a:srgbClr val="000000"/>
-                </a:solidFill>
-                <a:latin typeface="Courier New" panose="02070309020205020404" pitchFamily="49" charset="0"/>
-              </a:rPr>
-              <a:t>    </a:t>
-            </a:r>
-            <a:r>
-              <a:rPr lang="en-US" sz="1000" dirty="0" err="1">
-                <a:solidFill>
-                  <a:srgbClr val="000000"/>
-                </a:solidFill>
-                <a:latin typeface="Courier New" panose="02070309020205020404" pitchFamily="49" charset="0"/>
-              </a:rPr>
-              <a:t>apex_points</a:t>
-            </a:r>
-            <a:r>
-              <a:rPr lang="en-US" sz="1000" dirty="0">
-                <a:solidFill>
-                  <a:srgbClr val="000000"/>
-                </a:solidFill>
-                <a:latin typeface="Courier New" panose="02070309020205020404" pitchFamily="49" charset="0"/>
-              </a:rPr>
-              <a:t>, </a:t>
-            </a:r>
-            <a:r>
-              <a:rPr lang="en-US" sz="1000" dirty="0" err="1">
-                <a:solidFill>
-                  <a:srgbClr val="000000"/>
-                </a:solidFill>
-                <a:latin typeface="Courier New" panose="02070309020205020404" pitchFamily="49" charset="0"/>
-              </a:rPr>
-              <a:t>fig_num</a:t>
-            </a:r>
-            <a:r>
-              <a:rPr lang="en-US" sz="1000" dirty="0">
-                <a:solidFill>
-                  <a:srgbClr val="000000"/>
-                </a:solidFill>
-                <a:latin typeface="Courier New" panose="02070309020205020404" pitchFamily="49" charset="0"/>
-              </a:rPr>
-              <a:t>);</a:t>
-            </a:r>
-          </a:p>
-        </p:txBody>
-      </p:sp>
-      <p:sp>
-        <p:nvSpPr>
-          <p:cNvPr id="4" name="TextBox 3">
-            <a:extLst>
-              <a:ext uri="{FF2B5EF4-FFF2-40B4-BE49-F238E27FC236}">
-                <a16:creationId xmlns:a16="http://schemas.microsoft.com/office/drawing/2014/main" id="{D7B38888-70E6-461D-A5D9-C2A59BB406B1}"/>
-              </a:ext>
-            </a:extLst>
-          </p:cNvPr>
-          <p:cNvSpPr txBox="1"/>
-          <p:nvPr/>
-        </p:nvSpPr>
-        <p:spPr>
-          <a:xfrm>
-            <a:off x="6982997" y="4171950"/>
-            <a:ext cx="3855720" cy="1015663"/>
-          </a:xfrm>
-          <a:prstGeom prst="rect">
-            <a:avLst/>
-          </a:prstGeom>
-          <a:solidFill>
-            <a:schemeClr val="bg1">
-              <a:lumMod val="85000"/>
-            </a:schemeClr>
-          </a:solidFill>
-        </p:spPr>
-        <p:txBody>
-          <a:bodyPr wrap="square" rtlCol="0">
-            <a:spAutoFit/>
-          </a:bodyPr>
-          <a:lstStyle/>
-          <a:p>
-            <a:r>
-              <a:rPr lang="en-US" sz="1200" dirty="0"/>
-              <a:t>&gt;&gt; </a:t>
-            </a:r>
-            <a:r>
-              <a:rPr lang="en-US" sz="1200" dirty="0" err="1"/>
-              <a:t>script_test_fcn_geometry_selfCrossProduct</a:t>
-            </a:r>
-            <a:endParaRPr lang="en-US" sz="1200" dirty="0"/>
-          </a:p>
-          <a:p>
-            <a:r>
-              <a:rPr lang="en-US" sz="1200" dirty="0" err="1"/>
-              <a:t>cross_products</a:t>
-            </a:r>
-            <a:r>
-              <a:rPr lang="en-US" sz="1200" dirty="0"/>
-              <a:t> =</a:t>
-            </a:r>
-          </a:p>
-          <a:p>
-            <a:r>
-              <a:rPr lang="en-US" sz="1200" dirty="0"/>
-              <a:t>     0</a:t>
-            </a:r>
-          </a:p>
-          <a:p>
-            <a:r>
-              <a:rPr lang="en-US" sz="1200" dirty="0"/>
-              <a:t>err =</a:t>
-            </a:r>
-          </a:p>
-          <a:p>
-            <a:r>
-              <a:rPr lang="en-US" sz="1200" dirty="0"/>
-              <a:t>     1</a:t>
-            </a:r>
-          </a:p>
-        </p:txBody>
-      </p:sp>
-    </p:spTree>
-    <p:extLst>
-      <p:ext uri="{BB962C8B-B14F-4D97-AF65-F5344CB8AC3E}">
-        <p14:creationId xmlns:p14="http://schemas.microsoft.com/office/powerpoint/2010/main" val="626520508"/>
-      </p:ext>
-    </p:extLst>
-  </p:cSld>
-  <p:clrMapOvr>
-    <a:masterClrMapping/>
-  </p:clrMapOvr>
-</p:sld>
-</file>
-
-<file path=ppt/slides/slide5.xml><?xml version="1.0" encoding="utf-8"?>
-<p:sld xmlns:a="http://schemas.openxmlformats.org/drawingml/2006/main" xmlns:r="http://schemas.openxmlformats.org/officeDocument/2006/relationships" xmlns:p="http://schemas.openxmlformats.org/presentationml/2006/main">
-  <p:cSld>
-    <p:spTree>
-      <p:nvGrpSpPr>
-        <p:cNvPr id="1" name=""/>
-        <p:cNvGrpSpPr/>
-        <p:nvPr/>
-      </p:nvGrpSpPr>
-      <p:grpSpPr>
-        <a:xfrm>
-          <a:off x="0" y="0"/>
-          <a:ext cx="0" cy="0"/>
-          <a:chOff x="0" y="0"/>
-          <a:chExt cx="0" cy="0"/>
-        </a:xfrm>
-      </p:grpSpPr>
-      <p:sp>
-        <p:nvSpPr>
-          <p:cNvPr id="2" name="Title 1">
-            <a:extLst>
-              <a:ext uri="{FF2B5EF4-FFF2-40B4-BE49-F238E27FC236}">
-                <a16:creationId xmlns:a16="http://schemas.microsoft.com/office/drawing/2014/main" id="{F61BB289-6F7D-4E26-9549-A418B0B98DBB}"/>
-              </a:ext>
-            </a:extLst>
-          </p:cNvPr>
-          <p:cNvSpPr>
-            <a:spLocks noGrp="1"/>
-          </p:cNvSpPr>
-          <p:nvPr>
-            <p:ph type="title"/>
-          </p:nvPr>
-        </p:nvSpPr>
-        <p:spPr/>
-        <p:txBody>
-          <a:bodyPr>
-            <a:normAutofit/>
-          </a:bodyPr>
-          <a:lstStyle/>
-          <a:p>
-            <a:r>
-              <a:rPr lang="en-US" dirty="0"/>
-              <a:t>Each function uses a class-specific argument check function</a:t>
-            </a:r>
-          </a:p>
-        </p:txBody>
-      </p:sp>
-      <p:sp>
-        <p:nvSpPr>
-          <p:cNvPr id="5" name="Rectangle 4">
-            <a:extLst>
-              <a:ext uri="{FF2B5EF4-FFF2-40B4-BE49-F238E27FC236}">
-                <a16:creationId xmlns:a16="http://schemas.microsoft.com/office/drawing/2014/main" id="{F0CB9B29-E4C5-4A4F-9118-99BC76FA2AD9}"/>
-              </a:ext>
-            </a:extLst>
-          </p:cNvPr>
-          <p:cNvSpPr/>
-          <p:nvPr/>
-        </p:nvSpPr>
-        <p:spPr>
-          <a:xfrm>
-            <a:off x="374433" y="2022133"/>
-            <a:ext cx="5909136" cy="3554819"/>
-          </a:xfrm>
-          <a:prstGeom prst="rect">
-            <a:avLst/>
-          </a:prstGeom>
-          <a:solidFill>
-            <a:schemeClr val="accent4">
-              <a:lumMod val="20000"/>
-              <a:lumOff val="80000"/>
-            </a:schemeClr>
-          </a:solidFill>
-        </p:spPr>
-        <p:txBody>
-          <a:bodyPr wrap="square">
-            <a:spAutoFit/>
-          </a:bodyPr>
-          <a:lstStyle/>
-          <a:p>
-            <a:r>
-              <a:rPr lang="en-US" sz="900" dirty="0">
-                <a:solidFill>
-                  <a:srgbClr val="0E00FF"/>
-                </a:solidFill>
-                <a:latin typeface="Courier New" panose="02070309020205020404" pitchFamily="49" charset="0"/>
-              </a:rPr>
-              <a:t>function</a:t>
-            </a:r>
-            <a:r>
-              <a:rPr lang="en-US" sz="900" dirty="0">
-                <a:solidFill>
-                  <a:srgbClr val="000000"/>
-                </a:solidFill>
-                <a:latin typeface="Courier New" panose="02070309020205020404" pitchFamily="49" charset="0"/>
-              </a:rPr>
-              <a:t> </a:t>
-            </a:r>
-            <a:r>
-              <a:rPr lang="en-US" sz="900" dirty="0" err="1">
-                <a:solidFill>
-                  <a:srgbClr val="000000"/>
-                </a:solidFill>
-                <a:latin typeface="Courier New" panose="02070309020205020404" pitchFamily="49" charset="0"/>
-              </a:rPr>
-              <a:t>fcn_MapGen_checkInputsToFunctions</a:t>
-            </a:r>
-            <a:r>
-              <a:rPr lang="en-US" sz="900" dirty="0">
-                <a:solidFill>
-                  <a:srgbClr val="000000"/>
-                </a:solidFill>
-                <a:latin typeface="Courier New" panose="02070309020205020404" pitchFamily="49" charset="0"/>
-              </a:rPr>
-              <a:t>(</a:t>
-            </a:r>
-            <a:r>
-              <a:rPr lang="en-US" sz="900" dirty="0">
-                <a:solidFill>
-                  <a:srgbClr val="0E00FF"/>
-                </a:solidFill>
-                <a:latin typeface="Courier New" panose="02070309020205020404" pitchFamily="49" charset="0"/>
-              </a:rPr>
-              <a:t>...</a:t>
-            </a:r>
-          </a:p>
-          <a:p>
-            <a:r>
-              <a:rPr lang="en-US" sz="900" dirty="0">
-                <a:solidFill>
-                  <a:srgbClr val="000000"/>
-                </a:solidFill>
-                <a:latin typeface="Courier New" panose="02070309020205020404" pitchFamily="49" charset="0"/>
-              </a:rPr>
-              <a:t>    </a:t>
-            </a:r>
-            <a:r>
-              <a:rPr lang="en-US" sz="900" dirty="0" err="1">
-                <a:solidFill>
-                  <a:srgbClr val="000000"/>
-                </a:solidFill>
-                <a:latin typeface="Courier New" panose="02070309020205020404" pitchFamily="49" charset="0"/>
-              </a:rPr>
-              <a:t>variable,variable_type_string,varargin</a:t>
-            </a:r>
-            <a:r>
-              <a:rPr lang="en-US" sz="900" dirty="0">
-                <a:solidFill>
-                  <a:srgbClr val="000000"/>
-                </a:solidFill>
-                <a:latin typeface="Courier New" panose="02070309020205020404" pitchFamily="49" charset="0"/>
-              </a:rPr>
-              <a:t>)</a:t>
-            </a:r>
-          </a:p>
-          <a:p>
-            <a:r>
-              <a:rPr lang="en-US" sz="900" dirty="0">
-                <a:solidFill>
-                  <a:srgbClr val="000000"/>
-                </a:solidFill>
-                <a:latin typeface="Courier New" panose="02070309020205020404" pitchFamily="49" charset="0"/>
-              </a:rPr>
-              <a:t> </a:t>
-            </a:r>
-          </a:p>
-          <a:p>
-            <a:r>
-              <a:rPr lang="en-US" sz="900" dirty="0">
-                <a:solidFill>
-                  <a:srgbClr val="028009"/>
-                </a:solidFill>
-                <a:latin typeface="Courier New" panose="02070309020205020404" pitchFamily="49" charset="0"/>
-              </a:rPr>
-              <a:t>% </a:t>
-            </a:r>
-            <a:r>
-              <a:rPr lang="en-US" sz="900" dirty="0" err="1">
-                <a:solidFill>
-                  <a:srgbClr val="028009"/>
-                </a:solidFill>
-                <a:latin typeface="Courier New" panose="02070309020205020404" pitchFamily="49" charset="0"/>
-              </a:rPr>
-              <a:t>fcn_MapGen_checkInputsToFunctions</a:t>
-            </a:r>
-            <a:endParaRPr lang="en-US" sz="900" dirty="0">
-              <a:solidFill>
-                <a:srgbClr val="028009"/>
-              </a:solidFill>
-              <a:latin typeface="Courier New" panose="02070309020205020404" pitchFamily="49" charset="0"/>
-            </a:endParaRPr>
-          </a:p>
-          <a:p>
-            <a:r>
-              <a:rPr lang="en-US" sz="900" dirty="0">
-                <a:solidFill>
-                  <a:srgbClr val="028009"/>
-                </a:solidFill>
-                <a:latin typeface="Courier New" panose="02070309020205020404" pitchFamily="49" charset="0"/>
-              </a:rPr>
-              <a:t>% Checks the variable types commonly used in the </a:t>
-            </a:r>
-            <a:r>
-              <a:rPr lang="en-US" sz="900" dirty="0" err="1">
-                <a:solidFill>
-                  <a:srgbClr val="028009"/>
-                </a:solidFill>
-                <a:latin typeface="Courier New" panose="02070309020205020404" pitchFamily="49" charset="0"/>
-              </a:rPr>
-              <a:t>MapGen</a:t>
-            </a:r>
-            <a:r>
-              <a:rPr lang="en-US" sz="900" dirty="0">
-                <a:solidFill>
-                  <a:srgbClr val="028009"/>
-                </a:solidFill>
-                <a:latin typeface="Courier New" panose="02070309020205020404" pitchFamily="49" charset="0"/>
-              </a:rPr>
-              <a:t> codes to</a:t>
-            </a:r>
-          </a:p>
-          <a:p>
-            <a:r>
-              <a:rPr lang="en-US" sz="900" dirty="0">
-                <a:solidFill>
-                  <a:srgbClr val="028009"/>
-                </a:solidFill>
-                <a:latin typeface="Courier New" panose="02070309020205020404" pitchFamily="49" charset="0"/>
-              </a:rPr>
-              <a:t>% ensure they are correctly formed.</a:t>
-            </a:r>
-          </a:p>
-          <a:p>
-            <a:r>
-              <a:rPr lang="en-US" sz="900" dirty="0">
-                <a:solidFill>
-                  <a:srgbClr val="028009"/>
-                </a:solidFill>
-                <a:latin typeface="Courier New" panose="02070309020205020404" pitchFamily="49" charset="0"/>
-              </a:rPr>
-              <a:t>%</a:t>
-            </a:r>
-          </a:p>
-          <a:p>
-            <a:r>
-              <a:rPr lang="en-US" sz="900" dirty="0">
-                <a:solidFill>
-                  <a:srgbClr val="028009"/>
-                </a:solidFill>
-                <a:latin typeface="Courier New" panose="02070309020205020404" pitchFamily="49" charset="0"/>
-              </a:rPr>
-              <a:t>% This function is typically called at the top of most functions. The input</a:t>
-            </a:r>
-          </a:p>
-          <a:p>
-            <a:r>
-              <a:rPr lang="en-US" sz="900" dirty="0">
-                <a:solidFill>
-                  <a:srgbClr val="028009"/>
-                </a:solidFill>
-                <a:latin typeface="Courier New" panose="02070309020205020404" pitchFamily="49" charset="0"/>
-              </a:rPr>
-              <a:t>% is a variable and a string defining the "type" of the variable. This</a:t>
-            </a:r>
-          </a:p>
-          <a:p>
-            <a:r>
-              <a:rPr lang="en-US" sz="900" dirty="0">
-                <a:solidFill>
-                  <a:srgbClr val="028009"/>
-                </a:solidFill>
-                <a:latin typeface="Courier New" panose="02070309020205020404" pitchFamily="49" charset="0"/>
-              </a:rPr>
-              <a:t>% function checks to see that they are compatible. For example, say there</a:t>
-            </a:r>
-          </a:p>
-          <a:p>
-            <a:r>
-              <a:rPr lang="en-US" sz="900" dirty="0">
-                <a:solidFill>
-                  <a:srgbClr val="028009"/>
-                </a:solidFill>
-                <a:latin typeface="Courier New" panose="02070309020205020404" pitchFamily="49" charset="0"/>
-              </a:rPr>
-              <a:t>% '</a:t>
-            </a:r>
-            <a:r>
-              <a:rPr lang="en-US" sz="900" dirty="0" err="1">
-                <a:solidFill>
-                  <a:srgbClr val="028009"/>
-                </a:solidFill>
-                <a:latin typeface="Courier New" panose="02070309020205020404" pitchFamily="49" charset="0"/>
-              </a:rPr>
-              <a:t>column_vector</a:t>
-            </a:r>
-            <a:r>
-              <a:rPr lang="en-US" sz="900" dirty="0">
-                <a:solidFill>
-                  <a:srgbClr val="028009"/>
-                </a:solidFill>
-                <a:latin typeface="Courier New" panose="02070309020205020404" pitchFamily="49" charset="0"/>
-              </a:rPr>
-              <a:t>' type of variables used in the function that is always a N</a:t>
-            </a:r>
-          </a:p>
-          <a:p>
-            <a:r>
-              <a:rPr lang="en-US" sz="900" dirty="0">
-                <a:solidFill>
-                  <a:srgbClr val="028009"/>
-                </a:solidFill>
-                <a:latin typeface="Courier New" panose="02070309020205020404" pitchFamily="49" charset="0"/>
-              </a:rPr>
-              <a:t>% x 1 array; if someone had a variable called "</a:t>
-            </a:r>
-            <a:r>
-              <a:rPr lang="en-US" sz="900" dirty="0" err="1">
-                <a:solidFill>
-                  <a:srgbClr val="028009"/>
-                </a:solidFill>
-                <a:latin typeface="Courier New" panose="02070309020205020404" pitchFamily="49" charset="0"/>
-              </a:rPr>
-              <a:t>test_example</a:t>
-            </a:r>
-            <a:r>
-              <a:rPr lang="en-US" sz="900" dirty="0">
-                <a:solidFill>
-                  <a:srgbClr val="028009"/>
-                </a:solidFill>
-                <a:latin typeface="Courier New" panose="02070309020205020404" pitchFamily="49" charset="0"/>
-              </a:rPr>
-              <a:t>", they could</a:t>
-            </a:r>
-          </a:p>
-          <a:p>
-            <a:r>
-              <a:rPr lang="en-US" sz="900" dirty="0">
-                <a:solidFill>
-                  <a:srgbClr val="028009"/>
-                </a:solidFill>
-                <a:latin typeface="Courier New" panose="02070309020205020404" pitchFamily="49" charset="0"/>
-              </a:rPr>
-              <a:t>% check that this fit the '</a:t>
-            </a:r>
-            <a:r>
-              <a:rPr lang="en-US" sz="900" dirty="0" err="1">
-                <a:solidFill>
-                  <a:srgbClr val="028009"/>
-                </a:solidFill>
-                <a:latin typeface="Courier New" panose="02070309020205020404" pitchFamily="49" charset="0"/>
-              </a:rPr>
-              <a:t>column_vector</a:t>
-            </a:r>
-            <a:r>
-              <a:rPr lang="en-US" sz="900" dirty="0">
-                <a:solidFill>
-                  <a:srgbClr val="028009"/>
-                </a:solidFill>
-                <a:latin typeface="Courier New" panose="02070309020205020404" pitchFamily="49" charset="0"/>
-              </a:rPr>
-              <a:t>' type by calling</a:t>
-            </a:r>
-          </a:p>
-          <a:p>
-            <a:r>
-              <a:rPr lang="en-US" sz="900" dirty="0">
-                <a:solidFill>
-                  <a:srgbClr val="028009"/>
-                </a:solidFill>
-                <a:latin typeface="Courier New" panose="02070309020205020404" pitchFamily="49" charset="0"/>
-              </a:rPr>
-              <a:t>% </a:t>
-            </a:r>
-            <a:r>
-              <a:rPr lang="en-US" sz="900" dirty="0" err="1">
-                <a:solidFill>
-                  <a:srgbClr val="028009"/>
-                </a:solidFill>
-                <a:latin typeface="Courier New" panose="02070309020205020404" pitchFamily="49" charset="0"/>
-              </a:rPr>
-              <a:t>fcn_MapGen_checkInputsToFunctions</a:t>
-            </a:r>
-            <a:r>
-              <a:rPr lang="en-US" sz="900" dirty="0">
-                <a:solidFill>
-                  <a:srgbClr val="028009"/>
-                </a:solidFill>
-                <a:latin typeface="Courier New" panose="02070309020205020404" pitchFamily="49" charset="0"/>
-              </a:rPr>
-              <a:t>(test_example,'</a:t>
-            </a:r>
-            <a:r>
-              <a:rPr lang="en-US" sz="900" dirty="0" err="1">
-                <a:solidFill>
-                  <a:srgbClr val="028009"/>
-                </a:solidFill>
-                <a:latin typeface="Courier New" panose="02070309020205020404" pitchFamily="49" charset="0"/>
-              </a:rPr>
-              <a:t>column_vector</a:t>
-            </a:r>
-            <a:r>
-              <a:rPr lang="en-US" sz="900" dirty="0">
-                <a:solidFill>
-                  <a:srgbClr val="028009"/>
-                </a:solidFill>
-                <a:latin typeface="Courier New" panose="02070309020205020404" pitchFamily="49" charset="0"/>
-              </a:rPr>
-              <a:t>').</a:t>
-            </a:r>
-          </a:p>
-          <a:p>
-            <a:r>
-              <a:rPr lang="en-US" sz="900" dirty="0">
-                <a:solidFill>
-                  <a:srgbClr val="028009"/>
-                </a:solidFill>
-                <a:latin typeface="Courier New" panose="02070309020205020404" pitchFamily="49" charset="0"/>
-              </a:rPr>
-              <a:t>% This function would then check that the array was N x 1, and if it was</a:t>
-            </a:r>
-          </a:p>
-          <a:p>
-            <a:r>
-              <a:rPr lang="en-US" sz="900" dirty="0">
-                <a:solidFill>
-                  <a:srgbClr val="028009"/>
-                </a:solidFill>
-                <a:latin typeface="Courier New" panose="02070309020205020404" pitchFamily="49" charset="0"/>
-              </a:rPr>
-              <a:t>% not, it would send out an error warning.</a:t>
-            </a:r>
-          </a:p>
-          <a:p>
-            <a:r>
-              <a:rPr lang="en-US" sz="900" dirty="0">
-                <a:solidFill>
-                  <a:srgbClr val="028009"/>
-                </a:solidFill>
-                <a:latin typeface="Courier New" panose="02070309020205020404" pitchFamily="49" charset="0"/>
-              </a:rPr>
-              <a:t>%</a:t>
-            </a:r>
-          </a:p>
-          <a:p>
-            <a:r>
-              <a:rPr lang="en-US" sz="900" dirty="0">
-                <a:solidFill>
-                  <a:srgbClr val="028009"/>
-                </a:solidFill>
-                <a:latin typeface="Courier New" panose="02070309020205020404" pitchFamily="49" charset="0"/>
-              </a:rPr>
-              <a:t>% FORMAT:</a:t>
-            </a:r>
-          </a:p>
-          <a:p>
-            <a:r>
-              <a:rPr lang="en-US" sz="900" dirty="0">
-                <a:solidFill>
-                  <a:srgbClr val="028009"/>
-                </a:solidFill>
-                <a:latin typeface="Courier New" panose="02070309020205020404" pitchFamily="49" charset="0"/>
-              </a:rPr>
-              <a:t>%</a:t>
-            </a:r>
-          </a:p>
-          <a:p>
-            <a:r>
-              <a:rPr lang="en-US" sz="900" dirty="0">
-                <a:solidFill>
-                  <a:srgbClr val="028009"/>
-                </a:solidFill>
-                <a:latin typeface="Courier New" panose="02070309020205020404" pitchFamily="49" charset="0"/>
-              </a:rPr>
-              <a:t>%      </a:t>
-            </a:r>
-            <a:r>
-              <a:rPr lang="en-US" sz="900" dirty="0" err="1">
-                <a:solidFill>
-                  <a:srgbClr val="028009"/>
-                </a:solidFill>
-                <a:latin typeface="Courier New" panose="02070309020205020404" pitchFamily="49" charset="0"/>
-              </a:rPr>
-              <a:t>fcn_MapGen_checkInputsToFunctions</a:t>
-            </a:r>
-            <a:r>
-              <a:rPr lang="en-US" sz="900" dirty="0">
-                <a:solidFill>
-                  <a:srgbClr val="028009"/>
-                </a:solidFill>
-                <a:latin typeface="Courier New" panose="02070309020205020404" pitchFamily="49" charset="0"/>
-              </a:rPr>
-              <a:t>(...</a:t>
-            </a:r>
-          </a:p>
-          <a:p>
-            <a:r>
-              <a:rPr lang="en-US" sz="900" dirty="0">
-                <a:solidFill>
-                  <a:srgbClr val="028009"/>
-                </a:solidFill>
-                <a:latin typeface="Courier New" panose="02070309020205020404" pitchFamily="49" charset="0"/>
-              </a:rPr>
-              <a:t>%      </a:t>
-            </a:r>
-            <a:r>
-              <a:rPr lang="en-US" sz="900" dirty="0" err="1">
-                <a:solidFill>
-                  <a:srgbClr val="028009"/>
-                </a:solidFill>
-                <a:latin typeface="Courier New" panose="02070309020205020404" pitchFamily="49" charset="0"/>
-              </a:rPr>
-              <a:t>variable,variable_type_string</a:t>
-            </a:r>
-            <a:r>
-              <a:rPr lang="en-US" sz="900" dirty="0">
-                <a:solidFill>
-                  <a:srgbClr val="028009"/>
-                </a:solidFill>
-                <a:latin typeface="Courier New" panose="02070309020205020404" pitchFamily="49" charset="0"/>
-              </a:rPr>
-              <a:t>,(</a:t>
-            </a:r>
-            <a:r>
-              <a:rPr lang="en-US" sz="900" dirty="0" err="1">
-                <a:solidFill>
-                  <a:srgbClr val="028009"/>
-                </a:solidFill>
-                <a:latin typeface="Courier New" panose="02070309020205020404" pitchFamily="49" charset="0"/>
-              </a:rPr>
-              <a:t>optional_arguments</a:t>
-            </a:r>
-            <a:r>
-              <a:rPr lang="en-US" sz="900" dirty="0">
-                <a:solidFill>
-                  <a:srgbClr val="028009"/>
-                </a:solidFill>
-                <a:latin typeface="Courier New" panose="02070309020205020404" pitchFamily="49" charset="0"/>
-              </a:rPr>
-              <a:t>))</a:t>
-            </a:r>
-          </a:p>
-          <a:p>
-            <a:r>
-              <a:rPr lang="en-US" sz="900" dirty="0">
-                <a:solidFill>
-                  <a:srgbClr val="028009"/>
-                </a:solidFill>
-                <a:latin typeface="Courier New" panose="02070309020205020404" pitchFamily="49" charset="0"/>
-              </a:rPr>
-              <a:t>%</a:t>
-            </a:r>
-          </a:p>
-          <a:p>
-            <a:r>
-              <a:rPr lang="en-US" sz="900" dirty="0">
-                <a:solidFill>
-                  <a:srgbClr val="028009"/>
-                </a:solidFill>
-                <a:latin typeface="Courier New" panose="02070309020205020404" pitchFamily="49" charset="0"/>
-              </a:rPr>
-              <a:t>% INPUTS:</a:t>
-            </a:r>
-          </a:p>
-          <a:p>
-            <a:r>
-              <a:rPr lang="en-US" sz="900" dirty="0">
-                <a:solidFill>
-                  <a:srgbClr val="028009"/>
-                </a:solidFill>
-                <a:latin typeface="Courier New" panose="02070309020205020404" pitchFamily="49" charset="0"/>
-              </a:rPr>
-              <a:t>%</a:t>
-            </a:r>
-          </a:p>
-          <a:p>
-            <a:r>
-              <a:rPr lang="en-US" sz="900" dirty="0">
-                <a:solidFill>
-                  <a:srgbClr val="028009"/>
-                </a:solidFill>
-                <a:latin typeface="Courier New" panose="02070309020205020404" pitchFamily="49" charset="0"/>
-              </a:rPr>
-              <a:t>%      variable: the variable to check</a:t>
-            </a:r>
-          </a:p>
-        </p:txBody>
-      </p:sp>
-      <p:sp>
-        <p:nvSpPr>
-          <p:cNvPr id="3" name="Rectangle 2">
-            <a:extLst>
-              <a:ext uri="{FF2B5EF4-FFF2-40B4-BE49-F238E27FC236}">
-                <a16:creationId xmlns:a16="http://schemas.microsoft.com/office/drawing/2014/main" id="{75616B01-3EEF-43F9-B062-A030413183B5}"/>
-              </a:ext>
-            </a:extLst>
-          </p:cNvPr>
-          <p:cNvSpPr/>
-          <p:nvPr/>
-        </p:nvSpPr>
-        <p:spPr>
-          <a:xfrm>
-            <a:off x="3692063" y="6308209"/>
-            <a:ext cx="7414594" cy="369332"/>
-          </a:xfrm>
-          <a:prstGeom prst="rect">
-            <a:avLst/>
-          </a:prstGeom>
-        </p:spPr>
-        <p:txBody>
-          <a:bodyPr wrap="none">
-            <a:spAutoFit/>
-          </a:bodyPr>
-          <a:lstStyle/>
-          <a:p>
-            <a:r>
-              <a:rPr lang="en-US" dirty="0"/>
-              <a:t>See: </a:t>
-            </a:r>
-            <a:r>
-              <a:rPr lang="en-US" dirty="0" err="1"/>
-              <a:t>script_test_fcn_MapGen_checkInputsToFunctions.m</a:t>
-            </a:r>
-            <a:r>
-              <a:rPr lang="en-US" dirty="0"/>
-              <a:t> for example usages</a:t>
-            </a:r>
-          </a:p>
-        </p:txBody>
-      </p:sp>
-    </p:spTree>
-    <p:extLst>
-      <p:ext uri="{BB962C8B-B14F-4D97-AF65-F5344CB8AC3E}">
-        <p14:creationId xmlns:p14="http://schemas.microsoft.com/office/powerpoint/2010/main" val="3283178281"/>
-      </p:ext>
-    </p:extLst>
-  </p:cSld>
-  <p:clrMapOvr>
-    <a:masterClrMapping/>
-  </p:clrMapOvr>
-</p:sld>
-</file>
-
-<file path=ppt/slides/slide6.xml><?xml version="1.0" encoding="utf-8"?>
-<p:sld xmlns:a="http://schemas.openxmlformats.org/drawingml/2006/main" xmlns:r="http://schemas.openxmlformats.org/officeDocument/2006/relationships" xmlns:p="http://schemas.openxmlformats.org/presentationml/2006/main">
-  <p:cSld>
-    <p:spTree>
-      <p:nvGrpSpPr>
-        <p:cNvPr id="1" name=""/>
-        <p:cNvGrpSpPr/>
-        <p:nvPr/>
-      </p:nvGrpSpPr>
-      <p:grpSpPr>
-        <a:xfrm>
-          <a:off x="0" y="0"/>
-          <a:ext cx="0" cy="0"/>
-          <a:chOff x="0" y="0"/>
-          <a:chExt cx="0" cy="0"/>
-        </a:xfrm>
-      </p:grpSpPr>
-      <p:sp>
-        <p:nvSpPr>
-          <p:cNvPr id="2" name="Title 1">
-            <a:extLst>
-              <a:ext uri="{FF2B5EF4-FFF2-40B4-BE49-F238E27FC236}">
-                <a16:creationId xmlns:a16="http://schemas.microsoft.com/office/drawing/2014/main" id="{8C7DDBE8-36CC-4927-9870-E0F8CEA9D030}"/>
-              </a:ext>
-            </a:extLst>
-          </p:cNvPr>
-          <p:cNvSpPr>
-            <a:spLocks noGrp="1"/>
-          </p:cNvSpPr>
-          <p:nvPr>
-            <p:ph type="title"/>
-          </p:nvPr>
-        </p:nvSpPr>
-        <p:spPr>
-          <a:xfrm>
-            <a:off x="838200" y="618266"/>
-            <a:ext cx="10515600" cy="1325563"/>
-          </a:xfrm>
-        </p:spPr>
-        <p:txBody>
-          <a:bodyPr>
-            <a:normAutofit fontScale="90000"/>
-          </a:bodyPr>
-          <a:lstStyle/>
-          <a:p>
-            <a:r>
-              <a:rPr lang="en-US" dirty="0"/>
-              <a:t>A demonstration script exists that shows most of the functionality in this document:</a:t>
-            </a:r>
-            <a:br>
-              <a:rPr lang="en-US" dirty="0"/>
-            </a:br>
-            <a:r>
-              <a:rPr lang="en-US" dirty="0" err="1">
-                <a:solidFill>
-                  <a:srgbClr val="028009"/>
-                </a:solidFill>
-                <a:latin typeface="Courier New" panose="02070309020205020404" pitchFamily="49" charset="0"/>
-              </a:rPr>
-              <a:t>script_demo_MapGenLibrary</a:t>
-            </a:r>
-            <a:br>
-              <a:rPr lang="en-US" dirty="0">
-                <a:solidFill>
-                  <a:srgbClr val="028009"/>
-                </a:solidFill>
-                <a:latin typeface="Courier New" panose="02070309020205020404" pitchFamily="49" charset="0"/>
-              </a:rPr>
-            </a:br>
-            <a:endParaRPr lang="en-US" dirty="0"/>
-          </a:p>
-        </p:txBody>
-      </p:sp>
-      <p:sp>
-        <p:nvSpPr>
-          <p:cNvPr id="4" name="Rectangle 3">
-            <a:extLst>
-              <a:ext uri="{FF2B5EF4-FFF2-40B4-BE49-F238E27FC236}">
-                <a16:creationId xmlns:a16="http://schemas.microsoft.com/office/drawing/2014/main" id="{ED6B6C78-C512-4D1D-90D5-01BF838E0A27}"/>
-              </a:ext>
-            </a:extLst>
-          </p:cNvPr>
-          <p:cNvSpPr/>
-          <p:nvPr/>
-        </p:nvSpPr>
-        <p:spPr>
-          <a:xfrm>
-            <a:off x="374433" y="2022133"/>
-            <a:ext cx="5909136" cy="2446824"/>
-          </a:xfrm>
-          <a:prstGeom prst="rect">
-            <a:avLst/>
-          </a:prstGeom>
-          <a:solidFill>
-            <a:schemeClr val="accent4">
-              <a:lumMod val="20000"/>
-              <a:lumOff val="80000"/>
-            </a:schemeClr>
-          </a:solidFill>
-        </p:spPr>
-        <p:txBody>
-          <a:bodyPr wrap="square">
-            <a:spAutoFit/>
-          </a:bodyPr>
-          <a:lstStyle/>
-          <a:p>
-            <a:r>
-              <a:rPr lang="en-US" sz="900" dirty="0">
-                <a:solidFill>
-                  <a:srgbClr val="028009"/>
-                </a:solidFill>
-                <a:latin typeface="Courier New" panose="02070309020205020404" pitchFamily="49" charset="0"/>
-              </a:rPr>
-              <a:t>%% Show how inputs are checked</a:t>
-            </a:r>
-          </a:p>
-          <a:p>
-            <a:r>
-              <a:rPr lang="en-US" sz="900" dirty="0" err="1">
-                <a:solidFill>
-                  <a:srgbClr val="000000"/>
-                </a:solidFill>
-                <a:latin typeface="Courier New" panose="02070309020205020404" pitchFamily="49" charset="0"/>
-              </a:rPr>
-              <a:t>Twocolumn_of_numbers_test</a:t>
-            </a:r>
-            <a:r>
-              <a:rPr lang="en-US" sz="900" dirty="0">
-                <a:solidFill>
-                  <a:srgbClr val="000000"/>
-                </a:solidFill>
-                <a:latin typeface="Courier New" panose="02070309020205020404" pitchFamily="49" charset="0"/>
-              </a:rPr>
-              <a:t> = [4 1; 3 0; 2 5];</a:t>
-            </a:r>
-          </a:p>
-          <a:p>
-            <a:r>
-              <a:rPr lang="en-US" sz="900" dirty="0" err="1">
-                <a:solidFill>
-                  <a:srgbClr val="000000"/>
-                </a:solidFill>
-                <a:latin typeface="Courier New" panose="02070309020205020404" pitchFamily="49" charset="0"/>
-              </a:rPr>
-              <a:t>fcn_MapGen_checkInputsToFunctions</a:t>
-            </a:r>
-            <a:r>
-              <a:rPr lang="en-US" sz="900" dirty="0">
-                <a:solidFill>
-                  <a:srgbClr val="000000"/>
-                </a:solidFill>
-                <a:latin typeface="Courier New" panose="02070309020205020404" pitchFamily="49" charset="0"/>
-              </a:rPr>
-              <a:t>(</a:t>
-            </a:r>
-            <a:r>
-              <a:rPr lang="en-US" sz="900" dirty="0" err="1">
-                <a:solidFill>
-                  <a:srgbClr val="000000"/>
-                </a:solidFill>
-                <a:latin typeface="Courier New" panose="02070309020205020404" pitchFamily="49" charset="0"/>
-              </a:rPr>
-              <a:t>Twocolumn_of_numbers_test</a:t>
-            </a:r>
-            <a:r>
-              <a:rPr lang="en-US" sz="900" dirty="0">
-                <a:solidFill>
-                  <a:srgbClr val="000000"/>
-                </a:solidFill>
-                <a:latin typeface="Courier New" panose="02070309020205020404" pitchFamily="49" charset="0"/>
-              </a:rPr>
-              <a:t>, </a:t>
-            </a:r>
-            <a:r>
-              <a:rPr lang="en-US" sz="900" dirty="0">
-                <a:solidFill>
-                  <a:srgbClr val="AA04F9"/>
-                </a:solidFill>
-                <a:latin typeface="Courier New" panose="02070309020205020404" pitchFamily="49" charset="0"/>
-              </a:rPr>
-              <a:t>'2column_of_numbers'</a:t>
-            </a:r>
-            <a:r>
-              <a:rPr lang="en-US" sz="900" dirty="0">
-                <a:solidFill>
-                  <a:srgbClr val="000000"/>
-                </a:solidFill>
-                <a:latin typeface="Courier New" panose="02070309020205020404" pitchFamily="49" charset="0"/>
-              </a:rPr>
-              <a:t>);</a:t>
-            </a:r>
-          </a:p>
-          <a:p>
-            <a:r>
-              <a:rPr lang="en-US" sz="900" dirty="0">
-                <a:solidFill>
-                  <a:srgbClr val="000000"/>
-                </a:solidFill>
-                <a:latin typeface="Courier New" panose="02070309020205020404" pitchFamily="49" charset="0"/>
-              </a:rPr>
-              <a:t> </a:t>
-            </a:r>
-          </a:p>
-          <a:p>
-            <a:r>
-              <a:rPr lang="en-US" sz="900" dirty="0">
-                <a:solidFill>
-                  <a:srgbClr val="000000"/>
-                </a:solidFill>
-                <a:latin typeface="Courier New" panose="02070309020205020404" pitchFamily="49" charset="0"/>
-              </a:rPr>
-              <a:t> </a:t>
-            </a:r>
-          </a:p>
-          <a:p>
-            <a:r>
-              <a:rPr lang="en-US" sz="900" dirty="0">
-                <a:solidFill>
-                  <a:srgbClr val="028009"/>
-                </a:solidFill>
-                <a:latin typeface="Courier New" panose="02070309020205020404" pitchFamily="49" charset="0"/>
-              </a:rPr>
-              <a:t>%% Generate a set of polytopes from various pseudo-random sources</a:t>
-            </a:r>
-          </a:p>
-          <a:p>
-            <a:r>
-              <a:rPr lang="en-US" sz="900" dirty="0">
-                <a:solidFill>
-                  <a:srgbClr val="028009"/>
-                </a:solidFill>
-                <a:latin typeface="Courier New" panose="02070309020205020404" pitchFamily="49" charset="0"/>
-              </a:rPr>
-              <a:t>% Generate a set of polytopes from the </a:t>
-            </a:r>
-            <a:r>
-              <a:rPr lang="en-US" sz="900" dirty="0" err="1">
-                <a:solidFill>
-                  <a:srgbClr val="028009"/>
-                </a:solidFill>
-                <a:latin typeface="Courier New" panose="02070309020205020404" pitchFamily="49" charset="0"/>
-              </a:rPr>
-              <a:t>Sobol</a:t>
-            </a:r>
-            <a:r>
-              <a:rPr lang="en-US" sz="900" dirty="0">
-                <a:solidFill>
-                  <a:srgbClr val="028009"/>
-                </a:solidFill>
-                <a:latin typeface="Courier New" panose="02070309020205020404" pitchFamily="49" charset="0"/>
-              </a:rPr>
-              <a:t> set</a:t>
-            </a:r>
-          </a:p>
-          <a:p>
-            <a:r>
-              <a:rPr lang="en-US" sz="900" dirty="0" err="1">
-                <a:solidFill>
-                  <a:srgbClr val="000000"/>
-                </a:solidFill>
-                <a:latin typeface="Courier New" panose="02070309020205020404" pitchFamily="49" charset="0"/>
-              </a:rPr>
-              <a:t>fig_num</a:t>
-            </a:r>
-            <a:r>
-              <a:rPr lang="en-US" sz="900" dirty="0">
-                <a:solidFill>
-                  <a:srgbClr val="000000"/>
-                </a:solidFill>
-                <a:latin typeface="Courier New" panose="02070309020205020404" pitchFamily="49" charset="0"/>
-              </a:rPr>
-              <a:t> = 11;</a:t>
-            </a:r>
-          </a:p>
-          <a:p>
-            <a:r>
-              <a:rPr lang="en-US" sz="900" dirty="0" err="1">
-                <a:solidFill>
-                  <a:srgbClr val="000000"/>
-                </a:solidFill>
-                <a:latin typeface="Courier New" panose="02070309020205020404" pitchFamily="49" charset="0"/>
-              </a:rPr>
-              <a:t>Sobol_range</a:t>
-            </a:r>
-            <a:r>
-              <a:rPr lang="en-US" sz="900" dirty="0">
-                <a:solidFill>
-                  <a:srgbClr val="000000"/>
-                </a:solidFill>
-                <a:latin typeface="Courier New" panose="02070309020205020404" pitchFamily="49" charset="0"/>
-              </a:rPr>
-              <a:t> = [1 1000]; </a:t>
-            </a:r>
-            <a:r>
-              <a:rPr lang="en-US" sz="900" dirty="0">
-                <a:solidFill>
-                  <a:srgbClr val="028009"/>
-                </a:solidFill>
-                <a:latin typeface="Courier New" panose="02070309020205020404" pitchFamily="49" charset="0"/>
-              </a:rPr>
-              <a:t>% range of </a:t>
-            </a:r>
-            <a:r>
-              <a:rPr lang="en-US" sz="900" dirty="0" err="1">
-                <a:solidFill>
-                  <a:srgbClr val="028009"/>
-                </a:solidFill>
-                <a:latin typeface="Courier New" panose="02070309020205020404" pitchFamily="49" charset="0"/>
-              </a:rPr>
-              <a:t>Sobol</a:t>
-            </a:r>
-            <a:r>
-              <a:rPr lang="en-US" sz="900" dirty="0">
-                <a:solidFill>
-                  <a:srgbClr val="028009"/>
-                </a:solidFill>
-                <a:latin typeface="Courier New" panose="02070309020205020404" pitchFamily="49" charset="0"/>
-              </a:rPr>
-              <a:t> points to use to generate the tiling</a:t>
-            </a:r>
-          </a:p>
-          <a:p>
-            <a:r>
-              <a:rPr lang="en-US" sz="900" dirty="0" err="1">
-                <a:solidFill>
-                  <a:srgbClr val="000000"/>
-                </a:solidFill>
-                <a:latin typeface="Courier New" panose="02070309020205020404" pitchFamily="49" charset="0"/>
-              </a:rPr>
-              <a:t>tiled_polytopes</a:t>
-            </a:r>
-            <a:r>
-              <a:rPr lang="en-US" sz="900" dirty="0">
-                <a:solidFill>
-                  <a:srgbClr val="000000"/>
-                </a:solidFill>
-                <a:latin typeface="Courier New" panose="02070309020205020404" pitchFamily="49" charset="0"/>
-              </a:rPr>
-              <a:t> = </a:t>
-            </a:r>
-            <a:r>
-              <a:rPr lang="en-US" sz="900" dirty="0" err="1">
-                <a:solidFill>
-                  <a:srgbClr val="000000"/>
-                </a:solidFill>
-                <a:latin typeface="Courier New" panose="02070309020205020404" pitchFamily="49" charset="0"/>
-              </a:rPr>
-              <a:t>fcn_MapGen_sobolVoronoiTiling</a:t>
-            </a:r>
-            <a:r>
-              <a:rPr lang="en-US" sz="900" dirty="0">
-                <a:solidFill>
-                  <a:srgbClr val="000000"/>
-                </a:solidFill>
-                <a:latin typeface="Courier New" panose="02070309020205020404" pitchFamily="49" charset="0"/>
-              </a:rPr>
-              <a:t>(</a:t>
-            </a:r>
-            <a:r>
-              <a:rPr lang="en-US" sz="900" dirty="0" err="1">
-                <a:solidFill>
-                  <a:srgbClr val="000000"/>
-                </a:solidFill>
-                <a:latin typeface="Courier New" panose="02070309020205020404" pitchFamily="49" charset="0"/>
-              </a:rPr>
-              <a:t>Sobol_range</a:t>
-            </a:r>
-            <a:r>
-              <a:rPr lang="en-US" sz="900" dirty="0">
-                <a:solidFill>
-                  <a:srgbClr val="000000"/>
-                </a:solidFill>
-                <a:latin typeface="Courier New" panose="02070309020205020404" pitchFamily="49" charset="0"/>
-              </a:rPr>
-              <a:t>,[1 1],</a:t>
-            </a:r>
-            <a:r>
-              <a:rPr lang="en-US" sz="900" dirty="0" err="1">
-                <a:solidFill>
-                  <a:srgbClr val="000000"/>
-                </a:solidFill>
-                <a:latin typeface="Courier New" panose="02070309020205020404" pitchFamily="49" charset="0"/>
-              </a:rPr>
-              <a:t>fig_num</a:t>
-            </a:r>
-            <a:r>
-              <a:rPr lang="en-US" sz="900" dirty="0">
-                <a:solidFill>
-                  <a:srgbClr val="000000"/>
-                </a:solidFill>
-                <a:latin typeface="Courier New" panose="02070309020205020404" pitchFamily="49" charset="0"/>
-              </a:rPr>
-              <a:t>);</a:t>
-            </a:r>
-          </a:p>
-          <a:p>
-            <a:r>
-              <a:rPr lang="en-US" sz="900" dirty="0">
-                <a:solidFill>
-                  <a:srgbClr val="000000"/>
-                </a:solidFill>
-                <a:latin typeface="Courier New" panose="02070309020205020404" pitchFamily="49" charset="0"/>
-              </a:rPr>
-              <a:t> </a:t>
-            </a:r>
-          </a:p>
-          <a:p>
-            <a:r>
-              <a:rPr lang="en-US" sz="900" dirty="0">
-                <a:solidFill>
-                  <a:srgbClr val="000000"/>
-                </a:solidFill>
-                <a:latin typeface="Courier New" panose="02070309020205020404" pitchFamily="49" charset="0"/>
-              </a:rPr>
-              <a:t> </a:t>
-            </a:r>
-          </a:p>
-          <a:p>
-            <a:r>
-              <a:rPr lang="en-US" sz="900" dirty="0">
-                <a:solidFill>
-                  <a:srgbClr val="028009"/>
-                </a:solidFill>
-                <a:latin typeface="Courier New" panose="02070309020205020404" pitchFamily="49" charset="0"/>
-              </a:rPr>
-              <a:t>% Generate a set of polytopes from the Halton set</a:t>
-            </a:r>
-          </a:p>
-          <a:p>
-            <a:r>
-              <a:rPr lang="en-US" sz="900" dirty="0" err="1">
-                <a:solidFill>
-                  <a:srgbClr val="000000"/>
-                </a:solidFill>
-                <a:latin typeface="Courier New" panose="02070309020205020404" pitchFamily="49" charset="0"/>
-              </a:rPr>
-              <a:t>fig_num</a:t>
-            </a:r>
-            <a:r>
-              <a:rPr lang="en-US" sz="900" dirty="0">
-                <a:solidFill>
-                  <a:srgbClr val="000000"/>
-                </a:solidFill>
-                <a:latin typeface="Courier New" panose="02070309020205020404" pitchFamily="49" charset="0"/>
-              </a:rPr>
-              <a:t> = 12;</a:t>
-            </a:r>
-          </a:p>
-          <a:p>
-            <a:r>
-              <a:rPr lang="en-US" sz="900" dirty="0" err="1">
-                <a:solidFill>
-                  <a:srgbClr val="000000"/>
-                </a:solidFill>
-                <a:latin typeface="Courier New" panose="02070309020205020404" pitchFamily="49" charset="0"/>
-              </a:rPr>
-              <a:t>Halton_range</a:t>
-            </a:r>
-            <a:r>
-              <a:rPr lang="en-US" sz="900" dirty="0">
-                <a:solidFill>
-                  <a:srgbClr val="000000"/>
-                </a:solidFill>
-                <a:latin typeface="Courier New" panose="02070309020205020404" pitchFamily="49" charset="0"/>
-              </a:rPr>
-              <a:t> = [1 1000]; </a:t>
-            </a:r>
-            <a:r>
-              <a:rPr lang="en-US" sz="900" dirty="0">
-                <a:solidFill>
-                  <a:srgbClr val="028009"/>
-                </a:solidFill>
-                <a:latin typeface="Courier New" panose="02070309020205020404" pitchFamily="49" charset="0"/>
-              </a:rPr>
-              <a:t>% range of Halton points to use to generate the tiling</a:t>
-            </a:r>
-          </a:p>
-          <a:p>
-            <a:r>
-              <a:rPr lang="en-US" sz="900" dirty="0" err="1">
-                <a:solidFill>
-                  <a:srgbClr val="000000"/>
-                </a:solidFill>
-                <a:latin typeface="Courier New" panose="02070309020205020404" pitchFamily="49" charset="0"/>
-              </a:rPr>
-              <a:t>tiled_polytopes</a:t>
-            </a:r>
-            <a:r>
-              <a:rPr lang="en-US" sz="900" dirty="0">
-                <a:solidFill>
-                  <a:srgbClr val="000000"/>
-                </a:solidFill>
-                <a:latin typeface="Courier New" panose="02070309020205020404" pitchFamily="49" charset="0"/>
-              </a:rPr>
-              <a:t> = </a:t>
-            </a:r>
-            <a:r>
-              <a:rPr lang="en-US" sz="900" dirty="0" err="1">
-                <a:solidFill>
-                  <a:srgbClr val="000000"/>
-                </a:solidFill>
-                <a:latin typeface="Courier New" panose="02070309020205020404" pitchFamily="49" charset="0"/>
-              </a:rPr>
-              <a:t>fcn_MapGen_haltonVoronoiTiling</a:t>
-            </a:r>
-            <a:r>
-              <a:rPr lang="en-US" sz="900" dirty="0">
-                <a:solidFill>
-                  <a:srgbClr val="000000"/>
-                </a:solidFill>
-                <a:latin typeface="Courier New" panose="02070309020205020404" pitchFamily="49" charset="0"/>
-              </a:rPr>
-              <a:t>(</a:t>
-            </a:r>
-            <a:r>
-              <a:rPr lang="en-US" sz="900" dirty="0" err="1">
-                <a:solidFill>
-                  <a:srgbClr val="000000"/>
-                </a:solidFill>
-                <a:latin typeface="Courier New" panose="02070309020205020404" pitchFamily="49" charset="0"/>
-              </a:rPr>
-              <a:t>Halton_range</a:t>
-            </a:r>
-            <a:r>
-              <a:rPr lang="en-US" sz="900" dirty="0">
-                <a:solidFill>
-                  <a:srgbClr val="000000"/>
-                </a:solidFill>
-                <a:latin typeface="Courier New" panose="02070309020205020404" pitchFamily="49" charset="0"/>
-              </a:rPr>
-              <a:t>,[1 1],</a:t>
-            </a:r>
-            <a:r>
-              <a:rPr lang="en-US" sz="900" dirty="0" err="1">
-                <a:solidFill>
-                  <a:srgbClr val="000000"/>
-                </a:solidFill>
-                <a:latin typeface="Courier New" panose="02070309020205020404" pitchFamily="49" charset="0"/>
-              </a:rPr>
-              <a:t>fig_num</a:t>
-            </a:r>
-            <a:r>
-              <a:rPr lang="en-US" sz="900" dirty="0">
-                <a:solidFill>
-                  <a:srgbClr val="000000"/>
-                </a:solidFill>
-                <a:latin typeface="Courier New" panose="02070309020205020404" pitchFamily="49" charset="0"/>
-              </a:rPr>
-              <a:t>);</a:t>
-            </a:r>
-          </a:p>
-          <a:p>
-            <a:endParaRPr lang="en-US" sz="900" dirty="0"/>
-          </a:p>
-        </p:txBody>
-      </p:sp>
-    </p:spTree>
-    <p:extLst>
-      <p:ext uri="{BB962C8B-B14F-4D97-AF65-F5344CB8AC3E}">
-        <p14:creationId xmlns:p14="http://schemas.microsoft.com/office/powerpoint/2010/main" val="3684799925"/>
-      </p:ext>
-    </p:extLst>
-  </p:cSld>
-  <p:clrMapOvr>
-    <a:masterClrMapping/>
-  </p:clrMapOvr>
-</p:sld>
-</file>
-
-<file path=ppt/slides/slide7.xml><?xml version="1.0" encoding="utf-8"?>
-<p:sld xmlns:a="http://schemas.openxmlformats.org/drawingml/2006/main" xmlns:r="http://schemas.openxmlformats.org/officeDocument/2006/relationships" xmlns:p="http://schemas.openxmlformats.org/presentationml/2006/main">
-  <p:cSld>
-    <p:spTree>
-      <p:nvGrpSpPr>
-        <p:cNvPr id="1" name=""/>
-        <p:cNvGrpSpPr/>
-        <p:nvPr/>
-      </p:nvGrpSpPr>
-      <p:grpSpPr>
-        <a:xfrm>
-          <a:off x="0" y="0"/>
-          <a:ext cx="0" cy="0"/>
-          <a:chOff x="0" y="0"/>
-          <a:chExt cx="0" cy="0"/>
-        </a:xfrm>
-      </p:grpSpPr>
-      <p:sp>
-        <p:nvSpPr>
           <p:cNvPr id="2" name="Title 1"/>
           <p:cNvSpPr>
             <a:spLocks noGrp="1"/>
@@ -19021,7 +17435,7 @@
 </p:sld>
 </file>
 
-<file path=ppt/slides/slide8.xml><?xml version="1.0" encoding="utf-8"?>
+<file path=ppt/slides/slide5.xml><?xml version="1.0" encoding="utf-8"?>
 <p:sld xmlns:a="http://schemas.openxmlformats.org/drawingml/2006/main" xmlns:r="http://schemas.openxmlformats.org/officeDocument/2006/relationships" xmlns:p="http://schemas.openxmlformats.org/presentationml/2006/main">
   <p:cSld>
     <p:bg>
@@ -19403,6 +17817,1013 @@
 </p:sld>
 </file>
 
+<file path=ppt/slides/slide6.xml><?xml version="1.0" encoding="utf-8"?>
+<p:sld xmlns:a="http://schemas.openxmlformats.org/drawingml/2006/main" xmlns:r="http://schemas.openxmlformats.org/officeDocument/2006/relationships" xmlns:p="http://schemas.openxmlformats.org/presentationml/2006/main">
+  <p:cSld>
+    <p:spTree>
+      <p:nvGrpSpPr>
+        <p:cNvPr id="1" name=""/>
+        <p:cNvGrpSpPr/>
+        <p:nvPr/>
+      </p:nvGrpSpPr>
+      <p:grpSpPr>
+        <a:xfrm>
+          <a:off x="0" y="0"/>
+          <a:ext cx="0" cy="0"/>
+          <a:chOff x="0" y="0"/>
+          <a:chExt cx="0" cy="0"/>
+        </a:xfrm>
+      </p:grpSpPr>
+      <p:sp>
+        <p:nvSpPr>
+          <p:cNvPr id="2" name="Title 1">
+            <a:extLst>
+              <a:ext uri="{FF2B5EF4-FFF2-40B4-BE49-F238E27FC236}">
+                <a16:creationId xmlns:a16="http://schemas.microsoft.com/office/drawing/2014/main" id="{925DE5FB-AF4E-405F-B516-322A0D38A554}"/>
+              </a:ext>
+            </a:extLst>
+          </p:cNvPr>
+          <p:cNvSpPr>
+            <a:spLocks noGrp="1"/>
+          </p:cNvSpPr>
+          <p:nvPr>
+            <p:ph type="title"/>
+          </p:nvPr>
+        </p:nvSpPr>
+        <p:spPr/>
+        <p:txBody>
+          <a:bodyPr>
+            <a:noAutofit/>
+          </a:bodyPr>
+          <a:lstStyle/>
+          <a:p>
+            <a:r>
+              <a:rPr lang="en-US" sz="3600"/>
+              <a:t>The sets are generated by selecting random numbers in 2 dimensions between 0 and 1, then performing a Voronoi segmentation based on the seed points</a:t>
+            </a:r>
+            <a:endParaRPr lang="en-US" sz="3600" dirty="0"/>
+          </a:p>
+        </p:txBody>
+      </p:sp>
+      <p:sp>
+        <p:nvSpPr>
+          <p:cNvPr id="3" name="Content Placeholder 2">
+            <a:extLst>
+              <a:ext uri="{FF2B5EF4-FFF2-40B4-BE49-F238E27FC236}">
+                <a16:creationId xmlns:a16="http://schemas.microsoft.com/office/drawing/2014/main" id="{6F517848-FA2F-48EB-B9E5-45F2CAABAA2C}"/>
+              </a:ext>
+            </a:extLst>
+          </p:cNvPr>
+          <p:cNvSpPr>
+            <a:spLocks noGrp="1"/>
+          </p:cNvSpPr>
+          <p:nvPr>
+            <p:ph idx="1"/>
+          </p:nvPr>
+        </p:nvSpPr>
+        <p:spPr/>
+        <p:txBody>
+          <a:bodyPr/>
+          <a:lstStyle/>
+          <a:p>
+            <a:pPr marL="0" indent="0">
+              <a:buNone/>
+            </a:pPr>
+            <a:r>
+              <a:rPr lang="en-US" dirty="0"/>
+              <a:t>The images shown are cropped views, so the outlier boundaries are not seen</a:t>
+            </a:r>
+          </a:p>
+        </p:txBody>
+      </p:sp>
+      <p:pic>
+        <p:nvPicPr>
+          <p:cNvPr id="5" name="Picture 4">
+            <a:extLst>
+              <a:ext uri="{FF2B5EF4-FFF2-40B4-BE49-F238E27FC236}">
+                <a16:creationId xmlns:a16="http://schemas.microsoft.com/office/drawing/2014/main" id="{18A20D6C-DF53-480D-A78C-643EC5733B72}"/>
+              </a:ext>
+            </a:extLst>
+          </p:cNvPr>
+          <p:cNvPicPr>
+            <a:picLocks noChangeAspect="1"/>
+          </p:cNvPicPr>
+          <p:nvPr/>
+        </p:nvPicPr>
+        <p:blipFill>
+          <a:blip r:embed="rId2" cstate="email">
+            <a:extLst>
+              <a:ext uri="{28A0092B-C50C-407E-A947-70E740481C1C}">
+                <a14:useLocalDpi xmlns:a14="http://schemas.microsoft.com/office/drawing/2010/main"/>
+              </a:ext>
+            </a:extLst>
+          </a:blip>
+          <a:stretch>
+            <a:fillRect/>
+          </a:stretch>
+        </p:blipFill>
+        <p:spPr>
+          <a:xfrm>
+            <a:off x="1533280" y="2754923"/>
+            <a:ext cx="4562720" cy="3422040"/>
+          </a:xfrm>
+          <a:prstGeom prst="rect">
+            <a:avLst/>
+          </a:prstGeom>
+        </p:spPr>
+      </p:pic>
+      <p:pic>
+        <p:nvPicPr>
+          <p:cNvPr id="6" name="Picture 5">
+            <a:extLst>
+              <a:ext uri="{FF2B5EF4-FFF2-40B4-BE49-F238E27FC236}">
+                <a16:creationId xmlns:a16="http://schemas.microsoft.com/office/drawing/2014/main" id="{3CCDDF1F-AB55-4C7D-BCAA-C1519D5809B4}"/>
+              </a:ext>
+            </a:extLst>
+          </p:cNvPr>
+          <p:cNvPicPr>
+            <a:picLocks noChangeAspect="1"/>
+          </p:cNvPicPr>
+          <p:nvPr/>
+        </p:nvPicPr>
+        <p:blipFill>
+          <a:blip r:embed="rId3" cstate="email">
+            <a:extLst>
+              <a:ext uri="{28A0092B-C50C-407E-A947-70E740481C1C}">
+                <a14:useLocalDpi xmlns:a14="http://schemas.microsoft.com/office/drawing/2010/main"/>
+              </a:ext>
+            </a:extLst>
+          </a:blip>
+          <a:stretch>
+            <a:fillRect/>
+          </a:stretch>
+        </p:blipFill>
+        <p:spPr>
+          <a:xfrm>
+            <a:off x="6637737" y="2754923"/>
+            <a:ext cx="4562721" cy="3422040"/>
+          </a:xfrm>
+          <a:prstGeom prst="rect">
+            <a:avLst/>
+          </a:prstGeom>
+        </p:spPr>
+      </p:pic>
+    </p:spTree>
+    <p:extLst>
+      <p:ext uri="{BB962C8B-B14F-4D97-AF65-F5344CB8AC3E}">
+        <p14:creationId xmlns:p14="http://schemas.microsoft.com/office/powerpoint/2010/main" val="351905929"/>
+      </p:ext>
+    </p:extLst>
+  </p:cSld>
+  <p:clrMapOvr>
+    <a:masterClrMapping/>
+  </p:clrMapOvr>
+</p:sld>
+</file>
+
+<file path=ppt/slides/slide7.xml><?xml version="1.0" encoding="utf-8"?>
+<p:sld xmlns:a="http://schemas.openxmlformats.org/drawingml/2006/main" xmlns:r="http://schemas.openxmlformats.org/officeDocument/2006/relationships" xmlns:p="http://schemas.openxmlformats.org/presentationml/2006/main">
+  <p:cSld>
+    <p:bg>
+      <p:bgPr>
+        <a:solidFill>
+          <a:schemeClr val="bg1"/>
+        </a:solidFill>
+        <a:effectLst/>
+      </p:bgPr>
+    </p:bg>
+    <p:spTree>
+      <p:nvGrpSpPr>
+        <p:cNvPr id="1" name=""/>
+        <p:cNvGrpSpPr/>
+        <p:nvPr/>
+      </p:nvGrpSpPr>
+      <p:grpSpPr>
+        <a:xfrm>
+          <a:off x="0" y="0"/>
+          <a:ext cx="0" cy="0"/>
+          <a:chOff x="0" y="0"/>
+          <a:chExt cx="0" cy="0"/>
+        </a:xfrm>
+      </p:grpSpPr>
+      <p:sp useBgFill="1">
+        <p:nvSpPr>
+          <p:cNvPr id="13" name="Rectangle 9">
+            <a:extLst>
+              <a:ext uri="{FF2B5EF4-FFF2-40B4-BE49-F238E27FC236}">
+                <a16:creationId xmlns:a16="http://schemas.microsoft.com/office/drawing/2014/main" id="{2C9A9DA9-7DC8-488B-A882-123947B0F3D9}"/>
+              </a:ext>
+              <a:ext uri="{C183D7F6-B498-43B3-948B-1728B52AA6E4}">
+                <adec:decorative xmlns:adec="http://schemas.microsoft.com/office/drawing/2017/decorative" val="1"/>
+              </a:ext>
+            </a:extLst>
+          </p:cNvPr>
+          <p:cNvSpPr>
+            <a:spLocks noGrp="1" noRot="1" noChangeAspect="1" noMove="1" noResize="1" noEditPoints="1" noAdjustHandles="1" noChangeArrowheads="1" noChangeShapeType="1" noTextEdit="1"/>
+          </p:cNvSpPr>
+          <p:nvPr>
+            <p:extLst>
+              <p:ext uri="{386F3935-93C4-4BCD-93E2-E3B085C9AB24}">
+                <p16:designElem xmlns:p16="http://schemas.microsoft.com/office/powerpoint/2015/main" val="1"/>
+              </p:ext>
+            </p:extLst>
+          </p:nvPr>
+        </p:nvSpPr>
+        <p:spPr>
+          <a:xfrm>
+            <a:off x="0" y="0"/>
+            <a:ext cx="12192000" cy="6858000"/>
+          </a:xfrm>
+          <a:prstGeom prst="rect">
+            <a:avLst/>
+          </a:prstGeom>
+          <a:ln>
+            <a:noFill/>
+          </a:ln>
+        </p:spPr>
+        <p:style>
+          <a:lnRef idx="2">
+            <a:schemeClr val="accent1">
+              <a:shade val="50000"/>
+            </a:schemeClr>
+          </a:lnRef>
+          <a:fillRef idx="1">
+            <a:schemeClr val="accent1"/>
+          </a:fillRef>
+          <a:effectRef idx="0">
+            <a:schemeClr val="accent1"/>
+          </a:effectRef>
+          <a:fontRef idx="minor">
+            <a:schemeClr val="lt1"/>
+          </a:fontRef>
+        </p:style>
+        <p:txBody>
+          <a:bodyPr rtlCol="0" anchor="ctr"/>
+          <a:lstStyle/>
+          <a:p>
+            <a:pPr algn="ctr"/>
+            <a:endParaRPr lang="en-US"/>
+          </a:p>
+        </p:txBody>
+      </p:sp>
+      <p:sp useBgFill="1">
+        <p:nvSpPr>
+          <p:cNvPr id="12" name="Rectangle 11">
+            <a:extLst>
+              <a:ext uri="{FF2B5EF4-FFF2-40B4-BE49-F238E27FC236}">
+                <a16:creationId xmlns:a16="http://schemas.microsoft.com/office/drawing/2014/main" id="{57F6BDD4-E066-4008-8011-6CC31AEB4556}"/>
+              </a:ext>
+              <a:ext uri="{C183D7F6-B498-43B3-948B-1728B52AA6E4}">
+                <adec:decorative xmlns:adec="http://schemas.microsoft.com/office/drawing/2017/decorative" val="1"/>
+              </a:ext>
+            </a:extLst>
+          </p:cNvPr>
+          <p:cNvSpPr>
+            <a:spLocks noGrp="1" noRot="1" noChangeAspect="1" noMove="1" noResize="1" noEditPoints="1" noAdjustHandles="1" noChangeArrowheads="1" noChangeShapeType="1" noTextEdit="1"/>
+          </p:cNvSpPr>
+          <p:nvPr>
+            <p:extLst>
+              <p:ext uri="{386F3935-93C4-4BCD-93E2-E3B085C9AB24}">
+                <p16:designElem xmlns:p16="http://schemas.microsoft.com/office/powerpoint/2015/main" val="1"/>
+              </p:ext>
+            </p:extLst>
+          </p:nvPr>
+        </p:nvSpPr>
+        <p:spPr>
+          <a:xfrm>
+            <a:off x="409575" y="633619"/>
+            <a:ext cx="4279383" cy="5495925"/>
+          </a:xfrm>
+          <a:prstGeom prst="rect">
+            <a:avLst/>
+          </a:prstGeom>
+          <a:ln w="9525">
+            <a:solidFill>
+              <a:srgbClr val="DEDEDE"/>
+            </a:solidFill>
+          </a:ln>
+          <a:effectLst>
+            <a:outerShdw blurRad="50800" dist="38100" dir="2700000" algn="tl" rotWithShape="0">
+              <a:schemeClr val="bg1">
+                <a:lumMod val="85000"/>
+                <a:alpha val="50000"/>
+              </a:schemeClr>
+            </a:outerShdw>
+          </a:effectLst>
+        </p:spPr>
+        <p:style>
+          <a:lnRef idx="2">
+            <a:schemeClr val="accent1">
+              <a:shade val="50000"/>
+            </a:schemeClr>
+          </a:lnRef>
+          <a:fillRef idx="1">
+            <a:schemeClr val="accent1"/>
+          </a:fillRef>
+          <a:effectRef idx="0">
+            <a:schemeClr val="accent1"/>
+          </a:effectRef>
+          <a:fontRef idx="minor">
+            <a:schemeClr val="lt1"/>
+          </a:fontRef>
+        </p:style>
+        <p:txBody>
+          <a:bodyPr rtlCol="0" anchor="ctr"/>
+          <a:lstStyle/>
+          <a:p>
+            <a:pPr marL="0" marR="0" lvl="0" indent="0" algn="ctr" defTabSz="914400" rtl="0" eaLnBrk="1" fontAlgn="auto" latinLnBrk="0" hangingPunct="1">
+              <a:lnSpc>
+                <a:spcPct val="100000"/>
+              </a:lnSpc>
+              <a:spcBef>
+                <a:spcPts val="0"/>
+              </a:spcBef>
+              <a:spcAft>
+                <a:spcPts val="0"/>
+              </a:spcAft>
+              <a:buClrTx/>
+              <a:buSzTx/>
+              <a:buFontTx/>
+              <a:buNone/>
+              <a:tabLst/>
+              <a:defRPr/>
+            </a:pPr>
+            <a:endParaRPr kumimoji="0" lang="en-US" sz="1800" b="0" i="0" u="none" strike="noStrike" kern="1200" cap="none" spc="0" normalizeH="0" baseline="0" noProof="0">
+              <a:ln>
+                <a:noFill/>
+              </a:ln>
+              <a:solidFill>
+                <a:prstClr val="white"/>
+              </a:solidFill>
+              <a:effectLst/>
+              <a:uLnTx/>
+              <a:uFillTx/>
+              <a:latin typeface="Calibri" panose="020F0502020204030204"/>
+              <a:ea typeface="+mn-ea"/>
+              <a:cs typeface="+mn-cs"/>
+            </a:endParaRPr>
+          </a:p>
+        </p:txBody>
+      </p:sp>
+      <p:sp>
+        <p:nvSpPr>
+          <p:cNvPr id="2" name="Title 1">
+            <a:extLst>
+              <a:ext uri="{FF2B5EF4-FFF2-40B4-BE49-F238E27FC236}">
+                <a16:creationId xmlns:a16="http://schemas.microsoft.com/office/drawing/2014/main" id="{B34F0260-2901-4D84-AE15-D0FD55317EAC}"/>
+              </a:ext>
+            </a:extLst>
+          </p:cNvPr>
+          <p:cNvSpPr>
+            <a:spLocks noGrp="1"/>
+          </p:cNvSpPr>
+          <p:nvPr>
+            <p:ph type="title"/>
+          </p:nvPr>
+        </p:nvSpPr>
+        <p:spPr>
+          <a:xfrm>
+            <a:off x="841247" y="978619"/>
+            <a:ext cx="3410712" cy="1106424"/>
+          </a:xfrm>
+        </p:spPr>
+        <p:txBody>
+          <a:bodyPr>
+            <a:normAutofit/>
+          </a:bodyPr>
+          <a:lstStyle/>
+          <a:p>
+            <a:r>
+              <a:rPr lang="en-US" sz="1800" dirty="0"/>
+              <a:t>When generating polytopes, the number of results is equal to or less than (usually slightly) than the number of seed points</a:t>
+            </a:r>
+          </a:p>
+        </p:txBody>
+      </p:sp>
+      <p:sp>
+        <p:nvSpPr>
+          <p:cNvPr id="14" name="Rectangle 13">
+            <a:extLst>
+              <a:ext uri="{FF2B5EF4-FFF2-40B4-BE49-F238E27FC236}">
+                <a16:creationId xmlns:a16="http://schemas.microsoft.com/office/drawing/2014/main" id="{2711A8FB-68FC-45FC-B01E-38F809E2D439}"/>
+              </a:ext>
+              <a:ext uri="{C183D7F6-B498-43B3-948B-1728B52AA6E4}">
+                <adec:decorative xmlns:adec="http://schemas.microsoft.com/office/drawing/2017/decorative" val="1"/>
+              </a:ext>
+            </a:extLst>
+          </p:cNvPr>
+          <p:cNvSpPr>
+            <a:spLocks noGrp="1" noRot="1" noChangeAspect="1" noMove="1" noResize="1" noEditPoints="1" noAdjustHandles="1" noChangeArrowheads="1" noChangeShapeType="1" noTextEdit="1"/>
+          </p:cNvSpPr>
+          <p:nvPr>
+            <p:extLst>
+              <p:ext uri="{386F3935-93C4-4BCD-93E2-E3B085C9AB24}">
+                <p16:designElem xmlns:p16="http://schemas.microsoft.com/office/powerpoint/2015/main" val="1"/>
+              </p:ext>
+            </p:extLst>
+          </p:nvPr>
+        </p:nvSpPr>
+        <p:spPr>
+          <a:xfrm>
+            <a:off x="345567" y="1171300"/>
+            <a:ext cx="128016" cy="704088"/>
+          </a:xfrm>
+          <a:prstGeom prst="rect">
+            <a:avLst/>
+          </a:prstGeom>
+          <a:solidFill>
+            <a:schemeClr val="accent2"/>
+          </a:solidFill>
+          <a:ln>
+            <a:noFill/>
+          </a:ln>
+        </p:spPr>
+        <p:style>
+          <a:lnRef idx="2">
+            <a:schemeClr val="accent1">
+              <a:shade val="50000"/>
+            </a:schemeClr>
+          </a:lnRef>
+          <a:fillRef idx="1">
+            <a:schemeClr val="accent1"/>
+          </a:fillRef>
+          <a:effectRef idx="0">
+            <a:schemeClr val="accent1"/>
+          </a:effectRef>
+          <a:fontRef idx="minor">
+            <a:schemeClr val="lt1"/>
+          </a:fontRef>
+        </p:style>
+        <p:txBody>
+          <a:bodyPr rtlCol="0" anchor="ctr"/>
+          <a:lstStyle/>
+          <a:p>
+            <a:pPr algn="ctr"/>
+            <a:endParaRPr lang="en-US">
+              <a:solidFill>
+                <a:prstClr val="white"/>
+              </a:solidFill>
+              <a:latin typeface="Calibri" panose="020F0502020204030204"/>
+            </a:endParaRPr>
+          </a:p>
+        </p:txBody>
+      </p:sp>
+      <p:sp>
+        <p:nvSpPr>
+          <p:cNvPr id="16" name="Rectangle 15">
+            <a:extLst>
+              <a:ext uri="{FF2B5EF4-FFF2-40B4-BE49-F238E27FC236}">
+                <a16:creationId xmlns:a16="http://schemas.microsoft.com/office/drawing/2014/main" id="{2A865FE3-5FC9-4049-87CF-30019C46C0F5}"/>
+              </a:ext>
+              <a:ext uri="{C183D7F6-B498-43B3-948B-1728B52AA6E4}">
+                <adec:decorative xmlns:adec="http://schemas.microsoft.com/office/drawing/2017/decorative" val="1"/>
+              </a:ext>
+            </a:extLst>
+          </p:cNvPr>
+          <p:cNvSpPr>
+            <a:spLocks noGrp="1" noRot="1" noChangeAspect="1" noMove="1" noResize="1" noEditPoints="1" noAdjustHandles="1" noChangeArrowheads="1" noChangeShapeType="1" noTextEdit="1"/>
+          </p:cNvSpPr>
+          <p:nvPr>
+            <p:extLst>
+              <p:ext uri="{386F3935-93C4-4BCD-93E2-E3B085C9AB24}">
+                <p16:designElem xmlns:p16="http://schemas.microsoft.com/office/powerpoint/2015/main" val="1"/>
+              </p:ext>
+            </p:extLst>
+          </p:nvPr>
+        </p:nvSpPr>
+        <p:spPr>
+          <a:xfrm>
+            <a:off x="877459" y="2093976"/>
+            <a:ext cx="3328416" cy="9144"/>
+          </a:xfrm>
+          <a:prstGeom prst="rect">
+            <a:avLst/>
+          </a:prstGeom>
+          <a:solidFill>
+            <a:srgbClr val="D5D5D5"/>
+          </a:solidFill>
+          <a:ln w="3175">
+            <a:noFill/>
+          </a:ln>
+          <a:effectLst/>
+        </p:spPr>
+        <p:style>
+          <a:lnRef idx="2">
+            <a:schemeClr val="accent1">
+              <a:shade val="50000"/>
+            </a:schemeClr>
+          </a:lnRef>
+          <a:fillRef idx="1">
+            <a:schemeClr val="accent1"/>
+          </a:fillRef>
+          <a:effectRef idx="0">
+            <a:schemeClr val="accent1"/>
+          </a:effectRef>
+          <a:fontRef idx="minor">
+            <a:schemeClr val="lt1"/>
+          </a:fontRef>
+        </p:style>
+        <p:txBody>
+          <a:bodyPr rtlCol="0" anchor="ctr"/>
+          <a:lstStyle/>
+          <a:p>
+            <a:pPr algn="ctr"/>
+            <a:endParaRPr lang="en-US">
+              <a:solidFill>
+                <a:prstClr val="white"/>
+              </a:solidFill>
+              <a:latin typeface="Calibri" panose="020F0502020204030204"/>
+            </a:endParaRPr>
+          </a:p>
+        </p:txBody>
+      </p:sp>
+      <p:sp>
+        <p:nvSpPr>
+          <p:cNvPr id="3" name="Content Placeholder 2">
+            <a:extLst>
+              <a:ext uri="{FF2B5EF4-FFF2-40B4-BE49-F238E27FC236}">
+                <a16:creationId xmlns:a16="http://schemas.microsoft.com/office/drawing/2014/main" id="{F898CA3F-C285-4D78-A18A-3FDF42A58C61}"/>
+              </a:ext>
+            </a:extLst>
+          </p:cNvPr>
+          <p:cNvSpPr>
+            <a:spLocks noGrp="1"/>
+          </p:cNvSpPr>
+          <p:nvPr>
+            <p:ph idx="1"/>
+          </p:nvPr>
+        </p:nvSpPr>
+        <p:spPr>
+          <a:xfrm>
+            <a:off x="841248" y="2252870"/>
+            <a:ext cx="3412219" cy="3560251"/>
+          </a:xfrm>
+        </p:spPr>
+        <p:txBody>
+          <a:bodyPr>
+            <a:normAutofit/>
+          </a:bodyPr>
+          <a:lstStyle/>
+          <a:p>
+            <a:pPr marL="0" indent="0">
+              <a:buNone/>
+            </a:pPr>
+            <a:r>
+              <a:rPr lang="en-US" sz="1700" dirty="0"/>
+              <a:t>Some polytopes along edges extend out of the region and are deleted, resulting in fewer polytopes than seeds</a:t>
+            </a:r>
+          </a:p>
+        </p:txBody>
+      </p:sp>
+      <p:pic>
+        <p:nvPicPr>
+          <p:cNvPr id="5" name="Picture 4">
+            <a:extLst>
+              <a:ext uri="{FF2B5EF4-FFF2-40B4-BE49-F238E27FC236}">
+                <a16:creationId xmlns:a16="http://schemas.microsoft.com/office/drawing/2014/main" id="{D0339ECB-8C43-4472-B6B9-E10E2DE42112}"/>
+              </a:ext>
+            </a:extLst>
+          </p:cNvPr>
+          <p:cNvPicPr>
+            <a:picLocks noChangeAspect="1"/>
+          </p:cNvPicPr>
+          <p:nvPr/>
+        </p:nvPicPr>
+        <p:blipFill>
+          <a:blip r:embed="rId2"/>
+          <a:stretch>
+            <a:fillRect/>
+          </a:stretch>
+        </p:blipFill>
+        <p:spPr>
+          <a:xfrm>
+            <a:off x="5120640" y="882396"/>
+            <a:ext cx="6656832" cy="4992624"/>
+          </a:xfrm>
+          <a:prstGeom prst="rect">
+            <a:avLst/>
+          </a:prstGeom>
+        </p:spPr>
+      </p:pic>
+    </p:spTree>
+    <p:extLst>
+      <p:ext uri="{BB962C8B-B14F-4D97-AF65-F5344CB8AC3E}">
+        <p14:creationId xmlns:p14="http://schemas.microsoft.com/office/powerpoint/2010/main" val="3166923297"/>
+      </p:ext>
+    </p:extLst>
+  </p:cSld>
+  <p:clrMapOvr>
+    <a:masterClrMapping/>
+  </p:clrMapOvr>
+</p:sld>
+</file>
+
+<file path=ppt/slides/slide8.xml><?xml version="1.0" encoding="utf-8"?>
+<p:sld xmlns:a="http://schemas.openxmlformats.org/drawingml/2006/main" xmlns:r="http://schemas.openxmlformats.org/officeDocument/2006/relationships" xmlns:p="http://schemas.openxmlformats.org/presentationml/2006/main">
+  <p:cSld>
+    <p:spTree>
+      <p:nvGrpSpPr>
+        <p:cNvPr id="1" name=""/>
+        <p:cNvGrpSpPr/>
+        <p:nvPr/>
+      </p:nvGrpSpPr>
+      <p:grpSpPr>
+        <a:xfrm>
+          <a:off x="0" y="0"/>
+          <a:ext cx="0" cy="0"/>
+          <a:chOff x="0" y="0"/>
+          <a:chExt cx="0" cy="0"/>
+        </a:xfrm>
+      </p:grpSpPr>
+      <p:sp>
+        <p:nvSpPr>
+          <p:cNvPr id="2" name="Title 1">
+            <a:extLst>
+              <a:ext uri="{FF2B5EF4-FFF2-40B4-BE49-F238E27FC236}">
+                <a16:creationId xmlns:a16="http://schemas.microsoft.com/office/drawing/2014/main" id="{91FF21CD-EE3E-45FB-AF8C-6994E7B10697}"/>
+              </a:ext>
+            </a:extLst>
+          </p:cNvPr>
+          <p:cNvSpPr>
+            <a:spLocks noGrp="1"/>
+          </p:cNvSpPr>
+          <p:nvPr>
+            <p:ph type="title"/>
+          </p:nvPr>
+        </p:nvSpPr>
+        <p:spPr/>
+        <p:txBody>
+          <a:bodyPr/>
+          <a:lstStyle/>
+          <a:p>
+            <a:r>
+              <a:rPr lang="en-US" dirty="0"/>
+              <a:t>There are defining properties of each map with respect to obstacles</a:t>
+            </a:r>
+          </a:p>
+        </p:txBody>
+      </p:sp>
+      <p:sp>
+        <p:nvSpPr>
+          <p:cNvPr id="3" name="Content Placeholder 2">
+            <a:extLst>
+              <a:ext uri="{FF2B5EF4-FFF2-40B4-BE49-F238E27FC236}">
+                <a16:creationId xmlns:a16="http://schemas.microsoft.com/office/drawing/2014/main" id="{A7C17ED6-E98F-4CCD-B80C-D51F01B15BE5}"/>
+              </a:ext>
+            </a:extLst>
+          </p:cNvPr>
+          <p:cNvSpPr>
+            <a:spLocks noGrp="1"/>
+          </p:cNvSpPr>
+          <p:nvPr>
+            <p:ph idx="1"/>
+          </p:nvPr>
+        </p:nvSpPr>
+        <p:spPr>
+          <a:xfrm>
+            <a:off x="838200" y="1825625"/>
+            <a:ext cx="3409950" cy="4351338"/>
+          </a:xfrm>
+        </p:spPr>
+        <p:txBody>
+          <a:bodyPr/>
+          <a:lstStyle/>
+          <a:p>
+            <a:pPr marL="0" indent="0">
+              <a:buNone/>
+            </a:pPr>
+            <a:r>
+              <a:rPr lang="en-US" dirty="0"/>
+              <a:t>The maps generated in this function are constrained by three main factors:</a:t>
+            </a:r>
+          </a:p>
+          <a:p>
+            <a:pPr marL="514350" indent="-514350">
+              <a:buFont typeface="+mj-lt"/>
+              <a:buAutoNum type="arabicPeriod"/>
+            </a:pPr>
+            <a:r>
+              <a:rPr lang="en-US" dirty="0"/>
+              <a:t>point density, </a:t>
+            </a:r>
+          </a:p>
+          <a:p>
+            <a:pPr marL="514350" indent="-514350">
+              <a:buFont typeface="+mj-lt"/>
+              <a:buAutoNum type="arabicPeriod"/>
+            </a:pPr>
+            <a:r>
+              <a:rPr lang="en-US" dirty="0"/>
+              <a:t>average obstacle radius, and </a:t>
+            </a:r>
+          </a:p>
+          <a:p>
+            <a:pPr marL="514350" indent="-514350">
+              <a:buFont typeface="+mj-lt"/>
+              <a:buAutoNum type="arabicPeriod"/>
+            </a:pPr>
+            <a:r>
+              <a:rPr lang="en-US" dirty="0"/>
+              <a:t>standard deviation in obstacle radius. </a:t>
+            </a:r>
+          </a:p>
+        </p:txBody>
+      </p:sp>
+      <p:sp>
+        <p:nvSpPr>
+          <p:cNvPr id="4" name="Content Placeholder 2">
+            <a:extLst>
+              <a:ext uri="{FF2B5EF4-FFF2-40B4-BE49-F238E27FC236}">
+                <a16:creationId xmlns:a16="http://schemas.microsoft.com/office/drawing/2014/main" id="{EB0469DA-F1B5-43E6-BC81-729DF5541C5D}"/>
+              </a:ext>
+            </a:extLst>
+          </p:cNvPr>
+          <p:cNvSpPr txBox="1">
+            <a:spLocks/>
+          </p:cNvSpPr>
+          <p:nvPr/>
+        </p:nvSpPr>
+        <p:spPr>
+          <a:xfrm>
+            <a:off x="5515708" y="2203937"/>
+            <a:ext cx="6676292" cy="2976563"/>
+          </a:xfrm>
+          <a:prstGeom prst="rect">
+            <a:avLst/>
+          </a:prstGeom>
+        </p:spPr>
+        <p:txBody>
+          <a:bodyPr vert="horz" lIns="91440" tIns="45720" rIns="91440" bIns="45720" rtlCol="0">
+            <a:normAutofit/>
+          </a:bodyPr>
+          <a:lstStyle>
+            <a:lvl1pPr marL="228600" indent="-228600" algn="l" defTabSz="914400" rtl="0" eaLnBrk="1" latinLnBrk="0" hangingPunct="1">
+              <a:lnSpc>
+                <a:spcPct val="90000"/>
+              </a:lnSpc>
+              <a:spcBef>
+                <a:spcPts val="1000"/>
+              </a:spcBef>
+              <a:buFont typeface="Arial" panose="020B0604020202020204" pitchFamily="34" charset="0"/>
+              <a:buChar char="•"/>
+              <a:defRPr sz="2800" kern="1200">
+                <a:solidFill>
+                  <a:schemeClr val="tx1"/>
+                </a:solidFill>
+                <a:latin typeface="+mn-lt"/>
+                <a:ea typeface="+mn-ea"/>
+                <a:cs typeface="+mn-cs"/>
+              </a:defRPr>
+            </a:lvl1pPr>
+            <a:lvl2pPr marL="685800" indent="-228600" algn="l" defTabSz="914400" rtl="0" eaLnBrk="1" latinLnBrk="0" hangingPunct="1">
+              <a:lnSpc>
+                <a:spcPct val="90000"/>
+              </a:lnSpc>
+              <a:spcBef>
+                <a:spcPts val="500"/>
+              </a:spcBef>
+              <a:buFont typeface="Arial" panose="020B0604020202020204" pitchFamily="34" charset="0"/>
+              <a:buChar char="•"/>
+              <a:defRPr sz="2400" kern="1200">
+                <a:solidFill>
+                  <a:schemeClr val="tx1"/>
+                </a:solidFill>
+                <a:latin typeface="+mn-lt"/>
+                <a:ea typeface="+mn-ea"/>
+                <a:cs typeface="+mn-cs"/>
+              </a:defRPr>
+            </a:lvl2pPr>
+            <a:lvl3pPr marL="1143000" indent="-228600" algn="l" defTabSz="914400" rtl="0" eaLnBrk="1" latinLnBrk="0" hangingPunct="1">
+              <a:lnSpc>
+                <a:spcPct val="90000"/>
+              </a:lnSpc>
+              <a:spcBef>
+                <a:spcPts val="500"/>
+              </a:spcBef>
+              <a:buFont typeface="Arial" panose="020B0604020202020204" pitchFamily="34" charset="0"/>
+              <a:buChar char="•"/>
+              <a:defRPr sz="2000" kern="1200">
+                <a:solidFill>
+                  <a:schemeClr val="tx1"/>
+                </a:solidFill>
+                <a:latin typeface="+mn-lt"/>
+                <a:ea typeface="+mn-ea"/>
+                <a:cs typeface="+mn-cs"/>
+              </a:defRPr>
+            </a:lvl3pPr>
+            <a:lvl4pPr marL="1600200" indent="-228600" algn="l" defTabSz="914400" rtl="0" eaLnBrk="1" latinLnBrk="0" hangingPunct="1">
+              <a:lnSpc>
+                <a:spcPct val="90000"/>
+              </a:lnSpc>
+              <a:spcBef>
+                <a:spcPts val="500"/>
+              </a:spcBef>
+              <a:buFont typeface="Arial" panose="020B0604020202020204" pitchFamily="34" charset="0"/>
+              <a:buChar char="•"/>
+              <a:defRPr sz="1800" kern="1200">
+                <a:solidFill>
+                  <a:schemeClr val="tx1"/>
+                </a:solidFill>
+                <a:latin typeface="+mn-lt"/>
+                <a:ea typeface="+mn-ea"/>
+                <a:cs typeface="+mn-cs"/>
+              </a:defRPr>
+            </a:lvl4pPr>
+            <a:lvl5pPr marL="2057400" indent="-228600" algn="l" defTabSz="914400" rtl="0" eaLnBrk="1" latinLnBrk="0" hangingPunct="1">
+              <a:lnSpc>
+                <a:spcPct val="90000"/>
+              </a:lnSpc>
+              <a:spcBef>
+                <a:spcPts val="500"/>
+              </a:spcBef>
+              <a:buFont typeface="Arial" panose="020B0604020202020204" pitchFamily="34" charset="0"/>
+              <a:buChar char="•"/>
+              <a:defRPr sz="1800" kern="1200">
+                <a:solidFill>
+                  <a:schemeClr val="tx1"/>
+                </a:solidFill>
+                <a:latin typeface="+mn-lt"/>
+                <a:ea typeface="+mn-ea"/>
+                <a:cs typeface="+mn-cs"/>
+              </a:defRPr>
+            </a:lvl5pPr>
+            <a:lvl6pPr marL="2514600" indent="-228600" algn="l" defTabSz="914400" rtl="0" eaLnBrk="1" latinLnBrk="0" hangingPunct="1">
+              <a:lnSpc>
+                <a:spcPct val="90000"/>
+              </a:lnSpc>
+              <a:spcBef>
+                <a:spcPts val="500"/>
+              </a:spcBef>
+              <a:buFont typeface="Arial" panose="020B0604020202020204" pitchFamily="34" charset="0"/>
+              <a:buChar char="•"/>
+              <a:defRPr sz="1800" kern="1200">
+                <a:solidFill>
+                  <a:schemeClr val="tx1"/>
+                </a:solidFill>
+                <a:latin typeface="+mn-lt"/>
+                <a:ea typeface="+mn-ea"/>
+                <a:cs typeface="+mn-cs"/>
+              </a:defRPr>
+            </a:lvl6pPr>
+            <a:lvl7pPr marL="2971800" indent="-228600" algn="l" defTabSz="914400" rtl="0" eaLnBrk="1" latinLnBrk="0" hangingPunct="1">
+              <a:lnSpc>
+                <a:spcPct val="90000"/>
+              </a:lnSpc>
+              <a:spcBef>
+                <a:spcPts val="500"/>
+              </a:spcBef>
+              <a:buFont typeface="Arial" panose="020B0604020202020204" pitchFamily="34" charset="0"/>
+              <a:buChar char="•"/>
+              <a:defRPr sz="1800" kern="1200">
+                <a:solidFill>
+                  <a:schemeClr val="tx1"/>
+                </a:solidFill>
+                <a:latin typeface="+mn-lt"/>
+                <a:ea typeface="+mn-ea"/>
+                <a:cs typeface="+mn-cs"/>
+              </a:defRPr>
+            </a:lvl7pPr>
+            <a:lvl8pPr marL="3429000" indent="-228600" algn="l" defTabSz="914400" rtl="0" eaLnBrk="1" latinLnBrk="0" hangingPunct="1">
+              <a:lnSpc>
+                <a:spcPct val="90000"/>
+              </a:lnSpc>
+              <a:spcBef>
+                <a:spcPts val="500"/>
+              </a:spcBef>
+              <a:buFont typeface="Arial" panose="020B0604020202020204" pitchFamily="34" charset="0"/>
+              <a:buChar char="•"/>
+              <a:defRPr sz="1800" kern="1200">
+                <a:solidFill>
+                  <a:schemeClr val="tx1"/>
+                </a:solidFill>
+                <a:latin typeface="+mn-lt"/>
+                <a:ea typeface="+mn-ea"/>
+                <a:cs typeface="+mn-cs"/>
+              </a:defRPr>
+            </a:lvl8pPr>
+            <a:lvl9pPr marL="3886200" indent="-228600" algn="l" defTabSz="914400" rtl="0" eaLnBrk="1" latinLnBrk="0" hangingPunct="1">
+              <a:lnSpc>
+                <a:spcPct val="90000"/>
+              </a:lnSpc>
+              <a:spcBef>
+                <a:spcPts val="500"/>
+              </a:spcBef>
+              <a:buFont typeface="Arial" panose="020B0604020202020204" pitchFamily="34" charset="0"/>
+              <a:buChar char="•"/>
+              <a:defRPr sz="1800" kern="1200">
+                <a:solidFill>
+                  <a:schemeClr val="tx1"/>
+                </a:solidFill>
+                <a:latin typeface="+mn-lt"/>
+                <a:ea typeface="+mn-ea"/>
+                <a:cs typeface="+mn-cs"/>
+              </a:defRPr>
+            </a:lvl9pPr>
+          </a:lstStyle>
+          <a:p>
+            <a:pPr marL="0" indent="0">
+              <a:buFont typeface="Arial" panose="020B0604020202020204" pitchFamily="34" charset="0"/>
+              <a:buNone/>
+            </a:pPr>
+            <a:r>
+              <a:rPr lang="en-US"/>
+              <a:t>The image below shows three maps with variations in these three parameters</a:t>
+            </a:r>
+            <a:endParaRPr lang="en-US" dirty="0"/>
+          </a:p>
+        </p:txBody>
+      </p:sp>
+      <p:pic>
+        <p:nvPicPr>
+          <p:cNvPr id="5" name="Picture 4">
+            <a:extLst>
+              <a:ext uri="{FF2B5EF4-FFF2-40B4-BE49-F238E27FC236}">
+                <a16:creationId xmlns:a16="http://schemas.microsoft.com/office/drawing/2014/main" id="{55AA7D4C-4722-41B6-904A-F03AB28F2EC7}"/>
+              </a:ext>
+            </a:extLst>
+          </p:cNvPr>
+          <p:cNvPicPr>
+            <a:picLocks noChangeAspect="1"/>
+          </p:cNvPicPr>
+          <p:nvPr/>
+        </p:nvPicPr>
+        <p:blipFill>
+          <a:blip r:embed="rId2" cstate="email">
+            <a:extLst>
+              <a:ext uri="{28A0092B-C50C-407E-A947-70E740481C1C}">
+                <a14:useLocalDpi xmlns:a14="http://schemas.microsoft.com/office/drawing/2010/main"/>
+              </a:ext>
+            </a:extLst>
+          </a:blip>
+          <a:stretch>
+            <a:fillRect/>
+          </a:stretch>
+        </p:blipFill>
+        <p:spPr>
+          <a:xfrm>
+            <a:off x="4865988" y="3203974"/>
+            <a:ext cx="6804335" cy="2193525"/>
+          </a:xfrm>
+          <a:prstGeom prst="rect">
+            <a:avLst/>
+          </a:prstGeom>
+        </p:spPr>
+      </p:pic>
+      <p:sp>
+        <p:nvSpPr>
+          <p:cNvPr id="6" name="Rectangle 5">
+            <a:extLst>
+              <a:ext uri="{FF2B5EF4-FFF2-40B4-BE49-F238E27FC236}">
+                <a16:creationId xmlns:a16="http://schemas.microsoft.com/office/drawing/2014/main" id="{BE133207-D2CB-4F57-9EB8-AFF19B171586}"/>
+              </a:ext>
+            </a:extLst>
+          </p:cNvPr>
+          <p:cNvSpPr/>
+          <p:nvPr/>
+        </p:nvSpPr>
+        <p:spPr>
+          <a:xfrm>
+            <a:off x="5515708" y="5397499"/>
+            <a:ext cx="6096000" cy="1015663"/>
+          </a:xfrm>
+          <a:prstGeom prst="rect">
+            <a:avLst/>
+          </a:prstGeom>
+        </p:spPr>
+        <p:txBody>
+          <a:bodyPr>
+            <a:spAutoFit/>
+          </a:bodyPr>
+          <a:lstStyle/>
+          <a:p>
+            <a:r>
+              <a:rPr lang="en-US" sz="1200" dirty="0">
+                <a:solidFill>
+                  <a:srgbClr val="ADBAC7"/>
+                </a:solidFill>
+                <a:latin typeface="+mj-lt"/>
+              </a:rPr>
+              <a:t>Maps (a) and (b) have point densities of 75 points per square kilometer, and map (c) has a point density of 150 points per square kilometer. Maps (a) and (b) have average obstacle radii of 50 meters, and map (c) has an average obstacle radius of 30 meters. Maps (a) and (c) have standard deviations in obstacle radius of 0, and map (b) has a standard deviation in obstacle radius of 20 meters.</a:t>
+            </a:r>
+            <a:endParaRPr lang="en-US" sz="1200" dirty="0">
+              <a:latin typeface="+mj-lt"/>
+            </a:endParaRPr>
+          </a:p>
+        </p:txBody>
+      </p:sp>
+    </p:spTree>
+    <p:extLst>
+      <p:ext uri="{BB962C8B-B14F-4D97-AF65-F5344CB8AC3E}">
+        <p14:creationId xmlns:p14="http://schemas.microsoft.com/office/powerpoint/2010/main" val="4220504866"/>
+      </p:ext>
+    </p:extLst>
+  </p:cSld>
+  <p:clrMapOvr>
+    <a:masterClrMapping/>
+  </p:clrMapOvr>
+</p:sld>
+</file>
+
 <file path=ppt/slides/slide9.xml><?xml version="1.0" encoding="utf-8"?>
 <p:sld xmlns:a="http://schemas.openxmlformats.org/drawingml/2006/main" xmlns:r="http://schemas.openxmlformats.org/officeDocument/2006/relationships" xmlns:p="http://schemas.openxmlformats.org/presentationml/2006/main">
   <p:cSld>
@@ -19425,7 +18846,7 @@
           <p:cNvPr id="2" name="Title 1">
             <a:extLst>
               <a:ext uri="{FF2B5EF4-FFF2-40B4-BE49-F238E27FC236}">
-                <a16:creationId xmlns:a16="http://schemas.microsoft.com/office/drawing/2014/main" id="{925DE5FB-AF4E-405F-B516-322A0D38A554}"/>
+                <a16:creationId xmlns:a16="http://schemas.microsoft.com/office/drawing/2014/main" id="{91FF21CD-EE3E-45FB-AF8C-6994E7B10697}"/>
               </a:ext>
             </a:extLst>
           </p:cNvPr>
@@ -19438,16 +18859,13 @@
         </p:nvSpPr>
         <p:spPr/>
         <p:txBody>
-          <a:bodyPr>
-            <a:noAutofit/>
-          </a:bodyPr>
+          <a:bodyPr/>
           <a:lstStyle/>
           <a:p>
             <a:r>
-              <a:rPr lang="en-US" sz="3600"/>
-              <a:t>The sets are generated by selecting random numbers in 2 dimensions between 0 and 1, then performing a Voronoi segmentation based on the seed points</a:t>
-            </a:r>
-            <a:endParaRPr lang="en-US" sz="3600" dirty="0"/>
+              <a:rPr lang="en-US" dirty="0"/>
+              <a:t>The point density is defined as the number of obstacles (or points) per unit area</a:t>
+            </a:r>
           </a:p>
         </p:txBody>
       </p:sp>
@@ -19456,7 +18874,7 @@
           <p:cNvPr id="3" name="Content Placeholder 2">
             <a:extLst>
               <a:ext uri="{FF2B5EF4-FFF2-40B4-BE49-F238E27FC236}">
-                <a16:creationId xmlns:a16="http://schemas.microsoft.com/office/drawing/2014/main" id="{6F517848-FA2F-48EB-B9E5-45F2CAABAA2C}"/>
+                <a16:creationId xmlns:a16="http://schemas.microsoft.com/office/drawing/2014/main" id="{A7C17ED6-E98F-4CCD-B80C-D51F01B15BE5}"/>
               </a:ext>
             </a:extLst>
           </p:cNvPr>
@@ -19477,87 +18895,15 @@
             </a:pPr>
             <a:r>
               <a:rPr lang="en-US" dirty="0"/>
-              <a:t>The images shown are cropped views, so the outlier boundaries are not seen</a:t>
+              <a:t>This describes how close the obstacles are to one another. </a:t>
             </a:r>
           </a:p>
         </p:txBody>
       </p:sp>
-      <p:pic>
-        <p:nvPicPr>
-          <p:cNvPr id="5" name="Picture 4">
-            <a:extLst>
-              <a:ext uri="{FF2B5EF4-FFF2-40B4-BE49-F238E27FC236}">
-                <a16:creationId xmlns:a16="http://schemas.microsoft.com/office/drawing/2014/main" id="{18A20D6C-DF53-480D-A78C-643EC5733B72}"/>
-              </a:ext>
-            </a:extLst>
-          </p:cNvPr>
-          <p:cNvPicPr>
-            <a:picLocks noChangeAspect="1"/>
-          </p:cNvPicPr>
-          <p:nvPr/>
-        </p:nvPicPr>
-        <p:blipFill>
-          <a:blip r:embed="rId2" cstate="email">
-            <a:extLst>
-              <a:ext uri="{28A0092B-C50C-407E-A947-70E740481C1C}">
-                <a14:useLocalDpi xmlns:a14="http://schemas.microsoft.com/office/drawing/2010/main"/>
-              </a:ext>
-            </a:extLst>
-          </a:blip>
-          <a:stretch>
-            <a:fillRect/>
-          </a:stretch>
-        </p:blipFill>
-        <p:spPr>
-          <a:xfrm>
-            <a:off x="1533280" y="2754923"/>
-            <a:ext cx="4562720" cy="3422040"/>
-          </a:xfrm>
-          <a:prstGeom prst="rect">
-            <a:avLst/>
-          </a:prstGeom>
-        </p:spPr>
-      </p:pic>
-      <p:pic>
-        <p:nvPicPr>
-          <p:cNvPr id="6" name="Picture 5">
-            <a:extLst>
-              <a:ext uri="{FF2B5EF4-FFF2-40B4-BE49-F238E27FC236}">
-                <a16:creationId xmlns:a16="http://schemas.microsoft.com/office/drawing/2014/main" id="{3CCDDF1F-AB55-4C7D-BCAA-C1519D5809B4}"/>
-              </a:ext>
-            </a:extLst>
-          </p:cNvPr>
-          <p:cNvPicPr>
-            <a:picLocks noChangeAspect="1"/>
-          </p:cNvPicPr>
-          <p:nvPr/>
-        </p:nvPicPr>
-        <p:blipFill>
-          <a:blip r:embed="rId3" cstate="email">
-            <a:extLst>
-              <a:ext uri="{28A0092B-C50C-407E-A947-70E740481C1C}">
-                <a14:useLocalDpi xmlns:a14="http://schemas.microsoft.com/office/drawing/2010/main"/>
-              </a:ext>
-            </a:extLst>
-          </a:blip>
-          <a:stretch>
-            <a:fillRect/>
-          </a:stretch>
-        </p:blipFill>
-        <p:spPr>
-          <a:xfrm>
-            <a:off x="6637737" y="2754923"/>
-            <a:ext cx="4562721" cy="3422040"/>
-          </a:xfrm>
-          <a:prstGeom prst="rect">
-            <a:avLst/>
-          </a:prstGeom>
-        </p:spPr>
-      </p:pic>
     </p:spTree>
     <p:extLst>
       <p:ext uri="{BB962C8B-B14F-4D97-AF65-F5344CB8AC3E}">
-        <p14:creationId xmlns:p14="http://schemas.microsoft.com/office/powerpoint/2010/main" val="351905929"/>
+        <p14:creationId xmlns:p14="http://schemas.microsoft.com/office/powerpoint/2010/main" val="316883979"/>
       </p:ext>
     </p:extLst>
   </p:cSld>
